--- a/0 발표용 파워포인트/project06 - 파워포인트 종합 - 서희.pptx
+++ b/0 발표용 파워포인트/project06 - 파워포인트 종합 - 서희.pptx
@@ -5,10 +5,11 @@
     <p:sldMasterId id="2147483648" r:id="rId1"/>
   </p:sldMasterIdLst>
   <p:notesMasterIdLst>
-    <p:notesMasterId r:id="rId3"/>
+    <p:notesMasterId r:id="rId4"/>
   </p:notesMasterIdLst>
   <p:sldIdLst>
     <p:sldId id="256" r:id="rId2"/>
+    <p:sldId id="257" r:id="rId3"/>
   </p:sldIdLst>
   <p:sldSz cx="12192000" cy="6858000"/>
   <p:notesSz cx="6858000" cy="9144000"/>
@@ -109,7 +110,7 @@
   </p:defaultTextStyle>
   <p:extLst>
     <p:ext uri="{EFAFB233-063F-42B5-8137-9DF3F51BA10A}">
-      <p15:sldGuideLst xmlns:p15="http://schemas.microsoft.com/office/powerpoint/2012/main">
+      <p15:sldGuideLst xmlns:p15="http://schemas.microsoft.com/office/powerpoint/2012/main" xmlns="">
         <p15:guide id="1" orient="horz" pos="2160">
           <p15:clr>
             <a:srgbClr val="A4A3A4"/>
@@ -3453,6 +3454,5114 @@
 </p:sld>
 </file>
 
+<file path=ppt/slides/slide2.xml><?xml version="1.0" encoding="utf-8"?>
+<p:sld xmlns:a="http://schemas.openxmlformats.org/drawingml/2006/main" xmlns:r="http://schemas.openxmlformats.org/officeDocument/2006/relationships" xmlns:p="http://schemas.openxmlformats.org/presentationml/2006/main">
+  <p:cSld>
+    <p:spTree>
+      <p:nvGrpSpPr>
+        <p:cNvPr id="1" name=""/>
+        <p:cNvGrpSpPr/>
+        <p:nvPr/>
+      </p:nvGrpSpPr>
+      <p:grpSpPr>
+        <a:xfrm>
+          <a:off x="0" y="0"/>
+          <a:ext cx="0" cy="0"/>
+          <a:chOff x="0" y="0"/>
+          <a:chExt cx="0" cy="0"/>
+        </a:xfrm>
+      </p:grpSpPr>
+      <p:graphicFrame>
+        <p:nvGraphicFramePr>
+          <p:cNvPr id="97" name="표 6"/>
+          <p:cNvGraphicFramePr/>
+          <p:nvPr/>
+        </p:nvGraphicFramePr>
+        <p:xfrm>
+          <a:off x="9309044" y="197402"/>
+          <a:ext cx="2815494" cy="320040"/>
+        </p:xfrm>
+        <a:graphic>
+          <a:graphicData uri="http://schemas.openxmlformats.org/drawingml/2006/table">
+            <a:tbl>
+              <a:tblPr/>
+              <a:tblGrid>
+                <a:gridCol w="1407747">
+                  <a:extLst>
+                    <a:ext uri="{9D8B030D-6E8A-4147-A177-3AD203B41FA5}">
+                      <a16:colId xmlns="" xmlns:a16="http://schemas.microsoft.com/office/drawing/2014/main" val="20000"/>
+                    </a:ext>
+                  </a:extLst>
+                </a:gridCol>
+                <a:gridCol w="1407747">
+                  <a:extLst>
+                    <a:ext uri="{9D8B030D-6E8A-4147-A177-3AD203B41FA5}">
+                      <a16:colId xmlns="" xmlns:a16="http://schemas.microsoft.com/office/drawing/2014/main" val="20001"/>
+                    </a:ext>
+                  </a:extLst>
+                </a:gridCol>
+              </a:tblGrid>
+              <a:tr h="265071">
+                <a:tc>
+                  <a:txBody>
+                    <a:bodyPr/>
+                    <a:lstStyle/>
+                    <a:p>
+                      <a:pPr algn="ctr">
+                        <a:defRPr sz="1800"/>
+                      </a:pPr>
+                      <a:r>
+                        <a:rPr sz="1500"/>
+                        <a:t>화면 번호</a:t>
+                      </a:r>
+                    </a:p>
+                  </a:txBody>
+                  <a:tcPr marL="45720" marR="45720" anchor="ctr" horzOverflow="overflow">
+                    <a:lnL w="12700">
+                      <a:solidFill>
+                        <a:srgbClr val="000000"/>
+                      </a:solidFill>
+                    </a:lnL>
+                    <a:lnR w="12700">
+                      <a:solidFill>
+                        <a:srgbClr val="000000"/>
+                      </a:solidFill>
+                    </a:lnR>
+                    <a:lnT w="12700">
+                      <a:solidFill>
+                        <a:srgbClr val="000000"/>
+                      </a:solidFill>
+                    </a:lnT>
+                    <a:lnB w="12700">
+                      <a:solidFill>
+                        <a:srgbClr val="000000"/>
+                      </a:solidFill>
+                    </a:lnB>
+                    <a:solidFill>
+                      <a:srgbClr val="D9D9D9"/>
+                    </a:solidFill>
+                  </a:tcPr>
+                </a:tc>
+                <a:tc>
+                  <a:txBody>
+                    <a:bodyPr/>
+                    <a:lstStyle/>
+                    <a:p>
+                      <a:pPr algn="ctr">
+                        <a:defRPr sz="1000">
+                          <a:latin typeface="Arial"/>
+                          <a:ea typeface="Arial"/>
+                          <a:cs typeface="Arial"/>
+                          <a:sym typeface="Arial"/>
+                        </a:defRPr>
+                      </a:pPr>
+                      <a:endParaRPr/>
+                    </a:p>
+                  </a:txBody>
+                  <a:tcPr marL="9525" marR="9525" marT="9525" marB="9525" anchor="ctr" horzOverflow="overflow">
+                    <a:lnL w="12700">
+                      <a:solidFill>
+                        <a:srgbClr val="000000"/>
+                      </a:solidFill>
+                    </a:lnL>
+                    <a:lnR w="12700">
+                      <a:solidFill>
+                        <a:srgbClr val="000000"/>
+                      </a:solidFill>
+                    </a:lnR>
+                    <a:lnT w="12700">
+                      <a:solidFill>
+                        <a:srgbClr val="000000"/>
+                      </a:solidFill>
+                    </a:lnT>
+                    <a:lnB w="12700">
+                      <a:solidFill>
+                        <a:srgbClr val="000000"/>
+                      </a:solidFill>
+                    </a:lnB>
+                    <a:solidFill>
+                      <a:srgbClr val="FFFFFF"/>
+                    </a:solidFill>
+                  </a:tcPr>
+                </a:tc>
+                <a:extLst>
+                  <a:ext uri="{0D108BD9-81ED-4DB2-BD59-A6C34878D82A}">
+                    <a16:rowId xmlns="" xmlns:a16="http://schemas.microsoft.com/office/drawing/2014/main" val="10000"/>
+                  </a:ext>
+                </a:extLst>
+              </a:tr>
+            </a:tbl>
+          </a:graphicData>
+        </a:graphic>
+      </p:graphicFrame>
+      <p:graphicFrame>
+        <p:nvGraphicFramePr>
+          <p:cNvPr id="99" name="표 13"/>
+          <p:cNvGraphicFramePr/>
+          <p:nvPr>
+            <p:extLst>
+              <p:ext uri="{D42A27DB-BD31-4B8C-83A1-F6EECF244321}">
+                <p14:modId xmlns:p14="http://schemas.microsoft.com/office/powerpoint/2010/main" val="1051173917"/>
+              </p:ext>
+            </p:extLst>
+          </p:nvPr>
+        </p:nvGraphicFramePr>
+        <p:xfrm>
+          <a:off x="8509686" y="1289960"/>
+          <a:ext cx="3491813" cy="5349990"/>
+        </p:xfrm>
+        <a:graphic>
+          <a:graphicData uri="http://schemas.openxmlformats.org/drawingml/2006/table">
+            <a:tbl>
+              <a:tblPr firstRow="1"/>
+              <a:tblGrid>
+                <a:gridCol w="342705">
+                  <a:extLst>
+                    <a:ext uri="{9D8B030D-6E8A-4147-A177-3AD203B41FA5}">
+                      <a16:colId xmlns="" xmlns:a16="http://schemas.microsoft.com/office/drawing/2014/main" val="20000"/>
+                    </a:ext>
+                  </a:extLst>
+                </a:gridCol>
+                <a:gridCol w="3149108">
+                  <a:extLst>
+                    <a:ext uri="{9D8B030D-6E8A-4147-A177-3AD203B41FA5}">
+                      <a16:colId xmlns="" xmlns:a16="http://schemas.microsoft.com/office/drawing/2014/main" val="20001"/>
+                    </a:ext>
+                  </a:extLst>
+                </a:gridCol>
+              </a:tblGrid>
+              <a:tr h="378460">
+                <a:tc>
+                  <a:txBody>
+                    <a:bodyPr/>
+                    <a:lstStyle/>
+                    <a:p>
+                      <a:pPr algn="ctr">
+                        <a:defRPr sz="1800" b="0">
+                          <a:solidFill>
+                            <a:srgbClr val="000000"/>
+                          </a:solidFill>
+                        </a:defRPr>
+                      </a:pPr>
+                      <a:r>
+                        <a:rPr sz="1500" b="1"/>
+                        <a:t>#</a:t>
+                      </a:r>
+                    </a:p>
+                  </a:txBody>
+                  <a:tcPr marL="45720" marR="45720" anchor="ctr" horzOverflow="overflow">
+                    <a:lnL w="12700">
+                      <a:solidFill>
+                        <a:srgbClr val="000000"/>
+                      </a:solidFill>
+                    </a:lnL>
+                    <a:lnR w="12700">
+                      <a:solidFill>
+                        <a:srgbClr val="000000"/>
+                      </a:solidFill>
+                    </a:lnR>
+                    <a:lnT w="12700">
+                      <a:solidFill>
+                        <a:srgbClr val="000000"/>
+                      </a:solidFill>
+                    </a:lnT>
+                    <a:lnB w="12700">
+                      <a:solidFill>
+                        <a:srgbClr val="000000"/>
+                      </a:solidFill>
+                    </a:lnB>
+                    <a:solidFill>
+                      <a:srgbClr val="D9D9D9"/>
+                    </a:solidFill>
+                  </a:tcPr>
+                </a:tc>
+                <a:tc>
+                  <a:txBody>
+                    <a:bodyPr/>
+                    <a:lstStyle/>
+                    <a:p>
+                      <a:pPr algn="ctr">
+                        <a:defRPr sz="1800" b="0">
+                          <a:solidFill>
+                            <a:srgbClr val="000000"/>
+                          </a:solidFill>
+                        </a:defRPr>
+                      </a:pPr>
+                      <a:r>
+                        <a:rPr sz="1500" b="1"/>
+                        <a:t>기능명</a:t>
+                      </a:r>
+                    </a:p>
+                  </a:txBody>
+                  <a:tcPr marL="45720" marR="45720" anchor="ctr" horzOverflow="overflow">
+                    <a:lnL w="12700">
+                      <a:solidFill>
+                        <a:srgbClr val="000000"/>
+                      </a:solidFill>
+                    </a:lnL>
+                    <a:lnR w="12700">
+                      <a:solidFill>
+                        <a:srgbClr val="000000"/>
+                      </a:solidFill>
+                    </a:lnR>
+                    <a:lnT w="12700">
+                      <a:solidFill>
+                        <a:srgbClr val="000000"/>
+                      </a:solidFill>
+                    </a:lnT>
+                    <a:lnB w="12700">
+                      <a:solidFill>
+                        <a:srgbClr val="000000"/>
+                      </a:solidFill>
+                    </a:lnB>
+                    <a:solidFill>
+                      <a:srgbClr val="D9D9D9"/>
+                    </a:solidFill>
+                  </a:tcPr>
+                </a:tc>
+                <a:extLst>
+                  <a:ext uri="{0D108BD9-81ED-4DB2-BD59-A6C34878D82A}">
+                    <a16:rowId xmlns="" xmlns:a16="http://schemas.microsoft.com/office/drawing/2014/main" val="10000"/>
+                  </a:ext>
+                </a:extLst>
+              </a:tr>
+              <a:tr h="947993">
+                <a:tc>
+                  <a:txBody>
+                    <a:bodyPr/>
+                    <a:lstStyle/>
+                    <a:p>
+                      <a:pPr algn="ctr">
+                        <a:defRPr sz="1800"/>
+                      </a:pPr>
+                      <a:r>
+                        <a:rPr sz="1500"/>
+                        <a:t>1</a:t>
+                      </a:r>
+                    </a:p>
+                  </a:txBody>
+                  <a:tcPr marL="45720" marR="45720" anchor="ctr" horzOverflow="overflow">
+                    <a:lnL w="12700">
+                      <a:solidFill>
+                        <a:srgbClr val="000000"/>
+                      </a:solidFill>
+                    </a:lnL>
+                    <a:lnR w="12700">
+                      <a:solidFill>
+                        <a:srgbClr val="000000"/>
+                      </a:solidFill>
+                    </a:lnR>
+                    <a:lnT w="12700">
+                      <a:solidFill>
+                        <a:srgbClr val="000000"/>
+                      </a:solidFill>
+                    </a:lnT>
+                    <a:lnB w="12700">
+                      <a:solidFill>
+                        <a:srgbClr val="000000"/>
+                      </a:solidFill>
+                    </a:lnB>
+                    <a:solidFill>
+                      <a:srgbClr val="FFFFFF"/>
+                    </a:solidFill>
+                  </a:tcPr>
+                </a:tc>
+                <a:tc>
+                  <a:txBody>
+                    <a:bodyPr/>
+                    <a:lstStyle/>
+                    <a:p>
+                      <a:pPr algn="l">
+                        <a:defRPr sz="1500"/>
+                      </a:pPr>
+                      <a:r>
+                        <a:rPr lang="ko-KR" altLang="en-US" dirty="0"/>
+                        <a:t>신고자 </a:t>
+                      </a:r>
+                      <a:r>
+                        <a:rPr lang="en-US" altLang="ko-KR" dirty="0"/>
+                        <a:t>ID</a:t>
+                      </a:r>
+                    </a:p>
+                    <a:p>
+                      <a:pPr algn="l">
+                        <a:defRPr sz="1500"/>
+                      </a:pPr>
+                      <a:r>
+                        <a:rPr lang="en-US" altLang="ko-KR" dirty="0"/>
+                        <a:t>-</a:t>
+                      </a:r>
+                      <a:r>
+                        <a:rPr lang="ko-KR" altLang="en-US" dirty="0"/>
+                        <a:t> </a:t>
+                      </a:r>
+                      <a:r>
+                        <a:rPr lang="ko-KR" altLang="en-US" sz="1200" dirty="0"/>
+                        <a:t>클릭시 신고 횟수</a:t>
+                      </a:r>
+                      <a:r>
+                        <a:rPr lang="en-US" altLang="ko-KR" sz="1200" dirty="0"/>
+                        <a:t>, </a:t>
+                      </a:r>
+                      <a:r>
+                        <a:rPr lang="ko-KR" altLang="en-US" sz="1200" dirty="0"/>
+                        <a:t>개인정보 팝업</a:t>
+                      </a:r>
+                      <a:endParaRPr sz="1200" dirty="0"/>
+                    </a:p>
+                  </a:txBody>
+                  <a:tcPr marL="45720" marR="45720" horzOverflow="overflow">
+                    <a:lnL w="12700">
+                      <a:solidFill>
+                        <a:srgbClr val="000000"/>
+                      </a:solidFill>
+                    </a:lnL>
+                    <a:lnR w="12700">
+                      <a:solidFill>
+                        <a:srgbClr val="000000"/>
+                      </a:solidFill>
+                    </a:lnR>
+                    <a:lnT w="12700">
+                      <a:solidFill>
+                        <a:srgbClr val="000000"/>
+                      </a:solidFill>
+                    </a:lnT>
+                    <a:lnB w="12700">
+                      <a:solidFill>
+                        <a:srgbClr val="000000"/>
+                      </a:solidFill>
+                    </a:lnB>
+                    <a:solidFill>
+                      <a:srgbClr val="FFFFFF"/>
+                    </a:solidFill>
+                  </a:tcPr>
+                </a:tc>
+                <a:extLst>
+                  <a:ext uri="{0D108BD9-81ED-4DB2-BD59-A6C34878D82A}">
+                    <a16:rowId xmlns="" xmlns:a16="http://schemas.microsoft.com/office/drawing/2014/main" val="10001"/>
+                  </a:ext>
+                </a:extLst>
+              </a:tr>
+              <a:tr h="1179558">
+                <a:tc>
+                  <a:txBody>
+                    <a:bodyPr/>
+                    <a:lstStyle/>
+                    <a:p>
+                      <a:pPr algn="ctr">
+                        <a:defRPr sz="1800"/>
+                      </a:pPr>
+                      <a:r>
+                        <a:rPr sz="1500"/>
+                        <a:t>2</a:t>
+                      </a:r>
+                    </a:p>
+                  </a:txBody>
+                  <a:tcPr marL="45720" marR="45720" anchor="ctr" horzOverflow="overflow">
+                    <a:lnL w="12700">
+                      <a:solidFill>
+                        <a:srgbClr val="000000"/>
+                      </a:solidFill>
+                    </a:lnL>
+                    <a:lnR w="12700">
+                      <a:solidFill>
+                        <a:srgbClr val="000000"/>
+                      </a:solidFill>
+                    </a:lnR>
+                    <a:lnT w="12700">
+                      <a:solidFill>
+                        <a:srgbClr val="000000"/>
+                      </a:solidFill>
+                    </a:lnT>
+                    <a:lnB w="12700">
+                      <a:solidFill>
+                        <a:srgbClr val="000000"/>
+                      </a:solidFill>
+                    </a:lnB>
+                    <a:solidFill>
+                      <a:srgbClr val="FFFFFF"/>
+                    </a:solidFill>
+                  </a:tcPr>
+                </a:tc>
+                <a:tc>
+                  <a:txBody>
+                    <a:bodyPr/>
+                    <a:lstStyle/>
+                    <a:p>
+                      <a:pPr algn="l">
+                        <a:defRPr sz="1500"/>
+                      </a:pPr>
+                      <a:r>
+                        <a:rPr lang="ko-KR" altLang="en-US" dirty="0"/>
+                        <a:t>내용보기</a:t>
+                      </a:r>
+                      <a:endParaRPr lang="en-US" altLang="ko-KR" dirty="0"/>
+                    </a:p>
+                    <a:p>
+                      <a:pPr marL="285750" indent="-285750" algn="l">
+                        <a:buFontTx/>
+                        <a:buChar char="-"/>
+                        <a:defRPr sz="1500"/>
+                      </a:pPr>
+                      <a:r>
+                        <a:rPr lang="ko-KR" altLang="en-US" sz="1200" dirty="0"/>
+                        <a:t>클릭시 내용 팝업</a:t>
+                      </a:r>
+                      <a:endParaRPr sz="1200" dirty="0"/>
+                    </a:p>
+                  </a:txBody>
+                  <a:tcPr marL="45720" marR="45720" horzOverflow="overflow">
+                    <a:lnL w="12700">
+                      <a:solidFill>
+                        <a:srgbClr val="000000"/>
+                      </a:solidFill>
+                    </a:lnL>
+                    <a:lnR w="12700">
+                      <a:solidFill>
+                        <a:srgbClr val="000000"/>
+                      </a:solidFill>
+                    </a:lnR>
+                    <a:lnT w="12700">
+                      <a:solidFill>
+                        <a:srgbClr val="000000"/>
+                      </a:solidFill>
+                    </a:lnT>
+                    <a:lnB w="12700">
+                      <a:solidFill>
+                        <a:srgbClr val="000000"/>
+                      </a:solidFill>
+                    </a:lnB>
+                    <a:solidFill>
+                      <a:srgbClr val="FFFFFF"/>
+                    </a:solidFill>
+                  </a:tcPr>
+                </a:tc>
+                <a:extLst>
+                  <a:ext uri="{0D108BD9-81ED-4DB2-BD59-A6C34878D82A}">
+                    <a16:rowId xmlns="" xmlns:a16="http://schemas.microsoft.com/office/drawing/2014/main" val="10002"/>
+                  </a:ext>
+                </a:extLst>
+              </a:tr>
+              <a:tr h="947993">
+                <a:tc>
+                  <a:txBody>
+                    <a:bodyPr/>
+                    <a:lstStyle/>
+                    <a:p>
+                      <a:pPr algn="ctr">
+                        <a:defRPr sz="1800"/>
+                      </a:pPr>
+                      <a:r>
+                        <a:rPr sz="1500"/>
+                        <a:t>3</a:t>
+                      </a:r>
+                    </a:p>
+                  </a:txBody>
+                  <a:tcPr marL="45720" marR="45720" anchor="ctr" horzOverflow="overflow">
+                    <a:lnL w="12700">
+                      <a:solidFill>
+                        <a:srgbClr val="000000"/>
+                      </a:solidFill>
+                    </a:lnL>
+                    <a:lnR w="12700">
+                      <a:solidFill>
+                        <a:srgbClr val="000000"/>
+                      </a:solidFill>
+                    </a:lnR>
+                    <a:lnT w="12700">
+                      <a:solidFill>
+                        <a:srgbClr val="000000"/>
+                      </a:solidFill>
+                    </a:lnT>
+                    <a:lnB w="12700">
+                      <a:solidFill>
+                        <a:srgbClr val="000000"/>
+                      </a:solidFill>
+                    </a:lnB>
+                    <a:solidFill>
+                      <a:srgbClr val="FFFFFF"/>
+                    </a:solidFill>
+                  </a:tcPr>
+                </a:tc>
+                <a:tc>
+                  <a:txBody>
+                    <a:bodyPr/>
+                    <a:lstStyle/>
+                    <a:p>
+                      <a:pPr algn="l">
+                        <a:defRPr sz="1500"/>
+                      </a:pPr>
+                      <a:r>
+                        <a:rPr lang="ko-KR" altLang="en-US" dirty="0"/>
+                        <a:t>처리상태</a:t>
+                      </a:r>
+                      <a:endParaRPr lang="en-US" altLang="ko-KR" dirty="0"/>
+                    </a:p>
+                    <a:p>
+                      <a:pPr algn="l">
+                        <a:defRPr sz="1500"/>
+                      </a:pPr>
+                      <a:r>
+                        <a:rPr lang="en-US" altLang="ko-KR" sz="1200" dirty="0"/>
+                        <a:t>- </a:t>
+                      </a:r>
+                      <a:r>
+                        <a:rPr lang="ko-KR" altLang="en-US" sz="1200" dirty="0"/>
+                        <a:t>클릭하여 처리상태 변경</a:t>
+                      </a:r>
+                      <a:r>
+                        <a:rPr lang="en-US" altLang="ko-KR" sz="1200" dirty="0"/>
+                        <a:t>, </a:t>
+                      </a:r>
+                      <a:r>
+                        <a:rPr lang="ko-KR" altLang="en-US" sz="1200" dirty="0"/>
+                        <a:t>담당자 지정 가능</a:t>
+                      </a:r>
+                      <a:endParaRPr sz="1200" dirty="0"/>
+                    </a:p>
+                  </a:txBody>
+                  <a:tcPr marL="45720" marR="45720" horzOverflow="overflow">
+                    <a:lnL w="12700">
+                      <a:solidFill>
+                        <a:srgbClr val="000000"/>
+                      </a:solidFill>
+                    </a:lnL>
+                    <a:lnR w="12700">
+                      <a:solidFill>
+                        <a:srgbClr val="000000"/>
+                      </a:solidFill>
+                    </a:lnR>
+                    <a:lnT w="12700">
+                      <a:solidFill>
+                        <a:srgbClr val="000000"/>
+                      </a:solidFill>
+                    </a:lnT>
+                    <a:lnB w="12700">
+                      <a:solidFill>
+                        <a:srgbClr val="000000"/>
+                      </a:solidFill>
+                    </a:lnB>
+                    <a:solidFill>
+                      <a:srgbClr val="FFFFFF"/>
+                    </a:solidFill>
+                  </a:tcPr>
+                </a:tc>
+                <a:extLst>
+                  <a:ext uri="{0D108BD9-81ED-4DB2-BD59-A6C34878D82A}">
+                    <a16:rowId xmlns="" xmlns:a16="http://schemas.microsoft.com/office/drawing/2014/main" val="10003"/>
+                  </a:ext>
+                </a:extLst>
+              </a:tr>
+              <a:tr h="947993">
+                <a:tc>
+                  <a:txBody>
+                    <a:bodyPr/>
+                    <a:lstStyle/>
+                    <a:p>
+                      <a:pPr algn="ctr">
+                        <a:defRPr sz="1800"/>
+                      </a:pPr>
+                      <a:r>
+                        <a:rPr sz="1500"/>
+                        <a:t>4</a:t>
+                      </a:r>
+                    </a:p>
+                  </a:txBody>
+                  <a:tcPr marL="45720" marR="45720" anchor="ctr" horzOverflow="overflow">
+                    <a:lnL w="12700">
+                      <a:solidFill>
+                        <a:srgbClr val="000000"/>
+                      </a:solidFill>
+                    </a:lnL>
+                    <a:lnR w="12700">
+                      <a:solidFill>
+                        <a:srgbClr val="000000"/>
+                      </a:solidFill>
+                    </a:lnR>
+                    <a:lnT w="12700">
+                      <a:solidFill>
+                        <a:srgbClr val="000000"/>
+                      </a:solidFill>
+                    </a:lnT>
+                    <a:lnB w="12700">
+                      <a:solidFill>
+                        <a:srgbClr val="000000"/>
+                      </a:solidFill>
+                    </a:lnB>
+                    <a:solidFill>
+                      <a:srgbClr val="FFFFFF"/>
+                    </a:solidFill>
+                  </a:tcPr>
+                </a:tc>
+                <a:tc>
+                  <a:txBody>
+                    <a:bodyPr/>
+                    <a:lstStyle/>
+                    <a:p>
+                      <a:pPr algn="l">
+                        <a:defRPr sz="1500"/>
+                      </a:pPr>
+                      <a:endParaRPr/>
+                    </a:p>
+                  </a:txBody>
+                  <a:tcPr marL="45720" marR="45720" horzOverflow="overflow">
+                    <a:lnL w="12700">
+                      <a:solidFill>
+                        <a:srgbClr val="000000"/>
+                      </a:solidFill>
+                    </a:lnL>
+                    <a:lnR w="12700">
+                      <a:solidFill>
+                        <a:srgbClr val="000000"/>
+                      </a:solidFill>
+                    </a:lnR>
+                    <a:lnT w="12700">
+                      <a:solidFill>
+                        <a:srgbClr val="000000"/>
+                      </a:solidFill>
+                    </a:lnT>
+                    <a:lnB w="12700">
+                      <a:solidFill>
+                        <a:srgbClr val="000000"/>
+                      </a:solidFill>
+                    </a:lnB>
+                    <a:solidFill>
+                      <a:srgbClr val="FFFFFF"/>
+                    </a:solidFill>
+                  </a:tcPr>
+                </a:tc>
+                <a:extLst>
+                  <a:ext uri="{0D108BD9-81ED-4DB2-BD59-A6C34878D82A}">
+                    <a16:rowId xmlns="" xmlns:a16="http://schemas.microsoft.com/office/drawing/2014/main" val="10004"/>
+                  </a:ext>
+                </a:extLst>
+              </a:tr>
+              <a:tr h="947993">
+                <a:tc>
+                  <a:txBody>
+                    <a:bodyPr/>
+                    <a:lstStyle/>
+                    <a:p>
+                      <a:pPr algn="ctr">
+                        <a:defRPr sz="1800"/>
+                      </a:pPr>
+                      <a:r>
+                        <a:rPr sz="1500"/>
+                        <a:t>5</a:t>
+                      </a:r>
+                    </a:p>
+                  </a:txBody>
+                  <a:tcPr marL="45720" marR="45720" anchor="ctr" horzOverflow="overflow">
+                    <a:lnL w="12700">
+                      <a:solidFill>
+                        <a:srgbClr val="000000"/>
+                      </a:solidFill>
+                    </a:lnL>
+                    <a:lnR w="12700">
+                      <a:solidFill>
+                        <a:srgbClr val="000000"/>
+                      </a:solidFill>
+                    </a:lnR>
+                    <a:lnT w="12700">
+                      <a:solidFill>
+                        <a:srgbClr val="000000"/>
+                      </a:solidFill>
+                    </a:lnT>
+                    <a:lnB w="12700">
+                      <a:solidFill>
+                        <a:srgbClr val="000000"/>
+                      </a:solidFill>
+                    </a:lnB>
+                    <a:solidFill>
+                      <a:srgbClr val="FFFFFF"/>
+                    </a:solidFill>
+                  </a:tcPr>
+                </a:tc>
+                <a:tc>
+                  <a:txBody>
+                    <a:bodyPr/>
+                    <a:lstStyle/>
+                    <a:p>
+                      <a:pPr algn="l">
+                        <a:defRPr sz="1500"/>
+                      </a:pPr>
+                      <a:endParaRPr dirty="0"/>
+                    </a:p>
+                  </a:txBody>
+                  <a:tcPr marL="45720" marR="45720" horzOverflow="overflow">
+                    <a:lnL w="12700">
+                      <a:solidFill>
+                        <a:srgbClr val="000000"/>
+                      </a:solidFill>
+                    </a:lnL>
+                    <a:lnR w="12700">
+                      <a:solidFill>
+                        <a:srgbClr val="000000"/>
+                      </a:solidFill>
+                    </a:lnR>
+                    <a:lnT w="12700">
+                      <a:solidFill>
+                        <a:srgbClr val="000000"/>
+                      </a:solidFill>
+                    </a:lnT>
+                    <a:lnB w="12700">
+                      <a:solidFill>
+                        <a:srgbClr val="000000"/>
+                      </a:solidFill>
+                    </a:lnB>
+                    <a:solidFill>
+                      <a:srgbClr val="FFFFFF"/>
+                    </a:solidFill>
+                  </a:tcPr>
+                </a:tc>
+                <a:extLst>
+                  <a:ext uri="{0D108BD9-81ED-4DB2-BD59-A6C34878D82A}">
+                    <a16:rowId xmlns="" xmlns:a16="http://schemas.microsoft.com/office/drawing/2014/main" val="10005"/>
+                  </a:ext>
+                </a:extLst>
+              </a:tr>
+            </a:tbl>
+          </a:graphicData>
+        </a:graphic>
+      </p:graphicFrame>
+      <p:sp>
+        <p:nvSpPr>
+          <p:cNvPr id="100" name="직사각형 39"/>
+          <p:cNvSpPr/>
+          <p:nvPr/>
+        </p:nvSpPr>
+        <p:spPr>
+          <a:xfrm>
+            <a:off x="149989" y="1289960"/>
+            <a:ext cx="8032096" cy="5349997"/>
+          </a:xfrm>
+          <a:prstGeom prst="rect">
+            <a:avLst/>
+          </a:prstGeom>
+          <a:solidFill>
+            <a:srgbClr val="FFFFFF"/>
+          </a:solidFill>
+          <a:ln w="12700">
+            <a:solidFill>
+              <a:srgbClr val="000000"/>
+            </a:solidFill>
+            <a:miter/>
+          </a:ln>
+        </p:spPr>
+        <p:txBody>
+          <a:bodyPr lIns="45719" rIns="45719" anchor="ctr"/>
+          <a:lstStyle/>
+          <a:p>
+            <a:pPr algn="ctr">
+              <a:defRPr sz="1500"/>
+            </a:pPr>
+            <a:endParaRPr dirty="0"/>
+          </a:p>
+        </p:txBody>
+      </p:sp>
+      <p:graphicFrame>
+        <p:nvGraphicFramePr>
+          <p:cNvPr id="101" name="표 57"/>
+          <p:cNvGraphicFramePr/>
+          <p:nvPr>
+            <p:extLst>
+              <p:ext uri="{D42A27DB-BD31-4B8C-83A1-F6EECF244321}">
+                <p14:modId xmlns:p14="http://schemas.microsoft.com/office/powerpoint/2010/main" val="1015334940"/>
+              </p:ext>
+            </p:extLst>
+          </p:nvPr>
+        </p:nvGraphicFramePr>
+        <p:xfrm>
+          <a:off x="131600" y="115758"/>
+          <a:ext cx="3425332" cy="822960"/>
+        </p:xfrm>
+        <a:graphic>
+          <a:graphicData uri="http://schemas.openxmlformats.org/drawingml/2006/table">
+            <a:tbl>
+              <a:tblPr firstRow="1"/>
+              <a:tblGrid>
+                <a:gridCol w="1521031">
+                  <a:extLst>
+                    <a:ext uri="{9D8B030D-6E8A-4147-A177-3AD203B41FA5}">
+                      <a16:colId xmlns="" xmlns:a16="http://schemas.microsoft.com/office/drawing/2014/main" val="20000"/>
+                    </a:ext>
+                  </a:extLst>
+                </a:gridCol>
+                <a:gridCol w="1904301">
+                  <a:extLst>
+                    <a:ext uri="{9D8B030D-6E8A-4147-A177-3AD203B41FA5}">
+                      <a16:colId xmlns="" xmlns:a16="http://schemas.microsoft.com/office/drawing/2014/main" val="20001"/>
+                    </a:ext>
+                  </a:extLst>
+                </a:gridCol>
+              </a:tblGrid>
+              <a:tr h="271237">
+                <a:tc>
+                  <a:txBody>
+                    <a:bodyPr/>
+                    <a:lstStyle/>
+                    <a:p>
+                      <a:pPr algn="ctr">
+                        <a:defRPr sz="1800" b="0">
+                          <a:solidFill>
+                            <a:srgbClr val="000000"/>
+                          </a:solidFill>
+                        </a:defRPr>
+                      </a:pPr>
+                      <a:r>
+                        <a:rPr sz="1200"/>
+                        <a:t>화면코드</a:t>
+                      </a:r>
+                    </a:p>
+                  </a:txBody>
+                  <a:tcPr marL="45720" marR="45720" anchor="ctr" horzOverflow="overflow">
+                    <a:lnL w="12700">
+                      <a:solidFill>
+                        <a:srgbClr val="000000"/>
+                      </a:solidFill>
+                    </a:lnL>
+                    <a:lnR w="12700">
+                      <a:solidFill>
+                        <a:srgbClr val="000000"/>
+                      </a:solidFill>
+                    </a:lnR>
+                    <a:lnT w="12700">
+                      <a:solidFill>
+                        <a:srgbClr val="000000"/>
+                      </a:solidFill>
+                    </a:lnT>
+                    <a:lnB w="12700">
+                      <a:solidFill>
+                        <a:srgbClr val="000000"/>
+                      </a:solidFill>
+                    </a:lnB>
+                    <a:solidFill>
+                      <a:srgbClr val="D9D9D9"/>
+                    </a:solidFill>
+                  </a:tcPr>
+                </a:tc>
+                <a:tc>
+                  <a:txBody>
+                    <a:bodyPr/>
+                    <a:lstStyle/>
+                    <a:p>
+                      <a:pPr marL="0" marR="0" lvl="0" indent="0" algn="ctr" defTabSz="914400" rtl="0" eaLnBrk="1" fontAlgn="auto" latinLnBrk="1" hangingPunct="1">
+                        <a:lnSpc>
+                          <a:spcPct val="100000"/>
+                        </a:lnSpc>
+                        <a:spcBef>
+                          <a:spcPts val="0"/>
+                        </a:spcBef>
+                        <a:spcAft>
+                          <a:spcPts val="0"/>
+                        </a:spcAft>
+                        <a:buClrTx/>
+                        <a:buSzTx/>
+                        <a:buFontTx/>
+                        <a:buNone/>
+                        <a:tabLst/>
+                        <a:defRPr sz="1000" b="0">
+                          <a:solidFill>
+                            <a:srgbClr val="000000"/>
+                          </a:solidFill>
+                          <a:latin typeface="Arial"/>
+                          <a:ea typeface="Arial"/>
+                          <a:cs typeface="Arial"/>
+                          <a:sym typeface="Arial"/>
+                        </a:defRPr>
+                      </a:pPr>
+                      <a:r>
+                        <a:rPr lang="en-US" altLang="ko-KR" sz="1200" b="0" u="none" strike="noStrike" cap="none" dirty="0" err="1">
+                          <a:solidFill>
+                            <a:schemeClr val="dk1"/>
+                          </a:solidFill>
+                        </a:rPr>
+                        <a:t>admin_w_sh_</a:t>
+                      </a:r>
+                      <a:r>
+                        <a:rPr lang="en-US" altLang="ko-KR" sz="1200" b="0" u="none" strike="noStrike" kern="1200" cap="none" dirty="0" err="1">
+                          <a:solidFill>
+                            <a:schemeClr val="tx1"/>
+                          </a:solidFill>
+                          <a:latin typeface="+mn-lt"/>
+                          <a:ea typeface="+mn-ea"/>
+                          <a:cs typeface="+mn-cs"/>
+                          <a:sym typeface="Arial"/>
+                        </a:rPr>
+                        <a:t>d</a:t>
+                      </a:r>
+                      <a:r>
+                        <a:rPr lang="en-US" altLang="ko-KR" sz="1200" b="0" kern="1200" dirty="0" err="1">
+                          <a:solidFill>
+                            <a:schemeClr val="tx1"/>
+                          </a:solidFill>
+                          <a:latin typeface="+mn-lt"/>
+                          <a:ea typeface="+mn-ea"/>
+                          <a:cs typeface="+mn-cs"/>
+                          <a:sym typeface="Arial"/>
+                        </a:rPr>
+                        <a:t>eclaration</a:t>
+                      </a:r>
+                      <a:endParaRPr lang="en-US" altLang="ko-KR" sz="1200" b="0" u="none" strike="noStrike" cap="none" dirty="0">
+                        <a:solidFill>
+                          <a:schemeClr val="dk1"/>
+                        </a:solidFill>
+                      </a:endParaRPr>
+                    </a:p>
+                  </a:txBody>
+                  <a:tcPr marL="9525" marR="9525" marT="9525" marB="9525" anchor="ctr" horzOverflow="overflow">
+                    <a:lnL w="12700">
+                      <a:solidFill>
+                        <a:srgbClr val="000000"/>
+                      </a:solidFill>
+                    </a:lnL>
+                    <a:lnR w="12700">
+                      <a:solidFill>
+                        <a:srgbClr val="000000"/>
+                      </a:solidFill>
+                    </a:lnR>
+                    <a:lnT w="12700">
+                      <a:solidFill>
+                        <a:srgbClr val="000000"/>
+                      </a:solidFill>
+                    </a:lnT>
+                    <a:lnB w="12700">
+                      <a:solidFill>
+                        <a:srgbClr val="000000"/>
+                      </a:solidFill>
+                    </a:lnB>
+                    <a:solidFill>
+                      <a:srgbClr val="FFFFFF"/>
+                    </a:solidFill>
+                  </a:tcPr>
+                </a:tc>
+                <a:extLst>
+                  <a:ext uri="{0D108BD9-81ED-4DB2-BD59-A6C34878D82A}">
+                    <a16:rowId xmlns="" xmlns:a16="http://schemas.microsoft.com/office/drawing/2014/main" val="10000"/>
+                  </a:ext>
+                </a:extLst>
+              </a:tr>
+              <a:tr h="271237">
+                <a:tc rowSpan="2">
+                  <a:txBody>
+                    <a:bodyPr/>
+                    <a:lstStyle/>
+                    <a:p>
+                      <a:pPr algn="ctr">
+                        <a:defRPr sz="1800"/>
+                      </a:pPr>
+                      <a:r>
+                        <a:rPr sz="1200"/>
+                        <a:t>화면명</a:t>
+                      </a:r>
+                    </a:p>
+                  </a:txBody>
+                  <a:tcPr marL="45720" marR="45720" anchor="ctr" horzOverflow="overflow">
+                    <a:lnL w="12700">
+                      <a:solidFill>
+                        <a:srgbClr val="000000"/>
+                      </a:solidFill>
+                    </a:lnL>
+                    <a:lnR w="12700">
+                      <a:solidFill>
+                        <a:srgbClr val="000000"/>
+                      </a:solidFill>
+                    </a:lnR>
+                    <a:lnT w="12700">
+                      <a:solidFill>
+                        <a:srgbClr val="000000"/>
+                      </a:solidFill>
+                    </a:lnT>
+                    <a:lnB w="12700">
+                      <a:solidFill>
+                        <a:srgbClr val="000000"/>
+                      </a:solidFill>
+                    </a:lnB>
+                    <a:solidFill>
+                      <a:srgbClr val="D9D9D9"/>
+                    </a:solidFill>
+                  </a:tcPr>
+                </a:tc>
+                <a:tc>
+                  <a:txBody>
+                    <a:bodyPr/>
+                    <a:lstStyle/>
+                    <a:p>
+                      <a:pPr algn="ctr">
+                        <a:defRPr sz="1500">
+                          <a:solidFill>
+                            <a:srgbClr val="0070C0"/>
+                          </a:solidFill>
+                        </a:defRPr>
+                      </a:pPr>
+                      <a:r>
+                        <a:rPr lang="ko-KR" altLang="en-US" sz="1200" dirty="0">
+                          <a:solidFill>
+                            <a:schemeClr val="tx1"/>
+                          </a:solidFill>
+                        </a:rPr>
+                        <a:t>신고내용처리</a:t>
+                      </a:r>
+                      <a:endParaRPr sz="1200" dirty="0">
+                        <a:solidFill>
+                          <a:schemeClr val="tx1"/>
+                        </a:solidFill>
+                      </a:endParaRPr>
+                    </a:p>
+                  </a:txBody>
+                  <a:tcPr marL="45720" marR="45720" anchor="ctr" horzOverflow="overflow">
+                    <a:lnL w="12700">
+                      <a:solidFill>
+                        <a:srgbClr val="000000"/>
+                      </a:solidFill>
+                    </a:lnL>
+                    <a:lnR w="12700">
+                      <a:solidFill>
+                        <a:srgbClr val="000000"/>
+                      </a:solidFill>
+                    </a:lnR>
+                    <a:lnT w="12700">
+                      <a:solidFill>
+                        <a:srgbClr val="000000"/>
+                      </a:solidFill>
+                    </a:lnT>
+                    <a:lnB w="12700">
+                      <a:solidFill>
+                        <a:srgbClr val="000000"/>
+                      </a:solidFill>
+                    </a:lnB>
+                    <a:solidFill>
+                      <a:srgbClr val="FFFFFF"/>
+                    </a:solidFill>
+                  </a:tcPr>
+                </a:tc>
+                <a:extLst>
+                  <a:ext uri="{0D108BD9-81ED-4DB2-BD59-A6C34878D82A}">
+                    <a16:rowId xmlns="" xmlns:a16="http://schemas.microsoft.com/office/drawing/2014/main" val="10001"/>
+                  </a:ext>
+                </a:extLst>
+              </a:tr>
+              <a:tr h="271237">
+                <a:tc vMerge="1">
+                  <a:txBody>
+                    <a:bodyPr/>
+                    <a:lstStyle/>
+                    <a:p>
+                      <a:endParaRPr lang="ko-KR"/>
+                    </a:p>
+                  </a:txBody>
+                  <a:tcPr/>
+                </a:tc>
+                <a:tc>
+                  <a:txBody>
+                    <a:bodyPr/>
+                    <a:lstStyle/>
+                    <a:p>
+                      <a:pPr algn="ctr">
+                        <a:defRPr sz="1500">
+                          <a:solidFill>
+                            <a:srgbClr val="0070C0"/>
+                          </a:solidFill>
+                        </a:defRPr>
+                      </a:pPr>
+                      <a:r>
+                        <a:rPr lang="ko-KR" altLang="en-US" sz="1200" dirty="0">
+                          <a:solidFill>
+                            <a:schemeClr val="tx1"/>
+                          </a:solidFill>
+                        </a:rPr>
+                        <a:t>신고내용처리</a:t>
+                      </a:r>
+                      <a:endParaRPr sz="1200" dirty="0"/>
+                    </a:p>
+                  </a:txBody>
+                  <a:tcPr marL="45720" marR="45720" anchor="ctr" horzOverflow="overflow">
+                    <a:lnL w="12700">
+                      <a:solidFill>
+                        <a:srgbClr val="000000"/>
+                      </a:solidFill>
+                    </a:lnL>
+                    <a:lnR w="12700">
+                      <a:solidFill>
+                        <a:srgbClr val="000000"/>
+                      </a:solidFill>
+                    </a:lnR>
+                    <a:lnT w="12700">
+                      <a:solidFill>
+                        <a:srgbClr val="000000"/>
+                      </a:solidFill>
+                    </a:lnT>
+                    <a:lnB w="12700">
+                      <a:solidFill>
+                        <a:srgbClr val="000000"/>
+                      </a:solidFill>
+                    </a:lnB>
+                    <a:solidFill>
+                      <a:srgbClr val="FFFFFF"/>
+                    </a:solidFill>
+                  </a:tcPr>
+                </a:tc>
+                <a:extLst>
+                  <a:ext uri="{0D108BD9-81ED-4DB2-BD59-A6C34878D82A}">
+                    <a16:rowId xmlns="" xmlns:a16="http://schemas.microsoft.com/office/drawing/2014/main" val="10002"/>
+                  </a:ext>
+                </a:extLst>
+              </a:tr>
+            </a:tbl>
+          </a:graphicData>
+        </a:graphic>
+      </p:graphicFrame>
+      <p:sp>
+        <p:nvSpPr>
+          <p:cNvPr id="18" name="직사각형 39">
+            <a:extLst>
+              <a:ext uri="{FF2B5EF4-FFF2-40B4-BE49-F238E27FC236}">
+                <a16:creationId xmlns="" xmlns:a16="http://schemas.microsoft.com/office/drawing/2014/main" id="{BFF2CE10-3DBB-413C-B4DD-E02EF6F745FD}"/>
+              </a:ext>
+            </a:extLst>
+          </p:cNvPr>
+          <p:cNvSpPr/>
+          <p:nvPr/>
+        </p:nvSpPr>
+        <p:spPr>
+          <a:xfrm>
+            <a:off x="296335" y="1608932"/>
+            <a:ext cx="1818638" cy="239463"/>
+          </a:xfrm>
+          <a:prstGeom prst="rect">
+            <a:avLst/>
+          </a:prstGeom>
+          <a:solidFill>
+            <a:srgbClr val="FFFFFF"/>
+          </a:solidFill>
+          <a:ln w="12700">
+            <a:solidFill>
+              <a:schemeClr val="bg1"/>
+            </a:solidFill>
+            <a:miter/>
+          </a:ln>
+        </p:spPr>
+        <p:txBody>
+          <a:bodyPr lIns="45719" rIns="45719" anchor="ctr"/>
+          <a:lstStyle/>
+          <a:p>
+            <a:pPr algn="ctr">
+              <a:defRPr sz="1500"/>
+            </a:pPr>
+            <a:r>
+              <a:rPr lang="ko-KR" altLang="en-US" sz="1500" dirty="0"/>
+              <a:t>신고 내용 처리</a:t>
+            </a:r>
+            <a:endParaRPr sz="1500" dirty="0"/>
+          </a:p>
+        </p:txBody>
+      </p:sp>
+      <p:graphicFrame>
+        <p:nvGraphicFramePr>
+          <p:cNvPr id="2" name="Table 2">
+            <a:extLst>
+              <a:ext uri="{FF2B5EF4-FFF2-40B4-BE49-F238E27FC236}">
+                <a16:creationId xmlns="" xmlns:a16="http://schemas.microsoft.com/office/drawing/2014/main" id="{F042947F-E2EA-4695-A5DB-FE7B15ACE70D}"/>
+              </a:ext>
+            </a:extLst>
+          </p:cNvPr>
+          <p:cNvGraphicFramePr>
+            <a:graphicFrameLocks noGrp="1"/>
+          </p:cNvGraphicFramePr>
+          <p:nvPr>
+            <p:extLst>
+              <p:ext uri="{D42A27DB-BD31-4B8C-83A1-F6EECF244321}">
+                <p14:modId xmlns:p14="http://schemas.microsoft.com/office/powerpoint/2010/main" val="1024797437"/>
+              </p:ext>
+            </p:extLst>
+          </p:nvPr>
+        </p:nvGraphicFramePr>
+        <p:xfrm>
+          <a:off x="577260" y="2335102"/>
+          <a:ext cx="7177555" cy="3784344"/>
+        </p:xfrm>
+        <a:graphic>
+          <a:graphicData uri="http://schemas.openxmlformats.org/drawingml/2006/table">
+            <a:tbl>
+              <a:tblPr firstRow="1" bandRow="1">
+                <a:tableStyleId>{5C22544A-7EE6-4342-B048-85BDC9FD1C3A}</a:tableStyleId>
+              </a:tblPr>
+              <a:tblGrid>
+                <a:gridCol w="372309">
+                  <a:extLst>
+                    <a:ext uri="{9D8B030D-6E8A-4147-A177-3AD203B41FA5}">
+                      <a16:colId xmlns="" xmlns:a16="http://schemas.microsoft.com/office/drawing/2014/main" val="1760814799"/>
+                    </a:ext>
+                  </a:extLst>
+                </a:gridCol>
+                <a:gridCol w="1285631">
+                  <a:extLst>
+                    <a:ext uri="{9D8B030D-6E8A-4147-A177-3AD203B41FA5}">
+                      <a16:colId xmlns="" xmlns:a16="http://schemas.microsoft.com/office/drawing/2014/main" val="3455707604"/>
+                    </a:ext>
+                  </a:extLst>
+                </a:gridCol>
+                <a:gridCol w="1058333">
+                  <a:extLst>
+                    <a:ext uri="{9D8B030D-6E8A-4147-A177-3AD203B41FA5}">
+                      <a16:colId xmlns="" xmlns:a16="http://schemas.microsoft.com/office/drawing/2014/main" val="543956147"/>
+                    </a:ext>
+                  </a:extLst>
+                </a:gridCol>
+                <a:gridCol w="2413000">
+                  <a:extLst>
+                    <a:ext uri="{9D8B030D-6E8A-4147-A177-3AD203B41FA5}">
+                      <a16:colId xmlns="" xmlns:a16="http://schemas.microsoft.com/office/drawing/2014/main" val="2137818610"/>
+                    </a:ext>
+                  </a:extLst>
+                </a:gridCol>
+                <a:gridCol w="965200">
+                  <a:extLst>
+                    <a:ext uri="{9D8B030D-6E8A-4147-A177-3AD203B41FA5}">
+                      <a16:colId xmlns="" xmlns:a16="http://schemas.microsoft.com/office/drawing/2014/main" val="2781862812"/>
+                    </a:ext>
+                  </a:extLst>
+                </a:gridCol>
+                <a:gridCol w="1083082">
+                  <a:extLst>
+                    <a:ext uri="{9D8B030D-6E8A-4147-A177-3AD203B41FA5}">
+                      <a16:colId xmlns="" xmlns:a16="http://schemas.microsoft.com/office/drawing/2014/main" val="1029790223"/>
+                    </a:ext>
+                  </a:extLst>
+                </a:gridCol>
+              </a:tblGrid>
+              <a:tr h="473043">
+                <a:tc>
+                  <a:txBody>
+                    <a:bodyPr/>
+                    <a:lstStyle/>
+                    <a:p>
+                      <a:pPr algn="ctr" latinLnBrk="1"/>
+                      <a:endParaRPr lang="ko-KR" altLang="en-US" sz="1500">
+                        <a:solidFill>
+                          <a:schemeClr val="tx1"/>
+                        </a:solidFill>
+                      </a:endParaRPr>
+                    </a:p>
+                  </a:txBody>
+                  <a:tcPr anchor="ctr">
+                    <a:lnL w="12700" cap="flat" cmpd="sng" algn="ctr">
+                      <a:solidFill>
+                        <a:schemeClr val="tx1"/>
+                      </a:solidFill>
+                      <a:prstDash val="solid"/>
+                      <a:round/>
+                      <a:headEnd type="none" w="med" len="med"/>
+                      <a:tailEnd type="none" w="med" len="med"/>
+                    </a:lnL>
+                    <a:lnR w="12700" cap="flat" cmpd="sng" algn="ctr">
+                      <a:solidFill>
+                        <a:schemeClr val="tx1"/>
+                      </a:solidFill>
+                      <a:prstDash val="solid"/>
+                      <a:round/>
+                      <a:headEnd type="none" w="med" len="med"/>
+                      <a:tailEnd type="none" w="med" len="med"/>
+                    </a:lnR>
+                    <a:lnT w="12700" cap="flat" cmpd="sng" algn="ctr">
+                      <a:solidFill>
+                        <a:schemeClr val="tx1"/>
+                      </a:solidFill>
+                      <a:prstDash val="solid"/>
+                      <a:round/>
+                      <a:headEnd type="none" w="med" len="med"/>
+                      <a:tailEnd type="none" w="med" len="med"/>
+                    </a:lnT>
+                    <a:lnB w="12700" cap="flat" cmpd="sng" algn="ctr">
+                      <a:solidFill>
+                        <a:schemeClr val="tx1"/>
+                      </a:solidFill>
+                      <a:prstDash val="solid"/>
+                      <a:round/>
+                      <a:headEnd type="none" w="med" len="med"/>
+                      <a:tailEnd type="none" w="med" len="med"/>
+                    </a:lnB>
+                    <a:solidFill>
+                      <a:schemeClr val="bg1"/>
+                    </a:solidFill>
+                  </a:tcPr>
+                </a:tc>
+                <a:tc>
+                  <a:txBody>
+                    <a:bodyPr/>
+                    <a:lstStyle/>
+                    <a:p>
+                      <a:pPr algn="ctr" latinLnBrk="1"/>
+                      <a:r>
+                        <a:rPr lang="ko-KR" altLang="en-US" sz="1000" dirty="0">
+                          <a:solidFill>
+                            <a:schemeClr val="tx1"/>
+                          </a:solidFill>
+                        </a:rPr>
+                        <a:t>신고분류</a:t>
+                      </a:r>
+                    </a:p>
+                  </a:txBody>
+                  <a:tcPr anchor="ctr">
+                    <a:lnL w="12700" cap="flat" cmpd="sng" algn="ctr">
+                      <a:solidFill>
+                        <a:schemeClr val="tx1"/>
+                      </a:solidFill>
+                      <a:prstDash val="solid"/>
+                      <a:round/>
+                      <a:headEnd type="none" w="med" len="med"/>
+                      <a:tailEnd type="none" w="med" len="med"/>
+                    </a:lnL>
+                    <a:lnR w="12700" cap="flat" cmpd="sng" algn="ctr">
+                      <a:solidFill>
+                        <a:schemeClr val="tx1"/>
+                      </a:solidFill>
+                      <a:prstDash val="solid"/>
+                      <a:round/>
+                      <a:headEnd type="none" w="med" len="med"/>
+                      <a:tailEnd type="none" w="med" len="med"/>
+                    </a:lnR>
+                    <a:lnT w="12700" cap="flat" cmpd="sng" algn="ctr">
+                      <a:solidFill>
+                        <a:schemeClr val="tx1"/>
+                      </a:solidFill>
+                      <a:prstDash val="solid"/>
+                      <a:round/>
+                      <a:headEnd type="none" w="med" len="med"/>
+                      <a:tailEnd type="none" w="med" len="med"/>
+                    </a:lnT>
+                    <a:lnB w="12700" cap="flat" cmpd="sng" algn="ctr">
+                      <a:solidFill>
+                        <a:schemeClr val="tx1"/>
+                      </a:solidFill>
+                      <a:prstDash val="solid"/>
+                      <a:round/>
+                      <a:headEnd type="none" w="med" len="med"/>
+                      <a:tailEnd type="none" w="med" len="med"/>
+                    </a:lnB>
+                    <a:solidFill>
+                      <a:schemeClr val="bg1"/>
+                    </a:solidFill>
+                  </a:tcPr>
+                </a:tc>
+                <a:tc>
+                  <a:txBody>
+                    <a:bodyPr/>
+                    <a:lstStyle/>
+                    <a:p>
+                      <a:pPr algn="ctr" latinLnBrk="1"/>
+                      <a:r>
+                        <a:rPr lang="ko-KR" altLang="en-US" sz="1000" dirty="0">
+                          <a:solidFill>
+                            <a:schemeClr val="tx1"/>
+                          </a:solidFill>
+                        </a:rPr>
+                        <a:t>신고자 </a:t>
+                      </a:r>
+                      <a:r>
+                        <a:rPr lang="en-US" altLang="ko-KR" sz="1000" dirty="0">
+                          <a:solidFill>
+                            <a:schemeClr val="tx1"/>
+                          </a:solidFill>
+                        </a:rPr>
+                        <a:t>ID</a:t>
+                      </a:r>
+                      <a:endParaRPr lang="ko-KR" altLang="en-US" sz="1000" dirty="0">
+                        <a:solidFill>
+                          <a:schemeClr val="tx1"/>
+                        </a:solidFill>
+                      </a:endParaRPr>
+                    </a:p>
+                  </a:txBody>
+                  <a:tcPr anchor="ctr">
+                    <a:lnL w="12700" cap="flat" cmpd="sng" algn="ctr">
+                      <a:solidFill>
+                        <a:schemeClr val="tx1"/>
+                      </a:solidFill>
+                      <a:prstDash val="solid"/>
+                      <a:round/>
+                      <a:headEnd type="none" w="med" len="med"/>
+                      <a:tailEnd type="none" w="med" len="med"/>
+                    </a:lnL>
+                    <a:lnR w="12700" cap="flat" cmpd="sng" algn="ctr">
+                      <a:solidFill>
+                        <a:schemeClr val="tx1"/>
+                      </a:solidFill>
+                      <a:prstDash val="solid"/>
+                      <a:round/>
+                      <a:headEnd type="none" w="med" len="med"/>
+                      <a:tailEnd type="none" w="med" len="med"/>
+                    </a:lnR>
+                    <a:lnT w="12700" cap="flat" cmpd="sng" algn="ctr">
+                      <a:solidFill>
+                        <a:schemeClr val="tx1"/>
+                      </a:solidFill>
+                      <a:prstDash val="solid"/>
+                      <a:round/>
+                      <a:headEnd type="none" w="med" len="med"/>
+                      <a:tailEnd type="none" w="med" len="med"/>
+                    </a:lnT>
+                    <a:lnB w="12700" cap="flat" cmpd="sng" algn="ctr">
+                      <a:solidFill>
+                        <a:schemeClr val="tx1"/>
+                      </a:solidFill>
+                      <a:prstDash val="solid"/>
+                      <a:round/>
+                      <a:headEnd type="none" w="med" len="med"/>
+                      <a:tailEnd type="none" w="med" len="med"/>
+                    </a:lnB>
+                    <a:solidFill>
+                      <a:schemeClr val="bg1"/>
+                    </a:solidFill>
+                  </a:tcPr>
+                </a:tc>
+                <a:tc>
+                  <a:txBody>
+                    <a:bodyPr/>
+                    <a:lstStyle/>
+                    <a:p>
+                      <a:pPr algn="ctr" latinLnBrk="1"/>
+                      <a:r>
+                        <a:rPr lang="ko-KR" altLang="en-US" sz="1000" dirty="0">
+                          <a:solidFill>
+                            <a:schemeClr val="tx1"/>
+                          </a:solidFill>
+                        </a:rPr>
+                        <a:t>내용보기</a:t>
+                      </a:r>
+                    </a:p>
+                  </a:txBody>
+                  <a:tcPr anchor="ctr">
+                    <a:lnL w="12700" cap="flat" cmpd="sng" algn="ctr">
+                      <a:solidFill>
+                        <a:schemeClr val="tx1"/>
+                      </a:solidFill>
+                      <a:prstDash val="solid"/>
+                      <a:round/>
+                      <a:headEnd type="none" w="med" len="med"/>
+                      <a:tailEnd type="none" w="med" len="med"/>
+                    </a:lnL>
+                    <a:lnR w="12700" cap="flat" cmpd="sng" algn="ctr">
+                      <a:solidFill>
+                        <a:schemeClr val="tx1"/>
+                      </a:solidFill>
+                      <a:prstDash val="solid"/>
+                      <a:round/>
+                      <a:headEnd type="none" w="med" len="med"/>
+                      <a:tailEnd type="none" w="med" len="med"/>
+                    </a:lnR>
+                    <a:lnT w="12700" cap="flat" cmpd="sng" algn="ctr">
+                      <a:solidFill>
+                        <a:schemeClr val="tx1"/>
+                      </a:solidFill>
+                      <a:prstDash val="solid"/>
+                      <a:round/>
+                      <a:headEnd type="none" w="med" len="med"/>
+                      <a:tailEnd type="none" w="med" len="med"/>
+                    </a:lnT>
+                    <a:lnB w="12700" cap="flat" cmpd="sng" algn="ctr">
+                      <a:solidFill>
+                        <a:schemeClr val="tx1"/>
+                      </a:solidFill>
+                      <a:prstDash val="solid"/>
+                      <a:round/>
+                      <a:headEnd type="none" w="med" len="med"/>
+                      <a:tailEnd type="none" w="med" len="med"/>
+                    </a:lnB>
+                    <a:solidFill>
+                      <a:schemeClr val="bg1"/>
+                    </a:solidFill>
+                  </a:tcPr>
+                </a:tc>
+                <a:tc>
+                  <a:txBody>
+                    <a:bodyPr/>
+                    <a:lstStyle/>
+                    <a:p>
+                      <a:pPr algn="ctr" latinLnBrk="1"/>
+                      <a:r>
+                        <a:rPr lang="ko-KR" altLang="en-US" sz="1000" dirty="0">
+                          <a:solidFill>
+                            <a:schemeClr val="tx1"/>
+                          </a:solidFill>
+                        </a:rPr>
+                        <a:t>처리상태</a:t>
+                      </a:r>
+                    </a:p>
+                  </a:txBody>
+                  <a:tcPr anchor="ctr">
+                    <a:lnL w="12700" cap="flat" cmpd="sng" algn="ctr">
+                      <a:solidFill>
+                        <a:schemeClr val="tx1"/>
+                      </a:solidFill>
+                      <a:prstDash val="solid"/>
+                      <a:round/>
+                      <a:headEnd type="none" w="med" len="med"/>
+                      <a:tailEnd type="none" w="med" len="med"/>
+                    </a:lnL>
+                    <a:lnR w="12700" cap="flat" cmpd="sng" algn="ctr">
+                      <a:solidFill>
+                        <a:schemeClr val="tx1"/>
+                      </a:solidFill>
+                      <a:prstDash val="solid"/>
+                      <a:round/>
+                      <a:headEnd type="none" w="med" len="med"/>
+                      <a:tailEnd type="none" w="med" len="med"/>
+                    </a:lnR>
+                    <a:lnT w="12700" cap="flat" cmpd="sng" algn="ctr">
+                      <a:solidFill>
+                        <a:schemeClr val="tx1"/>
+                      </a:solidFill>
+                      <a:prstDash val="solid"/>
+                      <a:round/>
+                      <a:headEnd type="none" w="med" len="med"/>
+                      <a:tailEnd type="none" w="med" len="med"/>
+                    </a:lnT>
+                    <a:lnB w="12700" cap="flat" cmpd="sng" algn="ctr">
+                      <a:solidFill>
+                        <a:schemeClr val="tx1"/>
+                      </a:solidFill>
+                      <a:prstDash val="solid"/>
+                      <a:round/>
+                      <a:headEnd type="none" w="med" len="med"/>
+                      <a:tailEnd type="none" w="med" len="med"/>
+                    </a:lnB>
+                    <a:solidFill>
+                      <a:schemeClr val="bg1"/>
+                    </a:solidFill>
+                  </a:tcPr>
+                </a:tc>
+                <a:tc>
+                  <a:txBody>
+                    <a:bodyPr/>
+                    <a:lstStyle/>
+                    <a:p>
+                      <a:pPr algn="ctr" latinLnBrk="1"/>
+                      <a:r>
+                        <a:rPr lang="ko-KR" altLang="en-US" sz="1000" dirty="0">
+                          <a:solidFill>
+                            <a:schemeClr val="tx1"/>
+                          </a:solidFill>
+                        </a:rPr>
+                        <a:t>신고일시</a:t>
+                      </a:r>
+                    </a:p>
+                  </a:txBody>
+                  <a:tcPr anchor="ctr">
+                    <a:lnL w="12700" cap="flat" cmpd="sng" algn="ctr">
+                      <a:solidFill>
+                        <a:schemeClr val="tx1"/>
+                      </a:solidFill>
+                      <a:prstDash val="solid"/>
+                      <a:round/>
+                      <a:headEnd type="none" w="med" len="med"/>
+                      <a:tailEnd type="none" w="med" len="med"/>
+                    </a:lnL>
+                    <a:lnR w="12700" cap="flat" cmpd="sng" algn="ctr">
+                      <a:solidFill>
+                        <a:schemeClr val="tx1"/>
+                      </a:solidFill>
+                      <a:prstDash val="solid"/>
+                      <a:round/>
+                      <a:headEnd type="none" w="med" len="med"/>
+                      <a:tailEnd type="none" w="med" len="med"/>
+                    </a:lnR>
+                    <a:lnT w="12700" cap="flat" cmpd="sng" algn="ctr">
+                      <a:solidFill>
+                        <a:schemeClr val="tx1"/>
+                      </a:solidFill>
+                      <a:prstDash val="solid"/>
+                      <a:round/>
+                      <a:headEnd type="none" w="med" len="med"/>
+                      <a:tailEnd type="none" w="med" len="med"/>
+                    </a:lnT>
+                    <a:lnB w="12700" cap="flat" cmpd="sng" algn="ctr">
+                      <a:solidFill>
+                        <a:schemeClr val="tx1"/>
+                      </a:solidFill>
+                      <a:prstDash val="solid"/>
+                      <a:round/>
+                      <a:headEnd type="none" w="med" len="med"/>
+                      <a:tailEnd type="none" w="med" len="med"/>
+                    </a:lnB>
+                    <a:solidFill>
+                      <a:schemeClr val="bg1"/>
+                    </a:solidFill>
+                  </a:tcPr>
+                </a:tc>
+                <a:extLst>
+                  <a:ext uri="{0D108BD9-81ED-4DB2-BD59-A6C34878D82A}">
+                    <a16:rowId xmlns="" xmlns:a16="http://schemas.microsoft.com/office/drawing/2014/main" val="3239706259"/>
+                  </a:ext>
+                </a:extLst>
+              </a:tr>
+              <a:tr h="473043">
+                <a:tc>
+                  <a:txBody>
+                    <a:bodyPr/>
+                    <a:lstStyle/>
+                    <a:p>
+                      <a:pPr algn="ctr" latinLnBrk="1"/>
+                      <a:endParaRPr lang="ko-KR" altLang="en-US" sz="1500">
+                        <a:solidFill>
+                          <a:schemeClr val="tx1"/>
+                        </a:solidFill>
+                      </a:endParaRPr>
+                    </a:p>
+                  </a:txBody>
+                  <a:tcPr anchor="ctr">
+                    <a:lnL w="12700" cap="flat" cmpd="sng" algn="ctr">
+                      <a:solidFill>
+                        <a:schemeClr val="tx1"/>
+                      </a:solidFill>
+                      <a:prstDash val="solid"/>
+                      <a:round/>
+                      <a:headEnd type="none" w="med" len="med"/>
+                      <a:tailEnd type="none" w="med" len="med"/>
+                    </a:lnL>
+                    <a:lnR w="12700" cap="flat" cmpd="sng" algn="ctr">
+                      <a:solidFill>
+                        <a:schemeClr val="tx1"/>
+                      </a:solidFill>
+                      <a:prstDash val="solid"/>
+                      <a:round/>
+                      <a:headEnd type="none" w="med" len="med"/>
+                      <a:tailEnd type="none" w="med" len="med"/>
+                    </a:lnR>
+                    <a:lnT w="12700" cap="flat" cmpd="sng" algn="ctr">
+                      <a:solidFill>
+                        <a:schemeClr val="tx1"/>
+                      </a:solidFill>
+                      <a:prstDash val="solid"/>
+                      <a:round/>
+                      <a:headEnd type="none" w="med" len="med"/>
+                      <a:tailEnd type="none" w="med" len="med"/>
+                    </a:lnT>
+                    <a:lnB w="12700" cap="flat" cmpd="sng" algn="ctr">
+                      <a:solidFill>
+                        <a:schemeClr val="tx1"/>
+                      </a:solidFill>
+                      <a:prstDash val="solid"/>
+                      <a:round/>
+                      <a:headEnd type="none" w="med" len="med"/>
+                      <a:tailEnd type="none" w="med" len="med"/>
+                    </a:lnB>
+                    <a:solidFill>
+                      <a:schemeClr val="bg1"/>
+                    </a:solidFill>
+                  </a:tcPr>
+                </a:tc>
+                <a:tc>
+                  <a:txBody>
+                    <a:bodyPr/>
+                    <a:lstStyle/>
+                    <a:p>
+                      <a:pPr algn="ctr" latinLnBrk="1"/>
+                      <a:r>
+                        <a:rPr lang="ko-KR" altLang="en-US" sz="1000" dirty="0">
+                          <a:solidFill>
+                            <a:schemeClr val="tx1"/>
+                          </a:solidFill>
+                        </a:rPr>
+                        <a:t>허위 상품</a:t>
+                      </a:r>
+                    </a:p>
+                  </a:txBody>
+                  <a:tcPr anchor="ctr">
+                    <a:lnL w="12700" cap="flat" cmpd="sng" algn="ctr">
+                      <a:solidFill>
+                        <a:schemeClr val="tx1"/>
+                      </a:solidFill>
+                      <a:prstDash val="solid"/>
+                      <a:round/>
+                      <a:headEnd type="none" w="med" len="med"/>
+                      <a:tailEnd type="none" w="med" len="med"/>
+                    </a:lnL>
+                    <a:lnR w="12700" cap="flat" cmpd="sng" algn="ctr">
+                      <a:solidFill>
+                        <a:schemeClr val="tx1"/>
+                      </a:solidFill>
+                      <a:prstDash val="solid"/>
+                      <a:round/>
+                      <a:headEnd type="none" w="med" len="med"/>
+                      <a:tailEnd type="none" w="med" len="med"/>
+                    </a:lnR>
+                    <a:lnT w="12700" cap="flat" cmpd="sng" algn="ctr">
+                      <a:solidFill>
+                        <a:schemeClr val="tx1"/>
+                      </a:solidFill>
+                      <a:prstDash val="solid"/>
+                      <a:round/>
+                      <a:headEnd type="none" w="med" len="med"/>
+                      <a:tailEnd type="none" w="med" len="med"/>
+                    </a:lnT>
+                    <a:lnB w="12700" cap="flat" cmpd="sng" algn="ctr">
+                      <a:solidFill>
+                        <a:schemeClr val="tx1"/>
+                      </a:solidFill>
+                      <a:prstDash val="solid"/>
+                      <a:round/>
+                      <a:headEnd type="none" w="med" len="med"/>
+                      <a:tailEnd type="none" w="med" len="med"/>
+                    </a:lnB>
+                    <a:solidFill>
+                      <a:schemeClr val="bg1"/>
+                    </a:solidFill>
+                  </a:tcPr>
+                </a:tc>
+                <a:tc>
+                  <a:txBody>
+                    <a:bodyPr/>
+                    <a:lstStyle/>
+                    <a:p>
+                      <a:pPr algn="ctr" latinLnBrk="1"/>
+                      <a:r>
+                        <a:rPr lang="en-US" altLang="ko-KR" sz="1000" dirty="0">
+                          <a:solidFill>
+                            <a:schemeClr val="tx1"/>
+                          </a:solidFill>
+                        </a:rPr>
+                        <a:t>tjgml5151</a:t>
+                      </a:r>
+                      <a:endParaRPr lang="ko-KR" altLang="en-US" sz="1000" dirty="0">
+                        <a:solidFill>
+                          <a:schemeClr val="tx1"/>
+                        </a:solidFill>
+                      </a:endParaRPr>
+                    </a:p>
+                  </a:txBody>
+                  <a:tcPr anchor="ctr">
+                    <a:lnL w="12700" cap="flat" cmpd="sng" algn="ctr">
+                      <a:solidFill>
+                        <a:schemeClr val="tx1"/>
+                      </a:solidFill>
+                      <a:prstDash val="solid"/>
+                      <a:round/>
+                      <a:headEnd type="none" w="med" len="med"/>
+                      <a:tailEnd type="none" w="med" len="med"/>
+                    </a:lnL>
+                    <a:lnR w="12700" cap="flat" cmpd="sng" algn="ctr">
+                      <a:solidFill>
+                        <a:schemeClr val="tx1"/>
+                      </a:solidFill>
+                      <a:prstDash val="solid"/>
+                      <a:round/>
+                      <a:headEnd type="none" w="med" len="med"/>
+                      <a:tailEnd type="none" w="med" len="med"/>
+                    </a:lnR>
+                    <a:lnT w="12700" cap="flat" cmpd="sng" algn="ctr">
+                      <a:solidFill>
+                        <a:schemeClr val="tx1"/>
+                      </a:solidFill>
+                      <a:prstDash val="solid"/>
+                      <a:round/>
+                      <a:headEnd type="none" w="med" len="med"/>
+                      <a:tailEnd type="none" w="med" len="med"/>
+                    </a:lnT>
+                    <a:lnB w="12700" cap="flat" cmpd="sng" algn="ctr">
+                      <a:solidFill>
+                        <a:schemeClr val="tx1"/>
+                      </a:solidFill>
+                      <a:prstDash val="solid"/>
+                      <a:round/>
+                      <a:headEnd type="none" w="med" len="med"/>
+                      <a:tailEnd type="none" w="med" len="med"/>
+                    </a:lnB>
+                    <a:solidFill>
+                      <a:schemeClr val="bg1"/>
+                    </a:solidFill>
+                  </a:tcPr>
+                </a:tc>
+                <a:tc>
+                  <a:txBody>
+                    <a:bodyPr/>
+                    <a:lstStyle/>
+                    <a:p>
+                      <a:pPr algn="ctr" latinLnBrk="1"/>
+                      <a:r>
+                        <a:rPr lang="ko-KR" altLang="en-US" sz="1000" dirty="0">
+                          <a:solidFill>
+                            <a:schemeClr val="tx1"/>
+                          </a:solidFill>
+                        </a:rPr>
+                        <a:t>허위 상품 신고 합니다</a:t>
+                      </a:r>
+                    </a:p>
+                  </a:txBody>
+                  <a:tcPr anchor="ctr">
+                    <a:lnL w="12700" cap="flat" cmpd="sng" algn="ctr">
+                      <a:solidFill>
+                        <a:schemeClr val="tx1"/>
+                      </a:solidFill>
+                      <a:prstDash val="solid"/>
+                      <a:round/>
+                      <a:headEnd type="none" w="med" len="med"/>
+                      <a:tailEnd type="none" w="med" len="med"/>
+                    </a:lnL>
+                    <a:lnR w="12700" cap="flat" cmpd="sng" algn="ctr">
+                      <a:solidFill>
+                        <a:schemeClr val="tx1"/>
+                      </a:solidFill>
+                      <a:prstDash val="solid"/>
+                      <a:round/>
+                      <a:headEnd type="none" w="med" len="med"/>
+                      <a:tailEnd type="none" w="med" len="med"/>
+                    </a:lnR>
+                    <a:lnT w="12700" cap="flat" cmpd="sng" algn="ctr">
+                      <a:solidFill>
+                        <a:schemeClr val="tx1"/>
+                      </a:solidFill>
+                      <a:prstDash val="solid"/>
+                      <a:round/>
+                      <a:headEnd type="none" w="med" len="med"/>
+                      <a:tailEnd type="none" w="med" len="med"/>
+                    </a:lnT>
+                    <a:lnB w="12700" cap="flat" cmpd="sng" algn="ctr">
+                      <a:solidFill>
+                        <a:schemeClr val="tx1"/>
+                      </a:solidFill>
+                      <a:prstDash val="solid"/>
+                      <a:round/>
+                      <a:headEnd type="none" w="med" len="med"/>
+                      <a:tailEnd type="none" w="med" len="med"/>
+                    </a:lnB>
+                    <a:solidFill>
+                      <a:schemeClr val="bg1"/>
+                    </a:solidFill>
+                  </a:tcPr>
+                </a:tc>
+                <a:tc>
+                  <a:txBody>
+                    <a:bodyPr/>
+                    <a:lstStyle/>
+                    <a:p>
+                      <a:pPr algn="ctr" latinLnBrk="1"/>
+                      <a:r>
+                        <a:rPr lang="ko-KR" altLang="en-US" sz="1000" dirty="0">
+                          <a:solidFill>
+                            <a:schemeClr val="tx1"/>
+                          </a:solidFill>
+                        </a:rPr>
+                        <a:t>처리완료</a:t>
+                      </a:r>
+                    </a:p>
+                  </a:txBody>
+                  <a:tcPr anchor="ctr">
+                    <a:lnL w="12700" cap="flat" cmpd="sng" algn="ctr">
+                      <a:solidFill>
+                        <a:schemeClr val="tx1"/>
+                      </a:solidFill>
+                      <a:prstDash val="solid"/>
+                      <a:round/>
+                      <a:headEnd type="none" w="med" len="med"/>
+                      <a:tailEnd type="none" w="med" len="med"/>
+                    </a:lnL>
+                    <a:lnR w="12700" cap="flat" cmpd="sng" algn="ctr">
+                      <a:solidFill>
+                        <a:schemeClr val="tx1"/>
+                      </a:solidFill>
+                      <a:prstDash val="solid"/>
+                      <a:round/>
+                      <a:headEnd type="none" w="med" len="med"/>
+                      <a:tailEnd type="none" w="med" len="med"/>
+                    </a:lnR>
+                    <a:lnT w="12700" cap="flat" cmpd="sng" algn="ctr">
+                      <a:solidFill>
+                        <a:schemeClr val="tx1"/>
+                      </a:solidFill>
+                      <a:prstDash val="solid"/>
+                      <a:round/>
+                      <a:headEnd type="none" w="med" len="med"/>
+                      <a:tailEnd type="none" w="med" len="med"/>
+                    </a:lnT>
+                    <a:lnB w="12700" cap="flat" cmpd="sng" algn="ctr">
+                      <a:solidFill>
+                        <a:schemeClr val="tx1"/>
+                      </a:solidFill>
+                      <a:prstDash val="solid"/>
+                      <a:round/>
+                      <a:headEnd type="none" w="med" len="med"/>
+                      <a:tailEnd type="none" w="med" len="med"/>
+                    </a:lnB>
+                    <a:solidFill>
+                      <a:schemeClr val="bg1"/>
+                    </a:solidFill>
+                  </a:tcPr>
+                </a:tc>
+                <a:tc>
+                  <a:txBody>
+                    <a:bodyPr/>
+                    <a:lstStyle/>
+                    <a:p>
+                      <a:pPr algn="ctr" latinLnBrk="1"/>
+                      <a:r>
+                        <a:rPr lang="en-US" altLang="ko-KR" sz="1000" dirty="0">
+                          <a:solidFill>
+                            <a:schemeClr val="tx1"/>
+                          </a:solidFill>
+                        </a:rPr>
+                        <a:t>2020-02-12</a:t>
+                      </a:r>
+                      <a:endParaRPr lang="ko-KR" altLang="en-US" sz="1000" dirty="0">
+                        <a:solidFill>
+                          <a:schemeClr val="tx1"/>
+                        </a:solidFill>
+                      </a:endParaRPr>
+                    </a:p>
+                  </a:txBody>
+                  <a:tcPr anchor="ctr">
+                    <a:lnL w="12700" cap="flat" cmpd="sng" algn="ctr">
+                      <a:solidFill>
+                        <a:schemeClr val="tx1"/>
+                      </a:solidFill>
+                      <a:prstDash val="solid"/>
+                      <a:round/>
+                      <a:headEnd type="none" w="med" len="med"/>
+                      <a:tailEnd type="none" w="med" len="med"/>
+                    </a:lnL>
+                    <a:lnR w="12700" cap="flat" cmpd="sng" algn="ctr">
+                      <a:solidFill>
+                        <a:schemeClr val="tx1"/>
+                      </a:solidFill>
+                      <a:prstDash val="solid"/>
+                      <a:round/>
+                      <a:headEnd type="none" w="med" len="med"/>
+                      <a:tailEnd type="none" w="med" len="med"/>
+                    </a:lnR>
+                    <a:lnT w="12700" cap="flat" cmpd="sng" algn="ctr">
+                      <a:solidFill>
+                        <a:schemeClr val="tx1"/>
+                      </a:solidFill>
+                      <a:prstDash val="solid"/>
+                      <a:round/>
+                      <a:headEnd type="none" w="med" len="med"/>
+                      <a:tailEnd type="none" w="med" len="med"/>
+                    </a:lnT>
+                    <a:lnB w="12700" cap="flat" cmpd="sng" algn="ctr">
+                      <a:solidFill>
+                        <a:schemeClr val="tx1"/>
+                      </a:solidFill>
+                      <a:prstDash val="solid"/>
+                      <a:round/>
+                      <a:headEnd type="none" w="med" len="med"/>
+                      <a:tailEnd type="none" w="med" len="med"/>
+                    </a:lnB>
+                    <a:solidFill>
+                      <a:schemeClr val="bg1"/>
+                    </a:solidFill>
+                  </a:tcPr>
+                </a:tc>
+                <a:extLst>
+                  <a:ext uri="{0D108BD9-81ED-4DB2-BD59-A6C34878D82A}">
+                    <a16:rowId xmlns="" xmlns:a16="http://schemas.microsoft.com/office/drawing/2014/main" val="1173372422"/>
+                  </a:ext>
+                </a:extLst>
+              </a:tr>
+              <a:tr h="473043">
+                <a:tc>
+                  <a:txBody>
+                    <a:bodyPr/>
+                    <a:lstStyle/>
+                    <a:p>
+                      <a:pPr algn="ctr" latinLnBrk="1"/>
+                      <a:endParaRPr lang="ko-KR" altLang="en-US" sz="1500">
+                        <a:solidFill>
+                          <a:schemeClr val="tx1"/>
+                        </a:solidFill>
+                      </a:endParaRPr>
+                    </a:p>
+                  </a:txBody>
+                  <a:tcPr anchor="ctr">
+                    <a:lnL w="12700" cap="flat" cmpd="sng" algn="ctr">
+                      <a:solidFill>
+                        <a:schemeClr val="tx1"/>
+                      </a:solidFill>
+                      <a:prstDash val="solid"/>
+                      <a:round/>
+                      <a:headEnd type="none" w="med" len="med"/>
+                      <a:tailEnd type="none" w="med" len="med"/>
+                    </a:lnL>
+                    <a:lnR w="12700" cap="flat" cmpd="sng" algn="ctr">
+                      <a:solidFill>
+                        <a:schemeClr val="tx1"/>
+                      </a:solidFill>
+                      <a:prstDash val="solid"/>
+                      <a:round/>
+                      <a:headEnd type="none" w="med" len="med"/>
+                      <a:tailEnd type="none" w="med" len="med"/>
+                    </a:lnR>
+                    <a:lnT w="12700" cap="flat" cmpd="sng" algn="ctr">
+                      <a:solidFill>
+                        <a:schemeClr val="tx1"/>
+                      </a:solidFill>
+                      <a:prstDash val="solid"/>
+                      <a:round/>
+                      <a:headEnd type="none" w="med" len="med"/>
+                      <a:tailEnd type="none" w="med" len="med"/>
+                    </a:lnT>
+                    <a:lnB w="12700" cap="flat" cmpd="sng" algn="ctr">
+                      <a:solidFill>
+                        <a:schemeClr val="tx1"/>
+                      </a:solidFill>
+                      <a:prstDash val="solid"/>
+                      <a:round/>
+                      <a:headEnd type="none" w="med" len="med"/>
+                      <a:tailEnd type="none" w="med" len="med"/>
+                    </a:lnB>
+                    <a:solidFill>
+                      <a:schemeClr val="bg1"/>
+                    </a:solidFill>
+                  </a:tcPr>
+                </a:tc>
+                <a:tc>
+                  <a:txBody>
+                    <a:bodyPr/>
+                    <a:lstStyle/>
+                    <a:p>
+                      <a:pPr algn="ctr" latinLnBrk="1"/>
+                      <a:r>
+                        <a:rPr lang="ko-KR" altLang="en-US" sz="1000" dirty="0">
+                          <a:solidFill>
+                            <a:schemeClr val="tx1"/>
+                          </a:solidFill>
+                        </a:rPr>
+                        <a:t>부적절 상품</a:t>
+                      </a:r>
+                    </a:p>
+                  </a:txBody>
+                  <a:tcPr anchor="ctr">
+                    <a:lnL w="12700" cap="flat" cmpd="sng" algn="ctr">
+                      <a:solidFill>
+                        <a:schemeClr val="tx1"/>
+                      </a:solidFill>
+                      <a:prstDash val="solid"/>
+                      <a:round/>
+                      <a:headEnd type="none" w="med" len="med"/>
+                      <a:tailEnd type="none" w="med" len="med"/>
+                    </a:lnL>
+                    <a:lnR w="12700" cap="flat" cmpd="sng" algn="ctr">
+                      <a:solidFill>
+                        <a:schemeClr val="tx1"/>
+                      </a:solidFill>
+                      <a:prstDash val="solid"/>
+                      <a:round/>
+                      <a:headEnd type="none" w="med" len="med"/>
+                      <a:tailEnd type="none" w="med" len="med"/>
+                    </a:lnR>
+                    <a:lnT w="12700" cap="flat" cmpd="sng" algn="ctr">
+                      <a:solidFill>
+                        <a:schemeClr val="tx1"/>
+                      </a:solidFill>
+                      <a:prstDash val="solid"/>
+                      <a:round/>
+                      <a:headEnd type="none" w="med" len="med"/>
+                      <a:tailEnd type="none" w="med" len="med"/>
+                    </a:lnT>
+                    <a:lnB w="12700" cap="flat" cmpd="sng" algn="ctr">
+                      <a:solidFill>
+                        <a:schemeClr val="tx1"/>
+                      </a:solidFill>
+                      <a:prstDash val="solid"/>
+                      <a:round/>
+                      <a:headEnd type="none" w="med" len="med"/>
+                      <a:tailEnd type="none" w="med" len="med"/>
+                    </a:lnB>
+                    <a:solidFill>
+                      <a:schemeClr val="bg1"/>
+                    </a:solidFill>
+                  </a:tcPr>
+                </a:tc>
+                <a:tc>
+                  <a:txBody>
+                    <a:bodyPr/>
+                    <a:lstStyle/>
+                    <a:p>
+                      <a:pPr algn="ctr" latinLnBrk="1"/>
+                      <a:r>
+                        <a:rPr lang="en-US" altLang="ko-KR" sz="1000" dirty="0">
+                          <a:solidFill>
+                            <a:schemeClr val="tx1"/>
+                          </a:solidFill>
+                        </a:rPr>
+                        <a:t>gusxo3553</a:t>
+                      </a:r>
+                      <a:endParaRPr lang="ko-KR" altLang="en-US" sz="1000" dirty="0">
+                        <a:solidFill>
+                          <a:schemeClr val="tx1"/>
+                        </a:solidFill>
+                      </a:endParaRPr>
+                    </a:p>
+                  </a:txBody>
+                  <a:tcPr anchor="ctr">
+                    <a:lnL w="12700" cap="flat" cmpd="sng" algn="ctr">
+                      <a:solidFill>
+                        <a:schemeClr val="tx1"/>
+                      </a:solidFill>
+                      <a:prstDash val="solid"/>
+                      <a:round/>
+                      <a:headEnd type="none" w="med" len="med"/>
+                      <a:tailEnd type="none" w="med" len="med"/>
+                    </a:lnL>
+                    <a:lnR w="12700" cap="flat" cmpd="sng" algn="ctr">
+                      <a:solidFill>
+                        <a:schemeClr val="tx1"/>
+                      </a:solidFill>
+                      <a:prstDash val="solid"/>
+                      <a:round/>
+                      <a:headEnd type="none" w="med" len="med"/>
+                      <a:tailEnd type="none" w="med" len="med"/>
+                    </a:lnR>
+                    <a:lnT w="12700" cap="flat" cmpd="sng" algn="ctr">
+                      <a:solidFill>
+                        <a:schemeClr val="tx1"/>
+                      </a:solidFill>
+                      <a:prstDash val="solid"/>
+                      <a:round/>
+                      <a:headEnd type="none" w="med" len="med"/>
+                      <a:tailEnd type="none" w="med" len="med"/>
+                    </a:lnT>
+                    <a:lnB w="12700" cap="flat" cmpd="sng" algn="ctr">
+                      <a:solidFill>
+                        <a:schemeClr val="tx1"/>
+                      </a:solidFill>
+                      <a:prstDash val="solid"/>
+                      <a:round/>
+                      <a:headEnd type="none" w="med" len="med"/>
+                      <a:tailEnd type="none" w="med" len="med"/>
+                    </a:lnB>
+                    <a:solidFill>
+                      <a:schemeClr val="bg1"/>
+                    </a:solidFill>
+                  </a:tcPr>
+                </a:tc>
+                <a:tc>
+                  <a:txBody>
+                    <a:bodyPr/>
+                    <a:lstStyle/>
+                    <a:p>
+                      <a:pPr algn="ctr" latinLnBrk="1"/>
+                      <a:r>
+                        <a:rPr lang="ko-KR" altLang="en-US" sz="1000" dirty="0">
+                          <a:solidFill>
+                            <a:schemeClr val="tx1"/>
+                          </a:solidFill>
+                        </a:rPr>
+                        <a:t>반려동물을 팔아도 됩니까</a:t>
+                      </a:r>
+                      <a:r>
+                        <a:rPr lang="en-US" altLang="ko-KR" sz="1000" dirty="0">
+                          <a:solidFill>
+                            <a:schemeClr val="tx1"/>
+                          </a:solidFill>
+                        </a:rPr>
+                        <a:t>?</a:t>
+                      </a:r>
+                      <a:endParaRPr lang="ko-KR" altLang="en-US" sz="1000" dirty="0">
+                        <a:solidFill>
+                          <a:schemeClr val="tx1"/>
+                        </a:solidFill>
+                      </a:endParaRPr>
+                    </a:p>
+                  </a:txBody>
+                  <a:tcPr anchor="ctr">
+                    <a:lnL w="12700" cap="flat" cmpd="sng" algn="ctr">
+                      <a:solidFill>
+                        <a:schemeClr val="tx1"/>
+                      </a:solidFill>
+                      <a:prstDash val="solid"/>
+                      <a:round/>
+                      <a:headEnd type="none" w="med" len="med"/>
+                      <a:tailEnd type="none" w="med" len="med"/>
+                    </a:lnL>
+                    <a:lnR w="12700" cap="flat" cmpd="sng" algn="ctr">
+                      <a:solidFill>
+                        <a:schemeClr val="tx1"/>
+                      </a:solidFill>
+                      <a:prstDash val="solid"/>
+                      <a:round/>
+                      <a:headEnd type="none" w="med" len="med"/>
+                      <a:tailEnd type="none" w="med" len="med"/>
+                    </a:lnR>
+                    <a:lnT w="12700" cap="flat" cmpd="sng" algn="ctr">
+                      <a:solidFill>
+                        <a:schemeClr val="tx1"/>
+                      </a:solidFill>
+                      <a:prstDash val="solid"/>
+                      <a:round/>
+                      <a:headEnd type="none" w="med" len="med"/>
+                      <a:tailEnd type="none" w="med" len="med"/>
+                    </a:lnT>
+                    <a:lnB w="12700" cap="flat" cmpd="sng" algn="ctr">
+                      <a:solidFill>
+                        <a:schemeClr val="tx1"/>
+                      </a:solidFill>
+                      <a:prstDash val="solid"/>
+                      <a:round/>
+                      <a:headEnd type="none" w="med" len="med"/>
+                      <a:tailEnd type="none" w="med" len="med"/>
+                    </a:lnB>
+                    <a:solidFill>
+                      <a:schemeClr val="bg1"/>
+                    </a:solidFill>
+                  </a:tcPr>
+                </a:tc>
+                <a:tc>
+                  <a:txBody>
+                    <a:bodyPr/>
+                    <a:lstStyle/>
+                    <a:p>
+                      <a:pPr algn="ctr" latinLnBrk="1"/>
+                      <a:r>
+                        <a:rPr lang="ko-KR" altLang="en-US" sz="1000" dirty="0">
+                          <a:solidFill>
+                            <a:schemeClr val="tx1"/>
+                          </a:solidFill>
+                        </a:rPr>
+                        <a:t>처리중</a:t>
+                      </a:r>
+                      <a:endParaRPr lang="en-US" altLang="ko-KR" sz="1000" dirty="0">
+                        <a:solidFill>
+                          <a:schemeClr val="tx1"/>
+                        </a:solidFill>
+                      </a:endParaRPr>
+                    </a:p>
+                    <a:p>
+                      <a:pPr algn="ctr" latinLnBrk="1"/>
+                      <a:r>
+                        <a:rPr lang="ko-KR" altLang="en-US" sz="800" dirty="0">
+                          <a:solidFill>
+                            <a:schemeClr val="tx1"/>
+                          </a:solidFill>
+                        </a:rPr>
+                        <a:t>담당자 </a:t>
+                      </a:r>
+                      <a:r>
+                        <a:rPr lang="en-US" altLang="ko-KR" sz="800" dirty="0">
+                          <a:solidFill>
+                            <a:schemeClr val="tx1"/>
+                          </a:solidFill>
+                        </a:rPr>
+                        <a:t>: </a:t>
+                      </a:r>
+                      <a:r>
+                        <a:rPr lang="ko-KR" altLang="en-US" sz="800" dirty="0">
+                          <a:solidFill>
+                            <a:schemeClr val="tx1"/>
+                          </a:solidFill>
+                        </a:rPr>
+                        <a:t>홍길동</a:t>
+                      </a:r>
+                    </a:p>
+                  </a:txBody>
+                  <a:tcPr anchor="ctr">
+                    <a:lnL w="12700" cap="flat" cmpd="sng" algn="ctr">
+                      <a:solidFill>
+                        <a:schemeClr val="tx1"/>
+                      </a:solidFill>
+                      <a:prstDash val="solid"/>
+                      <a:round/>
+                      <a:headEnd type="none" w="med" len="med"/>
+                      <a:tailEnd type="none" w="med" len="med"/>
+                    </a:lnL>
+                    <a:lnR w="12700" cap="flat" cmpd="sng" algn="ctr">
+                      <a:solidFill>
+                        <a:schemeClr val="tx1"/>
+                      </a:solidFill>
+                      <a:prstDash val="solid"/>
+                      <a:round/>
+                      <a:headEnd type="none" w="med" len="med"/>
+                      <a:tailEnd type="none" w="med" len="med"/>
+                    </a:lnR>
+                    <a:lnT w="12700" cap="flat" cmpd="sng" algn="ctr">
+                      <a:solidFill>
+                        <a:schemeClr val="tx1"/>
+                      </a:solidFill>
+                      <a:prstDash val="solid"/>
+                      <a:round/>
+                      <a:headEnd type="none" w="med" len="med"/>
+                      <a:tailEnd type="none" w="med" len="med"/>
+                    </a:lnT>
+                    <a:lnB w="12700" cap="flat" cmpd="sng" algn="ctr">
+                      <a:solidFill>
+                        <a:schemeClr val="tx1"/>
+                      </a:solidFill>
+                      <a:prstDash val="solid"/>
+                      <a:round/>
+                      <a:headEnd type="none" w="med" len="med"/>
+                      <a:tailEnd type="none" w="med" len="med"/>
+                    </a:lnB>
+                    <a:solidFill>
+                      <a:schemeClr val="bg1"/>
+                    </a:solidFill>
+                  </a:tcPr>
+                </a:tc>
+                <a:tc>
+                  <a:txBody>
+                    <a:bodyPr/>
+                    <a:lstStyle/>
+                    <a:p>
+                      <a:pPr algn="ctr" latinLnBrk="1"/>
+                      <a:r>
+                        <a:rPr lang="en-US" altLang="ko-KR" sz="1000" dirty="0">
+                          <a:solidFill>
+                            <a:schemeClr val="tx1"/>
+                          </a:solidFill>
+                        </a:rPr>
+                        <a:t>2020-02-11</a:t>
+                      </a:r>
+                      <a:endParaRPr lang="ko-KR" altLang="en-US" sz="1000" dirty="0">
+                        <a:solidFill>
+                          <a:schemeClr val="tx1"/>
+                        </a:solidFill>
+                      </a:endParaRPr>
+                    </a:p>
+                  </a:txBody>
+                  <a:tcPr anchor="ctr">
+                    <a:lnL w="12700" cap="flat" cmpd="sng" algn="ctr">
+                      <a:solidFill>
+                        <a:schemeClr val="tx1"/>
+                      </a:solidFill>
+                      <a:prstDash val="solid"/>
+                      <a:round/>
+                      <a:headEnd type="none" w="med" len="med"/>
+                      <a:tailEnd type="none" w="med" len="med"/>
+                    </a:lnL>
+                    <a:lnR w="12700" cap="flat" cmpd="sng" algn="ctr">
+                      <a:solidFill>
+                        <a:schemeClr val="tx1"/>
+                      </a:solidFill>
+                      <a:prstDash val="solid"/>
+                      <a:round/>
+                      <a:headEnd type="none" w="med" len="med"/>
+                      <a:tailEnd type="none" w="med" len="med"/>
+                    </a:lnR>
+                    <a:lnT w="12700" cap="flat" cmpd="sng" algn="ctr">
+                      <a:solidFill>
+                        <a:schemeClr val="tx1"/>
+                      </a:solidFill>
+                      <a:prstDash val="solid"/>
+                      <a:round/>
+                      <a:headEnd type="none" w="med" len="med"/>
+                      <a:tailEnd type="none" w="med" len="med"/>
+                    </a:lnT>
+                    <a:lnB w="12700" cap="flat" cmpd="sng" algn="ctr">
+                      <a:solidFill>
+                        <a:schemeClr val="tx1"/>
+                      </a:solidFill>
+                      <a:prstDash val="solid"/>
+                      <a:round/>
+                      <a:headEnd type="none" w="med" len="med"/>
+                      <a:tailEnd type="none" w="med" len="med"/>
+                    </a:lnB>
+                    <a:solidFill>
+                      <a:schemeClr val="bg1"/>
+                    </a:solidFill>
+                  </a:tcPr>
+                </a:tc>
+                <a:extLst>
+                  <a:ext uri="{0D108BD9-81ED-4DB2-BD59-A6C34878D82A}">
+                    <a16:rowId xmlns="" xmlns:a16="http://schemas.microsoft.com/office/drawing/2014/main" val="815852332"/>
+                  </a:ext>
+                </a:extLst>
+              </a:tr>
+              <a:tr h="473043">
+                <a:tc>
+                  <a:txBody>
+                    <a:bodyPr/>
+                    <a:lstStyle/>
+                    <a:p>
+                      <a:pPr algn="ctr" latinLnBrk="1"/>
+                      <a:endParaRPr lang="ko-KR" altLang="en-US" sz="1500">
+                        <a:solidFill>
+                          <a:schemeClr val="tx1"/>
+                        </a:solidFill>
+                      </a:endParaRPr>
+                    </a:p>
+                  </a:txBody>
+                  <a:tcPr anchor="ctr">
+                    <a:lnL w="12700" cap="flat" cmpd="sng" algn="ctr">
+                      <a:solidFill>
+                        <a:schemeClr val="tx1"/>
+                      </a:solidFill>
+                      <a:prstDash val="solid"/>
+                      <a:round/>
+                      <a:headEnd type="none" w="med" len="med"/>
+                      <a:tailEnd type="none" w="med" len="med"/>
+                    </a:lnL>
+                    <a:lnR w="12700" cap="flat" cmpd="sng" algn="ctr">
+                      <a:solidFill>
+                        <a:schemeClr val="tx1"/>
+                      </a:solidFill>
+                      <a:prstDash val="solid"/>
+                      <a:round/>
+                      <a:headEnd type="none" w="med" len="med"/>
+                      <a:tailEnd type="none" w="med" len="med"/>
+                    </a:lnR>
+                    <a:lnT w="12700" cap="flat" cmpd="sng" algn="ctr">
+                      <a:solidFill>
+                        <a:schemeClr val="tx1"/>
+                      </a:solidFill>
+                      <a:prstDash val="solid"/>
+                      <a:round/>
+                      <a:headEnd type="none" w="med" len="med"/>
+                      <a:tailEnd type="none" w="med" len="med"/>
+                    </a:lnT>
+                    <a:lnB w="12700" cap="flat" cmpd="sng" algn="ctr">
+                      <a:solidFill>
+                        <a:schemeClr val="tx1"/>
+                      </a:solidFill>
+                      <a:prstDash val="solid"/>
+                      <a:round/>
+                      <a:headEnd type="none" w="med" len="med"/>
+                      <a:tailEnd type="none" w="med" len="med"/>
+                    </a:lnB>
+                    <a:solidFill>
+                      <a:schemeClr val="bg1"/>
+                    </a:solidFill>
+                  </a:tcPr>
+                </a:tc>
+                <a:tc>
+                  <a:txBody>
+                    <a:bodyPr/>
+                    <a:lstStyle/>
+                    <a:p>
+                      <a:pPr algn="ctr" latinLnBrk="1"/>
+                      <a:r>
+                        <a:rPr lang="ko-KR" altLang="en-US" sz="1000" dirty="0">
+                          <a:solidFill>
+                            <a:schemeClr val="tx1"/>
+                          </a:solidFill>
+                        </a:rPr>
+                        <a:t>불건전내용</a:t>
+                      </a:r>
+                      <a:r>
+                        <a:rPr lang="en-US" altLang="ko-KR" sz="1000" dirty="0">
+                          <a:solidFill>
+                            <a:schemeClr val="tx1"/>
+                          </a:solidFill>
+                        </a:rPr>
+                        <a:t>(</a:t>
+                      </a:r>
+                      <a:r>
+                        <a:rPr lang="ko-KR" altLang="en-US" sz="1000" dirty="0">
+                          <a:solidFill>
+                            <a:schemeClr val="tx1"/>
+                          </a:solidFill>
+                        </a:rPr>
+                        <a:t>욕설등</a:t>
+                      </a:r>
+                      <a:r>
+                        <a:rPr lang="en-US" altLang="ko-KR" sz="1000" dirty="0">
+                          <a:solidFill>
+                            <a:schemeClr val="tx1"/>
+                          </a:solidFill>
+                        </a:rPr>
+                        <a:t>)</a:t>
+                      </a:r>
+                      <a:endParaRPr lang="ko-KR" altLang="en-US" sz="1000" dirty="0">
+                        <a:solidFill>
+                          <a:schemeClr val="tx1"/>
+                        </a:solidFill>
+                      </a:endParaRPr>
+                    </a:p>
+                  </a:txBody>
+                  <a:tcPr anchor="ctr">
+                    <a:lnL w="12700" cap="flat" cmpd="sng" algn="ctr">
+                      <a:solidFill>
+                        <a:schemeClr val="tx1"/>
+                      </a:solidFill>
+                      <a:prstDash val="solid"/>
+                      <a:round/>
+                      <a:headEnd type="none" w="med" len="med"/>
+                      <a:tailEnd type="none" w="med" len="med"/>
+                    </a:lnL>
+                    <a:lnR w="12700" cap="flat" cmpd="sng" algn="ctr">
+                      <a:solidFill>
+                        <a:schemeClr val="tx1"/>
+                      </a:solidFill>
+                      <a:prstDash val="solid"/>
+                      <a:round/>
+                      <a:headEnd type="none" w="med" len="med"/>
+                      <a:tailEnd type="none" w="med" len="med"/>
+                    </a:lnR>
+                    <a:lnT w="12700" cap="flat" cmpd="sng" algn="ctr">
+                      <a:solidFill>
+                        <a:schemeClr val="tx1"/>
+                      </a:solidFill>
+                      <a:prstDash val="solid"/>
+                      <a:round/>
+                      <a:headEnd type="none" w="med" len="med"/>
+                      <a:tailEnd type="none" w="med" len="med"/>
+                    </a:lnT>
+                    <a:lnB w="12700" cap="flat" cmpd="sng" algn="ctr">
+                      <a:solidFill>
+                        <a:schemeClr val="tx1"/>
+                      </a:solidFill>
+                      <a:prstDash val="solid"/>
+                      <a:round/>
+                      <a:headEnd type="none" w="med" len="med"/>
+                      <a:tailEnd type="none" w="med" len="med"/>
+                    </a:lnB>
+                    <a:solidFill>
+                      <a:schemeClr val="bg1"/>
+                    </a:solidFill>
+                  </a:tcPr>
+                </a:tc>
+                <a:tc>
+                  <a:txBody>
+                    <a:bodyPr/>
+                    <a:lstStyle/>
+                    <a:p>
+                      <a:pPr algn="ctr" latinLnBrk="1"/>
+                      <a:r>
+                        <a:rPr lang="en-US" altLang="ko-KR" sz="1000" dirty="0">
+                          <a:solidFill>
+                            <a:schemeClr val="tx1"/>
+                          </a:solidFill>
+                        </a:rPr>
+                        <a:t>dydtmd6565</a:t>
+                      </a:r>
+                      <a:endParaRPr lang="ko-KR" altLang="en-US" sz="1000" dirty="0">
+                        <a:solidFill>
+                          <a:schemeClr val="tx1"/>
+                        </a:solidFill>
+                      </a:endParaRPr>
+                    </a:p>
+                  </a:txBody>
+                  <a:tcPr anchor="ctr">
+                    <a:lnL w="12700" cap="flat" cmpd="sng" algn="ctr">
+                      <a:solidFill>
+                        <a:schemeClr val="tx1"/>
+                      </a:solidFill>
+                      <a:prstDash val="solid"/>
+                      <a:round/>
+                      <a:headEnd type="none" w="med" len="med"/>
+                      <a:tailEnd type="none" w="med" len="med"/>
+                    </a:lnL>
+                    <a:lnR w="12700" cap="flat" cmpd="sng" algn="ctr">
+                      <a:solidFill>
+                        <a:schemeClr val="tx1"/>
+                      </a:solidFill>
+                      <a:prstDash val="solid"/>
+                      <a:round/>
+                      <a:headEnd type="none" w="med" len="med"/>
+                      <a:tailEnd type="none" w="med" len="med"/>
+                    </a:lnR>
+                    <a:lnT w="12700" cap="flat" cmpd="sng" algn="ctr">
+                      <a:solidFill>
+                        <a:schemeClr val="tx1"/>
+                      </a:solidFill>
+                      <a:prstDash val="solid"/>
+                      <a:round/>
+                      <a:headEnd type="none" w="med" len="med"/>
+                      <a:tailEnd type="none" w="med" len="med"/>
+                    </a:lnT>
+                    <a:lnB w="12700" cap="flat" cmpd="sng" algn="ctr">
+                      <a:solidFill>
+                        <a:schemeClr val="tx1"/>
+                      </a:solidFill>
+                      <a:prstDash val="solid"/>
+                      <a:round/>
+                      <a:headEnd type="none" w="med" len="med"/>
+                      <a:tailEnd type="none" w="med" len="med"/>
+                    </a:lnB>
+                    <a:solidFill>
+                      <a:schemeClr val="bg1"/>
+                    </a:solidFill>
+                  </a:tcPr>
+                </a:tc>
+                <a:tc>
+                  <a:txBody>
+                    <a:bodyPr/>
+                    <a:lstStyle/>
+                    <a:p>
+                      <a:pPr algn="ctr" latinLnBrk="1"/>
+                      <a:r>
+                        <a:rPr lang="ko-KR" altLang="en-US" sz="1000" dirty="0">
+                          <a:solidFill>
+                            <a:schemeClr val="tx1"/>
+                          </a:solidFill>
+                        </a:rPr>
+                        <a:t>욕설 회원 제재 바랍니다</a:t>
+                      </a:r>
+                    </a:p>
+                  </a:txBody>
+                  <a:tcPr anchor="ctr">
+                    <a:lnL w="12700" cap="flat" cmpd="sng" algn="ctr">
+                      <a:solidFill>
+                        <a:schemeClr val="tx1"/>
+                      </a:solidFill>
+                      <a:prstDash val="solid"/>
+                      <a:round/>
+                      <a:headEnd type="none" w="med" len="med"/>
+                      <a:tailEnd type="none" w="med" len="med"/>
+                    </a:lnL>
+                    <a:lnR w="12700" cap="flat" cmpd="sng" algn="ctr">
+                      <a:solidFill>
+                        <a:schemeClr val="tx1"/>
+                      </a:solidFill>
+                      <a:prstDash val="solid"/>
+                      <a:round/>
+                      <a:headEnd type="none" w="med" len="med"/>
+                      <a:tailEnd type="none" w="med" len="med"/>
+                    </a:lnR>
+                    <a:lnT w="12700" cap="flat" cmpd="sng" algn="ctr">
+                      <a:solidFill>
+                        <a:schemeClr val="tx1"/>
+                      </a:solidFill>
+                      <a:prstDash val="solid"/>
+                      <a:round/>
+                      <a:headEnd type="none" w="med" len="med"/>
+                      <a:tailEnd type="none" w="med" len="med"/>
+                    </a:lnT>
+                    <a:lnB w="12700" cap="flat" cmpd="sng" algn="ctr">
+                      <a:solidFill>
+                        <a:schemeClr val="tx1"/>
+                      </a:solidFill>
+                      <a:prstDash val="solid"/>
+                      <a:round/>
+                      <a:headEnd type="none" w="med" len="med"/>
+                      <a:tailEnd type="none" w="med" len="med"/>
+                    </a:lnB>
+                    <a:solidFill>
+                      <a:schemeClr val="bg1"/>
+                    </a:solidFill>
+                  </a:tcPr>
+                </a:tc>
+                <a:tc>
+                  <a:txBody>
+                    <a:bodyPr/>
+                    <a:lstStyle/>
+                    <a:p>
+                      <a:pPr algn="ctr" latinLnBrk="1"/>
+                      <a:r>
+                        <a:rPr lang="ko-KR" altLang="en-US" sz="1000" dirty="0">
+                          <a:solidFill>
+                            <a:schemeClr val="tx1"/>
+                          </a:solidFill>
+                        </a:rPr>
+                        <a:t>처리중</a:t>
+                      </a:r>
+                      <a:endParaRPr lang="en-US" altLang="ko-KR" sz="1000" dirty="0">
+                        <a:solidFill>
+                          <a:schemeClr val="tx1"/>
+                        </a:solidFill>
+                      </a:endParaRPr>
+                    </a:p>
+                    <a:p>
+                      <a:pPr algn="ctr" latinLnBrk="1"/>
+                      <a:r>
+                        <a:rPr lang="ko-KR" altLang="en-US" sz="800" dirty="0">
+                          <a:solidFill>
+                            <a:schemeClr val="tx1"/>
+                          </a:solidFill>
+                        </a:rPr>
+                        <a:t>담당자 </a:t>
+                      </a:r>
+                      <a:r>
+                        <a:rPr lang="en-US" altLang="ko-KR" sz="800" dirty="0">
+                          <a:solidFill>
+                            <a:schemeClr val="tx1"/>
+                          </a:solidFill>
+                        </a:rPr>
+                        <a:t>: </a:t>
+                      </a:r>
+                      <a:r>
+                        <a:rPr lang="ko-KR" altLang="en-US" sz="800" dirty="0">
+                          <a:solidFill>
+                            <a:schemeClr val="tx1"/>
+                          </a:solidFill>
+                        </a:rPr>
+                        <a:t>김길동</a:t>
+                      </a:r>
+                    </a:p>
+                  </a:txBody>
+                  <a:tcPr anchor="ctr">
+                    <a:lnL w="12700" cap="flat" cmpd="sng" algn="ctr">
+                      <a:solidFill>
+                        <a:schemeClr val="tx1"/>
+                      </a:solidFill>
+                      <a:prstDash val="solid"/>
+                      <a:round/>
+                      <a:headEnd type="none" w="med" len="med"/>
+                      <a:tailEnd type="none" w="med" len="med"/>
+                    </a:lnL>
+                    <a:lnR w="12700" cap="flat" cmpd="sng" algn="ctr">
+                      <a:solidFill>
+                        <a:schemeClr val="tx1"/>
+                      </a:solidFill>
+                      <a:prstDash val="solid"/>
+                      <a:round/>
+                      <a:headEnd type="none" w="med" len="med"/>
+                      <a:tailEnd type="none" w="med" len="med"/>
+                    </a:lnR>
+                    <a:lnT w="12700" cap="flat" cmpd="sng" algn="ctr">
+                      <a:solidFill>
+                        <a:schemeClr val="tx1"/>
+                      </a:solidFill>
+                      <a:prstDash val="solid"/>
+                      <a:round/>
+                      <a:headEnd type="none" w="med" len="med"/>
+                      <a:tailEnd type="none" w="med" len="med"/>
+                    </a:lnT>
+                    <a:lnB w="12700" cap="flat" cmpd="sng" algn="ctr">
+                      <a:solidFill>
+                        <a:schemeClr val="tx1"/>
+                      </a:solidFill>
+                      <a:prstDash val="solid"/>
+                      <a:round/>
+                      <a:headEnd type="none" w="med" len="med"/>
+                      <a:tailEnd type="none" w="med" len="med"/>
+                    </a:lnB>
+                    <a:solidFill>
+                      <a:schemeClr val="bg1"/>
+                    </a:solidFill>
+                  </a:tcPr>
+                </a:tc>
+                <a:tc>
+                  <a:txBody>
+                    <a:bodyPr/>
+                    <a:lstStyle/>
+                    <a:p>
+                      <a:pPr algn="ctr" latinLnBrk="1"/>
+                      <a:r>
+                        <a:rPr lang="en-US" altLang="ko-KR" sz="1000" dirty="0">
+                          <a:solidFill>
+                            <a:schemeClr val="tx1"/>
+                          </a:solidFill>
+                        </a:rPr>
+                        <a:t>2020-01-22</a:t>
+                      </a:r>
+                      <a:endParaRPr lang="ko-KR" altLang="en-US" sz="1000" dirty="0">
+                        <a:solidFill>
+                          <a:schemeClr val="tx1"/>
+                        </a:solidFill>
+                      </a:endParaRPr>
+                    </a:p>
+                  </a:txBody>
+                  <a:tcPr anchor="ctr">
+                    <a:lnL w="12700" cap="flat" cmpd="sng" algn="ctr">
+                      <a:solidFill>
+                        <a:schemeClr val="tx1"/>
+                      </a:solidFill>
+                      <a:prstDash val="solid"/>
+                      <a:round/>
+                      <a:headEnd type="none" w="med" len="med"/>
+                      <a:tailEnd type="none" w="med" len="med"/>
+                    </a:lnL>
+                    <a:lnR w="12700" cap="flat" cmpd="sng" algn="ctr">
+                      <a:solidFill>
+                        <a:schemeClr val="tx1"/>
+                      </a:solidFill>
+                      <a:prstDash val="solid"/>
+                      <a:round/>
+                      <a:headEnd type="none" w="med" len="med"/>
+                      <a:tailEnd type="none" w="med" len="med"/>
+                    </a:lnR>
+                    <a:lnT w="12700" cap="flat" cmpd="sng" algn="ctr">
+                      <a:solidFill>
+                        <a:schemeClr val="tx1"/>
+                      </a:solidFill>
+                      <a:prstDash val="solid"/>
+                      <a:round/>
+                      <a:headEnd type="none" w="med" len="med"/>
+                      <a:tailEnd type="none" w="med" len="med"/>
+                    </a:lnT>
+                    <a:lnB w="12700" cap="flat" cmpd="sng" algn="ctr">
+                      <a:solidFill>
+                        <a:schemeClr val="tx1"/>
+                      </a:solidFill>
+                      <a:prstDash val="solid"/>
+                      <a:round/>
+                      <a:headEnd type="none" w="med" len="med"/>
+                      <a:tailEnd type="none" w="med" len="med"/>
+                    </a:lnB>
+                    <a:solidFill>
+                      <a:schemeClr val="bg1"/>
+                    </a:solidFill>
+                  </a:tcPr>
+                </a:tc>
+                <a:extLst>
+                  <a:ext uri="{0D108BD9-81ED-4DB2-BD59-A6C34878D82A}">
+                    <a16:rowId xmlns="" xmlns:a16="http://schemas.microsoft.com/office/drawing/2014/main" val="192914674"/>
+                  </a:ext>
+                </a:extLst>
+              </a:tr>
+              <a:tr h="473043">
+                <a:tc>
+                  <a:txBody>
+                    <a:bodyPr/>
+                    <a:lstStyle/>
+                    <a:p>
+                      <a:pPr algn="ctr" latinLnBrk="1"/>
+                      <a:endParaRPr lang="ko-KR" altLang="en-US" sz="1500">
+                        <a:solidFill>
+                          <a:schemeClr val="tx1"/>
+                        </a:solidFill>
+                      </a:endParaRPr>
+                    </a:p>
+                  </a:txBody>
+                  <a:tcPr anchor="ctr">
+                    <a:lnL w="12700" cap="flat" cmpd="sng" algn="ctr">
+                      <a:solidFill>
+                        <a:schemeClr val="tx1"/>
+                      </a:solidFill>
+                      <a:prstDash val="solid"/>
+                      <a:round/>
+                      <a:headEnd type="none" w="med" len="med"/>
+                      <a:tailEnd type="none" w="med" len="med"/>
+                    </a:lnL>
+                    <a:lnR w="12700" cap="flat" cmpd="sng" algn="ctr">
+                      <a:solidFill>
+                        <a:schemeClr val="tx1"/>
+                      </a:solidFill>
+                      <a:prstDash val="solid"/>
+                      <a:round/>
+                      <a:headEnd type="none" w="med" len="med"/>
+                      <a:tailEnd type="none" w="med" len="med"/>
+                    </a:lnR>
+                    <a:lnT w="12700" cap="flat" cmpd="sng" algn="ctr">
+                      <a:solidFill>
+                        <a:schemeClr val="tx1"/>
+                      </a:solidFill>
+                      <a:prstDash val="solid"/>
+                      <a:round/>
+                      <a:headEnd type="none" w="med" len="med"/>
+                      <a:tailEnd type="none" w="med" len="med"/>
+                    </a:lnT>
+                    <a:lnB w="12700" cap="flat" cmpd="sng" algn="ctr">
+                      <a:solidFill>
+                        <a:schemeClr val="tx1"/>
+                      </a:solidFill>
+                      <a:prstDash val="solid"/>
+                      <a:round/>
+                      <a:headEnd type="none" w="med" len="med"/>
+                      <a:tailEnd type="none" w="med" len="med"/>
+                    </a:lnB>
+                    <a:solidFill>
+                      <a:schemeClr val="bg1"/>
+                    </a:solidFill>
+                  </a:tcPr>
+                </a:tc>
+                <a:tc>
+                  <a:txBody>
+                    <a:bodyPr/>
+                    <a:lstStyle/>
+                    <a:p>
+                      <a:pPr marL="0" marR="0" lvl="0" indent="0" algn="ctr" defTabSz="914400" rtl="0" eaLnBrk="1" fontAlgn="auto" latinLnBrk="1" hangingPunct="1">
+                        <a:lnSpc>
+                          <a:spcPct val="100000"/>
+                        </a:lnSpc>
+                        <a:spcBef>
+                          <a:spcPts val="0"/>
+                        </a:spcBef>
+                        <a:spcAft>
+                          <a:spcPts val="0"/>
+                        </a:spcAft>
+                        <a:buClrTx/>
+                        <a:buSzTx/>
+                        <a:buFontTx/>
+                        <a:buNone/>
+                        <a:tabLst/>
+                        <a:defRPr/>
+                      </a:pPr>
+                      <a:r>
+                        <a:rPr lang="ko-KR" altLang="en-US" sz="1000" dirty="0">
+                          <a:solidFill>
+                            <a:schemeClr val="tx1"/>
+                          </a:solidFill>
+                        </a:rPr>
+                        <a:t>부적절 상품</a:t>
+                      </a:r>
+                    </a:p>
+                  </a:txBody>
+                  <a:tcPr anchor="ctr">
+                    <a:lnL w="12700" cap="flat" cmpd="sng" algn="ctr">
+                      <a:solidFill>
+                        <a:schemeClr val="tx1"/>
+                      </a:solidFill>
+                      <a:prstDash val="solid"/>
+                      <a:round/>
+                      <a:headEnd type="none" w="med" len="med"/>
+                      <a:tailEnd type="none" w="med" len="med"/>
+                    </a:lnL>
+                    <a:lnR w="12700" cap="flat" cmpd="sng" algn="ctr">
+                      <a:solidFill>
+                        <a:schemeClr val="tx1"/>
+                      </a:solidFill>
+                      <a:prstDash val="solid"/>
+                      <a:round/>
+                      <a:headEnd type="none" w="med" len="med"/>
+                      <a:tailEnd type="none" w="med" len="med"/>
+                    </a:lnR>
+                    <a:lnT w="12700" cap="flat" cmpd="sng" algn="ctr">
+                      <a:solidFill>
+                        <a:schemeClr val="tx1"/>
+                      </a:solidFill>
+                      <a:prstDash val="solid"/>
+                      <a:round/>
+                      <a:headEnd type="none" w="med" len="med"/>
+                      <a:tailEnd type="none" w="med" len="med"/>
+                    </a:lnT>
+                    <a:lnB w="12700" cap="flat" cmpd="sng" algn="ctr">
+                      <a:solidFill>
+                        <a:schemeClr val="tx1"/>
+                      </a:solidFill>
+                      <a:prstDash val="solid"/>
+                      <a:round/>
+                      <a:headEnd type="none" w="med" len="med"/>
+                      <a:tailEnd type="none" w="med" len="med"/>
+                    </a:lnB>
+                    <a:solidFill>
+                      <a:schemeClr val="bg1"/>
+                    </a:solidFill>
+                  </a:tcPr>
+                </a:tc>
+                <a:tc>
+                  <a:txBody>
+                    <a:bodyPr/>
+                    <a:lstStyle/>
+                    <a:p>
+                      <a:pPr algn="ctr" latinLnBrk="1"/>
+                      <a:r>
+                        <a:rPr lang="en-US" altLang="ko-KR" sz="1000" dirty="0">
+                          <a:solidFill>
+                            <a:schemeClr val="tx1"/>
+                          </a:solidFill>
+                        </a:rPr>
+                        <a:t>gudwns3533</a:t>
+                      </a:r>
+                      <a:endParaRPr lang="ko-KR" altLang="en-US" sz="1000" dirty="0">
+                        <a:solidFill>
+                          <a:schemeClr val="tx1"/>
+                        </a:solidFill>
+                      </a:endParaRPr>
+                    </a:p>
+                  </a:txBody>
+                  <a:tcPr anchor="ctr">
+                    <a:lnL w="12700" cap="flat" cmpd="sng" algn="ctr">
+                      <a:solidFill>
+                        <a:schemeClr val="tx1"/>
+                      </a:solidFill>
+                      <a:prstDash val="solid"/>
+                      <a:round/>
+                      <a:headEnd type="none" w="med" len="med"/>
+                      <a:tailEnd type="none" w="med" len="med"/>
+                    </a:lnL>
+                    <a:lnR w="12700" cap="flat" cmpd="sng" algn="ctr">
+                      <a:solidFill>
+                        <a:schemeClr val="tx1"/>
+                      </a:solidFill>
+                      <a:prstDash val="solid"/>
+                      <a:round/>
+                      <a:headEnd type="none" w="med" len="med"/>
+                      <a:tailEnd type="none" w="med" len="med"/>
+                    </a:lnR>
+                    <a:lnT w="12700" cap="flat" cmpd="sng" algn="ctr">
+                      <a:solidFill>
+                        <a:schemeClr val="tx1"/>
+                      </a:solidFill>
+                      <a:prstDash val="solid"/>
+                      <a:round/>
+                      <a:headEnd type="none" w="med" len="med"/>
+                      <a:tailEnd type="none" w="med" len="med"/>
+                    </a:lnT>
+                    <a:lnB w="12700" cap="flat" cmpd="sng" algn="ctr">
+                      <a:solidFill>
+                        <a:schemeClr val="tx1"/>
+                      </a:solidFill>
+                      <a:prstDash val="solid"/>
+                      <a:round/>
+                      <a:headEnd type="none" w="med" len="med"/>
+                      <a:tailEnd type="none" w="med" len="med"/>
+                    </a:lnB>
+                    <a:solidFill>
+                      <a:schemeClr val="bg1"/>
+                    </a:solidFill>
+                  </a:tcPr>
+                </a:tc>
+                <a:tc>
+                  <a:txBody>
+                    <a:bodyPr/>
+                    <a:lstStyle/>
+                    <a:p>
+                      <a:pPr marL="0" marR="0" lvl="0" indent="0" algn="ctr" defTabSz="914400" rtl="0" eaLnBrk="1" fontAlgn="auto" latinLnBrk="1" hangingPunct="1">
+                        <a:lnSpc>
+                          <a:spcPct val="100000"/>
+                        </a:lnSpc>
+                        <a:spcBef>
+                          <a:spcPts val="0"/>
+                        </a:spcBef>
+                        <a:spcAft>
+                          <a:spcPts val="0"/>
+                        </a:spcAft>
+                        <a:buClrTx/>
+                        <a:buSzTx/>
+                        <a:buFontTx/>
+                        <a:buNone/>
+                        <a:tabLst/>
+                        <a:defRPr/>
+                      </a:pPr>
+                      <a:r>
+                        <a:rPr lang="ko-KR" altLang="en-US" sz="1000" dirty="0">
+                          <a:solidFill>
+                            <a:schemeClr val="tx1"/>
+                          </a:solidFill>
+                        </a:rPr>
+                        <a:t>시험 족보 거래 신고합니다</a:t>
+                      </a:r>
+                    </a:p>
+                  </a:txBody>
+                  <a:tcPr anchor="ctr">
+                    <a:lnL w="12700" cap="flat" cmpd="sng" algn="ctr">
+                      <a:solidFill>
+                        <a:schemeClr val="tx1"/>
+                      </a:solidFill>
+                      <a:prstDash val="solid"/>
+                      <a:round/>
+                      <a:headEnd type="none" w="med" len="med"/>
+                      <a:tailEnd type="none" w="med" len="med"/>
+                    </a:lnL>
+                    <a:lnR w="12700" cap="flat" cmpd="sng" algn="ctr">
+                      <a:solidFill>
+                        <a:schemeClr val="tx1"/>
+                      </a:solidFill>
+                      <a:prstDash val="solid"/>
+                      <a:round/>
+                      <a:headEnd type="none" w="med" len="med"/>
+                      <a:tailEnd type="none" w="med" len="med"/>
+                    </a:lnR>
+                    <a:lnT w="12700" cap="flat" cmpd="sng" algn="ctr">
+                      <a:solidFill>
+                        <a:schemeClr val="tx1"/>
+                      </a:solidFill>
+                      <a:prstDash val="solid"/>
+                      <a:round/>
+                      <a:headEnd type="none" w="med" len="med"/>
+                      <a:tailEnd type="none" w="med" len="med"/>
+                    </a:lnT>
+                    <a:lnB w="12700" cap="flat" cmpd="sng" algn="ctr">
+                      <a:solidFill>
+                        <a:schemeClr val="tx1"/>
+                      </a:solidFill>
+                      <a:prstDash val="solid"/>
+                      <a:round/>
+                      <a:headEnd type="none" w="med" len="med"/>
+                      <a:tailEnd type="none" w="med" len="med"/>
+                    </a:lnB>
+                    <a:solidFill>
+                      <a:schemeClr val="bg1"/>
+                    </a:solidFill>
+                  </a:tcPr>
+                </a:tc>
+                <a:tc>
+                  <a:txBody>
+                    <a:bodyPr/>
+                    <a:lstStyle/>
+                    <a:p>
+                      <a:pPr algn="ctr" latinLnBrk="1"/>
+                      <a:r>
+                        <a:rPr lang="ko-KR" altLang="en-US" sz="1000" dirty="0">
+                          <a:solidFill>
+                            <a:schemeClr val="tx1"/>
+                          </a:solidFill>
+                        </a:rPr>
+                        <a:t>처리완료</a:t>
+                      </a:r>
+                    </a:p>
+                  </a:txBody>
+                  <a:tcPr anchor="ctr">
+                    <a:lnL w="12700" cap="flat" cmpd="sng" algn="ctr">
+                      <a:solidFill>
+                        <a:schemeClr val="tx1"/>
+                      </a:solidFill>
+                      <a:prstDash val="solid"/>
+                      <a:round/>
+                      <a:headEnd type="none" w="med" len="med"/>
+                      <a:tailEnd type="none" w="med" len="med"/>
+                    </a:lnL>
+                    <a:lnR w="12700" cap="flat" cmpd="sng" algn="ctr">
+                      <a:solidFill>
+                        <a:schemeClr val="tx1"/>
+                      </a:solidFill>
+                      <a:prstDash val="solid"/>
+                      <a:round/>
+                      <a:headEnd type="none" w="med" len="med"/>
+                      <a:tailEnd type="none" w="med" len="med"/>
+                    </a:lnR>
+                    <a:lnT w="12700" cap="flat" cmpd="sng" algn="ctr">
+                      <a:solidFill>
+                        <a:schemeClr val="tx1"/>
+                      </a:solidFill>
+                      <a:prstDash val="solid"/>
+                      <a:round/>
+                      <a:headEnd type="none" w="med" len="med"/>
+                      <a:tailEnd type="none" w="med" len="med"/>
+                    </a:lnT>
+                    <a:lnB w="12700" cap="flat" cmpd="sng" algn="ctr">
+                      <a:solidFill>
+                        <a:schemeClr val="tx1"/>
+                      </a:solidFill>
+                      <a:prstDash val="solid"/>
+                      <a:round/>
+                      <a:headEnd type="none" w="med" len="med"/>
+                      <a:tailEnd type="none" w="med" len="med"/>
+                    </a:lnB>
+                    <a:solidFill>
+                      <a:schemeClr val="bg1"/>
+                    </a:solidFill>
+                  </a:tcPr>
+                </a:tc>
+                <a:tc>
+                  <a:txBody>
+                    <a:bodyPr/>
+                    <a:lstStyle/>
+                    <a:p>
+                      <a:pPr algn="ctr" latinLnBrk="1"/>
+                      <a:r>
+                        <a:rPr lang="en-US" altLang="ko-KR" sz="1000" dirty="0">
+                          <a:solidFill>
+                            <a:schemeClr val="tx1"/>
+                          </a:solidFill>
+                        </a:rPr>
+                        <a:t>2020-01-18</a:t>
+                      </a:r>
+                      <a:endParaRPr lang="ko-KR" altLang="en-US" sz="1000" dirty="0">
+                        <a:solidFill>
+                          <a:schemeClr val="tx1"/>
+                        </a:solidFill>
+                      </a:endParaRPr>
+                    </a:p>
+                  </a:txBody>
+                  <a:tcPr anchor="ctr">
+                    <a:lnL w="12700" cap="flat" cmpd="sng" algn="ctr">
+                      <a:solidFill>
+                        <a:schemeClr val="tx1"/>
+                      </a:solidFill>
+                      <a:prstDash val="solid"/>
+                      <a:round/>
+                      <a:headEnd type="none" w="med" len="med"/>
+                      <a:tailEnd type="none" w="med" len="med"/>
+                    </a:lnL>
+                    <a:lnR w="12700" cap="flat" cmpd="sng" algn="ctr">
+                      <a:solidFill>
+                        <a:schemeClr val="tx1"/>
+                      </a:solidFill>
+                      <a:prstDash val="solid"/>
+                      <a:round/>
+                      <a:headEnd type="none" w="med" len="med"/>
+                      <a:tailEnd type="none" w="med" len="med"/>
+                    </a:lnR>
+                    <a:lnT w="12700" cap="flat" cmpd="sng" algn="ctr">
+                      <a:solidFill>
+                        <a:schemeClr val="tx1"/>
+                      </a:solidFill>
+                      <a:prstDash val="solid"/>
+                      <a:round/>
+                      <a:headEnd type="none" w="med" len="med"/>
+                      <a:tailEnd type="none" w="med" len="med"/>
+                    </a:lnT>
+                    <a:lnB w="12700" cap="flat" cmpd="sng" algn="ctr">
+                      <a:solidFill>
+                        <a:schemeClr val="tx1"/>
+                      </a:solidFill>
+                      <a:prstDash val="solid"/>
+                      <a:round/>
+                      <a:headEnd type="none" w="med" len="med"/>
+                      <a:tailEnd type="none" w="med" len="med"/>
+                    </a:lnB>
+                    <a:solidFill>
+                      <a:schemeClr val="bg1"/>
+                    </a:solidFill>
+                  </a:tcPr>
+                </a:tc>
+                <a:extLst>
+                  <a:ext uri="{0D108BD9-81ED-4DB2-BD59-A6C34878D82A}">
+                    <a16:rowId xmlns="" xmlns:a16="http://schemas.microsoft.com/office/drawing/2014/main" val="1988899687"/>
+                  </a:ext>
+                </a:extLst>
+              </a:tr>
+              <a:tr h="473043">
+                <a:tc>
+                  <a:txBody>
+                    <a:bodyPr/>
+                    <a:lstStyle/>
+                    <a:p>
+                      <a:pPr algn="ctr" latinLnBrk="1"/>
+                      <a:endParaRPr lang="ko-KR" altLang="en-US" sz="1500">
+                        <a:solidFill>
+                          <a:schemeClr val="tx1"/>
+                        </a:solidFill>
+                      </a:endParaRPr>
+                    </a:p>
+                  </a:txBody>
+                  <a:tcPr anchor="ctr">
+                    <a:lnL w="12700" cap="flat" cmpd="sng" algn="ctr">
+                      <a:solidFill>
+                        <a:schemeClr val="tx1"/>
+                      </a:solidFill>
+                      <a:prstDash val="solid"/>
+                      <a:round/>
+                      <a:headEnd type="none" w="med" len="med"/>
+                      <a:tailEnd type="none" w="med" len="med"/>
+                    </a:lnL>
+                    <a:lnR w="12700" cap="flat" cmpd="sng" algn="ctr">
+                      <a:solidFill>
+                        <a:schemeClr val="tx1"/>
+                      </a:solidFill>
+                      <a:prstDash val="solid"/>
+                      <a:round/>
+                      <a:headEnd type="none" w="med" len="med"/>
+                      <a:tailEnd type="none" w="med" len="med"/>
+                    </a:lnR>
+                    <a:lnT w="12700" cap="flat" cmpd="sng" algn="ctr">
+                      <a:solidFill>
+                        <a:schemeClr val="tx1"/>
+                      </a:solidFill>
+                      <a:prstDash val="solid"/>
+                      <a:round/>
+                      <a:headEnd type="none" w="med" len="med"/>
+                      <a:tailEnd type="none" w="med" len="med"/>
+                    </a:lnT>
+                    <a:lnB w="12700" cap="flat" cmpd="sng" algn="ctr">
+                      <a:solidFill>
+                        <a:schemeClr val="tx1"/>
+                      </a:solidFill>
+                      <a:prstDash val="solid"/>
+                      <a:round/>
+                      <a:headEnd type="none" w="med" len="med"/>
+                      <a:tailEnd type="none" w="med" len="med"/>
+                    </a:lnB>
+                    <a:solidFill>
+                      <a:schemeClr val="bg1"/>
+                    </a:solidFill>
+                  </a:tcPr>
+                </a:tc>
+                <a:tc>
+                  <a:txBody>
+                    <a:bodyPr/>
+                    <a:lstStyle/>
+                    <a:p>
+                      <a:pPr marL="0" marR="0" lvl="0" indent="0" algn="ctr" defTabSz="914400" rtl="0" eaLnBrk="1" fontAlgn="auto" latinLnBrk="1" hangingPunct="1">
+                        <a:lnSpc>
+                          <a:spcPct val="100000"/>
+                        </a:lnSpc>
+                        <a:spcBef>
+                          <a:spcPts val="0"/>
+                        </a:spcBef>
+                        <a:spcAft>
+                          <a:spcPts val="0"/>
+                        </a:spcAft>
+                        <a:buClrTx/>
+                        <a:buSzTx/>
+                        <a:buFontTx/>
+                        <a:buNone/>
+                        <a:tabLst/>
+                        <a:defRPr/>
+                      </a:pPr>
+                      <a:r>
+                        <a:rPr lang="ko-KR" altLang="en-US" sz="1000" dirty="0">
+                          <a:solidFill>
+                            <a:schemeClr val="tx1"/>
+                          </a:solidFill>
+                        </a:rPr>
+                        <a:t>불건전내용</a:t>
+                      </a:r>
+                      <a:r>
+                        <a:rPr lang="en-US" altLang="ko-KR" sz="1000" dirty="0">
+                          <a:solidFill>
+                            <a:schemeClr val="tx1"/>
+                          </a:solidFill>
+                        </a:rPr>
+                        <a:t>(</a:t>
+                      </a:r>
+                      <a:r>
+                        <a:rPr lang="ko-KR" altLang="en-US" sz="1000" dirty="0">
+                          <a:solidFill>
+                            <a:schemeClr val="tx1"/>
+                          </a:solidFill>
+                        </a:rPr>
+                        <a:t>욕설등</a:t>
+                      </a:r>
+                      <a:r>
+                        <a:rPr lang="en-US" altLang="ko-KR" sz="1000" dirty="0">
+                          <a:solidFill>
+                            <a:schemeClr val="tx1"/>
+                          </a:solidFill>
+                        </a:rPr>
+                        <a:t>)</a:t>
+                      </a:r>
+                      <a:endParaRPr lang="ko-KR" altLang="en-US" sz="1000" dirty="0">
+                        <a:solidFill>
+                          <a:schemeClr val="tx1"/>
+                        </a:solidFill>
+                      </a:endParaRPr>
+                    </a:p>
+                  </a:txBody>
+                  <a:tcPr anchor="ctr">
+                    <a:lnL w="12700" cap="flat" cmpd="sng" algn="ctr">
+                      <a:solidFill>
+                        <a:schemeClr val="tx1"/>
+                      </a:solidFill>
+                      <a:prstDash val="solid"/>
+                      <a:round/>
+                      <a:headEnd type="none" w="med" len="med"/>
+                      <a:tailEnd type="none" w="med" len="med"/>
+                    </a:lnL>
+                    <a:lnR w="12700" cap="flat" cmpd="sng" algn="ctr">
+                      <a:solidFill>
+                        <a:schemeClr val="tx1"/>
+                      </a:solidFill>
+                      <a:prstDash val="solid"/>
+                      <a:round/>
+                      <a:headEnd type="none" w="med" len="med"/>
+                      <a:tailEnd type="none" w="med" len="med"/>
+                    </a:lnR>
+                    <a:lnT w="12700" cap="flat" cmpd="sng" algn="ctr">
+                      <a:solidFill>
+                        <a:schemeClr val="tx1"/>
+                      </a:solidFill>
+                      <a:prstDash val="solid"/>
+                      <a:round/>
+                      <a:headEnd type="none" w="med" len="med"/>
+                      <a:tailEnd type="none" w="med" len="med"/>
+                    </a:lnT>
+                    <a:lnB w="12700" cap="flat" cmpd="sng" algn="ctr">
+                      <a:solidFill>
+                        <a:schemeClr val="tx1"/>
+                      </a:solidFill>
+                      <a:prstDash val="solid"/>
+                      <a:round/>
+                      <a:headEnd type="none" w="med" len="med"/>
+                      <a:tailEnd type="none" w="med" len="med"/>
+                    </a:lnB>
+                    <a:solidFill>
+                      <a:schemeClr val="bg1"/>
+                    </a:solidFill>
+                  </a:tcPr>
+                </a:tc>
+                <a:tc>
+                  <a:txBody>
+                    <a:bodyPr/>
+                    <a:lstStyle/>
+                    <a:p>
+                      <a:pPr algn="ctr" latinLnBrk="1"/>
+                      <a:r>
+                        <a:rPr lang="en-US" altLang="ko-KR" sz="1000" dirty="0">
+                          <a:solidFill>
+                            <a:schemeClr val="tx1"/>
+                          </a:solidFill>
+                        </a:rPr>
+                        <a:t>rlqja5253</a:t>
+                      </a:r>
+                      <a:endParaRPr lang="ko-KR" altLang="en-US" sz="1000" dirty="0">
+                        <a:solidFill>
+                          <a:schemeClr val="tx1"/>
+                        </a:solidFill>
+                      </a:endParaRPr>
+                    </a:p>
+                  </a:txBody>
+                  <a:tcPr anchor="ctr">
+                    <a:lnL w="12700" cap="flat" cmpd="sng" algn="ctr">
+                      <a:solidFill>
+                        <a:schemeClr val="tx1"/>
+                      </a:solidFill>
+                      <a:prstDash val="solid"/>
+                      <a:round/>
+                      <a:headEnd type="none" w="med" len="med"/>
+                      <a:tailEnd type="none" w="med" len="med"/>
+                    </a:lnL>
+                    <a:lnR w="12700" cap="flat" cmpd="sng" algn="ctr">
+                      <a:solidFill>
+                        <a:schemeClr val="tx1"/>
+                      </a:solidFill>
+                      <a:prstDash val="solid"/>
+                      <a:round/>
+                      <a:headEnd type="none" w="med" len="med"/>
+                      <a:tailEnd type="none" w="med" len="med"/>
+                    </a:lnR>
+                    <a:lnT w="12700" cap="flat" cmpd="sng" algn="ctr">
+                      <a:solidFill>
+                        <a:schemeClr val="tx1"/>
+                      </a:solidFill>
+                      <a:prstDash val="solid"/>
+                      <a:round/>
+                      <a:headEnd type="none" w="med" len="med"/>
+                      <a:tailEnd type="none" w="med" len="med"/>
+                    </a:lnT>
+                    <a:lnB w="12700" cap="flat" cmpd="sng" algn="ctr">
+                      <a:solidFill>
+                        <a:schemeClr val="tx1"/>
+                      </a:solidFill>
+                      <a:prstDash val="solid"/>
+                      <a:round/>
+                      <a:headEnd type="none" w="med" len="med"/>
+                      <a:tailEnd type="none" w="med" len="med"/>
+                    </a:lnB>
+                    <a:solidFill>
+                      <a:schemeClr val="bg1"/>
+                    </a:solidFill>
+                  </a:tcPr>
+                </a:tc>
+                <a:tc>
+                  <a:txBody>
+                    <a:bodyPr/>
+                    <a:lstStyle/>
+                    <a:p>
+                      <a:pPr algn="ctr" latinLnBrk="1"/>
+                      <a:r>
+                        <a:rPr lang="ko-KR" altLang="en-US" sz="1000" dirty="0">
+                          <a:solidFill>
+                            <a:schemeClr val="tx1"/>
+                          </a:solidFill>
+                        </a:rPr>
+                        <a:t>제공회원이 이상한 말을 하네요</a:t>
+                      </a:r>
+                      <a:r>
+                        <a:rPr lang="en-US" altLang="ko-KR" sz="1000" dirty="0">
+                          <a:solidFill>
+                            <a:schemeClr val="tx1"/>
+                          </a:solidFill>
+                        </a:rPr>
+                        <a:t>…</a:t>
+                      </a:r>
+                      <a:endParaRPr lang="ko-KR" altLang="en-US" sz="1000" dirty="0">
+                        <a:solidFill>
+                          <a:schemeClr val="tx1"/>
+                        </a:solidFill>
+                      </a:endParaRPr>
+                    </a:p>
+                  </a:txBody>
+                  <a:tcPr anchor="ctr">
+                    <a:lnL w="12700" cap="flat" cmpd="sng" algn="ctr">
+                      <a:solidFill>
+                        <a:schemeClr val="tx1"/>
+                      </a:solidFill>
+                      <a:prstDash val="solid"/>
+                      <a:round/>
+                      <a:headEnd type="none" w="med" len="med"/>
+                      <a:tailEnd type="none" w="med" len="med"/>
+                    </a:lnL>
+                    <a:lnR w="12700" cap="flat" cmpd="sng" algn="ctr">
+                      <a:solidFill>
+                        <a:schemeClr val="tx1"/>
+                      </a:solidFill>
+                      <a:prstDash val="solid"/>
+                      <a:round/>
+                      <a:headEnd type="none" w="med" len="med"/>
+                      <a:tailEnd type="none" w="med" len="med"/>
+                    </a:lnR>
+                    <a:lnT w="12700" cap="flat" cmpd="sng" algn="ctr">
+                      <a:solidFill>
+                        <a:schemeClr val="tx1"/>
+                      </a:solidFill>
+                      <a:prstDash val="solid"/>
+                      <a:round/>
+                      <a:headEnd type="none" w="med" len="med"/>
+                      <a:tailEnd type="none" w="med" len="med"/>
+                    </a:lnT>
+                    <a:lnB w="12700" cap="flat" cmpd="sng" algn="ctr">
+                      <a:solidFill>
+                        <a:schemeClr val="tx1"/>
+                      </a:solidFill>
+                      <a:prstDash val="solid"/>
+                      <a:round/>
+                      <a:headEnd type="none" w="med" len="med"/>
+                      <a:tailEnd type="none" w="med" len="med"/>
+                    </a:lnB>
+                    <a:solidFill>
+                      <a:schemeClr val="bg1"/>
+                    </a:solidFill>
+                  </a:tcPr>
+                </a:tc>
+                <a:tc>
+                  <a:txBody>
+                    <a:bodyPr/>
+                    <a:lstStyle/>
+                    <a:p>
+                      <a:pPr algn="ctr" latinLnBrk="1"/>
+                      <a:r>
+                        <a:rPr lang="ko-KR" altLang="en-US" sz="1000" dirty="0">
+                          <a:solidFill>
+                            <a:schemeClr val="tx1"/>
+                          </a:solidFill>
+                        </a:rPr>
+                        <a:t>처리중</a:t>
+                      </a:r>
+                      <a:endParaRPr lang="en-US" altLang="ko-KR" sz="1000" dirty="0">
+                        <a:solidFill>
+                          <a:schemeClr val="tx1"/>
+                        </a:solidFill>
+                      </a:endParaRPr>
+                    </a:p>
+                    <a:p>
+                      <a:pPr marL="0" marR="0" lvl="0" indent="0" algn="ctr" defTabSz="914400" rtl="0" eaLnBrk="1" fontAlgn="auto" latinLnBrk="1" hangingPunct="1">
+                        <a:lnSpc>
+                          <a:spcPct val="100000"/>
+                        </a:lnSpc>
+                        <a:spcBef>
+                          <a:spcPts val="0"/>
+                        </a:spcBef>
+                        <a:spcAft>
+                          <a:spcPts val="0"/>
+                        </a:spcAft>
+                        <a:buClrTx/>
+                        <a:buSzTx/>
+                        <a:buFontTx/>
+                        <a:buNone/>
+                        <a:tabLst/>
+                        <a:defRPr/>
+                      </a:pPr>
+                      <a:r>
+                        <a:rPr lang="ko-KR" altLang="en-US" sz="800" dirty="0">
+                          <a:solidFill>
+                            <a:schemeClr val="tx1"/>
+                          </a:solidFill>
+                        </a:rPr>
+                        <a:t>담당자 </a:t>
+                      </a:r>
+                      <a:r>
+                        <a:rPr lang="en-US" altLang="ko-KR" sz="800" dirty="0">
+                          <a:solidFill>
+                            <a:schemeClr val="tx1"/>
+                          </a:solidFill>
+                        </a:rPr>
+                        <a:t>: </a:t>
+                      </a:r>
+                      <a:r>
+                        <a:rPr lang="ko-KR" altLang="en-US" sz="800" dirty="0">
+                          <a:solidFill>
+                            <a:schemeClr val="tx1"/>
+                          </a:solidFill>
+                        </a:rPr>
+                        <a:t>박길동</a:t>
+                      </a:r>
+                    </a:p>
+                  </a:txBody>
+                  <a:tcPr anchor="ctr">
+                    <a:lnL w="12700" cap="flat" cmpd="sng" algn="ctr">
+                      <a:solidFill>
+                        <a:schemeClr val="tx1"/>
+                      </a:solidFill>
+                      <a:prstDash val="solid"/>
+                      <a:round/>
+                      <a:headEnd type="none" w="med" len="med"/>
+                      <a:tailEnd type="none" w="med" len="med"/>
+                    </a:lnL>
+                    <a:lnR w="12700" cap="flat" cmpd="sng" algn="ctr">
+                      <a:solidFill>
+                        <a:schemeClr val="tx1"/>
+                      </a:solidFill>
+                      <a:prstDash val="solid"/>
+                      <a:round/>
+                      <a:headEnd type="none" w="med" len="med"/>
+                      <a:tailEnd type="none" w="med" len="med"/>
+                    </a:lnR>
+                    <a:lnT w="12700" cap="flat" cmpd="sng" algn="ctr">
+                      <a:solidFill>
+                        <a:schemeClr val="tx1"/>
+                      </a:solidFill>
+                      <a:prstDash val="solid"/>
+                      <a:round/>
+                      <a:headEnd type="none" w="med" len="med"/>
+                      <a:tailEnd type="none" w="med" len="med"/>
+                    </a:lnT>
+                    <a:lnB w="12700" cap="flat" cmpd="sng" algn="ctr">
+                      <a:solidFill>
+                        <a:schemeClr val="tx1"/>
+                      </a:solidFill>
+                      <a:prstDash val="solid"/>
+                      <a:round/>
+                      <a:headEnd type="none" w="med" len="med"/>
+                      <a:tailEnd type="none" w="med" len="med"/>
+                    </a:lnB>
+                    <a:solidFill>
+                      <a:schemeClr val="bg1"/>
+                    </a:solidFill>
+                  </a:tcPr>
+                </a:tc>
+                <a:tc>
+                  <a:txBody>
+                    <a:bodyPr/>
+                    <a:lstStyle/>
+                    <a:p>
+                      <a:pPr marL="0" marR="0" lvl="0" indent="0" algn="ctr" defTabSz="914400" rtl="0" eaLnBrk="1" fontAlgn="auto" latinLnBrk="1" hangingPunct="1">
+                        <a:lnSpc>
+                          <a:spcPct val="100000"/>
+                        </a:lnSpc>
+                        <a:spcBef>
+                          <a:spcPts val="0"/>
+                        </a:spcBef>
+                        <a:spcAft>
+                          <a:spcPts val="0"/>
+                        </a:spcAft>
+                        <a:buClrTx/>
+                        <a:buSzTx/>
+                        <a:buFontTx/>
+                        <a:buNone/>
+                        <a:tabLst/>
+                        <a:defRPr/>
+                      </a:pPr>
+                      <a:r>
+                        <a:rPr lang="en-US" altLang="ko-KR" sz="1000" dirty="0">
+                          <a:solidFill>
+                            <a:schemeClr val="tx1"/>
+                          </a:solidFill>
+                        </a:rPr>
+                        <a:t>2020-01-12</a:t>
+                      </a:r>
+                      <a:endParaRPr lang="ko-KR" altLang="en-US" sz="1000" dirty="0">
+                        <a:solidFill>
+                          <a:schemeClr val="tx1"/>
+                        </a:solidFill>
+                      </a:endParaRPr>
+                    </a:p>
+                  </a:txBody>
+                  <a:tcPr anchor="ctr">
+                    <a:lnL w="12700" cap="flat" cmpd="sng" algn="ctr">
+                      <a:solidFill>
+                        <a:schemeClr val="tx1"/>
+                      </a:solidFill>
+                      <a:prstDash val="solid"/>
+                      <a:round/>
+                      <a:headEnd type="none" w="med" len="med"/>
+                      <a:tailEnd type="none" w="med" len="med"/>
+                    </a:lnL>
+                    <a:lnR w="12700" cap="flat" cmpd="sng" algn="ctr">
+                      <a:solidFill>
+                        <a:schemeClr val="tx1"/>
+                      </a:solidFill>
+                      <a:prstDash val="solid"/>
+                      <a:round/>
+                      <a:headEnd type="none" w="med" len="med"/>
+                      <a:tailEnd type="none" w="med" len="med"/>
+                    </a:lnR>
+                    <a:lnT w="12700" cap="flat" cmpd="sng" algn="ctr">
+                      <a:solidFill>
+                        <a:schemeClr val="tx1"/>
+                      </a:solidFill>
+                      <a:prstDash val="solid"/>
+                      <a:round/>
+                      <a:headEnd type="none" w="med" len="med"/>
+                      <a:tailEnd type="none" w="med" len="med"/>
+                    </a:lnT>
+                    <a:lnB w="12700" cap="flat" cmpd="sng" algn="ctr">
+                      <a:solidFill>
+                        <a:schemeClr val="tx1"/>
+                      </a:solidFill>
+                      <a:prstDash val="solid"/>
+                      <a:round/>
+                      <a:headEnd type="none" w="med" len="med"/>
+                      <a:tailEnd type="none" w="med" len="med"/>
+                    </a:lnB>
+                    <a:solidFill>
+                      <a:schemeClr val="bg1"/>
+                    </a:solidFill>
+                  </a:tcPr>
+                </a:tc>
+                <a:extLst>
+                  <a:ext uri="{0D108BD9-81ED-4DB2-BD59-A6C34878D82A}">
+                    <a16:rowId xmlns="" xmlns:a16="http://schemas.microsoft.com/office/drawing/2014/main" val="1871562174"/>
+                  </a:ext>
+                </a:extLst>
+              </a:tr>
+              <a:tr h="473043">
+                <a:tc>
+                  <a:txBody>
+                    <a:bodyPr/>
+                    <a:lstStyle/>
+                    <a:p>
+                      <a:pPr algn="ctr" latinLnBrk="1"/>
+                      <a:endParaRPr lang="ko-KR" altLang="en-US" sz="1500">
+                        <a:solidFill>
+                          <a:schemeClr val="tx1"/>
+                        </a:solidFill>
+                      </a:endParaRPr>
+                    </a:p>
+                  </a:txBody>
+                  <a:tcPr anchor="ctr">
+                    <a:lnL w="12700" cap="flat" cmpd="sng" algn="ctr">
+                      <a:solidFill>
+                        <a:schemeClr val="tx1"/>
+                      </a:solidFill>
+                      <a:prstDash val="solid"/>
+                      <a:round/>
+                      <a:headEnd type="none" w="med" len="med"/>
+                      <a:tailEnd type="none" w="med" len="med"/>
+                    </a:lnL>
+                    <a:lnR w="12700" cap="flat" cmpd="sng" algn="ctr">
+                      <a:solidFill>
+                        <a:schemeClr val="tx1"/>
+                      </a:solidFill>
+                      <a:prstDash val="solid"/>
+                      <a:round/>
+                      <a:headEnd type="none" w="med" len="med"/>
+                      <a:tailEnd type="none" w="med" len="med"/>
+                    </a:lnR>
+                    <a:lnT w="12700" cap="flat" cmpd="sng" algn="ctr">
+                      <a:solidFill>
+                        <a:schemeClr val="tx1"/>
+                      </a:solidFill>
+                      <a:prstDash val="solid"/>
+                      <a:round/>
+                      <a:headEnd type="none" w="med" len="med"/>
+                      <a:tailEnd type="none" w="med" len="med"/>
+                    </a:lnT>
+                    <a:lnB w="12700" cap="flat" cmpd="sng" algn="ctr">
+                      <a:solidFill>
+                        <a:schemeClr val="tx1"/>
+                      </a:solidFill>
+                      <a:prstDash val="solid"/>
+                      <a:round/>
+                      <a:headEnd type="none" w="med" len="med"/>
+                      <a:tailEnd type="none" w="med" len="med"/>
+                    </a:lnB>
+                    <a:solidFill>
+                      <a:schemeClr val="bg1"/>
+                    </a:solidFill>
+                  </a:tcPr>
+                </a:tc>
+                <a:tc>
+                  <a:txBody>
+                    <a:bodyPr/>
+                    <a:lstStyle/>
+                    <a:p>
+                      <a:pPr algn="ctr" latinLnBrk="1"/>
+                      <a:r>
+                        <a:rPr lang="en-US" altLang="ko-KR" sz="1000" dirty="0">
+                          <a:solidFill>
+                            <a:schemeClr val="tx1"/>
+                          </a:solidFill>
+                        </a:rPr>
+                        <a:t>qkrxodyd6455</a:t>
+                      </a:r>
+                      <a:endParaRPr lang="ko-KR" altLang="en-US" sz="1000" dirty="0">
+                        <a:solidFill>
+                          <a:schemeClr val="tx1"/>
+                        </a:solidFill>
+                      </a:endParaRPr>
+                    </a:p>
+                  </a:txBody>
+                  <a:tcPr anchor="ctr">
+                    <a:lnL w="12700" cap="flat" cmpd="sng" algn="ctr">
+                      <a:solidFill>
+                        <a:schemeClr val="tx1"/>
+                      </a:solidFill>
+                      <a:prstDash val="solid"/>
+                      <a:round/>
+                      <a:headEnd type="none" w="med" len="med"/>
+                      <a:tailEnd type="none" w="med" len="med"/>
+                    </a:lnL>
+                    <a:lnR w="12700" cap="flat" cmpd="sng" algn="ctr">
+                      <a:solidFill>
+                        <a:schemeClr val="tx1"/>
+                      </a:solidFill>
+                      <a:prstDash val="solid"/>
+                      <a:round/>
+                      <a:headEnd type="none" w="med" len="med"/>
+                      <a:tailEnd type="none" w="med" len="med"/>
+                    </a:lnR>
+                    <a:lnT w="12700" cap="flat" cmpd="sng" algn="ctr">
+                      <a:solidFill>
+                        <a:schemeClr val="tx1"/>
+                      </a:solidFill>
+                      <a:prstDash val="solid"/>
+                      <a:round/>
+                      <a:headEnd type="none" w="med" len="med"/>
+                      <a:tailEnd type="none" w="med" len="med"/>
+                    </a:lnT>
+                    <a:lnB w="12700" cap="flat" cmpd="sng" algn="ctr">
+                      <a:solidFill>
+                        <a:schemeClr val="tx1"/>
+                      </a:solidFill>
+                      <a:prstDash val="solid"/>
+                      <a:round/>
+                      <a:headEnd type="none" w="med" len="med"/>
+                      <a:tailEnd type="none" w="med" len="med"/>
+                    </a:lnB>
+                    <a:solidFill>
+                      <a:schemeClr val="bg1"/>
+                    </a:solidFill>
+                  </a:tcPr>
+                </a:tc>
+                <a:tc>
+                  <a:txBody>
+                    <a:bodyPr/>
+                    <a:lstStyle/>
+                    <a:p>
+                      <a:pPr algn="ctr" latinLnBrk="1"/>
+                      <a:r>
+                        <a:rPr lang="en-US" altLang="ko-KR" sz="1000" dirty="0">
+                          <a:solidFill>
+                            <a:schemeClr val="tx1"/>
+                          </a:solidFill>
+                        </a:rPr>
+                        <a:t>qkrxodyd6455</a:t>
+                      </a:r>
+                      <a:endParaRPr lang="ko-KR" altLang="en-US" sz="1000" dirty="0">
+                        <a:solidFill>
+                          <a:schemeClr val="tx1"/>
+                        </a:solidFill>
+                      </a:endParaRPr>
+                    </a:p>
+                  </a:txBody>
+                  <a:tcPr anchor="ctr">
+                    <a:lnL w="12700" cap="flat" cmpd="sng" algn="ctr">
+                      <a:solidFill>
+                        <a:schemeClr val="tx1"/>
+                      </a:solidFill>
+                      <a:prstDash val="solid"/>
+                      <a:round/>
+                      <a:headEnd type="none" w="med" len="med"/>
+                      <a:tailEnd type="none" w="med" len="med"/>
+                    </a:lnL>
+                    <a:lnR w="12700" cap="flat" cmpd="sng" algn="ctr">
+                      <a:solidFill>
+                        <a:schemeClr val="tx1"/>
+                      </a:solidFill>
+                      <a:prstDash val="solid"/>
+                      <a:round/>
+                      <a:headEnd type="none" w="med" len="med"/>
+                      <a:tailEnd type="none" w="med" len="med"/>
+                    </a:lnR>
+                    <a:lnT w="12700" cap="flat" cmpd="sng" algn="ctr">
+                      <a:solidFill>
+                        <a:schemeClr val="tx1"/>
+                      </a:solidFill>
+                      <a:prstDash val="solid"/>
+                      <a:round/>
+                      <a:headEnd type="none" w="med" len="med"/>
+                      <a:tailEnd type="none" w="med" len="med"/>
+                    </a:lnT>
+                    <a:lnB w="12700" cap="flat" cmpd="sng" algn="ctr">
+                      <a:solidFill>
+                        <a:schemeClr val="tx1"/>
+                      </a:solidFill>
+                      <a:prstDash val="solid"/>
+                      <a:round/>
+                      <a:headEnd type="none" w="med" len="med"/>
+                      <a:tailEnd type="none" w="med" len="med"/>
+                    </a:lnB>
+                    <a:solidFill>
+                      <a:schemeClr val="bg1"/>
+                    </a:solidFill>
+                  </a:tcPr>
+                </a:tc>
+                <a:tc>
+                  <a:txBody>
+                    <a:bodyPr/>
+                    <a:lstStyle/>
+                    <a:p>
+                      <a:pPr algn="ctr" latinLnBrk="1"/>
+                      <a:r>
+                        <a:rPr lang="ko-KR" altLang="en-US" sz="1000" dirty="0">
+                          <a:solidFill>
+                            <a:schemeClr val="tx1"/>
+                          </a:solidFill>
+                        </a:rPr>
+                        <a:t>제공 회원이 자기랑 따로 거래하자고</a:t>
+                      </a:r>
+                      <a:r>
+                        <a:rPr lang="en-US" altLang="ko-KR" sz="1000" dirty="0">
+                          <a:solidFill>
+                            <a:schemeClr val="tx1"/>
+                          </a:solidFill>
+                        </a:rPr>
+                        <a:t>..</a:t>
+                      </a:r>
+                      <a:endParaRPr lang="ko-KR" altLang="en-US" sz="1000" dirty="0">
+                        <a:solidFill>
+                          <a:schemeClr val="tx1"/>
+                        </a:solidFill>
+                      </a:endParaRPr>
+                    </a:p>
+                  </a:txBody>
+                  <a:tcPr anchor="ctr">
+                    <a:lnL w="12700" cap="flat" cmpd="sng" algn="ctr">
+                      <a:solidFill>
+                        <a:schemeClr val="tx1"/>
+                      </a:solidFill>
+                      <a:prstDash val="solid"/>
+                      <a:round/>
+                      <a:headEnd type="none" w="med" len="med"/>
+                      <a:tailEnd type="none" w="med" len="med"/>
+                    </a:lnL>
+                    <a:lnR w="12700" cap="flat" cmpd="sng" algn="ctr">
+                      <a:solidFill>
+                        <a:schemeClr val="tx1"/>
+                      </a:solidFill>
+                      <a:prstDash val="solid"/>
+                      <a:round/>
+                      <a:headEnd type="none" w="med" len="med"/>
+                      <a:tailEnd type="none" w="med" len="med"/>
+                    </a:lnR>
+                    <a:lnT w="12700" cap="flat" cmpd="sng" algn="ctr">
+                      <a:solidFill>
+                        <a:schemeClr val="tx1"/>
+                      </a:solidFill>
+                      <a:prstDash val="solid"/>
+                      <a:round/>
+                      <a:headEnd type="none" w="med" len="med"/>
+                      <a:tailEnd type="none" w="med" len="med"/>
+                    </a:lnT>
+                    <a:lnB w="12700" cap="flat" cmpd="sng" algn="ctr">
+                      <a:solidFill>
+                        <a:schemeClr val="tx1"/>
+                      </a:solidFill>
+                      <a:prstDash val="solid"/>
+                      <a:round/>
+                      <a:headEnd type="none" w="med" len="med"/>
+                      <a:tailEnd type="none" w="med" len="med"/>
+                    </a:lnB>
+                    <a:solidFill>
+                      <a:schemeClr val="bg1"/>
+                    </a:solidFill>
+                  </a:tcPr>
+                </a:tc>
+                <a:tc>
+                  <a:txBody>
+                    <a:bodyPr/>
+                    <a:lstStyle/>
+                    <a:p>
+                      <a:pPr algn="ctr" latinLnBrk="1"/>
+                      <a:r>
+                        <a:rPr lang="ko-KR" altLang="en-US" sz="1000" dirty="0">
+                          <a:solidFill>
+                            <a:schemeClr val="tx1"/>
+                          </a:solidFill>
+                        </a:rPr>
+                        <a:t>처리완료</a:t>
+                      </a:r>
+                    </a:p>
+                  </a:txBody>
+                  <a:tcPr anchor="ctr">
+                    <a:lnL w="12700" cap="flat" cmpd="sng" algn="ctr">
+                      <a:solidFill>
+                        <a:schemeClr val="tx1"/>
+                      </a:solidFill>
+                      <a:prstDash val="solid"/>
+                      <a:round/>
+                      <a:headEnd type="none" w="med" len="med"/>
+                      <a:tailEnd type="none" w="med" len="med"/>
+                    </a:lnL>
+                    <a:lnR w="12700" cap="flat" cmpd="sng" algn="ctr">
+                      <a:solidFill>
+                        <a:schemeClr val="tx1"/>
+                      </a:solidFill>
+                      <a:prstDash val="solid"/>
+                      <a:round/>
+                      <a:headEnd type="none" w="med" len="med"/>
+                      <a:tailEnd type="none" w="med" len="med"/>
+                    </a:lnR>
+                    <a:lnT w="12700" cap="flat" cmpd="sng" algn="ctr">
+                      <a:solidFill>
+                        <a:schemeClr val="tx1"/>
+                      </a:solidFill>
+                      <a:prstDash val="solid"/>
+                      <a:round/>
+                      <a:headEnd type="none" w="med" len="med"/>
+                      <a:tailEnd type="none" w="med" len="med"/>
+                    </a:lnT>
+                    <a:lnB w="12700" cap="flat" cmpd="sng" algn="ctr">
+                      <a:solidFill>
+                        <a:schemeClr val="tx1"/>
+                      </a:solidFill>
+                      <a:prstDash val="solid"/>
+                      <a:round/>
+                      <a:headEnd type="none" w="med" len="med"/>
+                      <a:tailEnd type="none" w="med" len="med"/>
+                    </a:lnB>
+                    <a:solidFill>
+                      <a:schemeClr val="bg1"/>
+                    </a:solidFill>
+                  </a:tcPr>
+                </a:tc>
+                <a:tc>
+                  <a:txBody>
+                    <a:bodyPr/>
+                    <a:lstStyle/>
+                    <a:p>
+                      <a:pPr algn="ctr" latinLnBrk="1"/>
+                      <a:r>
+                        <a:rPr lang="en-US" altLang="ko-KR" sz="1000" dirty="0">
+                          <a:solidFill>
+                            <a:schemeClr val="tx1"/>
+                          </a:solidFill>
+                        </a:rPr>
+                        <a:t>2020-01-03</a:t>
+                      </a:r>
+                      <a:endParaRPr lang="ko-KR" altLang="en-US" sz="1000" dirty="0">
+                        <a:solidFill>
+                          <a:schemeClr val="tx1"/>
+                        </a:solidFill>
+                      </a:endParaRPr>
+                    </a:p>
+                  </a:txBody>
+                  <a:tcPr anchor="ctr">
+                    <a:lnL w="12700" cap="flat" cmpd="sng" algn="ctr">
+                      <a:solidFill>
+                        <a:schemeClr val="tx1"/>
+                      </a:solidFill>
+                      <a:prstDash val="solid"/>
+                      <a:round/>
+                      <a:headEnd type="none" w="med" len="med"/>
+                      <a:tailEnd type="none" w="med" len="med"/>
+                    </a:lnL>
+                    <a:lnR w="12700" cap="flat" cmpd="sng" algn="ctr">
+                      <a:solidFill>
+                        <a:schemeClr val="tx1"/>
+                      </a:solidFill>
+                      <a:prstDash val="solid"/>
+                      <a:round/>
+                      <a:headEnd type="none" w="med" len="med"/>
+                      <a:tailEnd type="none" w="med" len="med"/>
+                    </a:lnR>
+                    <a:lnT w="12700" cap="flat" cmpd="sng" algn="ctr">
+                      <a:solidFill>
+                        <a:schemeClr val="tx1"/>
+                      </a:solidFill>
+                      <a:prstDash val="solid"/>
+                      <a:round/>
+                      <a:headEnd type="none" w="med" len="med"/>
+                      <a:tailEnd type="none" w="med" len="med"/>
+                    </a:lnT>
+                    <a:lnB w="12700" cap="flat" cmpd="sng" algn="ctr">
+                      <a:solidFill>
+                        <a:schemeClr val="tx1"/>
+                      </a:solidFill>
+                      <a:prstDash val="solid"/>
+                      <a:round/>
+                      <a:headEnd type="none" w="med" len="med"/>
+                      <a:tailEnd type="none" w="med" len="med"/>
+                    </a:lnB>
+                    <a:solidFill>
+                      <a:schemeClr val="bg1"/>
+                    </a:solidFill>
+                  </a:tcPr>
+                </a:tc>
+                <a:extLst>
+                  <a:ext uri="{0D108BD9-81ED-4DB2-BD59-A6C34878D82A}">
+                    <a16:rowId xmlns="" xmlns:a16="http://schemas.microsoft.com/office/drawing/2014/main" val="3385085095"/>
+                  </a:ext>
+                </a:extLst>
+              </a:tr>
+              <a:tr h="473043">
+                <a:tc>
+                  <a:txBody>
+                    <a:bodyPr/>
+                    <a:lstStyle/>
+                    <a:p>
+                      <a:pPr algn="ctr" latinLnBrk="1"/>
+                      <a:endParaRPr lang="ko-KR" altLang="en-US" sz="1500">
+                        <a:solidFill>
+                          <a:schemeClr val="tx1"/>
+                        </a:solidFill>
+                      </a:endParaRPr>
+                    </a:p>
+                  </a:txBody>
+                  <a:tcPr anchor="ctr">
+                    <a:lnL w="12700" cap="flat" cmpd="sng" algn="ctr">
+                      <a:solidFill>
+                        <a:schemeClr val="tx1"/>
+                      </a:solidFill>
+                      <a:prstDash val="solid"/>
+                      <a:round/>
+                      <a:headEnd type="none" w="med" len="med"/>
+                      <a:tailEnd type="none" w="med" len="med"/>
+                    </a:lnL>
+                    <a:lnR w="12700" cap="flat" cmpd="sng" algn="ctr">
+                      <a:solidFill>
+                        <a:schemeClr val="tx1"/>
+                      </a:solidFill>
+                      <a:prstDash val="solid"/>
+                      <a:round/>
+                      <a:headEnd type="none" w="med" len="med"/>
+                      <a:tailEnd type="none" w="med" len="med"/>
+                    </a:lnR>
+                    <a:lnT w="12700" cap="flat" cmpd="sng" algn="ctr">
+                      <a:solidFill>
+                        <a:schemeClr val="tx1"/>
+                      </a:solidFill>
+                      <a:prstDash val="solid"/>
+                      <a:round/>
+                      <a:headEnd type="none" w="med" len="med"/>
+                      <a:tailEnd type="none" w="med" len="med"/>
+                    </a:lnT>
+                    <a:lnB w="12700" cap="flat" cmpd="sng" algn="ctr">
+                      <a:solidFill>
+                        <a:schemeClr val="tx1"/>
+                      </a:solidFill>
+                      <a:prstDash val="solid"/>
+                      <a:round/>
+                      <a:headEnd type="none" w="med" len="med"/>
+                      <a:tailEnd type="none" w="med" len="med"/>
+                    </a:lnB>
+                    <a:solidFill>
+                      <a:schemeClr val="bg1"/>
+                    </a:solidFill>
+                  </a:tcPr>
+                </a:tc>
+                <a:tc>
+                  <a:txBody>
+                    <a:bodyPr/>
+                    <a:lstStyle/>
+                    <a:p>
+                      <a:pPr algn="ctr" latinLnBrk="1"/>
+                      <a:r>
+                        <a:rPr lang="ko-KR" altLang="en-US" sz="1000" dirty="0">
+                          <a:solidFill>
+                            <a:schemeClr val="tx1"/>
+                          </a:solidFill>
+                        </a:rPr>
+                        <a:t>허위 상품</a:t>
+                      </a:r>
+                    </a:p>
+                  </a:txBody>
+                  <a:tcPr anchor="ctr">
+                    <a:lnL w="12700" cap="flat" cmpd="sng" algn="ctr">
+                      <a:solidFill>
+                        <a:schemeClr val="tx1"/>
+                      </a:solidFill>
+                      <a:prstDash val="solid"/>
+                      <a:round/>
+                      <a:headEnd type="none" w="med" len="med"/>
+                      <a:tailEnd type="none" w="med" len="med"/>
+                    </a:lnL>
+                    <a:lnR w="12700" cap="flat" cmpd="sng" algn="ctr">
+                      <a:solidFill>
+                        <a:schemeClr val="tx1"/>
+                      </a:solidFill>
+                      <a:prstDash val="solid"/>
+                      <a:round/>
+                      <a:headEnd type="none" w="med" len="med"/>
+                      <a:tailEnd type="none" w="med" len="med"/>
+                    </a:lnR>
+                    <a:lnT w="12700" cap="flat" cmpd="sng" algn="ctr">
+                      <a:solidFill>
+                        <a:schemeClr val="tx1"/>
+                      </a:solidFill>
+                      <a:prstDash val="solid"/>
+                      <a:round/>
+                      <a:headEnd type="none" w="med" len="med"/>
+                      <a:tailEnd type="none" w="med" len="med"/>
+                    </a:lnT>
+                    <a:lnB w="12700" cap="flat" cmpd="sng" algn="ctr">
+                      <a:solidFill>
+                        <a:schemeClr val="tx1"/>
+                      </a:solidFill>
+                      <a:prstDash val="solid"/>
+                      <a:round/>
+                      <a:headEnd type="none" w="med" len="med"/>
+                      <a:tailEnd type="none" w="med" len="med"/>
+                    </a:lnB>
+                    <a:solidFill>
+                      <a:schemeClr val="bg1"/>
+                    </a:solidFill>
+                  </a:tcPr>
+                </a:tc>
+                <a:tc>
+                  <a:txBody>
+                    <a:bodyPr/>
+                    <a:lstStyle/>
+                    <a:p>
+                      <a:pPr algn="ctr" latinLnBrk="1"/>
+                      <a:r>
+                        <a:rPr lang="en-US" altLang="ko-KR" sz="1000" dirty="0">
+                          <a:solidFill>
+                            <a:schemeClr val="tx1"/>
+                          </a:solidFill>
+                        </a:rPr>
+                        <a:t>wnsqja6545</a:t>
+                      </a:r>
+                      <a:endParaRPr lang="ko-KR" altLang="en-US" sz="1000" dirty="0">
+                        <a:solidFill>
+                          <a:schemeClr val="tx1"/>
+                        </a:solidFill>
+                      </a:endParaRPr>
+                    </a:p>
+                  </a:txBody>
+                  <a:tcPr anchor="ctr">
+                    <a:lnL w="12700" cap="flat" cmpd="sng" algn="ctr">
+                      <a:solidFill>
+                        <a:schemeClr val="tx1"/>
+                      </a:solidFill>
+                      <a:prstDash val="solid"/>
+                      <a:round/>
+                      <a:headEnd type="none" w="med" len="med"/>
+                      <a:tailEnd type="none" w="med" len="med"/>
+                    </a:lnL>
+                    <a:lnR w="12700" cap="flat" cmpd="sng" algn="ctr">
+                      <a:solidFill>
+                        <a:schemeClr val="tx1"/>
+                      </a:solidFill>
+                      <a:prstDash val="solid"/>
+                      <a:round/>
+                      <a:headEnd type="none" w="med" len="med"/>
+                      <a:tailEnd type="none" w="med" len="med"/>
+                    </a:lnR>
+                    <a:lnT w="12700" cap="flat" cmpd="sng" algn="ctr">
+                      <a:solidFill>
+                        <a:schemeClr val="tx1"/>
+                      </a:solidFill>
+                      <a:prstDash val="solid"/>
+                      <a:round/>
+                      <a:headEnd type="none" w="med" len="med"/>
+                      <a:tailEnd type="none" w="med" len="med"/>
+                    </a:lnT>
+                    <a:lnB w="12700" cap="flat" cmpd="sng" algn="ctr">
+                      <a:solidFill>
+                        <a:schemeClr val="tx1"/>
+                      </a:solidFill>
+                      <a:prstDash val="solid"/>
+                      <a:round/>
+                      <a:headEnd type="none" w="med" len="med"/>
+                      <a:tailEnd type="none" w="med" len="med"/>
+                    </a:lnB>
+                    <a:solidFill>
+                      <a:schemeClr val="bg1"/>
+                    </a:solidFill>
+                  </a:tcPr>
+                </a:tc>
+                <a:tc>
+                  <a:txBody>
+                    <a:bodyPr/>
+                    <a:lstStyle/>
+                    <a:p>
+                      <a:pPr algn="ctr" latinLnBrk="1"/>
+                      <a:r>
+                        <a:rPr lang="ko-KR" altLang="en-US" sz="1000" dirty="0">
+                          <a:solidFill>
+                            <a:schemeClr val="tx1"/>
+                          </a:solidFill>
+                        </a:rPr>
+                        <a:t>게임기가 아니라 게임기 박스네요</a:t>
+                      </a:r>
+                    </a:p>
+                  </a:txBody>
+                  <a:tcPr anchor="ctr">
+                    <a:lnL w="12700" cap="flat" cmpd="sng" algn="ctr">
+                      <a:solidFill>
+                        <a:schemeClr val="tx1"/>
+                      </a:solidFill>
+                      <a:prstDash val="solid"/>
+                      <a:round/>
+                      <a:headEnd type="none" w="med" len="med"/>
+                      <a:tailEnd type="none" w="med" len="med"/>
+                    </a:lnL>
+                    <a:lnR w="12700" cap="flat" cmpd="sng" algn="ctr">
+                      <a:solidFill>
+                        <a:schemeClr val="tx1"/>
+                      </a:solidFill>
+                      <a:prstDash val="solid"/>
+                      <a:round/>
+                      <a:headEnd type="none" w="med" len="med"/>
+                      <a:tailEnd type="none" w="med" len="med"/>
+                    </a:lnR>
+                    <a:lnT w="12700" cap="flat" cmpd="sng" algn="ctr">
+                      <a:solidFill>
+                        <a:schemeClr val="tx1"/>
+                      </a:solidFill>
+                      <a:prstDash val="solid"/>
+                      <a:round/>
+                      <a:headEnd type="none" w="med" len="med"/>
+                      <a:tailEnd type="none" w="med" len="med"/>
+                    </a:lnT>
+                    <a:lnB w="12700" cap="flat" cmpd="sng" algn="ctr">
+                      <a:solidFill>
+                        <a:schemeClr val="tx1"/>
+                      </a:solidFill>
+                      <a:prstDash val="solid"/>
+                      <a:round/>
+                      <a:headEnd type="none" w="med" len="med"/>
+                      <a:tailEnd type="none" w="med" len="med"/>
+                    </a:lnB>
+                    <a:solidFill>
+                      <a:schemeClr val="bg1"/>
+                    </a:solidFill>
+                  </a:tcPr>
+                </a:tc>
+                <a:tc>
+                  <a:txBody>
+                    <a:bodyPr/>
+                    <a:lstStyle/>
+                    <a:p>
+                      <a:pPr algn="ctr" latinLnBrk="1"/>
+                      <a:r>
+                        <a:rPr lang="ko-KR" altLang="en-US" sz="1000" dirty="0">
+                          <a:solidFill>
+                            <a:schemeClr val="tx1"/>
+                          </a:solidFill>
+                        </a:rPr>
+                        <a:t>처리중</a:t>
+                      </a:r>
+                      <a:endParaRPr lang="en-US" altLang="ko-KR" sz="1000" dirty="0">
+                        <a:solidFill>
+                          <a:schemeClr val="tx1"/>
+                        </a:solidFill>
+                      </a:endParaRPr>
+                    </a:p>
+                    <a:p>
+                      <a:pPr marL="0" marR="0" lvl="0" indent="0" algn="ctr" defTabSz="914400" rtl="0" eaLnBrk="1" fontAlgn="auto" latinLnBrk="1" hangingPunct="1">
+                        <a:lnSpc>
+                          <a:spcPct val="100000"/>
+                        </a:lnSpc>
+                        <a:spcBef>
+                          <a:spcPts val="0"/>
+                        </a:spcBef>
+                        <a:spcAft>
+                          <a:spcPts val="0"/>
+                        </a:spcAft>
+                        <a:buClrTx/>
+                        <a:buSzTx/>
+                        <a:buFontTx/>
+                        <a:buNone/>
+                        <a:tabLst/>
+                        <a:defRPr/>
+                      </a:pPr>
+                      <a:r>
+                        <a:rPr lang="ko-KR" altLang="en-US" sz="800" dirty="0">
+                          <a:solidFill>
+                            <a:schemeClr val="tx1"/>
+                          </a:solidFill>
+                        </a:rPr>
+                        <a:t>담당자 </a:t>
+                      </a:r>
+                      <a:r>
+                        <a:rPr lang="en-US" altLang="ko-KR" sz="800" dirty="0">
+                          <a:solidFill>
+                            <a:schemeClr val="tx1"/>
+                          </a:solidFill>
+                        </a:rPr>
+                        <a:t>: </a:t>
+                      </a:r>
+                      <a:r>
+                        <a:rPr lang="ko-KR" altLang="en-US" sz="800" dirty="0">
+                          <a:solidFill>
+                            <a:schemeClr val="tx1"/>
+                          </a:solidFill>
+                        </a:rPr>
+                        <a:t>이길동</a:t>
+                      </a:r>
+                    </a:p>
+                  </a:txBody>
+                  <a:tcPr anchor="ctr">
+                    <a:lnL w="12700" cap="flat" cmpd="sng" algn="ctr">
+                      <a:solidFill>
+                        <a:schemeClr val="tx1"/>
+                      </a:solidFill>
+                      <a:prstDash val="solid"/>
+                      <a:round/>
+                      <a:headEnd type="none" w="med" len="med"/>
+                      <a:tailEnd type="none" w="med" len="med"/>
+                    </a:lnL>
+                    <a:lnR w="12700" cap="flat" cmpd="sng" algn="ctr">
+                      <a:solidFill>
+                        <a:schemeClr val="tx1"/>
+                      </a:solidFill>
+                      <a:prstDash val="solid"/>
+                      <a:round/>
+                      <a:headEnd type="none" w="med" len="med"/>
+                      <a:tailEnd type="none" w="med" len="med"/>
+                    </a:lnR>
+                    <a:lnT w="12700" cap="flat" cmpd="sng" algn="ctr">
+                      <a:solidFill>
+                        <a:schemeClr val="tx1"/>
+                      </a:solidFill>
+                      <a:prstDash val="solid"/>
+                      <a:round/>
+                      <a:headEnd type="none" w="med" len="med"/>
+                      <a:tailEnd type="none" w="med" len="med"/>
+                    </a:lnT>
+                    <a:lnB w="12700" cap="flat" cmpd="sng" algn="ctr">
+                      <a:solidFill>
+                        <a:schemeClr val="tx1"/>
+                      </a:solidFill>
+                      <a:prstDash val="solid"/>
+                      <a:round/>
+                      <a:headEnd type="none" w="med" len="med"/>
+                      <a:tailEnd type="none" w="med" len="med"/>
+                    </a:lnB>
+                    <a:solidFill>
+                      <a:schemeClr val="bg1"/>
+                    </a:solidFill>
+                  </a:tcPr>
+                </a:tc>
+                <a:tc>
+                  <a:txBody>
+                    <a:bodyPr/>
+                    <a:lstStyle/>
+                    <a:p>
+                      <a:pPr marL="0" marR="0" lvl="0" indent="0" algn="ctr" defTabSz="914400" rtl="0" eaLnBrk="1" fontAlgn="auto" latinLnBrk="1" hangingPunct="1">
+                        <a:lnSpc>
+                          <a:spcPct val="100000"/>
+                        </a:lnSpc>
+                        <a:spcBef>
+                          <a:spcPts val="0"/>
+                        </a:spcBef>
+                        <a:spcAft>
+                          <a:spcPts val="0"/>
+                        </a:spcAft>
+                        <a:buClrTx/>
+                        <a:buSzTx/>
+                        <a:buFontTx/>
+                        <a:buNone/>
+                        <a:tabLst/>
+                        <a:defRPr/>
+                      </a:pPr>
+                      <a:r>
+                        <a:rPr lang="en-US" altLang="ko-KR" sz="1000" dirty="0">
+                          <a:solidFill>
+                            <a:schemeClr val="tx1"/>
+                          </a:solidFill>
+                        </a:rPr>
+                        <a:t>2020-01-02</a:t>
+                      </a:r>
+                      <a:endParaRPr lang="ko-KR" altLang="en-US" sz="1000" dirty="0">
+                        <a:solidFill>
+                          <a:schemeClr val="tx1"/>
+                        </a:solidFill>
+                      </a:endParaRPr>
+                    </a:p>
+                  </a:txBody>
+                  <a:tcPr anchor="ctr">
+                    <a:lnL w="12700" cap="flat" cmpd="sng" algn="ctr">
+                      <a:solidFill>
+                        <a:schemeClr val="tx1"/>
+                      </a:solidFill>
+                      <a:prstDash val="solid"/>
+                      <a:round/>
+                      <a:headEnd type="none" w="med" len="med"/>
+                      <a:tailEnd type="none" w="med" len="med"/>
+                    </a:lnL>
+                    <a:lnR w="12700" cap="flat" cmpd="sng" algn="ctr">
+                      <a:solidFill>
+                        <a:schemeClr val="tx1"/>
+                      </a:solidFill>
+                      <a:prstDash val="solid"/>
+                      <a:round/>
+                      <a:headEnd type="none" w="med" len="med"/>
+                      <a:tailEnd type="none" w="med" len="med"/>
+                    </a:lnR>
+                    <a:lnT w="12700" cap="flat" cmpd="sng" algn="ctr">
+                      <a:solidFill>
+                        <a:schemeClr val="tx1"/>
+                      </a:solidFill>
+                      <a:prstDash val="solid"/>
+                      <a:round/>
+                      <a:headEnd type="none" w="med" len="med"/>
+                      <a:tailEnd type="none" w="med" len="med"/>
+                    </a:lnT>
+                    <a:lnB w="12700" cap="flat" cmpd="sng" algn="ctr">
+                      <a:solidFill>
+                        <a:schemeClr val="tx1"/>
+                      </a:solidFill>
+                      <a:prstDash val="solid"/>
+                      <a:round/>
+                      <a:headEnd type="none" w="med" len="med"/>
+                      <a:tailEnd type="none" w="med" len="med"/>
+                    </a:lnB>
+                    <a:solidFill>
+                      <a:schemeClr val="bg1"/>
+                    </a:solidFill>
+                  </a:tcPr>
+                </a:tc>
+                <a:extLst>
+                  <a:ext uri="{0D108BD9-81ED-4DB2-BD59-A6C34878D82A}">
+                    <a16:rowId xmlns="" xmlns:a16="http://schemas.microsoft.com/office/drawing/2014/main" val="997687249"/>
+                  </a:ext>
+                </a:extLst>
+              </a:tr>
+            </a:tbl>
+          </a:graphicData>
+        </a:graphic>
+      </p:graphicFrame>
+      <p:pic>
+        <p:nvPicPr>
+          <p:cNvPr id="12" name="Picture 11">
+            <a:extLst>
+              <a:ext uri="{FF2B5EF4-FFF2-40B4-BE49-F238E27FC236}">
+                <a16:creationId xmlns="" xmlns:a16="http://schemas.microsoft.com/office/drawing/2014/main" id="{19562854-C979-4908-8B06-7B9B484F8146}"/>
+              </a:ext>
+            </a:extLst>
+          </p:cNvPr>
+          <p:cNvPicPr>
+            <a:picLocks noChangeAspect="1"/>
+          </p:cNvPicPr>
+          <p:nvPr/>
+        </p:nvPicPr>
+        <p:blipFill>
+          <a:blip r:embed="rId2"/>
+          <a:stretch>
+            <a:fillRect/>
+          </a:stretch>
+        </p:blipFill>
+        <p:spPr>
+          <a:xfrm>
+            <a:off x="675829" y="2451049"/>
+            <a:ext cx="170285" cy="170285"/>
+          </a:xfrm>
+          <a:prstGeom prst="rect">
+            <a:avLst/>
+          </a:prstGeom>
+        </p:spPr>
+      </p:pic>
+      <p:pic>
+        <p:nvPicPr>
+          <p:cNvPr id="13" name="Picture 12">
+            <a:extLst>
+              <a:ext uri="{FF2B5EF4-FFF2-40B4-BE49-F238E27FC236}">
+                <a16:creationId xmlns="" xmlns:a16="http://schemas.microsoft.com/office/drawing/2014/main" id="{E2738BB6-1413-47A9-B737-541EC50BEACD}"/>
+              </a:ext>
+            </a:extLst>
+          </p:cNvPr>
+          <p:cNvPicPr>
+            <a:picLocks noChangeAspect="1"/>
+          </p:cNvPicPr>
+          <p:nvPr/>
+        </p:nvPicPr>
+        <p:blipFill>
+          <a:blip r:embed="rId2"/>
+          <a:stretch>
+            <a:fillRect/>
+          </a:stretch>
+        </p:blipFill>
+        <p:spPr>
+          <a:xfrm>
+            <a:off x="675829" y="2954140"/>
+            <a:ext cx="170285" cy="170285"/>
+          </a:xfrm>
+          <a:prstGeom prst="rect">
+            <a:avLst/>
+          </a:prstGeom>
+        </p:spPr>
+      </p:pic>
+      <p:pic>
+        <p:nvPicPr>
+          <p:cNvPr id="22" name="Picture 21">
+            <a:extLst>
+              <a:ext uri="{FF2B5EF4-FFF2-40B4-BE49-F238E27FC236}">
+                <a16:creationId xmlns="" xmlns:a16="http://schemas.microsoft.com/office/drawing/2014/main" id="{46181AA6-1913-4E5E-8AC6-C73C4ACF49E1}"/>
+              </a:ext>
+            </a:extLst>
+          </p:cNvPr>
+          <p:cNvPicPr>
+            <a:picLocks noChangeAspect="1"/>
+          </p:cNvPicPr>
+          <p:nvPr/>
+        </p:nvPicPr>
+        <p:blipFill>
+          <a:blip r:embed="rId2"/>
+          <a:stretch>
+            <a:fillRect/>
+          </a:stretch>
+        </p:blipFill>
+        <p:spPr>
+          <a:xfrm>
+            <a:off x="675829" y="3431907"/>
+            <a:ext cx="170285" cy="170285"/>
+          </a:xfrm>
+          <a:prstGeom prst="rect">
+            <a:avLst/>
+          </a:prstGeom>
+        </p:spPr>
+      </p:pic>
+      <p:pic>
+        <p:nvPicPr>
+          <p:cNvPr id="23" name="Picture 22">
+            <a:extLst>
+              <a:ext uri="{FF2B5EF4-FFF2-40B4-BE49-F238E27FC236}">
+                <a16:creationId xmlns="" xmlns:a16="http://schemas.microsoft.com/office/drawing/2014/main" id="{98373F5D-5E44-416E-ACE8-888B6162DF0C}"/>
+              </a:ext>
+            </a:extLst>
+          </p:cNvPr>
+          <p:cNvPicPr>
+            <a:picLocks noChangeAspect="1"/>
+          </p:cNvPicPr>
+          <p:nvPr/>
+        </p:nvPicPr>
+        <p:blipFill>
+          <a:blip r:embed="rId2"/>
+          <a:stretch>
+            <a:fillRect/>
+          </a:stretch>
+        </p:blipFill>
+        <p:spPr>
+          <a:xfrm>
+            <a:off x="675829" y="3880377"/>
+            <a:ext cx="170285" cy="170285"/>
+          </a:xfrm>
+          <a:prstGeom prst="rect">
+            <a:avLst/>
+          </a:prstGeom>
+        </p:spPr>
+      </p:pic>
+      <p:pic>
+        <p:nvPicPr>
+          <p:cNvPr id="24" name="Picture 23">
+            <a:extLst>
+              <a:ext uri="{FF2B5EF4-FFF2-40B4-BE49-F238E27FC236}">
+                <a16:creationId xmlns="" xmlns:a16="http://schemas.microsoft.com/office/drawing/2014/main" id="{D94A915D-6060-4E46-9794-153AC4DAE5CC}"/>
+              </a:ext>
+            </a:extLst>
+          </p:cNvPr>
+          <p:cNvPicPr>
+            <a:picLocks noChangeAspect="1"/>
+          </p:cNvPicPr>
+          <p:nvPr/>
+        </p:nvPicPr>
+        <p:blipFill>
+          <a:blip r:embed="rId2"/>
+          <a:stretch>
+            <a:fillRect/>
+          </a:stretch>
+        </p:blipFill>
+        <p:spPr>
+          <a:xfrm>
+            <a:off x="675829" y="4396128"/>
+            <a:ext cx="170285" cy="170285"/>
+          </a:xfrm>
+          <a:prstGeom prst="rect">
+            <a:avLst/>
+          </a:prstGeom>
+        </p:spPr>
+      </p:pic>
+      <p:pic>
+        <p:nvPicPr>
+          <p:cNvPr id="25" name="Picture 24">
+            <a:extLst>
+              <a:ext uri="{FF2B5EF4-FFF2-40B4-BE49-F238E27FC236}">
+                <a16:creationId xmlns="" xmlns:a16="http://schemas.microsoft.com/office/drawing/2014/main" id="{E0BC208F-284F-425F-8185-73440BA8F67D}"/>
+              </a:ext>
+            </a:extLst>
+          </p:cNvPr>
+          <p:cNvPicPr>
+            <a:picLocks noChangeAspect="1"/>
+          </p:cNvPicPr>
+          <p:nvPr/>
+        </p:nvPicPr>
+        <p:blipFill>
+          <a:blip r:embed="rId2"/>
+          <a:stretch>
+            <a:fillRect/>
+          </a:stretch>
+        </p:blipFill>
+        <p:spPr>
+          <a:xfrm>
+            <a:off x="675829" y="4845661"/>
+            <a:ext cx="170285" cy="170285"/>
+          </a:xfrm>
+          <a:prstGeom prst="rect">
+            <a:avLst/>
+          </a:prstGeom>
+        </p:spPr>
+      </p:pic>
+      <p:pic>
+        <p:nvPicPr>
+          <p:cNvPr id="26" name="Picture 25">
+            <a:extLst>
+              <a:ext uri="{FF2B5EF4-FFF2-40B4-BE49-F238E27FC236}">
+                <a16:creationId xmlns="" xmlns:a16="http://schemas.microsoft.com/office/drawing/2014/main" id="{4F08E167-6694-4494-A05D-F17710B2B848}"/>
+              </a:ext>
+            </a:extLst>
+          </p:cNvPr>
+          <p:cNvPicPr>
+            <a:picLocks noChangeAspect="1"/>
+          </p:cNvPicPr>
+          <p:nvPr/>
+        </p:nvPicPr>
+        <p:blipFill>
+          <a:blip r:embed="rId2"/>
+          <a:stretch>
+            <a:fillRect/>
+          </a:stretch>
+        </p:blipFill>
+        <p:spPr>
+          <a:xfrm>
+            <a:off x="675829" y="5319480"/>
+            <a:ext cx="170285" cy="170285"/>
+          </a:xfrm>
+          <a:prstGeom prst="rect">
+            <a:avLst/>
+          </a:prstGeom>
+        </p:spPr>
+      </p:pic>
+      <p:pic>
+        <p:nvPicPr>
+          <p:cNvPr id="27" name="Picture 26">
+            <a:extLst>
+              <a:ext uri="{FF2B5EF4-FFF2-40B4-BE49-F238E27FC236}">
+                <a16:creationId xmlns="" xmlns:a16="http://schemas.microsoft.com/office/drawing/2014/main" id="{1A504984-C3CB-4790-8D76-EB63782D1EC2}"/>
+              </a:ext>
+            </a:extLst>
+          </p:cNvPr>
+          <p:cNvPicPr>
+            <a:picLocks noChangeAspect="1"/>
+          </p:cNvPicPr>
+          <p:nvPr/>
+        </p:nvPicPr>
+        <p:blipFill>
+          <a:blip r:embed="rId2"/>
+          <a:stretch>
+            <a:fillRect/>
+          </a:stretch>
+        </p:blipFill>
+        <p:spPr>
+          <a:xfrm>
+            <a:off x="675829" y="5812157"/>
+            <a:ext cx="170285" cy="170285"/>
+          </a:xfrm>
+          <a:prstGeom prst="rect">
+            <a:avLst/>
+          </a:prstGeom>
+        </p:spPr>
+      </p:pic>
+      <p:graphicFrame>
+        <p:nvGraphicFramePr>
+          <p:cNvPr id="19" name="Table 4">
+            <a:extLst>
+              <a:ext uri="{FF2B5EF4-FFF2-40B4-BE49-F238E27FC236}">
+                <a16:creationId xmlns="" xmlns:a16="http://schemas.microsoft.com/office/drawing/2014/main" id="{63C6EBD3-EE76-4A4E-A009-555C41B64A93}"/>
+              </a:ext>
+            </a:extLst>
+          </p:cNvPr>
+          <p:cNvGraphicFramePr>
+            <a:graphicFrameLocks noGrp="1"/>
+          </p:cNvGraphicFramePr>
+          <p:nvPr>
+            <p:extLst>
+              <p:ext uri="{D42A27DB-BD31-4B8C-83A1-F6EECF244321}">
+                <p14:modId xmlns:p14="http://schemas.microsoft.com/office/powerpoint/2010/main" val="411945519"/>
+              </p:ext>
+            </p:extLst>
+          </p:nvPr>
+        </p:nvGraphicFramePr>
+        <p:xfrm>
+          <a:off x="5997150" y="1969829"/>
+          <a:ext cx="1757665" cy="243840"/>
+        </p:xfrm>
+        <a:graphic>
+          <a:graphicData uri="http://schemas.openxmlformats.org/drawingml/2006/table">
+            <a:tbl>
+              <a:tblPr firstRow="1" bandRow="1">
+                <a:tableStyleId>{5C22544A-7EE6-4342-B048-85BDC9FD1C3A}</a:tableStyleId>
+              </a:tblPr>
+              <a:tblGrid>
+                <a:gridCol w="1757665">
+                  <a:extLst>
+                    <a:ext uri="{9D8B030D-6E8A-4147-A177-3AD203B41FA5}">
+                      <a16:colId xmlns="" xmlns:a16="http://schemas.microsoft.com/office/drawing/2014/main" val="1123152002"/>
+                    </a:ext>
+                  </a:extLst>
+                </a:gridCol>
+              </a:tblGrid>
+              <a:tr h="0">
+                <a:tc>
+                  <a:txBody>
+                    <a:bodyPr/>
+                    <a:lstStyle/>
+                    <a:p>
+                      <a:pPr latinLnBrk="1"/>
+                      <a:r>
+                        <a:rPr lang="ko-KR" altLang="en-US" sz="1000" b="0" dirty="0">
+                          <a:solidFill>
+                            <a:schemeClr val="bg2">
+                              <a:lumMod val="25000"/>
+                            </a:schemeClr>
+                          </a:solidFill>
+                        </a:rPr>
+                        <a:t>검색어를 입력 해주세요</a:t>
+                      </a:r>
+                    </a:p>
+                  </a:txBody>
+                  <a:tcPr>
+                    <a:lnL w="12700" cap="flat" cmpd="sng" algn="ctr">
+                      <a:noFill/>
+                      <a:prstDash val="solid"/>
+                      <a:round/>
+                      <a:headEnd type="none" w="med" len="med"/>
+                      <a:tailEnd type="none" w="med" len="med"/>
+                    </a:lnL>
+                    <a:lnR w="12700" cap="flat" cmpd="sng" algn="ctr">
+                      <a:noFill/>
+                      <a:prstDash val="solid"/>
+                      <a:round/>
+                      <a:headEnd type="none" w="med" len="med"/>
+                      <a:tailEnd type="none" w="med" len="med"/>
+                    </a:lnR>
+                    <a:lnT w="12700" cap="flat" cmpd="sng" algn="ctr">
+                      <a:noFill/>
+                      <a:prstDash val="solid"/>
+                      <a:round/>
+                      <a:headEnd type="none" w="med" len="med"/>
+                      <a:tailEnd type="none" w="med" len="med"/>
+                    </a:lnT>
+                    <a:lnB w="12700" cap="flat" cmpd="sng" algn="ctr">
+                      <a:solidFill>
+                        <a:schemeClr val="tx1"/>
+                      </a:solidFill>
+                      <a:prstDash val="solid"/>
+                      <a:round/>
+                      <a:headEnd type="none" w="med" len="med"/>
+                      <a:tailEnd type="none" w="med" len="med"/>
+                    </a:lnB>
+                    <a:lnTlToBr w="12700" cmpd="sng">
+                      <a:noFill/>
+                      <a:prstDash val="solid"/>
+                    </a:lnTlToBr>
+                    <a:lnBlToTr w="12700" cmpd="sng">
+                      <a:noFill/>
+                      <a:prstDash val="solid"/>
+                    </a:lnBlToTr>
+                    <a:solidFill>
+                      <a:schemeClr val="bg1"/>
+                    </a:solidFill>
+                  </a:tcPr>
+                </a:tc>
+                <a:extLst>
+                  <a:ext uri="{0D108BD9-81ED-4DB2-BD59-A6C34878D82A}">
+                    <a16:rowId xmlns="" xmlns:a16="http://schemas.microsoft.com/office/drawing/2014/main" val="858287360"/>
+                  </a:ext>
+                </a:extLst>
+              </a:tr>
+            </a:tbl>
+          </a:graphicData>
+        </a:graphic>
+      </p:graphicFrame>
+      <p:sp>
+        <p:nvSpPr>
+          <p:cNvPr id="20" name="Google Shape;173;g7c553259d1_0_81">
+            <a:extLst>
+              <a:ext uri="{FF2B5EF4-FFF2-40B4-BE49-F238E27FC236}">
+                <a16:creationId xmlns="" xmlns:a16="http://schemas.microsoft.com/office/drawing/2014/main" id="{13413D26-6ACB-4E16-AD2C-C141BF5B38B6}"/>
+              </a:ext>
+            </a:extLst>
+          </p:cNvPr>
+          <p:cNvSpPr/>
+          <p:nvPr/>
+        </p:nvSpPr>
+        <p:spPr>
+          <a:xfrm>
+            <a:off x="2114973" y="2893537"/>
+            <a:ext cx="302700" cy="324600"/>
+          </a:xfrm>
+          <a:prstGeom prst="rect">
+            <a:avLst/>
+          </a:prstGeom>
+          <a:solidFill>
+            <a:srgbClr val="FF0000"/>
+          </a:solidFill>
+          <a:ln>
+            <a:noFill/>
+          </a:ln>
+        </p:spPr>
+        <p:txBody>
+          <a:bodyPr spcFirstLastPara="1" wrap="square" lIns="91425" tIns="45700" rIns="91425" bIns="45700" anchor="ctr" anchorCtr="0">
+            <a:noAutofit/>
+          </a:bodyPr>
+          <a:lstStyle/>
+          <a:p>
+            <a:pPr marL="0" marR="0" lvl="0" indent="0" algn="ctr" rtl="0">
+              <a:lnSpc>
+                <a:spcPct val="100000"/>
+              </a:lnSpc>
+              <a:spcBef>
+                <a:spcPts val="0"/>
+              </a:spcBef>
+              <a:spcAft>
+                <a:spcPts val="0"/>
+              </a:spcAft>
+              <a:buClr>
+                <a:srgbClr val="000000"/>
+              </a:buClr>
+              <a:buSzPts val="1800"/>
+              <a:buFont typeface="Arial"/>
+              <a:buNone/>
+            </a:pPr>
+            <a:r>
+              <a:rPr lang="ko-KR" sz="1800" b="1" i="0" u="none" strike="noStrike" cap="none" dirty="0">
+                <a:solidFill>
+                  <a:schemeClr val="dk1"/>
+                </a:solidFill>
+                <a:latin typeface="Malgun Gothic"/>
+                <a:ea typeface="Malgun Gothic"/>
+                <a:cs typeface="Malgun Gothic"/>
+                <a:sym typeface="Malgun Gothic"/>
+              </a:rPr>
+              <a:t>1</a:t>
+            </a:r>
+            <a:endParaRPr sz="1800" b="1" i="0" u="none" strike="noStrike" cap="none" dirty="0">
+              <a:solidFill>
+                <a:schemeClr val="dk1"/>
+              </a:solidFill>
+              <a:latin typeface="Malgun Gothic"/>
+              <a:ea typeface="Malgun Gothic"/>
+              <a:cs typeface="Malgun Gothic"/>
+              <a:sym typeface="Malgun Gothic"/>
+            </a:endParaRPr>
+          </a:p>
+        </p:txBody>
+      </p:sp>
+      <p:sp>
+        <p:nvSpPr>
+          <p:cNvPr id="21" name="Google Shape;173;g7c553259d1_0_81">
+            <a:extLst>
+              <a:ext uri="{FF2B5EF4-FFF2-40B4-BE49-F238E27FC236}">
+                <a16:creationId xmlns="" xmlns:a16="http://schemas.microsoft.com/office/drawing/2014/main" id="{29BFFC52-8C0C-4029-8F7C-7B280E4B71AA}"/>
+              </a:ext>
+            </a:extLst>
+          </p:cNvPr>
+          <p:cNvSpPr/>
+          <p:nvPr/>
+        </p:nvSpPr>
+        <p:spPr>
+          <a:xfrm>
+            <a:off x="3445327" y="2876982"/>
+            <a:ext cx="302700" cy="324600"/>
+          </a:xfrm>
+          <a:prstGeom prst="rect">
+            <a:avLst/>
+          </a:prstGeom>
+          <a:solidFill>
+            <a:srgbClr val="FF0000"/>
+          </a:solidFill>
+          <a:ln>
+            <a:noFill/>
+          </a:ln>
+        </p:spPr>
+        <p:txBody>
+          <a:bodyPr spcFirstLastPara="1" wrap="square" lIns="91425" tIns="45700" rIns="91425" bIns="45700" anchor="ctr" anchorCtr="0">
+            <a:noAutofit/>
+          </a:bodyPr>
+          <a:lstStyle/>
+          <a:p>
+            <a:pPr marL="0" marR="0" lvl="0" indent="0" algn="ctr" rtl="0">
+              <a:lnSpc>
+                <a:spcPct val="100000"/>
+              </a:lnSpc>
+              <a:spcBef>
+                <a:spcPts val="0"/>
+              </a:spcBef>
+              <a:spcAft>
+                <a:spcPts val="0"/>
+              </a:spcAft>
+              <a:buClr>
+                <a:srgbClr val="000000"/>
+              </a:buClr>
+              <a:buSzPts val="1800"/>
+              <a:buFont typeface="Arial"/>
+              <a:buNone/>
+            </a:pPr>
+            <a:r>
+              <a:rPr lang="en-US" altLang="ko-KR" b="1" dirty="0">
+                <a:solidFill>
+                  <a:schemeClr val="dk1"/>
+                </a:solidFill>
+                <a:latin typeface="Malgun Gothic"/>
+                <a:ea typeface="Malgun Gothic"/>
+                <a:cs typeface="Malgun Gothic"/>
+                <a:sym typeface="Malgun Gothic"/>
+              </a:rPr>
+              <a:t>2</a:t>
+            </a:r>
+            <a:endParaRPr sz="1800" b="1" i="0" u="none" strike="noStrike" cap="none" dirty="0">
+              <a:solidFill>
+                <a:schemeClr val="dk1"/>
+              </a:solidFill>
+              <a:latin typeface="Malgun Gothic"/>
+              <a:ea typeface="Malgun Gothic"/>
+              <a:cs typeface="Malgun Gothic"/>
+              <a:sym typeface="Malgun Gothic"/>
+            </a:endParaRPr>
+          </a:p>
+        </p:txBody>
+      </p:sp>
+      <p:sp>
+        <p:nvSpPr>
+          <p:cNvPr id="28" name="Google Shape;173;g7c553259d1_0_81">
+            <a:extLst>
+              <a:ext uri="{FF2B5EF4-FFF2-40B4-BE49-F238E27FC236}">
+                <a16:creationId xmlns="" xmlns:a16="http://schemas.microsoft.com/office/drawing/2014/main" id="{EA96DCAD-C8DF-4BF3-A915-5A646A22F5CE}"/>
+              </a:ext>
+            </a:extLst>
+          </p:cNvPr>
+          <p:cNvSpPr/>
+          <p:nvPr/>
+        </p:nvSpPr>
+        <p:spPr>
+          <a:xfrm>
+            <a:off x="5600071" y="2876982"/>
+            <a:ext cx="302700" cy="324600"/>
+          </a:xfrm>
+          <a:prstGeom prst="rect">
+            <a:avLst/>
+          </a:prstGeom>
+          <a:solidFill>
+            <a:srgbClr val="FF0000"/>
+          </a:solidFill>
+          <a:ln>
+            <a:noFill/>
+          </a:ln>
+        </p:spPr>
+        <p:txBody>
+          <a:bodyPr spcFirstLastPara="1" wrap="square" lIns="91425" tIns="45700" rIns="91425" bIns="45700" anchor="ctr" anchorCtr="0">
+            <a:noAutofit/>
+          </a:bodyPr>
+          <a:lstStyle/>
+          <a:p>
+            <a:pPr marL="0" marR="0" lvl="0" indent="0" algn="ctr" rtl="0">
+              <a:lnSpc>
+                <a:spcPct val="100000"/>
+              </a:lnSpc>
+              <a:spcBef>
+                <a:spcPts val="0"/>
+              </a:spcBef>
+              <a:spcAft>
+                <a:spcPts val="0"/>
+              </a:spcAft>
+              <a:buClr>
+                <a:srgbClr val="000000"/>
+              </a:buClr>
+              <a:buSzPts val="1800"/>
+              <a:buFont typeface="Arial"/>
+              <a:buNone/>
+            </a:pPr>
+            <a:r>
+              <a:rPr lang="en-US" altLang="ko-KR" b="1" dirty="0">
+                <a:solidFill>
+                  <a:schemeClr val="dk1"/>
+                </a:solidFill>
+                <a:latin typeface="Malgun Gothic"/>
+                <a:ea typeface="Malgun Gothic"/>
+                <a:cs typeface="Malgun Gothic"/>
+                <a:sym typeface="Malgun Gothic"/>
+              </a:rPr>
+              <a:t>3</a:t>
+            </a:r>
+            <a:endParaRPr sz="1800" b="1" i="0" u="none" strike="noStrike" cap="none" dirty="0">
+              <a:solidFill>
+                <a:schemeClr val="dk1"/>
+              </a:solidFill>
+              <a:latin typeface="Malgun Gothic"/>
+              <a:ea typeface="Malgun Gothic"/>
+              <a:cs typeface="Malgun Gothic"/>
+              <a:sym typeface="Malgun Gothic"/>
+            </a:endParaRPr>
+          </a:p>
+        </p:txBody>
+      </p:sp>
+    </p:spTree>
+    <p:extLst>
+      <p:ext uri="{BB962C8B-B14F-4D97-AF65-F5344CB8AC3E}">
+        <p14:creationId xmlns:p14="http://schemas.microsoft.com/office/powerpoint/2010/main" val="1943326411"/>
+      </p:ext>
+    </p:extLst>
+  </p:cSld>
+  <p:clrMapOvr>
+    <a:masterClrMapping/>
+  </p:clrMapOvr>
+</p:sld>
+</file>
+
 <file path=ppt/theme/theme1.xml><?xml version="1.0" encoding="utf-8"?>
 <a:theme xmlns:a="http://schemas.openxmlformats.org/drawingml/2006/main" name="Office 테마">
   <a:themeElements>
@@ -3708,7 +8817,7 @@
   <a:extraClrSchemeLst/>
   <a:extLst>
     <a:ext uri="{05A4C25C-085E-4340-85A3-A5531E510DB2}">
-      <thm15:themeFamily xmlns:thm15="http://schemas.microsoft.com/office/thememl/2012/main" name="Office Theme" id="{62F939B6-93AF-4DB8-9C6B-D6C7DFDC589F}" vid="{4A3C46E8-61CC-4603-A589-7422A47A8E4A}"/>
+      <thm15:themeFamily xmlns:thm15="http://schemas.microsoft.com/office/thememl/2012/main" xmlns="" name="Office Theme" id="{62F939B6-93AF-4DB8-9C6B-D6C7DFDC589F}" vid="{4A3C46E8-61CC-4603-A589-7422A47A8E4A}"/>
     </a:ext>
   </a:extLst>
 </a:theme>
@@ -3969,7 +9078,7 @@
   <a:extraClrSchemeLst/>
   <a:extLst>
     <a:ext uri="{05A4C25C-085E-4340-85A3-A5531E510DB2}">
-      <thm15:themeFamily xmlns:thm15="http://schemas.microsoft.com/office/thememl/2012/main" name="Office Theme" id="{62F939B6-93AF-4DB8-9C6B-D6C7DFDC589F}" vid="{4A3C46E8-61CC-4603-A589-7422A47A8E4A}"/>
+      <thm15:themeFamily xmlns:thm15="http://schemas.microsoft.com/office/thememl/2012/main" xmlns="" name="Office Theme" id="{62F939B6-93AF-4DB8-9C6B-D6C7DFDC589F}" vid="{4A3C46E8-61CC-4603-A589-7422A47A8E4A}"/>
     </a:ext>
   </a:extLst>
 </a:theme>

--- a/0 발표용 파워포인트/project06 - 파워포인트 종합 - 서희.pptx
+++ b/0 발표용 파워포인트/project06 - 파워포인트 종합 - 서희.pptx
@@ -115,7 +115,7 @@
   </p:defaultTextStyle>
   <p:extLst>
     <p:ext uri="{EFAFB233-063F-42B5-8137-9DF3F51BA10A}">
-      <p15:sldGuideLst xmlns="" xmlns:p15="http://schemas.microsoft.com/office/powerpoint/2012/main">
+      <p15:sldGuideLst xmlns:p15="http://schemas.microsoft.com/office/powerpoint/2012/main">
         <p15:guide id="1" orient="horz" pos="2160">
           <p15:clr>
             <a:srgbClr val="A4A3A4"/>
@@ -127,6 +127,20 @@
           </p15:clr>
         </p15:guide>
       </p15:sldGuideLst>
+    </p:ext>
+    <p:ext uri="{2D200454-40CA-4A62-9FC3-DE9A4176ACB9}">
+      <p15:notesGuideLst xmlns:p15="http://schemas.microsoft.com/office/powerpoint/2012/main">
+        <p15:guide id="1" orient="horz" pos="2880">
+          <p15:clr>
+            <a:srgbClr val="A4A3A4"/>
+          </p15:clr>
+        </p15:guide>
+        <p15:guide id="2" pos="2160">
+          <p15:clr>
+            <a:srgbClr val="A4A3A4"/>
+          </p15:clr>
+        </p15:guide>
+      </p15:notesGuideLst>
     </p:ext>
   </p:extLst>
 </p:presentation>
@@ -215,7 +229,7 @@
             <a:fld id="{EFE7F2A0-C7D9-4DBD-AE3B-C1A712DCE501}" type="datetimeFigureOut">
               <a:rPr lang="ko-KR" altLang="en-US" smtClean="0"/>
               <a:pPr/>
-              <a:t>2020-05-04</a:t>
+              <a:t>2020-05-05</a:t>
             </a:fld>
             <a:endParaRPr lang="ko-KR" altLang="en-US"/>
           </a:p>
@@ -281,38 +295,37 @@
           <a:p>
             <a:pPr lvl="0"/>
             <a:r>
-              <a:rPr lang="ko-KR" altLang="en-US" smtClean="0"/>
+              <a:rPr lang="ko-KR" altLang="en-US"/>
               <a:t>마스터 텍스트 스타일을 편집합니다</a:t>
             </a:r>
           </a:p>
           <a:p>
             <a:pPr lvl="1"/>
             <a:r>
-              <a:rPr lang="ko-KR" altLang="en-US" smtClean="0"/>
+              <a:rPr lang="ko-KR" altLang="en-US"/>
               <a:t>둘째 수준</a:t>
             </a:r>
           </a:p>
           <a:p>
             <a:pPr lvl="2"/>
             <a:r>
-              <a:rPr lang="ko-KR" altLang="en-US" smtClean="0"/>
+              <a:rPr lang="ko-KR" altLang="en-US"/>
               <a:t>셋째 수준</a:t>
             </a:r>
           </a:p>
           <a:p>
             <a:pPr lvl="3"/>
             <a:r>
-              <a:rPr lang="ko-KR" altLang="en-US" smtClean="0"/>
+              <a:rPr lang="ko-KR" altLang="en-US"/>
               <a:t>넷째 수준</a:t>
             </a:r>
           </a:p>
           <a:p>
             <a:pPr lvl="4"/>
             <a:r>
-              <a:rPr lang="ko-KR" altLang="en-US" smtClean="0"/>
+              <a:rPr lang="ko-KR" altLang="en-US"/>
               <a:t>다섯째 수준</a:t>
             </a:r>
-            <a:endParaRPr lang="ko-KR" altLang="en-US"/>
           </a:p>
         </p:txBody>
       </p:sp>
@@ -632,10 +645,9 @@
           </a:lstStyle>
           <a:p>
             <a:r>
-              <a:rPr lang="ko-KR" altLang="en-US" smtClean="0"/>
+              <a:rPr lang="ko-KR" altLang="en-US"/>
               <a:t>마스터 제목 스타일 편집</a:t>
             </a:r>
-            <a:endParaRPr lang="ko-KR" altLang="en-US"/>
           </a:p>
         </p:txBody>
       </p:sp>
@@ -697,10 +709,9 @@
           </a:lstStyle>
           <a:p>
             <a:r>
-              <a:rPr lang="ko-KR" altLang="en-US" smtClean="0"/>
+              <a:rPr lang="ko-KR" altLang="en-US"/>
               <a:t>마스터 부제목 스타일 편집</a:t>
             </a:r>
-            <a:endParaRPr lang="ko-KR" altLang="en-US"/>
           </a:p>
         </p:txBody>
       </p:sp>
@@ -722,7 +733,7 @@
             <a:fld id="{272C3D53-FEDF-49EC-8F65-FFFC138B637E}" type="datetimeFigureOut">
               <a:rPr lang="ko-KR" altLang="en-US" smtClean="0"/>
               <a:pPr/>
-              <a:t>2020-05-04</a:t>
+              <a:t>2020-05-05</a:t>
             </a:fld>
             <a:endParaRPr lang="ko-KR" altLang="en-US"/>
           </a:p>
@@ -817,10 +828,9 @@
           <a:lstStyle/>
           <a:p>
             <a:r>
-              <a:rPr lang="ko-KR" altLang="en-US" smtClean="0"/>
+              <a:rPr lang="ko-KR" altLang="en-US"/>
               <a:t>마스터 제목 스타일 편집</a:t>
             </a:r>
-            <a:endParaRPr lang="ko-KR" altLang="en-US"/>
           </a:p>
         </p:txBody>
       </p:sp>
@@ -841,38 +851,37 @@
           <a:p>
             <a:pPr lvl="0"/>
             <a:r>
-              <a:rPr lang="ko-KR" altLang="en-US" smtClean="0"/>
+              <a:rPr lang="ko-KR" altLang="en-US"/>
               <a:t>마스터 텍스트 스타일을 편집합니다</a:t>
             </a:r>
           </a:p>
           <a:p>
             <a:pPr lvl="1"/>
             <a:r>
-              <a:rPr lang="ko-KR" altLang="en-US" smtClean="0"/>
+              <a:rPr lang="ko-KR" altLang="en-US"/>
               <a:t>둘째 수준</a:t>
             </a:r>
           </a:p>
           <a:p>
             <a:pPr lvl="2"/>
             <a:r>
-              <a:rPr lang="ko-KR" altLang="en-US" smtClean="0"/>
+              <a:rPr lang="ko-KR" altLang="en-US"/>
               <a:t>셋째 수준</a:t>
             </a:r>
           </a:p>
           <a:p>
             <a:pPr lvl="3"/>
             <a:r>
-              <a:rPr lang="ko-KR" altLang="en-US" smtClean="0"/>
+              <a:rPr lang="ko-KR" altLang="en-US"/>
               <a:t>넷째 수준</a:t>
             </a:r>
           </a:p>
           <a:p>
             <a:pPr lvl="4"/>
             <a:r>
-              <a:rPr lang="ko-KR" altLang="en-US" smtClean="0"/>
+              <a:rPr lang="ko-KR" altLang="en-US"/>
               <a:t>다섯째 수준</a:t>
             </a:r>
-            <a:endParaRPr lang="ko-KR" altLang="en-US"/>
           </a:p>
         </p:txBody>
       </p:sp>
@@ -894,7 +903,7 @@
             <a:fld id="{272C3D53-FEDF-49EC-8F65-FFFC138B637E}" type="datetimeFigureOut">
               <a:rPr lang="ko-KR" altLang="en-US" smtClean="0"/>
               <a:pPr/>
-              <a:t>2020-05-04</a:t>
+              <a:t>2020-05-05</a:t>
             </a:fld>
             <a:endParaRPr lang="ko-KR" altLang="en-US"/>
           </a:p>
@@ -994,10 +1003,9 @@
           <a:lstStyle/>
           <a:p>
             <a:r>
-              <a:rPr lang="ko-KR" altLang="en-US" smtClean="0"/>
+              <a:rPr lang="ko-KR" altLang="en-US"/>
               <a:t>마스터 제목 스타일 편집</a:t>
             </a:r>
-            <a:endParaRPr lang="ko-KR" altLang="en-US"/>
           </a:p>
         </p:txBody>
       </p:sp>
@@ -1023,38 +1031,37 @@
           <a:p>
             <a:pPr lvl="0"/>
             <a:r>
-              <a:rPr lang="ko-KR" altLang="en-US" smtClean="0"/>
+              <a:rPr lang="ko-KR" altLang="en-US"/>
               <a:t>마스터 텍스트 스타일을 편집합니다</a:t>
             </a:r>
           </a:p>
           <a:p>
             <a:pPr lvl="1"/>
             <a:r>
-              <a:rPr lang="ko-KR" altLang="en-US" smtClean="0"/>
+              <a:rPr lang="ko-KR" altLang="en-US"/>
               <a:t>둘째 수준</a:t>
             </a:r>
           </a:p>
           <a:p>
             <a:pPr lvl="2"/>
             <a:r>
-              <a:rPr lang="ko-KR" altLang="en-US" smtClean="0"/>
+              <a:rPr lang="ko-KR" altLang="en-US"/>
               <a:t>셋째 수준</a:t>
             </a:r>
           </a:p>
           <a:p>
             <a:pPr lvl="3"/>
             <a:r>
-              <a:rPr lang="ko-KR" altLang="en-US" smtClean="0"/>
+              <a:rPr lang="ko-KR" altLang="en-US"/>
               <a:t>넷째 수준</a:t>
             </a:r>
           </a:p>
           <a:p>
             <a:pPr lvl="4"/>
             <a:r>
-              <a:rPr lang="ko-KR" altLang="en-US" smtClean="0"/>
+              <a:rPr lang="ko-KR" altLang="en-US"/>
               <a:t>다섯째 수준</a:t>
             </a:r>
-            <a:endParaRPr lang="ko-KR" altLang="en-US"/>
           </a:p>
         </p:txBody>
       </p:sp>
@@ -1076,7 +1083,7 @@
             <a:fld id="{272C3D53-FEDF-49EC-8F65-FFFC138B637E}" type="datetimeFigureOut">
               <a:rPr lang="ko-KR" altLang="en-US" smtClean="0"/>
               <a:pPr/>
-              <a:t>2020-05-04</a:t>
+              <a:t>2020-05-05</a:t>
             </a:fld>
             <a:endParaRPr lang="ko-KR" altLang="en-US"/>
           </a:p>
@@ -1369,10 +1376,9 @@
           <a:lstStyle/>
           <a:p>
             <a:r>
-              <a:rPr lang="ko-KR" altLang="en-US" smtClean="0"/>
+              <a:rPr lang="ko-KR" altLang="en-US"/>
               <a:t>마스터 제목 스타일 편집</a:t>
             </a:r>
-            <a:endParaRPr lang="ko-KR" altLang="en-US"/>
           </a:p>
         </p:txBody>
       </p:sp>
@@ -1393,38 +1399,37 @@
           <a:p>
             <a:pPr lvl="0"/>
             <a:r>
-              <a:rPr lang="ko-KR" altLang="en-US" smtClean="0"/>
+              <a:rPr lang="ko-KR" altLang="en-US"/>
               <a:t>마스터 텍스트 스타일을 편집합니다</a:t>
             </a:r>
           </a:p>
           <a:p>
             <a:pPr lvl="1"/>
             <a:r>
-              <a:rPr lang="ko-KR" altLang="en-US" smtClean="0"/>
+              <a:rPr lang="ko-KR" altLang="en-US"/>
               <a:t>둘째 수준</a:t>
             </a:r>
           </a:p>
           <a:p>
             <a:pPr lvl="2"/>
             <a:r>
-              <a:rPr lang="ko-KR" altLang="en-US" smtClean="0"/>
+              <a:rPr lang="ko-KR" altLang="en-US"/>
               <a:t>셋째 수준</a:t>
             </a:r>
           </a:p>
           <a:p>
             <a:pPr lvl="3"/>
             <a:r>
-              <a:rPr lang="ko-KR" altLang="en-US" smtClean="0"/>
+              <a:rPr lang="ko-KR" altLang="en-US"/>
               <a:t>넷째 수준</a:t>
             </a:r>
           </a:p>
           <a:p>
             <a:pPr lvl="4"/>
             <a:r>
-              <a:rPr lang="ko-KR" altLang="en-US" smtClean="0"/>
+              <a:rPr lang="ko-KR" altLang="en-US"/>
               <a:t>다섯째 수준</a:t>
             </a:r>
-            <a:endParaRPr lang="ko-KR" altLang="en-US"/>
           </a:p>
         </p:txBody>
       </p:sp>
@@ -1446,7 +1451,7 @@
             <a:fld id="{272C3D53-FEDF-49EC-8F65-FFFC138B637E}" type="datetimeFigureOut">
               <a:rPr lang="ko-KR" altLang="en-US" smtClean="0"/>
               <a:pPr/>
-              <a:t>2020-05-04</a:t>
+              <a:t>2020-05-05</a:t>
             </a:fld>
             <a:endParaRPr lang="ko-KR" altLang="en-US"/>
           </a:p>
@@ -1505,13 +1510,6 @@
   <p:clrMapOvr>
     <a:masterClrMapping/>
   </p:clrMapOvr>
-  <p:timing>
-    <p:tnLst>
-      <p:par>
-        <p:cTn id="1" dur="indefinite" restart="never" nodeType="tmRoot"/>
-      </p:par>
-    </p:tnLst>
-  </p:timing>
 </p:sldLayout>
 </file>
 
@@ -1557,10 +1555,9 @@
           </a:lstStyle>
           <a:p>
             <a:r>
-              <a:rPr lang="ko-KR" altLang="en-US" smtClean="0"/>
+              <a:rPr lang="ko-KR" altLang="en-US"/>
               <a:t>마스터 제목 스타일 편집</a:t>
             </a:r>
-            <a:endParaRPr lang="ko-KR" altLang="en-US"/>
           </a:p>
         </p:txBody>
       </p:sp>
@@ -1677,7 +1674,7 @@
           <a:p>
             <a:pPr lvl="0"/>
             <a:r>
-              <a:rPr lang="ko-KR" altLang="en-US" smtClean="0"/>
+              <a:rPr lang="ko-KR" altLang="en-US"/>
               <a:t>마스터 텍스트 스타일을 편집합니다</a:t>
             </a:r>
           </a:p>
@@ -1701,7 +1698,7 @@
             <a:fld id="{272C3D53-FEDF-49EC-8F65-FFFC138B637E}" type="datetimeFigureOut">
               <a:rPr lang="ko-KR" altLang="en-US" smtClean="0"/>
               <a:pPr/>
-              <a:t>2020-05-04</a:t>
+              <a:t>2020-05-05</a:t>
             </a:fld>
             <a:endParaRPr lang="ko-KR" altLang="en-US"/>
           </a:p>
@@ -1796,10 +1793,9 @@
           <a:lstStyle/>
           <a:p>
             <a:r>
-              <a:rPr lang="ko-KR" altLang="en-US" smtClean="0"/>
+              <a:rPr lang="ko-KR" altLang="en-US"/>
               <a:t>마스터 제목 스타일 편집</a:t>
             </a:r>
-            <a:endParaRPr lang="ko-KR" altLang="en-US"/>
           </a:p>
         </p:txBody>
       </p:sp>
@@ -1825,38 +1821,37 @@
           <a:p>
             <a:pPr lvl="0"/>
             <a:r>
-              <a:rPr lang="ko-KR" altLang="en-US" smtClean="0"/>
+              <a:rPr lang="ko-KR" altLang="en-US"/>
               <a:t>마스터 텍스트 스타일을 편집합니다</a:t>
             </a:r>
           </a:p>
           <a:p>
             <a:pPr lvl="1"/>
             <a:r>
-              <a:rPr lang="ko-KR" altLang="en-US" smtClean="0"/>
+              <a:rPr lang="ko-KR" altLang="en-US"/>
               <a:t>둘째 수준</a:t>
             </a:r>
           </a:p>
           <a:p>
             <a:pPr lvl="2"/>
             <a:r>
-              <a:rPr lang="ko-KR" altLang="en-US" smtClean="0"/>
+              <a:rPr lang="ko-KR" altLang="en-US"/>
               <a:t>셋째 수준</a:t>
             </a:r>
           </a:p>
           <a:p>
             <a:pPr lvl="3"/>
             <a:r>
-              <a:rPr lang="ko-KR" altLang="en-US" smtClean="0"/>
+              <a:rPr lang="ko-KR" altLang="en-US"/>
               <a:t>넷째 수준</a:t>
             </a:r>
           </a:p>
           <a:p>
             <a:pPr lvl="4"/>
             <a:r>
-              <a:rPr lang="ko-KR" altLang="en-US" smtClean="0"/>
+              <a:rPr lang="ko-KR" altLang="en-US"/>
               <a:t>다섯째 수준</a:t>
             </a:r>
-            <a:endParaRPr lang="ko-KR" altLang="en-US"/>
           </a:p>
         </p:txBody>
       </p:sp>
@@ -1882,38 +1877,37 @@
           <a:p>
             <a:pPr lvl="0"/>
             <a:r>
-              <a:rPr lang="ko-KR" altLang="en-US" smtClean="0"/>
+              <a:rPr lang="ko-KR" altLang="en-US"/>
               <a:t>마스터 텍스트 스타일을 편집합니다</a:t>
             </a:r>
           </a:p>
           <a:p>
             <a:pPr lvl="1"/>
             <a:r>
-              <a:rPr lang="ko-KR" altLang="en-US" smtClean="0"/>
+              <a:rPr lang="ko-KR" altLang="en-US"/>
               <a:t>둘째 수준</a:t>
             </a:r>
           </a:p>
           <a:p>
             <a:pPr lvl="2"/>
             <a:r>
-              <a:rPr lang="ko-KR" altLang="en-US" smtClean="0"/>
+              <a:rPr lang="ko-KR" altLang="en-US"/>
               <a:t>셋째 수준</a:t>
             </a:r>
           </a:p>
           <a:p>
             <a:pPr lvl="3"/>
             <a:r>
-              <a:rPr lang="ko-KR" altLang="en-US" smtClean="0"/>
+              <a:rPr lang="ko-KR" altLang="en-US"/>
               <a:t>넷째 수준</a:t>
             </a:r>
           </a:p>
           <a:p>
             <a:pPr lvl="4"/>
             <a:r>
-              <a:rPr lang="ko-KR" altLang="en-US" smtClean="0"/>
+              <a:rPr lang="ko-KR" altLang="en-US"/>
               <a:t>다섯째 수준</a:t>
             </a:r>
-            <a:endParaRPr lang="ko-KR" altLang="en-US"/>
           </a:p>
         </p:txBody>
       </p:sp>
@@ -1935,7 +1929,7 @@
             <a:fld id="{272C3D53-FEDF-49EC-8F65-FFFC138B637E}" type="datetimeFigureOut">
               <a:rPr lang="ko-KR" altLang="en-US" smtClean="0"/>
               <a:pPr/>
-              <a:t>2020-05-04</a:t>
+              <a:t>2020-05-05</a:t>
             </a:fld>
             <a:endParaRPr lang="ko-KR" altLang="en-US"/>
           </a:p>
@@ -2035,10 +2029,9 @@
           <a:lstStyle/>
           <a:p>
             <a:r>
-              <a:rPr lang="ko-KR" altLang="en-US" smtClean="0"/>
+              <a:rPr lang="ko-KR" altLang="en-US"/>
               <a:t>마스터 제목 스타일 편집</a:t>
             </a:r>
-            <a:endParaRPr lang="ko-KR" altLang="en-US"/>
           </a:p>
         </p:txBody>
       </p:sp>
@@ -2101,7 +2094,7 @@
           <a:p>
             <a:pPr lvl="0"/>
             <a:r>
-              <a:rPr lang="ko-KR" altLang="en-US" smtClean="0"/>
+              <a:rPr lang="ko-KR" altLang="en-US"/>
               <a:t>마스터 텍스트 스타일을 편집합니다</a:t>
             </a:r>
           </a:p>
@@ -2129,38 +2122,37 @@
           <a:p>
             <a:pPr lvl="0"/>
             <a:r>
-              <a:rPr lang="ko-KR" altLang="en-US" smtClean="0"/>
+              <a:rPr lang="ko-KR" altLang="en-US"/>
               <a:t>마스터 텍스트 스타일을 편집합니다</a:t>
             </a:r>
           </a:p>
           <a:p>
             <a:pPr lvl="1"/>
             <a:r>
-              <a:rPr lang="ko-KR" altLang="en-US" smtClean="0"/>
+              <a:rPr lang="ko-KR" altLang="en-US"/>
               <a:t>둘째 수준</a:t>
             </a:r>
           </a:p>
           <a:p>
             <a:pPr lvl="2"/>
             <a:r>
-              <a:rPr lang="ko-KR" altLang="en-US" smtClean="0"/>
+              <a:rPr lang="ko-KR" altLang="en-US"/>
               <a:t>셋째 수준</a:t>
             </a:r>
           </a:p>
           <a:p>
             <a:pPr lvl="3"/>
             <a:r>
-              <a:rPr lang="ko-KR" altLang="en-US" smtClean="0"/>
+              <a:rPr lang="ko-KR" altLang="en-US"/>
               <a:t>넷째 수준</a:t>
             </a:r>
           </a:p>
           <a:p>
             <a:pPr lvl="4"/>
             <a:r>
-              <a:rPr lang="ko-KR" altLang="en-US" smtClean="0"/>
+              <a:rPr lang="ko-KR" altLang="en-US"/>
               <a:t>다섯째 수준</a:t>
             </a:r>
-            <a:endParaRPr lang="ko-KR" altLang="en-US"/>
           </a:p>
         </p:txBody>
       </p:sp>
@@ -2223,7 +2215,7 @@
           <a:p>
             <a:pPr lvl="0"/>
             <a:r>
-              <a:rPr lang="ko-KR" altLang="en-US" smtClean="0"/>
+              <a:rPr lang="ko-KR" altLang="en-US"/>
               <a:t>마스터 텍스트 스타일을 편집합니다</a:t>
             </a:r>
           </a:p>
@@ -2251,38 +2243,37 @@
           <a:p>
             <a:pPr lvl="0"/>
             <a:r>
-              <a:rPr lang="ko-KR" altLang="en-US" smtClean="0"/>
+              <a:rPr lang="ko-KR" altLang="en-US"/>
               <a:t>마스터 텍스트 스타일을 편집합니다</a:t>
             </a:r>
           </a:p>
           <a:p>
             <a:pPr lvl="1"/>
             <a:r>
-              <a:rPr lang="ko-KR" altLang="en-US" smtClean="0"/>
+              <a:rPr lang="ko-KR" altLang="en-US"/>
               <a:t>둘째 수준</a:t>
             </a:r>
           </a:p>
           <a:p>
             <a:pPr lvl="2"/>
             <a:r>
-              <a:rPr lang="ko-KR" altLang="en-US" smtClean="0"/>
+              <a:rPr lang="ko-KR" altLang="en-US"/>
               <a:t>셋째 수준</a:t>
             </a:r>
           </a:p>
           <a:p>
             <a:pPr lvl="3"/>
             <a:r>
-              <a:rPr lang="ko-KR" altLang="en-US" smtClean="0"/>
+              <a:rPr lang="ko-KR" altLang="en-US"/>
               <a:t>넷째 수준</a:t>
             </a:r>
           </a:p>
           <a:p>
             <a:pPr lvl="4"/>
             <a:r>
-              <a:rPr lang="ko-KR" altLang="en-US" smtClean="0"/>
+              <a:rPr lang="ko-KR" altLang="en-US"/>
               <a:t>다섯째 수준</a:t>
             </a:r>
-            <a:endParaRPr lang="ko-KR" altLang="en-US"/>
           </a:p>
         </p:txBody>
       </p:sp>
@@ -2304,7 +2295,7 @@
             <a:fld id="{272C3D53-FEDF-49EC-8F65-FFFC138B637E}" type="datetimeFigureOut">
               <a:rPr lang="ko-KR" altLang="en-US" smtClean="0"/>
               <a:pPr/>
-              <a:t>2020-05-04</a:t>
+              <a:t>2020-05-05</a:t>
             </a:fld>
             <a:endParaRPr lang="ko-KR" altLang="en-US"/>
           </a:p>
@@ -2399,10 +2390,9 @@
           <a:lstStyle/>
           <a:p>
             <a:r>
-              <a:rPr lang="ko-KR" altLang="en-US" smtClean="0"/>
+              <a:rPr lang="ko-KR" altLang="en-US"/>
               <a:t>마스터 제목 스타일 편집</a:t>
             </a:r>
-            <a:endParaRPr lang="ko-KR" altLang="en-US"/>
           </a:p>
         </p:txBody>
       </p:sp>
@@ -2424,7 +2414,7 @@
             <a:fld id="{272C3D53-FEDF-49EC-8F65-FFFC138B637E}" type="datetimeFigureOut">
               <a:rPr lang="ko-KR" altLang="en-US" smtClean="0"/>
               <a:pPr/>
-              <a:t>2020-05-04</a:t>
+              <a:t>2020-05-05</a:t>
             </a:fld>
             <a:endParaRPr lang="ko-KR" altLang="en-US"/>
           </a:p>
@@ -2521,7 +2511,7 @@
             <a:fld id="{272C3D53-FEDF-49EC-8F65-FFFC138B637E}" type="datetimeFigureOut">
               <a:rPr lang="ko-KR" altLang="en-US" smtClean="0"/>
               <a:pPr/>
-              <a:t>2020-05-04</a:t>
+              <a:t>2020-05-05</a:t>
             </a:fld>
             <a:endParaRPr lang="ko-KR" altLang="en-US"/>
           </a:p>
@@ -2625,10 +2615,9 @@
           </a:lstStyle>
           <a:p>
             <a:r>
-              <a:rPr lang="ko-KR" altLang="en-US" smtClean="0"/>
+              <a:rPr lang="ko-KR" altLang="en-US"/>
               <a:t>마스터 제목 스타일 편집</a:t>
             </a:r>
-            <a:endParaRPr lang="ko-KR" altLang="en-US"/>
           </a:p>
         </p:txBody>
       </p:sp>
@@ -2682,38 +2671,37 @@
           <a:p>
             <a:pPr lvl="0"/>
             <a:r>
-              <a:rPr lang="ko-KR" altLang="en-US" smtClean="0"/>
+              <a:rPr lang="ko-KR" altLang="en-US"/>
               <a:t>마스터 텍스트 스타일을 편집합니다</a:t>
             </a:r>
           </a:p>
           <a:p>
             <a:pPr lvl="1"/>
             <a:r>
-              <a:rPr lang="ko-KR" altLang="en-US" smtClean="0"/>
+              <a:rPr lang="ko-KR" altLang="en-US"/>
               <a:t>둘째 수준</a:t>
             </a:r>
           </a:p>
           <a:p>
             <a:pPr lvl="2"/>
             <a:r>
-              <a:rPr lang="ko-KR" altLang="en-US" smtClean="0"/>
+              <a:rPr lang="ko-KR" altLang="en-US"/>
               <a:t>셋째 수준</a:t>
             </a:r>
           </a:p>
           <a:p>
             <a:pPr lvl="3"/>
             <a:r>
-              <a:rPr lang="ko-KR" altLang="en-US" smtClean="0"/>
+              <a:rPr lang="ko-KR" altLang="en-US"/>
               <a:t>넷째 수준</a:t>
             </a:r>
           </a:p>
           <a:p>
             <a:pPr lvl="4"/>
             <a:r>
-              <a:rPr lang="ko-KR" altLang="en-US" smtClean="0"/>
+              <a:rPr lang="ko-KR" altLang="en-US"/>
               <a:t>다섯째 수준</a:t>
             </a:r>
-            <a:endParaRPr lang="ko-KR" altLang="en-US"/>
           </a:p>
         </p:txBody>
       </p:sp>
@@ -2776,7 +2764,7 @@
           <a:p>
             <a:pPr lvl="0"/>
             <a:r>
-              <a:rPr lang="ko-KR" altLang="en-US" smtClean="0"/>
+              <a:rPr lang="ko-KR" altLang="en-US"/>
               <a:t>마스터 텍스트 스타일을 편집합니다</a:t>
             </a:r>
           </a:p>
@@ -2800,7 +2788,7 @@
             <a:fld id="{272C3D53-FEDF-49EC-8F65-FFFC138B637E}" type="datetimeFigureOut">
               <a:rPr lang="ko-KR" altLang="en-US" smtClean="0"/>
               <a:pPr/>
-              <a:t>2020-05-04</a:t>
+              <a:t>2020-05-05</a:t>
             </a:fld>
             <a:endParaRPr lang="ko-KR" altLang="en-US"/>
           </a:p>
@@ -2904,10 +2892,9 @@
           </a:lstStyle>
           <a:p>
             <a:r>
-              <a:rPr lang="ko-KR" altLang="en-US" smtClean="0"/>
+              <a:rPr lang="ko-KR" altLang="en-US"/>
               <a:t>마스터 제목 스타일 편집</a:t>
             </a:r>
-            <a:endParaRPr lang="ko-KR" altLang="en-US"/>
           </a:p>
         </p:txBody>
       </p:sp>
@@ -3031,7 +3018,7 @@
           <a:p>
             <a:pPr lvl="0"/>
             <a:r>
-              <a:rPr lang="ko-KR" altLang="en-US" smtClean="0"/>
+              <a:rPr lang="ko-KR" altLang="en-US"/>
               <a:t>마스터 텍스트 스타일을 편집합니다</a:t>
             </a:r>
           </a:p>
@@ -3055,7 +3042,7 @@
             <a:fld id="{272C3D53-FEDF-49EC-8F65-FFFC138B637E}" type="datetimeFigureOut">
               <a:rPr lang="ko-KR" altLang="en-US" smtClean="0"/>
               <a:pPr/>
-              <a:t>2020-05-04</a:t>
+              <a:t>2020-05-05</a:t>
             </a:fld>
             <a:endParaRPr lang="ko-KR" altLang="en-US"/>
           </a:p>
@@ -3168,10 +3155,9 @@
           <a:lstStyle/>
           <a:p>
             <a:r>
-              <a:rPr lang="ko-KR" altLang="en-US" smtClean="0"/>
+              <a:rPr lang="ko-KR" altLang="en-US"/>
               <a:t>마스터 제목 스타일 편집</a:t>
             </a:r>
-            <a:endParaRPr lang="ko-KR" altLang="en-US"/>
           </a:p>
         </p:txBody>
       </p:sp>
@@ -3202,38 +3188,37 @@
           <a:p>
             <a:pPr lvl="0"/>
             <a:r>
-              <a:rPr lang="ko-KR" altLang="en-US" smtClean="0"/>
+              <a:rPr lang="ko-KR" altLang="en-US"/>
               <a:t>마스터 텍스트 스타일을 편집합니다</a:t>
             </a:r>
           </a:p>
           <a:p>
             <a:pPr lvl="1"/>
             <a:r>
-              <a:rPr lang="ko-KR" altLang="en-US" smtClean="0"/>
+              <a:rPr lang="ko-KR" altLang="en-US"/>
               <a:t>둘째 수준</a:t>
             </a:r>
           </a:p>
           <a:p>
             <a:pPr lvl="2"/>
             <a:r>
-              <a:rPr lang="ko-KR" altLang="en-US" smtClean="0"/>
+              <a:rPr lang="ko-KR" altLang="en-US"/>
               <a:t>셋째 수준</a:t>
             </a:r>
           </a:p>
           <a:p>
             <a:pPr lvl="3"/>
             <a:r>
-              <a:rPr lang="ko-KR" altLang="en-US" smtClean="0"/>
+              <a:rPr lang="ko-KR" altLang="en-US"/>
               <a:t>넷째 수준</a:t>
             </a:r>
           </a:p>
           <a:p>
             <a:pPr lvl="4"/>
             <a:r>
-              <a:rPr lang="ko-KR" altLang="en-US" smtClean="0"/>
+              <a:rPr lang="ko-KR" altLang="en-US"/>
               <a:t>다섯째 수준</a:t>
             </a:r>
-            <a:endParaRPr lang="ko-KR" altLang="en-US"/>
           </a:p>
         </p:txBody>
       </p:sp>
@@ -3273,7 +3258,7 @@
             <a:fld id="{272C3D53-FEDF-49EC-8F65-FFFC138B637E}" type="datetimeFigureOut">
               <a:rPr lang="ko-KR" altLang="en-US" smtClean="0"/>
               <a:pPr/>
-              <a:t>2020-05-04</a:t>
+              <a:t>2020-05-05</a:t>
             </a:fld>
             <a:endParaRPr lang="ko-KR" altLang="en-US"/>
           </a:p>
@@ -3380,13 +3365,6 @@
     <p:sldLayoutId id="2147483659" r:id="rId11"/>
     <p:sldLayoutId id="2147483660" r:id="rId12"/>
   </p:sldLayoutIdLst>
-  <p:timing>
-    <p:tnLst>
-      <p:par>
-        <p:cTn id="1" dur="indefinite" restart="never" nodeType="tmRoot"/>
-      </p:par>
-    </p:tnLst>
-  </p:timing>
   <p:txStyles>
     <p:titleStyle>
       <a:lvl1pPr algn="l" defTabSz="914400" rtl="0" eaLnBrk="1" latinLnBrk="1" hangingPunct="1">
@@ -3727,16 +3705,6 @@
               </a:rPr>
               <a:t>화면설계 및 구현</a:t>
             </a:r>
-            <a:r>
-              <a:rPr lang="en-US" altLang="ko-KR" sz="5300" dirty="0">
-                <a:solidFill>
-                  <a:srgbClr val="FF9E00"/>
-                </a:solidFill>
-                <a:latin typeface="나눔바른고딕" panose="020B0603020101020101" pitchFamily="50" charset="-127"/>
-                <a:ea typeface="나눔바른고딕" panose="020B0603020101020101" pitchFamily="50" charset="-127"/>
-              </a:rPr>
-              <a:t/>
-            </a:r>
             <a:br>
               <a:rPr lang="en-US" altLang="ko-KR" sz="5300" dirty="0">
                 <a:solidFill>
@@ -3746,16 +3714,6 @@
                 <a:ea typeface="나눔바른고딕" panose="020B0603020101020101" pitchFamily="50" charset="-127"/>
               </a:rPr>
             </a:br>
-            <a:r>
-              <a:rPr lang="en-US" altLang="ko-KR" sz="5300" dirty="0">
-                <a:solidFill>
-                  <a:srgbClr val="FF9E00"/>
-                </a:solidFill>
-                <a:latin typeface="나눔바른고딕" panose="020B0603020101020101" pitchFamily="50" charset="-127"/>
-                <a:ea typeface="나눔바른고딕" panose="020B0603020101020101" pitchFamily="50" charset="-127"/>
-              </a:rPr>
-              <a:t/>
-            </a:r>
             <a:br>
               <a:rPr lang="en-US" altLang="ko-KR" sz="5300" dirty="0">
                 <a:solidFill>
@@ -4417,13 +4375,6 @@
   <p:clrMapOvr>
     <a:masterClrMapping/>
   </p:clrMapOvr>
-  <p:timing>
-    <p:tnLst>
-      <p:par>
-        <p:cTn id="1" dur="indefinite" restart="never" nodeType="tmRoot"/>
-      </p:par>
-    </p:tnLst>
-  </p:timing>
 </p:sld>
 </file>
 
@@ -5326,23 +5277,10 @@
                 <a:latin typeface="+mj-ea"/>
                 <a:ea typeface="+mj-ea"/>
               </a:rPr>
-              <a:t>-</a:t>
+              <a:t>- </a:t>
             </a:r>
             <a:r>
-              <a:rPr lang="en-US" altLang="ko-KR" sz="2400" b="1" dirty="0" smtClean="0">
-                <a:solidFill>
-                  <a:schemeClr val="tx1">
-                    <a:lumMod val="75000"/>
-                    <a:lumOff val="25000"/>
-                  </a:schemeClr>
-                </a:solidFill>
-                <a:latin typeface="+mj-ea"/>
-                <a:ea typeface="+mj-ea"/>
-              </a:rPr>
-              <a:t> </a:t>
-            </a:r>
-            <a:r>
-              <a:rPr lang="ko-KR" altLang="en-US" sz="2400" b="1" dirty="0" err="1" smtClean="0">
+              <a:rPr lang="ko-KR" altLang="en-US" sz="2400" b="1" dirty="0" err="1">
                 <a:solidFill>
                   <a:schemeClr val="tx1">
                     <a:lumMod val="75000"/>
@@ -5355,7 +5293,7 @@
               <a:t>마이페이지</a:t>
             </a:r>
             <a:r>
-              <a:rPr lang="ko-KR" altLang="en-US" sz="2400" b="1" dirty="0" smtClean="0">
+              <a:rPr lang="ko-KR" altLang="en-US" sz="2400" b="1" dirty="0">
                 <a:solidFill>
                   <a:schemeClr val="tx1">
                     <a:lumMod val="75000"/>
@@ -5378,23 +5316,10 @@
                 <a:latin typeface="+mj-ea"/>
                 <a:ea typeface="+mj-ea"/>
               </a:rPr>
-              <a:t>-</a:t>
+              <a:t>- </a:t>
             </a:r>
             <a:r>
-              <a:rPr lang="en-US" altLang="ko-KR" sz="2400" b="1" dirty="0" smtClean="0">
-                <a:solidFill>
-                  <a:schemeClr val="tx1">
-                    <a:lumMod val="75000"/>
-                    <a:lumOff val="25000"/>
-                  </a:schemeClr>
-                </a:solidFill>
-                <a:latin typeface="+mj-ea"/>
-                <a:ea typeface="+mj-ea"/>
-              </a:rPr>
-              <a:t> </a:t>
-            </a:r>
-            <a:r>
-              <a:rPr lang="ko-KR" altLang="en-US" b="1" dirty="0" smtClean="0">
+              <a:rPr lang="ko-KR" altLang="en-US" b="1" dirty="0">
                 <a:solidFill>
                   <a:schemeClr val="tx1">
                     <a:lumMod val="75000"/>
@@ -5407,7 +5332,7 @@
               <a:t>관심프로젝트</a:t>
             </a:r>
             <a:r>
-              <a:rPr lang="en-US" altLang="ko-KR" b="1" dirty="0" smtClean="0">
+              <a:rPr lang="en-US" altLang="ko-KR" b="1" dirty="0">
                 <a:solidFill>
                   <a:schemeClr val="tx1">
                     <a:lumMod val="75000"/>
@@ -5420,7 +5345,7 @@
               <a:t>, </a:t>
             </a:r>
             <a:r>
-              <a:rPr lang="ko-KR" altLang="en-US" b="1" dirty="0" smtClean="0">
+              <a:rPr lang="ko-KR" altLang="en-US" b="1" dirty="0">
                 <a:solidFill>
                   <a:schemeClr val="tx1">
                     <a:lumMod val="75000"/>
@@ -5433,7 +5358,7 @@
               <a:t>나의 </a:t>
             </a:r>
             <a:r>
-              <a:rPr lang="ko-KR" altLang="en-US" b="1" dirty="0" err="1" smtClean="0">
+              <a:rPr lang="ko-KR" altLang="en-US" b="1" dirty="0" err="1">
                 <a:solidFill>
                   <a:schemeClr val="tx1">
                     <a:lumMod val="75000"/>
@@ -5446,7 +5371,7 @@
               <a:t>펀딩</a:t>
             </a:r>
             <a:r>
-              <a:rPr lang="en-US" altLang="ko-KR" b="1" dirty="0" smtClean="0">
+              <a:rPr lang="en-US" altLang="ko-KR" b="1" dirty="0">
                 <a:solidFill>
                   <a:schemeClr val="tx1">
                     <a:lumMod val="75000"/>
@@ -5459,7 +5384,7 @@
               <a:t>, </a:t>
             </a:r>
             <a:r>
-              <a:rPr lang="ko-KR" altLang="en-US" b="1" dirty="0" smtClean="0">
+              <a:rPr lang="ko-KR" altLang="en-US" b="1" dirty="0">
                 <a:solidFill>
                   <a:schemeClr val="tx1">
                     <a:lumMod val="75000"/>
@@ -5471,16 +5396,6 @@
               </a:rPr>
               <a:t>주문조회</a:t>
             </a:r>
-            <a:endParaRPr lang="ko-KR" altLang="en-US" b="1" dirty="0">
-              <a:solidFill>
-                <a:schemeClr val="tx1">
-                  <a:lumMod val="75000"/>
-                  <a:lumOff val="25000"/>
-                </a:schemeClr>
-              </a:solidFill>
-              <a:latin typeface="+mj-ea"/>
-              <a:ea typeface="+mj-ea"/>
-            </a:endParaRPr>
           </a:p>
         </p:txBody>
       </p:sp>
@@ -5507,7 +5422,13 @@
             <a:tbl>
               <a:tblPr firstRow="1" bandRow="1"/>
               <a:tblGrid>
-                <a:gridCol w="2688299"/>
+                <a:gridCol w="2688299">
+                  <a:extLst>
+                    <a:ext uri="{9D8B030D-6E8A-4147-A177-3AD203B41FA5}">
+                      <a16:colId xmlns:a16="http://schemas.microsoft.com/office/drawing/2014/main" val="20000"/>
+                    </a:ext>
+                  </a:extLst>
+                </a:gridCol>
               </a:tblGrid>
               <a:tr h="424495">
                 <a:tc>
@@ -5517,7 +5438,7 @@
                     <a:p>
                       <a:pPr algn="ctr" latinLnBrk="1"/>
                       <a:r>
-                        <a:rPr lang="ko-KR" altLang="en-US" sz="1200" b="1" dirty="0" smtClean="0">
+                        <a:rPr lang="ko-KR" altLang="en-US" sz="1200" b="1" dirty="0">
                           <a:solidFill>
                             <a:schemeClr val="tx1"/>
                           </a:solidFill>
@@ -5526,13 +5447,6 @@
                         </a:rPr>
                         <a:t>화면코드</a:t>
                       </a:r>
-                      <a:endParaRPr lang="ko-KR" altLang="en-US" sz="1200" b="1" dirty="0">
-                        <a:solidFill>
-                          <a:schemeClr val="tx1"/>
-                        </a:solidFill>
-                        <a:latin typeface="+mj-ea"/>
-                        <a:ea typeface="+mj-ea"/>
-                      </a:endParaRPr>
                     </a:p>
                   </a:txBody>
                   <a:tcPr marL="121920" marR="121920" marT="60960" marB="60960" anchor="ctr">
@@ -5541,6 +5455,11 @@
                     </a:solidFill>
                   </a:tcPr>
                 </a:tc>
+                <a:extLst>
+                  <a:ext uri="{0D108BD9-81ED-4DB2-BD59-A6C34878D82A}">
+                    <a16:rowId xmlns:a16="http://schemas.microsoft.com/office/drawing/2014/main" val="10000"/>
+                  </a:ext>
+                </a:extLst>
               </a:tr>
               <a:tr h="490571">
                 <a:tc>
@@ -5550,7 +5469,7 @@
                     <a:p>
                       <a:pPr algn="ctr" latinLnBrk="1"/>
                       <a:r>
-                        <a:rPr lang="en-US" altLang="ko-KR" sz="1500" dirty="0" err="1" smtClean="0">
+                        <a:rPr lang="en-US" altLang="ko-KR" sz="1500" dirty="0" err="1">
                           <a:latin typeface="+mj-ea"/>
                           <a:ea typeface="+mj-ea"/>
                         </a:rPr>
@@ -5564,6 +5483,11 @@
                   </a:txBody>
                   <a:tcPr marL="121920" marR="121920" marT="60960" marB="60960" anchor="ctr"/>
                 </a:tc>
+                <a:extLst>
+                  <a:ext uri="{0D108BD9-81ED-4DB2-BD59-A6C34878D82A}">
+                    <a16:rowId xmlns:a16="http://schemas.microsoft.com/office/drawing/2014/main" val="10001"/>
+                  </a:ext>
+                </a:extLst>
               </a:tr>
             </a:tbl>
           </a:graphicData>
@@ -5592,8 +5516,20 @@
             <a:tbl>
               <a:tblPr firstRow="1" bandRow="1"/>
               <a:tblGrid>
-                <a:gridCol w="280507"/>
-                <a:gridCol w="2407792"/>
+                <a:gridCol w="280507">
+                  <a:extLst>
+                    <a:ext uri="{9D8B030D-6E8A-4147-A177-3AD203B41FA5}">
+                      <a16:colId xmlns:a16="http://schemas.microsoft.com/office/drawing/2014/main" val="20000"/>
+                    </a:ext>
+                  </a:extLst>
+                </a:gridCol>
+                <a:gridCol w="2407792">
+                  <a:extLst>
+                    <a:ext uri="{9D8B030D-6E8A-4147-A177-3AD203B41FA5}">
+                      <a16:colId xmlns:a16="http://schemas.microsoft.com/office/drawing/2014/main" val="20001"/>
+                    </a:ext>
+                  </a:extLst>
+                </a:gridCol>
               </a:tblGrid>
               <a:tr h="469796">
                 <a:tc>
@@ -5607,7 +5543,7 @@
                         </a:lnSpc>
                       </a:pPr>
                       <a:r>
-                        <a:rPr lang="en-US" altLang="ko-KR" sz="1200" b="1" dirty="0" smtClean="0">
+                        <a:rPr lang="en-US" altLang="ko-KR" sz="1200" b="1" dirty="0">
                           <a:latin typeface="+mj-ea"/>
                           <a:ea typeface="+mj-ea"/>
                         </a:rPr>
@@ -5636,16 +5572,12 @@
                         </a:lnSpc>
                       </a:pPr>
                       <a:r>
-                        <a:rPr lang="ko-KR" altLang="en-US" sz="1200" b="1" dirty="0" smtClean="0">
+                        <a:rPr lang="ko-KR" altLang="en-US" sz="1200" b="1" dirty="0">
                           <a:latin typeface="+mj-ea"/>
                           <a:ea typeface="+mj-ea"/>
                         </a:rPr>
                         <a:t>기능</a:t>
                       </a:r>
-                      <a:endParaRPr lang="ko-KR" altLang="en-US" sz="1200" b="1" dirty="0">
-                        <a:latin typeface="+mj-ea"/>
-                        <a:ea typeface="+mj-ea"/>
-                      </a:endParaRPr>
                     </a:p>
                   </a:txBody>
                   <a:tcPr marL="121920" marR="121920" marT="60960" marB="60960" anchor="ctr">
@@ -5654,6 +5586,11 @@
                     </a:solidFill>
                   </a:tcPr>
                 </a:tc>
+                <a:extLst>
+                  <a:ext uri="{0D108BD9-81ED-4DB2-BD59-A6C34878D82A}">
+                    <a16:rowId xmlns:a16="http://schemas.microsoft.com/office/drawing/2014/main" val="10000"/>
+                  </a:ext>
+                </a:extLst>
               </a:tr>
               <a:tr h="620107">
                 <a:tc>
@@ -5667,7 +5604,7 @@
                         </a:lnSpc>
                       </a:pPr>
                       <a:r>
-                        <a:rPr lang="en-US" altLang="ko-KR" sz="1300" dirty="0" smtClean="0">
+                        <a:rPr lang="en-US" altLang="ko-KR" sz="1300" dirty="0">
                           <a:latin typeface="+mj-ea"/>
                           <a:ea typeface="+mj-ea"/>
                         </a:rPr>
@@ -5692,27 +5629,27 @@
                         </a:lnSpc>
                       </a:pPr>
                       <a:r>
-                        <a:rPr lang="ko-KR" altLang="en-US" sz="1200" b="1" dirty="0" err="1" smtClean="0">
+                        <a:rPr lang="ko-KR" altLang="en-US" sz="1200" b="1" dirty="0" err="1">
                           <a:latin typeface="+mj-ea"/>
                           <a:ea typeface="+mj-ea"/>
                         </a:rPr>
                         <a:t>펀딩</a:t>
                       </a:r>
                       <a:r>
-                        <a:rPr lang="en-US" altLang="ko-KR" sz="1200" b="1" dirty="0" smtClean="0">
+                        <a:rPr lang="en-US" altLang="ko-KR" sz="1200" b="1" dirty="0">
                           <a:latin typeface="+mj-ea"/>
                           <a:ea typeface="+mj-ea"/>
                         </a:rPr>
                         <a:t>/</a:t>
                       </a:r>
                       <a:r>
-                        <a:rPr lang="ko-KR" altLang="en-US" sz="1200" b="1" dirty="0" smtClean="0">
+                        <a:rPr lang="ko-KR" altLang="en-US" sz="1200" b="1" dirty="0">
                           <a:latin typeface="+mj-ea"/>
                           <a:ea typeface="+mj-ea"/>
                         </a:rPr>
                         <a:t>주문 횟수</a:t>
                       </a:r>
-                      <a:endParaRPr lang="en-US" altLang="ko-KR" sz="1200" b="1" dirty="0" smtClean="0">
+                      <a:endParaRPr lang="en-US" altLang="ko-KR" sz="1200" b="1" dirty="0">
                         <a:latin typeface="+mj-ea"/>
                         <a:ea typeface="+mj-ea"/>
                       </a:endParaRPr>
@@ -5724,27 +5661,28 @@
                         </a:lnSpc>
                       </a:pPr>
                       <a:r>
-                        <a:rPr lang="en-US" altLang="ko-KR" sz="1200" dirty="0" smtClean="0">
+                        <a:rPr lang="en-US" altLang="ko-KR" sz="1200" dirty="0">
                           <a:latin typeface="+mj-ea"/>
                           <a:ea typeface="+mj-ea"/>
                         </a:rPr>
                         <a:t>- </a:t>
                       </a:r>
                       <a:r>
-                        <a:rPr lang="ko-KR" altLang="en-US" sz="1200" dirty="0" smtClean="0">
+                        <a:rPr lang="ko-KR" altLang="en-US" sz="1200" dirty="0">
                           <a:latin typeface="+mj-ea"/>
                           <a:ea typeface="+mj-ea"/>
                         </a:rPr>
                         <a:t>최초 가입이래 총 횟수 표시</a:t>
                       </a:r>
-                      <a:endParaRPr lang="ko-KR" altLang="en-US" sz="1200" dirty="0">
-                        <a:latin typeface="+mj-ea"/>
-                        <a:ea typeface="+mj-ea"/>
-                      </a:endParaRPr>
                     </a:p>
                   </a:txBody>
                   <a:tcPr marL="121920" marR="121920" marT="60960" marB="60960"/>
                 </a:tc>
+                <a:extLst>
+                  <a:ext uri="{0D108BD9-81ED-4DB2-BD59-A6C34878D82A}">
+                    <a16:rowId xmlns:a16="http://schemas.microsoft.com/office/drawing/2014/main" val="10001"/>
+                  </a:ext>
+                </a:extLst>
               </a:tr>
               <a:tr h="620107">
                 <a:tc>
@@ -5758,7 +5696,7 @@
                         </a:lnSpc>
                       </a:pPr>
                       <a:r>
-                        <a:rPr lang="en-US" altLang="ko-KR" sz="1300" dirty="0" smtClean="0">
+                        <a:rPr lang="en-US" altLang="ko-KR" sz="1300" dirty="0">
                           <a:latin typeface="+mj-ea"/>
                           <a:ea typeface="+mj-ea"/>
                         </a:rPr>
@@ -5783,7 +5721,7 @@
                         </a:lnSpc>
                       </a:pPr>
                       <a:r>
-                        <a:rPr lang="ko-KR" altLang="en-US" sz="1200" b="1" i="0" u="none" strike="noStrike" cap="none" dirty="0" smtClean="0">
+                        <a:rPr lang="ko-KR" altLang="en-US" sz="1200" b="1" i="0" u="none" strike="noStrike" cap="none" dirty="0">
                           <a:solidFill>
                             <a:srgbClr val="000000"/>
                           </a:solidFill>
@@ -5794,7 +5732,7 @@
                         </a:rPr>
                         <a:t>프로필 이미지</a:t>
                       </a:r>
-                      <a:endParaRPr lang="en-US" altLang="ko-KR" sz="1200" b="1" i="0" u="none" strike="noStrike" cap="none" dirty="0" smtClean="0">
+                      <a:endParaRPr lang="en-US" altLang="ko-KR" sz="1200" b="1" i="0" u="none" strike="noStrike" cap="none" dirty="0">
                         <a:solidFill>
                           <a:srgbClr val="000000"/>
                         </a:solidFill>
@@ -5811,7 +5749,7 @@
                         </a:lnSpc>
                       </a:pPr>
                       <a:r>
-                        <a:rPr lang="en-US" altLang="ko-KR" sz="1200" b="0" i="0" u="none" strike="noStrike" cap="none" dirty="0" smtClean="0">
+                        <a:rPr lang="en-US" altLang="ko-KR" sz="1200" b="0" i="0" u="none" strike="noStrike" cap="none" dirty="0">
                           <a:solidFill>
                             <a:srgbClr val="000000"/>
                           </a:solidFill>
@@ -5823,7 +5761,7 @@
                         <a:t>- </a:t>
                       </a:r>
                       <a:r>
-                        <a:rPr lang="ko-KR" altLang="en-US" sz="1200" b="0" i="0" u="none" strike="noStrike" cap="none" dirty="0" err="1" smtClean="0">
+                        <a:rPr lang="ko-KR" altLang="en-US" sz="1200" b="0" i="0" u="none" strike="noStrike" cap="none" dirty="0" err="1">
                           <a:solidFill>
                             <a:srgbClr val="000000"/>
                           </a:solidFill>
@@ -5835,7 +5773,7 @@
                         <a:t>클릭시</a:t>
                       </a:r>
                       <a:r>
-                        <a:rPr lang="ko-KR" altLang="en-US" sz="1200" b="0" i="0" u="none" strike="noStrike" cap="none" dirty="0" smtClean="0">
+                        <a:rPr lang="ko-KR" altLang="en-US" sz="1200" b="0" i="0" u="none" strike="noStrike" cap="none" dirty="0">
                           <a:solidFill>
                             <a:srgbClr val="000000"/>
                           </a:solidFill>
@@ -5846,19 +5784,15 @@
                         </a:rPr>
                         <a:t> 확대 이미지 표시</a:t>
                       </a:r>
-                      <a:endParaRPr lang="ko-KR" altLang="en-US" sz="1200" b="0" i="0" u="none" strike="noStrike" cap="none" dirty="0" smtClean="0">
-                        <a:solidFill>
-                          <a:srgbClr val="000000"/>
-                        </a:solidFill>
-                        <a:latin typeface="+mj-ea"/>
-                        <a:ea typeface="+mj-ea"/>
-                        <a:cs typeface="Arial"/>
-                        <a:sym typeface="Arial"/>
-                      </a:endParaRPr>
                     </a:p>
                   </a:txBody>
                   <a:tcPr marL="121920" marR="121920" marT="60960" marB="60960"/>
                 </a:tc>
+                <a:extLst>
+                  <a:ext uri="{0D108BD9-81ED-4DB2-BD59-A6C34878D82A}">
+                    <a16:rowId xmlns:a16="http://schemas.microsoft.com/office/drawing/2014/main" val="10002"/>
+                  </a:ext>
+                </a:extLst>
               </a:tr>
               <a:tr h="620107">
                 <a:tc>
@@ -5872,7 +5806,7 @@
                         </a:lnSpc>
                       </a:pPr>
                       <a:r>
-                        <a:rPr lang="en-US" altLang="ko-KR" sz="1300" dirty="0" smtClean="0">
+                        <a:rPr lang="en-US" altLang="ko-KR" sz="1300" dirty="0">
                           <a:latin typeface="+mj-ea"/>
                           <a:ea typeface="+mj-ea"/>
                         </a:rPr>
@@ -5897,7 +5831,7 @@
                         </a:lnSpc>
                       </a:pPr>
                       <a:r>
-                        <a:rPr lang="ko-KR" altLang="en-US" sz="1200" b="1" i="0" u="none" strike="noStrike" kern="1200" cap="none" dirty="0" smtClean="0">
+                        <a:rPr lang="ko-KR" altLang="en-US" sz="1200" b="1" i="0" u="none" strike="noStrike" kern="1200" cap="none" dirty="0">
                           <a:solidFill>
                             <a:srgbClr val="000000"/>
                           </a:solidFill>
@@ -5909,7 +5843,7 @@
                         <a:t>프로필 편집 </a:t>
                       </a:r>
                       <a:r>
-                        <a:rPr lang="en-US" altLang="ko-KR" sz="1200" b="1" i="0" u="none" strike="noStrike" kern="1200" cap="none" dirty="0" smtClean="0">
+                        <a:rPr lang="en-US" altLang="ko-KR" sz="1200" b="1" i="0" u="none" strike="noStrike" kern="1200" cap="none" dirty="0">
                           <a:solidFill>
                             <a:srgbClr val="000000"/>
                           </a:solidFill>
@@ -5921,7 +5855,7 @@
                         <a:t>(</a:t>
                       </a:r>
                       <a:r>
-                        <a:rPr lang="ko-KR" altLang="en-US" sz="1200" b="1" i="0" u="none" strike="noStrike" kern="1200" cap="none" dirty="0" smtClean="0">
+                        <a:rPr lang="ko-KR" altLang="en-US" sz="1200" b="1" i="0" u="none" strike="noStrike" kern="1200" cap="none" dirty="0">
                           <a:solidFill>
                             <a:srgbClr val="000000"/>
                           </a:solidFill>
@@ -5933,7 +5867,7 @@
                         <a:t>버튼</a:t>
                       </a:r>
                       <a:r>
-                        <a:rPr lang="en-US" altLang="ko-KR" sz="1200" b="1" i="0" u="none" strike="noStrike" kern="1200" cap="none" dirty="0" smtClean="0">
+                        <a:rPr lang="en-US" altLang="ko-KR" sz="1200" b="1" i="0" u="none" strike="noStrike" kern="1200" cap="none" dirty="0">
                           <a:solidFill>
                             <a:srgbClr val="000000"/>
                           </a:solidFill>
@@ -5952,7 +5886,7 @@
                         </a:lnSpc>
                       </a:pPr>
                       <a:r>
-                        <a:rPr lang="en-US" altLang="ko-KR" sz="1200" b="0" i="0" u="none" strike="noStrike" kern="1200" cap="none" dirty="0" smtClean="0">
+                        <a:rPr lang="en-US" altLang="ko-KR" sz="1200" b="0" i="0" u="none" strike="noStrike" kern="1200" cap="none" dirty="0">
                           <a:solidFill>
                             <a:srgbClr val="000000"/>
                           </a:solidFill>
@@ -5964,7 +5898,7 @@
                         <a:t>- </a:t>
                       </a:r>
                       <a:r>
-                        <a:rPr lang="ko-KR" altLang="en-US" sz="1200" b="0" i="0" u="none" strike="noStrike" kern="1200" cap="none" dirty="0" smtClean="0">
+                        <a:rPr lang="ko-KR" altLang="en-US" sz="1200" b="0" i="0" u="none" strike="noStrike" kern="1200" cap="none" dirty="0">
                           <a:solidFill>
                             <a:srgbClr val="000000"/>
                           </a:solidFill>
@@ -5979,6 +5913,11 @@
                   </a:txBody>
                   <a:tcPr marL="121920" marR="121920" marT="60960" marB="60960"/>
                 </a:tc>
+                <a:extLst>
+                  <a:ext uri="{0D108BD9-81ED-4DB2-BD59-A6C34878D82A}">
+                    <a16:rowId xmlns:a16="http://schemas.microsoft.com/office/drawing/2014/main" val="10003"/>
+                  </a:ext>
+                </a:extLst>
               </a:tr>
               <a:tr h="620107">
                 <a:tc>
@@ -5992,7 +5931,7 @@
                         </a:lnSpc>
                       </a:pPr>
                       <a:r>
-                        <a:rPr lang="en-US" altLang="ko-KR" sz="1300" dirty="0" smtClean="0">
+                        <a:rPr lang="en-US" altLang="ko-KR" sz="1300" dirty="0">
                           <a:latin typeface="+mj-ea"/>
                           <a:ea typeface="+mj-ea"/>
                         </a:rPr>
@@ -6017,7 +5956,7 @@
                         </a:lnSpc>
                       </a:pPr>
                       <a:r>
-                        <a:rPr lang="ko-KR" altLang="en-US" sz="1200" b="1" i="0" u="none" strike="noStrike" kern="1200" cap="none" dirty="0" smtClean="0">
+                        <a:rPr lang="ko-KR" altLang="en-US" sz="1200" b="1" i="0" u="none" strike="noStrike" kern="1200" cap="none" dirty="0">
                           <a:solidFill>
                             <a:srgbClr val="000000"/>
                           </a:solidFill>
@@ -6029,7 +5968,7 @@
                         <a:t>내역조회 </a:t>
                       </a:r>
                       <a:r>
-                        <a:rPr lang="en-US" altLang="ko-KR" sz="1200" b="1" i="0" u="none" strike="noStrike" kern="1200" cap="none" dirty="0" smtClean="0">
+                        <a:rPr lang="en-US" altLang="ko-KR" sz="1200" b="1" i="0" u="none" strike="noStrike" kern="1200" cap="none" dirty="0">
                           <a:solidFill>
                             <a:srgbClr val="000000"/>
                           </a:solidFill>
@@ -6041,7 +5980,7 @@
                         <a:t>(</a:t>
                       </a:r>
                       <a:r>
-                        <a:rPr lang="ko-KR" altLang="en-US" sz="1200" b="1" i="0" u="none" strike="noStrike" kern="1200" cap="none" dirty="0" smtClean="0">
+                        <a:rPr lang="ko-KR" altLang="en-US" sz="1200" b="1" i="0" u="none" strike="noStrike" kern="1200" cap="none" dirty="0">
                           <a:solidFill>
                             <a:srgbClr val="000000"/>
                           </a:solidFill>
@@ -6053,7 +5992,7 @@
                         <a:t>탭</a:t>
                       </a:r>
                       <a:r>
-                        <a:rPr lang="en-US" altLang="ko-KR" sz="1200" b="1" i="0" u="none" strike="noStrike" kern="1200" cap="none" dirty="0" smtClean="0">
+                        <a:rPr lang="en-US" altLang="ko-KR" sz="1200" b="1" i="0" u="none" strike="noStrike" kern="1200" cap="none" dirty="0">
                           <a:solidFill>
                             <a:srgbClr val="000000"/>
                           </a:solidFill>
@@ -6072,7 +6011,7 @@
                         </a:lnSpc>
                       </a:pPr>
                       <a:r>
-                        <a:rPr lang="en-US" altLang="ko-KR" sz="1200" b="0" i="0" u="none" strike="noStrike" kern="1200" cap="none" dirty="0" smtClean="0">
+                        <a:rPr lang="en-US" altLang="ko-KR" sz="1200" b="0" i="0" u="none" strike="noStrike" kern="1200" cap="none" dirty="0">
                           <a:solidFill>
                             <a:srgbClr val="000000"/>
                           </a:solidFill>
@@ -6084,7 +6023,7 @@
                         <a:t>-</a:t>
                       </a:r>
                       <a:r>
-                        <a:rPr lang="en-US" altLang="ko-KR" sz="1200" b="0" i="0" u="none" strike="noStrike" kern="1200" cap="none" baseline="0" dirty="0" smtClean="0">
+                        <a:rPr lang="en-US" altLang="ko-KR" sz="1200" b="0" i="0" u="none" strike="noStrike" kern="1200" cap="none" baseline="0" dirty="0">
                           <a:solidFill>
                             <a:srgbClr val="000000"/>
                           </a:solidFill>
@@ -6096,7 +6035,7 @@
                         <a:t> </a:t>
                       </a:r>
                       <a:r>
-                        <a:rPr lang="ko-KR" altLang="en-US" sz="1200" b="0" i="0" u="none" strike="noStrike" kern="1200" cap="none" baseline="0" dirty="0" smtClean="0">
+                        <a:rPr lang="ko-KR" altLang="en-US" sz="1200" b="0" i="0" u="none" strike="noStrike" kern="1200" cap="none" baseline="0" dirty="0">
                           <a:solidFill>
                             <a:srgbClr val="000000"/>
                           </a:solidFill>
@@ -6107,7 +6046,7 @@
                         </a:rPr>
                         <a:t>내역이 없을 때는 빈 화면 으로 표시</a:t>
                       </a:r>
-                      <a:endParaRPr lang="ko-KR" altLang="en-US" sz="1200" b="0" i="0" u="none" strike="noStrike" kern="1200" cap="none" dirty="0" smtClean="0">
+                      <a:endParaRPr lang="ko-KR" altLang="en-US" sz="1200" b="0" i="0" u="none" strike="noStrike" kern="1200" cap="none" dirty="0">
                         <a:solidFill>
                           <a:srgbClr val="000000"/>
                         </a:solidFill>
@@ -6120,6 +6059,11 @@
                   </a:txBody>
                   <a:tcPr marL="121920" marR="121920" marT="60960" marB="60960"/>
                 </a:tc>
+                <a:extLst>
+                  <a:ext uri="{0D108BD9-81ED-4DB2-BD59-A6C34878D82A}">
+                    <a16:rowId xmlns:a16="http://schemas.microsoft.com/office/drawing/2014/main" val="10004"/>
+                  </a:ext>
+                </a:extLst>
               </a:tr>
             </a:tbl>
           </a:graphicData>
@@ -6168,7 +6112,7 @@
           <a:p>
             <a:pPr algn="ctr"/>
             <a:r>
-              <a:rPr lang="en-US" altLang="ko-KR" sz="1400" b="1" dirty="0" smtClean="0">
+              <a:rPr lang="en-US" altLang="ko-KR" sz="1400" b="1" dirty="0">
                 <a:solidFill>
                   <a:schemeClr val="bg1"/>
                 </a:solidFill>
@@ -6226,7 +6170,7 @@
           <a:p>
             <a:pPr algn="ctr"/>
             <a:r>
-              <a:rPr lang="en-US" altLang="ko-KR" sz="1400" b="1" dirty="0" smtClean="0">
+              <a:rPr lang="en-US" altLang="ko-KR" sz="1400" b="1" dirty="0">
                 <a:solidFill>
                   <a:schemeClr val="bg1"/>
                 </a:solidFill>
@@ -6284,7 +6228,7 @@
           <a:p>
             <a:pPr algn="ctr"/>
             <a:r>
-              <a:rPr lang="en-US" altLang="ko-KR" sz="1400" b="1" dirty="0" smtClean="0">
+              <a:rPr lang="en-US" altLang="ko-KR" sz="1400" b="1" dirty="0">
                 <a:solidFill>
                   <a:schemeClr val="bg1"/>
                 </a:solidFill>
@@ -6342,7 +6286,7 @@
           <a:p>
             <a:pPr algn="ctr"/>
             <a:r>
-              <a:rPr lang="en-US" altLang="ko-KR" sz="1400" b="1" dirty="0" smtClean="0">
+              <a:rPr lang="en-US" altLang="ko-KR" sz="1400" b="1" dirty="0">
                 <a:solidFill>
                   <a:schemeClr val="bg1"/>
                 </a:solidFill>
@@ -6596,7 +6540,7 @@
           <a:p>
             <a:pPr algn="ctr"/>
             <a:r>
-              <a:rPr lang="en-US" altLang="ko-KR" sz="1300" b="1" dirty="0" smtClean="0">
+              <a:rPr lang="en-US" altLang="ko-KR" sz="1300" b="1" dirty="0">
                 <a:solidFill>
                   <a:schemeClr val="bg1"/>
                 </a:solidFill>
@@ -6654,7 +6598,7 @@
           <a:p>
             <a:pPr algn="ctr"/>
             <a:r>
-              <a:rPr lang="en-US" altLang="ko-KR" sz="1300" b="1" dirty="0" smtClean="0">
+              <a:rPr lang="en-US" altLang="ko-KR" sz="1300" b="1" dirty="0">
                 <a:solidFill>
                   <a:schemeClr val="bg1"/>
                 </a:solidFill>
@@ -6712,7 +6656,7 @@
           <a:p>
             <a:pPr algn="ctr"/>
             <a:r>
-              <a:rPr lang="en-US" altLang="ko-KR" sz="1300" b="1" dirty="0" smtClean="0">
+              <a:rPr lang="en-US" altLang="ko-KR" sz="1300" b="1" dirty="0">
                 <a:solidFill>
                   <a:schemeClr val="bg1"/>
                 </a:solidFill>
@@ -6801,13 +6745,6 @@
   <p:clrMapOvr>
     <a:masterClrMapping/>
   </p:clrMapOvr>
-  <p:timing>
-    <p:tnLst>
-      <p:par>
-        <p:cTn id="1" dur="indefinite" restart="never" nodeType="tmRoot"/>
-      </p:par>
-    </p:tnLst>
-  </p:timing>
 </p:sld>
 </file>
 
@@ -7710,23 +7647,10 @@
                 <a:latin typeface="+mj-ea"/>
                 <a:ea typeface="+mj-ea"/>
               </a:rPr>
-              <a:t>-</a:t>
+              <a:t>- </a:t>
             </a:r>
             <a:r>
-              <a:rPr lang="en-US" altLang="ko-KR" sz="2400" b="1" dirty="0" smtClean="0">
-                <a:solidFill>
-                  <a:schemeClr val="tx1">
-                    <a:lumMod val="75000"/>
-                    <a:lumOff val="25000"/>
-                  </a:schemeClr>
-                </a:solidFill>
-                <a:latin typeface="+mj-ea"/>
-                <a:ea typeface="+mj-ea"/>
-              </a:rPr>
-              <a:t> </a:t>
-            </a:r>
-            <a:r>
-              <a:rPr lang="ko-KR" altLang="en-US" sz="2400" b="1" dirty="0" err="1" smtClean="0">
+              <a:rPr lang="ko-KR" altLang="en-US" sz="2400" b="1" dirty="0" err="1">
                 <a:solidFill>
                   <a:schemeClr val="tx1">
                     <a:lumMod val="75000"/>
@@ -7739,7 +7663,7 @@
               <a:t>마이페이지</a:t>
             </a:r>
             <a:r>
-              <a:rPr lang="ko-KR" altLang="en-US" sz="2400" b="1" dirty="0" smtClean="0">
+              <a:rPr lang="ko-KR" altLang="en-US" sz="2400" b="1" dirty="0">
                 <a:solidFill>
                   <a:schemeClr val="tx1">
                     <a:lumMod val="75000"/>
@@ -7762,23 +7686,10 @@
                 <a:latin typeface="+mj-ea"/>
                 <a:ea typeface="+mj-ea"/>
               </a:rPr>
-              <a:t>-</a:t>
+              <a:t>- </a:t>
             </a:r>
             <a:r>
-              <a:rPr lang="en-US" altLang="ko-KR" sz="2400" b="1" dirty="0" smtClean="0">
-                <a:solidFill>
-                  <a:schemeClr val="tx1">
-                    <a:lumMod val="75000"/>
-                    <a:lumOff val="25000"/>
-                  </a:schemeClr>
-                </a:solidFill>
-                <a:latin typeface="+mj-ea"/>
-                <a:ea typeface="+mj-ea"/>
-              </a:rPr>
-              <a:t> </a:t>
-            </a:r>
-            <a:r>
-              <a:rPr lang="ko-KR" altLang="en-US" b="1" dirty="0" smtClean="0">
+              <a:rPr lang="ko-KR" altLang="en-US" b="1" dirty="0">
                 <a:solidFill>
                   <a:schemeClr val="tx1">
                     <a:lumMod val="75000"/>
@@ -7791,7 +7702,7 @@
               <a:t>관심프로젝트</a:t>
             </a:r>
             <a:r>
-              <a:rPr lang="en-US" altLang="ko-KR" b="1" dirty="0" smtClean="0">
+              <a:rPr lang="en-US" altLang="ko-KR" b="1" dirty="0">
                 <a:solidFill>
                   <a:schemeClr val="tx1">
                     <a:lumMod val="75000"/>
@@ -7804,7 +7715,7 @@
               <a:t>, </a:t>
             </a:r>
             <a:r>
-              <a:rPr lang="ko-KR" altLang="en-US" b="1" dirty="0" smtClean="0">
+              <a:rPr lang="ko-KR" altLang="en-US" b="1" dirty="0">
                 <a:solidFill>
                   <a:schemeClr val="tx1">
                     <a:lumMod val="75000"/>
@@ -7817,7 +7728,7 @@
               <a:t>나의 </a:t>
             </a:r>
             <a:r>
-              <a:rPr lang="ko-KR" altLang="en-US" b="1" dirty="0" err="1" smtClean="0">
+              <a:rPr lang="ko-KR" altLang="en-US" b="1" dirty="0" err="1">
                 <a:solidFill>
                   <a:schemeClr val="tx1">
                     <a:lumMod val="75000"/>
@@ -7830,7 +7741,7 @@
               <a:t>펀딩</a:t>
             </a:r>
             <a:r>
-              <a:rPr lang="en-US" altLang="ko-KR" b="1" dirty="0" smtClean="0">
+              <a:rPr lang="en-US" altLang="ko-KR" b="1" dirty="0">
                 <a:solidFill>
                   <a:schemeClr val="tx1">
                     <a:lumMod val="75000"/>
@@ -7843,7 +7754,7 @@
               <a:t>, </a:t>
             </a:r>
             <a:r>
-              <a:rPr lang="ko-KR" altLang="en-US" b="1" dirty="0" smtClean="0">
+              <a:rPr lang="ko-KR" altLang="en-US" b="1" dirty="0">
                 <a:solidFill>
                   <a:schemeClr val="tx1">
                     <a:lumMod val="75000"/>
@@ -7855,16 +7766,6 @@
               </a:rPr>
               <a:t>주문조회</a:t>
             </a:r>
-            <a:endParaRPr lang="ko-KR" altLang="en-US" b="1" dirty="0">
-              <a:solidFill>
-                <a:schemeClr val="tx1">
-                  <a:lumMod val="75000"/>
-                  <a:lumOff val="25000"/>
-                </a:schemeClr>
-              </a:solidFill>
-              <a:latin typeface="+mj-ea"/>
-              <a:ea typeface="+mj-ea"/>
-            </a:endParaRPr>
           </a:p>
         </p:txBody>
       </p:sp>
@@ -7891,7 +7792,13 @@
             <a:tbl>
               <a:tblPr firstRow="1" bandRow="1"/>
               <a:tblGrid>
-                <a:gridCol w="2688299"/>
+                <a:gridCol w="2688299">
+                  <a:extLst>
+                    <a:ext uri="{9D8B030D-6E8A-4147-A177-3AD203B41FA5}">
+                      <a16:colId xmlns:a16="http://schemas.microsoft.com/office/drawing/2014/main" val="20000"/>
+                    </a:ext>
+                  </a:extLst>
+                </a:gridCol>
               </a:tblGrid>
               <a:tr h="424495">
                 <a:tc>
@@ -7901,7 +7808,7 @@
                     <a:p>
                       <a:pPr algn="ctr" latinLnBrk="1"/>
                       <a:r>
-                        <a:rPr lang="ko-KR" altLang="en-US" sz="1200" b="1" dirty="0" smtClean="0">
+                        <a:rPr lang="ko-KR" altLang="en-US" sz="1200" b="1" dirty="0">
                           <a:solidFill>
                             <a:schemeClr val="tx1"/>
                           </a:solidFill>
@@ -7910,13 +7817,6 @@
                         </a:rPr>
                         <a:t>화면코드</a:t>
                       </a:r>
-                      <a:endParaRPr lang="ko-KR" altLang="en-US" sz="1200" b="1" dirty="0">
-                        <a:solidFill>
-                          <a:schemeClr val="tx1"/>
-                        </a:solidFill>
-                        <a:latin typeface="+mj-ea"/>
-                        <a:ea typeface="+mj-ea"/>
-                      </a:endParaRPr>
                     </a:p>
                   </a:txBody>
                   <a:tcPr marL="121920" marR="121920" marT="60960" marB="60960" anchor="ctr">
@@ -7925,6 +7825,11 @@
                     </a:solidFill>
                   </a:tcPr>
                 </a:tc>
+                <a:extLst>
+                  <a:ext uri="{0D108BD9-81ED-4DB2-BD59-A6C34878D82A}">
+                    <a16:rowId xmlns:a16="http://schemas.microsoft.com/office/drawing/2014/main" val="10000"/>
+                  </a:ext>
+                </a:extLst>
               </a:tr>
               <a:tr h="490571">
                 <a:tc>
@@ -7934,7 +7839,7 @@
                     <a:p>
                       <a:pPr algn="ctr" latinLnBrk="1"/>
                       <a:r>
-                        <a:rPr lang="en-US" altLang="ko-KR" sz="1500" dirty="0" err="1" smtClean="0">
+                        <a:rPr lang="en-US" altLang="ko-KR" sz="1500" dirty="0" err="1">
                           <a:latin typeface="+mj-ea"/>
                           <a:ea typeface="+mj-ea"/>
                         </a:rPr>
@@ -7948,6 +7853,11 @@
                   </a:txBody>
                   <a:tcPr marL="121920" marR="121920" marT="60960" marB="60960" anchor="ctr"/>
                 </a:tc>
+                <a:extLst>
+                  <a:ext uri="{0D108BD9-81ED-4DB2-BD59-A6C34878D82A}">
+                    <a16:rowId xmlns:a16="http://schemas.microsoft.com/office/drawing/2014/main" val="10001"/>
+                  </a:ext>
+                </a:extLst>
               </a:tr>
             </a:tbl>
           </a:graphicData>
@@ -7976,8 +7886,20 @@
             <a:tbl>
               <a:tblPr firstRow="1" bandRow="1"/>
               <a:tblGrid>
-                <a:gridCol w="280507"/>
-                <a:gridCol w="2407792"/>
+                <a:gridCol w="280507">
+                  <a:extLst>
+                    <a:ext uri="{9D8B030D-6E8A-4147-A177-3AD203B41FA5}">
+                      <a16:colId xmlns:a16="http://schemas.microsoft.com/office/drawing/2014/main" val="20000"/>
+                    </a:ext>
+                  </a:extLst>
+                </a:gridCol>
+                <a:gridCol w="2407792">
+                  <a:extLst>
+                    <a:ext uri="{9D8B030D-6E8A-4147-A177-3AD203B41FA5}">
+                      <a16:colId xmlns:a16="http://schemas.microsoft.com/office/drawing/2014/main" val="20001"/>
+                    </a:ext>
+                  </a:extLst>
+                </a:gridCol>
               </a:tblGrid>
               <a:tr h="469796">
                 <a:tc>
@@ -7991,7 +7913,7 @@
                         </a:lnSpc>
                       </a:pPr>
                       <a:r>
-                        <a:rPr lang="en-US" altLang="ko-KR" sz="1200" b="1" dirty="0" smtClean="0">
+                        <a:rPr lang="en-US" altLang="ko-KR" sz="1200" b="1" dirty="0">
                           <a:latin typeface="+mj-ea"/>
                           <a:ea typeface="+mj-ea"/>
                         </a:rPr>
@@ -8020,16 +7942,12 @@
                         </a:lnSpc>
                       </a:pPr>
                       <a:r>
-                        <a:rPr lang="ko-KR" altLang="en-US" sz="1200" b="1" dirty="0" smtClean="0">
+                        <a:rPr lang="ko-KR" altLang="en-US" sz="1200" b="1" dirty="0">
                           <a:latin typeface="+mj-ea"/>
                           <a:ea typeface="+mj-ea"/>
                         </a:rPr>
                         <a:t>기능</a:t>
                       </a:r>
-                      <a:endParaRPr lang="ko-KR" altLang="en-US" sz="1200" b="1" dirty="0">
-                        <a:latin typeface="+mj-ea"/>
-                        <a:ea typeface="+mj-ea"/>
-                      </a:endParaRPr>
                     </a:p>
                   </a:txBody>
                   <a:tcPr marL="121920" marR="121920" marT="60960" marB="60960" anchor="ctr">
@@ -8038,6 +7956,11 @@
                     </a:solidFill>
                   </a:tcPr>
                 </a:tc>
+                <a:extLst>
+                  <a:ext uri="{0D108BD9-81ED-4DB2-BD59-A6C34878D82A}">
+                    <a16:rowId xmlns:a16="http://schemas.microsoft.com/office/drawing/2014/main" val="10000"/>
+                  </a:ext>
+                </a:extLst>
               </a:tr>
               <a:tr h="620107">
                 <a:tc>
@@ -8051,7 +7974,7 @@
                         </a:lnSpc>
                       </a:pPr>
                       <a:r>
-                        <a:rPr lang="en-US" altLang="ko-KR" sz="1300" dirty="0" smtClean="0">
+                        <a:rPr lang="en-US" altLang="ko-KR" sz="1300" dirty="0">
                           <a:latin typeface="+mj-ea"/>
                           <a:ea typeface="+mj-ea"/>
                         </a:rPr>
@@ -8076,27 +7999,27 @@
                         </a:lnSpc>
                       </a:pPr>
                       <a:r>
-                        <a:rPr lang="ko-KR" altLang="en-US" sz="1200" b="1" dirty="0" err="1" smtClean="0">
+                        <a:rPr lang="ko-KR" altLang="en-US" sz="1200" b="1" dirty="0" err="1">
                           <a:latin typeface="+mj-ea"/>
                           <a:ea typeface="+mj-ea"/>
                         </a:rPr>
                         <a:t>펀딩</a:t>
                       </a:r>
                       <a:r>
-                        <a:rPr lang="en-US" altLang="ko-KR" sz="1200" b="1" dirty="0" smtClean="0">
+                        <a:rPr lang="en-US" altLang="ko-KR" sz="1200" b="1" dirty="0">
                           <a:latin typeface="+mj-ea"/>
                           <a:ea typeface="+mj-ea"/>
                         </a:rPr>
                         <a:t>/</a:t>
                       </a:r>
                       <a:r>
-                        <a:rPr lang="ko-KR" altLang="en-US" sz="1200" b="1" dirty="0" smtClean="0">
+                        <a:rPr lang="ko-KR" altLang="en-US" sz="1200" b="1" dirty="0">
                           <a:latin typeface="+mj-ea"/>
                           <a:ea typeface="+mj-ea"/>
                         </a:rPr>
                         <a:t>주문 횟수</a:t>
                       </a:r>
-                      <a:endParaRPr lang="en-US" altLang="ko-KR" sz="1200" b="1" dirty="0" smtClean="0">
+                      <a:endParaRPr lang="en-US" altLang="ko-KR" sz="1200" b="1" dirty="0">
                         <a:latin typeface="+mj-ea"/>
                         <a:ea typeface="+mj-ea"/>
                       </a:endParaRPr>
@@ -8108,27 +8031,28 @@
                         </a:lnSpc>
                       </a:pPr>
                       <a:r>
-                        <a:rPr lang="en-US" altLang="ko-KR" sz="1200" dirty="0" smtClean="0">
+                        <a:rPr lang="en-US" altLang="ko-KR" sz="1200" dirty="0">
                           <a:latin typeface="+mj-ea"/>
                           <a:ea typeface="+mj-ea"/>
                         </a:rPr>
                         <a:t>- </a:t>
                       </a:r>
                       <a:r>
-                        <a:rPr lang="ko-KR" altLang="en-US" sz="1200" dirty="0" smtClean="0">
+                        <a:rPr lang="ko-KR" altLang="en-US" sz="1200" dirty="0">
                           <a:latin typeface="+mj-ea"/>
                           <a:ea typeface="+mj-ea"/>
                         </a:rPr>
                         <a:t>최초 가입이래 총 횟수 표시</a:t>
                       </a:r>
-                      <a:endParaRPr lang="ko-KR" altLang="en-US" sz="1200" dirty="0">
-                        <a:latin typeface="+mj-ea"/>
-                        <a:ea typeface="+mj-ea"/>
-                      </a:endParaRPr>
                     </a:p>
                   </a:txBody>
                   <a:tcPr marL="121920" marR="121920" marT="60960" marB="60960"/>
                 </a:tc>
+                <a:extLst>
+                  <a:ext uri="{0D108BD9-81ED-4DB2-BD59-A6C34878D82A}">
+                    <a16:rowId xmlns:a16="http://schemas.microsoft.com/office/drawing/2014/main" val="10001"/>
+                  </a:ext>
+                </a:extLst>
               </a:tr>
               <a:tr h="620107">
                 <a:tc>
@@ -8142,7 +8066,7 @@
                         </a:lnSpc>
                       </a:pPr>
                       <a:r>
-                        <a:rPr lang="en-US" altLang="ko-KR" sz="1300" dirty="0" smtClean="0">
+                        <a:rPr lang="en-US" altLang="ko-KR" sz="1300" dirty="0">
                           <a:latin typeface="+mj-ea"/>
                           <a:ea typeface="+mj-ea"/>
                         </a:rPr>
@@ -8167,7 +8091,7 @@
                         </a:lnSpc>
                       </a:pPr>
                       <a:r>
-                        <a:rPr lang="ko-KR" altLang="en-US" sz="1200" b="1" i="0" u="none" strike="noStrike" cap="none" dirty="0" smtClean="0">
+                        <a:rPr lang="ko-KR" altLang="en-US" sz="1200" b="1" i="0" u="none" strike="noStrike" cap="none" dirty="0">
                           <a:solidFill>
                             <a:srgbClr val="000000"/>
                           </a:solidFill>
@@ -8178,7 +8102,7 @@
                         </a:rPr>
                         <a:t>프로필 이미지</a:t>
                       </a:r>
-                      <a:endParaRPr lang="en-US" altLang="ko-KR" sz="1200" b="1" i="0" u="none" strike="noStrike" cap="none" dirty="0" smtClean="0">
+                      <a:endParaRPr lang="en-US" altLang="ko-KR" sz="1200" b="1" i="0" u="none" strike="noStrike" cap="none" dirty="0">
                         <a:solidFill>
                           <a:srgbClr val="000000"/>
                         </a:solidFill>
@@ -8195,7 +8119,7 @@
                         </a:lnSpc>
                       </a:pPr>
                       <a:r>
-                        <a:rPr lang="en-US" altLang="ko-KR" sz="1200" b="0" i="0" u="none" strike="noStrike" cap="none" dirty="0" smtClean="0">
+                        <a:rPr lang="en-US" altLang="ko-KR" sz="1200" b="0" i="0" u="none" strike="noStrike" cap="none" dirty="0">
                           <a:solidFill>
                             <a:srgbClr val="000000"/>
                           </a:solidFill>
@@ -8207,7 +8131,7 @@
                         <a:t>- </a:t>
                       </a:r>
                       <a:r>
-                        <a:rPr lang="ko-KR" altLang="en-US" sz="1200" b="0" i="0" u="none" strike="noStrike" cap="none" dirty="0" err="1" smtClean="0">
+                        <a:rPr lang="ko-KR" altLang="en-US" sz="1200" b="0" i="0" u="none" strike="noStrike" cap="none" dirty="0" err="1">
                           <a:solidFill>
                             <a:srgbClr val="000000"/>
                           </a:solidFill>
@@ -8219,7 +8143,7 @@
                         <a:t>클릭시</a:t>
                       </a:r>
                       <a:r>
-                        <a:rPr lang="ko-KR" altLang="en-US" sz="1200" b="0" i="0" u="none" strike="noStrike" cap="none" dirty="0" smtClean="0">
+                        <a:rPr lang="ko-KR" altLang="en-US" sz="1200" b="0" i="0" u="none" strike="noStrike" cap="none" dirty="0">
                           <a:solidFill>
                             <a:srgbClr val="000000"/>
                           </a:solidFill>
@@ -8230,19 +8154,15 @@
                         </a:rPr>
                         <a:t> 확대 이미지 표시</a:t>
                       </a:r>
-                      <a:endParaRPr lang="ko-KR" altLang="en-US" sz="1200" b="0" i="0" u="none" strike="noStrike" cap="none" dirty="0" smtClean="0">
-                        <a:solidFill>
-                          <a:srgbClr val="000000"/>
-                        </a:solidFill>
-                        <a:latin typeface="+mj-ea"/>
-                        <a:ea typeface="+mj-ea"/>
-                        <a:cs typeface="Arial"/>
-                        <a:sym typeface="Arial"/>
-                      </a:endParaRPr>
                     </a:p>
                   </a:txBody>
                   <a:tcPr marL="121920" marR="121920" marT="60960" marB="60960"/>
                 </a:tc>
+                <a:extLst>
+                  <a:ext uri="{0D108BD9-81ED-4DB2-BD59-A6C34878D82A}">
+                    <a16:rowId xmlns:a16="http://schemas.microsoft.com/office/drawing/2014/main" val="10002"/>
+                  </a:ext>
+                </a:extLst>
               </a:tr>
               <a:tr h="620107">
                 <a:tc>
@@ -8256,7 +8176,7 @@
                         </a:lnSpc>
                       </a:pPr>
                       <a:r>
-                        <a:rPr lang="en-US" altLang="ko-KR" sz="1300" dirty="0" smtClean="0">
+                        <a:rPr lang="en-US" altLang="ko-KR" sz="1300" dirty="0">
                           <a:latin typeface="+mj-ea"/>
                           <a:ea typeface="+mj-ea"/>
                         </a:rPr>
@@ -8281,7 +8201,7 @@
                         </a:lnSpc>
                       </a:pPr>
                       <a:r>
-                        <a:rPr lang="ko-KR" altLang="en-US" sz="1200" b="1" i="0" u="none" strike="noStrike" kern="1200" cap="none" dirty="0" smtClean="0">
+                        <a:rPr lang="ko-KR" altLang="en-US" sz="1200" b="1" i="0" u="none" strike="noStrike" kern="1200" cap="none" dirty="0">
                           <a:solidFill>
                             <a:srgbClr val="000000"/>
                           </a:solidFill>
@@ -8293,7 +8213,7 @@
                         <a:t>프로필 편집 </a:t>
                       </a:r>
                       <a:r>
-                        <a:rPr lang="en-US" altLang="ko-KR" sz="1200" b="1" i="0" u="none" strike="noStrike" kern="1200" cap="none" dirty="0" smtClean="0">
+                        <a:rPr lang="en-US" altLang="ko-KR" sz="1200" b="1" i="0" u="none" strike="noStrike" kern="1200" cap="none" dirty="0">
                           <a:solidFill>
                             <a:srgbClr val="000000"/>
                           </a:solidFill>
@@ -8305,7 +8225,7 @@
                         <a:t>(</a:t>
                       </a:r>
                       <a:r>
-                        <a:rPr lang="ko-KR" altLang="en-US" sz="1200" b="1" i="0" u="none" strike="noStrike" kern="1200" cap="none" dirty="0" smtClean="0">
+                        <a:rPr lang="ko-KR" altLang="en-US" sz="1200" b="1" i="0" u="none" strike="noStrike" kern="1200" cap="none" dirty="0">
                           <a:solidFill>
                             <a:srgbClr val="000000"/>
                           </a:solidFill>
@@ -8317,7 +8237,7 @@
                         <a:t>버튼</a:t>
                       </a:r>
                       <a:r>
-                        <a:rPr lang="en-US" altLang="ko-KR" sz="1200" b="1" i="0" u="none" strike="noStrike" kern="1200" cap="none" dirty="0" smtClean="0">
+                        <a:rPr lang="en-US" altLang="ko-KR" sz="1200" b="1" i="0" u="none" strike="noStrike" kern="1200" cap="none" dirty="0">
                           <a:solidFill>
                             <a:srgbClr val="000000"/>
                           </a:solidFill>
@@ -8336,7 +8256,7 @@
                         </a:lnSpc>
                       </a:pPr>
                       <a:r>
-                        <a:rPr lang="en-US" altLang="ko-KR" sz="1200" b="0" i="0" u="none" strike="noStrike" kern="1200" cap="none" dirty="0" smtClean="0">
+                        <a:rPr lang="en-US" altLang="ko-KR" sz="1200" b="0" i="0" u="none" strike="noStrike" kern="1200" cap="none" dirty="0">
                           <a:solidFill>
                             <a:srgbClr val="000000"/>
                           </a:solidFill>
@@ -8348,7 +8268,7 @@
                         <a:t>- </a:t>
                       </a:r>
                       <a:r>
-                        <a:rPr lang="ko-KR" altLang="en-US" sz="1200" b="0" i="0" u="none" strike="noStrike" kern="1200" cap="none" dirty="0" smtClean="0">
+                        <a:rPr lang="ko-KR" altLang="en-US" sz="1200" b="0" i="0" u="none" strike="noStrike" kern="1200" cap="none" dirty="0">
                           <a:solidFill>
                             <a:srgbClr val="000000"/>
                           </a:solidFill>
@@ -8363,6 +8283,11 @@
                   </a:txBody>
                   <a:tcPr marL="121920" marR="121920" marT="60960" marB="60960"/>
                 </a:tc>
+                <a:extLst>
+                  <a:ext uri="{0D108BD9-81ED-4DB2-BD59-A6C34878D82A}">
+                    <a16:rowId xmlns:a16="http://schemas.microsoft.com/office/drawing/2014/main" val="10003"/>
+                  </a:ext>
+                </a:extLst>
               </a:tr>
               <a:tr h="620107">
                 <a:tc>
@@ -8376,7 +8301,7 @@
                         </a:lnSpc>
                       </a:pPr>
                       <a:r>
-                        <a:rPr lang="en-US" altLang="ko-KR" sz="1300" dirty="0" smtClean="0">
+                        <a:rPr lang="en-US" altLang="ko-KR" sz="1300" dirty="0">
                           <a:latin typeface="+mj-ea"/>
                           <a:ea typeface="+mj-ea"/>
                         </a:rPr>
@@ -8401,7 +8326,7 @@
                         </a:lnSpc>
                       </a:pPr>
                       <a:r>
-                        <a:rPr lang="ko-KR" altLang="en-US" sz="1200" b="1" i="0" u="none" strike="noStrike" kern="1200" cap="none" dirty="0" smtClean="0">
+                        <a:rPr lang="ko-KR" altLang="en-US" sz="1200" b="1" i="0" u="none" strike="noStrike" kern="1200" cap="none" dirty="0">
                           <a:solidFill>
                             <a:srgbClr val="000000"/>
                           </a:solidFill>
@@ -8413,7 +8338,7 @@
                         <a:t>내역조회 </a:t>
                       </a:r>
                       <a:r>
-                        <a:rPr lang="en-US" altLang="ko-KR" sz="1200" b="1" i="0" u="none" strike="noStrike" kern="1200" cap="none" dirty="0" smtClean="0">
+                        <a:rPr lang="en-US" altLang="ko-KR" sz="1200" b="1" i="0" u="none" strike="noStrike" kern="1200" cap="none" dirty="0">
                           <a:solidFill>
                             <a:srgbClr val="000000"/>
                           </a:solidFill>
@@ -8425,7 +8350,7 @@
                         <a:t>(</a:t>
                       </a:r>
                       <a:r>
-                        <a:rPr lang="ko-KR" altLang="en-US" sz="1200" b="1" i="0" u="none" strike="noStrike" kern="1200" cap="none" dirty="0" smtClean="0">
+                        <a:rPr lang="ko-KR" altLang="en-US" sz="1200" b="1" i="0" u="none" strike="noStrike" kern="1200" cap="none" dirty="0">
                           <a:solidFill>
                             <a:srgbClr val="000000"/>
                           </a:solidFill>
@@ -8437,7 +8362,7 @@
                         <a:t>탭</a:t>
                       </a:r>
                       <a:r>
-                        <a:rPr lang="en-US" altLang="ko-KR" sz="1200" b="1" i="0" u="none" strike="noStrike" kern="1200" cap="none" dirty="0" smtClean="0">
+                        <a:rPr lang="en-US" altLang="ko-KR" sz="1200" b="1" i="0" u="none" strike="noStrike" kern="1200" cap="none" dirty="0">
                           <a:solidFill>
                             <a:srgbClr val="000000"/>
                           </a:solidFill>
@@ -8456,7 +8381,7 @@
                         </a:lnSpc>
                       </a:pPr>
                       <a:r>
-                        <a:rPr lang="en-US" altLang="ko-KR" sz="1200" b="0" i="0" u="none" strike="noStrike" kern="1200" cap="none" dirty="0" smtClean="0">
+                        <a:rPr lang="en-US" altLang="ko-KR" sz="1200" b="0" i="0" u="none" strike="noStrike" kern="1200" cap="none" dirty="0">
                           <a:solidFill>
                             <a:srgbClr val="000000"/>
                           </a:solidFill>
@@ -8468,7 +8393,7 @@
                         <a:t>-</a:t>
                       </a:r>
                       <a:r>
-                        <a:rPr lang="en-US" altLang="ko-KR" sz="1200" b="0" i="0" u="none" strike="noStrike" kern="1200" cap="none" baseline="0" dirty="0" smtClean="0">
+                        <a:rPr lang="en-US" altLang="ko-KR" sz="1200" b="0" i="0" u="none" strike="noStrike" kern="1200" cap="none" baseline="0" dirty="0">
                           <a:solidFill>
                             <a:srgbClr val="000000"/>
                           </a:solidFill>
@@ -8480,7 +8405,7 @@
                         <a:t> </a:t>
                       </a:r>
                       <a:r>
-                        <a:rPr lang="ko-KR" altLang="en-US" sz="1200" b="0" i="0" u="none" strike="noStrike" kern="1200" cap="none" baseline="0" dirty="0" smtClean="0">
+                        <a:rPr lang="ko-KR" altLang="en-US" sz="1200" b="0" i="0" u="none" strike="noStrike" kern="1200" cap="none" baseline="0" dirty="0">
                           <a:solidFill>
                             <a:srgbClr val="000000"/>
                           </a:solidFill>
@@ -8491,7 +8416,7 @@
                         </a:rPr>
                         <a:t>내역이 있을 때는 간략한 프로젝트 정보 표시</a:t>
                       </a:r>
-                      <a:endParaRPr lang="ko-KR" altLang="en-US" sz="1200" b="0" i="0" u="none" strike="noStrike" kern="1200" cap="none" dirty="0" smtClean="0">
+                      <a:endParaRPr lang="ko-KR" altLang="en-US" sz="1200" b="0" i="0" u="none" strike="noStrike" kern="1200" cap="none" dirty="0">
                         <a:solidFill>
                           <a:srgbClr val="000000"/>
                         </a:solidFill>
@@ -8504,6 +8429,11 @@
                   </a:txBody>
                   <a:tcPr marL="121920" marR="121920" marT="60960" marB="60960"/>
                 </a:tc>
+                <a:extLst>
+                  <a:ext uri="{0D108BD9-81ED-4DB2-BD59-A6C34878D82A}">
+                    <a16:rowId xmlns:a16="http://schemas.microsoft.com/office/drawing/2014/main" val="10004"/>
+                  </a:ext>
+                </a:extLst>
               </a:tr>
             </a:tbl>
           </a:graphicData>
@@ -8552,7 +8482,7 @@
           <a:p>
             <a:pPr algn="ctr"/>
             <a:r>
-              <a:rPr lang="en-US" altLang="ko-KR" sz="1400" b="1" dirty="0" smtClean="0">
+              <a:rPr lang="en-US" altLang="ko-KR" sz="1400" b="1" dirty="0">
                 <a:solidFill>
                   <a:schemeClr val="bg1"/>
                 </a:solidFill>
@@ -8610,7 +8540,7 @@
           <a:p>
             <a:pPr algn="ctr"/>
             <a:r>
-              <a:rPr lang="en-US" altLang="ko-KR" sz="1400" b="1" dirty="0" smtClean="0">
+              <a:rPr lang="en-US" altLang="ko-KR" sz="1400" b="1" dirty="0">
                 <a:solidFill>
                   <a:schemeClr val="bg1"/>
                 </a:solidFill>
@@ -8668,7 +8598,7 @@
           <a:p>
             <a:pPr algn="ctr"/>
             <a:r>
-              <a:rPr lang="en-US" altLang="ko-KR" sz="1400" b="1" dirty="0" smtClean="0">
+              <a:rPr lang="en-US" altLang="ko-KR" sz="1400" b="1" dirty="0">
                 <a:solidFill>
                   <a:schemeClr val="bg1"/>
                 </a:solidFill>
@@ -8726,7 +8656,7 @@
           <a:p>
             <a:pPr algn="ctr"/>
             <a:r>
-              <a:rPr lang="en-US" altLang="ko-KR" sz="1400" b="1" dirty="0" smtClean="0">
+              <a:rPr lang="en-US" altLang="ko-KR" sz="1400" b="1" dirty="0">
                 <a:solidFill>
                   <a:schemeClr val="bg1"/>
                 </a:solidFill>
@@ -8901,7 +8831,7 @@
           <a:p>
             <a:pPr algn="ctr"/>
             <a:r>
-              <a:rPr lang="en-US" altLang="ko-KR" sz="1300" b="1" dirty="0" smtClean="0">
+              <a:rPr lang="en-US" altLang="ko-KR" sz="1300" b="1" dirty="0">
                 <a:solidFill>
                   <a:schemeClr val="bg1"/>
                 </a:solidFill>
@@ -8959,7 +8889,7 @@
           <a:p>
             <a:pPr algn="ctr"/>
             <a:r>
-              <a:rPr lang="en-US" altLang="ko-KR" sz="1300" b="1" dirty="0" smtClean="0">
+              <a:rPr lang="en-US" altLang="ko-KR" sz="1300" b="1" dirty="0">
                 <a:solidFill>
                   <a:schemeClr val="bg1"/>
                 </a:solidFill>
@@ -9017,7 +8947,7 @@
           <a:p>
             <a:pPr algn="ctr"/>
             <a:r>
-              <a:rPr lang="en-US" altLang="ko-KR" sz="1300" b="1" dirty="0" smtClean="0">
+              <a:rPr lang="en-US" altLang="ko-KR" sz="1300" b="1" dirty="0">
                 <a:solidFill>
                   <a:schemeClr val="bg1"/>
                 </a:solidFill>
@@ -9298,13 +9228,6 @@
   <p:clrMapOvr>
     <a:masterClrMapping/>
   </p:clrMapOvr>
-  <p:timing>
-    <p:tnLst>
-      <p:par>
-        <p:cTn id="1" dur="indefinite" restart="never" nodeType="tmRoot"/>
-      </p:par>
-    </p:tnLst>
-  </p:timing>
 </p:sld>
 </file>
 
@@ -10197,7 +10120,7 @@
               <a:t>웹 </a:t>
             </a:r>
             <a:r>
-              <a:rPr lang="en-US" altLang="ko-KR" sz="2400" b="1" dirty="0" smtClean="0">
+              <a:rPr lang="en-US" altLang="ko-KR" sz="2400" b="1" dirty="0">
                 <a:solidFill>
                   <a:schemeClr val="tx1">
                     <a:lumMod val="75000"/>
@@ -10210,7 +10133,7 @@
               <a:t>– </a:t>
             </a:r>
             <a:r>
-              <a:rPr lang="ko-KR" altLang="en-US" sz="2400" b="1" dirty="0" err="1" smtClean="0">
+              <a:rPr lang="ko-KR" altLang="en-US" sz="2400" b="1" dirty="0" err="1">
                 <a:solidFill>
                   <a:schemeClr val="tx1">
                     <a:lumMod val="75000"/>
@@ -10223,7 +10146,7 @@
               <a:t>마이페이지</a:t>
             </a:r>
             <a:r>
-              <a:rPr lang="ko-KR" altLang="en-US" sz="2400" b="1" dirty="0" smtClean="0">
+              <a:rPr lang="ko-KR" altLang="en-US" sz="2400" b="1" dirty="0">
                 <a:solidFill>
                   <a:schemeClr val="tx1">
                     <a:lumMod val="75000"/>
@@ -10236,7 +10159,7 @@
               <a:t> </a:t>
             </a:r>
             <a:r>
-              <a:rPr lang="en-US" altLang="ko-KR" b="1" dirty="0" smtClean="0">
+              <a:rPr lang="en-US" altLang="ko-KR" b="1" dirty="0">
                 <a:solidFill>
                   <a:schemeClr val="tx1">
                     <a:lumMod val="75000"/>
@@ -10249,7 +10172,7 @@
               <a:t>- </a:t>
             </a:r>
             <a:r>
-              <a:rPr lang="ko-KR" altLang="en-US" b="1" dirty="0" smtClean="0">
+              <a:rPr lang="ko-KR" altLang="en-US" b="1" dirty="0">
                 <a:solidFill>
                   <a:schemeClr val="tx1">
                     <a:lumMod val="75000"/>
@@ -10261,16 +10184,6 @@
               </a:rPr>
               <a:t>회원정보변경</a:t>
             </a:r>
-            <a:endParaRPr lang="ko-KR" altLang="en-US" b="1" dirty="0">
-              <a:solidFill>
-                <a:schemeClr val="tx1">
-                  <a:lumMod val="75000"/>
-                  <a:lumOff val="25000"/>
-                </a:schemeClr>
-              </a:solidFill>
-              <a:latin typeface="+mj-ea"/>
-              <a:ea typeface="+mj-ea"/>
-            </a:endParaRPr>
           </a:p>
         </p:txBody>
       </p:sp>
@@ -10297,7 +10210,13 @@
             <a:tbl>
               <a:tblPr firstRow="1" bandRow="1"/>
               <a:tblGrid>
-                <a:gridCol w="2688299"/>
+                <a:gridCol w="2688299">
+                  <a:extLst>
+                    <a:ext uri="{9D8B030D-6E8A-4147-A177-3AD203B41FA5}">
+                      <a16:colId xmlns:a16="http://schemas.microsoft.com/office/drawing/2014/main" val="20000"/>
+                    </a:ext>
+                  </a:extLst>
+                </a:gridCol>
               </a:tblGrid>
               <a:tr h="424495">
                 <a:tc>
@@ -10307,7 +10226,7 @@
                     <a:p>
                       <a:pPr algn="ctr" latinLnBrk="1"/>
                       <a:r>
-                        <a:rPr lang="ko-KR" altLang="en-US" sz="1200" b="1" dirty="0" smtClean="0">
+                        <a:rPr lang="ko-KR" altLang="en-US" sz="1200" b="1" dirty="0">
                           <a:solidFill>
                             <a:schemeClr val="tx1"/>
                           </a:solidFill>
@@ -10316,13 +10235,6 @@
                         </a:rPr>
                         <a:t>화면코드</a:t>
                       </a:r>
-                      <a:endParaRPr lang="ko-KR" altLang="en-US" sz="1200" b="1" dirty="0">
-                        <a:solidFill>
-                          <a:schemeClr val="tx1"/>
-                        </a:solidFill>
-                        <a:latin typeface="+mj-ea"/>
-                        <a:ea typeface="+mj-ea"/>
-                      </a:endParaRPr>
                     </a:p>
                   </a:txBody>
                   <a:tcPr marL="121920" marR="121920" marT="60960" marB="60960" anchor="ctr">
@@ -10331,6 +10243,11 @@
                     </a:solidFill>
                   </a:tcPr>
                 </a:tc>
+                <a:extLst>
+                  <a:ext uri="{0D108BD9-81ED-4DB2-BD59-A6C34878D82A}">
+                    <a16:rowId xmlns:a16="http://schemas.microsoft.com/office/drawing/2014/main" val="10000"/>
+                  </a:ext>
+                </a:extLst>
               </a:tr>
               <a:tr h="490571">
                 <a:tc>
@@ -10340,7 +10257,7 @@
                     <a:p>
                       <a:pPr algn="ctr" latinLnBrk="1"/>
                       <a:r>
-                        <a:rPr lang="en-US" altLang="ko-KR" sz="1500" dirty="0" err="1" smtClean="0">
+                        <a:rPr lang="en-US" altLang="ko-KR" sz="1500" dirty="0" err="1">
                           <a:latin typeface="+mj-ea"/>
                           <a:ea typeface="+mj-ea"/>
                         </a:rPr>
@@ -10354,6 +10271,11 @@
                   </a:txBody>
                   <a:tcPr marL="121920" marR="121920" marT="60960" marB="60960" anchor="ctr"/>
                 </a:tc>
+                <a:extLst>
+                  <a:ext uri="{0D108BD9-81ED-4DB2-BD59-A6C34878D82A}">
+                    <a16:rowId xmlns:a16="http://schemas.microsoft.com/office/drawing/2014/main" val="10001"/>
+                  </a:ext>
+                </a:extLst>
               </a:tr>
             </a:tbl>
           </a:graphicData>
@@ -10423,15 +10345,27 @@
         </p:nvGraphicFramePr>
         <p:xfrm>
           <a:off x="9168341" y="2479152"/>
-          <a:ext cx="2688299" cy="3137837"/>
+          <a:ext cx="2688299" cy="3113898"/>
         </p:xfrm>
         <a:graphic>
           <a:graphicData uri="http://schemas.openxmlformats.org/drawingml/2006/table">
             <a:tbl>
               <a:tblPr firstRow="1" bandRow="1"/>
               <a:tblGrid>
-                <a:gridCol w="280507"/>
-                <a:gridCol w="2407792"/>
+                <a:gridCol w="280507">
+                  <a:extLst>
+                    <a:ext uri="{9D8B030D-6E8A-4147-A177-3AD203B41FA5}">
+                      <a16:colId xmlns:a16="http://schemas.microsoft.com/office/drawing/2014/main" val="20000"/>
+                    </a:ext>
+                  </a:extLst>
+                </a:gridCol>
+                <a:gridCol w="2407792">
+                  <a:extLst>
+                    <a:ext uri="{9D8B030D-6E8A-4147-A177-3AD203B41FA5}">
+                      <a16:colId xmlns:a16="http://schemas.microsoft.com/office/drawing/2014/main" val="20001"/>
+                    </a:ext>
+                  </a:extLst>
+                </a:gridCol>
               </a:tblGrid>
               <a:tr h="469796">
                 <a:tc>
@@ -10445,7 +10379,7 @@
                         </a:lnSpc>
                       </a:pPr>
                       <a:r>
-                        <a:rPr lang="en-US" altLang="ko-KR" sz="1200" b="1" dirty="0" smtClean="0">
+                        <a:rPr lang="en-US" altLang="ko-KR" sz="1200" b="1" dirty="0">
                           <a:latin typeface="+mj-ea"/>
                           <a:ea typeface="+mj-ea"/>
                         </a:rPr>
@@ -10474,16 +10408,12 @@
                         </a:lnSpc>
                       </a:pPr>
                       <a:r>
-                        <a:rPr lang="ko-KR" altLang="en-US" sz="1200" b="1" dirty="0" smtClean="0">
+                        <a:rPr lang="ko-KR" altLang="en-US" sz="1200" b="1" dirty="0">
                           <a:latin typeface="+mj-ea"/>
                           <a:ea typeface="+mj-ea"/>
                         </a:rPr>
                         <a:t>기능</a:t>
                       </a:r>
-                      <a:endParaRPr lang="ko-KR" altLang="en-US" sz="1200" b="1" dirty="0">
-                        <a:latin typeface="+mj-ea"/>
-                        <a:ea typeface="+mj-ea"/>
-                      </a:endParaRPr>
                     </a:p>
                   </a:txBody>
                   <a:tcPr marL="121920" marR="121920" marT="60960" marB="60960" anchor="ctr">
@@ -10492,6 +10422,11 @@
                     </a:solidFill>
                   </a:tcPr>
                 </a:tc>
+                <a:extLst>
+                  <a:ext uri="{0D108BD9-81ED-4DB2-BD59-A6C34878D82A}">
+                    <a16:rowId xmlns:a16="http://schemas.microsoft.com/office/drawing/2014/main" val="10000"/>
+                  </a:ext>
+                </a:extLst>
               </a:tr>
               <a:tr h="620107">
                 <a:tc>
@@ -10505,7 +10440,7 @@
                         </a:lnSpc>
                       </a:pPr>
                       <a:r>
-                        <a:rPr lang="en-US" altLang="ko-KR" sz="1300" dirty="0" smtClean="0">
+                        <a:rPr lang="en-US" altLang="ko-KR" sz="1300" dirty="0">
                           <a:latin typeface="+mj-ea"/>
                           <a:ea typeface="+mj-ea"/>
                         </a:rPr>
@@ -10530,13 +10465,13 @@
                         </a:lnSpc>
                       </a:pPr>
                       <a:r>
-                        <a:rPr lang="ko-KR" altLang="en-US" sz="1200" b="1" dirty="0" smtClean="0">
+                        <a:rPr lang="ko-KR" altLang="en-US" sz="1200" b="1" dirty="0">
                           <a:latin typeface="+mj-ea"/>
                           <a:ea typeface="+mj-ea"/>
                         </a:rPr>
                         <a:t>프로필 이미지 수정</a:t>
                       </a:r>
-                      <a:endParaRPr lang="en-US" altLang="ko-KR" sz="1200" b="1" dirty="0" smtClean="0">
+                      <a:endParaRPr lang="en-US" altLang="ko-KR" sz="1200" b="1" dirty="0">
                         <a:latin typeface="+mj-ea"/>
                         <a:ea typeface="+mj-ea"/>
                       </a:endParaRPr>
@@ -10548,27 +10483,28 @@
                         </a:lnSpc>
                       </a:pPr>
                       <a:r>
-                        <a:rPr lang="en-US" altLang="ko-KR" sz="1200" dirty="0" smtClean="0">
+                        <a:rPr lang="en-US" altLang="ko-KR" sz="1200" dirty="0">
                           <a:latin typeface="+mj-ea"/>
                           <a:ea typeface="+mj-ea"/>
                         </a:rPr>
                         <a:t>- </a:t>
                       </a:r>
                       <a:r>
-                        <a:rPr lang="ko-KR" altLang="en-US" sz="1200" dirty="0" smtClean="0">
+                        <a:rPr lang="ko-KR" altLang="en-US" sz="1200" dirty="0">
                           <a:latin typeface="+mj-ea"/>
                           <a:ea typeface="+mj-ea"/>
                         </a:rPr>
                         <a:t>이미지 파일업로드</a:t>
                       </a:r>
-                      <a:endParaRPr lang="ko-KR" altLang="en-US" sz="1200" dirty="0">
-                        <a:latin typeface="+mj-ea"/>
-                        <a:ea typeface="+mj-ea"/>
-                      </a:endParaRPr>
                     </a:p>
                   </a:txBody>
                   <a:tcPr marL="121920" marR="121920" marT="60960" marB="60960"/>
                 </a:tc>
+                <a:extLst>
+                  <a:ext uri="{0D108BD9-81ED-4DB2-BD59-A6C34878D82A}">
+                    <a16:rowId xmlns:a16="http://schemas.microsoft.com/office/drawing/2014/main" val="10001"/>
+                  </a:ext>
+                </a:extLst>
               </a:tr>
               <a:tr h="620107">
                 <a:tc>
@@ -10582,7 +10518,7 @@
                         </a:lnSpc>
                       </a:pPr>
                       <a:r>
-                        <a:rPr lang="en-US" altLang="ko-KR" sz="1300" dirty="0" smtClean="0">
+                        <a:rPr lang="en-US" altLang="ko-KR" sz="1300" dirty="0">
                           <a:latin typeface="+mj-ea"/>
                           <a:ea typeface="+mj-ea"/>
                         </a:rPr>
@@ -10607,7 +10543,7 @@
                         </a:lnSpc>
                       </a:pPr>
                       <a:r>
-                        <a:rPr lang="ko-KR" altLang="en-US" sz="1200" b="1" i="0" u="none" strike="noStrike" cap="none" dirty="0" err="1" smtClean="0">
+                        <a:rPr lang="ko-KR" altLang="en-US" sz="1200" b="1" i="0" u="none" strike="noStrike" cap="none" dirty="0" err="1">
                           <a:solidFill>
                             <a:srgbClr val="000000"/>
                           </a:solidFill>
@@ -10619,7 +10555,7 @@
                         <a:t>이메일</a:t>
                       </a:r>
                       <a:r>
-                        <a:rPr lang="ko-KR" altLang="en-US" sz="1200" b="1" i="0" u="none" strike="noStrike" cap="none" dirty="0" smtClean="0">
+                        <a:rPr lang="ko-KR" altLang="en-US" sz="1200" b="1" i="0" u="none" strike="noStrike" cap="none" dirty="0">
                           <a:solidFill>
                             <a:srgbClr val="000000"/>
                           </a:solidFill>
@@ -10630,7 +10566,7 @@
                         </a:rPr>
                         <a:t> 주소 확인</a:t>
                       </a:r>
-                      <a:endParaRPr lang="en-US" altLang="ko-KR" sz="1200" b="1" i="0" u="none" strike="noStrike" cap="none" dirty="0" smtClean="0">
+                      <a:endParaRPr lang="en-US" altLang="ko-KR" sz="1200" b="1" i="0" u="none" strike="noStrike" cap="none" dirty="0">
                         <a:solidFill>
                           <a:srgbClr val="000000"/>
                         </a:solidFill>
@@ -10647,7 +10583,7 @@
                         </a:lnSpc>
                       </a:pPr>
                       <a:r>
-                        <a:rPr lang="en-US" altLang="ko-KR" sz="1200" b="0" i="0" u="none" strike="noStrike" cap="none" dirty="0" smtClean="0">
+                        <a:rPr lang="en-US" altLang="ko-KR" sz="1200" b="0" i="0" u="none" strike="noStrike" cap="none" dirty="0">
                           <a:solidFill>
                             <a:srgbClr val="000000"/>
                           </a:solidFill>
@@ -10659,7 +10595,7 @@
                         <a:t>- </a:t>
                       </a:r>
                       <a:r>
-                        <a:rPr lang="ko-KR" altLang="en-US" sz="1200" b="0" i="0" u="none" strike="noStrike" cap="none" dirty="0" smtClean="0">
+                        <a:rPr lang="ko-KR" altLang="en-US" sz="1200" b="0" i="0" u="none" strike="noStrike" cap="none" dirty="0">
                           <a:solidFill>
                             <a:srgbClr val="000000"/>
                           </a:solidFill>
@@ -10670,19 +10606,15 @@
                         </a:rPr>
                         <a:t>수정 불가</a:t>
                       </a:r>
-                      <a:endParaRPr lang="ko-KR" altLang="en-US" sz="1200" b="0" i="0" u="none" strike="noStrike" cap="none" dirty="0" smtClean="0">
-                        <a:solidFill>
-                          <a:srgbClr val="000000"/>
-                        </a:solidFill>
-                        <a:latin typeface="+mj-ea"/>
-                        <a:ea typeface="+mj-ea"/>
-                        <a:cs typeface="Arial"/>
-                        <a:sym typeface="Arial"/>
-                      </a:endParaRPr>
                     </a:p>
                   </a:txBody>
                   <a:tcPr marL="121920" marR="121920" marT="60960" marB="60960"/>
                 </a:tc>
+                <a:extLst>
+                  <a:ext uri="{0D108BD9-81ED-4DB2-BD59-A6C34878D82A}">
+                    <a16:rowId xmlns:a16="http://schemas.microsoft.com/office/drawing/2014/main" val="10002"/>
+                  </a:ext>
+                </a:extLst>
               </a:tr>
               <a:tr h="620107">
                 <a:tc>
@@ -10696,7 +10628,7 @@
                         </a:lnSpc>
                       </a:pPr>
                       <a:r>
-                        <a:rPr lang="en-US" altLang="ko-KR" sz="1300" dirty="0" smtClean="0">
+                        <a:rPr lang="en-US" altLang="ko-KR" sz="1300" dirty="0">
                           <a:latin typeface="+mj-ea"/>
                           <a:ea typeface="+mj-ea"/>
                         </a:rPr>
@@ -10721,7 +10653,7 @@
                         </a:lnSpc>
                       </a:pPr>
                       <a:r>
-                        <a:rPr lang="ko-KR" altLang="en-US" sz="1200" b="1" i="0" u="none" strike="noStrike" kern="1200" cap="none" dirty="0" smtClean="0">
+                        <a:rPr lang="ko-KR" altLang="en-US" sz="1200" b="1" i="0" u="none" strike="noStrike" kern="1200" cap="none" dirty="0">
                           <a:solidFill>
                             <a:srgbClr val="000000"/>
                           </a:solidFill>
@@ -10732,7 +10664,7 @@
                         </a:rPr>
                         <a:t>닉네임 변경</a:t>
                       </a:r>
-                      <a:endParaRPr lang="en-US" altLang="ko-KR" sz="1200" b="1" i="0" u="none" strike="noStrike" kern="1200" cap="none" dirty="0" smtClean="0">
+                      <a:endParaRPr lang="en-US" altLang="ko-KR" sz="1200" b="1" i="0" u="none" strike="noStrike" kern="1200" cap="none" dirty="0">
                         <a:solidFill>
                           <a:srgbClr val="000000"/>
                         </a:solidFill>
@@ -10749,7 +10681,7 @@
                         </a:lnSpc>
                       </a:pPr>
                       <a:r>
-                        <a:rPr lang="en-US" altLang="ko-KR" sz="1200" b="0" i="0" u="none" strike="noStrike" kern="1200" cap="none" dirty="0" smtClean="0">
+                        <a:rPr lang="en-US" altLang="ko-KR" sz="1200" b="0" i="0" u="none" strike="noStrike" kern="1200" cap="none" dirty="0">
                           <a:solidFill>
                             <a:srgbClr val="000000"/>
                           </a:solidFill>
@@ -10761,7 +10693,7 @@
                         <a:t>- </a:t>
                       </a:r>
                       <a:r>
-                        <a:rPr lang="ko-KR" altLang="en-US" sz="1200" b="0" i="0" u="none" strike="noStrike" kern="1200" cap="none" dirty="0" smtClean="0">
+                        <a:rPr lang="ko-KR" altLang="en-US" sz="1200" b="0" i="0" u="none" strike="noStrike" kern="1200" cap="none" dirty="0">
                           <a:solidFill>
                             <a:srgbClr val="000000"/>
                           </a:solidFill>
@@ -10773,7 +10705,7 @@
                         <a:t>데이터베이스 존재 여부 </a:t>
                       </a:r>
                       <a:r>
-                        <a:rPr lang="en-US" altLang="ko-KR" sz="1200" b="0" i="0" u="none" strike="noStrike" kern="1200" cap="none" dirty="0" smtClean="0">
+                        <a:rPr lang="en-US" altLang="ko-KR" sz="1200" b="0" i="0" u="none" strike="noStrike" kern="1200" cap="none" dirty="0">
                           <a:solidFill>
                             <a:srgbClr val="000000"/>
                           </a:solidFill>
@@ -10785,7 +10717,7 @@
                         <a:t>Ajax</a:t>
                       </a:r>
                       <a:r>
-                        <a:rPr lang="ko-KR" altLang="en-US" sz="1200" b="0" i="0" u="none" strike="noStrike" kern="1200" cap="none" dirty="0" smtClean="0">
+                        <a:rPr lang="ko-KR" altLang="en-US" sz="1200" b="0" i="0" u="none" strike="noStrike" kern="1200" cap="none" dirty="0">
                           <a:solidFill>
                             <a:srgbClr val="000000"/>
                           </a:solidFill>
@@ -10796,7 +10728,7 @@
                         </a:rPr>
                         <a:t>로 체크</a:t>
                       </a:r>
-                      <a:endParaRPr lang="ko-KR" altLang="en-US" sz="1200" b="0" i="0" u="none" strike="noStrike" kern="1200" cap="none" baseline="0" dirty="0" smtClean="0">
+                      <a:endParaRPr lang="ko-KR" altLang="en-US" sz="1200" b="0" i="0" u="none" strike="noStrike" kern="1200" cap="none" baseline="0" dirty="0">
                         <a:solidFill>
                           <a:srgbClr val="000000"/>
                         </a:solidFill>
@@ -10809,6 +10741,11 @@
                   </a:txBody>
                   <a:tcPr marL="121920" marR="121920" marT="60960" marB="60960"/>
                 </a:tc>
+                <a:extLst>
+                  <a:ext uri="{0D108BD9-81ED-4DB2-BD59-A6C34878D82A}">
+                    <a16:rowId xmlns:a16="http://schemas.microsoft.com/office/drawing/2014/main" val="10003"/>
+                  </a:ext>
+                </a:extLst>
               </a:tr>
               <a:tr h="620107">
                 <a:tc>
@@ -10822,7 +10759,7 @@
                         </a:lnSpc>
                       </a:pPr>
                       <a:r>
-                        <a:rPr lang="en-US" altLang="ko-KR" sz="1300" dirty="0" smtClean="0">
+                        <a:rPr lang="en-US" altLang="ko-KR" sz="1300" dirty="0">
                           <a:latin typeface="+mj-ea"/>
                           <a:ea typeface="+mj-ea"/>
                         </a:rPr>
@@ -10847,7 +10784,7 @@
                         </a:lnSpc>
                       </a:pPr>
                       <a:r>
-                        <a:rPr lang="ko-KR" altLang="en-US" sz="1200" b="1" i="0" u="none" strike="noStrike" kern="1200" cap="none" dirty="0" smtClean="0">
+                        <a:rPr lang="ko-KR" altLang="en-US" sz="1200" b="1" i="0" u="none" strike="noStrike" kern="1200" cap="none" dirty="0">
                           <a:solidFill>
                             <a:srgbClr val="000000"/>
                           </a:solidFill>
@@ -10859,7 +10796,7 @@
                         <a:t>휴대폰 인증 </a:t>
                       </a:r>
                       <a:r>
-                        <a:rPr lang="en-US" altLang="ko-KR" sz="1200" b="1" i="0" u="none" strike="noStrike" kern="1200" cap="none" dirty="0" smtClean="0">
+                        <a:rPr lang="en-US" altLang="ko-KR" sz="1200" b="1" i="0" u="none" strike="noStrike" kern="1200" cap="none" dirty="0">
                           <a:solidFill>
                             <a:srgbClr val="000000"/>
                           </a:solidFill>
@@ -10871,7 +10808,7 @@
                         <a:t>/ </a:t>
                       </a:r>
                       <a:r>
-                        <a:rPr lang="ko-KR" altLang="en-US" sz="1200" b="1" i="0" u="none" strike="noStrike" kern="1200" cap="none" dirty="0" smtClean="0">
+                        <a:rPr lang="ko-KR" altLang="en-US" sz="1200" b="1" i="0" u="none" strike="noStrike" kern="1200" cap="none" dirty="0">
                           <a:solidFill>
                             <a:srgbClr val="000000"/>
                           </a:solidFill>
@@ -10882,7 +10819,7 @@
                         </a:rPr>
                         <a:t>주소 검색</a:t>
                       </a:r>
-                      <a:endParaRPr lang="en-US" altLang="ko-KR" sz="1200" b="1" i="0" u="none" strike="noStrike" kern="1200" cap="none" dirty="0" smtClean="0">
+                      <a:endParaRPr lang="en-US" altLang="ko-KR" sz="1200" b="1" i="0" u="none" strike="noStrike" kern="1200" cap="none" dirty="0">
                         <a:solidFill>
                           <a:srgbClr val="000000"/>
                         </a:solidFill>
@@ -10899,7 +10836,7 @@
                         </a:lnSpc>
                       </a:pPr>
                       <a:r>
-                        <a:rPr lang="en-US" altLang="ko-KR" sz="1200" b="0" i="0" u="none" strike="noStrike" kern="1200" cap="none" dirty="0" smtClean="0">
+                        <a:rPr lang="en-US" altLang="ko-KR" sz="1200" b="0" i="0" u="none" strike="noStrike" kern="1200" cap="none" dirty="0">
                           <a:solidFill>
                             <a:srgbClr val="000000"/>
                           </a:solidFill>
@@ -10911,7 +10848,7 @@
                         <a:t>-</a:t>
                       </a:r>
                       <a:r>
-                        <a:rPr lang="en-US" altLang="ko-KR" sz="1200" b="0" i="0" u="none" strike="noStrike" kern="1200" cap="none" baseline="0" dirty="0" smtClean="0">
+                        <a:rPr lang="en-US" altLang="ko-KR" sz="1200" b="0" i="0" u="none" strike="noStrike" kern="1200" cap="none" baseline="0" dirty="0">
                           <a:solidFill>
                             <a:srgbClr val="000000"/>
                           </a:solidFill>
@@ -10923,7 +10860,7 @@
                         <a:t> </a:t>
                       </a:r>
                       <a:r>
-                        <a:rPr lang="ko-KR" altLang="en-US" sz="1200" b="0" i="0" u="none" strike="noStrike" kern="1200" cap="none" baseline="0" dirty="0" smtClean="0">
+                        <a:rPr lang="ko-KR" altLang="en-US" sz="1200" b="0" i="0" u="none" strike="noStrike" kern="1200" cap="none" baseline="0" dirty="0">
                           <a:solidFill>
                             <a:srgbClr val="000000"/>
                           </a:solidFill>
@@ -10935,7 +10872,7 @@
                         <a:t>유효성 </a:t>
                       </a:r>
                       <a:r>
-                        <a:rPr lang="ko-KR" altLang="en-US" sz="1200" b="0" i="0" u="none" strike="noStrike" kern="1200" cap="none" baseline="0" dirty="0" err="1" smtClean="0">
+                        <a:rPr lang="ko-KR" altLang="en-US" sz="1200" b="0" i="0" u="none" strike="noStrike" kern="1200" cap="none" baseline="0" dirty="0" err="1">
                           <a:solidFill>
                             <a:srgbClr val="000000"/>
                           </a:solidFill>
@@ -10947,7 +10884,7 @@
                         <a:t>확인시</a:t>
                       </a:r>
                       <a:r>
-                        <a:rPr lang="ko-KR" altLang="en-US" sz="1200" b="0" i="0" u="none" strike="noStrike" kern="1200" cap="none" baseline="0" dirty="0" smtClean="0">
+                        <a:rPr lang="ko-KR" altLang="en-US" sz="1200" b="0" i="0" u="none" strike="noStrike" kern="1200" cap="none" baseline="0" dirty="0">
                           <a:solidFill>
                             <a:srgbClr val="000000"/>
                           </a:solidFill>
@@ -10966,6 +10903,11 @@
                   </a:txBody>
                   <a:tcPr marL="121920" marR="121920" marT="60960" marB="60960"/>
                 </a:tc>
+                <a:extLst>
+                  <a:ext uri="{0D108BD9-81ED-4DB2-BD59-A6C34878D82A}">
+                    <a16:rowId xmlns:a16="http://schemas.microsoft.com/office/drawing/2014/main" val="10004"/>
+                  </a:ext>
+                </a:extLst>
               </a:tr>
             </a:tbl>
           </a:graphicData>
@@ -11078,7 +11020,7 @@
           <a:p>
             <a:pPr algn="ctr"/>
             <a:r>
-              <a:rPr lang="en-US" altLang="ko-KR" sz="1300" b="1" dirty="0" smtClean="0">
+              <a:rPr lang="en-US" altLang="ko-KR" sz="1300" b="1" dirty="0">
                 <a:solidFill>
                   <a:schemeClr val="bg1"/>
                 </a:solidFill>
@@ -11136,7 +11078,7 @@
           <a:p>
             <a:pPr algn="ctr"/>
             <a:r>
-              <a:rPr lang="en-US" altLang="ko-KR" sz="1300" b="1" dirty="0" smtClean="0">
+              <a:rPr lang="en-US" altLang="ko-KR" sz="1300" b="1" dirty="0">
                 <a:solidFill>
                   <a:schemeClr val="bg1"/>
                 </a:solidFill>
@@ -11386,7 +11328,7 @@
           <a:p>
             <a:pPr algn="ctr"/>
             <a:r>
-              <a:rPr lang="en-US" altLang="ko-KR" sz="1300" b="1" dirty="0" smtClean="0">
+              <a:rPr lang="en-US" altLang="ko-KR" sz="1300" b="1" dirty="0">
                 <a:solidFill>
                   <a:schemeClr val="bg1"/>
                 </a:solidFill>
@@ -11444,7 +11386,7 @@
           <a:p>
             <a:pPr algn="ctr"/>
             <a:r>
-              <a:rPr lang="en-US" altLang="ko-KR" sz="1300" b="1" dirty="0" smtClean="0">
+              <a:rPr lang="en-US" altLang="ko-KR" sz="1300" b="1" dirty="0">
                 <a:solidFill>
                   <a:schemeClr val="bg1"/>
                 </a:solidFill>
@@ -11502,7 +11444,7 @@
           <a:p>
             <a:pPr algn="ctr"/>
             <a:r>
-              <a:rPr lang="en-US" altLang="ko-KR" sz="1300" b="1" dirty="0" smtClean="0">
+              <a:rPr lang="en-US" altLang="ko-KR" sz="1300" b="1" dirty="0">
                 <a:solidFill>
                   <a:schemeClr val="bg1"/>
                 </a:solidFill>
@@ -11560,7 +11502,7 @@
           <a:p>
             <a:pPr algn="ctr"/>
             <a:r>
-              <a:rPr lang="en-US" altLang="ko-KR" sz="1300" b="1" dirty="0" smtClean="0">
+              <a:rPr lang="en-US" altLang="ko-KR" sz="1300" b="1" dirty="0">
                 <a:solidFill>
                   <a:schemeClr val="bg1"/>
                 </a:solidFill>
@@ -11713,13 +11655,6 @@
   <p:clrMapOvr>
     <a:masterClrMapping/>
   </p:clrMapOvr>
-  <p:timing>
-    <p:tnLst>
-      <p:par>
-        <p:cTn id="1" dur="indefinite" restart="never" nodeType="tmRoot"/>
-      </p:par>
-    </p:tnLst>
-  </p:timing>
 </p:sld>
 </file>
 
@@ -12612,7 +12547,7 @@
               <a:t>웹 </a:t>
             </a:r>
             <a:r>
-              <a:rPr lang="en-US" altLang="ko-KR" sz="2400" b="1" dirty="0" smtClean="0">
+              <a:rPr lang="en-US" altLang="ko-KR" sz="2400" b="1" dirty="0">
                 <a:solidFill>
                   <a:schemeClr val="tx1">
                     <a:lumMod val="75000"/>
@@ -12625,7 +12560,7 @@
               <a:t>– </a:t>
             </a:r>
             <a:r>
-              <a:rPr lang="ko-KR" altLang="en-US" sz="2400" b="1" dirty="0" err="1" smtClean="0">
+              <a:rPr lang="ko-KR" altLang="en-US" sz="2400" b="1" dirty="0" err="1">
                 <a:solidFill>
                   <a:schemeClr val="tx1">
                     <a:lumMod val="75000"/>
@@ -12638,7 +12573,7 @@
               <a:t>마이페이지</a:t>
             </a:r>
             <a:r>
-              <a:rPr lang="ko-KR" altLang="en-US" sz="2400" b="1" dirty="0" smtClean="0">
+              <a:rPr lang="ko-KR" altLang="en-US" sz="2400" b="1" dirty="0">
                 <a:solidFill>
                   <a:schemeClr val="tx1">
                     <a:lumMod val="75000"/>
@@ -12651,7 +12586,7 @@
               <a:t> </a:t>
             </a:r>
             <a:r>
-              <a:rPr lang="en-US" altLang="ko-KR" b="1" dirty="0" smtClean="0">
+              <a:rPr lang="en-US" altLang="ko-KR" b="1" dirty="0">
                 <a:solidFill>
                   <a:schemeClr val="tx1">
                     <a:lumMod val="75000"/>
@@ -12664,7 +12599,7 @@
               <a:t>- </a:t>
             </a:r>
             <a:r>
-              <a:rPr lang="ko-KR" altLang="en-US" b="1" dirty="0" smtClean="0">
+              <a:rPr lang="ko-KR" altLang="en-US" b="1" dirty="0">
                 <a:solidFill>
                   <a:schemeClr val="tx1">
                     <a:lumMod val="75000"/>
@@ -12676,16 +12611,6 @@
               </a:rPr>
               <a:t>회원정보변경</a:t>
             </a:r>
-            <a:endParaRPr lang="ko-KR" altLang="en-US" b="1" dirty="0">
-              <a:solidFill>
-                <a:schemeClr val="tx1">
-                  <a:lumMod val="75000"/>
-                  <a:lumOff val="25000"/>
-                </a:schemeClr>
-              </a:solidFill>
-              <a:latin typeface="+mj-ea"/>
-              <a:ea typeface="+mj-ea"/>
-            </a:endParaRPr>
           </a:p>
         </p:txBody>
       </p:sp>
@@ -12712,7 +12637,13 @@
             <a:tbl>
               <a:tblPr firstRow="1" bandRow="1"/>
               <a:tblGrid>
-                <a:gridCol w="2688299"/>
+                <a:gridCol w="2688299">
+                  <a:extLst>
+                    <a:ext uri="{9D8B030D-6E8A-4147-A177-3AD203B41FA5}">
+                      <a16:colId xmlns:a16="http://schemas.microsoft.com/office/drawing/2014/main" val="20000"/>
+                    </a:ext>
+                  </a:extLst>
+                </a:gridCol>
               </a:tblGrid>
               <a:tr h="424495">
                 <a:tc>
@@ -12722,7 +12653,7 @@
                     <a:p>
                       <a:pPr algn="ctr" latinLnBrk="1"/>
                       <a:r>
-                        <a:rPr lang="ko-KR" altLang="en-US" sz="1200" b="1" dirty="0" smtClean="0">
+                        <a:rPr lang="ko-KR" altLang="en-US" sz="1200" b="1" dirty="0">
                           <a:solidFill>
                             <a:schemeClr val="tx1"/>
                           </a:solidFill>
@@ -12731,13 +12662,6 @@
                         </a:rPr>
                         <a:t>화면코드</a:t>
                       </a:r>
-                      <a:endParaRPr lang="ko-KR" altLang="en-US" sz="1200" b="1" dirty="0">
-                        <a:solidFill>
-                          <a:schemeClr val="tx1"/>
-                        </a:solidFill>
-                        <a:latin typeface="+mj-ea"/>
-                        <a:ea typeface="+mj-ea"/>
-                      </a:endParaRPr>
                     </a:p>
                   </a:txBody>
                   <a:tcPr marL="121920" marR="121920" marT="60960" marB="60960" anchor="ctr">
@@ -12746,6 +12670,11 @@
                     </a:solidFill>
                   </a:tcPr>
                 </a:tc>
+                <a:extLst>
+                  <a:ext uri="{0D108BD9-81ED-4DB2-BD59-A6C34878D82A}">
+                    <a16:rowId xmlns:a16="http://schemas.microsoft.com/office/drawing/2014/main" val="10000"/>
+                  </a:ext>
+                </a:extLst>
               </a:tr>
               <a:tr h="490571">
                 <a:tc>
@@ -12755,7 +12684,7 @@
                     <a:p>
                       <a:pPr algn="ctr" latinLnBrk="1"/>
                       <a:r>
-                        <a:rPr lang="en-US" altLang="ko-KR" sz="1500" kern="1200" dirty="0" err="1" smtClean="0">
+                        <a:rPr lang="en-US" altLang="ko-KR" sz="1500" kern="1200" dirty="0" err="1">
                           <a:solidFill>
                             <a:schemeClr val="tx1"/>
                           </a:solidFill>
@@ -12773,6 +12702,11 @@
                   </a:txBody>
                   <a:tcPr marL="121920" marR="121920" marT="60960" marB="60960" anchor="ctr"/>
                 </a:tc>
+                <a:extLst>
+                  <a:ext uri="{0D108BD9-81ED-4DB2-BD59-A6C34878D82A}">
+                    <a16:rowId xmlns:a16="http://schemas.microsoft.com/office/drawing/2014/main" val="10001"/>
+                  </a:ext>
+                </a:extLst>
               </a:tr>
             </a:tbl>
           </a:graphicData>
@@ -12849,8 +12783,20 @@
             <a:tbl>
               <a:tblPr firstRow="1" bandRow="1"/>
               <a:tblGrid>
-                <a:gridCol w="280507"/>
-                <a:gridCol w="2407792"/>
+                <a:gridCol w="280507">
+                  <a:extLst>
+                    <a:ext uri="{9D8B030D-6E8A-4147-A177-3AD203B41FA5}">
+                      <a16:colId xmlns:a16="http://schemas.microsoft.com/office/drawing/2014/main" val="20000"/>
+                    </a:ext>
+                  </a:extLst>
+                </a:gridCol>
+                <a:gridCol w="2407792">
+                  <a:extLst>
+                    <a:ext uri="{9D8B030D-6E8A-4147-A177-3AD203B41FA5}">
+                      <a16:colId xmlns:a16="http://schemas.microsoft.com/office/drawing/2014/main" val="20001"/>
+                    </a:ext>
+                  </a:extLst>
+                </a:gridCol>
               </a:tblGrid>
               <a:tr h="469796">
                 <a:tc>
@@ -12864,7 +12810,7 @@
                         </a:lnSpc>
                       </a:pPr>
                       <a:r>
-                        <a:rPr lang="en-US" altLang="ko-KR" sz="1200" b="1" dirty="0" smtClean="0">
+                        <a:rPr lang="en-US" altLang="ko-KR" sz="1200" b="1" dirty="0">
                           <a:latin typeface="+mj-ea"/>
                           <a:ea typeface="+mj-ea"/>
                         </a:rPr>
@@ -12893,16 +12839,12 @@
                         </a:lnSpc>
                       </a:pPr>
                       <a:r>
-                        <a:rPr lang="ko-KR" altLang="en-US" sz="1200" b="1" dirty="0" smtClean="0">
+                        <a:rPr lang="ko-KR" altLang="en-US" sz="1200" b="1" dirty="0">
                           <a:latin typeface="+mj-ea"/>
                           <a:ea typeface="+mj-ea"/>
                         </a:rPr>
                         <a:t>기능</a:t>
                       </a:r>
-                      <a:endParaRPr lang="ko-KR" altLang="en-US" sz="1200" b="1" dirty="0">
-                        <a:latin typeface="+mj-ea"/>
-                        <a:ea typeface="+mj-ea"/>
-                      </a:endParaRPr>
                     </a:p>
                   </a:txBody>
                   <a:tcPr marL="121920" marR="121920" marT="60960" marB="60960" anchor="ctr">
@@ -12911,6 +12853,11 @@
                     </a:solidFill>
                   </a:tcPr>
                 </a:tc>
+                <a:extLst>
+                  <a:ext uri="{0D108BD9-81ED-4DB2-BD59-A6C34878D82A}">
+                    <a16:rowId xmlns:a16="http://schemas.microsoft.com/office/drawing/2014/main" val="10000"/>
+                  </a:ext>
+                </a:extLst>
               </a:tr>
               <a:tr h="620107">
                 <a:tc>
@@ -12924,7 +12871,7 @@
                         </a:lnSpc>
                       </a:pPr>
                       <a:r>
-                        <a:rPr lang="en-US" altLang="ko-KR" sz="1300" dirty="0" smtClean="0">
+                        <a:rPr lang="en-US" altLang="ko-KR" sz="1300" dirty="0">
                           <a:latin typeface="+mj-ea"/>
                           <a:ea typeface="+mj-ea"/>
                         </a:rPr>
@@ -12949,13 +12896,13 @@
                         </a:lnSpc>
                       </a:pPr>
                       <a:r>
-                        <a:rPr lang="ko-KR" altLang="en-US" sz="1200" b="1" dirty="0" smtClean="0">
+                        <a:rPr lang="ko-KR" altLang="en-US" sz="1200" b="1" dirty="0">
                           <a:latin typeface="+mj-ea"/>
                           <a:ea typeface="+mj-ea"/>
                         </a:rPr>
                         <a:t>관심사 등록</a:t>
                       </a:r>
-                      <a:endParaRPr lang="en-US" altLang="ko-KR" sz="1200" b="1" dirty="0" smtClean="0">
+                      <a:endParaRPr lang="en-US" altLang="ko-KR" sz="1200" b="1" dirty="0">
                         <a:latin typeface="+mj-ea"/>
                         <a:ea typeface="+mj-ea"/>
                       </a:endParaRPr>
@@ -12969,27 +12916,27 @@
                         <a:buChar char="-"/>
                       </a:pPr>
                       <a:r>
-                        <a:rPr lang="ko-KR" altLang="en-US" sz="1200" dirty="0" smtClean="0">
+                        <a:rPr lang="ko-KR" altLang="en-US" sz="1200" dirty="0">
                           <a:latin typeface="+mj-ea"/>
                           <a:ea typeface="+mj-ea"/>
                         </a:rPr>
                         <a:t>최소 </a:t>
                       </a:r>
                       <a:r>
-                        <a:rPr lang="en-US" altLang="ko-KR" sz="1200" dirty="0" smtClean="0">
+                        <a:rPr lang="en-US" altLang="ko-KR" sz="1200" dirty="0">
                           <a:latin typeface="+mj-ea"/>
                           <a:ea typeface="+mj-ea"/>
                         </a:rPr>
                         <a:t>1</a:t>
                       </a:r>
                       <a:r>
-                        <a:rPr lang="ko-KR" altLang="en-US" sz="1200" dirty="0" smtClean="0">
+                        <a:rPr lang="ko-KR" altLang="en-US" sz="1200" dirty="0">
                           <a:latin typeface="+mj-ea"/>
                           <a:ea typeface="+mj-ea"/>
                         </a:rPr>
                         <a:t>개 이상 등록</a:t>
                       </a:r>
-                      <a:endParaRPr lang="en-US" altLang="ko-KR" sz="1200" dirty="0" smtClean="0">
+                      <a:endParaRPr lang="en-US" altLang="ko-KR" sz="1200" dirty="0">
                         <a:latin typeface="+mj-ea"/>
                         <a:ea typeface="+mj-ea"/>
                       </a:endParaRPr>
@@ -13003,34 +12950,35 @@
                         <a:buChar char="-"/>
                       </a:pPr>
                       <a:r>
-                        <a:rPr lang="ko-KR" altLang="en-US" sz="1200" dirty="0" smtClean="0">
+                        <a:rPr lang="ko-KR" altLang="en-US" sz="1200" dirty="0">
                           <a:latin typeface="+mj-ea"/>
                           <a:ea typeface="+mj-ea"/>
                         </a:rPr>
                         <a:t>해당 카테고리의 프로젝트 </a:t>
                       </a:r>
                       <a:r>
-                        <a:rPr lang="ko-KR" altLang="en-US" sz="1200" dirty="0" err="1" smtClean="0">
+                        <a:rPr lang="ko-KR" altLang="en-US" sz="1200" dirty="0" err="1">
                           <a:latin typeface="+mj-ea"/>
                           <a:ea typeface="+mj-ea"/>
                         </a:rPr>
                         <a:t>등록시</a:t>
                       </a:r>
                       <a:r>
-                        <a:rPr lang="ko-KR" altLang="en-US" sz="1200" dirty="0" smtClean="0">
+                        <a:rPr lang="ko-KR" altLang="en-US" sz="1200" dirty="0">
                           <a:latin typeface="+mj-ea"/>
                           <a:ea typeface="+mj-ea"/>
                         </a:rPr>
                         <a:t> 알림</a:t>
                       </a:r>
-                      <a:endParaRPr lang="ko-KR" altLang="en-US" sz="1200" dirty="0">
-                        <a:latin typeface="+mj-ea"/>
-                        <a:ea typeface="+mj-ea"/>
-                      </a:endParaRPr>
                     </a:p>
                   </a:txBody>
                   <a:tcPr marL="121920" marR="121920" marT="60960" marB="60960"/>
                 </a:tc>
+                <a:extLst>
+                  <a:ext uri="{0D108BD9-81ED-4DB2-BD59-A6C34878D82A}">
+                    <a16:rowId xmlns:a16="http://schemas.microsoft.com/office/drawing/2014/main" val="10001"/>
+                  </a:ext>
+                </a:extLst>
               </a:tr>
             </a:tbl>
           </a:graphicData>
@@ -13143,7 +13091,7 @@
           <a:p>
             <a:pPr algn="ctr"/>
             <a:r>
-              <a:rPr lang="en-US" altLang="ko-KR" sz="1300" b="1" dirty="0" smtClean="0">
+              <a:rPr lang="en-US" altLang="ko-KR" sz="1300" b="1" dirty="0">
                 <a:solidFill>
                   <a:schemeClr val="bg1"/>
                 </a:solidFill>
@@ -13201,7 +13149,7 @@
           <a:p>
             <a:pPr algn="ctr"/>
             <a:r>
-              <a:rPr lang="en-US" altLang="ko-KR" sz="1300" b="1" dirty="0" smtClean="0">
+              <a:rPr lang="en-US" altLang="ko-KR" sz="1300" b="1" dirty="0">
                 <a:solidFill>
                   <a:schemeClr val="bg1"/>
                 </a:solidFill>
@@ -13451,7 +13399,7 @@
           <a:p>
             <a:pPr algn="ctr"/>
             <a:r>
-              <a:rPr lang="en-US" altLang="ko-KR" sz="1300" b="1" dirty="0" smtClean="0">
+              <a:rPr lang="en-US" altLang="ko-KR" sz="1300" b="1" dirty="0">
                 <a:solidFill>
                   <a:schemeClr val="bg1"/>
                 </a:solidFill>
@@ -13796,13 +13744,6 @@
   <p:clrMapOvr>
     <a:masterClrMapping/>
   </p:clrMapOvr>
-  <p:timing>
-    <p:tnLst>
-      <p:par>
-        <p:cTn id="1" dur="indefinite" restart="never" nodeType="tmRoot"/>
-      </p:par>
-    </p:tnLst>
-  </p:timing>
 </p:sld>
 </file>
 
@@ -14695,7 +14636,7 @@
               <a:t>웹 </a:t>
             </a:r>
             <a:r>
-              <a:rPr lang="en-US" altLang="ko-KR" sz="2400" b="1" dirty="0" smtClean="0">
+              <a:rPr lang="en-US" altLang="ko-KR" sz="2400" b="1" dirty="0">
                 <a:solidFill>
                   <a:schemeClr val="tx1">
                     <a:lumMod val="75000"/>
@@ -14708,7 +14649,7 @@
               <a:t>– </a:t>
             </a:r>
             <a:r>
-              <a:rPr lang="ko-KR" altLang="en-US" sz="2400" b="1" dirty="0" err="1" smtClean="0">
+              <a:rPr lang="ko-KR" altLang="en-US" sz="2400" b="1" dirty="0" err="1">
                 <a:solidFill>
                   <a:schemeClr val="tx1">
                     <a:lumMod val="75000"/>
@@ -14721,7 +14662,7 @@
               <a:t>마이페이지</a:t>
             </a:r>
             <a:r>
-              <a:rPr lang="ko-KR" altLang="en-US" sz="2400" b="1" dirty="0" smtClean="0">
+              <a:rPr lang="ko-KR" altLang="en-US" sz="2400" b="1" dirty="0">
                 <a:solidFill>
                   <a:schemeClr val="tx1">
                     <a:lumMod val="75000"/>
@@ -14734,7 +14675,7 @@
               <a:t> </a:t>
             </a:r>
             <a:r>
-              <a:rPr lang="en-US" altLang="ko-KR" b="1" dirty="0" smtClean="0">
+              <a:rPr lang="en-US" altLang="ko-KR" b="1" dirty="0">
                 <a:solidFill>
                   <a:schemeClr val="tx1">
                     <a:lumMod val="75000"/>
@@ -14747,7 +14688,7 @@
               <a:t>- </a:t>
             </a:r>
             <a:r>
-              <a:rPr lang="ko-KR" altLang="en-US" b="1" dirty="0" smtClean="0">
+              <a:rPr lang="ko-KR" altLang="en-US" b="1" dirty="0">
                 <a:solidFill>
                   <a:schemeClr val="tx1">
                     <a:lumMod val="75000"/>
@@ -14757,18 +14698,8 @@
                 <a:latin typeface="+mj-ea"/>
                 <a:ea typeface="+mj-ea"/>
               </a:rPr>
-              <a:t>회원정보변경</a:t>
+              <a:t>탈퇴</a:t>
             </a:r>
-            <a:endParaRPr lang="ko-KR" altLang="en-US" b="1" dirty="0">
-              <a:solidFill>
-                <a:schemeClr val="tx1">
-                  <a:lumMod val="75000"/>
-                  <a:lumOff val="25000"/>
-                </a:schemeClr>
-              </a:solidFill>
-              <a:latin typeface="+mj-ea"/>
-              <a:ea typeface="+mj-ea"/>
-            </a:endParaRPr>
           </a:p>
         </p:txBody>
       </p:sp>
@@ -14795,7 +14726,13 @@
             <a:tbl>
               <a:tblPr firstRow="1" bandRow="1"/>
               <a:tblGrid>
-                <a:gridCol w="2688299"/>
+                <a:gridCol w="2688299">
+                  <a:extLst>
+                    <a:ext uri="{9D8B030D-6E8A-4147-A177-3AD203B41FA5}">
+                      <a16:colId xmlns:a16="http://schemas.microsoft.com/office/drawing/2014/main" val="20000"/>
+                    </a:ext>
+                  </a:extLst>
+                </a:gridCol>
               </a:tblGrid>
               <a:tr h="424495">
                 <a:tc>
@@ -14805,7 +14742,7 @@
                     <a:p>
                       <a:pPr algn="ctr" latinLnBrk="1"/>
                       <a:r>
-                        <a:rPr lang="ko-KR" altLang="en-US" sz="1200" b="1" dirty="0" smtClean="0">
+                        <a:rPr lang="ko-KR" altLang="en-US" sz="1200" b="1" dirty="0">
                           <a:solidFill>
                             <a:schemeClr val="tx1"/>
                           </a:solidFill>
@@ -14814,13 +14751,6 @@
                         </a:rPr>
                         <a:t>화면코드</a:t>
                       </a:r>
-                      <a:endParaRPr lang="ko-KR" altLang="en-US" sz="1200" b="1" dirty="0">
-                        <a:solidFill>
-                          <a:schemeClr val="tx1"/>
-                        </a:solidFill>
-                        <a:latin typeface="+mj-ea"/>
-                        <a:ea typeface="+mj-ea"/>
-                      </a:endParaRPr>
                     </a:p>
                   </a:txBody>
                   <a:tcPr marL="121920" marR="121920" marT="60960" marB="60960" anchor="ctr">
@@ -14829,6 +14759,11 @@
                     </a:solidFill>
                   </a:tcPr>
                 </a:tc>
+                <a:extLst>
+                  <a:ext uri="{0D108BD9-81ED-4DB2-BD59-A6C34878D82A}">
+                    <a16:rowId xmlns:a16="http://schemas.microsoft.com/office/drawing/2014/main" val="10000"/>
+                  </a:ext>
+                </a:extLst>
               </a:tr>
               <a:tr h="490571">
                 <a:tc>
@@ -14838,7 +14773,7 @@
                     <a:p>
                       <a:pPr algn="ctr" latinLnBrk="1"/>
                       <a:r>
-                        <a:rPr lang="en-US" altLang="ko-KR" sz="1500" kern="1200" dirty="0" err="1" smtClean="0">
+                        <a:rPr lang="en-US" altLang="ko-KR" sz="1500" kern="1200" dirty="0" err="1">
                           <a:solidFill>
                             <a:schemeClr val="tx1"/>
                           </a:solidFill>
@@ -14849,7 +14784,7 @@
                         <a:t>sh_user_w_</a:t>
                       </a:r>
                       <a:r>
-                        <a:rPr lang="en-US" altLang="ko-KR" sz="1600" dirty="0" err="1" smtClean="0"/>
+                        <a:rPr lang="en-US" altLang="ko-KR" sz="1600" dirty="0" err="1"/>
                         <a:t>secession</a:t>
                       </a:r>
                       <a:endParaRPr lang="ko-KR" altLang="en-US" sz="1500" dirty="0">
@@ -14860,6 +14795,11 @@
                   </a:txBody>
                   <a:tcPr marL="121920" marR="121920" marT="60960" marB="60960" anchor="ctr"/>
                 </a:tc>
+                <a:extLst>
+                  <a:ext uri="{0D108BD9-81ED-4DB2-BD59-A6C34878D82A}">
+                    <a16:rowId xmlns:a16="http://schemas.microsoft.com/office/drawing/2014/main" val="10001"/>
+                  </a:ext>
+                </a:extLst>
               </a:tr>
             </a:tbl>
           </a:graphicData>
@@ -15086,7 +15026,7 @@
           <a:p>
             <a:pPr algn="ctr"/>
             <a:r>
-              <a:rPr lang="en-US" altLang="ko-KR" sz="1300" b="1" dirty="0" smtClean="0">
+              <a:rPr lang="en-US" altLang="ko-KR" sz="1300" b="1" dirty="0">
                 <a:solidFill>
                   <a:schemeClr val="bg1"/>
                 </a:solidFill>
@@ -15124,8 +15064,20 @@
             <a:tbl>
               <a:tblPr firstRow="1" bandRow="1"/>
               <a:tblGrid>
-                <a:gridCol w="280507"/>
-                <a:gridCol w="2407792"/>
+                <a:gridCol w="280507">
+                  <a:extLst>
+                    <a:ext uri="{9D8B030D-6E8A-4147-A177-3AD203B41FA5}">
+                      <a16:colId xmlns:a16="http://schemas.microsoft.com/office/drawing/2014/main" val="20000"/>
+                    </a:ext>
+                  </a:extLst>
+                </a:gridCol>
+                <a:gridCol w="2407792">
+                  <a:extLst>
+                    <a:ext uri="{9D8B030D-6E8A-4147-A177-3AD203B41FA5}">
+                      <a16:colId xmlns:a16="http://schemas.microsoft.com/office/drawing/2014/main" val="20001"/>
+                    </a:ext>
+                  </a:extLst>
+                </a:gridCol>
               </a:tblGrid>
               <a:tr h="469796">
                 <a:tc>
@@ -15139,7 +15091,7 @@
                         </a:lnSpc>
                       </a:pPr>
                       <a:r>
-                        <a:rPr lang="en-US" altLang="ko-KR" sz="1200" b="1" dirty="0" smtClean="0">
+                        <a:rPr lang="en-US" altLang="ko-KR" sz="1200" b="1" dirty="0">
                           <a:latin typeface="+mj-ea"/>
                           <a:ea typeface="+mj-ea"/>
                         </a:rPr>
@@ -15168,16 +15120,12 @@
                         </a:lnSpc>
                       </a:pPr>
                       <a:r>
-                        <a:rPr lang="ko-KR" altLang="en-US" sz="1200" b="1" dirty="0" smtClean="0">
+                        <a:rPr lang="ko-KR" altLang="en-US" sz="1200" b="1" dirty="0">
                           <a:latin typeface="+mj-ea"/>
                           <a:ea typeface="+mj-ea"/>
                         </a:rPr>
                         <a:t>기능</a:t>
                       </a:r>
-                      <a:endParaRPr lang="ko-KR" altLang="en-US" sz="1200" b="1" dirty="0">
-                        <a:latin typeface="+mj-ea"/>
-                        <a:ea typeface="+mj-ea"/>
-                      </a:endParaRPr>
                     </a:p>
                   </a:txBody>
                   <a:tcPr marL="121920" marR="121920" marT="60960" marB="60960" anchor="ctr">
@@ -15186,6 +15134,11 @@
                     </a:solidFill>
                   </a:tcPr>
                 </a:tc>
+                <a:extLst>
+                  <a:ext uri="{0D108BD9-81ED-4DB2-BD59-A6C34878D82A}">
+                    <a16:rowId xmlns:a16="http://schemas.microsoft.com/office/drawing/2014/main" val="10000"/>
+                  </a:ext>
+                </a:extLst>
               </a:tr>
               <a:tr h="620107">
                 <a:tc>
@@ -15199,7 +15152,7 @@
                         </a:lnSpc>
                       </a:pPr>
                       <a:r>
-                        <a:rPr lang="en-US" altLang="ko-KR" sz="1300" dirty="0" smtClean="0">
+                        <a:rPr lang="en-US" altLang="ko-KR" sz="1300" dirty="0">
                           <a:latin typeface="+mj-ea"/>
                           <a:ea typeface="+mj-ea"/>
                         </a:rPr>
@@ -15224,13 +15177,13 @@
                         </a:lnSpc>
                       </a:pPr>
                       <a:r>
-                        <a:rPr lang="ko-KR" altLang="en-US" sz="1200" b="1" dirty="0" smtClean="0">
+                        <a:rPr lang="ko-KR" altLang="en-US" sz="1200" b="1" dirty="0">
                           <a:latin typeface="+mj-ea"/>
                           <a:ea typeface="+mj-ea"/>
                         </a:rPr>
                         <a:t>탈퇴사유 선택</a:t>
                       </a:r>
-                      <a:endParaRPr lang="en-US" altLang="ko-KR" sz="1200" b="1" dirty="0" smtClean="0">
+                      <a:endParaRPr lang="en-US" altLang="ko-KR" sz="1200" b="1" dirty="0">
                         <a:latin typeface="+mj-ea"/>
                         <a:ea typeface="+mj-ea"/>
                       </a:endParaRPr>
@@ -15242,34 +15195,35 @@
                         </a:lnSpc>
                       </a:pPr>
                       <a:r>
-                        <a:rPr lang="en-US" altLang="ko-KR" sz="1200" dirty="0" smtClean="0">
+                        <a:rPr lang="en-US" altLang="ko-KR" sz="1200" dirty="0">
                           <a:latin typeface="+mj-ea"/>
                           <a:ea typeface="+mj-ea"/>
                         </a:rPr>
                         <a:t>- </a:t>
                       </a:r>
                       <a:r>
-                        <a:rPr lang="ko-KR" altLang="en-US" sz="1200" dirty="0" err="1" smtClean="0">
+                        <a:rPr lang="ko-KR" altLang="en-US" sz="1200" dirty="0" err="1">
                           <a:latin typeface="+mj-ea"/>
                           <a:ea typeface="+mj-ea"/>
                         </a:rPr>
                         <a:t>셀렉트</a:t>
                       </a:r>
                       <a:r>
-                        <a:rPr lang="ko-KR" altLang="en-US" sz="1200" dirty="0" smtClean="0">
+                        <a:rPr lang="ko-KR" altLang="en-US" sz="1200" dirty="0">
                           <a:latin typeface="+mj-ea"/>
                           <a:ea typeface="+mj-ea"/>
                         </a:rPr>
                         <a:t> 박스 선택</a:t>
                       </a:r>
-                      <a:endParaRPr lang="ko-KR" altLang="en-US" sz="1200" dirty="0">
-                        <a:latin typeface="+mj-ea"/>
-                        <a:ea typeface="+mj-ea"/>
-                      </a:endParaRPr>
                     </a:p>
                   </a:txBody>
                   <a:tcPr marL="121920" marR="121920" marT="60960" marB="60960"/>
                 </a:tc>
+                <a:extLst>
+                  <a:ext uri="{0D108BD9-81ED-4DB2-BD59-A6C34878D82A}">
+                    <a16:rowId xmlns:a16="http://schemas.microsoft.com/office/drawing/2014/main" val="10001"/>
+                  </a:ext>
+                </a:extLst>
               </a:tr>
               <a:tr h="620107">
                 <a:tc>
@@ -15283,7 +15237,7 @@
                         </a:lnSpc>
                       </a:pPr>
                       <a:r>
-                        <a:rPr lang="en-US" altLang="ko-KR" sz="1300" dirty="0" smtClean="0">
+                        <a:rPr lang="en-US" altLang="ko-KR" sz="1300" dirty="0">
                           <a:latin typeface="+mj-ea"/>
                           <a:ea typeface="+mj-ea"/>
                         </a:rPr>
@@ -15308,7 +15262,7 @@
                         </a:lnSpc>
                       </a:pPr>
                       <a:r>
-                        <a:rPr lang="ko-KR" altLang="en-US" sz="1200" b="1" i="0" u="none" strike="noStrike" cap="none" dirty="0" smtClean="0">
+                        <a:rPr lang="ko-KR" altLang="en-US" sz="1200" b="1" i="0" u="none" strike="noStrike" cap="none" dirty="0">
                           <a:solidFill>
                             <a:srgbClr val="000000"/>
                           </a:solidFill>
@@ -15319,7 +15273,7 @@
                         </a:rPr>
                         <a:t>본인 확인</a:t>
                       </a:r>
-                      <a:endParaRPr lang="en-US" altLang="ko-KR" sz="1200" b="1" i="0" u="none" strike="noStrike" cap="none" dirty="0" smtClean="0">
+                      <a:endParaRPr lang="en-US" altLang="ko-KR" sz="1200" b="1" i="0" u="none" strike="noStrike" cap="none" dirty="0">
                         <a:solidFill>
                           <a:srgbClr val="000000"/>
                         </a:solidFill>
@@ -15338,7 +15292,7 @@
                         <a:buChar char="-"/>
                       </a:pPr>
                       <a:r>
-                        <a:rPr lang="ko-KR" altLang="en-US" sz="1200" b="0" i="0" u="none" strike="noStrike" cap="none" dirty="0" err="1" smtClean="0">
+                        <a:rPr lang="ko-KR" altLang="en-US" sz="1200" b="0" i="0" u="none" strike="noStrike" cap="none" dirty="0" err="1">
                           <a:solidFill>
                             <a:srgbClr val="000000"/>
                           </a:solidFill>
@@ -15350,7 +15304,7 @@
                         <a:t>이메일</a:t>
                       </a:r>
                       <a:r>
-                        <a:rPr lang="ko-KR" altLang="en-US" sz="1200" b="0" i="0" u="none" strike="noStrike" cap="none" baseline="0" dirty="0" smtClean="0">
+                        <a:rPr lang="ko-KR" altLang="en-US" sz="1200" b="0" i="0" u="none" strike="noStrike" cap="none" baseline="0" dirty="0">
                           <a:solidFill>
                             <a:srgbClr val="000000"/>
                           </a:solidFill>
@@ -15361,7 +15315,7 @@
                         </a:rPr>
                         <a:t> 확인 메일 발송</a:t>
                       </a:r>
-                      <a:endParaRPr lang="en-US" altLang="ko-KR" sz="1200" b="0" i="0" u="none" strike="noStrike" cap="none" baseline="0" dirty="0" smtClean="0">
+                      <a:endParaRPr lang="en-US" altLang="ko-KR" sz="1200" b="0" i="0" u="none" strike="noStrike" cap="none" baseline="0" dirty="0">
                         <a:solidFill>
                           <a:srgbClr val="000000"/>
                         </a:solidFill>
@@ -15374,6 +15328,11 @@
                   </a:txBody>
                   <a:tcPr marL="121920" marR="121920" marT="60960" marB="60960"/>
                 </a:tc>
+                <a:extLst>
+                  <a:ext uri="{0D108BD9-81ED-4DB2-BD59-A6C34878D82A}">
+                    <a16:rowId xmlns:a16="http://schemas.microsoft.com/office/drawing/2014/main" val="10002"/>
+                  </a:ext>
+                </a:extLst>
               </a:tr>
             </a:tbl>
           </a:graphicData>
@@ -15447,13 +15406,6 @@
   <p:clrMapOvr>
     <a:masterClrMapping/>
   </p:clrMapOvr>
-  <p:timing>
-    <p:tnLst>
-      <p:par>
-        <p:cTn id="1" dur="indefinite" restart="never" nodeType="tmRoot"/>
-      </p:par>
-    </p:tnLst>
-  </p:timing>
 </p:sld>
 </file>
 
@@ -16346,7 +16298,7 @@
               <a:t>웹 </a:t>
             </a:r>
             <a:r>
-              <a:rPr lang="en-US" altLang="ko-KR" sz="2400" b="1" dirty="0" smtClean="0">
+              <a:rPr lang="en-US" altLang="ko-KR" sz="2400" b="1" dirty="0">
                 <a:solidFill>
                   <a:schemeClr val="tx1">
                     <a:lumMod val="75000"/>
@@ -16359,7 +16311,7 @@
               <a:t>– </a:t>
             </a:r>
             <a:r>
-              <a:rPr lang="ko-KR" altLang="en-US" sz="2400" b="1" dirty="0" err="1" smtClean="0">
+              <a:rPr lang="ko-KR" altLang="en-US" sz="2400" b="1" dirty="0" err="1">
                 <a:solidFill>
                   <a:schemeClr val="tx1">
                     <a:lumMod val="75000"/>
@@ -16372,7 +16324,7 @@
               <a:t>마이페이지</a:t>
             </a:r>
             <a:r>
-              <a:rPr lang="ko-KR" altLang="en-US" sz="2400" b="1" dirty="0" smtClean="0">
+              <a:rPr lang="ko-KR" altLang="en-US" sz="2400" b="1" dirty="0">
                 <a:solidFill>
                   <a:schemeClr val="tx1">
                     <a:lumMod val="75000"/>
@@ -16385,7 +16337,7 @@
               <a:t> </a:t>
             </a:r>
             <a:r>
-              <a:rPr lang="en-US" altLang="ko-KR" b="1" dirty="0" smtClean="0">
+              <a:rPr lang="en-US" altLang="ko-KR" b="1" dirty="0">
                 <a:solidFill>
                   <a:schemeClr val="tx1">
                     <a:lumMod val="75000"/>
@@ -16398,7 +16350,7 @@
               <a:t>– </a:t>
             </a:r>
             <a:r>
-              <a:rPr lang="ko-KR" altLang="en-US" b="1" dirty="0" smtClean="0">
+              <a:rPr lang="ko-KR" altLang="en-US" b="1" dirty="0">
                 <a:solidFill>
                   <a:schemeClr val="tx1">
                     <a:lumMod val="75000"/>
@@ -16410,16 +16362,6 @@
               </a:rPr>
               <a:t>나의 계좌</a:t>
             </a:r>
-            <a:endParaRPr lang="ko-KR" altLang="en-US" b="1" dirty="0">
-              <a:solidFill>
-                <a:schemeClr val="tx1">
-                  <a:lumMod val="75000"/>
-                  <a:lumOff val="25000"/>
-                </a:schemeClr>
-              </a:solidFill>
-              <a:latin typeface="+mj-ea"/>
-              <a:ea typeface="+mj-ea"/>
-            </a:endParaRPr>
           </a:p>
         </p:txBody>
       </p:sp>
@@ -16446,7 +16388,13 @@
             <a:tbl>
               <a:tblPr firstRow="1" bandRow="1"/>
               <a:tblGrid>
-                <a:gridCol w="2688299"/>
+                <a:gridCol w="2688299">
+                  <a:extLst>
+                    <a:ext uri="{9D8B030D-6E8A-4147-A177-3AD203B41FA5}">
+                      <a16:colId xmlns:a16="http://schemas.microsoft.com/office/drawing/2014/main" val="20000"/>
+                    </a:ext>
+                  </a:extLst>
+                </a:gridCol>
               </a:tblGrid>
               <a:tr h="424495">
                 <a:tc>
@@ -16456,7 +16404,7 @@
                     <a:p>
                       <a:pPr algn="ctr" latinLnBrk="1"/>
                       <a:r>
-                        <a:rPr lang="ko-KR" altLang="en-US" sz="1200" b="1" dirty="0" smtClean="0">
+                        <a:rPr lang="ko-KR" altLang="en-US" sz="1200" b="1" dirty="0">
                           <a:solidFill>
                             <a:schemeClr val="tx1"/>
                           </a:solidFill>
@@ -16465,13 +16413,6 @@
                         </a:rPr>
                         <a:t>화면코드</a:t>
                       </a:r>
-                      <a:endParaRPr lang="ko-KR" altLang="en-US" sz="1200" b="1" dirty="0">
-                        <a:solidFill>
-                          <a:schemeClr val="tx1"/>
-                        </a:solidFill>
-                        <a:latin typeface="+mj-ea"/>
-                        <a:ea typeface="+mj-ea"/>
-                      </a:endParaRPr>
                     </a:p>
                   </a:txBody>
                   <a:tcPr marL="121920" marR="121920" marT="60960" marB="60960" anchor="ctr">
@@ -16480,6 +16421,11 @@
                     </a:solidFill>
                   </a:tcPr>
                 </a:tc>
+                <a:extLst>
+                  <a:ext uri="{0D108BD9-81ED-4DB2-BD59-A6C34878D82A}">
+                    <a16:rowId xmlns:a16="http://schemas.microsoft.com/office/drawing/2014/main" val="10000"/>
+                  </a:ext>
+                </a:extLst>
               </a:tr>
               <a:tr h="490571">
                 <a:tc>
@@ -16489,7 +16435,7 @@
                     <a:p>
                       <a:pPr algn="ctr" latinLnBrk="1"/>
                       <a:r>
-                        <a:rPr lang="en-US" altLang="ko-KR" sz="1500" kern="1200" dirty="0" err="1" smtClean="0">
+                        <a:rPr lang="en-US" altLang="ko-KR" sz="1500" kern="1200" dirty="0" err="1">
                           <a:solidFill>
                             <a:schemeClr val="tx1"/>
                           </a:solidFill>
@@ -16507,6 +16453,11 @@
                   </a:txBody>
                   <a:tcPr marL="121920" marR="121920" marT="60960" marB="60960" anchor="ctr"/>
                 </a:tc>
+                <a:extLst>
+                  <a:ext uri="{0D108BD9-81ED-4DB2-BD59-A6C34878D82A}">
+                    <a16:rowId xmlns:a16="http://schemas.microsoft.com/office/drawing/2014/main" val="10001"/>
+                  </a:ext>
+                </a:extLst>
               </a:tr>
             </a:tbl>
           </a:graphicData>
@@ -16649,8 +16600,20 @@
             <a:tbl>
               <a:tblPr firstRow="1" bandRow="1"/>
               <a:tblGrid>
-                <a:gridCol w="280507"/>
-                <a:gridCol w="2407792"/>
+                <a:gridCol w="280507">
+                  <a:extLst>
+                    <a:ext uri="{9D8B030D-6E8A-4147-A177-3AD203B41FA5}">
+                      <a16:colId xmlns:a16="http://schemas.microsoft.com/office/drawing/2014/main" val="20000"/>
+                    </a:ext>
+                  </a:extLst>
+                </a:gridCol>
+                <a:gridCol w="2407792">
+                  <a:extLst>
+                    <a:ext uri="{9D8B030D-6E8A-4147-A177-3AD203B41FA5}">
+                      <a16:colId xmlns:a16="http://schemas.microsoft.com/office/drawing/2014/main" val="20001"/>
+                    </a:ext>
+                  </a:extLst>
+                </a:gridCol>
               </a:tblGrid>
               <a:tr h="469796">
                 <a:tc>
@@ -16664,7 +16627,7 @@
                         </a:lnSpc>
                       </a:pPr>
                       <a:r>
-                        <a:rPr lang="en-US" altLang="ko-KR" sz="1200" b="1" dirty="0" smtClean="0">
+                        <a:rPr lang="en-US" altLang="ko-KR" sz="1200" b="1" dirty="0">
                           <a:latin typeface="+mj-ea"/>
                           <a:ea typeface="+mj-ea"/>
                         </a:rPr>
@@ -16693,16 +16656,12 @@
                         </a:lnSpc>
                       </a:pPr>
                       <a:r>
-                        <a:rPr lang="ko-KR" altLang="en-US" sz="1200" b="1" dirty="0" smtClean="0">
+                        <a:rPr lang="ko-KR" altLang="en-US" sz="1200" b="1" dirty="0">
                           <a:latin typeface="+mj-ea"/>
                           <a:ea typeface="+mj-ea"/>
                         </a:rPr>
                         <a:t>기능</a:t>
                       </a:r>
-                      <a:endParaRPr lang="ko-KR" altLang="en-US" sz="1200" b="1" dirty="0">
-                        <a:latin typeface="+mj-ea"/>
-                        <a:ea typeface="+mj-ea"/>
-                      </a:endParaRPr>
                     </a:p>
                   </a:txBody>
                   <a:tcPr marL="121920" marR="121920" marT="60960" marB="60960" anchor="ctr">
@@ -16711,6 +16670,11 @@
                     </a:solidFill>
                   </a:tcPr>
                 </a:tc>
+                <a:extLst>
+                  <a:ext uri="{0D108BD9-81ED-4DB2-BD59-A6C34878D82A}">
+                    <a16:rowId xmlns:a16="http://schemas.microsoft.com/office/drawing/2014/main" val="10000"/>
+                  </a:ext>
+                </a:extLst>
               </a:tr>
               <a:tr h="620107">
                 <a:tc>
@@ -16724,7 +16688,7 @@
                         </a:lnSpc>
                       </a:pPr>
                       <a:r>
-                        <a:rPr lang="en-US" altLang="ko-KR" sz="1300" dirty="0" smtClean="0">
+                        <a:rPr lang="en-US" altLang="ko-KR" sz="1300" dirty="0">
                           <a:latin typeface="+mj-ea"/>
                           <a:ea typeface="+mj-ea"/>
                         </a:rPr>
@@ -16749,27 +16713,27 @@
                         </a:lnSpc>
                       </a:pPr>
                       <a:r>
-                        <a:rPr lang="ko-KR" altLang="en-US" sz="1200" b="1" dirty="0" smtClean="0">
+                        <a:rPr lang="ko-KR" altLang="en-US" sz="1200" b="1" dirty="0">
                           <a:latin typeface="+mj-ea"/>
                           <a:ea typeface="+mj-ea"/>
                         </a:rPr>
                         <a:t>계좌정보 등록</a:t>
                       </a:r>
                       <a:r>
-                        <a:rPr lang="en-US" altLang="ko-KR" sz="1200" b="1" dirty="0" smtClean="0">
+                        <a:rPr lang="en-US" altLang="ko-KR" sz="1200" b="1" dirty="0">
                           <a:latin typeface="+mj-ea"/>
                           <a:ea typeface="+mj-ea"/>
                         </a:rPr>
                         <a:t>/</a:t>
                       </a:r>
                       <a:r>
-                        <a:rPr lang="ko-KR" altLang="en-US" sz="1200" b="1" dirty="0" smtClean="0">
+                        <a:rPr lang="ko-KR" altLang="en-US" sz="1200" b="1" dirty="0">
                           <a:latin typeface="+mj-ea"/>
                           <a:ea typeface="+mj-ea"/>
                         </a:rPr>
                         <a:t>수정</a:t>
                       </a:r>
-                      <a:endParaRPr lang="en-US" altLang="ko-KR" sz="1200" b="1" dirty="0" smtClean="0">
+                      <a:endParaRPr lang="en-US" altLang="ko-KR" sz="1200" b="1" dirty="0">
                         <a:latin typeface="+mj-ea"/>
                         <a:ea typeface="+mj-ea"/>
                       </a:endParaRPr>
@@ -16777,6 +16741,11 @@
                   </a:txBody>
                   <a:tcPr marL="121920" marR="121920" marT="60960" marB="60960"/>
                 </a:tc>
+                <a:extLst>
+                  <a:ext uri="{0D108BD9-81ED-4DB2-BD59-A6C34878D82A}">
+                    <a16:rowId xmlns:a16="http://schemas.microsoft.com/office/drawing/2014/main" val="10001"/>
+                  </a:ext>
+                </a:extLst>
               </a:tr>
               <a:tr h="620107">
                 <a:tc>
@@ -16790,7 +16759,7 @@
                         </a:lnSpc>
                       </a:pPr>
                       <a:r>
-                        <a:rPr lang="en-US" altLang="ko-KR" sz="1300" dirty="0" smtClean="0">
+                        <a:rPr lang="en-US" altLang="ko-KR" sz="1300" dirty="0">
                           <a:latin typeface="+mj-ea"/>
                           <a:ea typeface="+mj-ea"/>
                         </a:rPr>
@@ -16815,7 +16784,7 @@
                         </a:lnSpc>
                       </a:pPr>
                       <a:r>
-                        <a:rPr lang="ko-KR" altLang="en-US" sz="1200" b="1" i="0" u="none" strike="noStrike" cap="none" dirty="0" smtClean="0">
+                        <a:rPr lang="ko-KR" altLang="en-US" sz="1200" b="1" i="0" u="none" strike="noStrike" cap="none" dirty="0">
                           <a:solidFill>
                             <a:srgbClr val="000000"/>
                           </a:solidFill>
@@ -16827,7 +16796,7 @@
                         <a:t>예치금</a:t>
                       </a:r>
                       <a:r>
-                        <a:rPr lang="ko-KR" altLang="en-US" sz="1200" b="1" i="0" u="none" strike="noStrike" cap="none" baseline="0" dirty="0" smtClean="0">
+                        <a:rPr lang="ko-KR" altLang="en-US" sz="1200" b="1" i="0" u="none" strike="noStrike" cap="none" baseline="0" dirty="0">
                           <a:solidFill>
                             <a:srgbClr val="000000"/>
                           </a:solidFill>
@@ -16838,7 +16807,7 @@
                         </a:rPr>
                         <a:t> 이용 내역</a:t>
                       </a:r>
-                      <a:endParaRPr lang="en-US" altLang="ko-KR" sz="1200" b="1" i="0" u="none" strike="noStrike" cap="none" dirty="0" smtClean="0">
+                      <a:endParaRPr lang="en-US" altLang="ko-KR" sz="1200" b="1" i="0" u="none" strike="noStrike" cap="none" dirty="0">
                         <a:solidFill>
                           <a:srgbClr val="000000"/>
                         </a:solidFill>
@@ -16857,7 +16826,7 @@
                         <a:buChar char="-"/>
                       </a:pPr>
                       <a:r>
-                        <a:rPr lang="ko-KR" altLang="en-US" sz="1200" b="0" i="0" u="none" strike="noStrike" cap="none" baseline="0" dirty="0" smtClean="0">
+                        <a:rPr lang="ko-KR" altLang="en-US" sz="1200" b="0" i="0" u="none" strike="noStrike" cap="none" baseline="0" dirty="0">
                           <a:solidFill>
                             <a:srgbClr val="000000"/>
                           </a:solidFill>
@@ -16869,7 +16838,7 @@
                         <a:t>주문</a:t>
                       </a:r>
                       <a:r>
-                        <a:rPr lang="en-US" altLang="ko-KR" sz="1200" b="0" i="0" u="none" strike="noStrike" cap="none" baseline="0" dirty="0" smtClean="0">
+                        <a:rPr lang="en-US" altLang="ko-KR" sz="1200" b="0" i="0" u="none" strike="noStrike" cap="none" baseline="0" dirty="0">
                           <a:solidFill>
                             <a:srgbClr val="000000"/>
                           </a:solidFill>
@@ -16881,7 +16850,7 @@
                         <a:t>, </a:t>
                       </a:r>
                       <a:r>
-                        <a:rPr lang="ko-KR" altLang="en-US" sz="1200" b="0" i="0" u="none" strike="noStrike" cap="none" baseline="0" dirty="0" smtClean="0">
+                        <a:rPr lang="ko-KR" altLang="en-US" sz="1200" b="0" i="0" u="none" strike="noStrike" cap="none" baseline="0" dirty="0">
                           <a:solidFill>
                             <a:srgbClr val="000000"/>
                           </a:solidFill>
@@ -16893,7 +16862,7 @@
                         <a:t>출금</a:t>
                       </a:r>
                       <a:r>
-                        <a:rPr lang="en-US" altLang="ko-KR" sz="1200" b="0" i="0" u="none" strike="noStrike" cap="none" baseline="0" dirty="0" smtClean="0">
+                        <a:rPr lang="en-US" altLang="ko-KR" sz="1200" b="0" i="0" u="none" strike="noStrike" cap="none" baseline="0" dirty="0">
                           <a:solidFill>
                             <a:srgbClr val="000000"/>
                           </a:solidFill>
@@ -16905,7 +16874,7 @@
                         <a:t>, </a:t>
                       </a:r>
                       <a:r>
-                        <a:rPr lang="ko-KR" altLang="en-US" sz="1200" b="0" i="0" u="none" strike="noStrike" cap="none" baseline="0" dirty="0" smtClean="0">
+                        <a:rPr lang="ko-KR" altLang="en-US" sz="1200" b="0" i="0" u="none" strike="noStrike" cap="none" baseline="0" dirty="0">
                           <a:solidFill>
                             <a:srgbClr val="000000"/>
                           </a:solidFill>
@@ -16917,7 +16886,7 @@
                         <a:t>입금</a:t>
                       </a:r>
                       <a:r>
-                        <a:rPr lang="en-US" altLang="ko-KR" sz="1200" b="0" i="0" u="none" strike="noStrike" cap="none" baseline="0" dirty="0" smtClean="0">
+                        <a:rPr lang="en-US" altLang="ko-KR" sz="1200" b="0" i="0" u="none" strike="noStrike" cap="none" baseline="0" dirty="0">
                           <a:solidFill>
                             <a:srgbClr val="000000"/>
                           </a:solidFill>
@@ -16929,7 +16898,7 @@
                         <a:t>, </a:t>
                       </a:r>
                       <a:r>
-                        <a:rPr lang="ko-KR" altLang="en-US" sz="1200" b="0" i="0" u="none" strike="noStrike" cap="none" baseline="0" dirty="0" err="1" smtClean="0">
+                        <a:rPr lang="ko-KR" altLang="en-US" sz="1200" b="0" i="0" u="none" strike="noStrike" cap="none" baseline="0" dirty="0" err="1">
                           <a:solidFill>
                             <a:srgbClr val="000000"/>
                           </a:solidFill>
@@ -16941,7 +16910,7 @@
                         <a:t>펀딩</a:t>
                       </a:r>
                       <a:r>
-                        <a:rPr lang="ko-KR" altLang="en-US" sz="1200" b="0" i="0" u="none" strike="noStrike" cap="none" baseline="0" dirty="0" smtClean="0">
+                        <a:rPr lang="ko-KR" altLang="en-US" sz="1200" b="0" i="0" u="none" strike="noStrike" cap="none" baseline="0" dirty="0">
                           <a:solidFill>
                             <a:srgbClr val="000000"/>
                           </a:solidFill>
@@ -16952,7 +16921,7 @@
                         </a:rPr>
                         <a:t> 분류</a:t>
                       </a:r>
-                      <a:endParaRPr lang="en-US" altLang="ko-KR" sz="1200" b="0" i="0" u="none" strike="noStrike" cap="none" baseline="0" dirty="0" smtClean="0">
+                      <a:endParaRPr lang="en-US" altLang="ko-KR" sz="1200" b="0" i="0" u="none" strike="noStrike" cap="none" baseline="0" dirty="0">
                         <a:solidFill>
                           <a:srgbClr val="000000"/>
                         </a:solidFill>
@@ -16965,6 +16934,11 @@
                   </a:txBody>
                   <a:tcPr marL="121920" marR="121920" marT="60960" marB="60960"/>
                 </a:tc>
+                <a:extLst>
+                  <a:ext uri="{0D108BD9-81ED-4DB2-BD59-A6C34878D82A}">
+                    <a16:rowId xmlns:a16="http://schemas.microsoft.com/office/drawing/2014/main" val="10002"/>
+                  </a:ext>
+                </a:extLst>
               </a:tr>
             </a:tbl>
           </a:graphicData>
@@ -17141,7 +17115,7 @@
           <a:p>
             <a:pPr algn="ctr"/>
             <a:r>
-              <a:rPr lang="en-US" altLang="ko-KR" sz="1300" b="1" dirty="0" smtClean="0">
+              <a:rPr lang="en-US" altLang="ko-KR" sz="1300" b="1" dirty="0">
                 <a:solidFill>
                   <a:schemeClr val="bg1"/>
                 </a:solidFill>
@@ -17480,13 +17454,6 @@
   <p:clrMapOvr>
     <a:masterClrMapping/>
   </p:clrMapOvr>
-  <p:timing>
-    <p:tnLst>
-      <p:par>
-        <p:cTn id="1" dur="indefinite" restart="never" nodeType="tmRoot"/>
-      </p:par>
-    </p:tnLst>
-  </p:timing>
 </p:sld>
 </file>
 
@@ -17745,7 +17712,7 @@
   <a:extraClrSchemeLst/>
   <a:extLst>
     <a:ext uri="{05A4C25C-085E-4340-85A3-A5531E510DB2}">
-      <thm15:themeFamily xmlns="" xmlns:thm15="http://schemas.microsoft.com/office/thememl/2012/main" name="Office Theme" id="{62F939B6-93AF-4DB8-9C6B-D6C7DFDC589F}" vid="{4A3C46E8-61CC-4603-A589-7422A47A8E4A}"/>
+      <thm15:themeFamily xmlns:thm15="http://schemas.microsoft.com/office/thememl/2012/main" name="Office Theme" id="{62F939B6-93AF-4DB8-9C6B-D6C7DFDC589F}" vid="{4A3C46E8-61CC-4603-A589-7422A47A8E4A}"/>
     </a:ext>
   </a:extLst>
 </a:theme>
@@ -18006,7 +17973,7 @@
   <a:extraClrSchemeLst/>
   <a:extLst>
     <a:ext uri="{05A4C25C-085E-4340-85A3-A5531E510DB2}">
-      <thm15:themeFamily xmlns="" xmlns:thm15="http://schemas.microsoft.com/office/thememl/2012/main" name="Office Theme" id="{62F939B6-93AF-4DB8-9C6B-D6C7DFDC589F}" vid="{4A3C46E8-61CC-4603-A589-7422A47A8E4A}"/>
+      <thm15:themeFamily xmlns:thm15="http://schemas.microsoft.com/office/thememl/2012/main" name="Office Theme" id="{62F939B6-93AF-4DB8-9C6B-D6C7DFDC589F}" vid="{4A3C46E8-61CC-4603-A589-7422A47A8E4A}"/>
     </a:ext>
   </a:extLst>
 </a:theme>

--- a/0 발표용 파워포인트/project06 - 파워포인트 종합 - 서희.pptx
+++ b/0 발표용 파워포인트/project06 - 파워포인트 종합 - 서희.pptx
@@ -156,7 +156,7 @@
       </p14:sectionLst>
     </p:ext>
     <p:ext uri="{EFAFB233-063F-42B5-8137-9DF3F51BA10A}">
-      <p15:sldGuideLst xmlns="" xmlns:p15="http://schemas.microsoft.com/office/powerpoint/2012/main">
+      <p15:sldGuideLst xmlns:p15="http://schemas.microsoft.com/office/powerpoint/2012/main" xmlns="">
         <p15:guide id="1" orient="horz" pos="2160">
           <p15:clr>
             <a:srgbClr val="A4A3A4"/>
@@ -170,7 +170,7 @@
       </p15:sldGuideLst>
     </p:ext>
     <p:ext uri="{2D200454-40CA-4A62-9FC3-DE9A4176ACB9}">
-      <p15:notesGuideLst xmlns="" xmlns:p15="http://schemas.microsoft.com/office/powerpoint/2012/main">
+      <p15:notesGuideLst xmlns:p15="http://schemas.microsoft.com/office/powerpoint/2012/main" xmlns="">
         <p15:guide id="1" orient="horz" pos="2880">
           <p15:clr>
             <a:srgbClr val="A4A3A4"/>
@@ -5499,7 +5499,7 @@
                 <a:gridCol w="2688299">
                   <a:extLst>
                     <a:ext uri="{9D8B030D-6E8A-4147-A177-3AD203B41FA5}">
-                      <a16:colId xmlns="" xmlns:a16="http://schemas.microsoft.com/office/drawing/2014/main" val="20000"/>
+                      <a16:colId xmlns:a16="http://schemas.microsoft.com/office/drawing/2014/main" xmlns="" val="20000"/>
                     </a:ext>
                   </a:extLst>
                 </a:gridCol>
@@ -5531,7 +5531,7 @@
                 </a:tc>
                 <a:extLst>
                   <a:ext uri="{0D108BD9-81ED-4DB2-BD59-A6C34878D82A}">
-                    <a16:rowId xmlns="" xmlns:a16="http://schemas.microsoft.com/office/drawing/2014/main" val="10000"/>
+                    <a16:rowId xmlns:a16="http://schemas.microsoft.com/office/drawing/2014/main" xmlns="" val="10000"/>
                   </a:ext>
                 </a:extLst>
               </a:tr>
@@ -5566,7 +5566,7 @@
                 </a:tc>
                 <a:extLst>
                   <a:ext uri="{0D108BD9-81ED-4DB2-BD59-A6C34878D82A}">
-                    <a16:rowId xmlns="" xmlns:a16="http://schemas.microsoft.com/office/drawing/2014/main" val="10001"/>
+                    <a16:rowId xmlns:a16="http://schemas.microsoft.com/office/drawing/2014/main" xmlns="" val="10001"/>
                   </a:ext>
                 </a:extLst>
               </a:tr>
@@ -5600,14 +5600,14 @@
                 <a:gridCol w="280507">
                   <a:extLst>
                     <a:ext uri="{9D8B030D-6E8A-4147-A177-3AD203B41FA5}">
-                      <a16:colId xmlns="" xmlns:a16="http://schemas.microsoft.com/office/drawing/2014/main" val="20000"/>
+                      <a16:colId xmlns:a16="http://schemas.microsoft.com/office/drawing/2014/main" xmlns="" val="20000"/>
                     </a:ext>
                   </a:extLst>
                 </a:gridCol>
                 <a:gridCol w="2407792">
                   <a:extLst>
                     <a:ext uri="{9D8B030D-6E8A-4147-A177-3AD203B41FA5}">
-                      <a16:colId xmlns="" xmlns:a16="http://schemas.microsoft.com/office/drawing/2014/main" val="20001"/>
+                      <a16:colId xmlns:a16="http://schemas.microsoft.com/office/drawing/2014/main" xmlns="" val="20001"/>
                     </a:ext>
                   </a:extLst>
                 </a:gridCol>
@@ -5669,7 +5669,7 @@
                 </a:tc>
                 <a:extLst>
                   <a:ext uri="{0D108BD9-81ED-4DB2-BD59-A6C34878D82A}">
-                    <a16:rowId xmlns="" xmlns:a16="http://schemas.microsoft.com/office/drawing/2014/main" val="10000"/>
+                    <a16:rowId xmlns:a16="http://schemas.microsoft.com/office/drawing/2014/main" xmlns="" val="10000"/>
                   </a:ext>
                 </a:extLst>
               </a:tr>
@@ -5761,7 +5761,7 @@
                 </a:tc>
                 <a:extLst>
                   <a:ext uri="{0D108BD9-81ED-4DB2-BD59-A6C34878D82A}">
-                    <a16:rowId xmlns="" xmlns:a16="http://schemas.microsoft.com/office/drawing/2014/main" val="10001"/>
+                    <a16:rowId xmlns:a16="http://schemas.microsoft.com/office/drawing/2014/main" xmlns="" val="10001"/>
                   </a:ext>
                 </a:extLst>
               </a:tr>
@@ -5892,7 +5892,7 @@
                 </a:tc>
                 <a:extLst>
                   <a:ext uri="{0D108BD9-81ED-4DB2-BD59-A6C34878D82A}">
-                    <a16:rowId xmlns="" xmlns:a16="http://schemas.microsoft.com/office/drawing/2014/main" val="10002"/>
+                    <a16:rowId xmlns:a16="http://schemas.microsoft.com/office/drawing/2014/main" xmlns="" val="10002"/>
                   </a:ext>
                 </a:extLst>
               </a:tr>
@@ -6017,7 +6017,7 @@
                 </a:tc>
                 <a:extLst>
                   <a:ext uri="{0D108BD9-81ED-4DB2-BD59-A6C34878D82A}">
-                    <a16:rowId xmlns="" xmlns:a16="http://schemas.microsoft.com/office/drawing/2014/main" val="10003"/>
+                    <a16:rowId xmlns:a16="http://schemas.microsoft.com/office/drawing/2014/main" xmlns="" val="10003"/>
                   </a:ext>
                 </a:extLst>
               </a:tr>
@@ -6163,7 +6163,7 @@
                 </a:tc>
                 <a:extLst>
                   <a:ext uri="{0D108BD9-81ED-4DB2-BD59-A6C34878D82A}">
-                    <a16:rowId xmlns="" xmlns:a16="http://schemas.microsoft.com/office/drawing/2014/main" val="10004"/>
+                    <a16:rowId xmlns:a16="http://schemas.microsoft.com/office/drawing/2014/main" xmlns="" val="10004"/>
                   </a:ext>
                 </a:extLst>
               </a:tr>
@@ -6601,6 +6601,134 @@
           <a:xfrm>
             <a:off x="5198293" y="3369509"/>
             <a:ext cx="753081" cy="358610"/>
+          </a:xfrm>
+          <a:prstGeom prst="rect">
+            <a:avLst/>
+          </a:prstGeom>
+          <a:noFill/>
+          <a:ln>
+            <a:noFill/>
+          </a:ln>
+          <a:effectLst/>
+          <a:extLst>
+            <a:ext uri="{909E8E84-426E-40DD-AFC4-6F175D3DCCD1}">
+              <a14:hiddenFill xmlns:a14="http://schemas.microsoft.com/office/drawing/2010/main">
+                <a:solidFill>
+                  <a:schemeClr val="accent1"/>
+                </a:solidFill>
+              </a14:hiddenFill>
+            </a:ext>
+            <a:ext uri="{91240B29-F687-4F45-9708-019B960494DF}">
+              <a14:hiddenLine xmlns:a14="http://schemas.microsoft.com/office/drawing/2010/main" w="9525">
+                <a:solidFill>
+                  <a:schemeClr val="tx1"/>
+                </a:solidFill>
+                <a:miter lim="800000"/>
+                <a:headEnd/>
+                <a:tailEnd/>
+              </a14:hiddenLine>
+            </a:ext>
+            <a:ext uri="{AF507438-7753-43E0-B8FC-AC1667EBCBE1}">
+              <a14:hiddenEffects xmlns:a14="http://schemas.microsoft.com/office/drawing/2010/main">
+                <a:effectLst>
+                  <a:outerShdw dist="35921" dir="2700000" algn="ctr" rotWithShape="0">
+                    <a:schemeClr val="bg2"/>
+                  </a:outerShdw>
+                </a:effectLst>
+              </a14:hiddenEffects>
+            </a:ext>
+          </a:extLst>
+        </p:spPr>
+      </p:pic>
+      <p:pic>
+        <p:nvPicPr>
+          <p:cNvPr id="21" name="Picture 2"/>
+          <p:cNvPicPr>
+            <a:picLocks noChangeAspect="1" noChangeArrowheads="1"/>
+          </p:cNvPicPr>
+          <p:nvPr/>
+        </p:nvPicPr>
+        <p:blipFill>
+          <a:blip r:embed="rId5">
+            <a:extLst>
+              <a:ext uri="{28A0092B-C50C-407E-A947-70E740481C1C}">
+                <a14:useLocalDpi xmlns:a14="http://schemas.microsoft.com/office/drawing/2010/main" val="0"/>
+              </a:ext>
+            </a:extLst>
+          </a:blip>
+          <a:srcRect/>
+          <a:stretch>
+            <a:fillRect/>
+          </a:stretch>
+        </p:blipFill>
+        <p:spPr bwMode="auto">
+          <a:xfrm>
+            <a:off x="4430400" y="3914569"/>
+            <a:ext cx="1119032" cy="211938"/>
+          </a:xfrm>
+          <a:prstGeom prst="rect">
+            <a:avLst/>
+          </a:prstGeom>
+          <a:noFill/>
+          <a:ln>
+            <a:noFill/>
+          </a:ln>
+          <a:effectLst/>
+          <a:extLst>
+            <a:ext uri="{909E8E84-426E-40DD-AFC4-6F175D3DCCD1}">
+              <a14:hiddenFill xmlns:a14="http://schemas.microsoft.com/office/drawing/2010/main">
+                <a:solidFill>
+                  <a:schemeClr val="accent1"/>
+                </a:solidFill>
+              </a14:hiddenFill>
+            </a:ext>
+            <a:ext uri="{91240B29-F687-4F45-9708-019B960494DF}">
+              <a14:hiddenLine xmlns:a14="http://schemas.microsoft.com/office/drawing/2010/main" w="9525">
+                <a:solidFill>
+                  <a:schemeClr val="tx1"/>
+                </a:solidFill>
+                <a:miter lim="800000"/>
+                <a:headEnd/>
+                <a:tailEnd/>
+              </a14:hiddenLine>
+            </a:ext>
+            <a:ext uri="{AF507438-7753-43E0-B8FC-AC1667EBCBE1}">
+              <a14:hiddenEffects xmlns:a14="http://schemas.microsoft.com/office/drawing/2010/main">
+                <a:effectLst>
+                  <a:outerShdw dist="35921" dir="2700000" algn="ctr" rotWithShape="0">
+                    <a:schemeClr val="bg2"/>
+                  </a:outerShdw>
+                </a:effectLst>
+              </a14:hiddenEffects>
+            </a:ext>
+          </a:extLst>
+        </p:spPr>
+      </p:pic>
+      <p:pic>
+        <p:nvPicPr>
+          <p:cNvPr id="22" name="Picture 3"/>
+          <p:cNvPicPr>
+            <a:picLocks noChangeAspect="1" noChangeArrowheads="1"/>
+          </p:cNvPicPr>
+          <p:nvPr/>
+        </p:nvPicPr>
+        <p:blipFill>
+          <a:blip r:embed="rId6">
+            <a:extLst>
+              <a:ext uri="{28A0092B-C50C-407E-A947-70E740481C1C}">
+                <a14:useLocalDpi xmlns:a14="http://schemas.microsoft.com/office/drawing/2010/main" val="0"/>
+              </a:ext>
+            </a:extLst>
+          </a:blip>
+          <a:srcRect/>
+          <a:stretch>
+            <a:fillRect/>
+          </a:stretch>
+        </p:blipFill>
+        <p:spPr bwMode="auto">
+          <a:xfrm>
+            <a:off x="5507928" y="3863010"/>
+            <a:ext cx="657225" cy="247650"/>
           </a:xfrm>
           <a:prstGeom prst="rect">
             <a:avLst/>
@@ -7713,7 +7841,7 @@
                 <a:gridCol w="2688299">
                   <a:extLst>
                     <a:ext uri="{9D8B030D-6E8A-4147-A177-3AD203B41FA5}">
-                      <a16:colId xmlns="" xmlns:a16="http://schemas.microsoft.com/office/drawing/2014/main" val="20000"/>
+                      <a16:colId xmlns:a16="http://schemas.microsoft.com/office/drawing/2014/main" xmlns="" val="20000"/>
                     </a:ext>
                   </a:extLst>
                 </a:gridCol>
@@ -7745,7 +7873,7 @@
                 </a:tc>
                 <a:extLst>
                   <a:ext uri="{0D108BD9-81ED-4DB2-BD59-A6C34878D82A}">
-                    <a16:rowId xmlns="" xmlns:a16="http://schemas.microsoft.com/office/drawing/2014/main" val="10000"/>
+                    <a16:rowId xmlns:a16="http://schemas.microsoft.com/office/drawing/2014/main" xmlns="" val="10000"/>
                   </a:ext>
                 </a:extLst>
               </a:tr>
@@ -7773,7 +7901,7 @@
                 </a:tc>
                 <a:extLst>
                   <a:ext uri="{0D108BD9-81ED-4DB2-BD59-A6C34878D82A}">
-                    <a16:rowId xmlns="" xmlns:a16="http://schemas.microsoft.com/office/drawing/2014/main" val="10001"/>
+                    <a16:rowId xmlns:a16="http://schemas.microsoft.com/office/drawing/2014/main" xmlns="" val="10001"/>
                   </a:ext>
                 </a:extLst>
               </a:tr>
@@ -7807,14 +7935,14 @@
                 <a:gridCol w="280507">
                   <a:extLst>
                     <a:ext uri="{9D8B030D-6E8A-4147-A177-3AD203B41FA5}">
-                      <a16:colId xmlns="" xmlns:a16="http://schemas.microsoft.com/office/drawing/2014/main" val="20000"/>
+                      <a16:colId xmlns:a16="http://schemas.microsoft.com/office/drawing/2014/main" xmlns="" val="20000"/>
                     </a:ext>
                   </a:extLst>
                 </a:gridCol>
                 <a:gridCol w="2407792">
                   <a:extLst>
                     <a:ext uri="{9D8B030D-6E8A-4147-A177-3AD203B41FA5}">
-                      <a16:colId xmlns="" xmlns:a16="http://schemas.microsoft.com/office/drawing/2014/main" val="20001"/>
+                      <a16:colId xmlns:a16="http://schemas.microsoft.com/office/drawing/2014/main" xmlns="" val="20001"/>
                     </a:ext>
                   </a:extLst>
                 </a:gridCol>
@@ -7876,7 +8004,7 @@
                 </a:tc>
                 <a:extLst>
                   <a:ext uri="{0D108BD9-81ED-4DB2-BD59-A6C34878D82A}">
-                    <a16:rowId xmlns="" xmlns:a16="http://schemas.microsoft.com/office/drawing/2014/main" val="10000"/>
+                    <a16:rowId xmlns:a16="http://schemas.microsoft.com/office/drawing/2014/main" xmlns="" val="10000"/>
                   </a:ext>
                 </a:extLst>
               </a:tr>
@@ -7968,7 +8096,7 @@
                 </a:tc>
                 <a:extLst>
                   <a:ext uri="{0D108BD9-81ED-4DB2-BD59-A6C34878D82A}">
-                    <a16:rowId xmlns="" xmlns:a16="http://schemas.microsoft.com/office/drawing/2014/main" val="10001"/>
+                    <a16:rowId xmlns:a16="http://schemas.microsoft.com/office/drawing/2014/main" xmlns="" val="10001"/>
                   </a:ext>
                 </a:extLst>
               </a:tr>
@@ -8099,7 +8227,7 @@
                 </a:tc>
                 <a:extLst>
                   <a:ext uri="{0D108BD9-81ED-4DB2-BD59-A6C34878D82A}">
-                    <a16:rowId xmlns="" xmlns:a16="http://schemas.microsoft.com/office/drawing/2014/main" val="10002"/>
+                    <a16:rowId xmlns:a16="http://schemas.microsoft.com/office/drawing/2014/main" xmlns="" val="10002"/>
                   </a:ext>
                 </a:extLst>
               </a:tr>
@@ -8224,7 +8352,7 @@
                 </a:tc>
                 <a:extLst>
                   <a:ext uri="{0D108BD9-81ED-4DB2-BD59-A6C34878D82A}">
-                    <a16:rowId xmlns="" xmlns:a16="http://schemas.microsoft.com/office/drawing/2014/main" val="10003"/>
+                    <a16:rowId xmlns:a16="http://schemas.microsoft.com/office/drawing/2014/main" xmlns="" val="10003"/>
                   </a:ext>
                 </a:extLst>
               </a:tr>
@@ -8370,7 +8498,7 @@
                 </a:tc>
                 <a:extLst>
                   <a:ext uri="{0D108BD9-81ED-4DB2-BD59-A6C34878D82A}">
-                    <a16:rowId xmlns="" xmlns:a16="http://schemas.microsoft.com/office/drawing/2014/main" val="10004"/>
+                    <a16:rowId xmlns:a16="http://schemas.microsoft.com/office/drawing/2014/main" xmlns="" val="10004"/>
                   </a:ext>
                 </a:extLst>
               </a:tr>
@@ -8872,6 +9000,134 @@
           <a:xfrm>
             <a:off x="5198293" y="3369509"/>
             <a:ext cx="753081" cy="358610"/>
+          </a:xfrm>
+          <a:prstGeom prst="rect">
+            <a:avLst/>
+          </a:prstGeom>
+          <a:noFill/>
+          <a:ln>
+            <a:noFill/>
+          </a:ln>
+          <a:effectLst/>
+          <a:extLst>
+            <a:ext uri="{909E8E84-426E-40DD-AFC4-6F175D3DCCD1}">
+              <a14:hiddenFill xmlns:a14="http://schemas.microsoft.com/office/drawing/2010/main">
+                <a:solidFill>
+                  <a:schemeClr val="accent1"/>
+                </a:solidFill>
+              </a14:hiddenFill>
+            </a:ext>
+            <a:ext uri="{91240B29-F687-4F45-9708-019B960494DF}">
+              <a14:hiddenLine xmlns:a14="http://schemas.microsoft.com/office/drawing/2010/main" w="9525">
+                <a:solidFill>
+                  <a:schemeClr val="tx1"/>
+                </a:solidFill>
+                <a:miter lim="800000"/>
+                <a:headEnd/>
+                <a:tailEnd/>
+              </a14:hiddenLine>
+            </a:ext>
+            <a:ext uri="{AF507438-7753-43E0-B8FC-AC1667EBCBE1}">
+              <a14:hiddenEffects xmlns:a14="http://schemas.microsoft.com/office/drawing/2010/main">
+                <a:effectLst>
+                  <a:outerShdw dist="35921" dir="2700000" algn="ctr" rotWithShape="0">
+                    <a:schemeClr val="bg2"/>
+                  </a:outerShdw>
+                </a:effectLst>
+              </a14:hiddenEffects>
+            </a:ext>
+          </a:extLst>
+        </p:spPr>
+      </p:pic>
+      <p:pic>
+        <p:nvPicPr>
+          <p:cNvPr id="1026" name="Picture 2"/>
+          <p:cNvPicPr>
+            <a:picLocks noChangeAspect="1" noChangeArrowheads="1"/>
+          </p:cNvPicPr>
+          <p:nvPr/>
+        </p:nvPicPr>
+        <p:blipFill>
+          <a:blip r:embed="rId6">
+            <a:extLst>
+              <a:ext uri="{28A0092B-C50C-407E-A947-70E740481C1C}">
+                <a14:useLocalDpi xmlns:a14="http://schemas.microsoft.com/office/drawing/2010/main" val="0"/>
+              </a:ext>
+            </a:extLst>
+          </a:blip>
+          <a:srcRect/>
+          <a:stretch>
+            <a:fillRect/>
+          </a:stretch>
+        </p:blipFill>
+        <p:spPr bwMode="auto">
+          <a:xfrm>
+            <a:off x="4430400" y="3914569"/>
+            <a:ext cx="1119032" cy="211938"/>
+          </a:xfrm>
+          <a:prstGeom prst="rect">
+            <a:avLst/>
+          </a:prstGeom>
+          <a:noFill/>
+          <a:ln>
+            <a:noFill/>
+          </a:ln>
+          <a:effectLst/>
+          <a:extLst>
+            <a:ext uri="{909E8E84-426E-40DD-AFC4-6F175D3DCCD1}">
+              <a14:hiddenFill xmlns:a14="http://schemas.microsoft.com/office/drawing/2010/main">
+                <a:solidFill>
+                  <a:schemeClr val="accent1"/>
+                </a:solidFill>
+              </a14:hiddenFill>
+            </a:ext>
+            <a:ext uri="{91240B29-F687-4F45-9708-019B960494DF}">
+              <a14:hiddenLine xmlns:a14="http://schemas.microsoft.com/office/drawing/2010/main" w="9525">
+                <a:solidFill>
+                  <a:schemeClr val="tx1"/>
+                </a:solidFill>
+                <a:miter lim="800000"/>
+                <a:headEnd/>
+                <a:tailEnd/>
+              </a14:hiddenLine>
+            </a:ext>
+            <a:ext uri="{AF507438-7753-43E0-B8FC-AC1667EBCBE1}">
+              <a14:hiddenEffects xmlns:a14="http://schemas.microsoft.com/office/drawing/2010/main">
+                <a:effectLst>
+                  <a:outerShdw dist="35921" dir="2700000" algn="ctr" rotWithShape="0">
+                    <a:schemeClr val="bg2"/>
+                  </a:outerShdw>
+                </a:effectLst>
+              </a14:hiddenEffects>
+            </a:ext>
+          </a:extLst>
+        </p:spPr>
+      </p:pic>
+      <p:pic>
+        <p:nvPicPr>
+          <p:cNvPr id="1027" name="Picture 3"/>
+          <p:cNvPicPr>
+            <a:picLocks noChangeAspect="1" noChangeArrowheads="1"/>
+          </p:cNvPicPr>
+          <p:nvPr/>
+        </p:nvPicPr>
+        <p:blipFill>
+          <a:blip r:embed="rId7">
+            <a:extLst>
+              <a:ext uri="{28A0092B-C50C-407E-A947-70E740481C1C}">
+                <a14:useLocalDpi xmlns:a14="http://schemas.microsoft.com/office/drawing/2010/main" val="0"/>
+              </a:ext>
+            </a:extLst>
+          </a:blip>
+          <a:srcRect/>
+          <a:stretch>
+            <a:fillRect/>
+          </a:stretch>
+        </p:blipFill>
+        <p:spPr bwMode="auto">
+          <a:xfrm>
+            <a:off x="5507928" y="3863010"/>
+            <a:ext cx="657225" cy="247650"/>
           </a:xfrm>
           <a:prstGeom prst="rect">
             <a:avLst/>
@@ -9906,7 +10162,7 @@
                 <a:gridCol w="2688299">
                   <a:extLst>
                     <a:ext uri="{9D8B030D-6E8A-4147-A177-3AD203B41FA5}">
-                      <a16:colId xmlns="" xmlns:a16="http://schemas.microsoft.com/office/drawing/2014/main" val="20000"/>
+                      <a16:colId xmlns:a16="http://schemas.microsoft.com/office/drawing/2014/main" xmlns="" val="20000"/>
                     </a:ext>
                   </a:extLst>
                 </a:gridCol>
@@ -9938,7 +10194,7 @@
                 </a:tc>
                 <a:extLst>
                   <a:ext uri="{0D108BD9-81ED-4DB2-BD59-A6C34878D82A}">
-                    <a16:rowId xmlns="" xmlns:a16="http://schemas.microsoft.com/office/drawing/2014/main" val="10000"/>
+                    <a16:rowId xmlns:a16="http://schemas.microsoft.com/office/drawing/2014/main" xmlns="" val="10000"/>
                   </a:ext>
                 </a:extLst>
               </a:tr>
@@ -9966,7 +10222,7 @@
                 </a:tc>
                 <a:extLst>
                   <a:ext uri="{0D108BD9-81ED-4DB2-BD59-A6C34878D82A}">
-                    <a16:rowId xmlns="" xmlns:a16="http://schemas.microsoft.com/office/drawing/2014/main" val="10001"/>
+                    <a16:rowId xmlns:a16="http://schemas.microsoft.com/office/drawing/2014/main" xmlns="" val="10001"/>
                   </a:ext>
                 </a:extLst>
               </a:tr>
@@ -10000,14 +10256,14 @@
                 <a:gridCol w="280507">
                   <a:extLst>
                     <a:ext uri="{9D8B030D-6E8A-4147-A177-3AD203B41FA5}">
-                      <a16:colId xmlns="" xmlns:a16="http://schemas.microsoft.com/office/drawing/2014/main" val="20000"/>
+                      <a16:colId xmlns:a16="http://schemas.microsoft.com/office/drawing/2014/main" xmlns="" val="20000"/>
                     </a:ext>
                   </a:extLst>
                 </a:gridCol>
                 <a:gridCol w="2407792">
                   <a:extLst>
                     <a:ext uri="{9D8B030D-6E8A-4147-A177-3AD203B41FA5}">
-                      <a16:colId xmlns="" xmlns:a16="http://schemas.microsoft.com/office/drawing/2014/main" val="20001"/>
+                      <a16:colId xmlns:a16="http://schemas.microsoft.com/office/drawing/2014/main" xmlns="" val="20001"/>
                     </a:ext>
                   </a:extLst>
                 </a:gridCol>
@@ -10069,7 +10325,7 @@
                 </a:tc>
                 <a:extLst>
                   <a:ext uri="{0D108BD9-81ED-4DB2-BD59-A6C34878D82A}">
-                    <a16:rowId xmlns="" xmlns:a16="http://schemas.microsoft.com/office/drawing/2014/main" val="10000"/>
+                    <a16:rowId xmlns:a16="http://schemas.microsoft.com/office/drawing/2014/main" xmlns="" val="10000"/>
                   </a:ext>
                 </a:extLst>
               </a:tr>
@@ -10147,7 +10403,7 @@
                 </a:tc>
                 <a:extLst>
                   <a:ext uri="{0D108BD9-81ED-4DB2-BD59-A6C34878D82A}">
-                    <a16:rowId xmlns="" xmlns:a16="http://schemas.microsoft.com/office/drawing/2014/main" val="10001"/>
+                    <a16:rowId xmlns:a16="http://schemas.microsoft.com/office/drawing/2014/main" xmlns="" val="10001"/>
                   </a:ext>
                 </a:extLst>
               </a:tr>
@@ -10257,7 +10513,7 @@
                 </a:tc>
                 <a:extLst>
                   <a:ext uri="{0D108BD9-81ED-4DB2-BD59-A6C34878D82A}">
-                    <a16:rowId xmlns="" xmlns:a16="http://schemas.microsoft.com/office/drawing/2014/main" val="10002"/>
+                    <a16:rowId xmlns:a16="http://schemas.microsoft.com/office/drawing/2014/main" xmlns="" val="10002"/>
                   </a:ext>
                 </a:extLst>
               </a:tr>
@@ -10388,7 +10644,7 @@
                 </a:tc>
                 <a:extLst>
                   <a:ext uri="{0D108BD9-81ED-4DB2-BD59-A6C34878D82A}">
-                    <a16:rowId xmlns="" xmlns:a16="http://schemas.microsoft.com/office/drawing/2014/main" val="10003"/>
+                    <a16:rowId xmlns:a16="http://schemas.microsoft.com/office/drawing/2014/main" xmlns="" val="10003"/>
                   </a:ext>
                 </a:extLst>
               </a:tr>
@@ -10550,7 +10806,7 @@
                 </a:tc>
                 <a:extLst>
                   <a:ext uri="{0D108BD9-81ED-4DB2-BD59-A6C34878D82A}">
-                    <a16:rowId xmlns="" xmlns:a16="http://schemas.microsoft.com/office/drawing/2014/main" val="10004"/>
+                    <a16:rowId xmlns:a16="http://schemas.microsoft.com/office/drawing/2014/main" xmlns="" val="10004"/>
                   </a:ext>
                 </a:extLst>
               </a:tr>
@@ -12099,7 +12355,7 @@
                 <a:gridCol w="2688299">
                   <a:extLst>
                     <a:ext uri="{9D8B030D-6E8A-4147-A177-3AD203B41FA5}">
-                      <a16:colId xmlns="" xmlns:a16="http://schemas.microsoft.com/office/drawing/2014/main" val="20000"/>
+                      <a16:colId xmlns:a16="http://schemas.microsoft.com/office/drawing/2014/main" xmlns="" val="20000"/>
                     </a:ext>
                   </a:extLst>
                 </a:gridCol>
@@ -12131,7 +12387,7 @@
                 </a:tc>
                 <a:extLst>
                   <a:ext uri="{0D108BD9-81ED-4DB2-BD59-A6C34878D82A}">
-                    <a16:rowId xmlns="" xmlns:a16="http://schemas.microsoft.com/office/drawing/2014/main" val="10000"/>
+                    <a16:rowId xmlns:a16="http://schemas.microsoft.com/office/drawing/2014/main" xmlns="" val="10000"/>
                   </a:ext>
                 </a:extLst>
               </a:tr>
@@ -12163,7 +12419,7 @@
                 </a:tc>
                 <a:extLst>
                   <a:ext uri="{0D108BD9-81ED-4DB2-BD59-A6C34878D82A}">
-                    <a16:rowId xmlns="" xmlns:a16="http://schemas.microsoft.com/office/drawing/2014/main" val="10001"/>
+                    <a16:rowId xmlns:a16="http://schemas.microsoft.com/office/drawing/2014/main" xmlns="" val="10001"/>
                   </a:ext>
                 </a:extLst>
               </a:tr>
@@ -12197,14 +12453,14 @@
                 <a:gridCol w="280507">
                   <a:extLst>
                     <a:ext uri="{9D8B030D-6E8A-4147-A177-3AD203B41FA5}">
-                      <a16:colId xmlns="" xmlns:a16="http://schemas.microsoft.com/office/drawing/2014/main" val="20000"/>
+                      <a16:colId xmlns:a16="http://schemas.microsoft.com/office/drawing/2014/main" xmlns="" val="20000"/>
                     </a:ext>
                   </a:extLst>
                 </a:gridCol>
                 <a:gridCol w="2407792">
                   <a:extLst>
                     <a:ext uri="{9D8B030D-6E8A-4147-A177-3AD203B41FA5}">
-                      <a16:colId xmlns="" xmlns:a16="http://schemas.microsoft.com/office/drawing/2014/main" val="20001"/>
+                      <a16:colId xmlns:a16="http://schemas.microsoft.com/office/drawing/2014/main" xmlns="" val="20001"/>
                     </a:ext>
                   </a:extLst>
                 </a:gridCol>
@@ -12266,7 +12522,7 @@
                 </a:tc>
                 <a:extLst>
                   <a:ext uri="{0D108BD9-81ED-4DB2-BD59-A6C34878D82A}">
-                    <a16:rowId xmlns="" xmlns:a16="http://schemas.microsoft.com/office/drawing/2014/main" val="10000"/>
+                    <a16:rowId xmlns:a16="http://schemas.microsoft.com/office/drawing/2014/main" xmlns="" val="10000"/>
                   </a:ext>
                 </a:extLst>
               </a:tr>
@@ -12387,7 +12643,7 @@
                 </a:tc>
                 <a:extLst>
                   <a:ext uri="{0D108BD9-81ED-4DB2-BD59-A6C34878D82A}">
-                    <a16:rowId xmlns="" xmlns:a16="http://schemas.microsoft.com/office/drawing/2014/main" val="10001"/>
+                    <a16:rowId xmlns:a16="http://schemas.microsoft.com/office/drawing/2014/main" xmlns="" val="10001"/>
                   </a:ext>
                 </a:extLst>
               </a:tr>
@@ -13567,7 +13823,7 @@
                 <a:gridCol w="2688299">
                   <a:extLst>
                     <a:ext uri="{9D8B030D-6E8A-4147-A177-3AD203B41FA5}">
-                      <a16:colId xmlns="" xmlns:a16="http://schemas.microsoft.com/office/drawing/2014/main" val="20000"/>
+                      <a16:colId xmlns:a16="http://schemas.microsoft.com/office/drawing/2014/main" xmlns="" val="20000"/>
                     </a:ext>
                   </a:extLst>
                 </a:gridCol>
@@ -13599,7 +13855,7 @@
                 </a:tc>
                 <a:extLst>
                   <a:ext uri="{0D108BD9-81ED-4DB2-BD59-A6C34878D82A}">
-                    <a16:rowId xmlns="" xmlns:a16="http://schemas.microsoft.com/office/drawing/2014/main" val="10000"/>
+                    <a16:rowId xmlns:a16="http://schemas.microsoft.com/office/drawing/2014/main" xmlns="" val="10000"/>
                   </a:ext>
                 </a:extLst>
               </a:tr>
@@ -13635,7 +13891,7 @@
                 </a:tc>
                 <a:extLst>
                   <a:ext uri="{0D108BD9-81ED-4DB2-BD59-A6C34878D82A}">
-                    <a16:rowId xmlns="" xmlns:a16="http://schemas.microsoft.com/office/drawing/2014/main" val="10001"/>
+                    <a16:rowId xmlns:a16="http://schemas.microsoft.com/office/drawing/2014/main" xmlns="" val="10001"/>
                   </a:ext>
                 </a:extLst>
               </a:tr>
@@ -13669,14 +13925,14 @@
                 <a:gridCol w="280507">
                   <a:extLst>
                     <a:ext uri="{9D8B030D-6E8A-4147-A177-3AD203B41FA5}">
-                      <a16:colId xmlns="" xmlns:a16="http://schemas.microsoft.com/office/drawing/2014/main" val="20000"/>
+                      <a16:colId xmlns:a16="http://schemas.microsoft.com/office/drawing/2014/main" xmlns="" val="20000"/>
                     </a:ext>
                   </a:extLst>
                 </a:gridCol>
                 <a:gridCol w="2407792">
                   <a:extLst>
                     <a:ext uri="{9D8B030D-6E8A-4147-A177-3AD203B41FA5}">
-                      <a16:colId xmlns="" xmlns:a16="http://schemas.microsoft.com/office/drawing/2014/main" val="20001"/>
+                      <a16:colId xmlns:a16="http://schemas.microsoft.com/office/drawing/2014/main" xmlns="" val="20001"/>
                     </a:ext>
                   </a:extLst>
                 </a:gridCol>
@@ -13738,7 +13994,7 @@
                 </a:tc>
                 <a:extLst>
                   <a:ext uri="{0D108BD9-81ED-4DB2-BD59-A6C34878D82A}">
-                    <a16:rowId xmlns="" xmlns:a16="http://schemas.microsoft.com/office/drawing/2014/main" val="10000"/>
+                    <a16:rowId xmlns:a16="http://schemas.microsoft.com/office/drawing/2014/main" xmlns="" val="10000"/>
                   </a:ext>
                 </a:extLst>
               </a:tr>
@@ -13823,7 +14079,7 @@
                 </a:tc>
                 <a:extLst>
                   <a:ext uri="{0D108BD9-81ED-4DB2-BD59-A6C34878D82A}">
-                    <a16:rowId xmlns="" xmlns:a16="http://schemas.microsoft.com/office/drawing/2014/main" val="10001"/>
+                    <a16:rowId xmlns:a16="http://schemas.microsoft.com/office/drawing/2014/main" xmlns="" val="10001"/>
                   </a:ext>
                 </a:extLst>
               </a:tr>
@@ -15003,7 +15259,7 @@
                 <a:gridCol w="2688299">
                   <a:extLst>
                     <a:ext uri="{9D8B030D-6E8A-4147-A177-3AD203B41FA5}">
-                      <a16:colId xmlns="" xmlns:a16="http://schemas.microsoft.com/office/drawing/2014/main" val="20000"/>
+                      <a16:colId xmlns:a16="http://schemas.microsoft.com/office/drawing/2014/main" xmlns="" val="20000"/>
                     </a:ext>
                   </a:extLst>
                 </a:gridCol>
@@ -15035,7 +15291,7 @@
                 </a:tc>
                 <a:extLst>
                   <a:ext uri="{0D108BD9-81ED-4DB2-BD59-A6C34878D82A}">
-                    <a16:rowId xmlns="" xmlns:a16="http://schemas.microsoft.com/office/drawing/2014/main" val="10000"/>
+                    <a16:rowId xmlns:a16="http://schemas.microsoft.com/office/drawing/2014/main" xmlns="" val="10000"/>
                   </a:ext>
                 </a:extLst>
               </a:tr>
@@ -15071,7 +15327,7 @@
                 </a:tc>
                 <a:extLst>
                   <a:ext uri="{0D108BD9-81ED-4DB2-BD59-A6C34878D82A}">
-                    <a16:rowId xmlns="" xmlns:a16="http://schemas.microsoft.com/office/drawing/2014/main" val="10001"/>
+                    <a16:rowId xmlns:a16="http://schemas.microsoft.com/office/drawing/2014/main" xmlns="" val="10001"/>
                   </a:ext>
                 </a:extLst>
               </a:tr>
@@ -15105,14 +15361,14 @@
                 <a:gridCol w="280507">
                   <a:extLst>
                     <a:ext uri="{9D8B030D-6E8A-4147-A177-3AD203B41FA5}">
-                      <a16:colId xmlns="" xmlns:a16="http://schemas.microsoft.com/office/drawing/2014/main" val="20000"/>
+                      <a16:colId xmlns:a16="http://schemas.microsoft.com/office/drawing/2014/main" xmlns="" val="20000"/>
                     </a:ext>
                   </a:extLst>
                 </a:gridCol>
                 <a:gridCol w="2407792">
                   <a:extLst>
                     <a:ext uri="{9D8B030D-6E8A-4147-A177-3AD203B41FA5}">
-                      <a16:colId xmlns="" xmlns:a16="http://schemas.microsoft.com/office/drawing/2014/main" val="20001"/>
+                      <a16:colId xmlns:a16="http://schemas.microsoft.com/office/drawing/2014/main" xmlns="" val="20001"/>
                     </a:ext>
                   </a:extLst>
                 </a:gridCol>
@@ -15174,7 +15430,7 @@
                 </a:tc>
                 <a:extLst>
                   <a:ext uri="{0D108BD9-81ED-4DB2-BD59-A6C34878D82A}">
-                    <a16:rowId xmlns="" xmlns:a16="http://schemas.microsoft.com/office/drawing/2014/main" val="10000"/>
+                    <a16:rowId xmlns:a16="http://schemas.microsoft.com/office/drawing/2014/main" xmlns="" val="10000"/>
                   </a:ext>
                 </a:extLst>
               </a:tr>
@@ -15283,7 +15539,7 @@
                 </a:tc>
                 <a:extLst>
                   <a:ext uri="{0D108BD9-81ED-4DB2-BD59-A6C34878D82A}">
-                    <a16:rowId xmlns="" xmlns:a16="http://schemas.microsoft.com/office/drawing/2014/main" val="10002"/>
+                    <a16:rowId xmlns:a16="http://schemas.microsoft.com/office/drawing/2014/main" xmlns="" val="10002"/>
                   </a:ext>
                 </a:extLst>
               </a:tr>
@@ -16517,7 +16773,7 @@
                 <a:gridCol w="2688299">
                   <a:extLst>
                     <a:ext uri="{9D8B030D-6E8A-4147-A177-3AD203B41FA5}">
-                      <a16:colId xmlns="" xmlns:a16="http://schemas.microsoft.com/office/drawing/2014/main" val="20000"/>
+                      <a16:colId xmlns:a16="http://schemas.microsoft.com/office/drawing/2014/main" xmlns="" val="20000"/>
                     </a:ext>
                   </a:extLst>
                 </a:gridCol>
@@ -16549,7 +16805,7 @@
                 </a:tc>
                 <a:extLst>
                   <a:ext uri="{0D108BD9-81ED-4DB2-BD59-A6C34878D82A}">
-                    <a16:rowId xmlns="" xmlns:a16="http://schemas.microsoft.com/office/drawing/2014/main" val="10000"/>
+                    <a16:rowId xmlns:a16="http://schemas.microsoft.com/office/drawing/2014/main" xmlns="" val="10000"/>
                   </a:ext>
                 </a:extLst>
               </a:tr>
@@ -16581,7 +16837,7 @@
                 </a:tc>
                 <a:extLst>
                   <a:ext uri="{0D108BD9-81ED-4DB2-BD59-A6C34878D82A}">
-                    <a16:rowId xmlns="" xmlns:a16="http://schemas.microsoft.com/office/drawing/2014/main" val="10001"/>
+                    <a16:rowId xmlns:a16="http://schemas.microsoft.com/office/drawing/2014/main" xmlns="" val="10001"/>
                   </a:ext>
                 </a:extLst>
               </a:tr>
@@ -16615,14 +16871,14 @@
                 <a:gridCol w="280507">
                   <a:extLst>
                     <a:ext uri="{9D8B030D-6E8A-4147-A177-3AD203B41FA5}">
-                      <a16:colId xmlns="" xmlns:a16="http://schemas.microsoft.com/office/drawing/2014/main" val="20000"/>
+                      <a16:colId xmlns:a16="http://schemas.microsoft.com/office/drawing/2014/main" xmlns="" val="20000"/>
                     </a:ext>
                   </a:extLst>
                 </a:gridCol>
                 <a:gridCol w="2407792">
                   <a:extLst>
                     <a:ext uri="{9D8B030D-6E8A-4147-A177-3AD203B41FA5}">
-                      <a16:colId xmlns="" xmlns:a16="http://schemas.microsoft.com/office/drawing/2014/main" val="20001"/>
+                      <a16:colId xmlns:a16="http://schemas.microsoft.com/office/drawing/2014/main" xmlns="" val="20001"/>
                     </a:ext>
                   </a:extLst>
                 </a:gridCol>
@@ -16684,7 +16940,7 @@
                 </a:tc>
                 <a:extLst>
                   <a:ext uri="{0D108BD9-81ED-4DB2-BD59-A6C34878D82A}">
-                    <a16:rowId xmlns="" xmlns:a16="http://schemas.microsoft.com/office/drawing/2014/main" val="10000"/>
+                    <a16:rowId xmlns:a16="http://schemas.microsoft.com/office/drawing/2014/main" xmlns="" val="10000"/>
                   </a:ext>
                 </a:extLst>
               </a:tr>
@@ -16755,7 +17011,7 @@
                 </a:tc>
                 <a:extLst>
                   <a:ext uri="{0D108BD9-81ED-4DB2-BD59-A6C34878D82A}">
-                    <a16:rowId xmlns="" xmlns:a16="http://schemas.microsoft.com/office/drawing/2014/main" val="10001"/>
+                    <a16:rowId xmlns:a16="http://schemas.microsoft.com/office/drawing/2014/main" xmlns="" val="10001"/>
                   </a:ext>
                 </a:extLst>
               </a:tr>
@@ -16948,7 +17204,7 @@
                 </a:tc>
                 <a:extLst>
                   <a:ext uri="{0D108BD9-81ED-4DB2-BD59-A6C34878D82A}">
-                    <a16:rowId xmlns="" xmlns:a16="http://schemas.microsoft.com/office/drawing/2014/main" val="10002"/>
+                    <a16:rowId xmlns:a16="http://schemas.microsoft.com/office/drawing/2014/main" xmlns="" val="10002"/>
                   </a:ext>
                 </a:extLst>
               </a:tr>
@@ -18241,7 +18497,7 @@
                 <a:gridCol w="2688299">
                   <a:extLst>
                     <a:ext uri="{9D8B030D-6E8A-4147-A177-3AD203B41FA5}">
-                      <a16:colId xmlns="" xmlns:a16="http://schemas.microsoft.com/office/drawing/2014/main" val="20000"/>
+                      <a16:colId xmlns:a16="http://schemas.microsoft.com/office/drawing/2014/main" xmlns="" val="20000"/>
                     </a:ext>
                   </a:extLst>
                 </a:gridCol>
@@ -18273,7 +18529,7 @@
                 </a:tc>
                 <a:extLst>
                   <a:ext uri="{0D108BD9-81ED-4DB2-BD59-A6C34878D82A}">
-                    <a16:rowId xmlns="" xmlns:a16="http://schemas.microsoft.com/office/drawing/2014/main" val="10000"/>
+                    <a16:rowId xmlns:a16="http://schemas.microsoft.com/office/drawing/2014/main" xmlns="" val="10000"/>
                   </a:ext>
                 </a:extLst>
               </a:tr>
@@ -18301,7 +18557,7 @@
                 </a:tc>
                 <a:extLst>
                   <a:ext uri="{0D108BD9-81ED-4DB2-BD59-A6C34878D82A}">
-                    <a16:rowId xmlns="" xmlns:a16="http://schemas.microsoft.com/office/drawing/2014/main" val="10001"/>
+                    <a16:rowId xmlns:a16="http://schemas.microsoft.com/office/drawing/2014/main" xmlns="" val="10001"/>
                   </a:ext>
                 </a:extLst>
               </a:tr>
@@ -18335,14 +18591,14 @@
                 <a:gridCol w="280507">
                   <a:extLst>
                     <a:ext uri="{9D8B030D-6E8A-4147-A177-3AD203B41FA5}">
-                      <a16:colId xmlns="" xmlns:a16="http://schemas.microsoft.com/office/drawing/2014/main" val="20000"/>
+                      <a16:colId xmlns:a16="http://schemas.microsoft.com/office/drawing/2014/main" xmlns="" val="20000"/>
                     </a:ext>
                   </a:extLst>
                 </a:gridCol>
                 <a:gridCol w="2407792">
                   <a:extLst>
                     <a:ext uri="{9D8B030D-6E8A-4147-A177-3AD203B41FA5}">
-                      <a16:colId xmlns="" xmlns:a16="http://schemas.microsoft.com/office/drawing/2014/main" val="20001"/>
+                      <a16:colId xmlns:a16="http://schemas.microsoft.com/office/drawing/2014/main" xmlns="" val="20001"/>
                     </a:ext>
                   </a:extLst>
                 </a:gridCol>
@@ -18404,7 +18660,7 @@
                 </a:tc>
                 <a:extLst>
                   <a:ext uri="{0D108BD9-81ED-4DB2-BD59-A6C34878D82A}">
-                    <a16:rowId xmlns="" xmlns:a16="http://schemas.microsoft.com/office/drawing/2014/main" val="10000"/>
+                    <a16:rowId xmlns:a16="http://schemas.microsoft.com/office/drawing/2014/main" xmlns="" val="10000"/>
                   </a:ext>
                 </a:extLst>
               </a:tr>
@@ -18496,7 +18752,7 @@
                 </a:tc>
                 <a:extLst>
                   <a:ext uri="{0D108BD9-81ED-4DB2-BD59-A6C34878D82A}">
-                    <a16:rowId xmlns="" xmlns:a16="http://schemas.microsoft.com/office/drawing/2014/main" val="10001"/>
+                    <a16:rowId xmlns:a16="http://schemas.microsoft.com/office/drawing/2014/main" xmlns="" val="10001"/>
                   </a:ext>
                 </a:extLst>
               </a:tr>
@@ -18606,7 +18862,7 @@
                 </a:tc>
                 <a:extLst>
                   <a:ext uri="{0D108BD9-81ED-4DB2-BD59-A6C34878D82A}">
-                    <a16:rowId xmlns="" xmlns:a16="http://schemas.microsoft.com/office/drawing/2014/main" val="10002"/>
+                    <a16:rowId xmlns:a16="http://schemas.microsoft.com/office/drawing/2014/main" xmlns="" val="10002"/>
                   </a:ext>
                 </a:extLst>
               </a:tr>
@@ -18731,7 +18987,7 @@
                 </a:tc>
                 <a:extLst>
                   <a:ext uri="{0D108BD9-81ED-4DB2-BD59-A6C34878D82A}">
-                    <a16:rowId xmlns="" xmlns:a16="http://schemas.microsoft.com/office/drawing/2014/main" val="10003"/>
+                    <a16:rowId xmlns:a16="http://schemas.microsoft.com/office/drawing/2014/main" xmlns="" val="10003"/>
                   </a:ext>
                 </a:extLst>
               </a:tr>
@@ -18877,7 +19133,7 @@
                 </a:tc>
                 <a:extLst>
                   <a:ext uri="{0D108BD9-81ED-4DB2-BD59-A6C34878D82A}">
-                    <a16:rowId xmlns="" xmlns:a16="http://schemas.microsoft.com/office/drawing/2014/main" val="10004"/>
+                    <a16:rowId xmlns:a16="http://schemas.microsoft.com/office/drawing/2014/main" xmlns="" val="10004"/>
                   </a:ext>
                 </a:extLst>
               </a:tr>
@@ -20812,7 +21068,7 @@
                 <a:gridCol w="2688299">
                   <a:extLst>
                     <a:ext uri="{9D8B030D-6E8A-4147-A177-3AD203B41FA5}">
-                      <a16:colId xmlns="" xmlns:a16="http://schemas.microsoft.com/office/drawing/2014/main" val="20000"/>
+                      <a16:colId xmlns:a16="http://schemas.microsoft.com/office/drawing/2014/main" xmlns="" val="20000"/>
                     </a:ext>
                   </a:extLst>
                 </a:gridCol>
@@ -20844,7 +21100,7 @@
                 </a:tc>
                 <a:extLst>
                   <a:ext uri="{0D108BD9-81ED-4DB2-BD59-A6C34878D82A}">
-                    <a16:rowId xmlns="" xmlns:a16="http://schemas.microsoft.com/office/drawing/2014/main" val="10000"/>
+                    <a16:rowId xmlns:a16="http://schemas.microsoft.com/office/drawing/2014/main" xmlns="" val="10000"/>
                   </a:ext>
                 </a:extLst>
               </a:tr>
@@ -20872,7 +21128,7 @@
                 </a:tc>
                 <a:extLst>
                   <a:ext uri="{0D108BD9-81ED-4DB2-BD59-A6C34878D82A}">
-                    <a16:rowId xmlns="" xmlns:a16="http://schemas.microsoft.com/office/drawing/2014/main" val="10001"/>
+                    <a16:rowId xmlns:a16="http://schemas.microsoft.com/office/drawing/2014/main" xmlns="" val="10001"/>
                   </a:ext>
                 </a:extLst>
               </a:tr>
@@ -20906,14 +21162,14 @@
                 <a:gridCol w="280507">
                   <a:extLst>
                     <a:ext uri="{9D8B030D-6E8A-4147-A177-3AD203B41FA5}">
-                      <a16:colId xmlns="" xmlns:a16="http://schemas.microsoft.com/office/drawing/2014/main" val="20000"/>
+                      <a16:colId xmlns:a16="http://schemas.microsoft.com/office/drawing/2014/main" xmlns="" val="20000"/>
                     </a:ext>
                   </a:extLst>
                 </a:gridCol>
                 <a:gridCol w="2407792">
                   <a:extLst>
                     <a:ext uri="{9D8B030D-6E8A-4147-A177-3AD203B41FA5}">
-                      <a16:colId xmlns="" xmlns:a16="http://schemas.microsoft.com/office/drawing/2014/main" val="20001"/>
+                      <a16:colId xmlns:a16="http://schemas.microsoft.com/office/drawing/2014/main" xmlns="" val="20001"/>
                     </a:ext>
                   </a:extLst>
                 </a:gridCol>
@@ -20975,7 +21231,7 @@
                 </a:tc>
                 <a:extLst>
                   <a:ext uri="{0D108BD9-81ED-4DB2-BD59-A6C34878D82A}">
-                    <a16:rowId xmlns="" xmlns:a16="http://schemas.microsoft.com/office/drawing/2014/main" val="10000"/>
+                    <a16:rowId xmlns:a16="http://schemas.microsoft.com/office/drawing/2014/main" xmlns="" val="10000"/>
                   </a:ext>
                 </a:extLst>
               </a:tr>
@@ -21067,7 +21323,7 @@
                 </a:tc>
                 <a:extLst>
                   <a:ext uri="{0D108BD9-81ED-4DB2-BD59-A6C34878D82A}">
-                    <a16:rowId xmlns="" xmlns:a16="http://schemas.microsoft.com/office/drawing/2014/main" val="10001"/>
+                    <a16:rowId xmlns:a16="http://schemas.microsoft.com/office/drawing/2014/main" xmlns="" val="10001"/>
                   </a:ext>
                 </a:extLst>
               </a:tr>
@@ -21177,7 +21433,7 @@
                 </a:tc>
                 <a:extLst>
                   <a:ext uri="{0D108BD9-81ED-4DB2-BD59-A6C34878D82A}">
-                    <a16:rowId xmlns="" xmlns:a16="http://schemas.microsoft.com/office/drawing/2014/main" val="10002"/>
+                    <a16:rowId xmlns:a16="http://schemas.microsoft.com/office/drawing/2014/main" xmlns="" val="10002"/>
                   </a:ext>
                 </a:extLst>
               </a:tr>
@@ -21302,7 +21558,7 @@
                 </a:tc>
                 <a:extLst>
                   <a:ext uri="{0D108BD9-81ED-4DB2-BD59-A6C34878D82A}">
-                    <a16:rowId xmlns="" xmlns:a16="http://schemas.microsoft.com/office/drawing/2014/main" val="10003"/>
+                    <a16:rowId xmlns:a16="http://schemas.microsoft.com/office/drawing/2014/main" xmlns="" val="10003"/>
                   </a:ext>
                 </a:extLst>
               </a:tr>
@@ -21448,7 +21704,7 @@
                 </a:tc>
                 <a:extLst>
                   <a:ext uri="{0D108BD9-81ED-4DB2-BD59-A6C34878D82A}">
-                    <a16:rowId xmlns="" xmlns:a16="http://schemas.microsoft.com/office/drawing/2014/main" val="10004"/>
+                    <a16:rowId xmlns:a16="http://schemas.microsoft.com/office/drawing/2014/main" xmlns="" val="10004"/>
                   </a:ext>
                 </a:extLst>
               </a:tr>
@@ -23615,7 +23871,7 @@
                 <a:gridCol w="2688299">
                   <a:extLst>
                     <a:ext uri="{9D8B030D-6E8A-4147-A177-3AD203B41FA5}">
-                      <a16:colId xmlns="" xmlns:a16="http://schemas.microsoft.com/office/drawing/2014/main" val="20000"/>
+                      <a16:colId xmlns:a16="http://schemas.microsoft.com/office/drawing/2014/main" xmlns="" val="20000"/>
                     </a:ext>
                   </a:extLst>
                 </a:gridCol>
@@ -23647,7 +23903,7 @@
                 </a:tc>
                 <a:extLst>
                   <a:ext uri="{0D108BD9-81ED-4DB2-BD59-A6C34878D82A}">
-                    <a16:rowId xmlns="" xmlns:a16="http://schemas.microsoft.com/office/drawing/2014/main" val="10000"/>
+                    <a16:rowId xmlns:a16="http://schemas.microsoft.com/office/drawing/2014/main" xmlns="" val="10000"/>
                   </a:ext>
                 </a:extLst>
               </a:tr>
@@ -23675,7 +23931,7 @@
                 </a:tc>
                 <a:extLst>
                   <a:ext uri="{0D108BD9-81ED-4DB2-BD59-A6C34878D82A}">
-                    <a16:rowId xmlns="" xmlns:a16="http://schemas.microsoft.com/office/drawing/2014/main" val="10001"/>
+                    <a16:rowId xmlns:a16="http://schemas.microsoft.com/office/drawing/2014/main" xmlns="" val="10001"/>
                   </a:ext>
                 </a:extLst>
               </a:tr>
@@ -23709,14 +23965,14 @@
                 <a:gridCol w="280507">
                   <a:extLst>
                     <a:ext uri="{9D8B030D-6E8A-4147-A177-3AD203B41FA5}">
-                      <a16:colId xmlns="" xmlns:a16="http://schemas.microsoft.com/office/drawing/2014/main" val="20000"/>
+                      <a16:colId xmlns:a16="http://schemas.microsoft.com/office/drawing/2014/main" xmlns="" val="20000"/>
                     </a:ext>
                   </a:extLst>
                 </a:gridCol>
                 <a:gridCol w="2407792">
                   <a:extLst>
                     <a:ext uri="{9D8B030D-6E8A-4147-A177-3AD203B41FA5}">
-                      <a16:colId xmlns="" xmlns:a16="http://schemas.microsoft.com/office/drawing/2014/main" val="20001"/>
+                      <a16:colId xmlns:a16="http://schemas.microsoft.com/office/drawing/2014/main" xmlns="" val="20001"/>
                     </a:ext>
                   </a:extLst>
                 </a:gridCol>
@@ -23778,7 +24034,7 @@
                 </a:tc>
                 <a:extLst>
                   <a:ext uri="{0D108BD9-81ED-4DB2-BD59-A6C34878D82A}">
-                    <a16:rowId xmlns="" xmlns:a16="http://schemas.microsoft.com/office/drawing/2014/main" val="10000"/>
+                    <a16:rowId xmlns:a16="http://schemas.microsoft.com/office/drawing/2014/main" xmlns="" val="10000"/>
                   </a:ext>
                 </a:extLst>
               </a:tr>
@@ -23888,7 +24144,7 @@
                 </a:tc>
                 <a:extLst>
                   <a:ext uri="{0D108BD9-81ED-4DB2-BD59-A6C34878D82A}">
-                    <a16:rowId xmlns="" xmlns:a16="http://schemas.microsoft.com/office/drawing/2014/main" val="10001"/>
+                    <a16:rowId xmlns:a16="http://schemas.microsoft.com/office/drawing/2014/main" xmlns="" val="10001"/>
                   </a:ext>
                 </a:extLst>
               </a:tr>
@@ -24091,7 +24347,7 @@
                 </a:tc>
                 <a:extLst>
                   <a:ext uri="{0D108BD9-81ED-4DB2-BD59-A6C34878D82A}">
-                    <a16:rowId xmlns="" xmlns:a16="http://schemas.microsoft.com/office/drawing/2014/main" val="10002"/>
+                    <a16:rowId xmlns:a16="http://schemas.microsoft.com/office/drawing/2014/main" xmlns="" val="10002"/>
                   </a:ext>
                 </a:extLst>
               </a:tr>
@@ -24198,7 +24454,7 @@
                 </a:tc>
                 <a:extLst>
                   <a:ext uri="{0D108BD9-81ED-4DB2-BD59-A6C34878D82A}">
-                    <a16:rowId xmlns="" xmlns:a16="http://schemas.microsoft.com/office/drawing/2014/main" val="10003"/>
+                    <a16:rowId xmlns:a16="http://schemas.microsoft.com/office/drawing/2014/main" xmlns="" val="10003"/>
                   </a:ext>
                 </a:extLst>
               </a:tr>
@@ -25309,7 +25565,7 @@
           <a:lstStyle/>
           <a:p>
             <a:r>
-              <a:rPr lang="ko-KR" altLang="en-US" sz="800" dirty="0" err="1" smtClean="0">
+              <a:rPr lang="ko-KR" altLang="en-US" sz="800" b="1" dirty="0" err="1" smtClean="0">
                 <a:ln w="12700">
                   <a:noFill/>
                   <a:prstDash val="solid"/>
@@ -25321,7 +25577,7 @@
               <a:t>펀딩</a:t>
             </a:r>
             <a:r>
-              <a:rPr lang="ko-KR" altLang="en-US" sz="800" dirty="0" smtClean="0">
+              <a:rPr lang="ko-KR" altLang="en-US" sz="800" b="1" dirty="0" smtClean="0">
                 <a:ln w="12700">
                   <a:noFill/>
                   <a:prstDash val="solid"/>
@@ -25332,7 +25588,7 @@
               </a:rPr>
               <a:t> 완료</a:t>
             </a:r>
-            <a:endParaRPr lang="en-US" altLang="ko-KR" sz="800" dirty="0" smtClean="0">
+            <a:endParaRPr lang="en-US" altLang="ko-KR" sz="800" b="1" dirty="0" smtClean="0">
               <a:ln w="12700">
                 <a:noFill/>
                 <a:prstDash val="solid"/>
@@ -25906,6 +26162,85 @@
             <a:endParaRPr lang="ko-KR" altLang="en-US" sz="900" b="1" dirty="0">
               <a:solidFill>
                 <a:srgbClr val="FF9E00"/>
+              </a:solidFill>
+            </a:endParaRPr>
+          </a:p>
+        </p:txBody>
+      </p:sp>
+      <p:sp>
+        <p:nvSpPr>
+          <p:cNvPr id="38" name="직사각형 37"/>
+          <p:cNvSpPr/>
+          <p:nvPr/>
+        </p:nvSpPr>
+        <p:spPr>
+          <a:xfrm>
+            <a:off x="6273811" y="4068088"/>
+            <a:ext cx="1149657" cy="162104"/>
+          </a:xfrm>
+          <a:prstGeom prst="rect">
+            <a:avLst/>
+          </a:prstGeom>
+          <a:solidFill>
+            <a:schemeClr val="bg1"/>
+          </a:solidFill>
+          <a:ln>
+            <a:solidFill>
+              <a:schemeClr val="bg1"/>
+            </a:solidFill>
+          </a:ln>
+        </p:spPr>
+        <p:style>
+          <a:lnRef idx="2">
+            <a:schemeClr val="accent1">
+              <a:shade val="50000"/>
+            </a:schemeClr>
+          </a:lnRef>
+          <a:fillRef idx="1">
+            <a:schemeClr val="accent1"/>
+          </a:fillRef>
+          <a:effectRef idx="0">
+            <a:schemeClr val="accent1"/>
+          </a:effectRef>
+          <a:fontRef idx="minor">
+            <a:schemeClr val="lt1"/>
+          </a:fontRef>
+        </p:style>
+        <p:txBody>
+          <a:bodyPr rtlCol="0" anchor="ctr"/>
+          <a:lstStyle/>
+          <a:p>
+            <a:r>
+              <a:rPr lang="ko-KR" altLang="en-US" sz="800" dirty="0" smtClean="0">
+                <a:ln w="12700">
+                  <a:noFill/>
+                  <a:prstDash val="solid"/>
+                </a:ln>
+                <a:solidFill>
+                  <a:schemeClr val="tx1"/>
+                </a:solidFill>
+              </a:rPr>
+              <a:t>투자일 </a:t>
+            </a:r>
+            <a:r>
+              <a:rPr lang="en-US" altLang="ko-KR" sz="800" dirty="0" smtClean="0">
+                <a:ln w="12700">
+                  <a:noFill/>
+                  <a:prstDash val="solid"/>
+                </a:ln>
+                <a:solidFill>
+                  <a:schemeClr val="tx1"/>
+                </a:solidFill>
+              </a:rPr>
+              <a:t>: 2020.05.21</a:t>
+            </a:r>
+            <a:endParaRPr lang="en-US" altLang="ko-KR" sz="800" dirty="0" smtClean="0">
+              <a:ln w="12700">
+                <a:noFill/>
+                <a:prstDash val="solid"/>
+              </a:ln>
+              <a:solidFill>
+                <a:schemeClr val="tx1"/>
               </a:solidFill>
             </a:endParaRPr>
           </a:p>
@@ -26889,7 +27224,7 @@
           <p:nvPr>
             <p:extLst>
               <p:ext uri="{D42A27DB-BD31-4B8C-83A1-F6EECF244321}">
-                <p14:modId xmlns:p14="http://schemas.microsoft.com/office/powerpoint/2010/main" val="2703590540"/>
+                <p14:modId xmlns:p14="http://schemas.microsoft.com/office/powerpoint/2010/main" val="2963532342"/>
               </p:ext>
             </p:extLst>
           </p:nvPr>
@@ -26906,7 +27241,7 @@
                 <a:gridCol w="2688299">
                   <a:extLst>
                     <a:ext uri="{9D8B030D-6E8A-4147-A177-3AD203B41FA5}">
-                      <a16:colId xmlns="" xmlns:a16="http://schemas.microsoft.com/office/drawing/2014/main" val="20000"/>
+                      <a16:colId xmlns:a16="http://schemas.microsoft.com/office/drawing/2014/main" xmlns="" val="20000"/>
                     </a:ext>
                   </a:extLst>
                 </a:gridCol>
@@ -26938,7 +27273,7 @@
                 </a:tc>
                 <a:extLst>
                   <a:ext uri="{0D108BD9-81ED-4DB2-BD59-A6C34878D82A}">
-                    <a16:rowId xmlns="" xmlns:a16="http://schemas.microsoft.com/office/drawing/2014/main" val="10000"/>
+                    <a16:rowId xmlns:a16="http://schemas.microsoft.com/office/drawing/2014/main" xmlns="" val="10000"/>
                   </a:ext>
                 </a:extLst>
               </a:tr>
@@ -26950,11 +27285,11 @@
                     <a:p>
                       <a:pPr algn="ctr" latinLnBrk="1"/>
                       <a:r>
-                        <a:rPr lang="en-US" altLang="ko-KR" sz="1500" dirty="0" err="1">
+                        <a:rPr lang="en-US" altLang="ko-KR" sz="1500" dirty="0" err="1" smtClean="0">
                           <a:latin typeface="+mj-ea"/>
                           <a:ea typeface="+mj-ea"/>
                         </a:rPr>
-                        <a:t>sh_user_w_userProfile</a:t>
+                        <a:t>sh_user_w_myPage</a:t>
                       </a:r>
                       <a:endParaRPr lang="ko-KR" altLang="en-US" sz="1500" dirty="0">
                         <a:latin typeface="+mj-ea"/>
@@ -26966,7 +27301,7 @@
                 </a:tc>
                 <a:extLst>
                   <a:ext uri="{0D108BD9-81ED-4DB2-BD59-A6C34878D82A}">
-                    <a16:rowId xmlns="" xmlns:a16="http://schemas.microsoft.com/office/drawing/2014/main" val="10001"/>
+                    <a16:rowId xmlns:a16="http://schemas.microsoft.com/office/drawing/2014/main" xmlns="" val="10001"/>
                   </a:ext>
                 </a:extLst>
               </a:tr>
@@ -27048,14 +27383,14 @@
                 <a:gridCol w="280507">
                   <a:extLst>
                     <a:ext uri="{9D8B030D-6E8A-4147-A177-3AD203B41FA5}">
-                      <a16:colId xmlns="" xmlns:a16="http://schemas.microsoft.com/office/drawing/2014/main" val="20000"/>
+                      <a16:colId xmlns:a16="http://schemas.microsoft.com/office/drawing/2014/main" xmlns="" val="20000"/>
                     </a:ext>
                   </a:extLst>
                 </a:gridCol>
                 <a:gridCol w="2407792">
                   <a:extLst>
                     <a:ext uri="{9D8B030D-6E8A-4147-A177-3AD203B41FA5}">
-                      <a16:colId xmlns="" xmlns:a16="http://schemas.microsoft.com/office/drawing/2014/main" val="20001"/>
+                      <a16:colId xmlns:a16="http://schemas.microsoft.com/office/drawing/2014/main" xmlns="" val="20001"/>
                     </a:ext>
                   </a:extLst>
                 </a:gridCol>
@@ -27117,7 +27452,7 @@
                 </a:tc>
                 <a:extLst>
                   <a:ext uri="{0D108BD9-81ED-4DB2-BD59-A6C34878D82A}">
-                    <a16:rowId xmlns="" xmlns:a16="http://schemas.microsoft.com/office/drawing/2014/main" val="10000"/>
+                    <a16:rowId xmlns:a16="http://schemas.microsoft.com/office/drawing/2014/main" xmlns="" val="10000"/>
                   </a:ext>
                 </a:extLst>
               </a:tr>
@@ -27220,7 +27555,7 @@
                 </a:tc>
                 <a:extLst>
                   <a:ext uri="{0D108BD9-81ED-4DB2-BD59-A6C34878D82A}">
-                    <a16:rowId xmlns="" xmlns:a16="http://schemas.microsoft.com/office/drawing/2014/main" val="10001"/>
+                    <a16:rowId xmlns:a16="http://schemas.microsoft.com/office/drawing/2014/main" xmlns="" val="10001"/>
                   </a:ext>
                 </a:extLst>
               </a:tr>
@@ -27330,7 +27665,7 @@
                 </a:tc>
                 <a:extLst>
                   <a:ext uri="{0D108BD9-81ED-4DB2-BD59-A6C34878D82A}">
-                    <a16:rowId xmlns="" xmlns:a16="http://schemas.microsoft.com/office/drawing/2014/main" val="10002"/>
+                    <a16:rowId xmlns:a16="http://schemas.microsoft.com/office/drawing/2014/main" xmlns="" val="10002"/>
                   </a:ext>
                 </a:extLst>
               </a:tr>
@@ -27592,36 +27927,36 @@
           <a:lstStyle/>
           <a:p>
             <a:r>
-              <a:rPr lang="ko-KR" altLang="en-US" sz="800" dirty="0" err="1" smtClean="0">
+              <a:rPr lang="ko-KR" altLang="en-US" sz="800" b="1" dirty="0" err="1" smtClean="0">
                 <a:ln w="12700">
                   <a:noFill/>
                   <a:prstDash val="solid"/>
                 </a:ln>
                 <a:solidFill>
-                  <a:schemeClr val="tx1"/>
+                  <a:srgbClr val="FF0000"/>
                 </a:solidFill>
               </a:rPr>
               <a:t>펀딩</a:t>
             </a:r>
             <a:r>
-              <a:rPr lang="ko-KR" altLang="en-US" sz="800" dirty="0" smtClean="0">
+              <a:rPr lang="ko-KR" altLang="en-US" sz="800" b="1" dirty="0" smtClean="0">
                 <a:ln w="12700">
                   <a:noFill/>
                   <a:prstDash val="solid"/>
                 </a:ln>
                 <a:solidFill>
-                  <a:schemeClr val="tx1"/>
+                  <a:srgbClr val="FF0000"/>
                 </a:solidFill>
               </a:rPr>
               <a:t> 실패</a:t>
             </a:r>
-            <a:endParaRPr lang="en-US" altLang="ko-KR" sz="800" dirty="0" smtClean="0">
+            <a:endParaRPr lang="en-US" altLang="ko-KR" sz="800" b="1" dirty="0" smtClean="0">
               <a:ln w="12700">
                 <a:noFill/>
                 <a:prstDash val="solid"/>
               </a:ln>
               <a:solidFill>
-                <a:schemeClr val="tx1"/>
+                <a:srgbClr val="FF0000"/>
               </a:solidFill>
             </a:endParaRPr>
           </a:p>
@@ -28338,36 +28673,48 @@
           <a:lstStyle/>
           <a:p>
             <a:r>
-              <a:rPr lang="ko-KR" altLang="en-US" sz="800" dirty="0" err="1" smtClean="0">
+              <a:rPr lang="ko-KR" altLang="en-US" sz="800" b="1" dirty="0" err="1" smtClean="0">
                 <a:ln w="12700">
                   <a:noFill/>
                   <a:prstDash val="solid"/>
                 </a:ln>
                 <a:solidFill>
-                  <a:schemeClr val="tx1"/>
+                  <a:srgbClr val="0070C0"/>
                 </a:solidFill>
               </a:rPr>
               <a:t>펀딩</a:t>
             </a:r>
             <a:r>
-              <a:rPr lang="ko-KR" altLang="en-US" sz="800" dirty="0" smtClean="0">
+              <a:rPr lang="ko-KR" altLang="en-US" sz="800" b="1" dirty="0" smtClean="0">
                 <a:ln w="12700">
                   <a:noFill/>
                   <a:prstDash val="solid"/>
                 </a:ln>
                 <a:solidFill>
-                  <a:schemeClr val="tx1"/>
+                  <a:srgbClr val="0070C0"/>
                 </a:solidFill>
               </a:rPr>
-              <a:t> 완료</a:t>
+              <a:t> </a:t>
             </a:r>
-            <a:endParaRPr lang="en-US" altLang="ko-KR" sz="800" dirty="0" smtClean="0">
+            <a:r>
+              <a:rPr lang="ko-KR" altLang="en-US" sz="800" b="1" dirty="0" smtClean="0">
+                <a:ln w="12700">
+                  <a:noFill/>
+                  <a:prstDash val="solid"/>
+                </a:ln>
+                <a:solidFill>
+                  <a:srgbClr val="0070C0"/>
+                </a:solidFill>
+              </a:rPr>
+              <a:t>중</a:t>
+            </a:r>
+            <a:endParaRPr lang="en-US" altLang="ko-KR" sz="800" b="1" dirty="0" smtClean="0">
               <a:ln w="12700">
                 <a:noFill/>
                 <a:prstDash val="solid"/>
               </a:ln>
               <a:solidFill>
-                <a:schemeClr val="tx1"/>
+                <a:srgbClr val="0070C0"/>
               </a:solidFill>
             </a:endParaRPr>
           </a:p>
@@ -29109,6 +29456,188 @@
             <a:endParaRPr lang="ko-KR" altLang="en-US" sz="1300" b="1" dirty="0">
               <a:solidFill>
                 <a:schemeClr val="bg1"/>
+              </a:solidFill>
+            </a:endParaRPr>
+          </a:p>
+        </p:txBody>
+      </p:sp>
+      <p:sp>
+        <p:nvSpPr>
+          <p:cNvPr id="55" name="직사각형 54"/>
+          <p:cNvSpPr/>
+          <p:nvPr/>
+        </p:nvSpPr>
+        <p:spPr>
+          <a:xfrm>
+            <a:off x="6307432" y="1709023"/>
+            <a:ext cx="1149657" cy="162104"/>
+          </a:xfrm>
+          <a:prstGeom prst="rect">
+            <a:avLst/>
+          </a:prstGeom>
+          <a:solidFill>
+            <a:schemeClr val="bg1"/>
+          </a:solidFill>
+          <a:ln>
+            <a:solidFill>
+              <a:schemeClr val="bg1"/>
+            </a:solidFill>
+          </a:ln>
+        </p:spPr>
+        <p:style>
+          <a:lnRef idx="2">
+            <a:schemeClr val="accent1">
+              <a:shade val="50000"/>
+            </a:schemeClr>
+          </a:lnRef>
+          <a:fillRef idx="1">
+            <a:schemeClr val="accent1"/>
+          </a:fillRef>
+          <a:effectRef idx="0">
+            <a:schemeClr val="accent1"/>
+          </a:effectRef>
+          <a:fontRef idx="minor">
+            <a:schemeClr val="lt1"/>
+          </a:fontRef>
+        </p:style>
+        <p:txBody>
+          <a:bodyPr rtlCol="0" anchor="ctr"/>
+          <a:lstStyle/>
+          <a:p>
+            <a:r>
+              <a:rPr lang="ko-KR" altLang="en-US" sz="800" dirty="0" smtClean="0">
+                <a:ln w="12700">
+                  <a:noFill/>
+                  <a:prstDash val="solid"/>
+                </a:ln>
+                <a:solidFill>
+                  <a:schemeClr val="tx1"/>
+                </a:solidFill>
+              </a:rPr>
+              <a:t>투자일 </a:t>
+            </a:r>
+            <a:r>
+              <a:rPr lang="en-US" altLang="ko-KR" sz="800" dirty="0" smtClean="0">
+                <a:ln w="12700">
+                  <a:noFill/>
+                  <a:prstDash val="solid"/>
+                </a:ln>
+                <a:solidFill>
+                  <a:schemeClr val="tx1"/>
+                </a:solidFill>
+              </a:rPr>
+              <a:t>: 2020.05.21</a:t>
+            </a:r>
+            <a:endParaRPr lang="en-US" altLang="ko-KR" sz="800" dirty="0" smtClean="0">
+              <a:ln w="12700">
+                <a:noFill/>
+                <a:prstDash val="solid"/>
+              </a:ln>
+              <a:solidFill>
+                <a:schemeClr val="tx1"/>
+              </a:solidFill>
+            </a:endParaRPr>
+          </a:p>
+        </p:txBody>
+      </p:sp>
+      <p:sp>
+        <p:nvSpPr>
+          <p:cNvPr id="56" name="직사각형 55"/>
+          <p:cNvSpPr/>
+          <p:nvPr/>
+        </p:nvSpPr>
+        <p:spPr>
+          <a:xfrm>
+            <a:off x="6273811" y="4099913"/>
+            <a:ext cx="1149657" cy="162104"/>
+          </a:xfrm>
+          <a:prstGeom prst="rect">
+            <a:avLst/>
+          </a:prstGeom>
+          <a:solidFill>
+            <a:schemeClr val="bg1"/>
+          </a:solidFill>
+          <a:ln>
+            <a:solidFill>
+              <a:schemeClr val="bg1"/>
+            </a:solidFill>
+          </a:ln>
+        </p:spPr>
+        <p:style>
+          <a:lnRef idx="2">
+            <a:schemeClr val="accent1">
+              <a:shade val="50000"/>
+            </a:schemeClr>
+          </a:lnRef>
+          <a:fillRef idx="1">
+            <a:schemeClr val="accent1"/>
+          </a:fillRef>
+          <a:effectRef idx="0">
+            <a:schemeClr val="accent1"/>
+          </a:effectRef>
+          <a:fontRef idx="minor">
+            <a:schemeClr val="lt1"/>
+          </a:fontRef>
+        </p:style>
+        <p:txBody>
+          <a:bodyPr rtlCol="0" anchor="ctr"/>
+          <a:lstStyle/>
+          <a:p>
+            <a:r>
+              <a:rPr lang="ko-KR" altLang="en-US" sz="800" dirty="0" smtClean="0">
+                <a:ln w="12700">
+                  <a:noFill/>
+                  <a:prstDash val="solid"/>
+                </a:ln>
+                <a:solidFill>
+                  <a:schemeClr val="tx1"/>
+                </a:solidFill>
+              </a:rPr>
+              <a:t>참</a:t>
+            </a:r>
+            <a:r>
+              <a:rPr lang="ko-KR" altLang="en-US" sz="800" dirty="0">
+                <a:ln w="12700">
+                  <a:noFill/>
+                  <a:prstDash val="solid"/>
+                </a:ln>
+                <a:solidFill>
+                  <a:schemeClr val="tx1"/>
+                </a:solidFill>
+              </a:rPr>
+              <a:t>여</a:t>
+            </a:r>
+            <a:r>
+              <a:rPr lang="ko-KR" altLang="en-US" sz="800" dirty="0" smtClean="0">
+                <a:ln w="12700">
+                  <a:noFill/>
+                  <a:prstDash val="solid"/>
+                </a:ln>
+                <a:solidFill>
+                  <a:schemeClr val="tx1"/>
+                </a:solidFill>
+              </a:rPr>
+              <a:t>일 </a:t>
+            </a:r>
+            <a:r>
+              <a:rPr lang="en-US" altLang="ko-KR" sz="800" dirty="0" smtClean="0">
+                <a:ln w="12700">
+                  <a:noFill/>
+                  <a:prstDash val="solid"/>
+                </a:ln>
+                <a:solidFill>
+                  <a:schemeClr val="tx1"/>
+                </a:solidFill>
+              </a:rPr>
+              <a:t>: 2020.05.21</a:t>
+            </a:r>
+            <a:endParaRPr lang="en-US" altLang="ko-KR" sz="800" dirty="0" smtClean="0">
+              <a:ln w="12700">
+                <a:noFill/>
+                <a:prstDash val="solid"/>
+              </a:ln>
+              <a:solidFill>
+                <a:schemeClr val="tx1"/>
               </a:solidFill>
             </a:endParaRPr>
           </a:p>
@@ -30174,7 +30703,7 @@
                 <a:gridCol w="2688299">
                   <a:extLst>
                     <a:ext uri="{9D8B030D-6E8A-4147-A177-3AD203B41FA5}">
-                      <a16:colId xmlns="" xmlns:a16="http://schemas.microsoft.com/office/drawing/2014/main" val="20000"/>
+                      <a16:colId xmlns:a16="http://schemas.microsoft.com/office/drawing/2014/main" xmlns="" val="20000"/>
                     </a:ext>
                   </a:extLst>
                 </a:gridCol>
@@ -30206,7 +30735,7 @@
                 </a:tc>
                 <a:extLst>
                   <a:ext uri="{0D108BD9-81ED-4DB2-BD59-A6C34878D82A}">
-                    <a16:rowId xmlns="" xmlns:a16="http://schemas.microsoft.com/office/drawing/2014/main" val="10000"/>
+                    <a16:rowId xmlns:a16="http://schemas.microsoft.com/office/drawing/2014/main" xmlns="" val="10000"/>
                   </a:ext>
                 </a:extLst>
               </a:tr>
@@ -30234,7 +30763,7 @@
                 </a:tc>
                 <a:extLst>
                   <a:ext uri="{0D108BD9-81ED-4DB2-BD59-A6C34878D82A}">
-                    <a16:rowId xmlns="" xmlns:a16="http://schemas.microsoft.com/office/drawing/2014/main" val="10001"/>
+                    <a16:rowId xmlns:a16="http://schemas.microsoft.com/office/drawing/2014/main" xmlns="" val="10001"/>
                   </a:ext>
                 </a:extLst>
               </a:tr>
@@ -30268,14 +30797,14 @@
                 <a:gridCol w="280507">
                   <a:extLst>
                     <a:ext uri="{9D8B030D-6E8A-4147-A177-3AD203B41FA5}">
-                      <a16:colId xmlns="" xmlns:a16="http://schemas.microsoft.com/office/drawing/2014/main" val="20000"/>
+                      <a16:colId xmlns:a16="http://schemas.microsoft.com/office/drawing/2014/main" xmlns="" val="20000"/>
                     </a:ext>
                   </a:extLst>
                 </a:gridCol>
                 <a:gridCol w="2407792">
                   <a:extLst>
                     <a:ext uri="{9D8B030D-6E8A-4147-A177-3AD203B41FA5}">
-                      <a16:colId xmlns="" xmlns:a16="http://schemas.microsoft.com/office/drawing/2014/main" val="20001"/>
+                      <a16:colId xmlns:a16="http://schemas.microsoft.com/office/drawing/2014/main" xmlns="" val="20001"/>
                     </a:ext>
                   </a:extLst>
                 </a:gridCol>
@@ -30337,7 +30866,7 @@
                 </a:tc>
                 <a:extLst>
                   <a:ext uri="{0D108BD9-81ED-4DB2-BD59-A6C34878D82A}">
-                    <a16:rowId xmlns="" xmlns:a16="http://schemas.microsoft.com/office/drawing/2014/main" val="10000"/>
+                    <a16:rowId xmlns:a16="http://schemas.microsoft.com/office/drawing/2014/main" xmlns="" val="10000"/>
                   </a:ext>
                 </a:extLst>
               </a:tr>
@@ -30447,7 +30976,7 @@
                 </a:tc>
                 <a:extLst>
                   <a:ext uri="{0D108BD9-81ED-4DB2-BD59-A6C34878D82A}">
-                    <a16:rowId xmlns="" xmlns:a16="http://schemas.microsoft.com/office/drawing/2014/main" val="10001"/>
+                    <a16:rowId xmlns:a16="http://schemas.microsoft.com/office/drawing/2014/main" xmlns="" val="10001"/>
                   </a:ext>
                 </a:extLst>
               </a:tr>
@@ -30650,7 +31179,7 @@
                 </a:tc>
                 <a:extLst>
                   <a:ext uri="{0D108BD9-81ED-4DB2-BD59-A6C34878D82A}">
-                    <a16:rowId xmlns="" xmlns:a16="http://schemas.microsoft.com/office/drawing/2014/main" val="10002"/>
+                    <a16:rowId xmlns:a16="http://schemas.microsoft.com/office/drawing/2014/main" xmlns="" val="10002"/>
                   </a:ext>
                 </a:extLst>
               </a:tr>
@@ -30757,7 +31286,7 @@
                 </a:tc>
                 <a:extLst>
                   <a:ext uri="{0D108BD9-81ED-4DB2-BD59-A6C34878D82A}">
-                    <a16:rowId xmlns="" xmlns:a16="http://schemas.microsoft.com/office/drawing/2014/main" val="10003"/>
+                    <a16:rowId xmlns:a16="http://schemas.microsoft.com/office/drawing/2014/main" xmlns="" val="10003"/>
                   </a:ext>
                 </a:extLst>
               </a:tr>
@@ -34979,7 +35508,7 @@
                 <a:gridCol w="2688299">
                   <a:extLst>
                     <a:ext uri="{9D8B030D-6E8A-4147-A177-3AD203B41FA5}">
-                      <a16:colId xmlns="" xmlns:a16="http://schemas.microsoft.com/office/drawing/2014/main" val="20000"/>
+                      <a16:colId xmlns:a16="http://schemas.microsoft.com/office/drawing/2014/main" xmlns="" val="20000"/>
                     </a:ext>
                   </a:extLst>
                 </a:gridCol>
@@ -35011,7 +35540,7 @@
                 </a:tc>
                 <a:extLst>
                   <a:ext uri="{0D108BD9-81ED-4DB2-BD59-A6C34878D82A}">
-                    <a16:rowId xmlns="" xmlns:a16="http://schemas.microsoft.com/office/drawing/2014/main" val="10000"/>
+                    <a16:rowId xmlns:a16="http://schemas.microsoft.com/office/drawing/2014/main" xmlns="" val="10000"/>
                   </a:ext>
                 </a:extLst>
               </a:tr>
@@ -35039,7 +35568,7 @@
                 </a:tc>
                 <a:extLst>
                   <a:ext uri="{0D108BD9-81ED-4DB2-BD59-A6C34878D82A}">
-                    <a16:rowId xmlns="" xmlns:a16="http://schemas.microsoft.com/office/drawing/2014/main" val="10001"/>
+                    <a16:rowId xmlns:a16="http://schemas.microsoft.com/office/drawing/2014/main" xmlns="" val="10001"/>
                   </a:ext>
                 </a:extLst>
               </a:tr>
@@ -35111,7 +35640,7 @@
         </p:nvGraphicFramePr>
         <p:xfrm>
           <a:off x="9168341" y="2479152"/>
-          <a:ext cx="2688299" cy="3301511"/>
+          <a:ext cx="2688299" cy="3325450"/>
         </p:xfrm>
         <a:graphic>
           <a:graphicData uri="http://schemas.openxmlformats.org/drawingml/2006/table">
@@ -35121,14 +35650,14 @@
                 <a:gridCol w="280507">
                   <a:extLst>
                     <a:ext uri="{9D8B030D-6E8A-4147-A177-3AD203B41FA5}">
-                      <a16:colId xmlns="" xmlns:a16="http://schemas.microsoft.com/office/drawing/2014/main" val="20000"/>
+                      <a16:colId xmlns:a16="http://schemas.microsoft.com/office/drawing/2014/main" xmlns="" val="20000"/>
                     </a:ext>
                   </a:extLst>
                 </a:gridCol>
                 <a:gridCol w="2407792">
                   <a:extLst>
                     <a:ext uri="{9D8B030D-6E8A-4147-A177-3AD203B41FA5}">
-                      <a16:colId xmlns="" xmlns:a16="http://schemas.microsoft.com/office/drawing/2014/main" val="20001"/>
+                      <a16:colId xmlns:a16="http://schemas.microsoft.com/office/drawing/2014/main" xmlns="" val="20001"/>
                     </a:ext>
                   </a:extLst>
                 </a:gridCol>
@@ -35190,7 +35719,7 @@
                 </a:tc>
                 <a:extLst>
                   <a:ext uri="{0D108BD9-81ED-4DB2-BD59-A6C34878D82A}">
-                    <a16:rowId xmlns="" xmlns:a16="http://schemas.microsoft.com/office/drawing/2014/main" val="10000"/>
+                    <a16:rowId xmlns:a16="http://schemas.microsoft.com/office/drawing/2014/main" xmlns="" val="10000"/>
                   </a:ext>
                 </a:extLst>
               </a:tr>
@@ -35268,7 +35797,7 @@
                 </a:tc>
                 <a:extLst>
                   <a:ext uri="{0D108BD9-81ED-4DB2-BD59-A6C34878D82A}">
-                    <a16:rowId xmlns="" xmlns:a16="http://schemas.microsoft.com/office/drawing/2014/main" val="10001"/>
+                    <a16:rowId xmlns:a16="http://schemas.microsoft.com/office/drawing/2014/main" xmlns="" val="10001"/>
                   </a:ext>
                 </a:extLst>
               </a:tr>
@@ -35378,7 +35907,7 @@
                 </a:tc>
                 <a:extLst>
                   <a:ext uri="{0D108BD9-81ED-4DB2-BD59-A6C34878D82A}">
-                    <a16:rowId xmlns="" xmlns:a16="http://schemas.microsoft.com/office/drawing/2014/main" val="10002"/>
+                    <a16:rowId xmlns:a16="http://schemas.microsoft.com/office/drawing/2014/main" xmlns="" val="10002"/>
                   </a:ext>
                 </a:extLst>
               </a:tr>
@@ -35544,7 +36073,7 @@
                 </a:tc>
                 <a:extLst>
                   <a:ext uri="{0D108BD9-81ED-4DB2-BD59-A6C34878D82A}">
-                    <a16:rowId xmlns="" xmlns:a16="http://schemas.microsoft.com/office/drawing/2014/main" val="10003"/>
+                    <a16:rowId xmlns:a16="http://schemas.microsoft.com/office/drawing/2014/main" xmlns="" val="10003"/>
                   </a:ext>
                 </a:extLst>
               </a:tr>
@@ -37505,7 +38034,7 @@
                 <a:gridCol w="2688299">
                   <a:extLst>
                     <a:ext uri="{9D8B030D-6E8A-4147-A177-3AD203B41FA5}">
-                      <a16:colId xmlns="" xmlns:a16="http://schemas.microsoft.com/office/drawing/2014/main" val="20000"/>
+                      <a16:colId xmlns:a16="http://schemas.microsoft.com/office/drawing/2014/main" xmlns="" val="20000"/>
                     </a:ext>
                   </a:extLst>
                 </a:gridCol>
@@ -37537,7 +38066,7 @@
                 </a:tc>
                 <a:extLst>
                   <a:ext uri="{0D108BD9-81ED-4DB2-BD59-A6C34878D82A}">
-                    <a16:rowId xmlns="" xmlns:a16="http://schemas.microsoft.com/office/drawing/2014/main" val="10000"/>
+                    <a16:rowId xmlns:a16="http://schemas.microsoft.com/office/drawing/2014/main" xmlns="" val="10000"/>
                   </a:ext>
                 </a:extLst>
               </a:tr>
@@ -37573,7 +38102,7 @@
                 </a:tc>
                 <a:extLst>
                   <a:ext uri="{0D108BD9-81ED-4DB2-BD59-A6C34878D82A}">
-                    <a16:rowId xmlns="" xmlns:a16="http://schemas.microsoft.com/office/drawing/2014/main" val="10001"/>
+                    <a16:rowId xmlns:a16="http://schemas.microsoft.com/office/drawing/2014/main" xmlns="" val="10001"/>
                   </a:ext>
                 </a:extLst>
               </a:tr>
@@ -37843,14 +38372,14 @@
                 <a:gridCol w="280507">
                   <a:extLst>
                     <a:ext uri="{9D8B030D-6E8A-4147-A177-3AD203B41FA5}">
-                      <a16:colId xmlns="" xmlns:a16="http://schemas.microsoft.com/office/drawing/2014/main" val="20000"/>
+                      <a16:colId xmlns:a16="http://schemas.microsoft.com/office/drawing/2014/main" xmlns="" val="20000"/>
                     </a:ext>
                   </a:extLst>
                 </a:gridCol>
                 <a:gridCol w="2407792">
                   <a:extLst>
                     <a:ext uri="{9D8B030D-6E8A-4147-A177-3AD203B41FA5}">
-                      <a16:colId xmlns="" xmlns:a16="http://schemas.microsoft.com/office/drawing/2014/main" val="20001"/>
+                      <a16:colId xmlns:a16="http://schemas.microsoft.com/office/drawing/2014/main" xmlns="" val="20001"/>
                     </a:ext>
                   </a:extLst>
                 </a:gridCol>
@@ -37912,7 +38441,7 @@
                 </a:tc>
                 <a:extLst>
                   <a:ext uri="{0D108BD9-81ED-4DB2-BD59-A6C34878D82A}">
-                    <a16:rowId xmlns="" xmlns:a16="http://schemas.microsoft.com/office/drawing/2014/main" val="10000"/>
+                    <a16:rowId xmlns:a16="http://schemas.microsoft.com/office/drawing/2014/main" xmlns="" val="10000"/>
                   </a:ext>
                 </a:extLst>
               </a:tr>
@@ -37997,7 +38526,7 @@
                 </a:tc>
                 <a:extLst>
                   <a:ext uri="{0D108BD9-81ED-4DB2-BD59-A6C34878D82A}">
-                    <a16:rowId xmlns="" xmlns:a16="http://schemas.microsoft.com/office/drawing/2014/main" val="10001"/>
+                    <a16:rowId xmlns:a16="http://schemas.microsoft.com/office/drawing/2014/main" xmlns="" val="10001"/>
                   </a:ext>
                 </a:extLst>
               </a:tr>
@@ -38106,7 +38635,7 @@
                 </a:tc>
                 <a:extLst>
                   <a:ext uri="{0D108BD9-81ED-4DB2-BD59-A6C34878D82A}">
-                    <a16:rowId xmlns="" xmlns:a16="http://schemas.microsoft.com/office/drawing/2014/main" val="10002"/>
+                    <a16:rowId xmlns:a16="http://schemas.microsoft.com/office/drawing/2014/main" xmlns="" val="10002"/>
                   </a:ext>
                 </a:extLst>
               </a:tr>
@@ -39167,7 +39696,7 @@
                 <a:gridCol w="2688299">
                   <a:extLst>
                     <a:ext uri="{9D8B030D-6E8A-4147-A177-3AD203B41FA5}">
-                      <a16:colId xmlns="" xmlns:a16="http://schemas.microsoft.com/office/drawing/2014/main" val="20000"/>
+                      <a16:colId xmlns:a16="http://schemas.microsoft.com/office/drawing/2014/main" xmlns="" val="20000"/>
                     </a:ext>
                   </a:extLst>
                 </a:gridCol>
@@ -39199,7 +39728,7 @@
                 </a:tc>
                 <a:extLst>
                   <a:ext uri="{0D108BD9-81ED-4DB2-BD59-A6C34878D82A}">
-                    <a16:rowId xmlns="" xmlns:a16="http://schemas.microsoft.com/office/drawing/2014/main" val="10000"/>
+                    <a16:rowId xmlns:a16="http://schemas.microsoft.com/office/drawing/2014/main" xmlns="" val="10000"/>
                   </a:ext>
                 </a:extLst>
               </a:tr>
@@ -39231,7 +39760,7 @@
                 </a:tc>
                 <a:extLst>
                   <a:ext uri="{0D108BD9-81ED-4DB2-BD59-A6C34878D82A}">
-                    <a16:rowId xmlns="" xmlns:a16="http://schemas.microsoft.com/office/drawing/2014/main" val="10001"/>
+                    <a16:rowId xmlns:a16="http://schemas.microsoft.com/office/drawing/2014/main" xmlns="" val="10001"/>
                   </a:ext>
                 </a:extLst>
               </a:tr>
@@ -39379,14 +39908,14 @@
                 <a:gridCol w="280507">
                   <a:extLst>
                     <a:ext uri="{9D8B030D-6E8A-4147-A177-3AD203B41FA5}">
-                      <a16:colId xmlns="" xmlns:a16="http://schemas.microsoft.com/office/drawing/2014/main" val="20000"/>
+                      <a16:colId xmlns:a16="http://schemas.microsoft.com/office/drawing/2014/main" xmlns="" val="20000"/>
                     </a:ext>
                   </a:extLst>
                 </a:gridCol>
                 <a:gridCol w="2407792">
                   <a:extLst>
                     <a:ext uri="{9D8B030D-6E8A-4147-A177-3AD203B41FA5}">
-                      <a16:colId xmlns="" xmlns:a16="http://schemas.microsoft.com/office/drawing/2014/main" val="20001"/>
+                      <a16:colId xmlns:a16="http://schemas.microsoft.com/office/drawing/2014/main" xmlns="" val="20001"/>
                     </a:ext>
                   </a:extLst>
                 </a:gridCol>
@@ -39448,7 +39977,7 @@
                 </a:tc>
                 <a:extLst>
                   <a:ext uri="{0D108BD9-81ED-4DB2-BD59-A6C34878D82A}">
-                    <a16:rowId xmlns="" xmlns:a16="http://schemas.microsoft.com/office/drawing/2014/main" val="10000"/>
+                    <a16:rowId xmlns:a16="http://schemas.microsoft.com/office/drawing/2014/main" xmlns="" val="10000"/>
                   </a:ext>
                 </a:extLst>
               </a:tr>
@@ -39519,7 +40048,7 @@
                 </a:tc>
                 <a:extLst>
                   <a:ext uri="{0D108BD9-81ED-4DB2-BD59-A6C34878D82A}">
-                    <a16:rowId xmlns="" xmlns:a16="http://schemas.microsoft.com/office/drawing/2014/main" val="10001"/>
+                    <a16:rowId xmlns:a16="http://schemas.microsoft.com/office/drawing/2014/main" xmlns="" val="10001"/>
                   </a:ext>
                 </a:extLst>
               </a:tr>
@@ -39712,7 +40241,7 @@
                 </a:tc>
                 <a:extLst>
                   <a:ext uri="{0D108BD9-81ED-4DB2-BD59-A6C34878D82A}">
-                    <a16:rowId xmlns="" xmlns:a16="http://schemas.microsoft.com/office/drawing/2014/main" val="10002"/>
+                    <a16:rowId xmlns:a16="http://schemas.microsoft.com/office/drawing/2014/main" xmlns="" val="10002"/>
                   </a:ext>
                 </a:extLst>
               </a:tr>
@@ -40488,7 +41017,7 @@
   <a:extraClrSchemeLst/>
   <a:extLst>
     <a:ext uri="{05A4C25C-085E-4340-85A3-A5531E510DB2}">
-      <thm15:themeFamily xmlns="" xmlns:thm15="http://schemas.microsoft.com/office/thememl/2012/main" name="Office Theme" id="{62F939B6-93AF-4DB8-9C6B-D6C7DFDC589F}" vid="{4A3C46E8-61CC-4603-A589-7422A47A8E4A}"/>
+      <thm15:themeFamily xmlns:thm15="http://schemas.microsoft.com/office/thememl/2012/main" xmlns="" name="Office Theme" id="{62F939B6-93AF-4DB8-9C6B-D6C7DFDC589F}" vid="{4A3C46E8-61CC-4603-A589-7422A47A8E4A}"/>
     </a:ext>
   </a:extLst>
 </a:theme>
@@ -40749,7 +41278,7 @@
   <a:extraClrSchemeLst/>
   <a:extLst>
     <a:ext uri="{05A4C25C-085E-4340-85A3-A5531E510DB2}">
-      <thm15:themeFamily xmlns="" xmlns:thm15="http://schemas.microsoft.com/office/thememl/2012/main" name="Office Theme" id="{62F939B6-93AF-4DB8-9C6B-D6C7DFDC589F}" vid="{4A3C46E8-61CC-4603-A589-7422A47A8E4A}"/>
+      <thm15:themeFamily xmlns:thm15="http://schemas.microsoft.com/office/thememl/2012/main" xmlns="" name="Office Theme" id="{62F939B6-93AF-4DB8-9C6B-D6C7DFDC589F}" vid="{4A3C46E8-61CC-4603-A589-7422A47A8E4A}"/>
     </a:ext>
   </a:extLst>
 </a:theme>

--- a/0 발표용 파워포인트/project06 - 파워포인트 종합 - 서희.pptx
+++ b/0 발표용 파워포인트/project06 - 파워포인트 종합 - 서희.pptx
@@ -156,7 +156,7 @@
       </p14:sectionLst>
     </p:ext>
     <p:ext uri="{EFAFB233-063F-42B5-8137-9DF3F51BA10A}">
-      <p15:sldGuideLst xmlns:p15="http://schemas.microsoft.com/office/powerpoint/2012/main" xmlns="">
+      <p15:sldGuideLst xmlns="" xmlns:p15="http://schemas.microsoft.com/office/powerpoint/2012/main">
         <p15:guide id="1" orient="horz" pos="2160">
           <p15:clr>
             <a:srgbClr val="A4A3A4"/>
@@ -170,7 +170,7 @@
       </p15:sldGuideLst>
     </p:ext>
     <p:ext uri="{2D200454-40CA-4A62-9FC3-DE9A4176ACB9}">
-      <p15:notesGuideLst xmlns:p15="http://schemas.microsoft.com/office/powerpoint/2012/main" xmlns="">
+      <p15:notesGuideLst xmlns="" xmlns:p15="http://schemas.microsoft.com/office/powerpoint/2012/main">
         <p15:guide id="1" orient="horz" pos="2880">
           <p15:clr>
             <a:srgbClr val="A4A3A4"/>
@@ -5499,7 +5499,7 @@
                 <a:gridCol w="2688299">
                   <a:extLst>
                     <a:ext uri="{9D8B030D-6E8A-4147-A177-3AD203B41FA5}">
-                      <a16:colId xmlns:a16="http://schemas.microsoft.com/office/drawing/2014/main" xmlns="" val="20000"/>
+                      <a16:colId xmlns="" xmlns:a16="http://schemas.microsoft.com/office/drawing/2014/main" val="20000"/>
                     </a:ext>
                   </a:extLst>
                 </a:gridCol>
@@ -5531,7 +5531,7 @@
                 </a:tc>
                 <a:extLst>
                   <a:ext uri="{0D108BD9-81ED-4DB2-BD59-A6C34878D82A}">
-                    <a16:rowId xmlns:a16="http://schemas.microsoft.com/office/drawing/2014/main" xmlns="" val="10000"/>
+                    <a16:rowId xmlns="" xmlns:a16="http://schemas.microsoft.com/office/drawing/2014/main" val="10000"/>
                   </a:ext>
                 </a:extLst>
               </a:tr>
@@ -5566,7 +5566,7 @@
                 </a:tc>
                 <a:extLst>
                   <a:ext uri="{0D108BD9-81ED-4DB2-BD59-A6C34878D82A}">
-                    <a16:rowId xmlns:a16="http://schemas.microsoft.com/office/drawing/2014/main" xmlns="" val="10001"/>
+                    <a16:rowId xmlns="" xmlns:a16="http://schemas.microsoft.com/office/drawing/2014/main" val="10001"/>
                   </a:ext>
                 </a:extLst>
               </a:tr>
@@ -5600,14 +5600,14 @@
                 <a:gridCol w="280507">
                   <a:extLst>
                     <a:ext uri="{9D8B030D-6E8A-4147-A177-3AD203B41FA5}">
-                      <a16:colId xmlns:a16="http://schemas.microsoft.com/office/drawing/2014/main" xmlns="" val="20000"/>
+                      <a16:colId xmlns="" xmlns:a16="http://schemas.microsoft.com/office/drawing/2014/main" val="20000"/>
                     </a:ext>
                   </a:extLst>
                 </a:gridCol>
                 <a:gridCol w="2407792">
                   <a:extLst>
                     <a:ext uri="{9D8B030D-6E8A-4147-A177-3AD203B41FA5}">
-                      <a16:colId xmlns:a16="http://schemas.microsoft.com/office/drawing/2014/main" xmlns="" val="20001"/>
+                      <a16:colId xmlns="" xmlns:a16="http://schemas.microsoft.com/office/drawing/2014/main" val="20001"/>
                     </a:ext>
                   </a:extLst>
                 </a:gridCol>
@@ -5669,7 +5669,7 @@
                 </a:tc>
                 <a:extLst>
                   <a:ext uri="{0D108BD9-81ED-4DB2-BD59-A6C34878D82A}">
-                    <a16:rowId xmlns:a16="http://schemas.microsoft.com/office/drawing/2014/main" xmlns="" val="10000"/>
+                    <a16:rowId xmlns="" xmlns:a16="http://schemas.microsoft.com/office/drawing/2014/main" val="10000"/>
                   </a:ext>
                 </a:extLst>
               </a:tr>
@@ -5761,7 +5761,7 @@
                 </a:tc>
                 <a:extLst>
                   <a:ext uri="{0D108BD9-81ED-4DB2-BD59-A6C34878D82A}">
-                    <a16:rowId xmlns:a16="http://schemas.microsoft.com/office/drawing/2014/main" xmlns="" val="10001"/>
+                    <a16:rowId xmlns="" xmlns:a16="http://schemas.microsoft.com/office/drawing/2014/main" val="10001"/>
                   </a:ext>
                 </a:extLst>
               </a:tr>
@@ -5892,7 +5892,7 @@
                 </a:tc>
                 <a:extLst>
                   <a:ext uri="{0D108BD9-81ED-4DB2-BD59-A6C34878D82A}">
-                    <a16:rowId xmlns:a16="http://schemas.microsoft.com/office/drawing/2014/main" xmlns="" val="10002"/>
+                    <a16:rowId xmlns="" xmlns:a16="http://schemas.microsoft.com/office/drawing/2014/main" val="10002"/>
                   </a:ext>
                 </a:extLst>
               </a:tr>
@@ -6017,7 +6017,7 @@
                 </a:tc>
                 <a:extLst>
                   <a:ext uri="{0D108BD9-81ED-4DB2-BD59-A6C34878D82A}">
-                    <a16:rowId xmlns:a16="http://schemas.microsoft.com/office/drawing/2014/main" xmlns="" val="10003"/>
+                    <a16:rowId xmlns="" xmlns:a16="http://schemas.microsoft.com/office/drawing/2014/main" val="10003"/>
                   </a:ext>
                 </a:extLst>
               </a:tr>
@@ -6163,7 +6163,7 @@
                 </a:tc>
                 <a:extLst>
                   <a:ext uri="{0D108BD9-81ED-4DB2-BD59-A6C34878D82A}">
-                    <a16:rowId xmlns:a16="http://schemas.microsoft.com/office/drawing/2014/main" xmlns="" val="10004"/>
+                    <a16:rowId xmlns="" xmlns:a16="http://schemas.microsoft.com/office/drawing/2014/main" val="10004"/>
                   </a:ext>
                 </a:extLst>
               </a:tr>
@@ -7841,7 +7841,7 @@
                 <a:gridCol w="2688299">
                   <a:extLst>
                     <a:ext uri="{9D8B030D-6E8A-4147-A177-3AD203B41FA5}">
-                      <a16:colId xmlns:a16="http://schemas.microsoft.com/office/drawing/2014/main" xmlns="" val="20000"/>
+                      <a16:colId xmlns="" xmlns:a16="http://schemas.microsoft.com/office/drawing/2014/main" val="20000"/>
                     </a:ext>
                   </a:extLst>
                 </a:gridCol>
@@ -7873,7 +7873,7 @@
                 </a:tc>
                 <a:extLst>
                   <a:ext uri="{0D108BD9-81ED-4DB2-BD59-A6C34878D82A}">
-                    <a16:rowId xmlns:a16="http://schemas.microsoft.com/office/drawing/2014/main" xmlns="" val="10000"/>
+                    <a16:rowId xmlns="" xmlns:a16="http://schemas.microsoft.com/office/drawing/2014/main" val="10000"/>
                   </a:ext>
                 </a:extLst>
               </a:tr>
@@ -7901,7 +7901,7 @@
                 </a:tc>
                 <a:extLst>
                   <a:ext uri="{0D108BD9-81ED-4DB2-BD59-A6C34878D82A}">
-                    <a16:rowId xmlns:a16="http://schemas.microsoft.com/office/drawing/2014/main" xmlns="" val="10001"/>
+                    <a16:rowId xmlns="" xmlns:a16="http://schemas.microsoft.com/office/drawing/2014/main" val="10001"/>
                   </a:ext>
                 </a:extLst>
               </a:tr>
@@ -7935,14 +7935,14 @@
                 <a:gridCol w="280507">
                   <a:extLst>
                     <a:ext uri="{9D8B030D-6E8A-4147-A177-3AD203B41FA5}">
-                      <a16:colId xmlns:a16="http://schemas.microsoft.com/office/drawing/2014/main" xmlns="" val="20000"/>
+                      <a16:colId xmlns="" xmlns:a16="http://schemas.microsoft.com/office/drawing/2014/main" val="20000"/>
                     </a:ext>
                   </a:extLst>
                 </a:gridCol>
                 <a:gridCol w="2407792">
                   <a:extLst>
                     <a:ext uri="{9D8B030D-6E8A-4147-A177-3AD203B41FA5}">
-                      <a16:colId xmlns:a16="http://schemas.microsoft.com/office/drawing/2014/main" xmlns="" val="20001"/>
+                      <a16:colId xmlns="" xmlns:a16="http://schemas.microsoft.com/office/drawing/2014/main" val="20001"/>
                     </a:ext>
                   </a:extLst>
                 </a:gridCol>
@@ -8004,7 +8004,7 @@
                 </a:tc>
                 <a:extLst>
                   <a:ext uri="{0D108BD9-81ED-4DB2-BD59-A6C34878D82A}">
-                    <a16:rowId xmlns:a16="http://schemas.microsoft.com/office/drawing/2014/main" xmlns="" val="10000"/>
+                    <a16:rowId xmlns="" xmlns:a16="http://schemas.microsoft.com/office/drawing/2014/main" val="10000"/>
                   </a:ext>
                 </a:extLst>
               </a:tr>
@@ -8096,7 +8096,7 @@
                 </a:tc>
                 <a:extLst>
                   <a:ext uri="{0D108BD9-81ED-4DB2-BD59-A6C34878D82A}">
-                    <a16:rowId xmlns:a16="http://schemas.microsoft.com/office/drawing/2014/main" xmlns="" val="10001"/>
+                    <a16:rowId xmlns="" xmlns:a16="http://schemas.microsoft.com/office/drawing/2014/main" val="10001"/>
                   </a:ext>
                 </a:extLst>
               </a:tr>
@@ -8227,7 +8227,7 @@
                 </a:tc>
                 <a:extLst>
                   <a:ext uri="{0D108BD9-81ED-4DB2-BD59-A6C34878D82A}">
-                    <a16:rowId xmlns:a16="http://schemas.microsoft.com/office/drawing/2014/main" xmlns="" val="10002"/>
+                    <a16:rowId xmlns="" xmlns:a16="http://schemas.microsoft.com/office/drawing/2014/main" val="10002"/>
                   </a:ext>
                 </a:extLst>
               </a:tr>
@@ -8352,7 +8352,7 @@
                 </a:tc>
                 <a:extLst>
                   <a:ext uri="{0D108BD9-81ED-4DB2-BD59-A6C34878D82A}">
-                    <a16:rowId xmlns:a16="http://schemas.microsoft.com/office/drawing/2014/main" xmlns="" val="10003"/>
+                    <a16:rowId xmlns="" xmlns:a16="http://schemas.microsoft.com/office/drawing/2014/main" val="10003"/>
                   </a:ext>
                 </a:extLst>
               </a:tr>
@@ -8498,7 +8498,7 @@
                 </a:tc>
                 <a:extLst>
                   <a:ext uri="{0D108BD9-81ED-4DB2-BD59-A6C34878D82A}">
-                    <a16:rowId xmlns:a16="http://schemas.microsoft.com/office/drawing/2014/main" xmlns="" val="10004"/>
+                    <a16:rowId xmlns="" xmlns:a16="http://schemas.microsoft.com/office/drawing/2014/main" val="10004"/>
                   </a:ext>
                 </a:extLst>
               </a:tr>
@@ -10162,7 +10162,7 @@
                 <a:gridCol w="2688299">
                   <a:extLst>
                     <a:ext uri="{9D8B030D-6E8A-4147-A177-3AD203B41FA5}">
-                      <a16:colId xmlns:a16="http://schemas.microsoft.com/office/drawing/2014/main" xmlns="" val="20000"/>
+                      <a16:colId xmlns="" xmlns:a16="http://schemas.microsoft.com/office/drawing/2014/main" val="20000"/>
                     </a:ext>
                   </a:extLst>
                 </a:gridCol>
@@ -10194,7 +10194,7 @@
                 </a:tc>
                 <a:extLst>
                   <a:ext uri="{0D108BD9-81ED-4DB2-BD59-A6C34878D82A}">
-                    <a16:rowId xmlns:a16="http://schemas.microsoft.com/office/drawing/2014/main" xmlns="" val="10000"/>
+                    <a16:rowId xmlns="" xmlns:a16="http://schemas.microsoft.com/office/drawing/2014/main" val="10000"/>
                   </a:ext>
                 </a:extLst>
               </a:tr>
@@ -10222,7 +10222,7 @@
                 </a:tc>
                 <a:extLst>
                   <a:ext uri="{0D108BD9-81ED-4DB2-BD59-A6C34878D82A}">
-                    <a16:rowId xmlns:a16="http://schemas.microsoft.com/office/drawing/2014/main" xmlns="" val="10001"/>
+                    <a16:rowId xmlns="" xmlns:a16="http://schemas.microsoft.com/office/drawing/2014/main" val="10001"/>
                   </a:ext>
                 </a:extLst>
               </a:tr>
@@ -10256,14 +10256,14 @@
                 <a:gridCol w="280507">
                   <a:extLst>
                     <a:ext uri="{9D8B030D-6E8A-4147-A177-3AD203B41FA5}">
-                      <a16:colId xmlns:a16="http://schemas.microsoft.com/office/drawing/2014/main" xmlns="" val="20000"/>
+                      <a16:colId xmlns="" xmlns:a16="http://schemas.microsoft.com/office/drawing/2014/main" val="20000"/>
                     </a:ext>
                   </a:extLst>
                 </a:gridCol>
                 <a:gridCol w="2407792">
                   <a:extLst>
                     <a:ext uri="{9D8B030D-6E8A-4147-A177-3AD203B41FA5}">
-                      <a16:colId xmlns:a16="http://schemas.microsoft.com/office/drawing/2014/main" xmlns="" val="20001"/>
+                      <a16:colId xmlns="" xmlns:a16="http://schemas.microsoft.com/office/drawing/2014/main" val="20001"/>
                     </a:ext>
                   </a:extLst>
                 </a:gridCol>
@@ -10325,7 +10325,7 @@
                 </a:tc>
                 <a:extLst>
                   <a:ext uri="{0D108BD9-81ED-4DB2-BD59-A6C34878D82A}">
-                    <a16:rowId xmlns:a16="http://schemas.microsoft.com/office/drawing/2014/main" xmlns="" val="10000"/>
+                    <a16:rowId xmlns="" xmlns:a16="http://schemas.microsoft.com/office/drawing/2014/main" val="10000"/>
                   </a:ext>
                 </a:extLst>
               </a:tr>
@@ -10403,7 +10403,7 @@
                 </a:tc>
                 <a:extLst>
                   <a:ext uri="{0D108BD9-81ED-4DB2-BD59-A6C34878D82A}">
-                    <a16:rowId xmlns:a16="http://schemas.microsoft.com/office/drawing/2014/main" xmlns="" val="10001"/>
+                    <a16:rowId xmlns="" xmlns:a16="http://schemas.microsoft.com/office/drawing/2014/main" val="10001"/>
                   </a:ext>
                 </a:extLst>
               </a:tr>
@@ -10513,7 +10513,7 @@
                 </a:tc>
                 <a:extLst>
                   <a:ext uri="{0D108BD9-81ED-4DB2-BD59-A6C34878D82A}">
-                    <a16:rowId xmlns:a16="http://schemas.microsoft.com/office/drawing/2014/main" xmlns="" val="10002"/>
+                    <a16:rowId xmlns="" xmlns:a16="http://schemas.microsoft.com/office/drawing/2014/main" val="10002"/>
                   </a:ext>
                 </a:extLst>
               </a:tr>
@@ -10644,7 +10644,7 @@
                 </a:tc>
                 <a:extLst>
                   <a:ext uri="{0D108BD9-81ED-4DB2-BD59-A6C34878D82A}">
-                    <a16:rowId xmlns:a16="http://schemas.microsoft.com/office/drawing/2014/main" xmlns="" val="10003"/>
+                    <a16:rowId xmlns="" xmlns:a16="http://schemas.microsoft.com/office/drawing/2014/main" val="10003"/>
                   </a:ext>
                 </a:extLst>
               </a:tr>
@@ -10806,7 +10806,7 @@
                 </a:tc>
                 <a:extLst>
                   <a:ext uri="{0D108BD9-81ED-4DB2-BD59-A6C34878D82A}">
-                    <a16:rowId xmlns:a16="http://schemas.microsoft.com/office/drawing/2014/main" xmlns="" val="10004"/>
+                    <a16:rowId xmlns="" xmlns:a16="http://schemas.microsoft.com/office/drawing/2014/main" val="10004"/>
                   </a:ext>
                 </a:extLst>
               </a:tr>
@@ -12355,7 +12355,7 @@
                 <a:gridCol w="2688299">
                   <a:extLst>
                     <a:ext uri="{9D8B030D-6E8A-4147-A177-3AD203B41FA5}">
-                      <a16:colId xmlns:a16="http://schemas.microsoft.com/office/drawing/2014/main" xmlns="" val="20000"/>
+                      <a16:colId xmlns="" xmlns:a16="http://schemas.microsoft.com/office/drawing/2014/main" val="20000"/>
                     </a:ext>
                   </a:extLst>
                 </a:gridCol>
@@ -12387,7 +12387,7 @@
                 </a:tc>
                 <a:extLst>
                   <a:ext uri="{0D108BD9-81ED-4DB2-BD59-A6C34878D82A}">
-                    <a16:rowId xmlns:a16="http://schemas.microsoft.com/office/drawing/2014/main" xmlns="" val="10000"/>
+                    <a16:rowId xmlns="" xmlns:a16="http://schemas.microsoft.com/office/drawing/2014/main" val="10000"/>
                   </a:ext>
                 </a:extLst>
               </a:tr>
@@ -12419,7 +12419,7 @@
                 </a:tc>
                 <a:extLst>
                   <a:ext uri="{0D108BD9-81ED-4DB2-BD59-A6C34878D82A}">
-                    <a16:rowId xmlns:a16="http://schemas.microsoft.com/office/drawing/2014/main" xmlns="" val="10001"/>
+                    <a16:rowId xmlns="" xmlns:a16="http://schemas.microsoft.com/office/drawing/2014/main" val="10001"/>
                   </a:ext>
                 </a:extLst>
               </a:tr>
@@ -12453,14 +12453,14 @@
                 <a:gridCol w="280507">
                   <a:extLst>
                     <a:ext uri="{9D8B030D-6E8A-4147-A177-3AD203B41FA5}">
-                      <a16:colId xmlns:a16="http://schemas.microsoft.com/office/drawing/2014/main" xmlns="" val="20000"/>
+                      <a16:colId xmlns="" xmlns:a16="http://schemas.microsoft.com/office/drawing/2014/main" val="20000"/>
                     </a:ext>
                   </a:extLst>
                 </a:gridCol>
                 <a:gridCol w="2407792">
                   <a:extLst>
                     <a:ext uri="{9D8B030D-6E8A-4147-A177-3AD203B41FA5}">
-                      <a16:colId xmlns:a16="http://schemas.microsoft.com/office/drawing/2014/main" xmlns="" val="20001"/>
+                      <a16:colId xmlns="" xmlns:a16="http://schemas.microsoft.com/office/drawing/2014/main" val="20001"/>
                     </a:ext>
                   </a:extLst>
                 </a:gridCol>
@@ -12522,7 +12522,7 @@
                 </a:tc>
                 <a:extLst>
                   <a:ext uri="{0D108BD9-81ED-4DB2-BD59-A6C34878D82A}">
-                    <a16:rowId xmlns:a16="http://schemas.microsoft.com/office/drawing/2014/main" xmlns="" val="10000"/>
+                    <a16:rowId xmlns="" xmlns:a16="http://schemas.microsoft.com/office/drawing/2014/main" val="10000"/>
                   </a:ext>
                 </a:extLst>
               </a:tr>
@@ -12643,7 +12643,7 @@
                 </a:tc>
                 <a:extLst>
                   <a:ext uri="{0D108BD9-81ED-4DB2-BD59-A6C34878D82A}">
-                    <a16:rowId xmlns:a16="http://schemas.microsoft.com/office/drawing/2014/main" xmlns="" val="10001"/>
+                    <a16:rowId xmlns="" xmlns:a16="http://schemas.microsoft.com/office/drawing/2014/main" val="10001"/>
                   </a:ext>
                 </a:extLst>
               </a:tr>
@@ -13823,7 +13823,7 @@
                 <a:gridCol w="2688299">
                   <a:extLst>
                     <a:ext uri="{9D8B030D-6E8A-4147-A177-3AD203B41FA5}">
-                      <a16:colId xmlns:a16="http://schemas.microsoft.com/office/drawing/2014/main" xmlns="" val="20000"/>
+                      <a16:colId xmlns="" xmlns:a16="http://schemas.microsoft.com/office/drawing/2014/main" val="20000"/>
                     </a:ext>
                   </a:extLst>
                 </a:gridCol>
@@ -13855,7 +13855,7 @@
                 </a:tc>
                 <a:extLst>
                   <a:ext uri="{0D108BD9-81ED-4DB2-BD59-A6C34878D82A}">
-                    <a16:rowId xmlns:a16="http://schemas.microsoft.com/office/drawing/2014/main" xmlns="" val="10000"/>
+                    <a16:rowId xmlns="" xmlns:a16="http://schemas.microsoft.com/office/drawing/2014/main" val="10000"/>
                   </a:ext>
                 </a:extLst>
               </a:tr>
@@ -13891,7 +13891,7 @@
                 </a:tc>
                 <a:extLst>
                   <a:ext uri="{0D108BD9-81ED-4DB2-BD59-A6C34878D82A}">
-                    <a16:rowId xmlns:a16="http://schemas.microsoft.com/office/drawing/2014/main" xmlns="" val="10001"/>
+                    <a16:rowId xmlns="" xmlns:a16="http://schemas.microsoft.com/office/drawing/2014/main" val="10001"/>
                   </a:ext>
                 </a:extLst>
               </a:tr>
@@ -13925,14 +13925,14 @@
                 <a:gridCol w="280507">
                   <a:extLst>
                     <a:ext uri="{9D8B030D-6E8A-4147-A177-3AD203B41FA5}">
-                      <a16:colId xmlns:a16="http://schemas.microsoft.com/office/drawing/2014/main" xmlns="" val="20000"/>
+                      <a16:colId xmlns="" xmlns:a16="http://schemas.microsoft.com/office/drawing/2014/main" val="20000"/>
                     </a:ext>
                   </a:extLst>
                 </a:gridCol>
                 <a:gridCol w="2407792">
                   <a:extLst>
                     <a:ext uri="{9D8B030D-6E8A-4147-A177-3AD203B41FA5}">
-                      <a16:colId xmlns:a16="http://schemas.microsoft.com/office/drawing/2014/main" xmlns="" val="20001"/>
+                      <a16:colId xmlns="" xmlns:a16="http://schemas.microsoft.com/office/drawing/2014/main" val="20001"/>
                     </a:ext>
                   </a:extLst>
                 </a:gridCol>
@@ -13994,7 +13994,7 @@
                 </a:tc>
                 <a:extLst>
                   <a:ext uri="{0D108BD9-81ED-4DB2-BD59-A6C34878D82A}">
-                    <a16:rowId xmlns:a16="http://schemas.microsoft.com/office/drawing/2014/main" xmlns="" val="10000"/>
+                    <a16:rowId xmlns="" xmlns:a16="http://schemas.microsoft.com/office/drawing/2014/main" val="10000"/>
                   </a:ext>
                 </a:extLst>
               </a:tr>
@@ -14079,7 +14079,7 @@
                 </a:tc>
                 <a:extLst>
                   <a:ext uri="{0D108BD9-81ED-4DB2-BD59-A6C34878D82A}">
-                    <a16:rowId xmlns:a16="http://schemas.microsoft.com/office/drawing/2014/main" xmlns="" val="10001"/>
+                    <a16:rowId xmlns="" xmlns:a16="http://schemas.microsoft.com/office/drawing/2014/main" val="10001"/>
                   </a:ext>
                 </a:extLst>
               </a:tr>
@@ -15259,7 +15259,7 @@
                 <a:gridCol w="2688299">
                   <a:extLst>
                     <a:ext uri="{9D8B030D-6E8A-4147-A177-3AD203B41FA5}">
-                      <a16:colId xmlns:a16="http://schemas.microsoft.com/office/drawing/2014/main" xmlns="" val="20000"/>
+                      <a16:colId xmlns="" xmlns:a16="http://schemas.microsoft.com/office/drawing/2014/main" val="20000"/>
                     </a:ext>
                   </a:extLst>
                 </a:gridCol>
@@ -15291,7 +15291,7 @@
                 </a:tc>
                 <a:extLst>
                   <a:ext uri="{0D108BD9-81ED-4DB2-BD59-A6C34878D82A}">
-                    <a16:rowId xmlns:a16="http://schemas.microsoft.com/office/drawing/2014/main" xmlns="" val="10000"/>
+                    <a16:rowId xmlns="" xmlns:a16="http://schemas.microsoft.com/office/drawing/2014/main" val="10000"/>
                   </a:ext>
                 </a:extLst>
               </a:tr>
@@ -15327,7 +15327,7 @@
                 </a:tc>
                 <a:extLst>
                   <a:ext uri="{0D108BD9-81ED-4DB2-BD59-A6C34878D82A}">
-                    <a16:rowId xmlns:a16="http://schemas.microsoft.com/office/drawing/2014/main" xmlns="" val="10001"/>
+                    <a16:rowId xmlns="" xmlns:a16="http://schemas.microsoft.com/office/drawing/2014/main" val="10001"/>
                   </a:ext>
                 </a:extLst>
               </a:tr>
@@ -15361,14 +15361,14 @@
                 <a:gridCol w="280507">
                   <a:extLst>
                     <a:ext uri="{9D8B030D-6E8A-4147-A177-3AD203B41FA5}">
-                      <a16:colId xmlns:a16="http://schemas.microsoft.com/office/drawing/2014/main" xmlns="" val="20000"/>
+                      <a16:colId xmlns="" xmlns:a16="http://schemas.microsoft.com/office/drawing/2014/main" val="20000"/>
                     </a:ext>
                   </a:extLst>
                 </a:gridCol>
                 <a:gridCol w="2407792">
                   <a:extLst>
                     <a:ext uri="{9D8B030D-6E8A-4147-A177-3AD203B41FA5}">
-                      <a16:colId xmlns:a16="http://schemas.microsoft.com/office/drawing/2014/main" xmlns="" val="20001"/>
+                      <a16:colId xmlns="" xmlns:a16="http://schemas.microsoft.com/office/drawing/2014/main" val="20001"/>
                     </a:ext>
                   </a:extLst>
                 </a:gridCol>
@@ -15430,7 +15430,7 @@
                 </a:tc>
                 <a:extLst>
                   <a:ext uri="{0D108BD9-81ED-4DB2-BD59-A6C34878D82A}">
-                    <a16:rowId xmlns:a16="http://schemas.microsoft.com/office/drawing/2014/main" xmlns="" val="10000"/>
+                    <a16:rowId xmlns="" xmlns:a16="http://schemas.microsoft.com/office/drawing/2014/main" val="10000"/>
                   </a:ext>
                 </a:extLst>
               </a:tr>
@@ -15539,7 +15539,7 @@
                 </a:tc>
                 <a:extLst>
                   <a:ext uri="{0D108BD9-81ED-4DB2-BD59-A6C34878D82A}">
-                    <a16:rowId xmlns:a16="http://schemas.microsoft.com/office/drawing/2014/main" xmlns="" val="10002"/>
+                    <a16:rowId xmlns="" xmlns:a16="http://schemas.microsoft.com/office/drawing/2014/main" val="10002"/>
                   </a:ext>
                 </a:extLst>
               </a:tr>
@@ -16773,7 +16773,7 @@
                 <a:gridCol w="2688299">
                   <a:extLst>
                     <a:ext uri="{9D8B030D-6E8A-4147-A177-3AD203B41FA5}">
-                      <a16:colId xmlns:a16="http://schemas.microsoft.com/office/drawing/2014/main" xmlns="" val="20000"/>
+                      <a16:colId xmlns="" xmlns:a16="http://schemas.microsoft.com/office/drawing/2014/main" val="20000"/>
                     </a:ext>
                   </a:extLst>
                 </a:gridCol>
@@ -16805,7 +16805,7 @@
                 </a:tc>
                 <a:extLst>
                   <a:ext uri="{0D108BD9-81ED-4DB2-BD59-A6C34878D82A}">
-                    <a16:rowId xmlns:a16="http://schemas.microsoft.com/office/drawing/2014/main" xmlns="" val="10000"/>
+                    <a16:rowId xmlns="" xmlns:a16="http://schemas.microsoft.com/office/drawing/2014/main" val="10000"/>
                   </a:ext>
                 </a:extLst>
               </a:tr>
@@ -16837,7 +16837,7 @@
                 </a:tc>
                 <a:extLst>
                   <a:ext uri="{0D108BD9-81ED-4DB2-BD59-A6C34878D82A}">
-                    <a16:rowId xmlns:a16="http://schemas.microsoft.com/office/drawing/2014/main" xmlns="" val="10001"/>
+                    <a16:rowId xmlns="" xmlns:a16="http://schemas.microsoft.com/office/drawing/2014/main" val="10001"/>
                   </a:ext>
                 </a:extLst>
               </a:tr>
@@ -16871,14 +16871,14 @@
                 <a:gridCol w="280507">
                   <a:extLst>
                     <a:ext uri="{9D8B030D-6E8A-4147-A177-3AD203B41FA5}">
-                      <a16:colId xmlns:a16="http://schemas.microsoft.com/office/drawing/2014/main" xmlns="" val="20000"/>
+                      <a16:colId xmlns="" xmlns:a16="http://schemas.microsoft.com/office/drawing/2014/main" val="20000"/>
                     </a:ext>
                   </a:extLst>
                 </a:gridCol>
                 <a:gridCol w="2407792">
                   <a:extLst>
                     <a:ext uri="{9D8B030D-6E8A-4147-A177-3AD203B41FA5}">
-                      <a16:colId xmlns:a16="http://schemas.microsoft.com/office/drawing/2014/main" xmlns="" val="20001"/>
+                      <a16:colId xmlns="" xmlns:a16="http://schemas.microsoft.com/office/drawing/2014/main" val="20001"/>
                     </a:ext>
                   </a:extLst>
                 </a:gridCol>
@@ -16940,7 +16940,7 @@
                 </a:tc>
                 <a:extLst>
                   <a:ext uri="{0D108BD9-81ED-4DB2-BD59-A6C34878D82A}">
-                    <a16:rowId xmlns:a16="http://schemas.microsoft.com/office/drawing/2014/main" xmlns="" val="10000"/>
+                    <a16:rowId xmlns="" xmlns:a16="http://schemas.microsoft.com/office/drawing/2014/main" val="10000"/>
                   </a:ext>
                 </a:extLst>
               </a:tr>
@@ -17011,7 +17011,7 @@
                 </a:tc>
                 <a:extLst>
                   <a:ext uri="{0D108BD9-81ED-4DB2-BD59-A6C34878D82A}">
-                    <a16:rowId xmlns:a16="http://schemas.microsoft.com/office/drawing/2014/main" xmlns="" val="10001"/>
+                    <a16:rowId xmlns="" xmlns:a16="http://schemas.microsoft.com/office/drawing/2014/main" val="10001"/>
                   </a:ext>
                 </a:extLst>
               </a:tr>
@@ -17204,7 +17204,7 @@
                 </a:tc>
                 <a:extLst>
                   <a:ext uri="{0D108BD9-81ED-4DB2-BD59-A6C34878D82A}">
-                    <a16:rowId xmlns:a16="http://schemas.microsoft.com/office/drawing/2014/main" xmlns="" val="10002"/>
+                    <a16:rowId xmlns="" xmlns:a16="http://schemas.microsoft.com/office/drawing/2014/main" val="10002"/>
                   </a:ext>
                 </a:extLst>
               </a:tr>
@@ -18497,7 +18497,7 @@
                 <a:gridCol w="2688299">
                   <a:extLst>
                     <a:ext uri="{9D8B030D-6E8A-4147-A177-3AD203B41FA5}">
-                      <a16:colId xmlns:a16="http://schemas.microsoft.com/office/drawing/2014/main" xmlns="" val="20000"/>
+                      <a16:colId xmlns="" xmlns:a16="http://schemas.microsoft.com/office/drawing/2014/main" val="20000"/>
                     </a:ext>
                   </a:extLst>
                 </a:gridCol>
@@ -18529,7 +18529,7 @@
                 </a:tc>
                 <a:extLst>
                   <a:ext uri="{0D108BD9-81ED-4DB2-BD59-A6C34878D82A}">
-                    <a16:rowId xmlns:a16="http://schemas.microsoft.com/office/drawing/2014/main" xmlns="" val="10000"/>
+                    <a16:rowId xmlns="" xmlns:a16="http://schemas.microsoft.com/office/drawing/2014/main" val="10000"/>
                   </a:ext>
                 </a:extLst>
               </a:tr>
@@ -18557,7 +18557,7 @@
                 </a:tc>
                 <a:extLst>
                   <a:ext uri="{0D108BD9-81ED-4DB2-BD59-A6C34878D82A}">
-                    <a16:rowId xmlns:a16="http://schemas.microsoft.com/office/drawing/2014/main" xmlns="" val="10001"/>
+                    <a16:rowId xmlns="" xmlns:a16="http://schemas.microsoft.com/office/drawing/2014/main" val="10001"/>
                   </a:ext>
                 </a:extLst>
               </a:tr>
@@ -18591,14 +18591,14 @@
                 <a:gridCol w="280507">
                   <a:extLst>
                     <a:ext uri="{9D8B030D-6E8A-4147-A177-3AD203B41FA5}">
-                      <a16:colId xmlns:a16="http://schemas.microsoft.com/office/drawing/2014/main" xmlns="" val="20000"/>
+                      <a16:colId xmlns="" xmlns:a16="http://schemas.microsoft.com/office/drawing/2014/main" val="20000"/>
                     </a:ext>
                   </a:extLst>
                 </a:gridCol>
                 <a:gridCol w="2407792">
                   <a:extLst>
                     <a:ext uri="{9D8B030D-6E8A-4147-A177-3AD203B41FA5}">
-                      <a16:colId xmlns:a16="http://schemas.microsoft.com/office/drawing/2014/main" xmlns="" val="20001"/>
+                      <a16:colId xmlns="" xmlns:a16="http://schemas.microsoft.com/office/drawing/2014/main" val="20001"/>
                     </a:ext>
                   </a:extLst>
                 </a:gridCol>
@@ -18660,7 +18660,7 @@
                 </a:tc>
                 <a:extLst>
                   <a:ext uri="{0D108BD9-81ED-4DB2-BD59-A6C34878D82A}">
-                    <a16:rowId xmlns:a16="http://schemas.microsoft.com/office/drawing/2014/main" xmlns="" val="10000"/>
+                    <a16:rowId xmlns="" xmlns:a16="http://schemas.microsoft.com/office/drawing/2014/main" val="10000"/>
                   </a:ext>
                 </a:extLst>
               </a:tr>
@@ -18752,7 +18752,7 @@
                 </a:tc>
                 <a:extLst>
                   <a:ext uri="{0D108BD9-81ED-4DB2-BD59-A6C34878D82A}">
-                    <a16:rowId xmlns:a16="http://schemas.microsoft.com/office/drawing/2014/main" xmlns="" val="10001"/>
+                    <a16:rowId xmlns="" xmlns:a16="http://schemas.microsoft.com/office/drawing/2014/main" val="10001"/>
                   </a:ext>
                 </a:extLst>
               </a:tr>
@@ -18862,7 +18862,7 @@
                 </a:tc>
                 <a:extLst>
                   <a:ext uri="{0D108BD9-81ED-4DB2-BD59-A6C34878D82A}">
-                    <a16:rowId xmlns:a16="http://schemas.microsoft.com/office/drawing/2014/main" xmlns="" val="10002"/>
+                    <a16:rowId xmlns="" xmlns:a16="http://schemas.microsoft.com/office/drawing/2014/main" val="10002"/>
                   </a:ext>
                 </a:extLst>
               </a:tr>
@@ -18987,7 +18987,7 @@
                 </a:tc>
                 <a:extLst>
                   <a:ext uri="{0D108BD9-81ED-4DB2-BD59-A6C34878D82A}">
-                    <a16:rowId xmlns:a16="http://schemas.microsoft.com/office/drawing/2014/main" xmlns="" val="10003"/>
+                    <a16:rowId xmlns="" xmlns:a16="http://schemas.microsoft.com/office/drawing/2014/main" val="10003"/>
                   </a:ext>
                 </a:extLst>
               </a:tr>
@@ -19133,7 +19133,7 @@
                 </a:tc>
                 <a:extLst>
                   <a:ext uri="{0D108BD9-81ED-4DB2-BD59-A6C34878D82A}">
-                    <a16:rowId xmlns:a16="http://schemas.microsoft.com/office/drawing/2014/main" xmlns="" val="10004"/>
+                    <a16:rowId xmlns="" xmlns:a16="http://schemas.microsoft.com/office/drawing/2014/main" val="10004"/>
                   </a:ext>
                 </a:extLst>
               </a:tr>
@@ -21068,7 +21068,7 @@
                 <a:gridCol w="2688299">
                   <a:extLst>
                     <a:ext uri="{9D8B030D-6E8A-4147-A177-3AD203B41FA5}">
-                      <a16:colId xmlns:a16="http://schemas.microsoft.com/office/drawing/2014/main" xmlns="" val="20000"/>
+                      <a16:colId xmlns="" xmlns:a16="http://schemas.microsoft.com/office/drawing/2014/main" val="20000"/>
                     </a:ext>
                   </a:extLst>
                 </a:gridCol>
@@ -21100,7 +21100,7 @@
                 </a:tc>
                 <a:extLst>
                   <a:ext uri="{0D108BD9-81ED-4DB2-BD59-A6C34878D82A}">
-                    <a16:rowId xmlns:a16="http://schemas.microsoft.com/office/drawing/2014/main" xmlns="" val="10000"/>
+                    <a16:rowId xmlns="" xmlns:a16="http://schemas.microsoft.com/office/drawing/2014/main" val="10000"/>
                   </a:ext>
                 </a:extLst>
               </a:tr>
@@ -21128,7 +21128,7 @@
                 </a:tc>
                 <a:extLst>
                   <a:ext uri="{0D108BD9-81ED-4DB2-BD59-A6C34878D82A}">
-                    <a16:rowId xmlns:a16="http://schemas.microsoft.com/office/drawing/2014/main" xmlns="" val="10001"/>
+                    <a16:rowId xmlns="" xmlns:a16="http://schemas.microsoft.com/office/drawing/2014/main" val="10001"/>
                   </a:ext>
                 </a:extLst>
               </a:tr>
@@ -21162,14 +21162,14 @@
                 <a:gridCol w="280507">
                   <a:extLst>
                     <a:ext uri="{9D8B030D-6E8A-4147-A177-3AD203B41FA5}">
-                      <a16:colId xmlns:a16="http://schemas.microsoft.com/office/drawing/2014/main" xmlns="" val="20000"/>
+                      <a16:colId xmlns="" xmlns:a16="http://schemas.microsoft.com/office/drawing/2014/main" val="20000"/>
                     </a:ext>
                   </a:extLst>
                 </a:gridCol>
                 <a:gridCol w="2407792">
                   <a:extLst>
                     <a:ext uri="{9D8B030D-6E8A-4147-A177-3AD203B41FA5}">
-                      <a16:colId xmlns:a16="http://schemas.microsoft.com/office/drawing/2014/main" xmlns="" val="20001"/>
+                      <a16:colId xmlns="" xmlns:a16="http://schemas.microsoft.com/office/drawing/2014/main" val="20001"/>
                     </a:ext>
                   </a:extLst>
                 </a:gridCol>
@@ -21231,7 +21231,7 @@
                 </a:tc>
                 <a:extLst>
                   <a:ext uri="{0D108BD9-81ED-4DB2-BD59-A6C34878D82A}">
-                    <a16:rowId xmlns:a16="http://schemas.microsoft.com/office/drawing/2014/main" xmlns="" val="10000"/>
+                    <a16:rowId xmlns="" xmlns:a16="http://schemas.microsoft.com/office/drawing/2014/main" val="10000"/>
                   </a:ext>
                 </a:extLst>
               </a:tr>
@@ -21323,7 +21323,7 @@
                 </a:tc>
                 <a:extLst>
                   <a:ext uri="{0D108BD9-81ED-4DB2-BD59-A6C34878D82A}">
-                    <a16:rowId xmlns:a16="http://schemas.microsoft.com/office/drawing/2014/main" xmlns="" val="10001"/>
+                    <a16:rowId xmlns="" xmlns:a16="http://schemas.microsoft.com/office/drawing/2014/main" val="10001"/>
                   </a:ext>
                 </a:extLst>
               </a:tr>
@@ -21433,7 +21433,7 @@
                 </a:tc>
                 <a:extLst>
                   <a:ext uri="{0D108BD9-81ED-4DB2-BD59-A6C34878D82A}">
-                    <a16:rowId xmlns:a16="http://schemas.microsoft.com/office/drawing/2014/main" xmlns="" val="10002"/>
+                    <a16:rowId xmlns="" xmlns:a16="http://schemas.microsoft.com/office/drawing/2014/main" val="10002"/>
                   </a:ext>
                 </a:extLst>
               </a:tr>
@@ -21558,7 +21558,7 @@
                 </a:tc>
                 <a:extLst>
                   <a:ext uri="{0D108BD9-81ED-4DB2-BD59-A6C34878D82A}">
-                    <a16:rowId xmlns:a16="http://schemas.microsoft.com/office/drawing/2014/main" xmlns="" val="10003"/>
+                    <a16:rowId xmlns="" xmlns:a16="http://schemas.microsoft.com/office/drawing/2014/main" val="10003"/>
                   </a:ext>
                 </a:extLst>
               </a:tr>
@@ -21704,7 +21704,7 @@
                 </a:tc>
                 <a:extLst>
                   <a:ext uri="{0D108BD9-81ED-4DB2-BD59-A6C34878D82A}">
-                    <a16:rowId xmlns:a16="http://schemas.microsoft.com/office/drawing/2014/main" xmlns="" val="10004"/>
+                    <a16:rowId xmlns="" xmlns:a16="http://schemas.microsoft.com/office/drawing/2014/main" val="10004"/>
                   </a:ext>
                 </a:extLst>
               </a:tr>
@@ -23871,7 +23871,7 @@
                 <a:gridCol w="2688299">
                   <a:extLst>
                     <a:ext uri="{9D8B030D-6E8A-4147-A177-3AD203B41FA5}">
-                      <a16:colId xmlns:a16="http://schemas.microsoft.com/office/drawing/2014/main" xmlns="" val="20000"/>
+                      <a16:colId xmlns="" xmlns:a16="http://schemas.microsoft.com/office/drawing/2014/main" val="20000"/>
                     </a:ext>
                   </a:extLst>
                 </a:gridCol>
@@ -23903,7 +23903,7 @@
                 </a:tc>
                 <a:extLst>
                   <a:ext uri="{0D108BD9-81ED-4DB2-BD59-A6C34878D82A}">
-                    <a16:rowId xmlns:a16="http://schemas.microsoft.com/office/drawing/2014/main" xmlns="" val="10000"/>
+                    <a16:rowId xmlns="" xmlns:a16="http://schemas.microsoft.com/office/drawing/2014/main" val="10000"/>
                   </a:ext>
                 </a:extLst>
               </a:tr>
@@ -23931,7 +23931,7 @@
                 </a:tc>
                 <a:extLst>
                   <a:ext uri="{0D108BD9-81ED-4DB2-BD59-A6C34878D82A}">
-                    <a16:rowId xmlns:a16="http://schemas.microsoft.com/office/drawing/2014/main" xmlns="" val="10001"/>
+                    <a16:rowId xmlns="" xmlns:a16="http://schemas.microsoft.com/office/drawing/2014/main" val="10001"/>
                   </a:ext>
                 </a:extLst>
               </a:tr>
@@ -23965,14 +23965,14 @@
                 <a:gridCol w="280507">
                   <a:extLst>
                     <a:ext uri="{9D8B030D-6E8A-4147-A177-3AD203B41FA5}">
-                      <a16:colId xmlns:a16="http://schemas.microsoft.com/office/drawing/2014/main" xmlns="" val="20000"/>
+                      <a16:colId xmlns="" xmlns:a16="http://schemas.microsoft.com/office/drawing/2014/main" val="20000"/>
                     </a:ext>
                   </a:extLst>
                 </a:gridCol>
                 <a:gridCol w="2407792">
                   <a:extLst>
                     <a:ext uri="{9D8B030D-6E8A-4147-A177-3AD203B41FA5}">
-                      <a16:colId xmlns:a16="http://schemas.microsoft.com/office/drawing/2014/main" xmlns="" val="20001"/>
+                      <a16:colId xmlns="" xmlns:a16="http://schemas.microsoft.com/office/drawing/2014/main" val="20001"/>
                     </a:ext>
                   </a:extLst>
                 </a:gridCol>
@@ -24034,7 +24034,7 @@
                 </a:tc>
                 <a:extLst>
                   <a:ext uri="{0D108BD9-81ED-4DB2-BD59-A6C34878D82A}">
-                    <a16:rowId xmlns:a16="http://schemas.microsoft.com/office/drawing/2014/main" xmlns="" val="10000"/>
+                    <a16:rowId xmlns="" xmlns:a16="http://schemas.microsoft.com/office/drawing/2014/main" val="10000"/>
                   </a:ext>
                 </a:extLst>
               </a:tr>
@@ -24144,7 +24144,7 @@
                 </a:tc>
                 <a:extLst>
                   <a:ext uri="{0D108BD9-81ED-4DB2-BD59-A6C34878D82A}">
-                    <a16:rowId xmlns:a16="http://schemas.microsoft.com/office/drawing/2014/main" xmlns="" val="10001"/>
+                    <a16:rowId xmlns="" xmlns:a16="http://schemas.microsoft.com/office/drawing/2014/main" val="10001"/>
                   </a:ext>
                 </a:extLst>
               </a:tr>
@@ -24347,7 +24347,7 @@
                 </a:tc>
                 <a:extLst>
                   <a:ext uri="{0D108BD9-81ED-4DB2-BD59-A6C34878D82A}">
-                    <a16:rowId xmlns:a16="http://schemas.microsoft.com/office/drawing/2014/main" xmlns="" val="10002"/>
+                    <a16:rowId xmlns="" xmlns:a16="http://schemas.microsoft.com/office/drawing/2014/main" val="10002"/>
                   </a:ext>
                 </a:extLst>
               </a:tr>
@@ -24454,7 +24454,7 @@
                 </a:tc>
                 <a:extLst>
                   <a:ext uri="{0D108BD9-81ED-4DB2-BD59-A6C34878D82A}">
-                    <a16:rowId xmlns:a16="http://schemas.microsoft.com/office/drawing/2014/main" xmlns="" val="10003"/>
+                    <a16:rowId xmlns="" xmlns:a16="http://schemas.microsoft.com/office/drawing/2014/main" val="10003"/>
                   </a:ext>
                 </a:extLst>
               </a:tr>
@@ -26234,15 +26234,6 @@
               </a:rPr>
               <a:t>: 2020.05.21</a:t>
             </a:r>
-            <a:endParaRPr lang="en-US" altLang="ko-KR" sz="800" dirty="0" smtClean="0">
-              <a:ln w="12700">
-                <a:noFill/>
-                <a:prstDash val="solid"/>
-              </a:ln>
-              <a:solidFill>
-                <a:schemeClr val="tx1"/>
-              </a:solidFill>
-            </a:endParaRPr>
           </a:p>
         </p:txBody>
       </p:sp>
@@ -27241,7 +27232,7 @@
                 <a:gridCol w="2688299">
                   <a:extLst>
                     <a:ext uri="{9D8B030D-6E8A-4147-A177-3AD203B41FA5}">
-                      <a16:colId xmlns:a16="http://schemas.microsoft.com/office/drawing/2014/main" xmlns="" val="20000"/>
+                      <a16:colId xmlns="" xmlns:a16="http://schemas.microsoft.com/office/drawing/2014/main" val="20000"/>
                     </a:ext>
                   </a:extLst>
                 </a:gridCol>
@@ -27273,7 +27264,7 @@
                 </a:tc>
                 <a:extLst>
                   <a:ext uri="{0D108BD9-81ED-4DB2-BD59-A6C34878D82A}">
-                    <a16:rowId xmlns:a16="http://schemas.microsoft.com/office/drawing/2014/main" xmlns="" val="10000"/>
+                    <a16:rowId xmlns="" xmlns:a16="http://schemas.microsoft.com/office/drawing/2014/main" val="10000"/>
                   </a:ext>
                 </a:extLst>
               </a:tr>
@@ -27301,7 +27292,7 @@
                 </a:tc>
                 <a:extLst>
                   <a:ext uri="{0D108BD9-81ED-4DB2-BD59-A6C34878D82A}">
-                    <a16:rowId xmlns:a16="http://schemas.microsoft.com/office/drawing/2014/main" xmlns="" val="10001"/>
+                    <a16:rowId xmlns="" xmlns:a16="http://schemas.microsoft.com/office/drawing/2014/main" val="10001"/>
                   </a:ext>
                 </a:extLst>
               </a:tr>
@@ -27383,14 +27374,14 @@
                 <a:gridCol w="280507">
                   <a:extLst>
                     <a:ext uri="{9D8B030D-6E8A-4147-A177-3AD203B41FA5}">
-                      <a16:colId xmlns:a16="http://schemas.microsoft.com/office/drawing/2014/main" xmlns="" val="20000"/>
+                      <a16:colId xmlns="" xmlns:a16="http://schemas.microsoft.com/office/drawing/2014/main" val="20000"/>
                     </a:ext>
                   </a:extLst>
                 </a:gridCol>
                 <a:gridCol w="2407792">
                   <a:extLst>
                     <a:ext uri="{9D8B030D-6E8A-4147-A177-3AD203B41FA5}">
-                      <a16:colId xmlns:a16="http://schemas.microsoft.com/office/drawing/2014/main" xmlns="" val="20001"/>
+                      <a16:colId xmlns="" xmlns:a16="http://schemas.microsoft.com/office/drawing/2014/main" val="20001"/>
                     </a:ext>
                   </a:extLst>
                 </a:gridCol>
@@ -27452,7 +27443,7 @@
                 </a:tc>
                 <a:extLst>
                   <a:ext uri="{0D108BD9-81ED-4DB2-BD59-A6C34878D82A}">
-                    <a16:rowId xmlns:a16="http://schemas.microsoft.com/office/drawing/2014/main" xmlns="" val="10000"/>
+                    <a16:rowId xmlns="" xmlns:a16="http://schemas.microsoft.com/office/drawing/2014/main" val="10000"/>
                   </a:ext>
                 </a:extLst>
               </a:tr>
@@ -27555,7 +27546,7 @@
                 </a:tc>
                 <a:extLst>
                   <a:ext uri="{0D108BD9-81ED-4DB2-BD59-A6C34878D82A}">
-                    <a16:rowId xmlns:a16="http://schemas.microsoft.com/office/drawing/2014/main" xmlns="" val="10001"/>
+                    <a16:rowId xmlns="" xmlns:a16="http://schemas.microsoft.com/office/drawing/2014/main" val="10001"/>
                   </a:ext>
                 </a:extLst>
               </a:tr>
@@ -27665,7 +27656,7 @@
                 </a:tc>
                 <a:extLst>
                   <a:ext uri="{0D108BD9-81ED-4DB2-BD59-A6C34878D82A}">
-                    <a16:rowId xmlns:a16="http://schemas.microsoft.com/office/drawing/2014/main" xmlns="" val="10002"/>
+                    <a16:rowId xmlns="" xmlns:a16="http://schemas.microsoft.com/office/drawing/2014/main" val="10002"/>
                   </a:ext>
                 </a:extLst>
               </a:tr>
@@ -28694,19 +28685,7 @@
                   <a:srgbClr val="0070C0"/>
                 </a:solidFill>
               </a:rPr>
-              <a:t> </a:t>
-            </a:r>
-            <a:r>
-              <a:rPr lang="ko-KR" altLang="en-US" sz="800" b="1" dirty="0" smtClean="0">
-                <a:ln w="12700">
-                  <a:noFill/>
-                  <a:prstDash val="solid"/>
-                </a:ln>
-                <a:solidFill>
-                  <a:srgbClr val="0070C0"/>
-                </a:solidFill>
-              </a:rPr>
-              <a:t>중</a:t>
+              <a:t> 중</a:t>
             </a:r>
             <a:endParaRPr lang="en-US" altLang="ko-KR" sz="800" b="1" dirty="0" smtClean="0">
               <a:ln w="12700">
@@ -29528,15 +29507,6 @@
               </a:rPr>
               <a:t>: 2020.05.21</a:t>
             </a:r>
-            <a:endParaRPr lang="en-US" altLang="ko-KR" sz="800" dirty="0" smtClean="0">
-              <a:ln w="12700">
-                <a:noFill/>
-                <a:prstDash val="solid"/>
-              </a:ln>
-              <a:solidFill>
-                <a:schemeClr val="tx1"/>
-              </a:solidFill>
-            </a:endParaRPr>
           </a:p>
         </p:txBody>
       </p:sp>
@@ -29631,15 +29601,6 @@
               </a:rPr>
               <a:t>: 2020.05.21</a:t>
             </a:r>
-            <a:endParaRPr lang="en-US" altLang="ko-KR" sz="800" dirty="0" smtClean="0">
-              <a:ln w="12700">
-                <a:noFill/>
-                <a:prstDash val="solid"/>
-              </a:ln>
-              <a:solidFill>
-                <a:schemeClr val="tx1"/>
-              </a:solidFill>
-            </a:endParaRPr>
           </a:p>
         </p:txBody>
       </p:sp>
@@ -30703,7 +30664,7 @@
                 <a:gridCol w="2688299">
                   <a:extLst>
                     <a:ext uri="{9D8B030D-6E8A-4147-A177-3AD203B41FA5}">
-                      <a16:colId xmlns:a16="http://schemas.microsoft.com/office/drawing/2014/main" xmlns="" val="20000"/>
+                      <a16:colId xmlns="" xmlns:a16="http://schemas.microsoft.com/office/drawing/2014/main" val="20000"/>
                     </a:ext>
                   </a:extLst>
                 </a:gridCol>
@@ -30735,7 +30696,7 @@
                 </a:tc>
                 <a:extLst>
                   <a:ext uri="{0D108BD9-81ED-4DB2-BD59-A6C34878D82A}">
-                    <a16:rowId xmlns:a16="http://schemas.microsoft.com/office/drawing/2014/main" xmlns="" val="10000"/>
+                    <a16:rowId xmlns="" xmlns:a16="http://schemas.microsoft.com/office/drawing/2014/main" val="10000"/>
                   </a:ext>
                 </a:extLst>
               </a:tr>
@@ -30763,7 +30724,7 @@
                 </a:tc>
                 <a:extLst>
                   <a:ext uri="{0D108BD9-81ED-4DB2-BD59-A6C34878D82A}">
-                    <a16:rowId xmlns:a16="http://schemas.microsoft.com/office/drawing/2014/main" xmlns="" val="10001"/>
+                    <a16:rowId xmlns="" xmlns:a16="http://schemas.microsoft.com/office/drawing/2014/main" val="10001"/>
                   </a:ext>
                 </a:extLst>
               </a:tr>
@@ -30797,14 +30758,14 @@
                 <a:gridCol w="280507">
                   <a:extLst>
                     <a:ext uri="{9D8B030D-6E8A-4147-A177-3AD203B41FA5}">
-                      <a16:colId xmlns:a16="http://schemas.microsoft.com/office/drawing/2014/main" xmlns="" val="20000"/>
+                      <a16:colId xmlns="" xmlns:a16="http://schemas.microsoft.com/office/drawing/2014/main" val="20000"/>
                     </a:ext>
                   </a:extLst>
                 </a:gridCol>
                 <a:gridCol w="2407792">
                   <a:extLst>
                     <a:ext uri="{9D8B030D-6E8A-4147-A177-3AD203B41FA5}">
-                      <a16:colId xmlns:a16="http://schemas.microsoft.com/office/drawing/2014/main" xmlns="" val="20001"/>
+                      <a16:colId xmlns="" xmlns:a16="http://schemas.microsoft.com/office/drawing/2014/main" val="20001"/>
                     </a:ext>
                   </a:extLst>
                 </a:gridCol>
@@ -30866,7 +30827,7 @@
                 </a:tc>
                 <a:extLst>
                   <a:ext uri="{0D108BD9-81ED-4DB2-BD59-A6C34878D82A}">
-                    <a16:rowId xmlns:a16="http://schemas.microsoft.com/office/drawing/2014/main" xmlns="" val="10000"/>
+                    <a16:rowId xmlns="" xmlns:a16="http://schemas.microsoft.com/office/drawing/2014/main" val="10000"/>
                   </a:ext>
                 </a:extLst>
               </a:tr>
@@ -30976,7 +30937,7 @@
                 </a:tc>
                 <a:extLst>
                   <a:ext uri="{0D108BD9-81ED-4DB2-BD59-A6C34878D82A}">
-                    <a16:rowId xmlns:a16="http://schemas.microsoft.com/office/drawing/2014/main" xmlns="" val="10001"/>
+                    <a16:rowId xmlns="" xmlns:a16="http://schemas.microsoft.com/office/drawing/2014/main" val="10001"/>
                   </a:ext>
                 </a:extLst>
               </a:tr>
@@ -31179,7 +31140,7 @@
                 </a:tc>
                 <a:extLst>
                   <a:ext uri="{0D108BD9-81ED-4DB2-BD59-A6C34878D82A}">
-                    <a16:rowId xmlns:a16="http://schemas.microsoft.com/office/drawing/2014/main" xmlns="" val="10002"/>
+                    <a16:rowId xmlns="" xmlns:a16="http://schemas.microsoft.com/office/drawing/2014/main" val="10002"/>
                   </a:ext>
                 </a:extLst>
               </a:tr>
@@ -31286,7 +31247,7 @@
                 </a:tc>
                 <a:extLst>
                   <a:ext uri="{0D108BD9-81ED-4DB2-BD59-A6C34878D82A}">
-                    <a16:rowId xmlns:a16="http://schemas.microsoft.com/office/drawing/2014/main" xmlns="" val="10003"/>
+                    <a16:rowId xmlns="" xmlns:a16="http://schemas.microsoft.com/office/drawing/2014/main" val="10003"/>
                   </a:ext>
                 </a:extLst>
               </a:tr>
@@ -35508,7 +35469,7 @@
                 <a:gridCol w="2688299">
                   <a:extLst>
                     <a:ext uri="{9D8B030D-6E8A-4147-A177-3AD203B41FA5}">
-                      <a16:colId xmlns:a16="http://schemas.microsoft.com/office/drawing/2014/main" xmlns="" val="20000"/>
+                      <a16:colId xmlns="" xmlns:a16="http://schemas.microsoft.com/office/drawing/2014/main" val="20000"/>
                     </a:ext>
                   </a:extLst>
                 </a:gridCol>
@@ -35540,7 +35501,7 @@
                 </a:tc>
                 <a:extLst>
                   <a:ext uri="{0D108BD9-81ED-4DB2-BD59-A6C34878D82A}">
-                    <a16:rowId xmlns:a16="http://schemas.microsoft.com/office/drawing/2014/main" xmlns="" val="10000"/>
+                    <a16:rowId xmlns="" xmlns:a16="http://schemas.microsoft.com/office/drawing/2014/main" val="10000"/>
                   </a:ext>
                 </a:extLst>
               </a:tr>
@@ -35568,7 +35529,7 @@
                 </a:tc>
                 <a:extLst>
                   <a:ext uri="{0D108BD9-81ED-4DB2-BD59-A6C34878D82A}">
-                    <a16:rowId xmlns:a16="http://schemas.microsoft.com/office/drawing/2014/main" xmlns="" val="10001"/>
+                    <a16:rowId xmlns="" xmlns:a16="http://schemas.microsoft.com/office/drawing/2014/main" val="10001"/>
                   </a:ext>
                 </a:extLst>
               </a:tr>
@@ -35650,14 +35611,14 @@
                 <a:gridCol w="280507">
                   <a:extLst>
                     <a:ext uri="{9D8B030D-6E8A-4147-A177-3AD203B41FA5}">
-                      <a16:colId xmlns:a16="http://schemas.microsoft.com/office/drawing/2014/main" xmlns="" val="20000"/>
+                      <a16:colId xmlns="" xmlns:a16="http://schemas.microsoft.com/office/drawing/2014/main" val="20000"/>
                     </a:ext>
                   </a:extLst>
                 </a:gridCol>
                 <a:gridCol w="2407792">
                   <a:extLst>
                     <a:ext uri="{9D8B030D-6E8A-4147-A177-3AD203B41FA5}">
-                      <a16:colId xmlns:a16="http://schemas.microsoft.com/office/drawing/2014/main" xmlns="" val="20001"/>
+                      <a16:colId xmlns="" xmlns:a16="http://schemas.microsoft.com/office/drawing/2014/main" val="20001"/>
                     </a:ext>
                   </a:extLst>
                 </a:gridCol>
@@ -35719,7 +35680,7 @@
                 </a:tc>
                 <a:extLst>
                   <a:ext uri="{0D108BD9-81ED-4DB2-BD59-A6C34878D82A}">
-                    <a16:rowId xmlns:a16="http://schemas.microsoft.com/office/drawing/2014/main" xmlns="" val="10000"/>
+                    <a16:rowId xmlns="" xmlns:a16="http://schemas.microsoft.com/office/drawing/2014/main" val="10000"/>
                   </a:ext>
                 </a:extLst>
               </a:tr>
@@ -35797,7 +35758,7 @@
                 </a:tc>
                 <a:extLst>
                   <a:ext uri="{0D108BD9-81ED-4DB2-BD59-A6C34878D82A}">
-                    <a16:rowId xmlns:a16="http://schemas.microsoft.com/office/drawing/2014/main" xmlns="" val="10001"/>
+                    <a16:rowId xmlns="" xmlns:a16="http://schemas.microsoft.com/office/drawing/2014/main" val="10001"/>
                   </a:ext>
                 </a:extLst>
               </a:tr>
@@ -35907,7 +35868,7 @@
                 </a:tc>
                 <a:extLst>
                   <a:ext uri="{0D108BD9-81ED-4DB2-BD59-A6C34878D82A}">
-                    <a16:rowId xmlns:a16="http://schemas.microsoft.com/office/drawing/2014/main" xmlns="" val="10002"/>
+                    <a16:rowId xmlns="" xmlns:a16="http://schemas.microsoft.com/office/drawing/2014/main" val="10002"/>
                   </a:ext>
                 </a:extLst>
               </a:tr>
@@ -36073,7 +36034,7 @@
                 </a:tc>
                 <a:extLst>
                   <a:ext uri="{0D108BD9-81ED-4DB2-BD59-A6C34878D82A}">
-                    <a16:rowId xmlns:a16="http://schemas.microsoft.com/office/drawing/2014/main" xmlns="" val="10003"/>
+                    <a16:rowId xmlns="" xmlns:a16="http://schemas.microsoft.com/office/drawing/2014/main" val="10003"/>
                   </a:ext>
                 </a:extLst>
               </a:tr>
@@ -38034,7 +37995,7 @@
                 <a:gridCol w="2688299">
                   <a:extLst>
                     <a:ext uri="{9D8B030D-6E8A-4147-A177-3AD203B41FA5}">
-                      <a16:colId xmlns:a16="http://schemas.microsoft.com/office/drawing/2014/main" xmlns="" val="20000"/>
+                      <a16:colId xmlns="" xmlns:a16="http://schemas.microsoft.com/office/drawing/2014/main" val="20000"/>
                     </a:ext>
                   </a:extLst>
                 </a:gridCol>
@@ -38066,7 +38027,7 @@
                 </a:tc>
                 <a:extLst>
                   <a:ext uri="{0D108BD9-81ED-4DB2-BD59-A6C34878D82A}">
-                    <a16:rowId xmlns:a16="http://schemas.microsoft.com/office/drawing/2014/main" xmlns="" val="10000"/>
+                    <a16:rowId xmlns="" xmlns:a16="http://schemas.microsoft.com/office/drawing/2014/main" val="10000"/>
                   </a:ext>
                 </a:extLst>
               </a:tr>
@@ -38102,7 +38063,7 @@
                 </a:tc>
                 <a:extLst>
                   <a:ext uri="{0D108BD9-81ED-4DB2-BD59-A6C34878D82A}">
-                    <a16:rowId xmlns:a16="http://schemas.microsoft.com/office/drawing/2014/main" xmlns="" val="10001"/>
+                    <a16:rowId xmlns="" xmlns:a16="http://schemas.microsoft.com/office/drawing/2014/main" val="10001"/>
                   </a:ext>
                 </a:extLst>
               </a:tr>
@@ -38372,14 +38333,14 @@
                 <a:gridCol w="280507">
                   <a:extLst>
                     <a:ext uri="{9D8B030D-6E8A-4147-A177-3AD203B41FA5}">
-                      <a16:colId xmlns:a16="http://schemas.microsoft.com/office/drawing/2014/main" xmlns="" val="20000"/>
+                      <a16:colId xmlns="" xmlns:a16="http://schemas.microsoft.com/office/drawing/2014/main" val="20000"/>
                     </a:ext>
                   </a:extLst>
                 </a:gridCol>
                 <a:gridCol w="2407792">
                   <a:extLst>
                     <a:ext uri="{9D8B030D-6E8A-4147-A177-3AD203B41FA5}">
-                      <a16:colId xmlns:a16="http://schemas.microsoft.com/office/drawing/2014/main" xmlns="" val="20001"/>
+                      <a16:colId xmlns="" xmlns:a16="http://schemas.microsoft.com/office/drawing/2014/main" val="20001"/>
                     </a:ext>
                   </a:extLst>
                 </a:gridCol>
@@ -38441,7 +38402,7 @@
                 </a:tc>
                 <a:extLst>
                   <a:ext uri="{0D108BD9-81ED-4DB2-BD59-A6C34878D82A}">
-                    <a16:rowId xmlns:a16="http://schemas.microsoft.com/office/drawing/2014/main" xmlns="" val="10000"/>
+                    <a16:rowId xmlns="" xmlns:a16="http://schemas.microsoft.com/office/drawing/2014/main" val="10000"/>
                   </a:ext>
                 </a:extLst>
               </a:tr>
@@ -38526,7 +38487,7 @@
                 </a:tc>
                 <a:extLst>
                   <a:ext uri="{0D108BD9-81ED-4DB2-BD59-A6C34878D82A}">
-                    <a16:rowId xmlns:a16="http://schemas.microsoft.com/office/drawing/2014/main" xmlns="" val="10001"/>
+                    <a16:rowId xmlns="" xmlns:a16="http://schemas.microsoft.com/office/drawing/2014/main" val="10001"/>
                   </a:ext>
                 </a:extLst>
               </a:tr>
@@ -38635,7 +38596,7 @@
                 </a:tc>
                 <a:extLst>
                   <a:ext uri="{0D108BD9-81ED-4DB2-BD59-A6C34878D82A}">
-                    <a16:rowId xmlns:a16="http://schemas.microsoft.com/office/drawing/2014/main" xmlns="" val="10002"/>
+                    <a16:rowId xmlns="" xmlns:a16="http://schemas.microsoft.com/office/drawing/2014/main" val="10002"/>
                   </a:ext>
                 </a:extLst>
               </a:tr>
@@ -39696,7 +39657,7 @@
                 <a:gridCol w="2688299">
                   <a:extLst>
                     <a:ext uri="{9D8B030D-6E8A-4147-A177-3AD203B41FA5}">
-                      <a16:colId xmlns:a16="http://schemas.microsoft.com/office/drawing/2014/main" xmlns="" val="20000"/>
+                      <a16:colId xmlns="" xmlns:a16="http://schemas.microsoft.com/office/drawing/2014/main" val="20000"/>
                     </a:ext>
                   </a:extLst>
                 </a:gridCol>
@@ -39728,7 +39689,7 @@
                 </a:tc>
                 <a:extLst>
                   <a:ext uri="{0D108BD9-81ED-4DB2-BD59-A6C34878D82A}">
-                    <a16:rowId xmlns:a16="http://schemas.microsoft.com/office/drawing/2014/main" xmlns="" val="10000"/>
+                    <a16:rowId xmlns="" xmlns:a16="http://schemas.microsoft.com/office/drawing/2014/main" val="10000"/>
                   </a:ext>
                 </a:extLst>
               </a:tr>
@@ -39760,7 +39721,7 @@
                 </a:tc>
                 <a:extLst>
                   <a:ext uri="{0D108BD9-81ED-4DB2-BD59-A6C34878D82A}">
-                    <a16:rowId xmlns:a16="http://schemas.microsoft.com/office/drawing/2014/main" xmlns="" val="10001"/>
+                    <a16:rowId xmlns="" xmlns:a16="http://schemas.microsoft.com/office/drawing/2014/main" val="10001"/>
                   </a:ext>
                 </a:extLst>
               </a:tr>
@@ -39908,14 +39869,14 @@
                 <a:gridCol w="280507">
                   <a:extLst>
                     <a:ext uri="{9D8B030D-6E8A-4147-A177-3AD203B41FA5}">
-                      <a16:colId xmlns:a16="http://schemas.microsoft.com/office/drawing/2014/main" xmlns="" val="20000"/>
+                      <a16:colId xmlns="" xmlns:a16="http://schemas.microsoft.com/office/drawing/2014/main" val="20000"/>
                     </a:ext>
                   </a:extLst>
                 </a:gridCol>
                 <a:gridCol w="2407792">
                   <a:extLst>
                     <a:ext uri="{9D8B030D-6E8A-4147-A177-3AD203B41FA5}">
-                      <a16:colId xmlns:a16="http://schemas.microsoft.com/office/drawing/2014/main" xmlns="" val="20001"/>
+                      <a16:colId xmlns="" xmlns:a16="http://schemas.microsoft.com/office/drawing/2014/main" val="20001"/>
                     </a:ext>
                   </a:extLst>
                 </a:gridCol>
@@ -39977,7 +39938,7 @@
                 </a:tc>
                 <a:extLst>
                   <a:ext uri="{0D108BD9-81ED-4DB2-BD59-A6C34878D82A}">
-                    <a16:rowId xmlns:a16="http://schemas.microsoft.com/office/drawing/2014/main" xmlns="" val="10000"/>
+                    <a16:rowId xmlns="" xmlns:a16="http://schemas.microsoft.com/office/drawing/2014/main" val="10000"/>
                   </a:ext>
                 </a:extLst>
               </a:tr>
@@ -40048,7 +40009,7 @@
                 </a:tc>
                 <a:extLst>
                   <a:ext uri="{0D108BD9-81ED-4DB2-BD59-A6C34878D82A}">
-                    <a16:rowId xmlns:a16="http://schemas.microsoft.com/office/drawing/2014/main" xmlns="" val="10001"/>
+                    <a16:rowId xmlns="" xmlns:a16="http://schemas.microsoft.com/office/drawing/2014/main" val="10001"/>
                   </a:ext>
                 </a:extLst>
               </a:tr>
@@ -40241,7 +40202,7 @@
                 </a:tc>
                 <a:extLst>
                   <a:ext uri="{0D108BD9-81ED-4DB2-BD59-A6C34878D82A}">
-                    <a16:rowId xmlns:a16="http://schemas.microsoft.com/office/drawing/2014/main" xmlns="" val="10002"/>
+                    <a16:rowId xmlns="" xmlns:a16="http://schemas.microsoft.com/office/drawing/2014/main" val="10002"/>
                   </a:ext>
                 </a:extLst>
               </a:tr>
@@ -41017,7 +40978,7 @@
   <a:extraClrSchemeLst/>
   <a:extLst>
     <a:ext uri="{05A4C25C-085E-4340-85A3-A5531E510DB2}">
-      <thm15:themeFamily xmlns:thm15="http://schemas.microsoft.com/office/thememl/2012/main" xmlns="" name="Office Theme" id="{62F939B6-93AF-4DB8-9C6B-D6C7DFDC589F}" vid="{4A3C46E8-61CC-4603-A589-7422A47A8E4A}"/>
+      <thm15:themeFamily xmlns="" xmlns:thm15="http://schemas.microsoft.com/office/thememl/2012/main" name="Office Theme" id="{62F939B6-93AF-4DB8-9C6B-D6C7DFDC589F}" vid="{4A3C46E8-61CC-4603-A589-7422A47A8E4A}"/>
     </a:ext>
   </a:extLst>
 </a:theme>
@@ -41278,7 +41239,7 @@
   <a:extraClrSchemeLst/>
   <a:extLst>
     <a:ext uri="{05A4C25C-085E-4340-85A3-A5531E510DB2}">
-      <thm15:themeFamily xmlns:thm15="http://schemas.microsoft.com/office/thememl/2012/main" xmlns="" name="Office Theme" id="{62F939B6-93AF-4DB8-9C6B-D6C7DFDC589F}" vid="{4A3C46E8-61CC-4603-A589-7422A47A8E4A}"/>
+      <thm15:themeFamily xmlns="" xmlns:thm15="http://schemas.microsoft.com/office/thememl/2012/main" name="Office Theme" id="{62F939B6-93AF-4DB8-9C6B-D6C7DFDC589F}" vid="{4A3C46E8-61CC-4603-A589-7422A47A8E4A}"/>
     </a:ext>
   </a:extLst>
 </a:theme>

--- a/0 발표용 파워포인트/project06 - 파워포인트 종합 - 서희.pptx
+++ b/0 발표용 파워포인트/project06 - 파워포인트 종합 - 서희.pptx
@@ -158,7 +158,7 @@
       </p14:sectionLst>
     </p:ext>
     <p:ext uri="{EFAFB233-063F-42B5-8137-9DF3F51BA10A}">
-      <p15:sldGuideLst xmlns:p15="http://schemas.microsoft.com/office/powerpoint/2012/main" xmlns="">
+      <p15:sldGuideLst xmlns="" xmlns:p15="http://schemas.microsoft.com/office/powerpoint/2012/main">
         <p15:guide id="1" orient="horz" pos="2160">
           <p15:clr>
             <a:srgbClr val="A4A3A4"/>
@@ -172,7 +172,7 @@
       </p15:sldGuideLst>
     </p:ext>
     <p:ext uri="{2D200454-40CA-4A62-9FC3-DE9A4176ACB9}">
-      <p15:notesGuideLst xmlns:p15="http://schemas.microsoft.com/office/powerpoint/2012/main" xmlns="">
+      <p15:notesGuideLst xmlns="" xmlns:p15="http://schemas.microsoft.com/office/powerpoint/2012/main">
         <p15:guide id="1" orient="horz" pos="2880">
           <p15:clr>
             <a:srgbClr val="A4A3A4"/>
@@ -5423,7 +5423,7 @@
                 <a:gridCol w="2688299">
                   <a:extLst>
                     <a:ext uri="{9D8B030D-6E8A-4147-A177-3AD203B41FA5}">
-                      <a16:colId xmlns:a16="http://schemas.microsoft.com/office/drawing/2014/main" xmlns="" val="20000"/>
+                      <a16:colId xmlns="" xmlns:a16="http://schemas.microsoft.com/office/drawing/2014/main" val="20000"/>
                     </a:ext>
                   </a:extLst>
                 </a:gridCol>
@@ -5455,7 +5455,7 @@
                 </a:tc>
                 <a:extLst>
                   <a:ext uri="{0D108BD9-81ED-4DB2-BD59-A6C34878D82A}">
-                    <a16:rowId xmlns:a16="http://schemas.microsoft.com/office/drawing/2014/main" xmlns="" val="10000"/>
+                    <a16:rowId xmlns="" xmlns:a16="http://schemas.microsoft.com/office/drawing/2014/main" val="10000"/>
                   </a:ext>
                 </a:extLst>
               </a:tr>
@@ -5487,7 +5487,7 @@
                 </a:tc>
                 <a:extLst>
                   <a:ext uri="{0D108BD9-81ED-4DB2-BD59-A6C34878D82A}">
-                    <a16:rowId xmlns:a16="http://schemas.microsoft.com/office/drawing/2014/main" xmlns="" val="10001"/>
+                    <a16:rowId xmlns="" xmlns:a16="http://schemas.microsoft.com/office/drawing/2014/main" val="10001"/>
                   </a:ext>
                 </a:extLst>
               </a:tr>
@@ -5635,14 +5635,14 @@
                 <a:gridCol w="280507">
                   <a:extLst>
                     <a:ext uri="{9D8B030D-6E8A-4147-A177-3AD203B41FA5}">
-                      <a16:colId xmlns:a16="http://schemas.microsoft.com/office/drawing/2014/main" xmlns="" val="20000"/>
+                      <a16:colId xmlns="" xmlns:a16="http://schemas.microsoft.com/office/drawing/2014/main" val="20000"/>
                     </a:ext>
                   </a:extLst>
                 </a:gridCol>
                 <a:gridCol w="2407792">
                   <a:extLst>
                     <a:ext uri="{9D8B030D-6E8A-4147-A177-3AD203B41FA5}">
-                      <a16:colId xmlns:a16="http://schemas.microsoft.com/office/drawing/2014/main" xmlns="" val="20001"/>
+                      <a16:colId xmlns="" xmlns:a16="http://schemas.microsoft.com/office/drawing/2014/main" val="20001"/>
                     </a:ext>
                   </a:extLst>
                 </a:gridCol>
@@ -5704,7 +5704,7 @@
                 </a:tc>
                 <a:extLst>
                   <a:ext uri="{0D108BD9-81ED-4DB2-BD59-A6C34878D82A}">
-                    <a16:rowId xmlns:a16="http://schemas.microsoft.com/office/drawing/2014/main" xmlns="" val="10000"/>
+                    <a16:rowId xmlns="" xmlns:a16="http://schemas.microsoft.com/office/drawing/2014/main" val="10000"/>
                   </a:ext>
                 </a:extLst>
               </a:tr>
@@ -5775,7 +5775,7 @@
                 </a:tc>
                 <a:extLst>
                   <a:ext uri="{0D108BD9-81ED-4DB2-BD59-A6C34878D82A}">
-                    <a16:rowId xmlns:a16="http://schemas.microsoft.com/office/drawing/2014/main" xmlns="" val="10001"/>
+                    <a16:rowId xmlns="" xmlns:a16="http://schemas.microsoft.com/office/drawing/2014/main" val="10001"/>
                   </a:ext>
                 </a:extLst>
               </a:tr>
@@ -5968,7 +5968,7 @@
                 </a:tc>
                 <a:extLst>
                   <a:ext uri="{0D108BD9-81ED-4DB2-BD59-A6C34878D82A}">
-                    <a16:rowId xmlns:a16="http://schemas.microsoft.com/office/drawing/2014/main" xmlns="" val="10002"/>
+                    <a16:rowId xmlns="" xmlns:a16="http://schemas.microsoft.com/office/drawing/2014/main" val="10002"/>
                   </a:ext>
                 </a:extLst>
               </a:tr>
@@ -7549,7 +7549,7 @@
                 <a:gridCol w="2688299">
                   <a:extLst>
                     <a:ext uri="{9D8B030D-6E8A-4147-A177-3AD203B41FA5}">
-                      <a16:colId xmlns:a16="http://schemas.microsoft.com/office/drawing/2014/main" xmlns="" val="20000"/>
+                      <a16:colId xmlns="" xmlns:a16="http://schemas.microsoft.com/office/drawing/2014/main" val="20000"/>
                     </a:ext>
                   </a:extLst>
                 </a:gridCol>
@@ -7581,7 +7581,7 @@
                 </a:tc>
                 <a:extLst>
                   <a:ext uri="{0D108BD9-81ED-4DB2-BD59-A6C34878D82A}">
-                    <a16:rowId xmlns:a16="http://schemas.microsoft.com/office/drawing/2014/main" xmlns="" val="10000"/>
+                    <a16:rowId xmlns="" xmlns:a16="http://schemas.microsoft.com/office/drawing/2014/main" val="10000"/>
                   </a:ext>
                 </a:extLst>
               </a:tr>
@@ -7616,7 +7616,7 @@
                 </a:tc>
                 <a:extLst>
                   <a:ext uri="{0D108BD9-81ED-4DB2-BD59-A6C34878D82A}">
-                    <a16:rowId xmlns:a16="http://schemas.microsoft.com/office/drawing/2014/main" xmlns="" val="10001"/>
+                    <a16:rowId xmlns="" xmlns:a16="http://schemas.microsoft.com/office/drawing/2014/main" val="10001"/>
                   </a:ext>
                 </a:extLst>
               </a:tr>
@@ -7650,14 +7650,14 @@
                 <a:gridCol w="280507">
                   <a:extLst>
                     <a:ext uri="{9D8B030D-6E8A-4147-A177-3AD203B41FA5}">
-                      <a16:colId xmlns:a16="http://schemas.microsoft.com/office/drawing/2014/main" xmlns="" val="20000"/>
+                      <a16:colId xmlns="" xmlns:a16="http://schemas.microsoft.com/office/drawing/2014/main" val="20000"/>
                     </a:ext>
                   </a:extLst>
                 </a:gridCol>
                 <a:gridCol w="2407792">
                   <a:extLst>
                     <a:ext uri="{9D8B030D-6E8A-4147-A177-3AD203B41FA5}">
-                      <a16:colId xmlns:a16="http://schemas.microsoft.com/office/drawing/2014/main" xmlns="" val="20001"/>
+                      <a16:colId xmlns="" xmlns:a16="http://schemas.microsoft.com/office/drawing/2014/main" val="20001"/>
                     </a:ext>
                   </a:extLst>
                 </a:gridCol>
@@ -7719,7 +7719,7 @@
                 </a:tc>
                 <a:extLst>
                   <a:ext uri="{0D108BD9-81ED-4DB2-BD59-A6C34878D82A}">
-                    <a16:rowId xmlns:a16="http://schemas.microsoft.com/office/drawing/2014/main" xmlns="" val="10000"/>
+                    <a16:rowId xmlns="" xmlns:a16="http://schemas.microsoft.com/office/drawing/2014/main" val="10000"/>
                   </a:ext>
                 </a:extLst>
               </a:tr>
@@ -7811,7 +7811,7 @@
                 </a:tc>
                 <a:extLst>
                   <a:ext uri="{0D108BD9-81ED-4DB2-BD59-A6C34878D82A}">
-                    <a16:rowId xmlns:a16="http://schemas.microsoft.com/office/drawing/2014/main" xmlns="" val="10001"/>
+                    <a16:rowId xmlns="" xmlns:a16="http://schemas.microsoft.com/office/drawing/2014/main" val="10001"/>
                   </a:ext>
                 </a:extLst>
               </a:tr>
@@ -7942,7 +7942,7 @@
                 </a:tc>
                 <a:extLst>
                   <a:ext uri="{0D108BD9-81ED-4DB2-BD59-A6C34878D82A}">
-                    <a16:rowId xmlns:a16="http://schemas.microsoft.com/office/drawing/2014/main" xmlns="" val="10002"/>
+                    <a16:rowId xmlns="" xmlns:a16="http://schemas.microsoft.com/office/drawing/2014/main" val="10002"/>
                   </a:ext>
                 </a:extLst>
               </a:tr>
@@ -8067,7 +8067,7 @@
                 </a:tc>
                 <a:extLst>
                   <a:ext uri="{0D108BD9-81ED-4DB2-BD59-A6C34878D82A}">
-                    <a16:rowId xmlns:a16="http://schemas.microsoft.com/office/drawing/2014/main" xmlns="" val="10003"/>
+                    <a16:rowId xmlns="" xmlns:a16="http://schemas.microsoft.com/office/drawing/2014/main" val="10003"/>
                   </a:ext>
                 </a:extLst>
               </a:tr>
@@ -8213,7 +8213,7 @@
                 </a:tc>
                 <a:extLst>
                   <a:ext uri="{0D108BD9-81ED-4DB2-BD59-A6C34878D82A}">
-                    <a16:rowId xmlns:a16="http://schemas.microsoft.com/office/drawing/2014/main" xmlns="" val="10004"/>
+                    <a16:rowId xmlns="" xmlns:a16="http://schemas.microsoft.com/office/drawing/2014/main" val="10004"/>
                   </a:ext>
                 </a:extLst>
               </a:tr>
@@ -9891,7 +9891,7 @@
                 <a:gridCol w="2688299">
                   <a:extLst>
                     <a:ext uri="{9D8B030D-6E8A-4147-A177-3AD203B41FA5}">
-                      <a16:colId xmlns:a16="http://schemas.microsoft.com/office/drawing/2014/main" xmlns="" val="20000"/>
+                      <a16:colId xmlns="" xmlns:a16="http://schemas.microsoft.com/office/drawing/2014/main" val="20000"/>
                     </a:ext>
                   </a:extLst>
                 </a:gridCol>
@@ -9923,7 +9923,7 @@
                 </a:tc>
                 <a:extLst>
                   <a:ext uri="{0D108BD9-81ED-4DB2-BD59-A6C34878D82A}">
-                    <a16:rowId xmlns:a16="http://schemas.microsoft.com/office/drawing/2014/main" xmlns="" val="10000"/>
+                    <a16:rowId xmlns="" xmlns:a16="http://schemas.microsoft.com/office/drawing/2014/main" val="10000"/>
                   </a:ext>
                 </a:extLst>
               </a:tr>
@@ -9951,7 +9951,7 @@
                 </a:tc>
                 <a:extLst>
                   <a:ext uri="{0D108BD9-81ED-4DB2-BD59-A6C34878D82A}">
-                    <a16:rowId xmlns:a16="http://schemas.microsoft.com/office/drawing/2014/main" xmlns="" val="10001"/>
+                    <a16:rowId xmlns="" xmlns:a16="http://schemas.microsoft.com/office/drawing/2014/main" val="10001"/>
                   </a:ext>
                 </a:extLst>
               </a:tr>
@@ -9985,14 +9985,14 @@
                 <a:gridCol w="280507">
                   <a:extLst>
                     <a:ext uri="{9D8B030D-6E8A-4147-A177-3AD203B41FA5}">
-                      <a16:colId xmlns:a16="http://schemas.microsoft.com/office/drawing/2014/main" xmlns="" val="20000"/>
+                      <a16:colId xmlns="" xmlns:a16="http://schemas.microsoft.com/office/drawing/2014/main" val="20000"/>
                     </a:ext>
                   </a:extLst>
                 </a:gridCol>
                 <a:gridCol w="2407792">
                   <a:extLst>
                     <a:ext uri="{9D8B030D-6E8A-4147-A177-3AD203B41FA5}">
-                      <a16:colId xmlns:a16="http://schemas.microsoft.com/office/drawing/2014/main" xmlns="" val="20001"/>
+                      <a16:colId xmlns="" xmlns:a16="http://schemas.microsoft.com/office/drawing/2014/main" val="20001"/>
                     </a:ext>
                   </a:extLst>
                 </a:gridCol>
@@ -10054,7 +10054,7 @@
                 </a:tc>
                 <a:extLst>
                   <a:ext uri="{0D108BD9-81ED-4DB2-BD59-A6C34878D82A}">
-                    <a16:rowId xmlns:a16="http://schemas.microsoft.com/office/drawing/2014/main" xmlns="" val="10000"/>
+                    <a16:rowId xmlns="" xmlns:a16="http://schemas.microsoft.com/office/drawing/2014/main" val="10000"/>
                   </a:ext>
                 </a:extLst>
               </a:tr>
@@ -10146,7 +10146,7 @@
                 </a:tc>
                 <a:extLst>
                   <a:ext uri="{0D108BD9-81ED-4DB2-BD59-A6C34878D82A}">
-                    <a16:rowId xmlns:a16="http://schemas.microsoft.com/office/drawing/2014/main" xmlns="" val="10001"/>
+                    <a16:rowId xmlns="" xmlns:a16="http://schemas.microsoft.com/office/drawing/2014/main" val="10001"/>
                   </a:ext>
                 </a:extLst>
               </a:tr>
@@ -10277,7 +10277,7 @@
                 </a:tc>
                 <a:extLst>
                   <a:ext uri="{0D108BD9-81ED-4DB2-BD59-A6C34878D82A}">
-                    <a16:rowId xmlns:a16="http://schemas.microsoft.com/office/drawing/2014/main" xmlns="" val="10002"/>
+                    <a16:rowId xmlns="" xmlns:a16="http://schemas.microsoft.com/office/drawing/2014/main" val="10002"/>
                   </a:ext>
                 </a:extLst>
               </a:tr>
@@ -10402,7 +10402,7 @@
                 </a:tc>
                 <a:extLst>
                   <a:ext uri="{0D108BD9-81ED-4DB2-BD59-A6C34878D82A}">
-                    <a16:rowId xmlns:a16="http://schemas.microsoft.com/office/drawing/2014/main" xmlns="" val="10003"/>
+                    <a16:rowId xmlns="" xmlns:a16="http://schemas.microsoft.com/office/drawing/2014/main" val="10003"/>
                   </a:ext>
                 </a:extLst>
               </a:tr>
@@ -10548,7 +10548,7 @@
                 </a:tc>
                 <a:extLst>
                   <a:ext uri="{0D108BD9-81ED-4DB2-BD59-A6C34878D82A}">
-                    <a16:rowId xmlns:a16="http://schemas.microsoft.com/office/drawing/2014/main" xmlns="" val="10004"/>
+                    <a16:rowId xmlns="" xmlns:a16="http://schemas.microsoft.com/office/drawing/2014/main" val="10004"/>
                   </a:ext>
                 </a:extLst>
               </a:tr>
@@ -12212,7 +12212,7 @@
                 <a:gridCol w="2688299">
                   <a:extLst>
                     <a:ext uri="{9D8B030D-6E8A-4147-A177-3AD203B41FA5}">
-                      <a16:colId xmlns:a16="http://schemas.microsoft.com/office/drawing/2014/main" xmlns="" val="20000"/>
+                      <a16:colId xmlns="" xmlns:a16="http://schemas.microsoft.com/office/drawing/2014/main" val="20000"/>
                     </a:ext>
                   </a:extLst>
                 </a:gridCol>
@@ -12244,7 +12244,7 @@
                 </a:tc>
                 <a:extLst>
                   <a:ext uri="{0D108BD9-81ED-4DB2-BD59-A6C34878D82A}">
-                    <a16:rowId xmlns:a16="http://schemas.microsoft.com/office/drawing/2014/main" xmlns="" val="10000"/>
+                    <a16:rowId xmlns="" xmlns:a16="http://schemas.microsoft.com/office/drawing/2014/main" val="10000"/>
                   </a:ext>
                 </a:extLst>
               </a:tr>
@@ -12272,7 +12272,7 @@
                 </a:tc>
                 <a:extLst>
                   <a:ext uri="{0D108BD9-81ED-4DB2-BD59-A6C34878D82A}">
-                    <a16:rowId xmlns:a16="http://schemas.microsoft.com/office/drawing/2014/main" xmlns="" val="10001"/>
+                    <a16:rowId xmlns="" xmlns:a16="http://schemas.microsoft.com/office/drawing/2014/main" val="10001"/>
                   </a:ext>
                 </a:extLst>
               </a:tr>
@@ -12306,14 +12306,14 @@
                 <a:gridCol w="280507">
                   <a:extLst>
                     <a:ext uri="{9D8B030D-6E8A-4147-A177-3AD203B41FA5}">
-                      <a16:colId xmlns:a16="http://schemas.microsoft.com/office/drawing/2014/main" xmlns="" val="20000"/>
+                      <a16:colId xmlns="" xmlns:a16="http://schemas.microsoft.com/office/drawing/2014/main" val="20000"/>
                     </a:ext>
                   </a:extLst>
                 </a:gridCol>
                 <a:gridCol w="2407792">
                   <a:extLst>
                     <a:ext uri="{9D8B030D-6E8A-4147-A177-3AD203B41FA5}">
-                      <a16:colId xmlns:a16="http://schemas.microsoft.com/office/drawing/2014/main" xmlns="" val="20001"/>
+                      <a16:colId xmlns="" xmlns:a16="http://schemas.microsoft.com/office/drawing/2014/main" val="20001"/>
                     </a:ext>
                   </a:extLst>
                 </a:gridCol>
@@ -12375,7 +12375,7 @@
                 </a:tc>
                 <a:extLst>
                   <a:ext uri="{0D108BD9-81ED-4DB2-BD59-A6C34878D82A}">
-                    <a16:rowId xmlns:a16="http://schemas.microsoft.com/office/drawing/2014/main" xmlns="" val="10000"/>
+                    <a16:rowId xmlns="" xmlns:a16="http://schemas.microsoft.com/office/drawing/2014/main" val="10000"/>
                   </a:ext>
                 </a:extLst>
               </a:tr>
@@ -12453,7 +12453,7 @@
                 </a:tc>
                 <a:extLst>
                   <a:ext uri="{0D108BD9-81ED-4DB2-BD59-A6C34878D82A}">
-                    <a16:rowId xmlns:a16="http://schemas.microsoft.com/office/drawing/2014/main" xmlns="" val="10001"/>
+                    <a16:rowId xmlns="" xmlns:a16="http://schemas.microsoft.com/office/drawing/2014/main" val="10001"/>
                   </a:ext>
                 </a:extLst>
               </a:tr>
@@ -12563,7 +12563,7 @@
                 </a:tc>
                 <a:extLst>
                   <a:ext uri="{0D108BD9-81ED-4DB2-BD59-A6C34878D82A}">
-                    <a16:rowId xmlns:a16="http://schemas.microsoft.com/office/drawing/2014/main" xmlns="" val="10002"/>
+                    <a16:rowId xmlns="" xmlns:a16="http://schemas.microsoft.com/office/drawing/2014/main" val="10002"/>
                   </a:ext>
                 </a:extLst>
               </a:tr>
@@ -12694,7 +12694,7 @@
                 </a:tc>
                 <a:extLst>
                   <a:ext uri="{0D108BD9-81ED-4DB2-BD59-A6C34878D82A}">
-                    <a16:rowId xmlns:a16="http://schemas.microsoft.com/office/drawing/2014/main" xmlns="" val="10003"/>
+                    <a16:rowId xmlns="" xmlns:a16="http://schemas.microsoft.com/office/drawing/2014/main" val="10003"/>
                   </a:ext>
                 </a:extLst>
               </a:tr>
@@ -12856,7 +12856,7 @@
                 </a:tc>
                 <a:extLst>
                   <a:ext uri="{0D108BD9-81ED-4DB2-BD59-A6C34878D82A}">
-                    <a16:rowId xmlns:a16="http://schemas.microsoft.com/office/drawing/2014/main" xmlns="" val="10004"/>
+                    <a16:rowId xmlns="" xmlns:a16="http://schemas.microsoft.com/office/drawing/2014/main" val="10004"/>
                   </a:ext>
                 </a:extLst>
               </a:tr>
@@ -14405,7 +14405,7 @@
                 <a:gridCol w="2688299">
                   <a:extLst>
                     <a:ext uri="{9D8B030D-6E8A-4147-A177-3AD203B41FA5}">
-                      <a16:colId xmlns:a16="http://schemas.microsoft.com/office/drawing/2014/main" xmlns="" val="20000"/>
+                      <a16:colId xmlns="" xmlns:a16="http://schemas.microsoft.com/office/drawing/2014/main" val="20000"/>
                     </a:ext>
                   </a:extLst>
                 </a:gridCol>
@@ -14437,7 +14437,7 @@
                 </a:tc>
                 <a:extLst>
                   <a:ext uri="{0D108BD9-81ED-4DB2-BD59-A6C34878D82A}">
-                    <a16:rowId xmlns:a16="http://schemas.microsoft.com/office/drawing/2014/main" xmlns="" val="10000"/>
+                    <a16:rowId xmlns="" xmlns:a16="http://schemas.microsoft.com/office/drawing/2014/main" val="10000"/>
                   </a:ext>
                 </a:extLst>
               </a:tr>
@@ -14469,7 +14469,7 @@
                 </a:tc>
                 <a:extLst>
                   <a:ext uri="{0D108BD9-81ED-4DB2-BD59-A6C34878D82A}">
-                    <a16:rowId xmlns:a16="http://schemas.microsoft.com/office/drawing/2014/main" xmlns="" val="10001"/>
+                    <a16:rowId xmlns="" xmlns:a16="http://schemas.microsoft.com/office/drawing/2014/main" val="10001"/>
                   </a:ext>
                 </a:extLst>
               </a:tr>
@@ -14503,14 +14503,14 @@
                 <a:gridCol w="280507">
                   <a:extLst>
                     <a:ext uri="{9D8B030D-6E8A-4147-A177-3AD203B41FA5}">
-                      <a16:colId xmlns:a16="http://schemas.microsoft.com/office/drawing/2014/main" xmlns="" val="20000"/>
+                      <a16:colId xmlns="" xmlns:a16="http://schemas.microsoft.com/office/drawing/2014/main" val="20000"/>
                     </a:ext>
                   </a:extLst>
                 </a:gridCol>
                 <a:gridCol w="2407792">
                   <a:extLst>
                     <a:ext uri="{9D8B030D-6E8A-4147-A177-3AD203B41FA5}">
-                      <a16:colId xmlns:a16="http://schemas.microsoft.com/office/drawing/2014/main" xmlns="" val="20001"/>
+                      <a16:colId xmlns="" xmlns:a16="http://schemas.microsoft.com/office/drawing/2014/main" val="20001"/>
                     </a:ext>
                   </a:extLst>
                 </a:gridCol>
@@ -14572,7 +14572,7 @@
                 </a:tc>
                 <a:extLst>
                   <a:ext uri="{0D108BD9-81ED-4DB2-BD59-A6C34878D82A}">
-                    <a16:rowId xmlns:a16="http://schemas.microsoft.com/office/drawing/2014/main" xmlns="" val="10000"/>
+                    <a16:rowId xmlns="" xmlns:a16="http://schemas.microsoft.com/office/drawing/2014/main" val="10000"/>
                   </a:ext>
                 </a:extLst>
               </a:tr>
@@ -14693,7 +14693,7 @@
                 </a:tc>
                 <a:extLst>
                   <a:ext uri="{0D108BD9-81ED-4DB2-BD59-A6C34878D82A}">
-                    <a16:rowId xmlns:a16="http://schemas.microsoft.com/office/drawing/2014/main" xmlns="" val="10001"/>
+                    <a16:rowId xmlns="" xmlns:a16="http://schemas.microsoft.com/office/drawing/2014/main" val="10001"/>
                   </a:ext>
                 </a:extLst>
               </a:tr>
@@ -15873,7 +15873,7 @@
                 <a:gridCol w="2688299">
                   <a:extLst>
                     <a:ext uri="{9D8B030D-6E8A-4147-A177-3AD203B41FA5}">
-                      <a16:colId xmlns:a16="http://schemas.microsoft.com/office/drawing/2014/main" xmlns="" val="20000"/>
+                      <a16:colId xmlns="" xmlns:a16="http://schemas.microsoft.com/office/drawing/2014/main" val="20000"/>
                     </a:ext>
                   </a:extLst>
                 </a:gridCol>
@@ -15905,7 +15905,7 @@
                 </a:tc>
                 <a:extLst>
                   <a:ext uri="{0D108BD9-81ED-4DB2-BD59-A6C34878D82A}">
-                    <a16:rowId xmlns:a16="http://schemas.microsoft.com/office/drawing/2014/main" xmlns="" val="10000"/>
+                    <a16:rowId xmlns="" xmlns:a16="http://schemas.microsoft.com/office/drawing/2014/main" val="10000"/>
                   </a:ext>
                 </a:extLst>
               </a:tr>
@@ -15941,7 +15941,7 @@
                 </a:tc>
                 <a:extLst>
                   <a:ext uri="{0D108BD9-81ED-4DB2-BD59-A6C34878D82A}">
-                    <a16:rowId xmlns:a16="http://schemas.microsoft.com/office/drawing/2014/main" xmlns="" val="10001"/>
+                    <a16:rowId xmlns="" xmlns:a16="http://schemas.microsoft.com/office/drawing/2014/main" val="10001"/>
                   </a:ext>
                 </a:extLst>
               </a:tr>
@@ -15975,14 +15975,14 @@
                 <a:gridCol w="280507">
                   <a:extLst>
                     <a:ext uri="{9D8B030D-6E8A-4147-A177-3AD203B41FA5}">
-                      <a16:colId xmlns:a16="http://schemas.microsoft.com/office/drawing/2014/main" xmlns="" val="20000"/>
+                      <a16:colId xmlns="" xmlns:a16="http://schemas.microsoft.com/office/drawing/2014/main" val="20000"/>
                     </a:ext>
                   </a:extLst>
                 </a:gridCol>
                 <a:gridCol w="2407792">
                   <a:extLst>
                     <a:ext uri="{9D8B030D-6E8A-4147-A177-3AD203B41FA5}">
-                      <a16:colId xmlns:a16="http://schemas.microsoft.com/office/drawing/2014/main" xmlns="" val="20001"/>
+                      <a16:colId xmlns="" xmlns:a16="http://schemas.microsoft.com/office/drawing/2014/main" val="20001"/>
                     </a:ext>
                   </a:extLst>
                 </a:gridCol>
@@ -16044,7 +16044,7 @@
                 </a:tc>
                 <a:extLst>
                   <a:ext uri="{0D108BD9-81ED-4DB2-BD59-A6C34878D82A}">
-                    <a16:rowId xmlns:a16="http://schemas.microsoft.com/office/drawing/2014/main" xmlns="" val="10000"/>
+                    <a16:rowId xmlns="" xmlns:a16="http://schemas.microsoft.com/office/drawing/2014/main" val="10000"/>
                   </a:ext>
                 </a:extLst>
               </a:tr>
@@ -16129,7 +16129,7 @@
                 </a:tc>
                 <a:extLst>
                   <a:ext uri="{0D108BD9-81ED-4DB2-BD59-A6C34878D82A}">
-                    <a16:rowId xmlns:a16="http://schemas.microsoft.com/office/drawing/2014/main" xmlns="" val="10001"/>
+                    <a16:rowId xmlns="" xmlns:a16="http://schemas.microsoft.com/office/drawing/2014/main" val="10001"/>
                   </a:ext>
                 </a:extLst>
               </a:tr>
@@ -17309,7 +17309,7 @@
                 <a:gridCol w="2688299">
                   <a:extLst>
                     <a:ext uri="{9D8B030D-6E8A-4147-A177-3AD203B41FA5}">
-                      <a16:colId xmlns:a16="http://schemas.microsoft.com/office/drawing/2014/main" xmlns="" val="20000"/>
+                      <a16:colId xmlns="" xmlns:a16="http://schemas.microsoft.com/office/drawing/2014/main" val="20000"/>
                     </a:ext>
                   </a:extLst>
                 </a:gridCol>
@@ -17341,7 +17341,7 @@
                 </a:tc>
                 <a:extLst>
                   <a:ext uri="{0D108BD9-81ED-4DB2-BD59-A6C34878D82A}">
-                    <a16:rowId xmlns:a16="http://schemas.microsoft.com/office/drawing/2014/main" xmlns="" val="10000"/>
+                    <a16:rowId xmlns="" xmlns:a16="http://schemas.microsoft.com/office/drawing/2014/main" val="10000"/>
                   </a:ext>
                 </a:extLst>
               </a:tr>
@@ -17377,7 +17377,7 @@
                 </a:tc>
                 <a:extLst>
                   <a:ext uri="{0D108BD9-81ED-4DB2-BD59-A6C34878D82A}">
-                    <a16:rowId xmlns:a16="http://schemas.microsoft.com/office/drawing/2014/main" xmlns="" val="10001"/>
+                    <a16:rowId xmlns="" xmlns:a16="http://schemas.microsoft.com/office/drawing/2014/main" val="10001"/>
                   </a:ext>
                 </a:extLst>
               </a:tr>
@@ -17411,14 +17411,14 @@
                 <a:gridCol w="280507">
                   <a:extLst>
                     <a:ext uri="{9D8B030D-6E8A-4147-A177-3AD203B41FA5}">
-                      <a16:colId xmlns:a16="http://schemas.microsoft.com/office/drawing/2014/main" xmlns="" val="20000"/>
+                      <a16:colId xmlns="" xmlns:a16="http://schemas.microsoft.com/office/drawing/2014/main" val="20000"/>
                     </a:ext>
                   </a:extLst>
                 </a:gridCol>
                 <a:gridCol w="2407792">
                   <a:extLst>
                     <a:ext uri="{9D8B030D-6E8A-4147-A177-3AD203B41FA5}">
-                      <a16:colId xmlns:a16="http://schemas.microsoft.com/office/drawing/2014/main" xmlns="" val="20001"/>
+                      <a16:colId xmlns="" xmlns:a16="http://schemas.microsoft.com/office/drawing/2014/main" val="20001"/>
                     </a:ext>
                   </a:extLst>
                 </a:gridCol>
@@ -17480,7 +17480,7 @@
                 </a:tc>
                 <a:extLst>
                   <a:ext uri="{0D108BD9-81ED-4DB2-BD59-A6C34878D82A}">
-                    <a16:rowId xmlns:a16="http://schemas.microsoft.com/office/drawing/2014/main" xmlns="" val="10000"/>
+                    <a16:rowId xmlns="" xmlns:a16="http://schemas.microsoft.com/office/drawing/2014/main" val="10000"/>
                   </a:ext>
                 </a:extLst>
               </a:tr>
@@ -17589,7 +17589,7 @@
                 </a:tc>
                 <a:extLst>
                   <a:ext uri="{0D108BD9-81ED-4DB2-BD59-A6C34878D82A}">
-                    <a16:rowId xmlns:a16="http://schemas.microsoft.com/office/drawing/2014/main" xmlns="" val="10002"/>
+                    <a16:rowId xmlns="" xmlns:a16="http://schemas.microsoft.com/office/drawing/2014/main" val="10002"/>
                   </a:ext>
                 </a:extLst>
               </a:tr>
@@ -18823,7 +18823,7 @@
                 <a:gridCol w="2688299">
                   <a:extLst>
                     <a:ext uri="{9D8B030D-6E8A-4147-A177-3AD203B41FA5}">
-                      <a16:colId xmlns:a16="http://schemas.microsoft.com/office/drawing/2014/main" xmlns="" val="20000"/>
+                      <a16:colId xmlns="" xmlns:a16="http://schemas.microsoft.com/office/drawing/2014/main" val="20000"/>
                     </a:ext>
                   </a:extLst>
                 </a:gridCol>
@@ -18855,7 +18855,7 @@
                 </a:tc>
                 <a:extLst>
                   <a:ext uri="{0D108BD9-81ED-4DB2-BD59-A6C34878D82A}">
-                    <a16:rowId xmlns:a16="http://schemas.microsoft.com/office/drawing/2014/main" xmlns="" val="10000"/>
+                    <a16:rowId xmlns="" xmlns:a16="http://schemas.microsoft.com/office/drawing/2014/main" val="10000"/>
                   </a:ext>
                 </a:extLst>
               </a:tr>
@@ -18887,7 +18887,7 @@
                 </a:tc>
                 <a:extLst>
                   <a:ext uri="{0D108BD9-81ED-4DB2-BD59-A6C34878D82A}">
-                    <a16:rowId xmlns:a16="http://schemas.microsoft.com/office/drawing/2014/main" xmlns="" val="10001"/>
+                    <a16:rowId xmlns="" xmlns:a16="http://schemas.microsoft.com/office/drawing/2014/main" val="10001"/>
                   </a:ext>
                 </a:extLst>
               </a:tr>
@@ -18921,14 +18921,14 @@
                 <a:gridCol w="280507">
                   <a:extLst>
                     <a:ext uri="{9D8B030D-6E8A-4147-A177-3AD203B41FA5}">
-                      <a16:colId xmlns:a16="http://schemas.microsoft.com/office/drawing/2014/main" xmlns="" val="20000"/>
+                      <a16:colId xmlns="" xmlns:a16="http://schemas.microsoft.com/office/drawing/2014/main" val="20000"/>
                     </a:ext>
                   </a:extLst>
                 </a:gridCol>
                 <a:gridCol w="2407792">
                   <a:extLst>
                     <a:ext uri="{9D8B030D-6E8A-4147-A177-3AD203B41FA5}">
-                      <a16:colId xmlns:a16="http://schemas.microsoft.com/office/drawing/2014/main" xmlns="" val="20001"/>
+                      <a16:colId xmlns="" xmlns:a16="http://schemas.microsoft.com/office/drawing/2014/main" val="20001"/>
                     </a:ext>
                   </a:extLst>
                 </a:gridCol>
@@ -18990,7 +18990,7 @@
                 </a:tc>
                 <a:extLst>
                   <a:ext uri="{0D108BD9-81ED-4DB2-BD59-A6C34878D82A}">
-                    <a16:rowId xmlns:a16="http://schemas.microsoft.com/office/drawing/2014/main" xmlns="" val="10000"/>
+                    <a16:rowId xmlns="" xmlns:a16="http://schemas.microsoft.com/office/drawing/2014/main" val="10000"/>
                   </a:ext>
                 </a:extLst>
               </a:tr>
@@ -19061,7 +19061,7 @@
                 </a:tc>
                 <a:extLst>
                   <a:ext uri="{0D108BD9-81ED-4DB2-BD59-A6C34878D82A}">
-                    <a16:rowId xmlns:a16="http://schemas.microsoft.com/office/drawing/2014/main" xmlns="" val="10001"/>
+                    <a16:rowId xmlns="" xmlns:a16="http://schemas.microsoft.com/office/drawing/2014/main" val="10001"/>
                   </a:ext>
                 </a:extLst>
               </a:tr>
@@ -19254,7 +19254,7 @@
                 </a:tc>
                 <a:extLst>
                   <a:ext uri="{0D108BD9-81ED-4DB2-BD59-A6C34878D82A}">
-                    <a16:rowId xmlns:a16="http://schemas.microsoft.com/office/drawing/2014/main" xmlns="" val="10002"/>
+                    <a16:rowId xmlns="" xmlns:a16="http://schemas.microsoft.com/office/drawing/2014/main" val="10002"/>
                   </a:ext>
                 </a:extLst>
               </a:tr>
@@ -20573,7 +20573,7 @@
                 <a:gridCol w="2688299">
                   <a:extLst>
                     <a:ext uri="{9D8B030D-6E8A-4147-A177-3AD203B41FA5}">
-                      <a16:colId xmlns:a16="http://schemas.microsoft.com/office/drawing/2014/main" xmlns="" val="20000"/>
+                      <a16:colId xmlns="" xmlns:a16="http://schemas.microsoft.com/office/drawing/2014/main" val="20000"/>
                     </a:ext>
                   </a:extLst>
                 </a:gridCol>
@@ -20605,7 +20605,7 @@
                 </a:tc>
                 <a:extLst>
                   <a:ext uri="{0D108BD9-81ED-4DB2-BD59-A6C34878D82A}">
-                    <a16:rowId xmlns:a16="http://schemas.microsoft.com/office/drawing/2014/main" xmlns="" val="10000"/>
+                    <a16:rowId xmlns="" xmlns:a16="http://schemas.microsoft.com/office/drawing/2014/main" val="10000"/>
                   </a:ext>
                 </a:extLst>
               </a:tr>
@@ -20633,7 +20633,7 @@
                 </a:tc>
                 <a:extLst>
                   <a:ext uri="{0D108BD9-81ED-4DB2-BD59-A6C34878D82A}">
-                    <a16:rowId xmlns:a16="http://schemas.microsoft.com/office/drawing/2014/main" xmlns="" val="10001"/>
+                    <a16:rowId xmlns="" xmlns:a16="http://schemas.microsoft.com/office/drawing/2014/main" val="10001"/>
                   </a:ext>
                 </a:extLst>
               </a:tr>
@@ -20667,14 +20667,14 @@
                 <a:gridCol w="280507">
                   <a:extLst>
                     <a:ext uri="{9D8B030D-6E8A-4147-A177-3AD203B41FA5}">
-                      <a16:colId xmlns:a16="http://schemas.microsoft.com/office/drawing/2014/main" xmlns="" val="20000"/>
+                      <a16:colId xmlns="" xmlns:a16="http://schemas.microsoft.com/office/drawing/2014/main" val="20000"/>
                     </a:ext>
                   </a:extLst>
                 </a:gridCol>
                 <a:gridCol w="2407792">
                   <a:extLst>
                     <a:ext uri="{9D8B030D-6E8A-4147-A177-3AD203B41FA5}">
-                      <a16:colId xmlns:a16="http://schemas.microsoft.com/office/drawing/2014/main" xmlns="" val="20001"/>
+                      <a16:colId xmlns="" xmlns:a16="http://schemas.microsoft.com/office/drawing/2014/main" val="20001"/>
                     </a:ext>
                   </a:extLst>
                 </a:gridCol>
@@ -20736,7 +20736,7 @@
                 </a:tc>
                 <a:extLst>
                   <a:ext uri="{0D108BD9-81ED-4DB2-BD59-A6C34878D82A}">
-                    <a16:rowId xmlns:a16="http://schemas.microsoft.com/office/drawing/2014/main" xmlns="" val="10000"/>
+                    <a16:rowId xmlns="" xmlns:a16="http://schemas.microsoft.com/office/drawing/2014/main" val="10000"/>
                   </a:ext>
                 </a:extLst>
               </a:tr>
@@ -20828,7 +20828,7 @@
                 </a:tc>
                 <a:extLst>
                   <a:ext uri="{0D108BD9-81ED-4DB2-BD59-A6C34878D82A}">
-                    <a16:rowId xmlns:a16="http://schemas.microsoft.com/office/drawing/2014/main" xmlns="" val="10001"/>
+                    <a16:rowId xmlns="" xmlns:a16="http://schemas.microsoft.com/office/drawing/2014/main" val="10001"/>
                   </a:ext>
                 </a:extLst>
               </a:tr>
@@ -20938,7 +20938,7 @@
                 </a:tc>
                 <a:extLst>
                   <a:ext uri="{0D108BD9-81ED-4DB2-BD59-A6C34878D82A}">
-                    <a16:rowId xmlns:a16="http://schemas.microsoft.com/office/drawing/2014/main" xmlns="" val="10002"/>
+                    <a16:rowId xmlns="" xmlns:a16="http://schemas.microsoft.com/office/drawing/2014/main" val="10002"/>
                   </a:ext>
                 </a:extLst>
               </a:tr>
@@ -21063,7 +21063,7 @@
                 </a:tc>
                 <a:extLst>
                   <a:ext uri="{0D108BD9-81ED-4DB2-BD59-A6C34878D82A}">
-                    <a16:rowId xmlns:a16="http://schemas.microsoft.com/office/drawing/2014/main" xmlns="" val="10003"/>
+                    <a16:rowId xmlns="" xmlns:a16="http://schemas.microsoft.com/office/drawing/2014/main" val="10003"/>
                   </a:ext>
                 </a:extLst>
               </a:tr>
@@ -21209,7 +21209,7 @@
                 </a:tc>
                 <a:extLst>
                   <a:ext uri="{0D108BD9-81ED-4DB2-BD59-A6C34878D82A}">
-                    <a16:rowId xmlns:a16="http://schemas.microsoft.com/office/drawing/2014/main" xmlns="" val="10004"/>
+                    <a16:rowId xmlns="" xmlns:a16="http://schemas.microsoft.com/office/drawing/2014/main" val="10004"/>
                   </a:ext>
                 </a:extLst>
               </a:tr>
@@ -25967,7 +25967,7 @@
                 <a:gridCol w="2688299">
                   <a:extLst>
                     <a:ext uri="{9D8B030D-6E8A-4147-A177-3AD203B41FA5}">
-                      <a16:colId xmlns:a16="http://schemas.microsoft.com/office/drawing/2014/main" xmlns="" val="20000"/>
+                      <a16:colId xmlns="" xmlns:a16="http://schemas.microsoft.com/office/drawing/2014/main" val="20000"/>
                     </a:ext>
                   </a:extLst>
                 </a:gridCol>
@@ -25999,7 +25999,7 @@
                 </a:tc>
                 <a:extLst>
                   <a:ext uri="{0D108BD9-81ED-4DB2-BD59-A6C34878D82A}">
-                    <a16:rowId xmlns:a16="http://schemas.microsoft.com/office/drawing/2014/main" xmlns="" val="10000"/>
+                    <a16:rowId xmlns="" xmlns:a16="http://schemas.microsoft.com/office/drawing/2014/main" val="10000"/>
                   </a:ext>
                 </a:extLst>
               </a:tr>
@@ -26027,7 +26027,7 @@
                 </a:tc>
                 <a:extLst>
                   <a:ext uri="{0D108BD9-81ED-4DB2-BD59-A6C34878D82A}">
-                    <a16:rowId xmlns:a16="http://schemas.microsoft.com/office/drawing/2014/main" xmlns="" val="10001"/>
+                    <a16:rowId xmlns="" xmlns:a16="http://schemas.microsoft.com/office/drawing/2014/main" val="10001"/>
                   </a:ext>
                 </a:extLst>
               </a:tr>
@@ -26051,7 +26051,7 @@
         </p:nvGraphicFramePr>
         <p:xfrm>
           <a:off x="9168341" y="2479152"/>
-          <a:ext cx="2688299" cy="3113898"/>
+          <a:ext cx="2688299" cy="3137837"/>
         </p:xfrm>
         <a:graphic>
           <a:graphicData uri="http://schemas.openxmlformats.org/drawingml/2006/table">
@@ -26061,14 +26061,14 @@
                 <a:gridCol w="280507">
                   <a:extLst>
                     <a:ext uri="{9D8B030D-6E8A-4147-A177-3AD203B41FA5}">
-                      <a16:colId xmlns:a16="http://schemas.microsoft.com/office/drawing/2014/main" xmlns="" val="20000"/>
+                      <a16:colId xmlns="" xmlns:a16="http://schemas.microsoft.com/office/drawing/2014/main" val="20000"/>
                     </a:ext>
                   </a:extLst>
                 </a:gridCol>
                 <a:gridCol w="2407792">
                   <a:extLst>
                     <a:ext uri="{9D8B030D-6E8A-4147-A177-3AD203B41FA5}">
-                      <a16:colId xmlns:a16="http://schemas.microsoft.com/office/drawing/2014/main" xmlns="" val="20001"/>
+                      <a16:colId xmlns="" xmlns:a16="http://schemas.microsoft.com/office/drawing/2014/main" val="20001"/>
                     </a:ext>
                   </a:extLst>
                 </a:gridCol>
@@ -26130,7 +26130,7 @@
                 </a:tc>
                 <a:extLst>
                   <a:ext uri="{0D108BD9-81ED-4DB2-BD59-A6C34878D82A}">
-                    <a16:rowId xmlns:a16="http://schemas.microsoft.com/office/drawing/2014/main" xmlns="" val="10000"/>
+                    <a16:rowId xmlns="" xmlns:a16="http://schemas.microsoft.com/office/drawing/2014/main" val="10000"/>
                   </a:ext>
                 </a:extLst>
               </a:tr>
@@ -26222,7 +26222,7 @@
                 </a:tc>
                 <a:extLst>
                   <a:ext uri="{0D108BD9-81ED-4DB2-BD59-A6C34878D82A}">
-                    <a16:rowId xmlns:a16="http://schemas.microsoft.com/office/drawing/2014/main" xmlns="" val="10001"/>
+                    <a16:rowId xmlns="" xmlns:a16="http://schemas.microsoft.com/office/drawing/2014/main" val="10001"/>
                   </a:ext>
                 </a:extLst>
               </a:tr>
@@ -26332,7 +26332,7 @@
                 </a:tc>
                 <a:extLst>
                   <a:ext uri="{0D108BD9-81ED-4DB2-BD59-A6C34878D82A}">
-                    <a16:rowId xmlns:a16="http://schemas.microsoft.com/office/drawing/2014/main" xmlns="" val="10002"/>
+                    <a16:rowId xmlns="" xmlns:a16="http://schemas.microsoft.com/office/drawing/2014/main" val="10002"/>
                   </a:ext>
                 </a:extLst>
               </a:tr>
@@ -26457,7 +26457,7 @@
                 </a:tc>
                 <a:extLst>
                   <a:ext uri="{0D108BD9-81ED-4DB2-BD59-A6C34878D82A}">
-                    <a16:rowId xmlns:a16="http://schemas.microsoft.com/office/drawing/2014/main" xmlns="" val="10003"/>
+                    <a16:rowId xmlns="" xmlns:a16="http://schemas.microsoft.com/office/drawing/2014/main" val="10003"/>
                   </a:ext>
                 </a:extLst>
               </a:tr>
@@ -26663,7 +26663,7 @@
                 </a:tc>
                 <a:extLst>
                   <a:ext uri="{0D108BD9-81ED-4DB2-BD59-A6C34878D82A}">
-                    <a16:rowId xmlns:a16="http://schemas.microsoft.com/office/drawing/2014/main" xmlns="" val="10004"/>
+                    <a16:rowId xmlns="" xmlns:a16="http://schemas.microsoft.com/office/drawing/2014/main" val="10004"/>
                   </a:ext>
                 </a:extLst>
               </a:tr>
@@ -27819,7 +27819,7 @@
                 <a:gridCol w="2692879">
                   <a:extLst>
                     <a:ext uri="{9D8B030D-6E8A-4147-A177-3AD203B41FA5}">
-                      <a16:colId xmlns:a16="http://schemas.microsoft.com/office/drawing/2014/main" xmlns="" val="20000"/>
+                      <a16:colId xmlns="" xmlns:a16="http://schemas.microsoft.com/office/drawing/2014/main" val="20000"/>
                     </a:ext>
                   </a:extLst>
                 </a:gridCol>
@@ -27851,7 +27851,7 @@
                 </a:tc>
                 <a:extLst>
                   <a:ext uri="{0D108BD9-81ED-4DB2-BD59-A6C34878D82A}">
-                    <a16:rowId xmlns:a16="http://schemas.microsoft.com/office/drawing/2014/main" xmlns="" val="10000"/>
+                    <a16:rowId xmlns="" xmlns:a16="http://schemas.microsoft.com/office/drawing/2014/main" val="10000"/>
                   </a:ext>
                 </a:extLst>
               </a:tr>
@@ -27879,7 +27879,7 @@
                 </a:tc>
                 <a:extLst>
                   <a:ext uri="{0D108BD9-81ED-4DB2-BD59-A6C34878D82A}">
-                    <a16:rowId xmlns:a16="http://schemas.microsoft.com/office/drawing/2014/main" xmlns="" val="10001"/>
+                    <a16:rowId xmlns="" xmlns:a16="http://schemas.microsoft.com/office/drawing/2014/main" val="10001"/>
                   </a:ext>
                 </a:extLst>
               </a:tr>
@@ -30123,14 +30123,14 @@
                 <a:gridCol w="280507">
                   <a:extLst>
                     <a:ext uri="{9D8B030D-6E8A-4147-A177-3AD203B41FA5}">
-                      <a16:colId xmlns:a16="http://schemas.microsoft.com/office/drawing/2014/main" xmlns="" val="20000"/>
+                      <a16:colId xmlns="" xmlns:a16="http://schemas.microsoft.com/office/drawing/2014/main" val="20000"/>
                     </a:ext>
                   </a:extLst>
                 </a:gridCol>
                 <a:gridCol w="2407792">
                   <a:extLst>
                     <a:ext uri="{9D8B030D-6E8A-4147-A177-3AD203B41FA5}">
-                      <a16:colId xmlns:a16="http://schemas.microsoft.com/office/drawing/2014/main" xmlns="" val="20001"/>
+                      <a16:colId xmlns="" xmlns:a16="http://schemas.microsoft.com/office/drawing/2014/main" val="20001"/>
                     </a:ext>
                   </a:extLst>
                 </a:gridCol>
@@ -30192,7 +30192,7 @@
                 </a:tc>
                 <a:extLst>
                   <a:ext uri="{0D108BD9-81ED-4DB2-BD59-A6C34878D82A}">
-                    <a16:rowId xmlns:a16="http://schemas.microsoft.com/office/drawing/2014/main" xmlns="" val="10000"/>
+                    <a16:rowId xmlns="" xmlns:a16="http://schemas.microsoft.com/office/drawing/2014/main" val="10000"/>
                   </a:ext>
                 </a:extLst>
               </a:tr>
@@ -30302,7 +30302,7 @@
                 </a:tc>
                 <a:extLst>
                   <a:ext uri="{0D108BD9-81ED-4DB2-BD59-A6C34878D82A}">
-                    <a16:rowId xmlns:a16="http://schemas.microsoft.com/office/drawing/2014/main" xmlns="" val="10001"/>
+                    <a16:rowId xmlns="" xmlns:a16="http://schemas.microsoft.com/office/drawing/2014/main" val="10001"/>
                   </a:ext>
                 </a:extLst>
               </a:tr>
@@ -30505,7 +30505,7 @@
                 </a:tc>
                 <a:extLst>
                   <a:ext uri="{0D108BD9-81ED-4DB2-BD59-A6C34878D82A}">
-                    <a16:rowId xmlns:a16="http://schemas.microsoft.com/office/drawing/2014/main" xmlns="" val="10002"/>
+                    <a16:rowId xmlns="" xmlns:a16="http://schemas.microsoft.com/office/drawing/2014/main" val="10002"/>
                   </a:ext>
                 </a:extLst>
               </a:tr>
@@ -30612,7 +30612,7 @@
                 </a:tc>
                 <a:extLst>
                   <a:ext uri="{0D108BD9-81ED-4DB2-BD59-A6C34878D82A}">
-                    <a16:rowId xmlns:a16="http://schemas.microsoft.com/office/drawing/2014/main" xmlns="" val="10003"/>
+                    <a16:rowId xmlns="" xmlns:a16="http://schemas.microsoft.com/office/drawing/2014/main" val="10003"/>
                   </a:ext>
                 </a:extLst>
               </a:tr>
@@ -33775,7 +33775,7 @@
                 <a:gridCol w="2692879">
                   <a:extLst>
                     <a:ext uri="{9D8B030D-6E8A-4147-A177-3AD203B41FA5}">
-                      <a16:colId xmlns:a16="http://schemas.microsoft.com/office/drawing/2014/main" xmlns="" val="20000"/>
+                      <a16:colId xmlns="" xmlns:a16="http://schemas.microsoft.com/office/drawing/2014/main" val="20000"/>
                     </a:ext>
                   </a:extLst>
                 </a:gridCol>
@@ -33807,7 +33807,7 @@
                 </a:tc>
                 <a:extLst>
                   <a:ext uri="{0D108BD9-81ED-4DB2-BD59-A6C34878D82A}">
-                    <a16:rowId xmlns:a16="http://schemas.microsoft.com/office/drawing/2014/main" xmlns="" val="10000"/>
+                    <a16:rowId xmlns="" xmlns:a16="http://schemas.microsoft.com/office/drawing/2014/main" val="10000"/>
                   </a:ext>
                 </a:extLst>
               </a:tr>
@@ -33835,7 +33835,7 @@
                 </a:tc>
                 <a:extLst>
                   <a:ext uri="{0D108BD9-81ED-4DB2-BD59-A6C34878D82A}">
-                    <a16:rowId xmlns:a16="http://schemas.microsoft.com/office/drawing/2014/main" xmlns="" val="10001"/>
+                    <a16:rowId xmlns="" xmlns:a16="http://schemas.microsoft.com/office/drawing/2014/main" val="10001"/>
                   </a:ext>
                 </a:extLst>
               </a:tr>
@@ -33869,14 +33869,14 @@
                 <a:gridCol w="280507">
                   <a:extLst>
                     <a:ext uri="{9D8B030D-6E8A-4147-A177-3AD203B41FA5}">
-                      <a16:colId xmlns:a16="http://schemas.microsoft.com/office/drawing/2014/main" xmlns="" val="20000"/>
+                      <a16:colId xmlns="" xmlns:a16="http://schemas.microsoft.com/office/drawing/2014/main" val="20000"/>
                     </a:ext>
                   </a:extLst>
                 </a:gridCol>
                 <a:gridCol w="2407792">
                   <a:extLst>
                     <a:ext uri="{9D8B030D-6E8A-4147-A177-3AD203B41FA5}">
-                      <a16:colId xmlns:a16="http://schemas.microsoft.com/office/drawing/2014/main" xmlns="" val="20001"/>
+                      <a16:colId xmlns="" xmlns:a16="http://schemas.microsoft.com/office/drawing/2014/main" val="20001"/>
                     </a:ext>
                   </a:extLst>
                 </a:gridCol>
@@ -33938,7 +33938,7 @@
                 </a:tc>
                 <a:extLst>
                   <a:ext uri="{0D108BD9-81ED-4DB2-BD59-A6C34878D82A}">
-                    <a16:rowId xmlns:a16="http://schemas.microsoft.com/office/drawing/2014/main" xmlns="" val="10000"/>
+                    <a16:rowId xmlns="" xmlns:a16="http://schemas.microsoft.com/office/drawing/2014/main" val="10000"/>
                   </a:ext>
                 </a:extLst>
               </a:tr>
@@ -34048,7 +34048,7 @@
                 </a:tc>
                 <a:extLst>
                   <a:ext uri="{0D108BD9-81ED-4DB2-BD59-A6C34878D82A}">
-                    <a16:rowId xmlns:a16="http://schemas.microsoft.com/office/drawing/2014/main" xmlns="" val="10001"/>
+                    <a16:rowId xmlns="" xmlns:a16="http://schemas.microsoft.com/office/drawing/2014/main" val="10001"/>
                   </a:ext>
                 </a:extLst>
               </a:tr>
@@ -34251,7 +34251,7 @@
                 </a:tc>
                 <a:extLst>
                   <a:ext uri="{0D108BD9-81ED-4DB2-BD59-A6C34878D82A}">
-                    <a16:rowId xmlns:a16="http://schemas.microsoft.com/office/drawing/2014/main" xmlns="" val="10002"/>
+                    <a16:rowId xmlns="" xmlns:a16="http://schemas.microsoft.com/office/drawing/2014/main" val="10002"/>
                   </a:ext>
                 </a:extLst>
               </a:tr>
@@ -34358,7 +34358,7 @@
                 </a:tc>
                 <a:extLst>
                   <a:ext uri="{0D108BD9-81ED-4DB2-BD59-A6C34878D82A}">
-                    <a16:rowId xmlns:a16="http://schemas.microsoft.com/office/drawing/2014/main" xmlns="" val="10003"/>
+                    <a16:rowId xmlns="" xmlns:a16="http://schemas.microsoft.com/office/drawing/2014/main" val="10003"/>
                   </a:ext>
                 </a:extLst>
               </a:tr>
@@ -38954,7 +38954,7 @@
                 <a:gridCol w="2688299">
                   <a:extLst>
                     <a:ext uri="{9D8B030D-6E8A-4147-A177-3AD203B41FA5}">
-                      <a16:colId xmlns:a16="http://schemas.microsoft.com/office/drawing/2014/main" xmlns="" val="20000"/>
+                      <a16:colId xmlns="" xmlns:a16="http://schemas.microsoft.com/office/drawing/2014/main" val="20000"/>
                     </a:ext>
                   </a:extLst>
                 </a:gridCol>
@@ -38986,7 +38986,7 @@
                 </a:tc>
                 <a:extLst>
                   <a:ext uri="{0D108BD9-81ED-4DB2-BD59-A6C34878D82A}">
-                    <a16:rowId xmlns:a16="http://schemas.microsoft.com/office/drawing/2014/main" xmlns="" val="10000"/>
+                    <a16:rowId xmlns="" xmlns:a16="http://schemas.microsoft.com/office/drawing/2014/main" val="10000"/>
                   </a:ext>
                 </a:extLst>
               </a:tr>
@@ -39014,7 +39014,7 @@
                 </a:tc>
                 <a:extLst>
                   <a:ext uri="{0D108BD9-81ED-4DB2-BD59-A6C34878D82A}">
-                    <a16:rowId xmlns:a16="http://schemas.microsoft.com/office/drawing/2014/main" xmlns="" val="10001"/>
+                    <a16:rowId xmlns="" xmlns:a16="http://schemas.microsoft.com/office/drawing/2014/main" val="10001"/>
                   </a:ext>
                 </a:extLst>
               </a:tr>
@@ -39038,7 +39038,7 @@
         </p:nvGraphicFramePr>
         <p:xfrm>
           <a:off x="9116585" y="2479152"/>
-          <a:ext cx="2688299" cy="1253577"/>
+          <a:ext cx="2688299" cy="1277516"/>
         </p:xfrm>
         <a:graphic>
           <a:graphicData uri="http://schemas.openxmlformats.org/drawingml/2006/table">
@@ -39048,14 +39048,14 @@
                 <a:gridCol w="280507">
                   <a:extLst>
                     <a:ext uri="{9D8B030D-6E8A-4147-A177-3AD203B41FA5}">
-                      <a16:colId xmlns:a16="http://schemas.microsoft.com/office/drawing/2014/main" xmlns="" val="20000"/>
+                      <a16:colId xmlns="" xmlns:a16="http://schemas.microsoft.com/office/drawing/2014/main" val="20000"/>
                     </a:ext>
                   </a:extLst>
                 </a:gridCol>
                 <a:gridCol w="2407792">
                   <a:extLst>
                     <a:ext uri="{9D8B030D-6E8A-4147-A177-3AD203B41FA5}">
-                      <a16:colId xmlns:a16="http://schemas.microsoft.com/office/drawing/2014/main" xmlns="" val="20001"/>
+                      <a16:colId xmlns="" xmlns:a16="http://schemas.microsoft.com/office/drawing/2014/main" val="20001"/>
                     </a:ext>
                   </a:extLst>
                 </a:gridCol>
@@ -39117,7 +39117,7 @@
                 </a:tc>
                 <a:extLst>
                   <a:ext uri="{0D108BD9-81ED-4DB2-BD59-A6C34878D82A}">
-                    <a16:rowId xmlns:a16="http://schemas.microsoft.com/office/drawing/2014/main" xmlns="" val="10000"/>
+                    <a16:rowId xmlns="" xmlns:a16="http://schemas.microsoft.com/office/drawing/2014/main" val="10000"/>
                   </a:ext>
                 </a:extLst>
               </a:tr>
@@ -39269,7 +39269,7 @@
                 </a:tc>
                 <a:extLst>
                   <a:ext uri="{0D108BD9-81ED-4DB2-BD59-A6C34878D82A}">
-                    <a16:rowId xmlns:a16="http://schemas.microsoft.com/office/drawing/2014/main" xmlns="" val="10001"/>
+                    <a16:rowId xmlns="" xmlns:a16="http://schemas.microsoft.com/office/drawing/2014/main" val="10001"/>
                   </a:ext>
                 </a:extLst>
               </a:tr>
@@ -40272,7 +40272,7 @@
                 <a:gridCol w="2688299">
                   <a:extLst>
                     <a:ext uri="{9D8B030D-6E8A-4147-A177-3AD203B41FA5}">
-                      <a16:colId xmlns:a16="http://schemas.microsoft.com/office/drawing/2014/main" xmlns="" val="20000"/>
+                      <a16:colId xmlns="" xmlns:a16="http://schemas.microsoft.com/office/drawing/2014/main" val="20000"/>
                     </a:ext>
                   </a:extLst>
                 </a:gridCol>
@@ -40304,7 +40304,7 @@
                 </a:tc>
                 <a:extLst>
                   <a:ext uri="{0D108BD9-81ED-4DB2-BD59-A6C34878D82A}">
-                    <a16:rowId xmlns:a16="http://schemas.microsoft.com/office/drawing/2014/main" xmlns="" val="10000"/>
+                    <a16:rowId xmlns="" xmlns:a16="http://schemas.microsoft.com/office/drawing/2014/main" val="10000"/>
                   </a:ext>
                 </a:extLst>
               </a:tr>
@@ -40332,7 +40332,7 @@
                 </a:tc>
                 <a:extLst>
                   <a:ext uri="{0D108BD9-81ED-4DB2-BD59-A6C34878D82A}">
-                    <a16:rowId xmlns:a16="http://schemas.microsoft.com/office/drawing/2014/main" xmlns="" val="10001"/>
+                    <a16:rowId xmlns="" xmlns:a16="http://schemas.microsoft.com/office/drawing/2014/main" val="10001"/>
                   </a:ext>
                 </a:extLst>
               </a:tr>
@@ -40354,7 +40354,9 @@
           <a:prstGeom prst="rect">
             <a:avLst/>
           </a:prstGeom>
-          <a:noFill/>
+          <a:solidFill>
+            <a:schemeClr val="bg1"/>
+          </a:solidFill>
           <a:ln w="9525">
             <a:solidFill>
               <a:schemeClr val="tx1"/>
@@ -40397,14 +40399,14 @@
           <p:nvPr>
             <p:extLst>
               <p:ext uri="{D42A27DB-BD31-4B8C-83A1-F6EECF244321}">
-                <p14:modId xmlns:p14="http://schemas.microsoft.com/office/powerpoint/2010/main" val="2646041362"/>
+                <p14:modId xmlns:p14="http://schemas.microsoft.com/office/powerpoint/2010/main" val="3608540070"/>
               </p:ext>
             </p:extLst>
           </p:nvPr>
         </p:nvGraphicFramePr>
         <p:xfrm>
-          <a:off x="9168341" y="2479152"/>
-          <a:ext cx="2688299" cy="3325450"/>
+          <a:off x="9168341" y="2469561"/>
+          <a:ext cx="2688299" cy="2289130"/>
         </p:xfrm>
         <a:graphic>
           <a:graphicData uri="http://schemas.openxmlformats.org/drawingml/2006/table">
@@ -40414,14 +40416,14 @@
                 <a:gridCol w="280507">
                   <a:extLst>
                     <a:ext uri="{9D8B030D-6E8A-4147-A177-3AD203B41FA5}">
-                      <a16:colId xmlns:a16="http://schemas.microsoft.com/office/drawing/2014/main" xmlns="" val="20000"/>
+                      <a16:colId xmlns="" xmlns:a16="http://schemas.microsoft.com/office/drawing/2014/main" val="20000"/>
                     </a:ext>
                   </a:extLst>
                 </a:gridCol>
                 <a:gridCol w="2407792">
                   <a:extLst>
                     <a:ext uri="{9D8B030D-6E8A-4147-A177-3AD203B41FA5}">
-                      <a16:colId xmlns:a16="http://schemas.microsoft.com/office/drawing/2014/main" xmlns="" val="20001"/>
+                      <a16:colId xmlns="" xmlns:a16="http://schemas.microsoft.com/office/drawing/2014/main" val="20001"/>
                     </a:ext>
                   </a:extLst>
                 </a:gridCol>
@@ -40483,7 +40485,7 @@
                 </a:tc>
                 <a:extLst>
                   <a:ext uri="{0D108BD9-81ED-4DB2-BD59-A6C34878D82A}">
-                    <a16:rowId xmlns:a16="http://schemas.microsoft.com/office/drawing/2014/main" xmlns="" val="10000"/>
+                    <a16:rowId xmlns="" xmlns:a16="http://schemas.microsoft.com/office/drawing/2014/main" val="10000"/>
                   </a:ext>
                 </a:extLst>
               </a:tr>
@@ -40561,7 +40563,7 @@
                 </a:tc>
                 <a:extLst>
                   <a:ext uri="{0D108BD9-81ED-4DB2-BD59-A6C34878D82A}">
-                    <a16:rowId xmlns:a16="http://schemas.microsoft.com/office/drawing/2014/main" xmlns="" val="10001"/>
+                    <a16:rowId xmlns="" xmlns:a16="http://schemas.microsoft.com/office/drawing/2014/main" val="10001"/>
                   </a:ext>
                 </a:extLst>
               </a:tr>
@@ -40671,7 +40673,7 @@
                 </a:tc>
                 <a:extLst>
                   <a:ext uri="{0D108BD9-81ED-4DB2-BD59-A6C34878D82A}">
-                    <a16:rowId xmlns:a16="http://schemas.microsoft.com/office/drawing/2014/main" xmlns="" val="10002"/>
+                    <a16:rowId xmlns="" xmlns:a16="http://schemas.microsoft.com/office/drawing/2014/main" val="10002"/>
                   </a:ext>
                 </a:extLst>
               </a:tr>
@@ -40837,346 +40839,14 @@
                 </a:tc>
                 <a:extLst>
                   <a:ext uri="{0D108BD9-81ED-4DB2-BD59-A6C34878D82A}">
-                    <a16:rowId xmlns:a16="http://schemas.microsoft.com/office/drawing/2014/main" xmlns="" val="10003"/>
+                    <a16:rowId xmlns="" xmlns:a16="http://schemas.microsoft.com/office/drawing/2014/main" val="10003"/>
                   </a:ext>
                 </a:extLst>
-              </a:tr>
-              <a:tr h="310054">
-                <a:tc>
-                  <a:txBody>
-                    <a:bodyPr/>
-                    <a:lstStyle/>
-                    <a:p>
-                      <a:pPr algn="ctr" latinLnBrk="1">
-                        <a:lnSpc>
-                          <a:spcPts val="1800"/>
-                        </a:lnSpc>
-                      </a:pPr>
-                      <a:r>
-                        <a:rPr lang="en-US" altLang="ko-KR" sz="1300" dirty="0" smtClean="0">
-                          <a:latin typeface="+mj-ea"/>
-                          <a:ea typeface="+mj-ea"/>
-                        </a:rPr>
-                        <a:t>4</a:t>
-                      </a:r>
-                      <a:endParaRPr lang="ko-KR" altLang="en-US" sz="1300" dirty="0">
-                        <a:latin typeface="+mj-ea"/>
-                        <a:ea typeface="+mj-ea"/>
-                      </a:endParaRPr>
-                    </a:p>
-                  </a:txBody>
-                  <a:tcPr marL="121920" marR="121920" marT="60960" marB="60960" anchor="ctr"/>
-                </a:tc>
-                <a:tc>
-                  <a:txBody>
-                    <a:bodyPr/>
-                    <a:lstStyle/>
-                    <a:p>
-                      <a:pPr algn="l" latinLnBrk="1">
-                        <a:lnSpc>
-                          <a:spcPts val="1800"/>
-                        </a:lnSpc>
-                      </a:pPr>
-                      <a:r>
-                        <a:rPr lang="ko-KR" altLang="en-US" sz="1200" b="1" kern="1200" dirty="0" smtClean="0">
-                          <a:solidFill>
-                            <a:schemeClr val="tx1"/>
-                          </a:solidFill>
-                          <a:latin typeface="+mj-ea"/>
-                          <a:ea typeface="+mn-ea"/>
-                          <a:cs typeface="+mn-cs"/>
-                        </a:rPr>
-                        <a:t>관심사 등록</a:t>
-                      </a:r>
-                      <a:endParaRPr lang="en-US" altLang="ko-KR" sz="1200" b="1" kern="1200" dirty="0" smtClean="0">
-                        <a:solidFill>
-                          <a:schemeClr val="tx1"/>
-                        </a:solidFill>
-                        <a:latin typeface="+mj-ea"/>
-                        <a:ea typeface="+mn-ea"/>
-                        <a:cs typeface="+mn-cs"/>
-                      </a:endParaRPr>
-                    </a:p>
-                    <a:p>
-                      <a:pPr marL="171450" indent="-171450" algn="l" latinLnBrk="1">
-                        <a:lnSpc>
-                          <a:spcPts val="1800"/>
-                        </a:lnSpc>
-                        <a:buFontTx/>
-                        <a:buChar char="-"/>
-                      </a:pPr>
-                      <a:r>
-                        <a:rPr lang="ko-KR" altLang="en-US" sz="1200" kern="1200" dirty="0" smtClean="0">
-                          <a:solidFill>
-                            <a:schemeClr val="tx1"/>
-                          </a:solidFill>
-                          <a:latin typeface="+mj-ea"/>
-                          <a:ea typeface="+mn-ea"/>
-                          <a:cs typeface="+mn-cs"/>
-                        </a:rPr>
-                        <a:t>최소 </a:t>
-                      </a:r>
-                      <a:r>
-                        <a:rPr lang="en-US" altLang="ko-KR" sz="1200" kern="1200" dirty="0" smtClean="0">
-                          <a:solidFill>
-                            <a:schemeClr val="tx1"/>
-                          </a:solidFill>
-                          <a:latin typeface="+mj-ea"/>
-                          <a:ea typeface="+mn-ea"/>
-                          <a:cs typeface="+mn-cs"/>
-                        </a:rPr>
-                        <a:t>1</a:t>
-                      </a:r>
-                      <a:r>
-                        <a:rPr lang="ko-KR" altLang="en-US" sz="1200" kern="1200" dirty="0" smtClean="0">
-                          <a:solidFill>
-                            <a:schemeClr val="tx1"/>
-                          </a:solidFill>
-                          <a:latin typeface="+mj-ea"/>
-                          <a:ea typeface="+mn-ea"/>
-                          <a:cs typeface="+mn-cs"/>
-                        </a:rPr>
-                        <a:t>개 이상 등록</a:t>
-                      </a:r>
-                      <a:endParaRPr lang="en-US" altLang="ko-KR" sz="1200" kern="1200" dirty="0" smtClean="0">
-                        <a:solidFill>
-                          <a:schemeClr val="tx1"/>
-                        </a:solidFill>
-                        <a:latin typeface="+mj-ea"/>
-                        <a:ea typeface="+mn-ea"/>
-                        <a:cs typeface="+mn-cs"/>
-                      </a:endParaRPr>
-                    </a:p>
-                    <a:p>
-                      <a:pPr marL="171450" indent="-171450" algn="l" latinLnBrk="1">
-                        <a:lnSpc>
-                          <a:spcPts val="1800"/>
-                        </a:lnSpc>
-                        <a:buFontTx/>
-                        <a:buChar char="-"/>
-                      </a:pPr>
-                      <a:r>
-                        <a:rPr lang="ko-KR" altLang="en-US" sz="1200" kern="1200" dirty="0" smtClean="0">
-                          <a:solidFill>
-                            <a:schemeClr val="tx1"/>
-                          </a:solidFill>
-                          <a:latin typeface="+mj-ea"/>
-                          <a:ea typeface="+mn-ea"/>
-                          <a:cs typeface="+mn-cs"/>
-                        </a:rPr>
-                        <a:t>해당 카테고리의 프로젝트 </a:t>
-                      </a:r>
-                      <a:r>
-                        <a:rPr lang="ko-KR" altLang="en-US" sz="1200" kern="1200" dirty="0" err="1" smtClean="0">
-                          <a:solidFill>
-                            <a:schemeClr val="tx1"/>
-                          </a:solidFill>
-                          <a:latin typeface="+mj-ea"/>
-                          <a:ea typeface="+mn-ea"/>
-                          <a:cs typeface="+mn-cs"/>
-                        </a:rPr>
-                        <a:t>등록시</a:t>
-                      </a:r>
-                      <a:r>
-                        <a:rPr lang="ko-KR" altLang="en-US" sz="1200" kern="1200" dirty="0" smtClean="0">
-                          <a:solidFill>
-                            <a:schemeClr val="tx1"/>
-                          </a:solidFill>
-                          <a:latin typeface="+mj-ea"/>
-                          <a:ea typeface="+mn-ea"/>
-                          <a:cs typeface="+mn-cs"/>
-                        </a:rPr>
-                        <a:t> 알림</a:t>
-                      </a:r>
-                    </a:p>
-                  </a:txBody>
-                  <a:tcPr marL="121920" marR="121920" marT="60960" marB="60960"/>
-                </a:tc>
               </a:tr>
             </a:tbl>
           </a:graphicData>
         </a:graphic>
       </p:graphicFrame>
-      <p:sp>
-        <p:nvSpPr>
-          <p:cNvPr id="21" name="직사각형 20"/>
-          <p:cNvSpPr/>
-          <p:nvPr/>
-        </p:nvSpPr>
-        <p:spPr>
-          <a:xfrm>
-            <a:off x="2746993" y="1798919"/>
-            <a:ext cx="260777" cy="334555"/>
-          </a:xfrm>
-          <a:prstGeom prst="rect">
-            <a:avLst/>
-          </a:prstGeom>
-          <a:solidFill>
-            <a:srgbClr val="FF0000"/>
-          </a:solidFill>
-          <a:ln>
-            <a:noFill/>
-          </a:ln>
-        </p:spPr>
-        <p:style>
-          <a:lnRef idx="2">
-            <a:schemeClr val="accent1">
-              <a:shade val="50000"/>
-            </a:schemeClr>
-          </a:lnRef>
-          <a:fillRef idx="1">
-            <a:schemeClr val="accent1"/>
-          </a:fillRef>
-          <a:effectRef idx="0">
-            <a:schemeClr val="accent1"/>
-          </a:effectRef>
-          <a:fontRef idx="minor">
-            <a:schemeClr val="lt1"/>
-          </a:fontRef>
-        </p:style>
-        <p:txBody>
-          <a:bodyPr rtlCol="0" anchor="ctr"/>
-          <a:lstStyle/>
-          <a:p>
-            <a:pPr algn="ctr"/>
-            <a:r>
-              <a:rPr lang="en-US" altLang="ko-KR" sz="1300" b="1" dirty="0">
-                <a:solidFill>
-                  <a:schemeClr val="bg1"/>
-                </a:solidFill>
-              </a:rPr>
-              <a:t>1</a:t>
-            </a:r>
-            <a:endParaRPr lang="ko-KR" altLang="en-US" sz="1300" b="1" dirty="0">
-              <a:solidFill>
-                <a:schemeClr val="bg1"/>
-              </a:solidFill>
-            </a:endParaRPr>
-          </a:p>
-        </p:txBody>
-      </p:sp>
-      <p:sp>
-        <p:nvSpPr>
-          <p:cNvPr id="22" name="직사각형 21"/>
-          <p:cNvSpPr/>
-          <p:nvPr/>
-        </p:nvSpPr>
-        <p:spPr>
-          <a:xfrm>
-            <a:off x="2027329" y="2653435"/>
-            <a:ext cx="260777" cy="334555"/>
-          </a:xfrm>
-          <a:prstGeom prst="rect">
-            <a:avLst/>
-          </a:prstGeom>
-          <a:solidFill>
-            <a:srgbClr val="FF0000"/>
-          </a:solidFill>
-          <a:ln>
-            <a:noFill/>
-          </a:ln>
-        </p:spPr>
-        <p:style>
-          <a:lnRef idx="2">
-            <a:schemeClr val="accent1">
-              <a:shade val="50000"/>
-            </a:schemeClr>
-          </a:lnRef>
-          <a:fillRef idx="1">
-            <a:schemeClr val="accent1"/>
-          </a:fillRef>
-          <a:effectRef idx="0">
-            <a:schemeClr val="accent1"/>
-          </a:effectRef>
-          <a:fontRef idx="minor">
-            <a:schemeClr val="lt1"/>
-          </a:fontRef>
-        </p:style>
-        <p:txBody>
-          <a:bodyPr rtlCol="0" anchor="ctr"/>
-          <a:lstStyle/>
-          <a:p>
-            <a:pPr algn="ctr"/>
-            <a:r>
-              <a:rPr lang="en-US" altLang="ko-KR" sz="1300" b="1" dirty="0">
-                <a:solidFill>
-                  <a:schemeClr val="bg1"/>
-                </a:solidFill>
-              </a:rPr>
-              <a:t>2</a:t>
-            </a:r>
-            <a:endParaRPr lang="ko-KR" altLang="en-US" sz="1300" b="1" dirty="0">
-              <a:solidFill>
-                <a:schemeClr val="bg1"/>
-              </a:solidFill>
-            </a:endParaRPr>
-          </a:p>
-        </p:txBody>
-      </p:sp>
-      <p:pic>
-        <p:nvPicPr>
-          <p:cNvPr id="3074" name="Picture 2"/>
-          <p:cNvPicPr>
-            <a:picLocks noChangeAspect="1" noChangeArrowheads="1"/>
-          </p:cNvPicPr>
-          <p:nvPr/>
-        </p:nvPicPr>
-        <p:blipFill>
-          <a:blip r:embed="rId2">
-            <a:extLst>
-              <a:ext uri="{28A0092B-C50C-407E-A947-70E740481C1C}">
-                <a14:useLocalDpi xmlns:a14="http://schemas.microsoft.com/office/drawing/2010/main" val="0"/>
-              </a:ext>
-            </a:extLst>
-          </a:blip>
-          <a:srcRect/>
-          <a:stretch>
-            <a:fillRect/>
-          </a:stretch>
-        </p:blipFill>
-        <p:spPr bwMode="auto">
-          <a:xfrm>
-            <a:off x="784593" y="1329956"/>
-            <a:ext cx="4704147" cy="4825312"/>
-          </a:xfrm>
-          <a:prstGeom prst="rect">
-            <a:avLst/>
-          </a:prstGeom>
-          <a:noFill/>
-          <a:ln>
-            <a:noFill/>
-          </a:ln>
-          <a:effectLst/>
-          <a:extLst>
-            <a:ext uri="{909E8E84-426E-40DD-AFC4-6F175D3DCCD1}">
-              <a14:hiddenFill xmlns:a14="http://schemas.microsoft.com/office/drawing/2010/main">
-                <a:solidFill>
-                  <a:schemeClr val="accent1"/>
-                </a:solidFill>
-              </a14:hiddenFill>
-            </a:ext>
-            <a:ext uri="{91240B29-F687-4F45-9708-019B960494DF}">
-              <a14:hiddenLine xmlns:a14="http://schemas.microsoft.com/office/drawing/2010/main" w="9525">
-                <a:solidFill>
-                  <a:schemeClr val="tx1"/>
-                </a:solidFill>
-                <a:miter lim="800000"/>
-                <a:headEnd/>
-                <a:tailEnd/>
-              </a14:hiddenLine>
-            </a:ext>
-            <a:ext uri="{AF507438-7753-43E0-B8FC-AC1667EBCBE1}">
-              <a14:hiddenEffects xmlns:a14="http://schemas.microsoft.com/office/drawing/2010/main">
-                <a:effectLst>
-                  <a:outerShdw dist="35921" dir="2700000" algn="ctr" rotWithShape="0">
-                    <a:schemeClr val="bg2"/>
-                  </a:outerShdw>
-                </a:effectLst>
-              </a14:hiddenEffects>
-            </a:ext>
-          </a:extLst>
-        </p:spPr>
-      </p:pic>
       <p:sp>
         <p:nvSpPr>
           <p:cNvPr id="25" name="직사각형 24"/>
@@ -41243,7 +40913,7 @@
         </p:nvSpPr>
         <p:spPr>
           <a:xfrm>
-            <a:off x="3648534" y="2903461"/>
+            <a:off x="3648534" y="2994412"/>
             <a:ext cx="260777" cy="334555"/>
           </a:xfrm>
           <a:prstGeom prst="rect">
@@ -41301,7 +40971,7 @@
         </p:nvSpPr>
         <p:spPr>
           <a:xfrm>
-            <a:off x="3644857" y="3446199"/>
+            <a:off x="3648534" y="3694952"/>
             <a:ext cx="260777" cy="334555"/>
           </a:xfrm>
           <a:prstGeom prst="rect">
@@ -41351,1497 +41021,1425 @@
           </a:p>
         </p:txBody>
       </p:sp>
-      <p:sp>
-        <p:nvSpPr>
-          <p:cNvPr id="28" name="직사각형 27"/>
-          <p:cNvSpPr/>
+      <p:grpSp>
+        <p:nvGrpSpPr>
+          <p:cNvPr id="10" name="그룹 9"/>
+          <p:cNvGrpSpPr/>
           <p:nvPr/>
-        </p:nvSpPr>
-        <p:spPr>
+        </p:nvGrpSpPr>
+        <p:grpSpPr>
           <a:xfrm>
-            <a:off x="3644862" y="5272282"/>
-            <a:ext cx="260777" cy="334555"/>
+            <a:off x="4053783" y="1521862"/>
+            <a:ext cx="2394998" cy="4707371"/>
+            <a:chOff x="6503686" y="1494016"/>
+            <a:chExt cx="2394998" cy="4707371"/>
           </a:xfrm>
-          <a:prstGeom prst="rect">
-            <a:avLst/>
-          </a:prstGeom>
-          <a:solidFill>
-            <a:srgbClr val="FF0000"/>
-          </a:solidFill>
-          <a:ln>
-            <a:noFill/>
-          </a:ln>
-        </p:spPr>
-        <p:style>
-          <a:lnRef idx="2">
-            <a:schemeClr val="accent1">
-              <a:shade val="50000"/>
-            </a:schemeClr>
-          </a:lnRef>
-          <a:fillRef idx="1">
-            <a:schemeClr val="accent1"/>
-          </a:fillRef>
-          <a:effectRef idx="0">
-            <a:schemeClr val="accent1"/>
-          </a:effectRef>
-          <a:fontRef idx="minor">
-            <a:schemeClr val="lt1"/>
-          </a:fontRef>
-        </p:style>
-        <p:txBody>
-          <a:bodyPr rtlCol="0" anchor="ctr"/>
-          <a:lstStyle/>
-          <a:p>
-            <a:pPr algn="ctr"/>
-            <a:r>
-              <a:rPr lang="en-US" altLang="ko-KR" sz="1300" b="1" dirty="0">
-                <a:solidFill>
-                  <a:schemeClr val="bg1"/>
-                </a:solidFill>
-              </a:rPr>
-              <a:t>4</a:t>
-            </a:r>
-            <a:endParaRPr lang="ko-KR" altLang="en-US" sz="1300" b="1" dirty="0">
+        </p:grpSpPr>
+        <p:sp>
+          <p:nvSpPr>
+            <p:cNvPr id="3" name="타원 2"/>
+            <p:cNvSpPr/>
+            <p:nvPr/>
+          </p:nvSpPr>
+          <p:spPr>
+            <a:xfrm>
+              <a:off x="7435063" y="1927085"/>
+              <a:ext cx="481727" cy="481786"/>
+            </a:xfrm>
+            <a:prstGeom prst="ellipse">
+              <a:avLst/>
+            </a:prstGeom>
+            <a:solidFill>
+              <a:schemeClr val="bg1"/>
+            </a:solidFill>
+            <a:ln>
+              <a:solidFill>
+                <a:schemeClr val="tx1"/>
+              </a:solidFill>
+            </a:ln>
+          </p:spPr>
+          <p:style>
+            <a:lnRef idx="2">
+              <a:schemeClr val="accent1">
+                <a:shade val="50000"/>
+              </a:schemeClr>
+            </a:lnRef>
+            <a:fillRef idx="1">
+              <a:schemeClr val="accent1"/>
+            </a:fillRef>
+            <a:effectRef idx="0">
+              <a:schemeClr val="accent1"/>
+            </a:effectRef>
+            <a:fontRef idx="minor">
+              <a:schemeClr val="lt1"/>
+            </a:fontRef>
+          </p:style>
+          <p:txBody>
+            <a:bodyPr rtlCol="0" anchor="ctr"/>
+            <a:lstStyle/>
+            <a:p>
+              <a:pPr algn="ctr"/>
+              <a:endParaRPr lang="ko-KR" altLang="en-US">
+                <a:solidFill>
+                  <a:srgbClr val="FF9E00"/>
+                </a:solidFill>
+              </a:endParaRPr>
+            </a:p>
+          </p:txBody>
+        </p:sp>
+        <p:sp>
+          <p:nvSpPr>
+            <p:cNvPr id="29" name="직사각형 28"/>
+            <p:cNvSpPr/>
+            <p:nvPr/>
+          </p:nvSpPr>
+          <p:spPr>
+            <a:xfrm>
+              <a:off x="6520938" y="1726524"/>
+              <a:ext cx="716631" cy="132778"/>
+            </a:xfrm>
+            <a:prstGeom prst="rect">
+              <a:avLst/>
+            </a:prstGeom>
+            <a:solidFill>
+              <a:schemeClr val="bg1"/>
+            </a:solidFill>
+            <a:ln>
               <a:solidFill>
                 <a:schemeClr val="bg1"/>
               </a:solidFill>
-            </a:endParaRPr>
-          </a:p>
-        </p:txBody>
-      </p:sp>
-      <p:pic>
-        <p:nvPicPr>
-          <p:cNvPr id="30" name="Picture 4"/>
-          <p:cNvPicPr>
-            <a:picLocks noChangeAspect="1" noChangeArrowheads="1"/>
-          </p:cNvPicPr>
-          <p:nvPr/>
-        </p:nvPicPr>
-        <p:blipFill>
-          <a:blip r:embed="rId3">
-            <a:extLst>
-              <a:ext uri="{28A0092B-C50C-407E-A947-70E740481C1C}">
-                <a14:useLocalDpi xmlns:a14="http://schemas.microsoft.com/office/drawing/2010/main" val="0"/>
-              </a:ext>
-            </a:extLst>
-          </a:blip>
-          <a:srcRect/>
-          <a:stretch>
-            <a:fillRect/>
-          </a:stretch>
-        </p:blipFill>
-        <p:spPr bwMode="auto">
-          <a:xfrm>
-            <a:off x="3778923" y="5698650"/>
-            <a:ext cx="2655744" cy="456618"/>
-          </a:xfrm>
-          <a:prstGeom prst="rect">
-            <a:avLst/>
-          </a:prstGeom>
-          <a:noFill/>
-          <a:ln>
-            <a:noFill/>
-          </a:ln>
-          <a:effectLst/>
-          <a:extLst>
-            <a:ext uri="{909E8E84-426E-40DD-AFC4-6F175D3DCCD1}">
-              <a14:hiddenFill xmlns:a14="http://schemas.microsoft.com/office/drawing/2010/main">
-                <a:solidFill>
-                  <a:schemeClr val="accent1"/>
-                </a:solidFill>
-              </a14:hiddenFill>
-            </a:ext>
-            <a:ext uri="{91240B29-F687-4F45-9708-019B960494DF}">
-              <a14:hiddenLine xmlns:a14="http://schemas.microsoft.com/office/drawing/2010/main" w="9525">
-                <a:solidFill>
-                  <a:schemeClr val="tx1"/>
-                </a:solidFill>
-                <a:miter lim="800000"/>
-                <a:headEnd/>
-                <a:tailEnd/>
-              </a14:hiddenLine>
-            </a:ext>
-            <a:ext uri="{AF507438-7753-43E0-B8FC-AC1667EBCBE1}">
-              <a14:hiddenEffects xmlns:a14="http://schemas.microsoft.com/office/drawing/2010/main">
-                <a:effectLst>
-                  <a:outerShdw dist="35921" dir="2700000" algn="ctr" rotWithShape="0">
-                    <a:schemeClr val="bg2"/>
-                  </a:outerShdw>
-                </a:effectLst>
-              </a14:hiddenEffects>
-            </a:ext>
-          </a:extLst>
-        </p:spPr>
-      </p:pic>
-      <p:pic>
-        <p:nvPicPr>
-          <p:cNvPr id="3075" name="Picture 3"/>
-          <p:cNvPicPr>
-            <a:picLocks noChangeAspect="1" noChangeArrowheads="1"/>
-          </p:cNvPicPr>
-          <p:nvPr/>
-        </p:nvPicPr>
-        <p:blipFill>
-          <a:blip r:embed="rId4">
-            <a:extLst>
-              <a:ext uri="{28A0092B-C50C-407E-A947-70E740481C1C}">
-                <a14:useLocalDpi xmlns:a14="http://schemas.microsoft.com/office/drawing/2010/main" val="0"/>
-              </a:ext>
-            </a:extLst>
-          </a:blip>
-          <a:srcRect/>
-          <a:stretch>
-            <a:fillRect/>
-          </a:stretch>
-        </p:blipFill>
-        <p:spPr bwMode="auto">
-          <a:xfrm>
-            <a:off x="2026627" y="2686155"/>
-            <a:ext cx="2220078" cy="3240804"/>
-          </a:xfrm>
-          <a:prstGeom prst="rect">
-            <a:avLst/>
-          </a:prstGeom>
-          <a:noFill/>
-          <a:ln>
-            <a:noFill/>
-          </a:ln>
-          <a:effectLst/>
-          <a:extLst>
-            <a:ext uri="{909E8E84-426E-40DD-AFC4-6F175D3DCCD1}">
-              <a14:hiddenFill xmlns:a14="http://schemas.microsoft.com/office/drawing/2010/main">
-                <a:solidFill>
-                  <a:schemeClr val="accent1"/>
-                </a:solidFill>
-              </a14:hiddenFill>
-            </a:ext>
-            <a:ext uri="{91240B29-F687-4F45-9708-019B960494DF}">
-              <a14:hiddenLine xmlns:a14="http://schemas.microsoft.com/office/drawing/2010/main" w="9525">
-                <a:solidFill>
-                  <a:schemeClr val="tx1"/>
-                </a:solidFill>
-                <a:miter lim="800000"/>
-                <a:headEnd/>
-                <a:tailEnd/>
-              </a14:hiddenLine>
-            </a:ext>
-            <a:ext uri="{AF507438-7753-43E0-B8FC-AC1667EBCBE1}">
-              <a14:hiddenEffects xmlns:a14="http://schemas.microsoft.com/office/drawing/2010/main">
-                <a:effectLst>
-                  <a:outerShdw dist="35921" dir="2700000" algn="ctr" rotWithShape="0">
-                    <a:schemeClr val="bg2"/>
-                  </a:outerShdw>
-                </a:effectLst>
-              </a14:hiddenEffects>
-            </a:ext>
-          </a:extLst>
-        </p:spPr>
-      </p:pic>
-      <p:pic>
-        <p:nvPicPr>
-          <p:cNvPr id="7" name="Picture 4"/>
-          <p:cNvPicPr>
-            <a:picLocks noChangeAspect="1" noChangeArrowheads="1"/>
-          </p:cNvPicPr>
-          <p:nvPr/>
-        </p:nvPicPr>
-        <p:blipFill>
-          <a:blip r:embed="rId5">
-            <a:extLst>
-              <a:ext uri="{28A0092B-C50C-407E-A947-70E740481C1C}">
-                <a14:useLocalDpi xmlns:a14="http://schemas.microsoft.com/office/drawing/2010/main" val="0"/>
-              </a:ext>
-            </a:extLst>
-          </a:blip>
-          <a:srcRect/>
-          <a:stretch>
-            <a:fillRect/>
-          </a:stretch>
-        </p:blipFill>
-        <p:spPr bwMode="auto">
-          <a:xfrm>
-            <a:off x="4009039" y="5926959"/>
-            <a:ext cx="2129293" cy="313991"/>
-          </a:xfrm>
-          <a:prstGeom prst="rect">
-            <a:avLst/>
-          </a:prstGeom>
-          <a:noFill/>
-          <a:ln>
-            <a:noFill/>
-          </a:ln>
-          <a:effectLst/>
-          <a:extLst>
-            <a:ext uri="{909E8E84-426E-40DD-AFC4-6F175D3DCCD1}">
-              <a14:hiddenFill xmlns:a14="http://schemas.microsoft.com/office/drawing/2010/main">
-                <a:solidFill>
-                  <a:schemeClr val="accent1"/>
-                </a:solidFill>
-              </a14:hiddenFill>
-            </a:ext>
-            <a:ext uri="{91240B29-F687-4F45-9708-019B960494DF}">
-              <a14:hiddenLine xmlns:a14="http://schemas.microsoft.com/office/drawing/2010/main" w="9525">
-                <a:solidFill>
-                  <a:schemeClr val="tx1"/>
-                </a:solidFill>
-                <a:miter lim="800000"/>
-                <a:headEnd/>
-                <a:tailEnd/>
-              </a14:hiddenLine>
-            </a:ext>
-            <a:ext uri="{AF507438-7753-43E0-B8FC-AC1667EBCBE1}">
-              <a14:hiddenEffects xmlns:a14="http://schemas.microsoft.com/office/drawing/2010/main">
-                <a:effectLst>
-                  <a:outerShdw dist="35921" dir="2700000" algn="ctr" rotWithShape="0">
-                    <a:schemeClr val="bg2"/>
-                  </a:outerShdw>
-                </a:effectLst>
-              </a14:hiddenEffects>
-            </a:ext>
-          </a:extLst>
-        </p:spPr>
-      </p:pic>
-      <p:sp>
-        <p:nvSpPr>
-          <p:cNvPr id="3" name="타원 2"/>
-          <p:cNvSpPr/>
-          <p:nvPr/>
-        </p:nvSpPr>
-        <p:spPr>
-          <a:xfrm>
-            <a:off x="7409185" y="1927085"/>
-            <a:ext cx="481727" cy="481786"/>
-          </a:xfrm>
-          <a:prstGeom prst="ellipse">
-            <a:avLst/>
-          </a:prstGeom>
-          <a:solidFill>
-            <a:schemeClr val="bg1"/>
-          </a:solidFill>
-          <a:ln>
-            <a:solidFill>
-              <a:schemeClr val="tx1"/>
-            </a:solidFill>
-          </a:ln>
-        </p:spPr>
-        <p:style>
-          <a:lnRef idx="2">
-            <a:schemeClr val="accent1">
-              <a:shade val="50000"/>
-            </a:schemeClr>
-          </a:lnRef>
-          <a:fillRef idx="1">
-            <a:schemeClr val="accent1"/>
-          </a:fillRef>
-          <a:effectRef idx="0">
-            <a:schemeClr val="accent1"/>
-          </a:effectRef>
-          <a:fontRef idx="minor">
-            <a:schemeClr val="lt1"/>
-          </a:fontRef>
-        </p:style>
-        <p:txBody>
-          <a:bodyPr rtlCol="0" anchor="ctr"/>
-          <a:lstStyle/>
-          <a:p>
-            <a:pPr algn="ctr"/>
-            <a:endParaRPr lang="ko-KR" altLang="en-US">
-              <a:solidFill>
-                <a:srgbClr val="FF9E00"/>
-              </a:solidFill>
-            </a:endParaRPr>
-          </a:p>
-        </p:txBody>
-      </p:sp>
-      <p:sp>
-        <p:nvSpPr>
-          <p:cNvPr id="29" name="직사각형 28"/>
-          <p:cNvSpPr/>
-          <p:nvPr/>
-        </p:nvSpPr>
-        <p:spPr>
-          <a:xfrm>
-            <a:off x="6520938" y="1726524"/>
-            <a:ext cx="716631" cy="132778"/>
-          </a:xfrm>
-          <a:prstGeom prst="rect">
-            <a:avLst/>
-          </a:prstGeom>
-          <a:solidFill>
-            <a:schemeClr val="bg1"/>
-          </a:solidFill>
-          <a:ln>
-            <a:solidFill>
-              <a:schemeClr val="bg1"/>
-            </a:solidFill>
-          </a:ln>
-        </p:spPr>
-        <p:style>
-          <a:lnRef idx="2">
-            <a:schemeClr val="accent1">
-              <a:shade val="50000"/>
-            </a:schemeClr>
-          </a:lnRef>
-          <a:fillRef idx="1">
-            <a:schemeClr val="accent1"/>
-          </a:fillRef>
-          <a:effectRef idx="0">
-            <a:schemeClr val="accent1"/>
-          </a:effectRef>
-          <a:fontRef idx="minor">
-            <a:schemeClr val="lt1"/>
-          </a:fontRef>
-        </p:style>
-        <p:txBody>
-          <a:bodyPr rtlCol="0" anchor="ctr"/>
-          <a:lstStyle/>
-          <a:p>
-            <a:r>
-              <a:rPr lang="ko-KR" altLang="en-US" sz="700" dirty="0" smtClean="0">
+            </a:ln>
+          </p:spPr>
+          <p:style>
+            <a:lnRef idx="2">
+              <a:schemeClr val="accent1">
+                <a:shade val="50000"/>
+              </a:schemeClr>
+            </a:lnRef>
+            <a:fillRef idx="1">
+              <a:schemeClr val="accent1"/>
+            </a:fillRef>
+            <a:effectRef idx="0">
+              <a:schemeClr val="accent1"/>
+            </a:effectRef>
+            <a:fontRef idx="minor">
+              <a:schemeClr val="lt1"/>
+            </a:fontRef>
+          </p:style>
+          <p:txBody>
+            <a:bodyPr rtlCol="0" anchor="ctr"/>
+            <a:lstStyle/>
+            <a:p>
+              <a:r>
+                <a:rPr lang="ko-KR" altLang="en-US" sz="700" dirty="0" smtClean="0">
+                  <a:solidFill>
+                    <a:schemeClr val="tx1">
+                      <a:lumMod val="65000"/>
+                      <a:lumOff val="35000"/>
+                    </a:schemeClr>
+                  </a:solidFill>
+                </a:rPr>
+                <a:t>프로필 사진</a:t>
+              </a:r>
+              <a:endParaRPr lang="ko-KR" altLang="en-US" sz="700" dirty="0">
                 <a:solidFill>
                   <a:schemeClr val="tx1">
                     <a:lumMod val="65000"/>
                     <a:lumOff val="35000"/>
                   </a:schemeClr>
                 </a:solidFill>
-              </a:rPr>
-              <a:t>프로필 사진</a:t>
-            </a:r>
-            <a:endParaRPr lang="ko-KR" altLang="en-US" sz="700" dirty="0">
-              <a:solidFill>
-                <a:schemeClr val="tx1">
-                  <a:lumMod val="65000"/>
-                  <a:lumOff val="35000"/>
-                </a:schemeClr>
-              </a:solidFill>
-            </a:endParaRPr>
-          </a:p>
-        </p:txBody>
-      </p:sp>
-      <p:sp>
-        <p:nvSpPr>
-          <p:cNvPr id="31" name="직사각형 30"/>
-          <p:cNvSpPr/>
-          <p:nvPr/>
-        </p:nvSpPr>
-        <p:spPr>
-          <a:xfrm>
-            <a:off x="6503686" y="1494016"/>
-            <a:ext cx="1078936" cy="132778"/>
-          </a:xfrm>
-          <a:prstGeom prst="rect">
-            <a:avLst/>
-          </a:prstGeom>
-          <a:solidFill>
-            <a:schemeClr val="bg1"/>
-          </a:solidFill>
-          <a:ln>
+              </a:endParaRPr>
+            </a:p>
+          </p:txBody>
+        </p:sp>
+        <p:sp>
+          <p:nvSpPr>
+            <p:cNvPr id="31" name="직사각형 30"/>
+            <p:cNvSpPr/>
+            <p:nvPr/>
+          </p:nvSpPr>
+          <p:spPr>
+            <a:xfrm>
+              <a:off x="6503686" y="1494016"/>
+              <a:ext cx="1078936" cy="132778"/>
+            </a:xfrm>
+            <a:prstGeom prst="rect">
+              <a:avLst/>
+            </a:prstGeom>
             <a:solidFill>
               <a:schemeClr val="bg1"/>
             </a:solidFill>
-          </a:ln>
-        </p:spPr>
-        <p:style>
-          <a:lnRef idx="2">
-            <a:schemeClr val="accent1">
-              <a:shade val="50000"/>
-            </a:schemeClr>
-          </a:lnRef>
-          <a:fillRef idx="1">
-            <a:schemeClr val="accent1"/>
-          </a:fillRef>
-          <a:effectRef idx="0">
-            <a:schemeClr val="accent1"/>
-          </a:effectRef>
-          <a:fontRef idx="minor">
-            <a:schemeClr val="lt1"/>
-          </a:fontRef>
-        </p:style>
-        <p:txBody>
-          <a:bodyPr rtlCol="0" anchor="ctr"/>
-          <a:lstStyle/>
-          <a:p>
-            <a:r>
-              <a:rPr lang="ko-KR" altLang="en-US" sz="900" b="1" dirty="0" smtClean="0">
+            <a:ln>
+              <a:solidFill>
+                <a:schemeClr val="bg1"/>
+              </a:solidFill>
+            </a:ln>
+          </p:spPr>
+          <p:style>
+            <a:lnRef idx="2">
+              <a:schemeClr val="accent1">
+                <a:shade val="50000"/>
+              </a:schemeClr>
+            </a:lnRef>
+            <a:fillRef idx="1">
+              <a:schemeClr val="accent1"/>
+            </a:fillRef>
+            <a:effectRef idx="0">
+              <a:schemeClr val="accent1"/>
+            </a:effectRef>
+            <a:fontRef idx="minor">
+              <a:schemeClr val="lt1"/>
+            </a:fontRef>
+          </p:style>
+          <p:txBody>
+            <a:bodyPr rtlCol="0" anchor="ctr"/>
+            <a:lstStyle/>
+            <a:p>
+              <a:r>
+                <a:rPr lang="ko-KR" altLang="en-US" sz="900" b="1" dirty="0" smtClean="0">
+                  <a:solidFill>
+                    <a:schemeClr val="tx1">
+                      <a:lumMod val="65000"/>
+                      <a:lumOff val="35000"/>
+                    </a:schemeClr>
+                  </a:solidFill>
+                </a:rPr>
+                <a:t>프로필 정보 설정</a:t>
+              </a:r>
+              <a:endParaRPr lang="en-US" altLang="ko-KR" sz="900" b="1" dirty="0" smtClean="0">
                 <a:solidFill>
                   <a:schemeClr val="tx1">
                     <a:lumMod val="65000"/>
                     <a:lumOff val="35000"/>
                   </a:schemeClr>
                 </a:solidFill>
-              </a:rPr>
-              <a:t>프로필 정보 설정</a:t>
-            </a:r>
-            <a:endParaRPr lang="en-US" altLang="ko-KR" sz="900" b="1" dirty="0" smtClean="0">
-              <a:solidFill>
-                <a:schemeClr val="tx1">
-                  <a:lumMod val="65000"/>
-                  <a:lumOff val="35000"/>
-                </a:schemeClr>
-              </a:solidFill>
-            </a:endParaRPr>
-          </a:p>
-        </p:txBody>
-      </p:sp>
-      <p:sp>
-        <p:nvSpPr>
-          <p:cNvPr id="32" name="직사각형 31"/>
-          <p:cNvSpPr/>
-          <p:nvPr/>
-        </p:nvSpPr>
-        <p:spPr>
-          <a:xfrm>
-            <a:off x="7316402" y="2521962"/>
-            <a:ext cx="877479" cy="132778"/>
-          </a:xfrm>
-          <a:prstGeom prst="rect">
-            <a:avLst/>
-          </a:prstGeom>
-          <a:solidFill>
-            <a:schemeClr val="bg1"/>
-          </a:solidFill>
-          <a:ln>
+              </a:endParaRPr>
+            </a:p>
+          </p:txBody>
+        </p:sp>
+        <p:sp>
+          <p:nvSpPr>
+            <p:cNvPr id="32" name="직사각형 31"/>
+            <p:cNvSpPr/>
+            <p:nvPr/>
+          </p:nvSpPr>
+          <p:spPr>
+            <a:xfrm>
+              <a:off x="7316402" y="2521962"/>
+              <a:ext cx="877479" cy="132778"/>
+            </a:xfrm>
+            <a:prstGeom prst="rect">
+              <a:avLst/>
+            </a:prstGeom>
             <a:solidFill>
               <a:schemeClr val="bg1"/>
             </a:solidFill>
-          </a:ln>
-        </p:spPr>
-        <p:style>
-          <a:lnRef idx="2">
-            <a:schemeClr val="accent1">
-              <a:shade val="50000"/>
-            </a:schemeClr>
-          </a:lnRef>
-          <a:fillRef idx="1">
-            <a:schemeClr val="accent1"/>
-          </a:fillRef>
-          <a:effectRef idx="0">
-            <a:schemeClr val="accent1"/>
-          </a:effectRef>
-          <a:fontRef idx="minor">
-            <a:schemeClr val="lt1"/>
-          </a:fontRef>
-        </p:style>
-        <p:txBody>
-          <a:bodyPr rtlCol="0" anchor="ctr"/>
-          <a:lstStyle/>
-          <a:p>
-            <a:r>
-              <a:rPr lang="ko-KR" altLang="en-US" sz="700" u="sng" dirty="0" smtClean="0">
+            <a:ln>
+              <a:solidFill>
+                <a:schemeClr val="bg1"/>
+              </a:solidFill>
+            </a:ln>
+          </p:spPr>
+          <p:style>
+            <a:lnRef idx="2">
+              <a:schemeClr val="accent1">
+                <a:shade val="50000"/>
+              </a:schemeClr>
+            </a:lnRef>
+            <a:fillRef idx="1">
+              <a:schemeClr val="accent1"/>
+            </a:fillRef>
+            <a:effectRef idx="0">
+              <a:schemeClr val="accent1"/>
+            </a:effectRef>
+            <a:fontRef idx="minor">
+              <a:schemeClr val="lt1"/>
+            </a:fontRef>
+          </p:style>
+          <p:txBody>
+            <a:bodyPr rtlCol="0" anchor="ctr"/>
+            <a:lstStyle/>
+            <a:p>
+              <a:r>
+                <a:rPr lang="ko-KR" altLang="en-US" sz="700" u="sng" dirty="0" smtClean="0">
+                  <a:solidFill>
+                    <a:schemeClr val="tx1">
+                      <a:lumMod val="65000"/>
+                      <a:lumOff val="35000"/>
+                    </a:schemeClr>
+                  </a:solidFill>
+                </a:rPr>
+                <a:t>바꾸기</a:t>
+              </a:r>
+              <a:r>
+                <a:rPr lang="ko-KR" altLang="en-US" sz="700" dirty="0" smtClean="0">
+                  <a:solidFill>
+                    <a:schemeClr val="tx1">
+                      <a:lumMod val="65000"/>
+                      <a:lumOff val="35000"/>
+                    </a:schemeClr>
+                  </a:solidFill>
+                </a:rPr>
+                <a:t>   </a:t>
+              </a:r>
+              <a:r>
+                <a:rPr lang="ko-KR" altLang="en-US" sz="700" u="sng" dirty="0" smtClean="0">
+                  <a:solidFill>
+                    <a:schemeClr val="tx1">
+                      <a:lumMod val="65000"/>
+                      <a:lumOff val="35000"/>
+                    </a:schemeClr>
+                  </a:solidFill>
+                </a:rPr>
+                <a:t>삭제</a:t>
+              </a:r>
+              <a:endParaRPr lang="ko-KR" altLang="en-US" sz="700" u="sng" dirty="0">
                 <a:solidFill>
                   <a:schemeClr val="tx1">
                     <a:lumMod val="65000"/>
                     <a:lumOff val="35000"/>
                   </a:schemeClr>
                 </a:solidFill>
-              </a:rPr>
-              <a:t>바꾸기</a:t>
-            </a:r>
-            <a:r>
-              <a:rPr lang="ko-KR" altLang="en-US" sz="700" dirty="0" smtClean="0">
+              </a:endParaRPr>
+            </a:p>
+          </p:txBody>
+        </p:sp>
+        <p:sp>
+          <p:nvSpPr>
+            <p:cNvPr id="33" name="직사각형 32"/>
+            <p:cNvSpPr/>
+            <p:nvPr/>
+          </p:nvSpPr>
+          <p:spPr>
+            <a:xfrm>
+              <a:off x="6520938" y="2863838"/>
+              <a:ext cx="716631" cy="132778"/>
+            </a:xfrm>
+            <a:prstGeom prst="rect">
+              <a:avLst/>
+            </a:prstGeom>
+            <a:solidFill>
+              <a:schemeClr val="bg1"/>
+            </a:solidFill>
+            <a:ln>
+              <a:solidFill>
+                <a:schemeClr val="bg1"/>
+              </a:solidFill>
+            </a:ln>
+          </p:spPr>
+          <p:style>
+            <a:lnRef idx="2">
+              <a:schemeClr val="accent1">
+                <a:shade val="50000"/>
+              </a:schemeClr>
+            </a:lnRef>
+            <a:fillRef idx="1">
+              <a:schemeClr val="accent1"/>
+            </a:fillRef>
+            <a:effectRef idx="0">
+              <a:schemeClr val="accent1"/>
+            </a:effectRef>
+            <a:fontRef idx="minor">
+              <a:schemeClr val="lt1"/>
+            </a:fontRef>
+          </p:style>
+          <p:txBody>
+            <a:bodyPr rtlCol="0" anchor="ctr"/>
+            <a:lstStyle/>
+            <a:p>
+              <a:r>
+                <a:rPr lang="ko-KR" altLang="en-US" sz="750" b="1" dirty="0" err="1" smtClean="0">
+                  <a:solidFill>
+                    <a:schemeClr val="tx1">
+                      <a:lumMod val="65000"/>
+                      <a:lumOff val="35000"/>
+                    </a:schemeClr>
+                  </a:solidFill>
+                </a:rPr>
+                <a:t>이메일</a:t>
+              </a:r>
+              <a:r>
+                <a:rPr lang="en-US" altLang="ko-KR" sz="750" b="1" dirty="0">
+                  <a:solidFill>
+                    <a:schemeClr val="tx1">
+                      <a:lumMod val="65000"/>
+                      <a:lumOff val="35000"/>
+                    </a:schemeClr>
+                  </a:solidFill>
+                </a:rPr>
+                <a:t> </a:t>
+              </a:r>
+              <a:r>
+                <a:rPr lang="ko-KR" altLang="en-US" sz="750" b="1" dirty="0" smtClean="0">
+                  <a:solidFill>
+                    <a:schemeClr val="tx1">
+                      <a:lumMod val="65000"/>
+                      <a:lumOff val="35000"/>
+                    </a:schemeClr>
+                  </a:solidFill>
+                </a:rPr>
+                <a:t>주소</a:t>
+              </a:r>
+              <a:endParaRPr lang="ko-KR" altLang="en-US" sz="750" b="1" dirty="0">
                 <a:solidFill>
                   <a:schemeClr val="tx1">
                     <a:lumMod val="65000"/>
                     <a:lumOff val="35000"/>
                   </a:schemeClr>
                 </a:solidFill>
-              </a:rPr>
-              <a:t>   </a:t>
-            </a:r>
-            <a:r>
-              <a:rPr lang="ko-KR" altLang="en-US" sz="700" u="sng" dirty="0" smtClean="0">
+              </a:endParaRPr>
+            </a:p>
+          </p:txBody>
+        </p:sp>
+        <p:sp>
+          <p:nvSpPr>
+            <p:cNvPr id="8" name="직사각형 7"/>
+            <p:cNvSpPr/>
+            <p:nvPr/>
+          </p:nvSpPr>
+          <p:spPr>
+            <a:xfrm>
+              <a:off x="6607837" y="3070738"/>
+              <a:ext cx="2290847" cy="276311"/>
+            </a:xfrm>
+            <a:prstGeom prst="rect">
+              <a:avLst/>
+            </a:prstGeom>
+            <a:solidFill>
+              <a:schemeClr val="bg1">
+                <a:lumMod val="95000"/>
+              </a:schemeClr>
+            </a:solidFill>
+            <a:ln>
+              <a:solidFill>
+                <a:schemeClr val="bg1">
+                  <a:lumMod val="50000"/>
+                </a:schemeClr>
+              </a:solidFill>
+            </a:ln>
+          </p:spPr>
+          <p:style>
+            <a:lnRef idx="2">
+              <a:schemeClr val="accent1">
+                <a:shade val="50000"/>
+              </a:schemeClr>
+            </a:lnRef>
+            <a:fillRef idx="1">
+              <a:schemeClr val="accent1"/>
+            </a:fillRef>
+            <a:effectRef idx="0">
+              <a:schemeClr val="accent1"/>
+            </a:effectRef>
+            <a:fontRef idx="minor">
+              <a:schemeClr val="lt1"/>
+            </a:fontRef>
+          </p:style>
+          <p:txBody>
+            <a:bodyPr rtlCol="0" anchor="ctr"/>
+            <a:lstStyle/>
+            <a:p>
+              <a:r>
+                <a:rPr lang="en-US" altLang="ko-KR" sz="800" dirty="0" smtClean="0">
+                  <a:solidFill>
+                    <a:schemeClr val="tx1"/>
+                  </a:solidFill>
+                </a:rPr>
+                <a:t>shryu1220@naver.com</a:t>
+              </a:r>
+              <a:endParaRPr lang="ko-KR" altLang="en-US" sz="800" dirty="0">
+                <a:solidFill>
+                  <a:schemeClr val="tx1"/>
+                </a:solidFill>
+              </a:endParaRPr>
+            </a:p>
+          </p:txBody>
+        </p:sp>
+        <p:sp>
+          <p:nvSpPr>
+            <p:cNvPr id="34" name="직사각형 33"/>
+            <p:cNvSpPr/>
+            <p:nvPr/>
+          </p:nvSpPr>
+          <p:spPr>
+            <a:xfrm>
+              <a:off x="6520938" y="3489329"/>
+              <a:ext cx="716631" cy="132778"/>
+            </a:xfrm>
+            <a:prstGeom prst="rect">
+              <a:avLst/>
+            </a:prstGeom>
+            <a:solidFill>
+              <a:schemeClr val="bg1"/>
+            </a:solidFill>
+            <a:ln>
+              <a:solidFill>
+                <a:schemeClr val="bg1"/>
+              </a:solidFill>
+            </a:ln>
+          </p:spPr>
+          <p:style>
+            <a:lnRef idx="2">
+              <a:schemeClr val="accent1">
+                <a:shade val="50000"/>
+              </a:schemeClr>
+            </a:lnRef>
+            <a:fillRef idx="1">
+              <a:schemeClr val="accent1"/>
+            </a:fillRef>
+            <a:effectRef idx="0">
+              <a:schemeClr val="accent1"/>
+            </a:effectRef>
+            <a:fontRef idx="minor">
+              <a:schemeClr val="lt1"/>
+            </a:fontRef>
+          </p:style>
+          <p:txBody>
+            <a:bodyPr rtlCol="0" anchor="ctr"/>
+            <a:lstStyle/>
+            <a:p>
+              <a:r>
+                <a:rPr lang="ko-KR" altLang="en-US" sz="750" b="1" dirty="0" smtClean="0">
+                  <a:solidFill>
+                    <a:schemeClr val="tx1">
+                      <a:lumMod val="65000"/>
+                      <a:lumOff val="35000"/>
+                    </a:schemeClr>
+                  </a:solidFill>
+                </a:rPr>
+                <a:t>휴대폰 번호</a:t>
+              </a:r>
+              <a:endParaRPr lang="ko-KR" altLang="en-US" sz="750" b="1" dirty="0">
                 <a:solidFill>
                   <a:schemeClr val="tx1">
                     <a:lumMod val="65000"/>
                     <a:lumOff val="35000"/>
                   </a:schemeClr>
                 </a:solidFill>
-              </a:rPr>
-              <a:t>삭제</a:t>
-            </a:r>
-            <a:endParaRPr lang="ko-KR" altLang="en-US" sz="700" u="sng" dirty="0">
-              <a:solidFill>
-                <a:schemeClr val="tx1">
-                  <a:lumMod val="65000"/>
-                  <a:lumOff val="35000"/>
-                </a:schemeClr>
-              </a:solidFill>
-            </a:endParaRPr>
-          </a:p>
-        </p:txBody>
-      </p:sp>
-      <p:sp>
-        <p:nvSpPr>
-          <p:cNvPr id="33" name="직사각형 32"/>
-          <p:cNvSpPr/>
-          <p:nvPr/>
-        </p:nvSpPr>
-        <p:spPr>
-          <a:xfrm>
-            <a:off x="6520938" y="2863838"/>
-            <a:ext cx="716631" cy="132778"/>
-          </a:xfrm>
-          <a:prstGeom prst="rect">
-            <a:avLst/>
-          </a:prstGeom>
-          <a:solidFill>
-            <a:schemeClr val="bg1"/>
-          </a:solidFill>
-          <a:ln>
+              </a:endParaRPr>
+            </a:p>
+          </p:txBody>
+        </p:sp>
+        <p:sp>
+          <p:nvSpPr>
+            <p:cNvPr id="35" name="직사각형 34"/>
+            <p:cNvSpPr/>
+            <p:nvPr/>
+          </p:nvSpPr>
+          <p:spPr>
+            <a:xfrm>
+              <a:off x="6607838" y="3696229"/>
+              <a:ext cx="1509620" cy="276311"/>
+            </a:xfrm>
+            <a:prstGeom prst="rect">
+              <a:avLst/>
+            </a:prstGeom>
             <a:solidFill>
               <a:schemeClr val="bg1"/>
             </a:solidFill>
-          </a:ln>
-        </p:spPr>
-        <p:style>
-          <a:lnRef idx="2">
-            <a:schemeClr val="accent1">
-              <a:shade val="50000"/>
-            </a:schemeClr>
-          </a:lnRef>
-          <a:fillRef idx="1">
-            <a:schemeClr val="accent1"/>
-          </a:fillRef>
-          <a:effectRef idx="0">
-            <a:schemeClr val="accent1"/>
-          </a:effectRef>
-          <a:fontRef idx="minor">
-            <a:schemeClr val="lt1"/>
-          </a:fontRef>
-        </p:style>
-        <p:txBody>
-          <a:bodyPr rtlCol="0" anchor="ctr"/>
-          <a:lstStyle/>
-          <a:p>
-            <a:r>
-              <a:rPr lang="ko-KR" altLang="en-US" sz="750" b="1" dirty="0" err="1" smtClean="0">
+            <a:ln>
+              <a:solidFill>
+                <a:schemeClr val="bg1">
+                  <a:lumMod val="50000"/>
+                </a:schemeClr>
+              </a:solidFill>
+            </a:ln>
+          </p:spPr>
+          <p:style>
+            <a:lnRef idx="2">
+              <a:schemeClr val="accent1">
+                <a:shade val="50000"/>
+              </a:schemeClr>
+            </a:lnRef>
+            <a:fillRef idx="1">
+              <a:schemeClr val="accent1"/>
+            </a:fillRef>
+            <a:effectRef idx="0">
+              <a:schemeClr val="accent1"/>
+            </a:effectRef>
+            <a:fontRef idx="minor">
+              <a:schemeClr val="lt1"/>
+            </a:fontRef>
+          </p:style>
+          <p:txBody>
+            <a:bodyPr rtlCol="0" anchor="ctr"/>
+            <a:lstStyle/>
+            <a:p>
+              <a:r>
+                <a:rPr lang="ko-KR" altLang="en-US" sz="800" dirty="0" smtClean="0">
+                  <a:solidFill>
+                    <a:schemeClr val="tx1"/>
+                  </a:solidFill>
+                </a:rPr>
+                <a:t>휴대폰 번호를 입력해주세요</a:t>
+              </a:r>
+              <a:endParaRPr lang="ko-KR" altLang="en-US" sz="800" dirty="0">
+                <a:solidFill>
+                  <a:schemeClr val="tx1"/>
+                </a:solidFill>
+              </a:endParaRPr>
+            </a:p>
+          </p:txBody>
+        </p:sp>
+        <p:sp>
+          <p:nvSpPr>
+            <p:cNvPr id="36" name="직사각형 35"/>
+            <p:cNvSpPr/>
+            <p:nvPr/>
+          </p:nvSpPr>
+          <p:spPr>
+            <a:xfrm>
+              <a:off x="8206607" y="3682412"/>
+              <a:ext cx="648947" cy="303942"/>
+            </a:xfrm>
+            <a:prstGeom prst="rect">
+              <a:avLst/>
+            </a:prstGeom>
+            <a:solidFill>
+              <a:srgbClr val="FF9E00"/>
+            </a:solidFill>
+            <a:ln>
+              <a:solidFill>
+                <a:schemeClr val="bg1"/>
+              </a:solidFill>
+            </a:ln>
+          </p:spPr>
+          <p:style>
+            <a:lnRef idx="2">
+              <a:schemeClr val="accent1">
+                <a:shade val="50000"/>
+              </a:schemeClr>
+            </a:lnRef>
+            <a:fillRef idx="1">
+              <a:schemeClr val="accent1"/>
+            </a:fillRef>
+            <a:effectRef idx="0">
+              <a:schemeClr val="accent1"/>
+            </a:effectRef>
+            <a:fontRef idx="minor">
+              <a:schemeClr val="lt1"/>
+            </a:fontRef>
+          </p:style>
+          <p:txBody>
+            <a:bodyPr rtlCol="0" anchor="ctr"/>
+            <a:lstStyle/>
+            <a:p>
+              <a:pPr algn="ctr"/>
+              <a:r>
+                <a:rPr lang="ko-KR" altLang="en-US" sz="800" b="1" dirty="0" err="1" smtClean="0">
+                  <a:solidFill>
+                    <a:schemeClr val="bg1"/>
+                  </a:solidFill>
+                </a:rPr>
+                <a:t>번호받기</a:t>
+              </a:r>
+              <a:endParaRPr lang="ko-KR" altLang="en-US" sz="800" b="1" dirty="0">
+                <a:solidFill>
+                  <a:schemeClr val="bg1"/>
+                </a:solidFill>
+              </a:endParaRPr>
+            </a:p>
+          </p:txBody>
+        </p:sp>
+        <p:sp>
+          <p:nvSpPr>
+            <p:cNvPr id="37" name="직사각형 36"/>
+            <p:cNvSpPr/>
+            <p:nvPr/>
+          </p:nvSpPr>
+          <p:spPr>
+            <a:xfrm>
+              <a:off x="6520938" y="4127379"/>
+              <a:ext cx="795464" cy="101544"/>
+            </a:xfrm>
+            <a:prstGeom prst="rect">
+              <a:avLst/>
+            </a:prstGeom>
+            <a:solidFill>
+              <a:schemeClr val="bg1"/>
+            </a:solidFill>
+            <a:ln>
+              <a:solidFill>
+                <a:schemeClr val="bg1"/>
+              </a:solidFill>
+            </a:ln>
+          </p:spPr>
+          <p:style>
+            <a:lnRef idx="2">
+              <a:schemeClr val="accent1">
+                <a:shade val="50000"/>
+              </a:schemeClr>
+            </a:lnRef>
+            <a:fillRef idx="1">
+              <a:schemeClr val="accent1"/>
+            </a:fillRef>
+            <a:effectRef idx="0">
+              <a:schemeClr val="accent1"/>
+            </a:effectRef>
+            <a:fontRef idx="minor">
+              <a:schemeClr val="lt1"/>
+            </a:fontRef>
+          </p:style>
+          <p:txBody>
+            <a:bodyPr rtlCol="0" anchor="ctr"/>
+            <a:lstStyle/>
+            <a:p>
+              <a:r>
+                <a:rPr lang="ko-KR" altLang="en-US" sz="750" b="1" dirty="0" smtClean="0">
+                  <a:solidFill>
+                    <a:schemeClr val="tx1">
+                      <a:lumMod val="65000"/>
+                      <a:lumOff val="35000"/>
+                    </a:schemeClr>
+                  </a:solidFill>
+                </a:rPr>
+                <a:t>인증번호 확인</a:t>
+              </a:r>
+              <a:endParaRPr lang="ko-KR" altLang="en-US" sz="750" b="1" dirty="0">
                 <a:solidFill>
                   <a:schemeClr val="tx1">
                     <a:lumMod val="65000"/>
                     <a:lumOff val="35000"/>
                   </a:schemeClr>
                 </a:solidFill>
-              </a:rPr>
-              <a:t>이메일</a:t>
-            </a:r>
-            <a:r>
-              <a:rPr lang="en-US" altLang="ko-KR" sz="750" b="1" dirty="0">
+              </a:endParaRPr>
+            </a:p>
+          </p:txBody>
+        </p:sp>
+        <p:sp>
+          <p:nvSpPr>
+            <p:cNvPr id="38" name="직사각형 37"/>
+            <p:cNvSpPr/>
+            <p:nvPr/>
+          </p:nvSpPr>
+          <p:spPr>
+            <a:xfrm>
+              <a:off x="6607838" y="4334279"/>
+              <a:ext cx="1509620" cy="276311"/>
+            </a:xfrm>
+            <a:prstGeom prst="rect">
+              <a:avLst/>
+            </a:prstGeom>
+            <a:solidFill>
+              <a:schemeClr val="bg1"/>
+            </a:solidFill>
+            <a:ln>
+              <a:solidFill>
+                <a:schemeClr val="bg1">
+                  <a:lumMod val="50000"/>
+                </a:schemeClr>
+              </a:solidFill>
+            </a:ln>
+          </p:spPr>
+          <p:style>
+            <a:lnRef idx="2">
+              <a:schemeClr val="accent1">
+                <a:shade val="50000"/>
+              </a:schemeClr>
+            </a:lnRef>
+            <a:fillRef idx="1">
+              <a:schemeClr val="accent1"/>
+            </a:fillRef>
+            <a:effectRef idx="0">
+              <a:schemeClr val="accent1"/>
+            </a:effectRef>
+            <a:fontRef idx="minor">
+              <a:schemeClr val="lt1"/>
+            </a:fontRef>
+          </p:style>
+          <p:txBody>
+            <a:bodyPr rtlCol="0" anchor="ctr"/>
+            <a:lstStyle/>
+            <a:p>
+              <a:r>
+                <a:rPr lang="ko-KR" altLang="en-US" sz="800" dirty="0" smtClean="0">
+                  <a:solidFill>
+                    <a:schemeClr val="tx1"/>
+                  </a:solidFill>
+                </a:rPr>
+                <a:t>인증번호를 입력해주세요</a:t>
+              </a:r>
+              <a:endParaRPr lang="ko-KR" altLang="en-US" sz="800" dirty="0">
+                <a:solidFill>
+                  <a:schemeClr val="tx1"/>
+                </a:solidFill>
+              </a:endParaRPr>
+            </a:p>
+          </p:txBody>
+        </p:sp>
+        <p:sp>
+          <p:nvSpPr>
+            <p:cNvPr id="44" name="직사각형 43"/>
+            <p:cNvSpPr/>
+            <p:nvPr/>
+          </p:nvSpPr>
+          <p:spPr>
+            <a:xfrm>
+              <a:off x="8206607" y="4320462"/>
+              <a:ext cx="648947" cy="303942"/>
+            </a:xfrm>
+            <a:prstGeom prst="rect">
+              <a:avLst/>
+            </a:prstGeom>
+            <a:solidFill>
+              <a:srgbClr val="FF9E00"/>
+            </a:solidFill>
+            <a:ln>
+              <a:solidFill>
+                <a:schemeClr val="bg1"/>
+              </a:solidFill>
+            </a:ln>
+          </p:spPr>
+          <p:style>
+            <a:lnRef idx="2">
+              <a:schemeClr val="accent1">
+                <a:shade val="50000"/>
+              </a:schemeClr>
+            </a:lnRef>
+            <a:fillRef idx="1">
+              <a:schemeClr val="accent1"/>
+            </a:fillRef>
+            <a:effectRef idx="0">
+              <a:schemeClr val="accent1"/>
+            </a:effectRef>
+            <a:fontRef idx="minor">
+              <a:schemeClr val="lt1"/>
+            </a:fontRef>
+          </p:style>
+          <p:txBody>
+            <a:bodyPr rtlCol="0" anchor="ctr"/>
+            <a:lstStyle/>
+            <a:p>
+              <a:pPr algn="ctr"/>
+              <a:r>
+                <a:rPr lang="ko-KR" altLang="en-US" sz="800" b="1" dirty="0" smtClean="0">
+                  <a:solidFill>
+                    <a:schemeClr val="bg1"/>
+                  </a:solidFill>
+                </a:rPr>
+                <a:t>확인하</a:t>
+              </a:r>
+              <a:r>
+                <a:rPr lang="ko-KR" altLang="en-US" sz="800" b="1" dirty="0">
+                  <a:solidFill>
+                    <a:schemeClr val="bg1"/>
+                  </a:solidFill>
+                </a:rPr>
+                <a:t>기</a:t>
+              </a:r>
+            </a:p>
+          </p:txBody>
+        </p:sp>
+        <p:sp>
+          <p:nvSpPr>
+            <p:cNvPr id="45" name="직사각형 44"/>
+            <p:cNvSpPr/>
+            <p:nvPr/>
+          </p:nvSpPr>
+          <p:spPr>
+            <a:xfrm>
+              <a:off x="6520938" y="4705071"/>
+              <a:ext cx="716631" cy="132778"/>
+            </a:xfrm>
+            <a:prstGeom prst="rect">
+              <a:avLst/>
+            </a:prstGeom>
+            <a:solidFill>
+              <a:schemeClr val="bg1"/>
+            </a:solidFill>
+            <a:ln>
+              <a:solidFill>
+                <a:schemeClr val="bg1"/>
+              </a:solidFill>
+            </a:ln>
+          </p:spPr>
+          <p:style>
+            <a:lnRef idx="2">
+              <a:schemeClr val="accent1">
+                <a:shade val="50000"/>
+              </a:schemeClr>
+            </a:lnRef>
+            <a:fillRef idx="1">
+              <a:schemeClr val="accent1"/>
+            </a:fillRef>
+            <a:effectRef idx="0">
+              <a:schemeClr val="accent1"/>
+            </a:effectRef>
+            <a:fontRef idx="minor">
+              <a:schemeClr val="lt1"/>
+            </a:fontRef>
+          </p:style>
+          <p:txBody>
+            <a:bodyPr rtlCol="0" anchor="ctr"/>
+            <a:lstStyle/>
+            <a:p>
+              <a:r>
+                <a:rPr lang="ko-KR" altLang="en-US" sz="750" b="1" dirty="0" smtClean="0">
+                  <a:solidFill>
+                    <a:schemeClr val="tx1">
+                      <a:lumMod val="65000"/>
+                      <a:lumOff val="35000"/>
+                    </a:schemeClr>
+                  </a:solidFill>
+                </a:rPr>
+                <a:t>휴대폰 번호</a:t>
+              </a:r>
+              <a:endParaRPr lang="ko-KR" altLang="en-US" sz="750" b="1" dirty="0">
                 <a:solidFill>
                   <a:schemeClr val="tx1">
                     <a:lumMod val="65000"/>
                     <a:lumOff val="35000"/>
                   </a:schemeClr>
                 </a:solidFill>
-              </a:rPr>
-              <a:t> </a:t>
-            </a:r>
-            <a:r>
-              <a:rPr lang="ko-KR" altLang="en-US" sz="750" b="1" dirty="0" smtClean="0">
+              </a:endParaRPr>
+            </a:p>
+          </p:txBody>
+        </p:sp>
+        <p:sp>
+          <p:nvSpPr>
+            <p:cNvPr id="46" name="직사각형 45"/>
+            <p:cNvSpPr/>
+            <p:nvPr/>
+          </p:nvSpPr>
+          <p:spPr>
+            <a:xfrm>
+              <a:off x="6607838" y="4935253"/>
+              <a:ext cx="1042210" cy="276311"/>
+            </a:xfrm>
+            <a:prstGeom prst="rect">
+              <a:avLst/>
+            </a:prstGeom>
+            <a:solidFill>
+              <a:schemeClr val="bg1"/>
+            </a:solidFill>
+            <a:ln>
+              <a:solidFill>
+                <a:schemeClr val="bg1">
+                  <a:lumMod val="50000"/>
+                </a:schemeClr>
+              </a:solidFill>
+            </a:ln>
+          </p:spPr>
+          <p:style>
+            <a:lnRef idx="2">
+              <a:schemeClr val="accent1">
+                <a:shade val="50000"/>
+              </a:schemeClr>
+            </a:lnRef>
+            <a:fillRef idx="1">
+              <a:schemeClr val="accent1"/>
+            </a:fillRef>
+            <a:effectRef idx="0">
+              <a:schemeClr val="accent1"/>
+            </a:effectRef>
+            <a:fontRef idx="minor">
+              <a:schemeClr val="lt1"/>
+            </a:fontRef>
+          </p:style>
+          <p:txBody>
+            <a:bodyPr rtlCol="0" anchor="ctr"/>
+            <a:lstStyle/>
+            <a:p>
+              <a:r>
+                <a:rPr lang="ko-KR" altLang="en-US" sz="800" dirty="0" smtClean="0">
+                  <a:solidFill>
+                    <a:schemeClr val="tx1"/>
+                  </a:solidFill>
+                </a:rPr>
+                <a:t>시</a:t>
+              </a:r>
+              <a:r>
+                <a:rPr lang="en-US" altLang="ko-KR" sz="800" dirty="0" smtClean="0">
+                  <a:solidFill>
+                    <a:schemeClr val="tx1"/>
+                  </a:solidFill>
+                </a:rPr>
+                <a:t>/</a:t>
+              </a:r>
+              <a:r>
+                <a:rPr lang="ko-KR" altLang="en-US" sz="800" dirty="0" smtClean="0">
+                  <a:solidFill>
+                    <a:schemeClr val="tx1"/>
+                  </a:solidFill>
+                </a:rPr>
+                <a:t>도              </a:t>
+              </a:r>
+              <a:endParaRPr lang="ko-KR" altLang="en-US" sz="800" dirty="0">
+                <a:solidFill>
+                  <a:schemeClr val="tx1"/>
+                </a:solidFill>
+              </a:endParaRPr>
+            </a:p>
+          </p:txBody>
+        </p:sp>
+        <p:sp>
+          <p:nvSpPr>
+            <p:cNvPr id="47" name="직사각형 46"/>
+            <p:cNvSpPr/>
+            <p:nvPr/>
+          </p:nvSpPr>
+          <p:spPr>
+            <a:xfrm>
+              <a:off x="7813344" y="4935253"/>
+              <a:ext cx="1042210" cy="276311"/>
+            </a:xfrm>
+            <a:prstGeom prst="rect">
+              <a:avLst/>
+            </a:prstGeom>
+            <a:solidFill>
+              <a:schemeClr val="bg1"/>
+            </a:solidFill>
+            <a:ln>
+              <a:solidFill>
+                <a:schemeClr val="bg1">
+                  <a:lumMod val="50000"/>
+                </a:schemeClr>
+              </a:solidFill>
+            </a:ln>
+          </p:spPr>
+          <p:style>
+            <a:lnRef idx="2">
+              <a:schemeClr val="accent1">
+                <a:shade val="50000"/>
+              </a:schemeClr>
+            </a:lnRef>
+            <a:fillRef idx="1">
+              <a:schemeClr val="accent1"/>
+            </a:fillRef>
+            <a:effectRef idx="0">
+              <a:schemeClr val="accent1"/>
+            </a:effectRef>
+            <a:fontRef idx="minor">
+              <a:schemeClr val="lt1"/>
+            </a:fontRef>
+          </p:style>
+          <p:txBody>
+            <a:bodyPr rtlCol="0" anchor="ctr"/>
+            <a:lstStyle/>
+            <a:p>
+              <a:r>
+                <a:rPr lang="ko-KR" altLang="en-US" sz="800" dirty="0" err="1" smtClean="0">
+                  <a:solidFill>
+                    <a:schemeClr val="tx1"/>
+                  </a:solidFill>
+                </a:rPr>
+                <a:t>시군구</a:t>
+              </a:r>
+              <a:endParaRPr lang="ko-KR" altLang="en-US" sz="800" dirty="0">
+                <a:solidFill>
+                  <a:schemeClr val="tx1"/>
+                </a:solidFill>
+              </a:endParaRPr>
+            </a:p>
+          </p:txBody>
+        </p:sp>
+        <p:pic>
+          <p:nvPicPr>
+            <p:cNvPr id="9" name="그림 8"/>
+            <p:cNvPicPr>
+              <a:picLocks noChangeAspect="1"/>
+            </p:cNvPicPr>
+            <p:nvPr/>
+          </p:nvPicPr>
+          <p:blipFill>
+            <a:blip r:embed="rId2" cstate="print">
+              <a:extLst>
+                <a:ext uri="{28A0092B-C50C-407E-A947-70E740481C1C}">
+                  <a14:useLocalDpi xmlns:a14="http://schemas.microsoft.com/office/drawing/2010/main" val="0"/>
+                </a:ext>
+              </a:extLst>
+            </a:blip>
+            <a:stretch>
+              <a:fillRect/>
+            </a:stretch>
+          </p:blipFill>
+          <p:spPr>
+            <a:xfrm>
+              <a:off x="7484480" y="5028650"/>
+              <a:ext cx="106768" cy="106768"/>
+            </a:xfrm>
+            <a:prstGeom prst="rect">
+              <a:avLst/>
+            </a:prstGeom>
+          </p:spPr>
+        </p:pic>
+        <p:pic>
+          <p:nvPicPr>
+            <p:cNvPr id="48" name="그림 47"/>
+            <p:cNvPicPr>
+              <a:picLocks noChangeAspect="1"/>
+            </p:cNvPicPr>
+            <p:nvPr/>
+          </p:nvPicPr>
+          <p:blipFill>
+            <a:blip r:embed="rId2" cstate="print">
+              <a:extLst>
+                <a:ext uri="{28A0092B-C50C-407E-A947-70E740481C1C}">
+                  <a14:useLocalDpi xmlns:a14="http://schemas.microsoft.com/office/drawing/2010/main" val="0"/>
+                </a:ext>
+              </a:extLst>
+            </a:blip>
+            <a:stretch>
+              <a:fillRect/>
+            </a:stretch>
+          </p:blipFill>
+          <p:spPr>
+            <a:xfrm>
+              <a:off x="8712658" y="5028650"/>
+              <a:ext cx="106768" cy="106768"/>
+            </a:xfrm>
+            <a:prstGeom prst="rect">
+              <a:avLst/>
+            </a:prstGeom>
+          </p:spPr>
+        </p:pic>
+        <p:sp>
+          <p:nvSpPr>
+            <p:cNvPr id="49" name="직사각형 48"/>
+            <p:cNvSpPr/>
+            <p:nvPr/>
+          </p:nvSpPr>
+          <p:spPr>
+            <a:xfrm>
+              <a:off x="6520938" y="5362628"/>
+              <a:ext cx="795464" cy="101544"/>
+            </a:xfrm>
+            <a:prstGeom prst="rect">
+              <a:avLst/>
+            </a:prstGeom>
+            <a:solidFill>
+              <a:schemeClr val="bg1"/>
+            </a:solidFill>
+            <a:ln>
+              <a:solidFill>
+                <a:schemeClr val="bg1"/>
+              </a:solidFill>
+            </a:ln>
+          </p:spPr>
+          <p:style>
+            <a:lnRef idx="2">
+              <a:schemeClr val="accent1">
+                <a:shade val="50000"/>
+              </a:schemeClr>
+            </a:lnRef>
+            <a:fillRef idx="1">
+              <a:schemeClr val="accent1"/>
+            </a:fillRef>
+            <a:effectRef idx="0">
+              <a:schemeClr val="accent1"/>
+            </a:effectRef>
+            <a:fontRef idx="minor">
+              <a:schemeClr val="lt1"/>
+            </a:fontRef>
+          </p:style>
+          <p:txBody>
+            <a:bodyPr rtlCol="0" anchor="ctr"/>
+            <a:lstStyle/>
+            <a:p>
+              <a:r>
+                <a:rPr lang="ko-KR" altLang="en-US" sz="750" b="1" dirty="0" smtClean="0">
+                  <a:solidFill>
+                    <a:schemeClr val="tx1">
+                      <a:lumMod val="65000"/>
+                      <a:lumOff val="35000"/>
+                    </a:schemeClr>
+                  </a:solidFill>
+                </a:rPr>
+                <a:t>상세주</a:t>
+              </a:r>
+              <a:r>
+                <a:rPr lang="ko-KR" altLang="en-US" sz="750" b="1" dirty="0">
+                  <a:solidFill>
+                    <a:schemeClr val="tx1">
+                      <a:lumMod val="65000"/>
+                      <a:lumOff val="35000"/>
+                    </a:schemeClr>
+                  </a:solidFill>
+                </a:rPr>
+                <a:t>소</a:t>
+              </a:r>
+            </a:p>
+          </p:txBody>
+        </p:sp>
+        <p:sp>
+          <p:nvSpPr>
+            <p:cNvPr id="50" name="직사각형 49"/>
+            <p:cNvSpPr/>
+            <p:nvPr/>
+          </p:nvSpPr>
+          <p:spPr>
+            <a:xfrm>
+              <a:off x="6607838" y="5552276"/>
+              <a:ext cx="1509620" cy="276311"/>
+            </a:xfrm>
+            <a:prstGeom prst="rect">
+              <a:avLst/>
+            </a:prstGeom>
+            <a:solidFill>
+              <a:schemeClr val="bg1"/>
+            </a:solidFill>
+            <a:ln>
+              <a:solidFill>
+                <a:schemeClr val="bg1">
+                  <a:lumMod val="50000"/>
+                </a:schemeClr>
+              </a:solidFill>
+            </a:ln>
+          </p:spPr>
+          <p:style>
+            <a:lnRef idx="2">
+              <a:schemeClr val="accent1">
+                <a:shade val="50000"/>
+              </a:schemeClr>
+            </a:lnRef>
+            <a:fillRef idx="1">
+              <a:schemeClr val="accent1"/>
+            </a:fillRef>
+            <a:effectRef idx="0">
+              <a:schemeClr val="accent1"/>
+            </a:effectRef>
+            <a:fontRef idx="minor">
+              <a:schemeClr val="lt1"/>
+            </a:fontRef>
+          </p:style>
+          <p:txBody>
+            <a:bodyPr rtlCol="0" anchor="ctr"/>
+            <a:lstStyle/>
+            <a:p>
+              <a:endParaRPr lang="ko-KR" altLang="en-US" sz="800" dirty="0">
+                <a:solidFill>
+                  <a:schemeClr val="tx1"/>
+                </a:solidFill>
+              </a:endParaRPr>
+            </a:p>
+          </p:txBody>
+        </p:sp>
+        <p:sp>
+          <p:nvSpPr>
+            <p:cNvPr id="51" name="직사각형 50"/>
+            <p:cNvSpPr/>
+            <p:nvPr/>
+          </p:nvSpPr>
+          <p:spPr>
+            <a:xfrm>
+              <a:off x="8206607" y="5538459"/>
+              <a:ext cx="648947" cy="303942"/>
+            </a:xfrm>
+            <a:prstGeom prst="rect">
+              <a:avLst/>
+            </a:prstGeom>
+            <a:solidFill>
+              <a:srgbClr val="FF9E00"/>
+            </a:solidFill>
+            <a:ln>
+              <a:solidFill>
+                <a:schemeClr val="bg1"/>
+              </a:solidFill>
+            </a:ln>
+          </p:spPr>
+          <p:style>
+            <a:lnRef idx="2">
+              <a:schemeClr val="accent1">
+                <a:shade val="50000"/>
+              </a:schemeClr>
+            </a:lnRef>
+            <a:fillRef idx="1">
+              <a:schemeClr val="accent1"/>
+            </a:fillRef>
+            <a:effectRef idx="0">
+              <a:schemeClr val="accent1"/>
+            </a:effectRef>
+            <a:fontRef idx="minor">
+              <a:schemeClr val="lt1"/>
+            </a:fontRef>
+          </p:style>
+          <p:txBody>
+            <a:bodyPr rtlCol="0" anchor="ctr"/>
+            <a:lstStyle/>
+            <a:p>
+              <a:pPr algn="ctr"/>
+              <a:r>
+                <a:rPr lang="ko-KR" altLang="en-US" sz="800" b="1" dirty="0" smtClean="0">
+                  <a:solidFill>
+                    <a:schemeClr val="bg1"/>
+                  </a:solidFill>
+                </a:rPr>
+                <a:t>확인하</a:t>
+              </a:r>
+              <a:r>
+                <a:rPr lang="ko-KR" altLang="en-US" sz="800" b="1" dirty="0">
+                  <a:solidFill>
+                    <a:schemeClr val="bg1"/>
+                  </a:solidFill>
+                </a:rPr>
+                <a:t>기</a:t>
+              </a:r>
+            </a:p>
+          </p:txBody>
+        </p:sp>
+        <p:sp>
+          <p:nvSpPr>
+            <p:cNvPr id="52" name="직사각형 51"/>
+            <p:cNvSpPr/>
+            <p:nvPr/>
+          </p:nvSpPr>
+          <p:spPr>
+            <a:xfrm>
+              <a:off x="6529564" y="5978715"/>
+              <a:ext cx="795464" cy="101544"/>
+            </a:xfrm>
+            <a:prstGeom prst="rect">
+              <a:avLst/>
+            </a:prstGeom>
+            <a:solidFill>
+              <a:schemeClr val="bg1"/>
+            </a:solidFill>
+            <a:ln>
+              <a:solidFill>
+                <a:schemeClr val="bg1"/>
+              </a:solidFill>
+            </a:ln>
+          </p:spPr>
+          <p:style>
+            <a:lnRef idx="2">
+              <a:schemeClr val="accent1">
+                <a:shade val="50000"/>
+              </a:schemeClr>
+            </a:lnRef>
+            <a:fillRef idx="1">
+              <a:schemeClr val="accent1"/>
+            </a:fillRef>
+            <a:effectRef idx="0">
+              <a:schemeClr val="accent1"/>
+            </a:effectRef>
+            <a:fontRef idx="minor">
+              <a:schemeClr val="lt1"/>
+            </a:fontRef>
+          </p:style>
+          <p:txBody>
+            <a:bodyPr rtlCol="0" anchor="ctr"/>
+            <a:lstStyle/>
+            <a:p>
+              <a:r>
+                <a:rPr lang="ko-KR" altLang="en-US" sz="750" b="1" smtClean="0">
+                  <a:solidFill>
+                    <a:schemeClr val="tx1">
+                      <a:lumMod val="65000"/>
+                      <a:lumOff val="35000"/>
+                    </a:schemeClr>
+                  </a:solidFill>
+                </a:rPr>
+                <a:t>관심</a:t>
+              </a:r>
+              <a:r>
+                <a:rPr lang="ko-KR" altLang="en-US" sz="750" b="1">
+                  <a:solidFill>
+                    <a:schemeClr val="tx1">
+                      <a:lumMod val="65000"/>
+                      <a:lumOff val="35000"/>
+                    </a:schemeClr>
+                  </a:solidFill>
+                </a:rPr>
+                <a:t>사</a:t>
+              </a:r>
+              <a:endParaRPr lang="ko-KR" altLang="en-US" sz="750" b="1" dirty="0">
                 <a:solidFill>
                   <a:schemeClr val="tx1">
                     <a:lumMod val="65000"/>
                     <a:lumOff val="35000"/>
                   </a:schemeClr>
                 </a:solidFill>
-              </a:rPr>
-              <a:t>주소</a:t>
-            </a:r>
-            <a:endParaRPr lang="ko-KR" altLang="en-US" sz="750" b="1" dirty="0">
-              <a:solidFill>
-                <a:schemeClr val="tx1">
-                  <a:lumMod val="65000"/>
-                  <a:lumOff val="35000"/>
-                </a:schemeClr>
-              </a:solidFill>
-            </a:endParaRPr>
-          </a:p>
-        </p:txBody>
-      </p:sp>
-      <p:sp>
-        <p:nvSpPr>
-          <p:cNvPr id="8" name="직사각형 7"/>
-          <p:cNvSpPr/>
-          <p:nvPr/>
-        </p:nvSpPr>
-        <p:spPr>
-          <a:xfrm>
-            <a:off x="6607837" y="3070738"/>
-            <a:ext cx="2290847" cy="276311"/>
-          </a:xfrm>
-          <a:prstGeom prst="rect">
-            <a:avLst/>
-          </a:prstGeom>
-          <a:solidFill>
-            <a:schemeClr val="bg1">
-              <a:lumMod val="95000"/>
-            </a:schemeClr>
-          </a:solidFill>
-          <a:ln>
-            <a:solidFill>
-              <a:schemeClr val="bg1">
-                <a:lumMod val="50000"/>
-              </a:schemeClr>
-            </a:solidFill>
-          </a:ln>
-        </p:spPr>
-        <p:style>
-          <a:lnRef idx="2">
-            <a:schemeClr val="accent1">
-              <a:shade val="50000"/>
-            </a:schemeClr>
-          </a:lnRef>
-          <a:fillRef idx="1">
-            <a:schemeClr val="accent1"/>
-          </a:fillRef>
-          <a:effectRef idx="0">
-            <a:schemeClr val="accent1"/>
-          </a:effectRef>
-          <a:fontRef idx="minor">
-            <a:schemeClr val="lt1"/>
-          </a:fontRef>
-        </p:style>
-        <p:txBody>
-          <a:bodyPr rtlCol="0" anchor="ctr"/>
-          <a:lstStyle/>
-          <a:p>
-            <a:r>
-              <a:rPr lang="en-US" altLang="ko-KR" sz="800" dirty="0" smtClean="0">
-                <a:solidFill>
-                  <a:schemeClr val="tx1"/>
-                </a:solidFill>
-              </a:rPr>
-              <a:t>shryu1220@naver.com</a:t>
-            </a:r>
-            <a:endParaRPr lang="ko-KR" altLang="en-US" sz="800" dirty="0">
-              <a:solidFill>
-                <a:schemeClr val="tx1"/>
-              </a:solidFill>
-            </a:endParaRPr>
-          </a:p>
-        </p:txBody>
-      </p:sp>
-      <p:sp>
-        <p:nvSpPr>
-          <p:cNvPr id="34" name="직사각형 33"/>
-          <p:cNvSpPr/>
-          <p:nvPr/>
-        </p:nvSpPr>
-        <p:spPr>
-          <a:xfrm>
-            <a:off x="6520938" y="3489329"/>
-            <a:ext cx="716631" cy="132778"/>
-          </a:xfrm>
-          <a:prstGeom prst="rect">
-            <a:avLst/>
-          </a:prstGeom>
-          <a:solidFill>
-            <a:schemeClr val="bg1"/>
-          </a:solidFill>
-          <a:ln>
+              </a:endParaRPr>
+            </a:p>
+          </p:txBody>
+        </p:sp>
+        <p:sp>
+          <p:nvSpPr>
+            <p:cNvPr id="53" name="직사각형 52"/>
+            <p:cNvSpPr/>
+            <p:nvPr/>
+          </p:nvSpPr>
+          <p:spPr>
+            <a:xfrm>
+              <a:off x="6529564" y="6099843"/>
+              <a:ext cx="2010142" cy="101544"/>
+            </a:xfrm>
+            <a:prstGeom prst="rect">
+              <a:avLst/>
+            </a:prstGeom>
             <a:solidFill>
               <a:schemeClr val="bg1"/>
             </a:solidFill>
-          </a:ln>
-        </p:spPr>
-        <p:style>
-          <a:lnRef idx="2">
-            <a:schemeClr val="accent1">
-              <a:shade val="50000"/>
-            </a:schemeClr>
-          </a:lnRef>
-          <a:fillRef idx="1">
-            <a:schemeClr val="accent1"/>
-          </a:fillRef>
-          <a:effectRef idx="0">
-            <a:schemeClr val="accent1"/>
-          </a:effectRef>
-          <a:fontRef idx="minor">
-            <a:schemeClr val="lt1"/>
-          </a:fontRef>
-        </p:style>
-        <p:txBody>
-          <a:bodyPr rtlCol="0" anchor="ctr"/>
-          <a:lstStyle/>
-          <a:p>
-            <a:r>
-              <a:rPr lang="ko-KR" altLang="en-US" sz="750" b="1" dirty="0" smtClean="0">
+            <a:ln>
+              <a:solidFill>
+                <a:schemeClr val="bg1"/>
+              </a:solidFill>
+            </a:ln>
+          </p:spPr>
+          <p:style>
+            <a:lnRef idx="2">
+              <a:schemeClr val="accent1">
+                <a:shade val="50000"/>
+              </a:schemeClr>
+            </a:lnRef>
+            <a:fillRef idx="1">
+              <a:schemeClr val="accent1"/>
+            </a:fillRef>
+            <a:effectRef idx="0">
+              <a:schemeClr val="accent1"/>
+            </a:effectRef>
+            <a:fontRef idx="minor">
+              <a:schemeClr val="lt1"/>
+            </a:fontRef>
+          </p:style>
+          <p:txBody>
+            <a:bodyPr rtlCol="0" anchor="ctr"/>
+            <a:lstStyle/>
+            <a:p>
+              <a:r>
+                <a:rPr lang="ko-KR" altLang="en-US" sz="600" b="1" dirty="0" smtClean="0">
+                  <a:solidFill>
+                    <a:schemeClr val="tx1">
+                      <a:lumMod val="65000"/>
+                      <a:lumOff val="35000"/>
+                    </a:schemeClr>
+                  </a:solidFill>
+                </a:rPr>
+                <a:t>최소 </a:t>
+              </a:r>
+              <a:r>
+                <a:rPr lang="en-US" altLang="ko-KR" sz="600" b="1" dirty="0" smtClean="0">
+                  <a:solidFill>
+                    <a:schemeClr val="tx1">
+                      <a:lumMod val="65000"/>
+                      <a:lumOff val="35000"/>
+                    </a:schemeClr>
+                  </a:solidFill>
+                </a:rPr>
+                <a:t>1</a:t>
+              </a:r>
+              <a:r>
+                <a:rPr lang="ko-KR" altLang="en-US" sz="600" b="1" dirty="0" smtClean="0">
+                  <a:solidFill>
+                    <a:schemeClr val="tx1">
+                      <a:lumMod val="65000"/>
+                      <a:lumOff val="35000"/>
+                    </a:schemeClr>
+                  </a:solidFill>
+                </a:rPr>
+                <a:t>개 이상의 관심사를 선택해주세요</a:t>
+              </a:r>
+              <a:endParaRPr lang="ko-KR" altLang="en-US" sz="600" b="1" dirty="0">
                 <a:solidFill>
                   <a:schemeClr val="tx1">
                     <a:lumMod val="65000"/>
                     <a:lumOff val="35000"/>
                   </a:schemeClr>
                 </a:solidFill>
-              </a:rPr>
-              <a:t>휴대폰 번호</a:t>
-            </a:r>
-            <a:endParaRPr lang="ko-KR" altLang="en-US" sz="750" b="1" dirty="0">
-              <a:solidFill>
-                <a:schemeClr val="tx1">
-                  <a:lumMod val="65000"/>
-                  <a:lumOff val="35000"/>
-                </a:schemeClr>
-              </a:solidFill>
-            </a:endParaRPr>
-          </a:p>
-        </p:txBody>
-      </p:sp>
-      <p:sp>
-        <p:nvSpPr>
-          <p:cNvPr id="35" name="직사각형 34"/>
-          <p:cNvSpPr/>
-          <p:nvPr/>
-        </p:nvSpPr>
-        <p:spPr>
-          <a:xfrm>
-            <a:off x="6607838" y="3696229"/>
-            <a:ext cx="1509620" cy="276311"/>
-          </a:xfrm>
-          <a:prstGeom prst="rect">
-            <a:avLst/>
-          </a:prstGeom>
-          <a:solidFill>
-            <a:schemeClr val="bg1"/>
-          </a:solidFill>
-          <a:ln>
-            <a:solidFill>
-              <a:schemeClr val="bg1">
-                <a:lumMod val="50000"/>
-              </a:schemeClr>
-            </a:solidFill>
-          </a:ln>
-        </p:spPr>
-        <p:style>
-          <a:lnRef idx="2">
-            <a:schemeClr val="accent1">
-              <a:shade val="50000"/>
-            </a:schemeClr>
-          </a:lnRef>
-          <a:fillRef idx="1">
-            <a:schemeClr val="accent1"/>
-          </a:fillRef>
-          <a:effectRef idx="0">
-            <a:schemeClr val="accent1"/>
-          </a:effectRef>
-          <a:fontRef idx="minor">
-            <a:schemeClr val="lt1"/>
-          </a:fontRef>
-        </p:style>
-        <p:txBody>
-          <a:bodyPr rtlCol="0" anchor="ctr"/>
-          <a:lstStyle/>
-          <a:p>
-            <a:r>
-              <a:rPr lang="ko-KR" altLang="en-US" sz="800" dirty="0" smtClean="0">
-                <a:solidFill>
-                  <a:schemeClr val="tx1"/>
-                </a:solidFill>
-              </a:rPr>
-              <a:t>휴대폰 번호를 입력해주세요</a:t>
-            </a:r>
-            <a:endParaRPr lang="ko-KR" altLang="en-US" sz="800" dirty="0">
-              <a:solidFill>
-                <a:schemeClr val="tx1"/>
-              </a:solidFill>
-            </a:endParaRPr>
-          </a:p>
-        </p:txBody>
-      </p:sp>
-      <p:sp>
-        <p:nvSpPr>
-          <p:cNvPr id="36" name="직사각형 35"/>
-          <p:cNvSpPr/>
-          <p:nvPr/>
-        </p:nvSpPr>
-        <p:spPr>
-          <a:xfrm>
-            <a:off x="8206607" y="3682412"/>
-            <a:ext cx="648947" cy="303942"/>
-          </a:xfrm>
-          <a:prstGeom prst="rect">
-            <a:avLst/>
-          </a:prstGeom>
-          <a:solidFill>
-            <a:srgbClr val="FF9E00"/>
-          </a:solidFill>
-          <a:ln>
-            <a:solidFill>
-              <a:schemeClr val="bg1"/>
-            </a:solidFill>
-          </a:ln>
-        </p:spPr>
-        <p:style>
-          <a:lnRef idx="2">
-            <a:schemeClr val="accent1">
-              <a:shade val="50000"/>
-            </a:schemeClr>
-          </a:lnRef>
-          <a:fillRef idx="1">
-            <a:schemeClr val="accent1"/>
-          </a:fillRef>
-          <a:effectRef idx="0">
-            <a:schemeClr val="accent1"/>
-          </a:effectRef>
-          <a:fontRef idx="minor">
-            <a:schemeClr val="lt1"/>
-          </a:fontRef>
-        </p:style>
-        <p:txBody>
-          <a:bodyPr rtlCol="0" anchor="ctr"/>
-          <a:lstStyle/>
-          <a:p>
-            <a:pPr algn="ctr"/>
-            <a:r>
-              <a:rPr lang="ko-KR" altLang="en-US" sz="800" b="1" dirty="0" err="1" smtClean="0">
-                <a:solidFill>
-                  <a:schemeClr val="bg1"/>
-                </a:solidFill>
-              </a:rPr>
-              <a:t>번호받기</a:t>
-            </a:r>
-            <a:endParaRPr lang="ko-KR" altLang="en-US" sz="800" b="1" dirty="0">
-              <a:solidFill>
-                <a:schemeClr val="bg1"/>
-              </a:solidFill>
-            </a:endParaRPr>
-          </a:p>
-        </p:txBody>
-      </p:sp>
-      <p:sp>
-        <p:nvSpPr>
-          <p:cNvPr id="37" name="직사각형 36"/>
-          <p:cNvSpPr/>
-          <p:nvPr/>
-        </p:nvSpPr>
-        <p:spPr>
-          <a:xfrm>
-            <a:off x="6520938" y="4127379"/>
-            <a:ext cx="795464" cy="101544"/>
-          </a:xfrm>
-          <a:prstGeom prst="rect">
-            <a:avLst/>
-          </a:prstGeom>
-          <a:solidFill>
-            <a:schemeClr val="bg1"/>
-          </a:solidFill>
-          <a:ln>
-            <a:solidFill>
-              <a:schemeClr val="bg1"/>
-            </a:solidFill>
-          </a:ln>
-        </p:spPr>
-        <p:style>
-          <a:lnRef idx="2">
-            <a:schemeClr val="accent1">
-              <a:shade val="50000"/>
-            </a:schemeClr>
-          </a:lnRef>
-          <a:fillRef idx="1">
-            <a:schemeClr val="accent1"/>
-          </a:fillRef>
-          <a:effectRef idx="0">
-            <a:schemeClr val="accent1"/>
-          </a:effectRef>
-          <a:fontRef idx="minor">
-            <a:schemeClr val="lt1"/>
-          </a:fontRef>
-        </p:style>
-        <p:txBody>
-          <a:bodyPr rtlCol="0" anchor="ctr"/>
-          <a:lstStyle/>
-          <a:p>
-            <a:r>
-              <a:rPr lang="ko-KR" altLang="en-US" sz="750" b="1" dirty="0" smtClean="0">
-                <a:solidFill>
-                  <a:schemeClr val="tx1">
-                    <a:lumMod val="65000"/>
-                    <a:lumOff val="35000"/>
-                  </a:schemeClr>
-                </a:solidFill>
-              </a:rPr>
-              <a:t>인증번호 확인</a:t>
-            </a:r>
-            <a:endParaRPr lang="ko-KR" altLang="en-US" sz="750" b="1" dirty="0">
-              <a:solidFill>
-                <a:schemeClr val="tx1">
-                  <a:lumMod val="65000"/>
-                  <a:lumOff val="35000"/>
-                </a:schemeClr>
-              </a:solidFill>
-            </a:endParaRPr>
-          </a:p>
-        </p:txBody>
-      </p:sp>
-      <p:sp>
-        <p:nvSpPr>
-          <p:cNvPr id="38" name="직사각형 37"/>
-          <p:cNvSpPr/>
-          <p:nvPr/>
-        </p:nvSpPr>
-        <p:spPr>
-          <a:xfrm>
-            <a:off x="6607838" y="4334279"/>
-            <a:ext cx="1509620" cy="276311"/>
-          </a:xfrm>
-          <a:prstGeom prst="rect">
-            <a:avLst/>
-          </a:prstGeom>
-          <a:solidFill>
-            <a:schemeClr val="bg1"/>
-          </a:solidFill>
-          <a:ln>
-            <a:solidFill>
-              <a:schemeClr val="bg1">
-                <a:lumMod val="50000"/>
-              </a:schemeClr>
-            </a:solidFill>
-          </a:ln>
-        </p:spPr>
-        <p:style>
-          <a:lnRef idx="2">
-            <a:schemeClr val="accent1">
-              <a:shade val="50000"/>
-            </a:schemeClr>
-          </a:lnRef>
-          <a:fillRef idx="1">
-            <a:schemeClr val="accent1"/>
-          </a:fillRef>
-          <a:effectRef idx="0">
-            <a:schemeClr val="accent1"/>
-          </a:effectRef>
-          <a:fontRef idx="minor">
-            <a:schemeClr val="lt1"/>
-          </a:fontRef>
-        </p:style>
-        <p:txBody>
-          <a:bodyPr rtlCol="0" anchor="ctr"/>
-          <a:lstStyle/>
-          <a:p>
-            <a:r>
-              <a:rPr lang="ko-KR" altLang="en-US" sz="800" dirty="0" smtClean="0">
-                <a:solidFill>
-                  <a:schemeClr val="tx1"/>
-                </a:solidFill>
-              </a:rPr>
-              <a:t>인증번호를 입력해주세요</a:t>
-            </a:r>
-            <a:endParaRPr lang="ko-KR" altLang="en-US" sz="800" dirty="0">
-              <a:solidFill>
-                <a:schemeClr val="tx1"/>
-              </a:solidFill>
-            </a:endParaRPr>
-          </a:p>
-        </p:txBody>
-      </p:sp>
-      <p:sp>
-        <p:nvSpPr>
-          <p:cNvPr id="44" name="직사각형 43"/>
-          <p:cNvSpPr/>
-          <p:nvPr/>
-        </p:nvSpPr>
-        <p:spPr>
-          <a:xfrm>
-            <a:off x="8206607" y="4320462"/>
-            <a:ext cx="648947" cy="303942"/>
-          </a:xfrm>
-          <a:prstGeom prst="rect">
-            <a:avLst/>
-          </a:prstGeom>
-          <a:solidFill>
-            <a:srgbClr val="FF9E00"/>
-          </a:solidFill>
-          <a:ln>
-            <a:solidFill>
-              <a:schemeClr val="bg1"/>
-            </a:solidFill>
-          </a:ln>
-        </p:spPr>
-        <p:style>
-          <a:lnRef idx="2">
-            <a:schemeClr val="accent1">
-              <a:shade val="50000"/>
-            </a:schemeClr>
-          </a:lnRef>
-          <a:fillRef idx="1">
-            <a:schemeClr val="accent1"/>
-          </a:fillRef>
-          <a:effectRef idx="0">
-            <a:schemeClr val="accent1"/>
-          </a:effectRef>
-          <a:fontRef idx="minor">
-            <a:schemeClr val="lt1"/>
-          </a:fontRef>
-        </p:style>
-        <p:txBody>
-          <a:bodyPr rtlCol="0" anchor="ctr"/>
-          <a:lstStyle/>
-          <a:p>
-            <a:pPr algn="ctr"/>
-            <a:r>
-              <a:rPr lang="ko-KR" altLang="en-US" sz="800" b="1" dirty="0" smtClean="0">
-                <a:solidFill>
-                  <a:schemeClr val="bg1"/>
-                </a:solidFill>
-              </a:rPr>
-              <a:t>확인하</a:t>
-            </a:r>
-            <a:r>
-              <a:rPr lang="ko-KR" altLang="en-US" sz="800" b="1" dirty="0">
-                <a:solidFill>
-                  <a:schemeClr val="bg1"/>
-                </a:solidFill>
-              </a:rPr>
-              <a:t>기</a:t>
-            </a:r>
-          </a:p>
-        </p:txBody>
-      </p:sp>
-      <p:sp>
-        <p:nvSpPr>
-          <p:cNvPr id="45" name="직사각형 44"/>
-          <p:cNvSpPr/>
-          <p:nvPr/>
-        </p:nvSpPr>
-        <p:spPr>
-          <a:xfrm>
-            <a:off x="6520938" y="4705071"/>
-            <a:ext cx="716631" cy="132778"/>
-          </a:xfrm>
-          <a:prstGeom prst="rect">
-            <a:avLst/>
-          </a:prstGeom>
-          <a:solidFill>
-            <a:schemeClr val="bg1"/>
-          </a:solidFill>
-          <a:ln>
-            <a:solidFill>
-              <a:schemeClr val="bg1"/>
-            </a:solidFill>
-          </a:ln>
-        </p:spPr>
-        <p:style>
-          <a:lnRef idx="2">
-            <a:schemeClr val="accent1">
-              <a:shade val="50000"/>
-            </a:schemeClr>
-          </a:lnRef>
-          <a:fillRef idx="1">
-            <a:schemeClr val="accent1"/>
-          </a:fillRef>
-          <a:effectRef idx="0">
-            <a:schemeClr val="accent1"/>
-          </a:effectRef>
-          <a:fontRef idx="minor">
-            <a:schemeClr val="lt1"/>
-          </a:fontRef>
-        </p:style>
-        <p:txBody>
-          <a:bodyPr rtlCol="0" anchor="ctr"/>
-          <a:lstStyle/>
-          <a:p>
-            <a:r>
-              <a:rPr lang="ko-KR" altLang="en-US" sz="750" b="1" dirty="0" smtClean="0">
-                <a:solidFill>
-                  <a:schemeClr val="tx1">
-                    <a:lumMod val="65000"/>
-                    <a:lumOff val="35000"/>
-                  </a:schemeClr>
-                </a:solidFill>
-              </a:rPr>
-              <a:t>휴대폰 번호</a:t>
-            </a:r>
-            <a:endParaRPr lang="ko-KR" altLang="en-US" sz="750" b="1" dirty="0">
-              <a:solidFill>
-                <a:schemeClr val="tx1">
-                  <a:lumMod val="65000"/>
-                  <a:lumOff val="35000"/>
-                </a:schemeClr>
-              </a:solidFill>
-            </a:endParaRPr>
-          </a:p>
-        </p:txBody>
-      </p:sp>
-      <p:sp>
-        <p:nvSpPr>
-          <p:cNvPr id="46" name="직사각형 45"/>
-          <p:cNvSpPr/>
-          <p:nvPr/>
-        </p:nvSpPr>
-        <p:spPr>
-          <a:xfrm>
-            <a:off x="6607838" y="4935253"/>
-            <a:ext cx="1042210" cy="276311"/>
-          </a:xfrm>
-          <a:prstGeom prst="rect">
-            <a:avLst/>
-          </a:prstGeom>
-          <a:solidFill>
-            <a:schemeClr val="bg1"/>
-          </a:solidFill>
-          <a:ln>
-            <a:solidFill>
-              <a:schemeClr val="bg1">
-                <a:lumMod val="50000"/>
-              </a:schemeClr>
-            </a:solidFill>
-          </a:ln>
-        </p:spPr>
-        <p:style>
-          <a:lnRef idx="2">
-            <a:schemeClr val="accent1">
-              <a:shade val="50000"/>
-            </a:schemeClr>
-          </a:lnRef>
-          <a:fillRef idx="1">
-            <a:schemeClr val="accent1"/>
-          </a:fillRef>
-          <a:effectRef idx="0">
-            <a:schemeClr val="accent1"/>
-          </a:effectRef>
-          <a:fontRef idx="minor">
-            <a:schemeClr val="lt1"/>
-          </a:fontRef>
-        </p:style>
-        <p:txBody>
-          <a:bodyPr rtlCol="0" anchor="ctr"/>
-          <a:lstStyle/>
-          <a:p>
-            <a:r>
-              <a:rPr lang="ko-KR" altLang="en-US" sz="800" dirty="0" smtClean="0">
-                <a:solidFill>
-                  <a:schemeClr val="tx1"/>
-                </a:solidFill>
-              </a:rPr>
-              <a:t>시</a:t>
-            </a:r>
-            <a:r>
-              <a:rPr lang="en-US" altLang="ko-KR" sz="800" dirty="0" smtClean="0">
-                <a:solidFill>
-                  <a:schemeClr val="tx1"/>
-                </a:solidFill>
-              </a:rPr>
-              <a:t>/</a:t>
-            </a:r>
-            <a:r>
-              <a:rPr lang="ko-KR" altLang="en-US" sz="800" dirty="0" smtClean="0">
-                <a:solidFill>
-                  <a:schemeClr val="tx1"/>
-                </a:solidFill>
-              </a:rPr>
-              <a:t>도              </a:t>
-            </a:r>
-            <a:endParaRPr lang="ko-KR" altLang="en-US" sz="800" dirty="0">
-              <a:solidFill>
-                <a:schemeClr val="tx1"/>
-              </a:solidFill>
-            </a:endParaRPr>
-          </a:p>
-        </p:txBody>
-      </p:sp>
-      <p:sp>
-        <p:nvSpPr>
-          <p:cNvPr id="47" name="직사각형 46"/>
-          <p:cNvSpPr/>
-          <p:nvPr/>
-        </p:nvSpPr>
-        <p:spPr>
-          <a:xfrm>
-            <a:off x="7813344" y="4935253"/>
-            <a:ext cx="1042210" cy="276311"/>
-          </a:xfrm>
-          <a:prstGeom prst="rect">
-            <a:avLst/>
-          </a:prstGeom>
-          <a:solidFill>
-            <a:schemeClr val="bg1"/>
-          </a:solidFill>
-          <a:ln>
-            <a:solidFill>
-              <a:schemeClr val="bg1">
-                <a:lumMod val="50000"/>
-              </a:schemeClr>
-            </a:solidFill>
-          </a:ln>
-        </p:spPr>
-        <p:style>
-          <a:lnRef idx="2">
-            <a:schemeClr val="accent1">
-              <a:shade val="50000"/>
-            </a:schemeClr>
-          </a:lnRef>
-          <a:fillRef idx="1">
-            <a:schemeClr val="accent1"/>
-          </a:fillRef>
-          <a:effectRef idx="0">
-            <a:schemeClr val="accent1"/>
-          </a:effectRef>
-          <a:fontRef idx="minor">
-            <a:schemeClr val="lt1"/>
-          </a:fontRef>
-        </p:style>
-        <p:txBody>
-          <a:bodyPr rtlCol="0" anchor="ctr"/>
-          <a:lstStyle/>
-          <a:p>
-            <a:r>
-              <a:rPr lang="ko-KR" altLang="en-US" sz="800" dirty="0" err="1" smtClean="0">
-                <a:solidFill>
-                  <a:schemeClr val="tx1"/>
-                </a:solidFill>
-              </a:rPr>
-              <a:t>시군구</a:t>
-            </a:r>
-            <a:endParaRPr lang="ko-KR" altLang="en-US" sz="800" dirty="0">
-              <a:solidFill>
-                <a:schemeClr val="tx1"/>
-              </a:solidFill>
-            </a:endParaRPr>
-          </a:p>
-        </p:txBody>
-      </p:sp>
-      <p:pic>
-        <p:nvPicPr>
-          <p:cNvPr id="9" name="그림 8"/>
-          <p:cNvPicPr>
-            <a:picLocks noChangeAspect="1"/>
-          </p:cNvPicPr>
-          <p:nvPr/>
-        </p:nvPicPr>
-        <p:blipFill>
-          <a:blip r:embed="rId6" cstate="print">
-            <a:extLst>
-              <a:ext uri="{28A0092B-C50C-407E-A947-70E740481C1C}">
-                <a14:useLocalDpi xmlns:a14="http://schemas.microsoft.com/office/drawing/2010/main" val="0"/>
-              </a:ext>
-            </a:extLst>
-          </a:blip>
-          <a:stretch>
-            <a:fillRect/>
-          </a:stretch>
-        </p:blipFill>
-        <p:spPr>
-          <a:xfrm>
-            <a:off x="7484480" y="5028650"/>
-            <a:ext cx="106768" cy="106768"/>
-          </a:xfrm>
-          <a:prstGeom prst="rect">
-            <a:avLst/>
-          </a:prstGeom>
-        </p:spPr>
-      </p:pic>
-      <p:pic>
-        <p:nvPicPr>
-          <p:cNvPr id="48" name="그림 47"/>
-          <p:cNvPicPr>
-            <a:picLocks noChangeAspect="1"/>
-          </p:cNvPicPr>
-          <p:nvPr/>
-        </p:nvPicPr>
-        <p:blipFill>
-          <a:blip r:embed="rId6" cstate="print">
-            <a:extLst>
-              <a:ext uri="{28A0092B-C50C-407E-A947-70E740481C1C}">
-                <a14:useLocalDpi xmlns:a14="http://schemas.microsoft.com/office/drawing/2010/main" val="0"/>
-              </a:ext>
-            </a:extLst>
-          </a:blip>
-          <a:stretch>
-            <a:fillRect/>
-          </a:stretch>
-        </p:blipFill>
-        <p:spPr>
-          <a:xfrm>
-            <a:off x="8712658" y="5028650"/>
-            <a:ext cx="106768" cy="106768"/>
-          </a:xfrm>
-          <a:prstGeom prst="rect">
-            <a:avLst/>
-          </a:prstGeom>
-        </p:spPr>
-      </p:pic>
-      <p:sp>
-        <p:nvSpPr>
-          <p:cNvPr id="49" name="직사각형 48"/>
-          <p:cNvSpPr/>
-          <p:nvPr/>
-        </p:nvSpPr>
-        <p:spPr>
-          <a:xfrm>
-            <a:off x="6520938" y="5362628"/>
-            <a:ext cx="795464" cy="101544"/>
-          </a:xfrm>
-          <a:prstGeom prst="rect">
-            <a:avLst/>
-          </a:prstGeom>
-          <a:solidFill>
-            <a:schemeClr val="bg1"/>
-          </a:solidFill>
-          <a:ln>
-            <a:solidFill>
-              <a:schemeClr val="bg1"/>
-            </a:solidFill>
-          </a:ln>
-        </p:spPr>
-        <p:style>
-          <a:lnRef idx="2">
-            <a:schemeClr val="accent1">
-              <a:shade val="50000"/>
-            </a:schemeClr>
-          </a:lnRef>
-          <a:fillRef idx="1">
-            <a:schemeClr val="accent1"/>
-          </a:fillRef>
-          <a:effectRef idx="0">
-            <a:schemeClr val="accent1"/>
-          </a:effectRef>
-          <a:fontRef idx="minor">
-            <a:schemeClr val="lt1"/>
-          </a:fontRef>
-        </p:style>
-        <p:txBody>
-          <a:bodyPr rtlCol="0" anchor="ctr"/>
-          <a:lstStyle/>
-          <a:p>
-            <a:r>
-              <a:rPr lang="ko-KR" altLang="en-US" sz="750" b="1" dirty="0" smtClean="0">
-                <a:solidFill>
-                  <a:schemeClr val="tx1">
-                    <a:lumMod val="65000"/>
-                    <a:lumOff val="35000"/>
-                  </a:schemeClr>
-                </a:solidFill>
-              </a:rPr>
-              <a:t>상세주</a:t>
-            </a:r>
-            <a:r>
-              <a:rPr lang="ko-KR" altLang="en-US" sz="750" b="1" dirty="0">
-                <a:solidFill>
-                  <a:schemeClr val="tx1">
-                    <a:lumMod val="65000"/>
-                    <a:lumOff val="35000"/>
-                  </a:schemeClr>
-                </a:solidFill>
-              </a:rPr>
-              <a:t>소</a:t>
-            </a:r>
-          </a:p>
-        </p:txBody>
-      </p:sp>
-      <p:sp>
-        <p:nvSpPr>
-          <p:cNvPr id="50" name="직사각형 49"/>
-          <p:cNvSpPr/>
-          <p:nvPr/>
-        </p:nvSpPr>
-        <p:spPr>
-          <a:xfrm>
-            <a:off x="6607838" y="5552276"/>
-            <a:ext cx="1509620" cy="276311"/>
-          </a:xfrm>
-          <a:prstGeom prst="rect">
-            <a:avLst/>
-          </a:prstGeom>
-          <a:solidFill>
-            <a:schemeClr val="bg1"/>
-          </a:solidFill>
-          <a:ln>
-            <a:solidFill>
-              <a:schemeClr val="bg1">
-                <a:lumMod val="50000"/>
-              </a:schemeClr>
-            </a:solidFill>
-          </a:ln>
-        </p:spPr>
-        <p:style>
-          <a:lnRef idx="2">
-            <a:schemeClr val="accent1">
-              <a:shade val="50000"/>
-            </a:schemeClr>
-          </a:lnRef>
-          <a:fillRef idx="1">
-            <a:schemeClr val="accent1"/>
-          </a:fillRef>
-          <a:effectRef idx="0">
-            <a:schemeClr val="accent1"/>
-          </a:effectRef>
-          <a:fontRef idx="minor">
-            <a:schemeClr val="lt1"/>
-          </a:fontRef>
-        </p:style>
-        <p:txBody>
-          <a:bodyPr rtlCol="0" anchor="ctr"/>
-          <a:lstStyle/>
-          <a:p>
-            <a:endParaRPr lang="ko-KR" altLang="en-US" sz="800" dirty="0">
-              <a:solidFill>
-                <a:schemeClr val="tx1"/>
-              </a:solidFill>
-            </a:endParaRPr>
-          </a:p>
-        </p:txBody>
-      </p:sp>
-      <p:sp>
-        <p:nvSpPr>
-          <p:cNvPr id="51" name="직사각형 50"/>
-          <p:cNvSpPr/>
-          <p:nvPr/>
-        </p:nvSpPr>
-        <p:spPr>
-          <a:xfrm>
-            <a:off x="8206607" y="5538459"/>
-            <a:ext cx="648947" cy="303942"/>
-          </a:xfrm>
-          <a:prstGeom prst="rect">
-            <a:avLst/>
-          </a:prstGeom>
-          <a:solidFill>
-            <a:srgbClr val="FF9E00"/>
-          </a:solidFill>
-          <a:ln>
-            <a:solidFill>
-              <a:schemeClr val="bg1"/>
-            </a:solidFill>
-          </a:ln>
-        </p:spPr>
-        <p:style>
-          <a:lnRef idx="2">
-            <a:schemeClr val="accent1">
-              <a:shade val="50000"/>
-            </a:schemeClr>
-          </a:lnRef>
-          <a:fillRef idx="1">
-            <a:schemeClr val="accent1"/>
-          </a:fillRef>
-          <a:effectRef idx="0">
-            <a:schemeClr val="accent1"/>
-          </a:effectRef>
-          <a:fontRef idx="minor">
-            <a:schemeClr val="lt1"/>
-          </a:fontRef>
-        </p:style>
-        <p:txBody>
-          <a:bodyPr rtlCol="0" anchor="ctr"/>
-          <a:lstStyle/>
-          <a:p>
-            <a:pPr algn="ctr"/>
-            <a:r>
-              <a:rPr lang="ko-KR" altLang="en-US" sz="800" b="1" dirty="0" smtClean="0">
-                <a:solidFill>
-                  <a:schemeClr val="bg1"/>
-                </a:solidFill>
-              </a:rPr>
-              <a:t>확인하</a:t>
-            </a:r>
-            <a:r>
-              <a:rPr lang="ko-KR" altLang="en-US" sz="800" b="1" dirty="0">
-                <a:solidFill>
-                  <a:schemeClr val="bg1"/>
-                </a:solidFill>
-              </a:rPr>
-              <a:t>기</a:t>
-            </a:r>
-          </a:p>
-        </p:txBody>
-      </p:sp>
+              </a:endParaRPr>
+            </a:p>
+          </p:txBody>
+        </p:sp>
+      </p:grpSp>
     </p:spTree>
     <p:extLst>
       <p:ext uri="{BB962C8B-B14F-4D97-AF65-F5344CB8AC3E}">
@@ -43837,7 +43435,7 @@
                 <a:gridCol w="2688299">
                   <a:extLst>
                     <a:ext uri="{9D8B030D-6E8A-4147-A177-3AD203B41FA5}">
-                      <a16:colId xmlns:a16="http://schemas.microsoft.com/office/drawing/2014/main" xmlns="" val="20000"/>
+                      <a16:colId xmlns="" xmlns:a16="http://schemas.microsoft.com/office/drawing/2014/main" val="20000"/>
                     </a:ext>
                   </a:extLst>
                 </a:gridCol>
@@ -43869,7 +43467,7 @@
                 </a:tc>
                 <a:extLst>
                   <a:ext uri="{0D108BD9-81ED-4DB2-BD59-A6C34878D82A}">
-                    <a16:rowId xmlns:a16="http://schemas.microsoft.com/office/drawing/2014/main" xmlns="" val="10000"/>
+                    <a16:rowId xmlns="" xmlns:a16="http://schemas.microsoft.com/office/drawing/2014/main" val="10000"/>
                   </a:ext>
                 </a:extLst>
               </a:tr>
@@ -43897,7 +43495,7 @@
                 </a:tc>
                 <a:extLst>
                   <a:ext uri="{0D108BD9-81ED-4DB2-BD59-A6C34878D82A}">
-                    <a16:rowId xmlns:a16="http://schemas.microsoft.com/office/drawing/2014/main" xmlns="" val="10001"/>
+                    <a16:rowId xmlns="" xmlns:a16="http://schemas.microsoft.com/office/drawing/2014/main" val="10001"/>
                   </a:ext>
                 </a:extLst>
               </a:tr>
@@ -43919,7 +43517,9 @@
           <a:prstGeom prst="rect">
             <a:avLst/>
           </a:prstGeom>
-          <a:noFill/>
+          <a:solidFill>
+            <a:schemeClr val="bg1"/>
+          </a:solidFill>
           <a:ln w="9525">
             <a:solidFill>
               <a:schemeClr val="tx1"/>
@@ -43962,14 +43562,14 @@
           <p:nvPr>
             <p:extLst>
               <p:ext uri="{D42A27DB-BD31-4B8C-83A1-F6EECF244321}">
-                <p14:modId xmlns:p14="http://schemas.microsoft.com/office/powerpoint/2010/main" val="2349079343"/>
+                <p14:modId xmlns:p14="http://schemas.microsoft.com/office/powerpoint/2010/main" val="1595246170"/>
               </p:ext>
             </p:extLst>
           </p:nvPr>
         </p:nvGraphicFramePr>
         <p:xfrm>
           <a:off x="9168341" y="2479152"/>
-          <a:ext cx="2688299" cy="3325450"/>
+          <a:ext cx="2688299" cy="1506116"/>
         </p:xfrm>
         <a:graphic>
           <a:graphicData uri="http://schemas.openxmlformats.org/drawingml/2006/table">
@@ -43979,14 +43579,14 @@
                 <a:gridCol w="280507">
                   <a:extLst>
                     <a:ext uri="{9D8B030D-6E8A-4147-A177-3AD203B41FA5}">
-                      <a16:colId xmlns:a16="http://schemas.microsoft.com/office/drawing/2014/main" xmlns="" val="20000"/>
+                      <a16:colId xmlns="" xmlns:a16="http://schemas.microsoft.com/office/drawing/2014/main" val="20000"/>
                     </a:ext>
                   </a:extLst>
                 </a:gridCol>
                 <a:gridCol w="2407792">
                   <a:extLst>
                     <a:ext uri="{9D8B030D-6E8A-4147-A177-3AD203B41FA5}">
-                      <a16:colId xmlns:a16="http://schemas.microsoft.com/office/drawing/2014/main" xmlns="" val="20001"/>
+                      <a16:colId xmlns="" xmlns:a16="http://schemas.microsoft.com/office/drawing/2014/main" val="20001"/>
                     </a:ext>
                   </a:extLst>
                 </a:gridCol>
@@ -44048,361 +43648,7 @@
                 </a:tc>
                 <a:extLst>
                   <a:ext uri="{0D108BD9-81ED-4DB2-BD59-A6C34878D82A}">
-                    <a16:rowId xmlns:a16="http://schemas.microsoft.com/office/drawing/2014/main" xmlns="" val="10000"/>
-                  </a:ext>
-                </a:extLst>
-              </a:tr>
-              <a:tr h="620107">
-                <a:tc>
-                  <a:txBody>
-                    <a:bodyPr/>
-                    <a:lstStyle/>
-                    <a:p>
-                      <a:pPr algn="ctr" latinLnBrk="1">
-                        <a:lnSpc>
-                          <a:spcPts val="1800"/>
-                        </a:lnSpc>
-                      </a:pPr>
-                      <a:r>
-                        <a:rPr lang="en-US" altLang="ko-KR" sz="1300" dirty="0">
-                          <a:latin typeface="+mj-ea"/>
-                          <a:ea typeface="+mj-ea"/>
-                        </a:rPr>
-                        <a:t>1</a:t>
-                      </a:r>
-                      <a:endParaRPr lang="ko-KR" altLang="en-US" sz="1300" dirty="0">
-                        <a:latin typeface="+mj-ea"/>
-                        <a:ea typeface="+mj-ea"/>
-                      </a:endParaRPr>
-                    </a:p>
-                  </a:txBody>
-                  <a:tcPr marL="121920" marR="121920" marT="60960" marB="60960" anchor="ctr"/>
-                </a:tc>
-                <a:tc>
-                  <a:txBody>
-                    <a:bodyPr/>
-                    <a:lstStyle/>
-                    <a:p>
-                      <a:pPr algn="l" latinLnBrk="1">
-                        <a:lnSpc>
-                          <a:spcPts val="1800"/>
-                        </a:lnSpc>
-                      </a:pPr>
-                      <a:r>
-                        <a:rPr lang="ko-KR" altLang="en-US" sz="1200" b="1" dirty="0">
-                          <a:latin typeface="+mj-ea"/>
-                          <a:ea typeface="+mj-ea"/>
-                        </a:rPr>
-                        <a:t>프로필 이미지 수정</a:t>
-                      </a:r>
-                      <a:endParaRPr lang="en-US" altLang="ko-KR" sz="1200" b="1" dirty="0">
-                        <a:latin typeface="+mj-ea"/>
-                        <a:ea typeface="+mj-ea"/>
-                      </a:endParaRPr>
-                    </a:p>
-                    <a:p>
-                      <a:pPr algn="l" latinLnBrk="1">
-                        <a:lnSpc>
-                          <a:spcPts val="1800"/>
-                        </a:lnSpc>
-                      </a:pPr>
-                      <a:r>
-                        <a:rPr lang="en-US" altLang="ko-KR" sz="1200" dirty="0">
-                          <a:latin typeface="+mj-ea"/>
-                          <a:ea typeface="+mj-ea"/>
-                        </a:rPr>
-                        <a:t>- </a:t>
-                      </a:r>
-                      <a:r>
-                        <a:rPr lang="ko-KR" altLang="en-US" sz="1200" dirty="0">
-                          <a:latin typeface="+mj-ea"/>
-                          <a:ea typeface="+mj-ea"/>
-                        </a:rPr>
-                        <a:t>이미지 파일업로드</a:t>
-                      </a:r>
-                    </a:p>
-                  </a:txBody>
-                  <a:tcPr marL="121920" marR="121920" marT="60960" marB="60960"/>
-                </a:tc>
-                <a:extLst>
-                  <a:ext uri="{0D108BD9-81ED-4DB2-BD59-A6C34878D82A}">
-                    <a16:rowId xmlns:a16="http://schemas.microsoft.com/office/drawing/2014/main" xmlns="" val="10001"/>
-                  </a:ext>
-                </a:extLst>
-              </a:tr>
-              <a:tr h="620107">
-                <a:tc>
-                  <a:txBody>
-                    <a:bodyPr/>
-                    <a:lstStyle/>
-                    <a:p>
-                      <a:pPr algn="ctr" latinLnBrk="1">
-                        <a:lnSpc>
-                          <a:spcPts val="1800"/>
-                        </a:lnSpc>
-                      </a:pPr>
-                      <a:r>
-                        <a:rPr lang="en-US" altLang="ko-KR" sz="1300" dirty="0">
-                          <a:latin typeface="+mj-ea"/>
-                          <a:ea typeface="+mj-ea"/>
-                        </a:rPr>
-                        <a:t>2</a:t>
-                      </a:r>
-                      <a:endParaRPr lang="ko-KR" altLang="en-US" sz="1300" dirty="0">
-                        <a:latin typeface="+mj-ea"/>
-                        <a:ea typeface="+mj-ea"/>
-                      </a:endParaRPr>
-                    </a:p>
-                  </a:txBody>
-                  <a:tcPr marL="121920" marR="121920" marT="60960" marB="60960" anchor="ctr"/>
-                </a:tc>
-                <a:tc>
-                  <a:txBody>
-                    <a:bodyPr/>
-                    <a:lstStyle/>
-                    <a:p>
-                      <a:pPr algn="l" latinLnBrk="1">
-                        <a:lnSpc>
-                          <a:spcPts val="1800"/>
-                        </a:lnSpc>
-                      </a:pPr>
-                      <a:r>
-                        <a:rPr lang="ko-KR" altLang="en-US" sz="1200" b="1" i="0" u="none" strike="noStrike" cap="none" dirty="0" err="1">
-                          <a:solidFill>
-                            <a:srgbClr val="000000"/>
-                          </a:solidFill>
-                          <a:latin typeface="+mj-ea"/>
-                          <a:ea typeface="+mj-ea"/>
-                          <a:cs typeface="Arial"/>
-                          <a:sym typeface="Arial"/>
-                        </a:rPr>
-                        <a:t>이메일</a:t>
-                      </a:r>
-                      <a:r>
-                        <a:rPr lang="ko-KR" altLang="en-US" sz="1200" b="1" i="0" u="none" strike="noStrike" cap="none" dirty="0">
-                          <a:solidFill>
-                            <a:srgbClr val="000000"/>
-                          </a:solidFill>
-                          <a:latin typeface="+mj-ea"/>
-                          <a:ea typeface="+mj-ea"/>
-                          <a:cs typeface="Arial"/>
-                          <a:sym typeface="Arial"/>
-                        </a:rPr>
-                        <a:t> 주소 확인</a:t>
-                      </a:r>
-                      <a:endParaRPr lang="en-US" altLang="ko-KR" sz="1200" b="1" i="0" u="none" strike="noStrike" cap="none" dirty="0">
-                        <a:solidFill>
-                          <a:srgbClr val="000000"/>
-                        </a:solidFill>
-                        <a:latin typeface="+mj-ea"/>
-                        <a:ea typeface="+mj-ea"/>
-                        <a:cs typeface="Arial"/>
-                        <a:sym typeface="Arial"/>
-                      </a:endParaRPr>
-                    </a:p>
-                    <a:p>
-                      <a:pPr algn="l" latinLnBrk="1">
-                        <a:lnSpc>
-                          <a:spcPts val="1800"/>
-                        </a:lnSpc>
-                      </a:pPr>
-                      <a:r>
-                        <a:rPr lang="en-US" altLang="ko-KR" sz="1200" b="0" i="0" u="none" strike="noStrike" cap="none" dirty="0">
-                          <a:solidFill>
-                            <a:srgbClr val="000000"/>
-                          </a:solidFill>
-                          <a:latin typeface="+mj-ea"/>
-                          <a:ea typeface="+mj-ea"/>
-                          <a:cs typeface="Arial"/>
-                          <a:sym typeface="Arial"/>
-                        </a:rPr>
-                        <a:t>- </a:t>
-                      </a:r>
-                      <a:r>
-                        <a:rPr lang="ko-KR" altLang="en-US" sz="1200" b="0" i="0" u="none" strike="noStrike" cap="none" dirty="0">
-                          <a:solidFill>
-                            <a:srgbClr val="000000"/>
-                          </a:solidFill>
-                          <a:latin typeface="+mj-ea"/>
-                          <a:ea typeface="+mj-ea"/>
-                          <a:cs typeface="Arial"/>
-                          <a:sym typeface="Arial"/>
-                        </a:rPr>
-                        <a:t>수정 불가</a:t>
-                      </a:r>
-                    </a:p>
-                  </a:txBody>
-                  <a:tcPr marL="121920" marR="121920" marT="60960" marB="60960"/>
-                </a:tc>
-                <a:extLst>
-                  <a:ext uri="{0D108BD9-81ED-4DB2-BD59-A6C34878D82A}">
-                    <a16:rowId xmlns:a16="http://schemas.microsoft.com/office/drawing/2014/main" xmlns="" val="10002"/>
-                  </a:ext>
-                </a:extLst>
-              </a:tr>
-              <a:tr h="310054">
-                <a:tc>
-                  <a:txBody>
-                    <a:bodyPr/>
-                    <a:lstStyle/>
-                    <a:p>
-                      <a:pPr algn="ctr" latinLnBrk="1">
-                        <a:lnSpc>
-                          <a:spcPts val="1800"/>
-                        </a:lnSpc>
-                      </a:pPr>
-                      <a:r>
-                        <a:rPr lang="en-US" altLang="ko-KR" sz="1300" dirty="0">
-                          <a:latin typeface="+mj-ea"/>
-                          <a:ea typeface="+mj-ea"/>
-                        </a:rPr>
-                        <a:t>3</a:t>
-                      </a:r>
-                      <a:endParaRPr lang="ko-KR" altLang="en-US" sz="1300" dirty="0">
-                        <a:latin typeface="+mj-ea"/>
-                        <a:ea typeface="+mj-ea"/>
-                      </a:endParaRPr>
-                    </a:p>
-                  </a:txBody>
-                  <a:tcPr marL="121920" marR="121920" marT="60960" marB="60960" anchor="ctr"/>
-                </a:tc>
-                <a:tc>
-                  <a:txBody>
-                    <a:bodyPr/>
-                    <a:lstStyle/>
-                    <a:p>
-                      <a:pPr algn="l" latinLnBrk="1">
-                        <a:lnSpc>
-                          <a:spcPts val="1800"/>
-                        </a:lnSpc>
-                      </a:pPr>
-                      <a:r>
-                        <a:rPr lang="ko-KR" altLang="en-US" sz="1200" b="1" i="0" u="none" strike="noStrike" kern="1200" cap="none" dirty="0" smtClean="0">
-                          <a:solidFill>
-                            <a:srgbClr val="000000"/>
-                          </a:solidFill>
-                          <a:latin typeface="+mj-ea"/>
-                          <a:ea typeface="+mn-ea"/>
-                          <a:cs typeface="Arial"/>
-                          <a:sym typeface="Arial"/>
-                        </a:rPr>
-                        <a:t>휴대폰 인증 </a:t>
-                      </a:r>
-                      <a:r>
-                        <a:rPr lang="en-US" altLang="ko-KR" sz="1200" b="1" i="0" u="none" strike="noStrike" kern="1200" cap="none" dirty="0" smtClean="0">
-                          <a:solidFill>
-                            <a:srgbClr val="000000"/>
-                          </a:solidFill>
-                          <a:latin typeface="+mj-ea"/>
-                          <a:ea typeface="+mn-ea"/>
-                          <a:cs typeface="Arial"/>
-                          <a:sym typeface="Arial"/>
-                        </a:rPr>
-                        <a:t>/ </a:t>
-                      </a:r>
-                      <a:r>
-                        <a:rPr lang="ko-KR" altLang="en-US" sz="1200" b="1" i="0" u="none" strike="noStrike" kern="1200" cap="none" dirty="0" smtClean="0">
-                          <a:solidFill>
-                            <a:srgbClr val="000000"/>
-                          </a:solidFill>
-                          <a:latin typeface="+mj-ea"/>
-                          <a:ea typeface="+mn-ea"/>
-                          <a:cs typeface="Arial"/>
-                          <a:sym typeface="Arial"/>
-                        </a:rPr>
-                        <a:t>주소 검색</a:t>
-                      </a:r>
-                      <a:endParaRPr lang="en-US" altLang="ko-KR" sz="1200" b="1" i="0" u="none" strike="noStrike" kern="1200" cap="none" dirty="0" smtClean="0">
-                        <a:solidFill>
-                          <a:srgbClr val="000000"/>
-                        </a:solidFill>
-                        <a:latin typeface="+mj-ea"/>
-                        <a:ea typeface="+mn-ea"/>
-                        <a:cs typeface="Arial"/>
-                        <a:sym typeface="Arial"/>
-                      </a:endParaRPr>
-                    </a:p>
-                    <a:p>
-                      <a:pPr algn="l" latinLnBrk="1">
-                        <a:lnSpc>
-                          <a:spcPts val="1800"/>
-                        </a:lnSpc>
-                      </a:pPr>
-                      <a:r>
-                        <a:rPr lang="en-US" altLang="ko-KR" sz="1200" b="0" i="0" u="none" strike="noStrike" kern="1200" cap="none" dirty="0" smtClean="0">
-                          <a:solidFill>
-                            <a:srgbClr val="000000"/>
-                          </a:solidFill>
-                          <a:latin typeface="+mj-ea"/>
-                          <a:ea typeface="+mn-ea"/>
-                          <a:cs typeface="Arial"/>
-                          <a:sym typeface="Arial"/>
-                        </a:rPr>
-                        <a:t>-</a:t>
-                      </a:r>
-                      <a:r>
-                        <a:rPr lang="en-US" altLang="ko-KR" sz="1200" b="0" i="0" u="none" strike="noStrike" kern="1200" cap="none" baseline="0" dirty="0" smtClean="0">
-                          <a:solidFill>
-                            <a:srgbClr val="000000"/>
-                          </a:solidFill>
-                          <a:latin typeface="+mj-ea"/>
-                          <a:ea typeface="+mn-ea"/>
-                          <a:cs typeface="Arial"/>
-                          <a:sym typeface="Arial"/>
-                        </a:rPr>
-                        <a:t> </a:t>
-                      </a:r>
-                      <a:r>
-                        <a:rPr lang="ko-KR" altLang="en-US" sz="1200" b="0" i="0" u="none" strike="noStrike" kern="1200" cap="none" baseline="0" dirty="0" smtClean="0">
-                          <a:solidFill>
-                            <a:srgbClr val="000000"/>
-                          </a:solidFill>
-                          <a:latin typeface="+mj-ea"/>
-                          <a:ea typeface="+mn-ea"/>
-                          <a:cs typeface="Arial"/>
-                          <a:sym typeface="Arial"/>
-                        </a:rPr>
-                        <a:t>유효성 </a:t>
-                      </a:r>
-                      <a:r>
-                        <a:rPr lang="ko-KR" altLang="en-US" sz="1200" b="0" i="0" u="none" strike="noStrike" kern="1200" cap="none" baseline="0" dirty="0" err="1" smtClean="0">
-                          <a:solidFill>
-                            <a:srgbClr val="000000"/>
-                          </a:solidFill>
-                          <a:latin typeface="+mj-ea"/>
-                          <a:ea typeface="+mn-ea"/>
-                          <a:cs typeface="Arial"/>
-                          <a:sym typeface="Arial"/>
-                        </a:rPr>
-                        <a:t>확인시</a:t>
-                      </a:r>
-                      <a:r>
-                        <a:rPr lang="ko-KR" altLang="en-US" sz="1200" b="0" i="0" u="none" strike="noStrike" kern="1200" cap="none" baseline="0" dirty="0" smtClean="0">
-                          <a:solidFill>
-                            <a:srgbClr val="000000"/>
-                          </a:solidFill>
-                          <a:latin typeface="+mj-ea"/>
-                          <a:ea typeface="+mn-ea"/>
-                          <a:cs typeface="Arial"/>
-                          <a:sym typeface="Arial"/>
-                        </a:rPr>
-                        <a:t> 다음 단계 진행</a:t>
-                      </a:r>
-                      <a:endParaRPr lang="ko-KR" altLang="en-US" sz="1200" kern="1200" dirty="0">
-                        <a:solidFill>
-                          <a:schemeClr val="tx1"/>
-                        </a:solidFill>
-                        <a:latin typeface="+mj-ea"/>
-                        <a:ea typeface="+mn-ea"/>
-                        <a:cs typeface="+mn-cs"/>
-                      </a:endParaRPr>
-                    </a:p>
-                  </a:txBody>
-                  <a:tcPr marL="121920" marR="121920" marT="60960" marB="60960"/>
-                </a:tc>
-                <a:extLst>
-                  <a:ext uri="{0D108BD9-81ED-4DB2-BD59-A6C34878D82A}">
-                    <a16:rowId xmlns:a16="http://schemas.microsoft.com/office/drawing/2014/main" xmlns="" val="10003"/>
+                    <a16:rowId xmlns="" xmlns:a16="http://schemas.microsoft.com/office/drawing/2014/main" val="10000"/>
                   </a:ext>
                 </a:extLst>
               </a:tr>
@@ -44564,13 +43810,2298 @@
       </p:graphicFrame>
       <p:sp>
         <p:nvSpPr>
-          <p:cNvPr id="21" name="직사각형 20"/>
+          <p:cNvPr id="31" name="직사각형 30"/>
           <p:cNvSpPr/>
           <p:nvPr/>
         </p:nvSpPr>
         <p:spPr>
           <a:xfrm>
-            <a:off x="2746993" y="1798919"/>
+            <a:off x="3761031" y="1647796"/>
+            <a:ext cx="716631" cy="132778"/>
+          </a:xfrm>
+          <a:prstGeom prst="rect">
+            <a:avLst/>
+          </a:prstGeom>
+          <a:solidFill>
+            <a:schemeClr val="bg1"/>
+          </a:solidFill>
+          <a:ln>
+            <a:solidFill>
+              <a:schemeClr val="bg1"/>
+            </a:solidFill>
+          </a:ln>
+        </p:spPr>
+        <p:style>
+          <a:lnRef idx="2">
+            <a:schemeClr val="accent1">
+              <a:shade val="50000"/>
+            </a:schemeClr>
+          </a:lnRef>
+          <a:fillRef idx="1">
+            <a:schemeClr val="accent1"/>
+          </a:fillRef>
+          <a:effectRef idx="0">
+            <a:schemeClr val="accent1"/>
+          </a:effectRef>
+          <a:fontRef idx="minor">
+            <a:schemeClr val="lt1"/>
+          </a:fontRef>
+        </p:style>
+        <p:txBody>
+          <a:bodyPr rtlCol="0" anchor="ctr"/>
+          <a:lstStyle/>
+          <a:p>
+            <a:r>
+              <a:rPr lang="ko-KR" altLang="en-US" sz="750" b="1" dirty="0" smtClean="0">
+                <a:solidFill>
+                  <a:schemeClr val="tx1">
+                    <a:lumMod val="65000"/>
+                    <a:lumOff val="35000"/>
+                  </a:schemeClr>
+                </a:solidFill>
+              </a:rPr>
+              <a:t>휴대폰 번호</a:t>
+            </a:r>
+            <a:endParaRPr lang="ko-KR" altLang="en-US" sz="750" b="1" dirty="0">
+              <a:solidFill>
+                <a:schemeClr val="tx1">
+                  <a:lumMod val="65000"/>
+                  <a:lumOff val="35000"/>
+                </a:schemeClr>
+              </a:solidFill>
+            </a:endParaRPr>
+          </a:p>
+        </p:txBody>
+      </p:sp>
+      <p:sp>
+        <p:nvSpPr>
+          <p:cNvPr id="32" name="직사각형 31"/>
+          <p:cNvSpPr/>
+          <p:nvPr/>
+        </p:nvSpPr>
+        <p:spPr>
+          <a:xfrm>
+            <a:off x="3847931" y="1854696"/>
+            <a:ext cx="1509620" cy="276311"/>
+          </a:xfrm>
+          <a:prstGeom prst="rect">
+            <a:avLst/>
+          </a:prstGeom>
+          <a:solidFill>
+            <a:schemeClr val="bg1"/>
+          </a:solidFill>
+          <a:ln>
+            <a:solidFill>
+              <a:schemeClr val="bg1">
+                <a:lumMod val="50000"/>
+              </a:schemeClr>
+            </a:solidFill>
+          </a:ln>
+        </p:spPr>
+        <p:style>
+          <a:lnRef idx="2">
+            <a:schemeClr val="accent1">
+              <a:shade val="50000"/>
+            </a:schemeClr>
+          </a:lnRef>
+          <a:fillRef idx="1">
+            <a:schemeClr val="accent1"/>
+          </a:fillRef>
+          <a:effectRef idx="0">
+            <a:schemeClr val="accent1"/>
+          </a:effectRef>
+          <a:fontRef idx="minor">
+            <a:schemeClr val="lt1"/>
+          </a:fontRef>
+        </p:style>
+        <p:txBody>
+          <a:bodyPr rtlCol="0" anchor="ctr"/>
+          <a:lstStyle/>
+          <a:p>
+            <a:r>
+              <a:rPr lang="ko-KR" altLang="en-US" sz="800" dirty="0" smtClean="0">
+                <a:solidFill>
+                  <a:schemeClr val="tx1"/>
+                </a:solidFill>
+              </a:rPr>
+              <a:t>휴대폰 번호를 입력해주세요</a:t>
+            </a:r>
+            <a:endParaRPr lang="ko-KR" altLang="en-US" sz="800" dirty="0">
+              <a:solidFill>
+                <a:schemeClr val="tx1"/>
+              </a:solidFill>
+            </a:endParaRPr>
+          </a:p>
+        </p:txBody>
+      </p:sp>
+      <p:sp>
+        <p:nvSpPr>
+          <p:cNvPr id="33" name="직사각형 32"/>
+          <p:cNvSpPr/>
+          <p:nvPr/>
+        </p:nvSpPr>
+        <p:spPr>
+          <a:xfrm>
+            <a:off x="5446700" y="1840879"/>
+            <a:ext cx="648947" cy="303942"/>
+          </a:xfrm>
+          <a:prstGeom prst="rect">
+            <a:avLst/>
+          </a:prstGeom>
+          <a:solidFill>
+            <a:srgbClr val="FF9E00"/>
+          </a:solidFill>
+          <a:ln>
+            <a:solidFill>
+              <a:schemeClr val="bg1"/>
+            </a:solidFill>
+          </a:ln>
+        </p:spPr>
+        <p:style>
+          <a:lnRef idx="2">
+            <a:schemeClr val="accent1">
+              <a:shade val="50000"/>
+            </a:schemeClr>
+          </a:lnRef>
+          <a:fillRef idx="1">
+            <a:schemeClr val="accent1"/>
+          </a:fillRef>
+          <a:effectRef idx="0">
+            <a:schemeClr val="accent1"/>
+          </a:effectRef>
+          <a:fontRef idx="minor">
+            <a:schemeClr val="lt1"/>
+          </a:fontRef>
+        </p:style>
+        <p:txBody>
+          <a:bodyPr rtlCol="0" anchor="ctr"/>
+          <a:lstStyle/>
+          <a:p>
+            <a:pPr algn="ctr"/>
+            <a:r>
+              <a:rPr lang="ko-KR" altLang="en-US" sz="800" b="1" dirty="0" err="1" smtClean="0">
+                <a:solidFill>
+                  <a:schemeClr val="bg1"/>
+                </a:solidFill>
+              </a:rPr>
+              <a:t>번호받기</a:t>
+            </a:r>
+            <a:endParaRPr lang="ko-KR" altLang="en-US" sz="800" b="1" dirty="0">
+              <a:solidFill>
+                <a:schemeClr val="bg1"/>
+              </a:solidFill>
+            </a:endParaRPr>
+          </a:p>
+        </p:txBody>
+      </p:sp>
+      <p:sp>
+        <p:nvSpPr>
+          <p:cNvPr id="34" name="직사각형 33"/>
+          <p:cNvSpPr/>
+          <p:nvPr/>
+        </p:nvSpPr>
+        <p:spPr>
+          <a:xfrm>
+            <a:off x="3761031" y="2285846"/>
+            <a:ext cx="795464" cy="101544"/>
+          </a:xfrm>
+          <a:prstGeom prst="rect">
+            <a:avLst/>
+          </a:prstGeom>
+          <a:solidFill>
+            <a:schemeClr val="bg1"/>
+          </a:solidFill>
+          <a:ln>
+            <a:solidFill>
+              <a:schemeClr val="bg1"/>
+            </a:solidFill>
+          </a:ln>
+        </p:spPr>
+        <p:style>
+          <a:lnRef idx="2">
+            <a:schemeClr val="accent1">
+              <a:shade val="50000"/>
+            </a:schemeClr>
+          </a:lnRef>
+          <a:fillRef idx="1">
+            <a:schemeClr val="accent1"/>
+          </a:fillRef>
+          <a:effectRef idx="0">
+            <a:schemeClr val="accent1"/>
+          </a:effectRef>
+          <a:fontRef idx="minor">
+            <a:schemeClr val="lt1"/>
+          </a:fontRef>
+        </p:style>
+        <p:txBody>
+          <a:bodyPr rtlCol="0" anchor="ctr"/>
+          <a:lstStyle/>
+          <a:p>
+            <a:r>
+              <a:rPr lang="ko-KR" altLang="en-US" sz="750" b="1" dirty="0" smtClean="0">
+                <a:solidFill>
+                  <a:schemeClr val="tx1">
+                    <a:lumMod val="65000"/>
+                    <a:lumOff val="35000"/>
+                  </a:schemeClr>
+                </a:solidFill>
+              </a:rPr>
+              <a:t>인증번호 확인</a:t>
+            </a:r>
+            <a:endParaRPr lang="ko-KR" altLang="en-US" sz="750" b="1" dirty="0">
+              <a:solidFill>
+                <a:schemeClr val="tx1">
+                  <a:lumMod val="65000"/>
+                  <a:lumOff val="35000"/>
+                </a:schemeClr>
+              </a:solidFill>
+            </a:endParaRPr>
+          </a:p>
+        </p:txBody>
+      </p:sp>
+      <p:sp>
+        <p:nvSpPr>
+          <p:cNvPr id="35" name="직사각형 34"/>
+          <p:cNvSpPr/>
+          <p:nvPr/>
+        </p:nvSpPr>
+        <p:spPr>
+          <a:xfrm>
+            <a:off x="3847931" y="2492746"/>
+            <a:ext cx="1509620" cy="276311"/>
+          </a:xfrm>
+          <a:prstGeom prst="rect">
+            <a:avLst/>
+          </a:prstGeom>
+          <a:solidFill>
+            <a:schemeClr val="bg1"/>
+          </a:solidFill>
+          <a:ln>
+            <a:solidFill>
+              <a:schemeClr val="bg1">
+                <a:lumMod val="50000"/>
+              </a:schemeClr>
+            </a:solidFill>
+          </a:ln>
+        </p:spPr>
+        <p:style>
+          <a:lnRef idx="2">
+            <a:schemeClr val="accent1">
+              <a:shade val="50000"/>
+            </a:schemeClr>
+          </a:lnRef>
+          <a:fillRef idx="1">
+            <a:schemeClr val="accent1"/>
+          </a:fillRef>
+          <a:effectRef idx="0">
+            <a:schemeClr val="accent1"/>
+          </a:effectRef>
+          <a:fontRef idx="minor">
+            <a:schemeClr val="lt1"/>
+          </a:fontRef>
+        </p:style>
+        <p:txBody>
+          <a:bodyPr rtlCol="0" anchor="ctr"/>
+          <a:lstStyle/>
+          <a:p>
+            <a:r>
+              <a:rPr lang="ko-KR" altLang="en-US" sz="800" dirty="0" smtClean="0">
+                <a:solidFill>
+                  <a:schemeClr val="tx1"/>
+                </a:solidFill>
+              </a:rPr>
+              <a:t>인증번호를 입력해주세요</a:t>
+            </a:r>
+            <a:endParaRPr lang="ko-KR" altLang="en-US" sz="800" dirty="0">
+              <a:solidFill>
+                <a:schemeClr val="tx1"/>
+              </a:solidFill>
+            </a:endParaRPr>
+          </a:p>
+        </p:txBody>
+      </p:sp>
+      <p:sp>
+        <p:nvSpPr>
+          <p:cNvPr id="36" name="직사각형 35"/>
+          <p:cNvSpPr/>
+          <p:nvPr/>
+        </p:nvSpPr>
+        <p:spPr>
+          <a:xfrm>
+            <a:off x="5446700" y="2478929"/>
+            <a:ext cx="648947" cy="303942"/>
+          </a:xfrm>
+          <a:prstGeom prst="rect">
+            <a:avLst/>
+          </a:prstGeom>
+          <a:solidFill>
+            <a:srgbClr val="FF9E00"/>
+          </a:solidFill>
+          <a:ln>
+            <a:solidFill>
+              <a:schemeClr val="bg1"/>
+            </a:solidFill>
+          </a:ln>
+        </p:spPr>
+        <p:style>
+          <a:lnRef idx="2">
+            <a:schemeClr val="accent1">
+              <a:shade val="50000"/>
+            </a:schemeClr>
+          </a:lnRef>
+          <a:fillRef idx="1">
+            <a:schemeClr val="accent1"/>
+          </a:fillRef>
+          <a:effectRef idx="0">
+            <a:schemeClr val="accent1"/>
+          </a:effectRef>
+          <a:fontRef idx="minor">
+            <a:schemeClr val="lt1"/>
+          </a:fontRef>
+        </p:style>
+        <p:txBody>
+          <a:bodyPr rtlCol="0" anchor="ctr"/>
+          <a:lstStyle/>
+          <a:p>
+            <a:pPr algn="ctr"/>
+            <a:r>
+              <a:rPr lang="ko-KR" altLang="en-US" sz="800" b="1" dirty="0" smtClean="0">
+                <a:solidFill>
+                  <a:schemeClr val="bg1"/>
+                </a:solidFill>
+              </a:rPr>
+              <a:t>확인하</a:t>
+            </a:r>
+            <a:r>
+              <a:rPr lang="ko-KR" altLang="en-US" sz="800" b="1" dirty="0">
+                <a:solidFill>
+                  <a:schemeClr val="bg1"/>
+                </a:solidFill>
+              </a:rPr>
+              <a:t>기</a:t>
+            </a:r>
+          </a:p>
+        </p:txBody>
+      </p:sp>
+      <p:sp>
+        <p:nvSpPr>
+          <p:cNvPr id="37" name="직사각형 36"/>
+          <p:cNvSpPr/>
+          <p:nvPr/>
+        </p:nvSpPr>
+        <p:spPr>
+          <a:xfrm>
+            <a:off x="3761031" y="2863538"/>
+            <a:ext cx="716631" cy="132778"/>
+          </a:xfrm>
+          <a:prstGeom prst="rect">
+            <a:avLst/>
+          </a:prstGeom>
+          <a:solidFill>
+            <a:schemeClr val="bg1"/>
+          </a:solidFill>
+          <a:ln>
+            <a:solidFill>
+              <a:schemeClr val="bg1"/>
+            </a:solidFill>
+          </a:ln>
+        </p:spPr>
+        <p:style>
+          <a:lnRef idx="2">
+            <a:schemeClr val="accent1">
+              <a:shade val="50000"/>
+            </a:schemeClr>
+          </a:lnRef>
+          <a:fillRef idx="1">
+            <a:schemeClr val="accent1"/>
+          </a:fillRef>
+          <a:effectRef idx="0">
+            <a:schemeClr val="accent1"/>
+          </a:effectRef>
+          <a:fontRef idx="minor">
+            <a:schemeClr val="lt1"/>
+          </a:fontRef>
+        </p:style>
+        <p:txBody>
+          <a:bodyPr rtlCol="0" anchor="ctr"/>
+          <a:lstStyle/>
+          <a:p>
+            <a:r>
+              <a:rPr lang="ko-KR" altLang="en-US" sz="750" b="1" dirty="0" smtClean="0">
+                <a:solidFill>
+                  <a:schemeClr val="tx1">
+                    <a:lumMod val="65000"/>
+                    <a:lumOff val="35000"/>
+                  </a:schemeClr>
+                </a:solidFill>
+              </a:rPr>
+              <a:t>휴대폰 번호</a:t>
+            </a:r>
+            <a:endParaRPr lang="ko-KR" altLang="en-US" sz="750" b="1" dirty="0">
+              <a:solidFill>
+                <a:schemeClr val="tx1">
+                  <a:lumMod val="65000"/>
+                  <a:lumOff val="35000"/>
+                </a:schemeClr>
+              </a:solidFill>
+            </a:endParaRPr>
+          </a:p>
+        </p:txBody>
+      </p:sp>
+      <p:sp>
+        <p:nvSpPr>
+          <p:cNvPr id="38" name="직사각형 37"/>
+          <p:cNvSpPr/>
+          <p:nvPr/>
+        </p:nvSpPr>
+        <p:spPr>
+          <a:xfrm>
+            <a:off x="3847931" y="3093720"/>
+            <a:ext cx="1042210" cy="276311"/>
+          </a:xfrm>
+          <a:prstGeom prst="rect">
+            <a:avLst/>
+          </a:prstGeom>
+          <a:solidFill>
+            <a:schemeClr val="bg1"/>
+          </a:solidFill>
+          <a:ln>
+            <a:solidFill>
+              <a:schemeClr val="bg1">
+                <a:lumMod val="50000"/>
+              </a:schemeClr>
+            </a:solidFill>
+          </a:ln>
+        </p:spPr>
+        <p:style>
+          <a:lnRef idx="2">
+            <a:schemeClr val="accent1">
+              <a:shade val="50000"/>
+            </a:schemeClr>
+          </a:lnRef>
+          <a:fillRef idx="1">
+            <a:schemeClr val="accent1"/>
+          </a:fillRef>
+          <a:effectRef idx="0">
+            <a:schemeClr val="accent1"/>
+          </a:effectRef>
+          <a:fontRef idx="minor">
+            <a:schemeClr val="lt1"/>
+          </a:fontRef>
+        </p:style>
+        <p:txBody>
+          <a:bodyPr rtlCol="0" anchor="ctr"/>
+          <a:lstStyle/>
+          <a:p>
+            <a:r>
+              <a:rPr lang="ko-KR" altLang="en-US" sz="800" dirty="0" smtClean="0">
+                <a:solidFill>
+                  <a:schemeClr val="tx1"/>
+                </a:solidFill>
+              </a:rPr>
+              <a:t>시</a:t>
+            </a:r>
+            <a:r>
+              <a:rPr lang="en-US" altLang="ko-KR" sz="800" dirty="0" smtClean="0">
+                <a:solidFill>
+                  <a:schemeClr val="tx1"/>
+                </a:solidFill>
+              </a:rPr>
+              <a:t>/</a:t>
+            </a:r>
+            <a:r>
+              <a:rPr lang="ko-KR" altLang="en-US" sz="800" dirty="0" smtClean="0">
+                <a:solidFill>
+                  <a:schemeClr val="tx1"/>
+                </a:solidFill>
+              </a:rPr>
+              <a:t>도              </a:t>
+            </a:r>
+            <a:endParaRPr lang="ko-KR" altLang="en-US" sz="800" dirty="0">
+              <a:solidFill>
+                <a:schemeClr val="tx1"/>
+              </a:solidFill>
+            </a:endParaRPr>
+          </a:p>
+        </p:txBody>
+      </p:sp>
+      <p:sp>
+        <p:nvSpPr>
+          <p:cNvPr id="44" name="직사각형 43"/>
+          <p:cNvSpPr/>
+          <p:nvPr/>
+        </p:nvSpPr>
+        <p:spPr>
+          <a:xfrm>
+            <a:off x="5053437" y="3093720"/>
+            <a:ext cx="1042210" cy="276311"/>
+          </a:xfrm>
+          <a:prstGeom prst="rect">
+            <a:avLst/>
+          </a:prstGeom>
+          <a:solidFill>
+            <a:schemeClr val="bg1"/>
+          </a:solidFill>
+          <a:ln>
+            <a:solidFill>
+              <a:schemeClr val="bg1">
+                <a:lumMod val="50000"/>
+              </a:schemeClr>
+            </a:solidFill>
+          </a:ln>
+        </p:spPr>
+        <p:style>
+          <a:lnRef idx="2">
+            <a:schemeClr val="accent1">
+              <a:shade val="50000"/>
+            </a:schemeClr>
+          </a:lnRef>
+          <a:fillRef idx="1">
+            <a:schemeClr val="accent1"/>
+          </a:fillRef>
+          <a:effectRef idx="0">
+            <a:schemeClr val="accent1"/>
+          </a:effectRef>
+          <a:fontRef idx="minor">
+            <a:schemeClr val="lt1"/>
+          </a:fontRef>
+        </p:style>
+        <p:txBody>
+          <a:bodyPr rtlCol="0" anchor="ctr"/>
+          <a:lstStyle/>
+          <a:p>
+            <a:r>
+              <a:rPr lang="ko-KR" altLang="en-US" sz="800" dirty="0" err="1" smtClean="0">
+                <a:solidFill>
+                  <a:schemeClr val="tx1"/>
+                </a:solidFill>
+              </a:rPr>
+              <a:t>시군구</a:t>
+            </a:r>
+            <a:endParaRPr lang="ko-KR" altLang="en-US" sz="800" dirty="0">
+              <a:solidFill>
+                <a:schemeClr val="tx1"/>
+              </a:solidFill>
+            </a:endParaRPr>
+          </a:p>
+        </p:txBody>
+      </p:sp>
+      <p:pic>
+        <p:nvPicPr>
+          <p:cNvPr id="45" name="그림 44"/>
+          <p:cNvPicPr>
+            <a:picLocks noChangeAspect="1"/>
+          </p:cNvPicPr>
+          <p:nvPr/>
+        </p:nvPicPr>
+        <p:blipFill>
+          <a:blip r:embed="rId2" cstate="print">
+            <a:extLst>
+              <a:ext uri="{28A0092B-C50C-407E-A947-70E740481C1C}">
+                <a14:useLocalDpi xmlns:a14="http://schemas.microsoft.com/office/drawing/2010/main" val="0"/>
+              </a:ext>
+            </a:extLst>
+          </a:blip>
+          <a:stretch>
+            <a:fillRect/>
+          </a:stretch>
+        </p:blipFill>
+        <p:spPr>
+          <a:xfrm>
+            <a:off x="4724573" y="3187117"/>
+            <a:ext cx="106768" cy="106768"/>
+          </a:xfrm>
+          <a:prstGeom prst="rect">
+            <a:avLst/>
+          </a:prstGeom>
+        </p:spPr>
+      </p:pic>
+      <p:pic>
+        <p:nvPicPr>
+          <p:cNvPr id="46" name="그림 45"/>
+          <p:cNvPicPr>
+            <a:picLocks noChangeAspect="1"/>
+          </p:cNvPicPr>
+          <p:nvPr/>
+        </p:nvPicPr>
+        <p:blipFill>
+          <a:blip r:embed="rId2" cstate="print">
+            <a:extLst>
+              <a:ext uri="{28A0092B-C50C-407E-A947-70E740481C1C}">
+                <a14:useLocalDpi xmlns:a14="http://schemas.microsoft.com/office/drawing/2010/main" val="0"/>
+              </a:ext>
+            </a:extLst>
+          </a:blip>
+          <a:stretch>
+            <a:fillRect/>
+          </a:stretch>
+        </p:blipFill>
+        <p:spPr>
+          <a:xfrm>
+            <a:off x="5952751" y="3187117"/>
+            <a:ext cx="106768" cy="106768"/>
+          </a:xfrm>
+          <a:prstGeom prst="rect">
+            <a:avLst/>
+          </a:prstGeom>
+        </p:spPr>
+      </p:pic>
+      <p:sp>
+        <p:nvSpPr>
+          <p:cNvPr id="47" name="직사각형 46"/>
+          <p:cNvSpPr/>
+          <p:nvPr/>
+        </p:nvSpPr>
+        <p:spPr>
+          <a:xfrm>
+            <a:off x="3761031" y="3521095"/>
+            <a:ext cx="795464" cy="101544"/>
+          </a:xfrm>
+          <a:prstGeom prst="rect">
+            <a:avLst/>
+          </a:prstGeom>
+          <a:solidFill>
+            <a:schemeClr val="bg1"/>
+          </a:solidFill>
+          <a:ln>
+            <a:solidFill>
+              <a:schemeClr val="bg1"/>
+            </a:solidFill>
+          </a:ln>
+        </p:spPr>
+        <p:style>
+          <a:lnRef idx="2">
+            <a:schemeClr val="accent1">
+              <a:shade val="50000"/>
+            </a:schemeClr>
+          </a:lnRef>
+          <a:fillRef idx="1">
+            <a:schemeClr val="accent1"/>
+          </a:fillRef>
+          <a:effectRef idx="0">
+            <a:schemeClr val="accent1"/>
+          </a:effectRef>
+          <a:fontRef idx="minor">
+            <a:schemeClr val="lt1"/>
+          </a:fontRef>
+        </p:style>
+        <p:txBody>
+          <a:bodyPr rtlCol="0" anchor="ctr"/>
+          <a:lstStyle/>
+          <a:p>
+            <a:r>
+              <a:rPr lang="ko-KR" altLang="en-US" sz="750" b="1" dirty="0" smtClean="0">
+                <a:solidFill>
+                  <a:schemeClr val="tx1">
+                    <a:lumMod val="65000"/>
+                    <a:lumOff val="35000"/>
+                  </a:schemeClr>
+                </a:solidFill>
+              </a:rPr>
+              <a:t>상세주</a:t>
+            </a:r>
+            <a:r>
+              <a:rPr lang="ko-KR" altLang="en-US" sz="750" b="1" dirty="0">
+                <a:solidFill>
+                  <a:schemeClr val="tx1">
+                    <a:lumMod val="65000"/>
+                    <a:lumOff val="35000"/>
+                  </a:schemeClr>
+                </a:solidFill>
+              </a:rPr>
+              <a:t>소</a:t>
+            </a:r>
+          </a:p>
+        </p:txBody>
+      </p:sp>
+      <p:sp>
+        <p:nvSpPr>
+          <p:cNvPr id="48" name="직사각형 47"/>
+          <p:cNvSpPr/>
+          <p:nvPr/>
+        </p:nvSpPr>
+        <p:spPr>
+          <a:xfrm>
+            <a:off x="3847931" y="3710743"/>
+            <a:ext cx="1509620" cy="276311"/>
+          </a:xfrm>
+          <a:prstGeom prst="rect">
+            <a:avLst/>
+          </a:prstGeom>
+          <a:solidFill>
+            <a:schemeClr val="bg1"/>
+          </a:solidFill>
+          <a:ln>
+            <a:solidFill>
+              <a:schemeClr val="bg1">
+                <a:lumMod val="50000"/>
+              </a:schemeClr>
+            </a:solidFill>
+          </a:ln>
+        </p:spPr>
+        <p:style>
+          <a:lnRef idx="2">
+            <a:schemeClr val="accent1">
+              <a:shade val="50000"/>
+            </a:schemeClr>
+          </a:lnRef>
+          <a:fillRef idx="1">
+            <a:schemeClr val="accent1"/>
+          </a:fillRef>
+          <a:effectRef idx="0">
+            <a:schemeClr val="accent1"/>
+          </a:effectRef>
+          <a:fontRef idx="minor">
+            <a:schemeClr val="lt1"/>
+          </a:fontRef>
+        </p:style>
+        <p:txBody>
+          <a:bodyPr rtlCol="0" anchor="ctr"/>
+          <a:lstStyle/>
+          <a:p>
+            <a:endParaRPr lang="ko-KR" altLang="en-US" sz="800" dirty="0">
+              <a:solidFill>
+                <a:schemeClr val="tx1"/>
+              </a:solidFill>
+            </a:endParaRPr>
+          </a:p>
+        </p:txBody>
+      </p:sp>
+      <p:sp>
+        <p:nvSpPr>
+          <p:cNvPr id="49" name="직사각형 48"/>
+          <p:cNvSpPr/>
+          <p:nvPr/>
+        </p:nvSpPr>
+        <p:spPr>
+          <a:xfrm>
+            <a:off x="5446700" y="3696926"/>
+            <a:ext cx="648947" cy="303942"/>
+          </a:xfrm>
+          <a:prstGeom prst="rect">
+            <a:avLst/>
+          </a:prstGeom>
+          <a:solidFill>
+            <a:srgbClr val="FF9E00"/>
+          </a:solidFill>
+          <a:ln>
+            <a:solidFill>
+              <a:schemeClr val="bg1"/>
+            </a:solidFill>
+          </a:ln>
+        </p:spPr>
+        <p:style>
+          <a:lnRef idx="2">
+            <a:schemeClr val="accent1">
+              <a:shade val="50000"/>
+            </a:schemeClr>
+          </a:lnRef>
+          <a:fillRef idx="1">
+            <a:schemeClr val="accent1"/>
+          </a:fillRef>
+          <a:effectRef idx="0">
+            <a:schemeClr val="accent1"/>
+          </a:effectRef>
+          <a:fontRef idx="minor">
+            <a:schemeClr val="lt1"/>
+          </a:fontRef>
+        </p:style>
+        <p:txBody>
+          <a:bodyPr rtlCol="0" anchor="ctr"/>
+          <a:lstStyle/>
+          <a:p>
+            <a:pPr algn="ctr"/>
+            <a:r>
+              <a:rPr lang="ko-KR" altLang="en-US" sz="800" b="1" dirty="0" smtClean="0">
+                <a:solidFill>
+                  <a:schemeClr val="bg1"/>
+                </a:solidFill>
+              </a:rPr>
+              <a:t>확인하</a:t>
+            </a:r>
+            <a:r>
+              <a:rPr lang="ko-KR" altLang="en-US" sz="800" b="1" dirty="0">
+                <a:solidFill>
+                  <a:schemeClr val="bg1"/>
+                </a:solidFill>
+              </a:rPr>
+              <a:t>기</a:t>
+            </a:r>
+          </a:p>
+        </p:txBody>
+      </p:sp>
+      <p:sp>
+        <p:nvSpPr>
+          <p:cNvPr id="50" name="직사각형 49"/>
+          <p:cNvSpPr/>
+          <p:nvPr/>
+        </p:nvSpPr>
+        <p:spPr>
+          <a:xfrm>
+            <a:off x="3769657" y="4137182"/>
+            <a:ext cx="795464" cy="101544"/>
+          </a:xfrm>
+          <a:prstGeom prst="rect">
+            <a:avLst/>
+          </a:prstGeom>
+          <a:solidFill>
+            <a:schemeClr val="bg1"/>
+          </a:solidFill>
+          <a:ln>
+            <a:solidFill>
+              <a:schemeClr val="bg1"/>
+            </a:solidFill>
+          </a:ln>
+        </p:spPr>
+        <p:style>
+          <a:lnRef idx="2">
+            <a:schemeClr val="accent1">
+              <a:shade val="50000"/>
+            </a:schemeClr>
+          </a:lnRef>
+          <a:fillRef idx="1">
+            <a:schemeClr val="accent1"/>
+          </a:fillRef>
+          <a:effectRef idx="0">
+            <a:schemeClr val="accent1"/>
+          </a:effectRef>
+          <a:fontRef idx="minor">
+            <a:schemeClr val="lt1"/>
+          </a:fontRef>
+        </p:style>
+        <p:txBody>
+          <a:bodyPr rtlCol="0" anchor="ctr"/>
+          <a:lstStyle/>
+          <a:p>
+            <a:r>
+              <a:rPr lang="ko-KR" altLang="en-US" sz="750" b="1" dirty="0" smtClean="0">
+                <a:solidFill>
+                  <a:schemeClr val="tx1">
+                    <a:lumMod val="65000"/>
+                    <a:lumOff val="35000"/>
+                  </a:schemeClr>
+                </a:solidFill>
+              </a:rPr>
+              <a:t>관심</a:t>
+            </a:r>
+            <a:r>
+              <a:rPr lang="ko-KR" altLang="en-US" sz="750" b="1" dirty="0">
+                <a:solidFill>
+                  <a:schemeClr val="tx1">
+                    <a:lumMod val="65000"/>
+                    <a:lumOff val="35000"/>
+                  </a:schemeClr>
+                </a:solidFill>
+              </a:rPr>
+              <a:t>사</a:t>
+            </a:r>
+            <a:endParaRPr lang="ko-KR" altLang="en-US" sz="750" b="1" dirty="0">
+              <a:solidFill>
+                <a:schemeClr val="tx1">
+                  <a:lumMod val="65000"/>
+                  <a:lumOff val="35000"/>
+                </a:schemeClr>
+              </a:solidFill>
+            </a:endParaRPr>
+          </a:p>
+        </p:txBody>
+      </p:sp>
+      <p:sp>
+        <p:nvSpPr>
+          <p:cNvPr id="51" name="직사각형 50"/>
+          <p:cNvSpPr/>
+          <p:nvPr/>
+        </p:nvSpPr>
+        <p:spPr>
+          <a:xfrm>
+            <a:off x="3769657" y="4258310"/>
+            <a:ext cx="2010142" cy="101544"/>
+          </a:xfrm>
+          <a:prstGeom prst="rect">
+            <a:avLst/>
+          </a:prstGeom>
+          <a:solidFill>
+            <a:schemeClr val="bg1"/>
+          </a:solidFill>
+          <a:ln>
+            <a:solidFill>
+              <a:schemeClr val="bg1"/>
+            </a:solidFill>
+          </a:ln>
+        </p:spPr>
+        <p:style>
+          <a:lnRef idx="2">
+            <a:schemeClr val="accent1">
+              <a:shade val="50000"/>
+            </a:schemeClr>
+          </a:lnRef>
+          <a:fillRef idx="1">
+            <a:schemeClr val="accent1"/>
+          </a:fillRef>
+          <a:effectRef idx="0">
+            <a:schemeClr val="accent1"/>
+          </a:effectRef>
+          <a:fontRef idx="minor">
+            <a:schemeClr val="lt1"/>
+          </a:fontRef>
+        </p:style>
+        <p:txBody>
+          <a:bodyPr rtlCol="0" anchor="ctr"/>
+          <a:lstStyle/>
+          <a:p>
+            <a:r>
+              <a:rPr lang="ko-KR" altLang="en-US" sz="600" b="1" dirty="0" smtClean="0">
+                <a:solidFill>
+                  <a:schemeClr val="tx1">
+                    <a:lumMod val="65000"/>
+                    <a:lumOff val="35000"/>
+                  </a:schemeClr>
+                </a:solidFill>
+              </a:rPr>
+              <a:t>최소 </a:t>
+            </a:r>
+            <a:r>
+              <a:rPr lang="en-US" altLang="ko-KR" sz="600" b="1" dirty="0" smtClean="0">
+                <a:solidFill>
+                  <a:schemeClr val="tx1">
+                    <a:lumMod val="65000"/>
+                    <a:lumOff val="35000"/>
+                  </a:schemeClr>
+                </a:solidFill>
+              </a:rPr>
+              <a:t>1</a:t>
+            </a:r>
+            <a:r>
+              <a:rPr lang="ko-KR" altLang="en-US" sz="600" b="1" dirty="0" smtClean="0">
+                <a:solidFill>
+                  <a:schemeClr val="tx1">
+                    <a:lumMod val="65000"/>
+                    <a:lumOff val="35000"/>
+                  </a:schemeClr>
+                </a:solidFill>
+              </a:rPr>
+              <a:t>개 이상의 관심사를 선택해주세요</a:t>
+            </a:r>
+            <a:endParaRPr lang="ko-KR" altLang="en-US" sz="600" b="1" dirty="0">
+              <a:solidFill>
+                <a:schemeClr val="tx1">
+                  <a:lumMod val="65000"/>
+                  <a:lumOff val="35000"/>
+                </a:schemeClr>
+              </a:solidFill>
+            </a:endParaRPr>
+          </a:p>
+        </p:txBody>
+      </p:sp>
+      <p:grpSp>
+        <p:nvGrpSpPr>
+          <p:cNvPr id="9" name="그룹 8"/>
+          <p:cNvGrpSpPr/>
+          <p:nvPr/>
+        </p:nvGrpSpPr>
+        <p:grpSpPr>
+          <a:xfrm>
+            <a:off x="3873809" y="4515565"/>
+            <a:ext cx="781756" cy="134070"/>
+            <a:chOff x="3873809" y="4489687"/>
+            <a:chExt cx="781756" cy="134070"/>
+          </a:xfrm>
+        </p:grpSpPr>
+        <p:sp>
+          <p:nvSpPr>
+            <p:cNvPr id="52" name="직사각형 51"/>
+            <p:cNvSpPr/>
+            <p:nvPr/>
+          </p:nvSpPr>
+          <p:spPr>
+            <a:xfrm>
+              <a:off x="3969900" y="4505950"/>
+              <a:ext cx="685665" cy="101544"/>
+            </a:xfrm>
+            <a:prstGeom prst="rect">
+              <a:avLst/>
+            </a:prstGeom>
+            <a:solidFill>
+              <a:schemeClr val="bg1"/>
+            </a:solidFill>
+            <a:ln>
+              <a:solidFill>
+                <a:schemeClr val="bg1"/>
+              </a:solidFill>
+            </a:ln>
+          </p:spPr>
+          <p:style>
+            <a:lnRef idx="2">
+              <a:schemeClr val="accent1">
+                <a:shade val="50000"/>
+              </a:schemeClr>
+            </a:lnRef>
+            <a:fillRef idx="1">
+              <a:schemeClr val="accent1"/>
+            </a:fillRef>
+            <a:effectRef idx="0">
+              <a:schemeClr val="accent1"/>
+            </a:effectRef>
+            <a:fontRef idx="minor">
+              <a:schemeClr val="lt1"/>
+            </a:fontRef>
+          </p:style>
+          <p:txBody>
+            <a:bodyPr rtlCol="0" anchor="ctr"/>
+            <a:lstStyle/>
+            <a:p>
+              <a:r>
+                <a:rPr lang="ko-KR" altLang="en-US" sz="750" b="1" dirty="0" smtClean="0">
+                  <a:solidFill>
+                    <a:schemeClr val="tx1">
+                      <a:lumMod val="65000"/>
+                      <a:lumOff val="35000"/>
+                    </a:schemeClr>
+                  </a:solidFill>
+                </a:rPr>
+                <a:t>교육</a:t>
+              </a:r>
+              <a:r>
+                <a:rPr lang="en-US" altLang="ko-KR" sz="750" b="1" dirty="0" smtClean="0">
+                  <a:solidFill>
+                    <a:schemeClr val="tx1">
+                      <a:lumMod val="65000"/>
+                      <a:lumOff val="35000"/>
+                    </a:schemeClr>
+                  </a:solidFill>
+                </a:rPr>
+                <a:t>.</a:t>
+              </a:r>
+              <a:r>
+                <a:rPr lang="ko-KR" altLang="en-US" sz="750" b="1" dirty="0" err="1" smtClean="0">
+                  <a:solidFill>
+                    <a:schemeClr val="tx1">
+                      <a:lumMod val="65000"/>
+                      <a:lumOff val="35000"/>
+                    </a:schemeClr>
+                  </a:solidFill>
+                </a:rPr>
+                <a:t>키즈</a:t>
+              </a:r>
+              <a:endParaRPr lang="ko-KR" altLang="en-US" sz="750" b="1" dirty="0">
+                <a:solidFill>
+                  <a:schemeClr val="tx1">
+                    <a:lumMod val="65000"/>
+                    <a:lumOff val="35000"/>
+                  </a:schemeClr>
+                </a:solidFill>
+              </a:endParaRPr>
+            </a:p>
+          </p:txBody>
+        </p:sp>
+        <p:sp>
+          <p:nvSpPr>
+            <p:cNvPr id="8" name="타원 7"/>
+            <p:cNvSpPr/>
+            <p:nvPr/>
+          </p:nvSpPr>
+          <p:spPr>
+            <a:xfrm>
+              <a:off x="3873809" y="4489687"/>
+              <a:ext cx="128846" cy="134070"/>
+            </a:xfrm>
+            <a:prstGeom prst="ellipse">
+              <a:avLst/>
+            </a:prstGeom>
+            <a:solidFill>
+              <a:schemeClr val="bg1"/>
+            </a:solidFill>
+            <a:ln w="19050">
+              <a:solidFill>
+                <a:srgbClr val="FF9E00"/>
+              </a:solidFill>
+            </a:ln>
+          </p:spPr>
+          <p:style>
+            <a:lnRef idx="2">
+              <a:schemeClr val="accent1">
+                <a:shade val="50000"/>
+              </a:schemeClr>
+            </a:lnRef>
+            <a:fillRef idx="1">
+              <a:schemeClr val="accent1"/>
+            </a:fillRef>
+            <a:effectRef idx="0">
+              <a:schemeClr val="accent1"/>
+            </a:effectRef>
+            <a:fontRef idx="minor">
+              <a:schemeClr val="lt1"/>
+            </a:fontRef>
+          </p:style>
+          <p:txBody>
+            <a:bodyPr rtlCol="0" anchor="ctr"/>
+            <a:lstStyle/>
+            <a:p>
+              <a:pPr algn="ctr"/>
+              <a:endParaRPr lang="ko-KR" altLang="en-US"/>
+            </a:p>
+          </p:txBody>
+        </p:sp>
+      </p:grpSp>
+      <p:grpSp>
+        <p:nvGrpSpPr>
+          <p:cNvPr id="53" name="그룹 52"/>
+          <p:cNvGrpSpPr/>
+          <p:nvPr/>
+        </p:nvGrpSpPr>
+        <p:grpSpPr>
+          <a:xfrm>
+            <a:off x="5254181" y="4515565"/>
+            <a:ext cx="991326" cy="134070"/>
+            <a:chOff x="3873809" y="4489687"/>
+            <a:chExt cx="991326" cy="134070"/>
+          </a:xfrm>
+        </p:grpSpPr>
+        <p:sp>
+          <p:nvSpPr>
+            <p:cNvPr id="54" name="직사각형 53"/>
+            <p:cNvSpPr/>
+            <p:nvPr/>
+          </p:nvSpPr>
+          <p:spPr>
+            <a:xfrm>
+              <a:off x="3969900" y="4505950"/>
+              <a:ext cx="895235" cy="101544"/>
+            </a:xfrm>
+            <a:prstGeom prst="rect">
+              <a:avLst/>
+            </a:prstGeom>
+            <a:solidFill>
+              <a:schemeClr val="bg1"/>
+            </a:solidFill>
+            <a:ln>
+              <a:solidFill>
+                <a:schemeClr val="bg1"/>
+              </a:solidFill>
+            </a:ln>
+          </p:spPr>
+          <p:style>
+            <a:lnRef idx="2">
+              <a:schemeClr val="accent1">
+                <a:shade val="50000"/>
+              </a:schemeClr>
+            </a:lnRef>
+            <a:fillRef idx="1">
+              <a:schemeClr val="accent1"/>
+            </a:fillRef>
+            <a:effectRef idx="0">
+              <a:schemeClr val="accent1"/>
+            </a:effectRef>
+            <a:fontRef idx="minor">
+              <a:schemeClr val="lt1"/>
+            </a:fontRef>
+          </p:style>
+          <p:txBody>
+            <a:bodyPr rtlCol="0" anchor="ctr"/>
+            <a:lstStyle/>
+            <a:p>
+              <a:r>
+                <a:rPr lang="ko-KR" altLang="en-US" sz="750" b="1" dirty="0" smtClean="0">
+                  <a:solidFill>
+                    <a:schemeClr val="tx1">
+                      <a:lumMod val="65000"/>
+                      <a:lumOff val="35000"/>
+                    </a:schemeClr>
+                  </a:solidFill>
+                </a:rPr>
+                <a:t>패션</a:t>
+              </a:r>
+              <a:r>
+                <a:rPr lang="en-US" altLang="ko-KR" sz="750" b="1" dirty="0" smtClean="0">
+                  <a:solidFill>
+                    <a:schemeClr val="tx1">
+                      <a:lumMod val="65000"/>
+                      <a:lumOff val="35000"/>
+                    </a:schemeClr>
+                  </a:solidFill>
+                </a:rPr>
+                <a:t>.</a:t>
+              </a:r>
+              <a:r>
+                <a:rPr lang="ko-KR" altLang="en-US" sz="750" b="1" dirty="0" smtClean="0">
+                  <a:solidFill>
+                    <a:schemeClr val="tx1">
+                      <a:lumMod val="65000"/>
+                      <a:lumOff val="35000"/>
+                    </a:schemeClr>
+                  </a:solidFill>
+                </a:rPr>
+                <a:t>잡화</a:t>
+              </a:r>
+              <a:r>
+                <a:rPr lang="en-US" altLang="ko-KR" sz="750" b="1" dirty="0" smtClean="0">
+                  <a:solidFill>
+                    <a:schemeClr val="tx1">
+                      <a:lumMod val="65000"/>
+                      <a:lumOff val="35000"/>
+                    </a:schemeClr>
+                  </a:solidFill>
+                </a:rPr>
+                <a:t>,</a:t>
+              </a:r>
+              <a:r>
+                <a:rPr lang="ko-KR" altLang="en-US" sz="750" b="1" dirty="0" err="1" smtClean="0">
+                  <a:solidFill>
+                    <a:schemeClr val="tx1">
+                      <a:lumMod val="65000"/>
+                      <a:lumOff val="35000"/>
+                    </a:schemeClr>
+                  </a:solidFill>
+                </a:rPr>
+                <a:t>뷰티</a:t>
+              </a:r>
+              <a:endParaRPr lang="ko-KR" altLang="en-US" sz="750" b="1" dirty="0">
+                <a:solidFill>
+                  <a:schemeClr val="tx1">
+                    <a:lumMod val="65000"/>
+                    <a:lumOff val="35000"/>
+                  </a:schemeClr>
+                </a:solidFill>
+              </a:endParaRPr>
+            </a:p>
+          </p:txBody>
+        </p:sp>
+        <p:sp>
+          <p:nvSpPr>
+            <p:cNvPr id="55" name="타원 54"/>
+            <p:cNvSpPr/>
+            <p:nvPr/>
+          </p:nvSpPr>
+          <p:spPr>
+            <a:xfrm>
+              <a:off x="3873809" y="4489687"/>
+              <a:ext cx="128846" cy="134070"/>
+            </a:xfrm>
+            <a:prstGeom prst="ellipse">
+              <a:avLst/>
+            </a:prstGeom>
+            <a:solidFill>
+              <a:schemeClr val="bg1"/>
+            </a:solidFill>
+            <a:ln w="19050">
+              <a:solidFill>
+                <a:srgbClr val="FF9E00"/>
+              </a:solidFill>
+            </a:ln>
+          </p:spPr>
+          <p:style>
+            <a:lnRef idx="2">
+              <a:schemeClr val="accent1">
+                <a:shade val="50000"/>
+              </a:schemeClr>
+            </a:lnRef>
+            <a:fillRef idx="1">
+              <a:schemeClr val="accent1"/>
+            </a:fillRef>
+            <a:effectRef idx="0">
+              <a:schemeClr val="accent1"/>
+            </a:effectRef>
+            <a:fontRef idx="minor">
+              <a:schemeClr val="lt1"/>
+            </a:fontRef>
+          </p:style>
+          <p:txBody>
+            <a:bodyPr rtlCol="0" anchor="ctr"/>
+            <a:lstStyle/>
+            <a:p>
+              <a:pPr algn="ctr"/>
+              <a:endParaRPr lang="ko-KR" altLang="en-US"/>
+            </a:p>
+          </p:txBody>
+        </p:sp>
+      </p:grpSp>
+      <p:grpSp>
+        <p:nvGrpSpPr>
+          <p:cNvPr id="56" name="그룹 55"/>
+          <p:cNvGrpSpPr/>
+          <p:nvPr/>
+        </p:nvGrpSpPr>
+        <p:grpSpPr>
+          <a:xfrm>
+            <a:off x="3873809" y="4751876"/>
+            <a:ext cx="1154936" cy="134070"/>
+            <a:chOff x="3873809" y="4489687"/>
+            <a:chExt cx="1154936" cy="134070"/>
+          </a:xfrm>
+        </p:grpSpPr>
+        <p:sp>
+          <p:nvSpPr>
+            <p:cNvPr id="57" name="직사각형 56"/>
+            <p:cNvSpPr/>
+            <p:nvPr/>
+          </p:nvSpPr>
+          <p:spPr>
+            <a:xfrm>
+              <a:off x="3969900" y="4505950"/>
+              <a:ext cx="1058845" cy="101544"/>
+            </a:xfrm>
+            <a:prstGeom prst="rect">
+              <a:avLst/>
+            </a:prstGeom>
+            <a:solidFill>
+              <a:schemeClr val="bg1"/>
+            </a:solidFill>
+            <a:ln>
+              <a:solidFill>
+                <a:schemeClr val="bg1"/>
+              </a:solidFill>
+            </a:ln>
+          </p:spPr>
+          <p:style>
+            <a:lnRef idx="2">
+              <a:schemeClr val="accent1">
+                <a:shade val="50000"/>
+              </a:schemeClr>
+            </a:lnRef>
+            <a:fillRef idx="1">
+              <a:schemeClr val="accent1"/>
+            </a:fillRef>
+            <a:effectRef idx="0">
+              <a:schemeClr val="accent1"/>
+            </a:effectRef>
+            <a:fontRef idx="minor">
+              <a:schemeClr val="lt1"/>
+            </a:fontRef>
+          </p:style>
+          <p:txBody>
+            <a:bodyPr rtlCol="0" anchor="ctr"/>
+            <a:lstStyle/>
+            <a:p>
+              <a:r>
+                <a:rPr lang="ko-KR" altLang="en-US" sz="750" b="1" dirty="0" err="1" smtClean="0">
+                  <a:solidFill>
+                    <a:schemeClr val="tx1">
+                      <a:lumMod val="65000"/>
+                      <a:lumOff val="35000"/>
+                    </a:schemeClr>
+                  </a:solidFill>
+                </a:rPr>
+                <a:t>홈리빙</a:t>
+              </a:r>
+              <a:r>
+                <a:rPr lang="en-US" altLang="ko-KR" sz="750" b="1" dirty="0" smtClean="0">
+                  <a:solidFill>
+                    <a:schemeClr val="tx1">
+                      <a:lumMod val="65000"/>
+                      <a:lumOff val="35000"/>
+                    </a:schemeClr>
+                  </a:solidFill>
+                </a:rPr>
+                <a:t>.</a:t>
+              </a:r>
+              <a:r>
+                <a:rPr lang="ko-KR" altLang="en-US" sz="750" b="1" dirty="0" smtClean="0">
+                  <a:solidFill>
+                    <a:schemeClr val="tx1">
+                      <a:lumMod val="65000"/>
+                      <a:lumOff val="35000"/>
+                    </a:schemeClr>
+                  </a:solidFill>
+                </a:rPr>
+                <a:t>디자인소품</a:t>
+              </a:r>
+              <a:endParaRPr lang="ko-KR" altLang="en-US" sz="750" b="1" dirty="0">
+                <a:solidFill>
+                  <a:schemeClr val="tx1">
+                    <a:lumMod val="65000"/>
+                    <a:lumOff val="35000"/>
+                  </a:schemeClr>
+                </a:solidFill>
+              </a:endParaRPr>
+            </a:p>
+          </p:txBody>
+        </p:sp>
+        <p:sp>
+          <p:nvSpPr>
+            <p:cNvPr id="58" name="타원 57"/>
+            <p:cNvSpPr/>
+            <p:nvPr/>
+          </p:nvSpPr>
+          <p:spPr>
+            <a:xfrm>
+              <a:off x="3873809" y="4489687"/>
+              <a:ext cx="128846" cy="134070"/>
+            </a:xfrm>
+            <a:prstGeom prst="ellipse">
+              <a:avLst/>
+            </a:prstGeom>
+            <a:solidFill>
+              <a:schemeClr val="bg1"/>
+            </a:solidFill>
+            <a:ln w="19050">
+              <a:solidFill>
+                <a:srgbClr val="FF9E00"/>
+              </a:solidFill>
+            </a:ln>
+          </p:spPr>
+          <p:style>
+            <a:lnRef idx="2">
+              <a:schemeClr val="accent1">
+                <a:shade val="50000"/>
+              </a:schemeClr>
+            </a:lnRef>
+            <a:fillRef idx="1">
+              <a:schemeClr val="accent1"/>
+            </a:fillRef>
+            <a:effectRef idx="0">
+              <a:schemeClr val="accent1"/>
+            </a:effectRef>
+            <a:fontRef idx="minor">
+              <a:schemeClr val="lt1"/>
+            </a:fontRef>
+          </p:style>
+          <p:txBody>
+            <a:bodyPr rtlCol="0" anchor="ctr"/>
+            <a:lstStyle/>
+            <a:p>
+              <a:pPr algn="ctr"/>
+              <a:endParaRPr lang="ko-KR" altLang="en-US"/>
+            </a:p>
+          </p:txBody>
+        </p:sp>
+      </p:grpSp>
+      <p:grpSp>
+        <p:nvGrpSpPr>
+          <p:cNvPr id="59" name="그룹 58"/>
+          <p:cNvGrpSpPr/>
+          <p:nvPr/>
+        </p:nvGrpSpPr>
+        <p:grpSpPr>
+          <a:xfrm>
+            <a:off x="5254181" y="4751876"/>
+            <a:ext cx="781756" cy="134070"/>
+            <a:chOff x="3873809" y="4489687"/>
+            <a:chExt cx="781756" cy="134070"/>
+          </a:xfrm>
+        </p:grpSpPr>
+        <p:sp>
+          <p:nvSpPr>
+            <p:cNvPr id="60" name="직사각형 59"/>
+            <p:cNvSpPr/>
+            <p:nvPr/>
+          </p:nvSpPr>
+          <p:spPr>
+            <a:xfrm>
+              <a:off x="3969900" y="4505950"/>
+              <a:ext cx="685665" cy="101544"/>
+            </a:xfrm>
+            <a:prstGeom prst="rect">
+              <a:avLst/>
+            </a:prstGeom>
+            <a:solidFill>
+              <a:schemeClr val="bg1"/>
+            </a:solidFill>
+            <a:ln>
+              <a:solidFill>
+                <a:schemeClr val="bg1"/>
+              </a:solidFill>
+            </a:ln>
+          </p:spPr>
+          <p:style>
+            <a:lnRef idx="2">
+              <a:schemeClr val="accent1">
+                <a:shade val="50000"/>
+              </a:schemeClr>
+            </a:lnRef>
+            <a:fillRef idx="1">
+              <a:schemeClr val="accent1"/>
+            </a:fillRef>
+            <a:effectRef idx="0">
+              <a:schemeClr val="accent1"/>
+            </a:effectRef>
+            <a:fontRef idx="minor">
+              <a:schemeClr val="lt1"/>
+            </a:fontRef>
+          </p:style>
+          <p:txBody>
+            <a:bodyPr rtlCol="0" anchor="ctr"/>
+            <a:lstStyle/>
+            <a:p>
+              <a:r>
+                <a:rPr lang="ko-KR" altLang="en-US" sz="750" b="1" dirty="0" smtClean="0">
+                  <a:solidFill>
+                    <a:schemeClr val="tx1">
+                      <a:lumMod val="65000"/>
+                      <a:lumOff val="35000"/>
+                    </a:schemeClr>
+                  </a:solidFill>
+                </a:rPr>
+                <a:t>공연</a:t>
+              </a:r>
+              <a:r>
+                <a:rPr lang="en-US" altLang="ko-KR" sz="750" b="1" dirty="0" smtClean="0">
+                  <a:solidFill>
+                    <a:schemeClr val="tx1">
+                      <a:lumMod val="65000"/>
+                      <a:lumOff val="35000"/>
+                    </a:schemeClr>
+                  </a:solidFill>
+                </a:rPr>
+                <a:t>.</a:t>
+              </a:r>
+              <a:r>
+                <a:rPr lang="ko-KR" altLang="en-US" sz="750" b="1" dirty="0" err="1" smtClean="0">
+                  <a:solidFill>
+                    <a:schemeClr val="tx1">
+                      <a:lumMod val="65000"/>
+                      <a:lumOff val="35000"/>
+                    </a:schemeClr>
+                  </a:solidFill>
+                </a:rPr>
+                <a:t>컬쳐</a:t>
+              </a:r>
+              <a:endParaRPr lang="ko-KR" altLang="en-US" sz="750" b="1" dirty="0">
+                <a:solidFill>
+                  <a:schemeClr val="tx1">
+                    <a:lumMod val="65000"/>
+                    <a:lumOff val="35000"/>
+                  </a:schemeClr>
+                </a:solidFill>
+              </a:endParaRPr>
+            </a:p>
+          </p:txBody>
+        </p:sp>
+        <p:sp>
+          <p:nvSpPr>
+            <p:cNvPr id="61" name="타원 60"/>
+            <p:cNvSpPr/>
+            <p:nvPr/>
+          </p:nvSpPr>
+          <p:spPr>
+            <a:xfrm>
+              <a:off x="3873809" y="4489687"/>
+              <a:ext cx="128846" cy="134070"/>
+            </a:xfrm>
+            <a:prstGeom prst="ellipse">
+              <a:avLst/>
+            </a:prstGeom>
+            <a:solidFill>
+              <a:schemeClr val="bg1"/>
+            </a:solidFill>
+            <a:ln w="19050">
+              <a:solidFill>
+                <a:srgbClr val="FF9E00"/>
+              </a:solidFill>
+            </a:ln>
+          </p:spPr>
+          <p:style>
+            <a:lnRef idx="2">
+              <a:schemeClr val="accent1">
+                <a:shade val="50000"/>
+              </a:schemeClr>
+            </a:lnRef>
+            <a:fillRef idx="1">
+              <a:schemeClr val="accent1"/>
+            </a:fillRef>
+            <a:effectRef idx="0">
+              <a:schemeClr val="accent1"/>
+            </a:effectRef>
+            <a:fontRef idx="minor">
+              <a:schemeClr val="lt1"/>
+            </a:fontRef>
+          </p:style>
+          <p:txBody>
+            <a:bodyPr rtlCol="0" anchor="ctr"/>
+            <a:lstStyle/>
+            <a:p>
+              <a:pPr algn="ctr"/>
+              <a:endParaRPr lang="ko-KR" altLang="en-US"/>
+            </a:p>
+          </p:txBody>
+        </p:sp>
+      </p:grpSp>
+      <p:grpSp>
+        <p:nvGrpSpPr>
+          <p:cNvPr id="76" name="그룹 75"/>
+          <p:cNvGrpSpPr/>
+          <p:nvPr/>
+        </p:nvGrpSpPr>
+        <p:grpSpPr>
+          <a:xfrm>
+            <a:off x="3873809" y="4993415"/>
+            <a:ext cx="1082503" cy="134070"/>
+            <a:chOff x="3873809" y="4489687"/>
+            <a:chExt cx="1082503" cy="134070"/>
+          </a:xfrm>
+        </p:grpSpPr>
+        <p:sp>
+          <p:nvSpPr>
+            <p:cNvPr id="77" name="직사각형 76"/>
+            <p:cNvSpPr/>
+            <p:nvPr/>
+          </p:nvSpPr>
+          <p:spPr>
+            <a:xfrm>
+              <a:off x="3969900" y="4505949"/>
+              <a:ext cx="986412" cy="117807"/>
+            </a:xfrm>
+            <a:prstGeom prst="rect">
+              <a:avLst/>
+            </a:prstGeom>
+            <a:solidFill>
+              <a:schemeClr val="bg1"/>
+            </a:solidFill>
+            <a:ln>
+              <a:solidFill>
+                <a:schemeClr val="bg1"/>
+              </a:solidFill>
+            </a:ln>
+          </p:spPr>
+          <p:style>
+            <a:lnRef idx="2">
+              <a:schemeClr val="accent1">
+                <a:shade val="50000"/>
+              </a:schemeClr>
+            </a:lnRef>
+            <a:fillRef idx="1">
+              <a:schemeClr val="accent1"/>
+            </a:fillRef>
+            <a:effectRef idx="0">
+              <a:schemeClr val="accent1"/>
+            </a:effectRef>
+            <a:fontRef idx="minor">
+              <a:schemeClr val="lt1"/>
+            </a:fontRef>
+          </p:style>
+          <p:txBody>
+            <a:bodyPr rtlCol="0" anchor="ctr"/>
+            <a:lstStyle/>
+            <a:p>
+              <a:r>
+                <a:rPr lang="ko-KR" altLang="en-US" sz="750" b="1" dirty="0" smtClean="0">
+                  <a:solidFill>
+                    <a:schemeClr val="tx1">
+                      <a:lumMod val="65000"/>
+                      <a:lumOff val="35000"/>
+                    </a:schemeClr>
+                  </a:solidFill>
+                </a:rPr>
+                <a:t>스포츠</a:t>
+              </a:r>
+              <a:r>
+                <a:rPr lang="en-US" altLang="ko-KR" sz="750" b="1" dirty="0" smtClean="0">
+                  <a:solidFill>
+                    <a:schemeClr val="tx1">
+                      <a:lumMod val="65000"/>
+                      <a:lumOff val="35000"/>
+                    </a:schemeClr>
+                  </a:solidFill>
+                </a:rPr>
+                <a:t>.</a:t>
+              </a:r>
+              <a:r>
+                <a:rPr lang="ko-KR" altLang="en-US" sz="750" b="1" dirty="0" err="1" smtClean="0">
+                  <a:solidFill>
+                    <a:schemeClr val="tx1">
+                      <a:lumMod val="65000"/>
+                      <a:lumOff val="35000"/>
+                    </a:schemeClr>
+                  </a:solidFill>
+                </a:rPr>
+                <a:t>모빌리티</a:t>
+              </a:r>
+              <a:endParaRPr lang="ko-KR" altLang="en-US" sz="750" b="1" dirty="0">
+                <a:solidFill>
+                  <a:schemeClr val="tx1">
+                    <a:lumMod val="65000"/>
+                    <a:lumOff val="35000"/>
+                  </a:schemeClr>
+                </a:solidFill>
+              </a:endParaRPr>
+            </a:p>
+          </p:txBody>
+        </p:sp>
+        <p:sp>
+          <p:nvSpPr>
+            <p:cNvPr id="78" name="타원 77"/>
+            <p:cNvSpPr/>
+            <p:nvPr/>
+          </p:nvSpPr>
+          <p:spPr>
+            <a:xfrm>
+              <a:off x="3873809" y="4489687"/>
+              <a:ext cx="128846" cy="134070"/>
+            </a:xfrm>
+            <a:prstGeom prst="ellipse">
+              <a:avLst/>
+            </a:prstGeom>
+            <a:solidFill>
+              <a:schemeClr val="bg1"/>
+            </a:solidFill>
+            <a:ln w="19050">
+              <a:solidFill>
+                <a:srgbClr val="FF9E00"/>
+              </a:solidFill>
+            </a:ln>
+          </p:spPr>
+          <p:style>
+            <a:lnRef idx="2">
+              <a:schemeClr val="accent1">
+                <a:shade val="50000"/>
+              </a:schemeClr>
+            </a:lnRef>
+            <a:fillRef idx="1">
+              <a:schemeClr val="accent1"/>
+            </a:fillRef>
+            <a:effectRef idx="0">
+              <a:schemeClr val="accent1"/>
+            </a:effectRef>
+            <a:fontRef idx="minor">
+              <a:schemeClr val="lt1"/>
+            </a:fontRef>
+          </p:style>
+          <p:txBody>
+            <a:bodyPr rtlCol="0" anchor="ctr"/>
+            <a:lstStyle/>
+            <a:p>
+              <a:pPr algn="ctr"/>
+              <a:endParaRPr lang="ko-KR" altLang="en-US"/>
+            </a:p>
+          </p:txBody>
+        </p:sp>
+      </p:grpSp>
+      <p:grpSp>
+        <p:nvGrpSpPr>
+          <p:cNvPr id="79" name="그룹 78"/>
+          <p:cNvGrpSpPr/>
+          <p:nvPr/>
+        </p:nvGrpSpPr>
+        <p:grpSpPr>
+          <a:xfrm>
+            <a:off x="5254181" y="4976163"/>
+            <a:ext cx="1203758" cy="134070"/>
+            <a:chOff x="3873809" y="4489687"/>
+            <a:chExt cx="1203758" cy="134070"/>
+          </a:xfrm>
+        </p:grpSpPr>
+        <p:sp>
+          <p:nvSpPr>
+            <p:cNvPr id="80" name="직사각형 79"/>
+            <p:cNvSpPr/>
+            <p:nvPr/>
+          </p:nvSpPr>
+          <p:spPr>
+            <a:xfrm>
+              <a:off x="3969900" y="4505950"/>
+              <a:ext cx="1107667" cy="101544"/>
+            </a:xfrm>
+            <a:prstGeom prst="rect">
+              <a:avLst/>
+            </a:prstGeom>
+            <a:solidFill>
+              <a:schemeClr val="bg1"/>
+            </a:solidFill>
+            <a:ln>
+              <a:solidFill>
+                <a:schemeClr val="bg1"/>
+              </a:solidFill>
+            </a:ln>
+          </p:spPr>
+          <p:style>
+            <a:lnRef idx="2">
+              <a:schemeClr val="accent1">
+                <a:shade val="50000"/>
+              </a:schemeClr>
+            </a:lnRef>
+            <a:fillRef idx="1">
+              <a:schemeClr val="accent1"/>
+            </a:fillRef>
+            <a:effectRef idx="0">
+              <a:schemeClr val="accent1"/>
+            </a:effectRef>
+            <a:fontRef idx="minor">
+              <a:schemeClr val="lt1"/>
+            </a:fontRef>
+          </p:style>
+          <p:txBody>
+            <a:bodyPr rtlCol="0" anchor="ctr"/>
+            <a:lstStyle/>
+            <a:p>
+              <a:r>
+                <a:rPr lang="ko-KR" altLang="en-US" sz="750" b="1" smtClean="0">
+                  <a:solidFill>
+                    <a:schemeClr val="tx1">
+                      <a:lumMod val="65000"/>
+                      <a:lumOff val="35000"/>
+                    </a:schemeClr>
+                  </a:solidFill>
+                </a:rPr>
+                <a:t>출판</a:t>
+              </a:r>
+              <a:endParaRPr lang="ko-KR" altLang="en-US" sz="750" b="1" dirty="0">
+                <a:solidFill>
+                  <a:schemeClr val="tx1">
+                    <a:lumMod val="65000"/>
+                    <a:lumOff val="35000"/>
+                  </a:schemeClr>
+                </a:solidFill>
+              </a:endParaRPr>
+            </a:p>
+          </p:txBody>
+        </p:sp>
+        <p:sp>
+          <p:nvSpPr>
+            <p:cNvPr id="81" name="타원 80"/>
+            <p:cNvSpPr/>
+            <p:nvPr/>
+          </p:nvSpPr>
+          <p:spPr>
+            <a:xfrm>
+              <a:off x="3873809" y="4489687"/>
+              <a:ext cx="128846" cy="134070"/>
+            </a:xfrm>
+            <a:prstGeom prst="ellipse">
+              <a:avLst/>
+            </a:prstGeom>
+            <a:solidFill>
+              <a:schemeClr val="bg1"/>
+            </a:solidFill>
+            <a:ln w="19050">
+              <a:solidFill>
+                <a:srgbClr val="FF9E00"/>
+              </a:solidFill>
+            </a:ln>
+          </p:spPr>
+          <p:style>
+            <a:lnRef idx="2">
+              <a:schemeClr val="accent1">
+                <a:shade val="50000"/>
+              </a:schemeClr>
+            </a:lnRef>
+            <a:fillRef idx="1">
+              <a:schemeClr val="accent1"/>
+            </a:fillRef>
+            <a:effectRef idx="0">
+              <a:schemeClr val="accent1"/>
+            </a:effectRef>
+            <a:fontRef idx="minor">
+              <a:schemeClr val="lt1"/>
+            </a:fontRef>
+          </p:style>
+          <p:txBody>
+            <a:bodyPr rtlCol="0" anchor="ctr"/>
+            <a:lstStyle/>
+            <a:p>
+              <a:pPr algn="ctr"/>
+              <a:endParaRPr lang="ko-KR" altLang="en-US"/>
+            </a:p>
+          </p:txBody>
+        </p:sp>
+      </p:grpSp>
+      <p:grpSp>
+        <p:nvGrpSpPr>
+          <p:cNvPr id="82" name="그룹 81"/>
+          <p:cNvGrpSpPr/>
+          <p:nvPr/>
+        </p:nvGrpSpPr>
+        <p:grpSpPr>
+          <a:xfrm>
+            <a:off x="3873809" y="5209075"/>
+            <a:ext cx="1082503" cy="134070"/>
+            <a:chOff x="3873809" y="4489687"/>
+            <a:chExt cx="1082503" cy="134070"/>
+          </a:xfrm>
+        </p:grpSpPr>
+        <p:sp>
+          <p:nvSpPr>
+            <p:cNvPr id="83" name="직사각형 82"/>
+            <p:cNvSpPr/>
+            <p:nvPr/>
+          </p:nvSpPr>
+          <p:spPr>
+            <a:xfrm>
+              <a:off x="3969900" y="4505950"/>
+              <a:ext cx="986412" cy="101544"/>
+            </a:xfrm>
+            <a:prstGeom prst="rect">
+              <a:avLst/>
+            </a:prstGeom>
+            <a:solidFill>
+              <a:schemeClr val="bg1"/>
+            </a:solidFill>
+            <a:ln>
+              <a:solidFill>
+                <a:schemeClr val="bg1"/>
+              </a:solidFill>
+            </a:ln>
+          </p:spPr>
+          <p:style>
+            <a:lnRef idx="2">
+              <a:schemeClr val="accent1">
+                <a:shade val="50000"/>
+              </a:schemeClr>
+            </a:lnRef>
+            <a:fillRef idx="1">
+              <a:schemeClr val="accent1"/>
+            </a:fillRef>
+            <a:effectRef idx="0">
+              <a:schemeClr val="accent1"/>
+            </a:effectRef>
+            <a:fontRef idx="minor">
+              <a:schemeClr val="lt1"/>
+            </a:fontRef>
+          </p:style>
+          <p:txBody>
+            <a:bodyPr rtlCol="0" anchor="ctr"/>
+            <a:lstStyle/>
+            <a:p>
+              <a:r>
+                <a:rPr lang="ko-KR" altLang="en-US" sz="750" b="1" dirty="0" smtClean="0">
+                  <a:solidFill>
+                    <a:schemeClr val="tx1">
+                      <a:lumMod val="65000"/>
+                      <a:lumOff val="35000"/>
+                    </a:schemeClr>
+                  </a:solidFill>
+                </a:rPr>
+                <a:t>반려동물</a:t>
+              </a:r>
+              <a:endParaRPr lang="ko-KR" altLang="en-US" sz="750" b="1" dirty="0">
+                <a:solidFill>
+                  <a:schemeClr val="tx1">
+                    <a:lumMod val="65000"/>
+                    <a:lumOff val="35000"/>
+                  </a:schemeClr>
+                </a:solidFill>
+              </a:endParaRPr>
+            </a:p>
+          </p:txBody>
+        </p:sp>
+        <p:sp>
+          <p:nvSpPr>
+            <p:cNvPr id="84" name="타원 83"/>
+            <p:cNvSpPr/>
+            <p:nvPr/>
+          </p:nvSpPr>
+          <p:spPr>
+            <a:xfrm>
+              <a:off x="3873809" y="4489687"/>
+              <a:ext cx="128846" cy="134070"/>
+            </a:xfrm>
+            <a:prstGeom prst="ellipse">
+              <a:avLst/>
+            </a:prstGeom>
+            <a:solidFill>
+              <a:schemeClr val="bg1"/>
+            </a:solidFill>
+            <a:ln w="19050">
+              <a:solidFill>
+                <a:srgbClr val="FF9E00"/>
+              </a:solidFill>
+            </a:ln>
+          </p:spPr>
+          <p:style>
+            <a:lnRef idx="2">
+              <a:schemeClr val="accent1">
+                <a:shade val="50000"/>
+              </a:schemeClr>
+            </a:lnRef>
+            <a:fillRef idx="1">
+              <a:schemeClr val="accent1"/>
+            </a:fillRef>
+            <a:effectRef idx="0">
+              <a:schemeClr val="accent1"/>
+            </a:effectRef>
+            <a:fontRef idx="minor">
+              <a:schemeClr val="lt1"/>
+            </a:fontRef>
+          </p:style>
+          <p:txBody>
+            <a:bodyPr rtlCol="0" anchor="ctr"/>
+            <a:lstStyle/>
+            <a:p>
+              <a:pPr algn="ctr"/>
+              <a:endParaRPr lang="ko-KR" altLang="en-US"/>
+            </a:p>
+          </p:txBody>
+        </p:sp>
+      </p:grpSp>
+      <p:grpSp>
+        <p:nvGrpSpPr>
+          <p:cNvPr id="85" name="그룹 84"/>
+          <p:cNvGrpSpPr/>
+          <p:nvPr/>
+        </p:nvGrpSpPr>
+        <p:grpSpPr>
+          <a:xfrm>
+            <a:off x="5254181" y="5191823"/>
+            <a:ext cx="781756" cy="134070"/>
+            <a:chOff x="3873809" y="4489687"/>
+            <a:chExt cx="781756" cy="134070"/>
+          </a:xfrm>
+        </p:grpSpPr>
+        <p:sp>
+          <p:nvSpPr>
+            <p:cNvPr id="86" name="직사각형 85"/>
+            <p:cNvSpPr/>
+            <p:nvPr/>
+          </p:nvSpPr>
+          <p:spPr>
+            <a:xfrm>
+              <a:off x="3969900" y="4505950"/>
+              <a:ext cx="685665" cy="101544"/>
+            </a:xfrm>
+            <a:prstGeom prst="rect">
+              <a:avLst/>
+            </a:prstGeom>
+            <a:solidFill>
+              <a:schemeClr val="bg1"/>
+            </a:solidFill>
+            <a:ln>
+              <a:solidFill>
+                <a:schemeClr val="bg1"/>
+              </a:solidFill>
+            </a:ln>
+          </p:spPr>
+          <p:style>
+            <a:lnRef idx="2">
+              <a:schemeClr val="accent1">
+                <a:shade val="50000"/>
+              </a:schemeClr>
+            </a:lnRef>
+            <a:fillRef idx="1">
+              <a:schemeClr val="accent1"/>
+            </a:fillRef>
+            <a:effectRef idx="0">
+              <a:schemeClr val="accent1"/>
+            </a:effectRef>
+            <a:fontRef idx="minor">
+              <a:schemeClr val="lt1"/>
+            </a:fontRef>
+          </p:style>
+          <p:txBody>
+            <a:bodyPr rtlCol="0" anchor="ctr"/>
+            <a:lstStyle/>
+            <a:p>
+              <a:r>
+                <a:rPr lang="ko-KR" altLang="en-US" sz="750" b="1" dirty="0" err="1" smtClean="0">
+                  <a:solidFill>
+                    <a:schemeClr val="tx1">
+                      <a:lumMod val="65000"/>
+                      <a:lumOff val="35000"/>
+                    </a:schemeClr>
+                  </a:solidFill>
+                </a:rPr>
+                <a:t>테크</a:t>
+              </a:r>
+              <a:r>
+                <a:rPr lang="en-US" altLang="ko-KR" sz="750" b="1" dirty="0" smtClean="0">
+                  <a:solidFill>
+                    <a:schemeClr val="tx1">
+                      <a:lumMod val="65000"/>
+                      <a:lumOff val="35000"/>
+                    </a:schemeClr>
+                  </a:solidFill>
+                </a:rPr>
+                <a:t>.</a:t>
+              </a:r>
+              <a:r>
+                <a:rPr lang="ko-KR" altLang="en-US" sz="750" b="1" dirty="0" smtClean="0">
+                  <a:solidFill>
+                    <a:schemeClr val="tx1">
+                      <a:lumMod val="65000"/>
+                      <a:lumOff val="35000"/>
+                    </a:schemeClr>
+                  </a:solidFill>
+                </a:rPr>
+                <a:t>가전</a:t>
+              </a:r>
+              <a:endParaRPr lang="ko-KR" altLang="en-US" sz="750" b="1" dirty="0">
+                <a:solidFill>
+                  <a:schemeClr val="tx1">
+                    <a:lumMod val="65000"/>
+                    <a:lumOff val="35000"/>
+                  </a:schemeClr>
+                </a:solidFill>
+              </a:endParaRPr>
+            </a:p>
+          </p:txBody>
+        </p:sp>
+        <p:sp>
+          <p:nvSpPr>
+            <p:cNvPr id="87" name="타원 86"/>
+            <p:cNvSpPr/>
+            <p:nvPr/>
+          </p:nvSpPr>
+          <p:spPr>
+            <a:xfrm>
+              <a:off x="3873809" y="4489687"/>
+              <a:ext cx="128846" cy="134070"/>
+            </a:xfrm>
+            <a:prstGeom prst="ellipse">
+              <a:avLst/>
+            </a:prstGeom>
+            <a:solidFill>
+              <a:schemeClr val="bg1"/>
+            </a:solidFill>
+            <a:ln w="19050">
+              <a:solidFill>
+                <a:srgbClr val="FF9E00"/>
+              </a:solidFill>
+            </a:ln>
+          </p:spPr>
+          <p:style>
+            <a:lnRef idx="2">
+              <a:schemeClr val="accent1">
+                <a:shade val="50000"/>
+              </a:schemeClr>
+            </a:lnRef>
+            <a:fillRef idx="1">
+              <a:schemeClr val="accent1"/>
+            </a:fillRef>
+            <a:effectRef idx="0">
+              <a:schemeClr val="accent1"/>
+            </a:effectRef>
+            <a:fontRef idx="minor">
+              <a:schemeClr val="lt1"/>
+            </a:fontRef>
+          </p:style>
+          <p:txBody>
+            <a:bodyPr rtlCol="0" anchor="ctr"/>
+            <a:lstStyle/>
+            <a:p>
+              <a:pPr algn="ctr"/>
+              <a:endParaRPr lang="ko-KR" altLang="en-US"/>
+            </a:p>
+          </p:txBody>
+        </p:sp>
+      </p:grpSp>
+      <p:sp>
+        <p:nvSpPr>
+          <p:cNvPr id="88" name="직사각형 87"/>
+          <p:cNvSpPr/>
+          <p:nvPr/>
+        </p:nvSpPr>
+        <p:spPr>
+          <a:xfrm>
+            <a:off x="3873809" y="5522850"/>
+            <a:ext cx="1016332" cy="303942"/>
+          </a:xfrm>
+          <a:prstGeom prst="rect">
+            <a:avLst/>
+          </a:prstGeom>
+          <a:solidFill>
+            <a:schemeClr val="bg1">
+              <a:lumMod val="65000"/>
+            </a:schemeClr>
+          </a:solidFill>
+          <a:ln>
+            <a:solidFill>
+              <a:schemeClr val="bg1"/>
+            </a:solidFill>
+          </a:ln>
+        </p:spPr>
+        <p:style>
+          <a:lnRef idx="2">
+            <a:schemeClr val="accent1">
+              <a:shade val="50000"/>
+            </a:schemeClr>
+          </a:lnRef>
+          <a:fillRef idx="1">
+            <a:schemeClr val="accent1"/>
+          </a:fillRef>
+          <a:effectRef idx="0">
+            <a:schemeClr val="accent1"/>
+          </a:effectRef>
+          <a:fontRef idx="minor">
+            <a:schemeClr val="lt1"/>
+          </a:fontRef>
+        </p:style>
+        <p:txBody>
+          <a:bodyPr rtlCol="0" anchor="ctr"/>
+          <a:lstStyle/>
+          <a:p>
+            <a:pPr algn="ctr"/>
+            <a:r>
+              <a:rPr lang="ko-KR" altLang="en-US" sz="800" b="1" dirty="0" smtClean="0">
+                <a:solidFill>
+                  <a:schemeClr val="bg1"/>
+                </a:solidFill>
+              </a:rPr>
+              <a:t>취소</a:t>
+            </a:r>
+            <a:endParaRPr lang="ko-KR" altLang="en-US" sz="800" b="1" dirty="0">
+              <a:solidFill>
+                <a:schemeClr val="bg1"/>
+              </a:solidFill>
+            </a:endParaRPr>
+          </a:p>
+        </p:txBody>
+      </p:sp>
+      <p:sp>
+        <p:nvSpPr>
+          <p:cNvPr id="89" name="직사각형 88"/>
+          <p:cNvSpPr/>
+          <p:nvPr/>
+        </p:nvSpPr>
+        <p:spPr>
+          <a:xfrm>
+            <a:off x="5079315" y="5522850"/>
+            <a:ext cx="1016332" cy="303942"/>
+          </a:xfrm>
+          <a:prstGeom prst="rect">
+            <a:avLst/>
+          </a:prstGeom>
+          <a:solidFill>
+            <a:srgbClr val="FF9E00"/>
+          </a:solidFill>
+          <a:ln>
+            <a:solidFill>
+              <a:schemeClr val="bg1"/>
+            </a:solidFill>
+          </a:ln>
+        </p:spPr>
+        <p:style>
+          <a:lnRef idx="2">
+            <a:schemeClr val="accent1">
+              <a:shade val="50000"/>
+            </a:schemeClr>
+          </a:lnRef>
+          <a:fillRef idx="1">
+            <a:schemeClr val="accent1"/>
+          </a:fillRef>
+          <a:effectRef idx="0">
+            <a:schemeClr val="accent1"/>
+          </a:effectRef>
+          <a:fontRef idx="minor">
+            <a:schemeClr val="lt1"/>
+          </a:fontRef>
+        </p:style>
+        <p:txBody>
+          <a:bodyPr rtlCol="0" anchor="ctr"/>
+          <a:lstStyle/>
+          <a:p>
+            <a:pPr algn="ctr"/>
+            <a:r>
+              <a:rPr lang="ko-KR" altLang="en-US" sz="800" b="1" dirty="0" smtClean="0">
+                <a:solidFill>
+                  <a:schemeClr val="bg1"/>
+                </a:solidFill>
+              </a:rPr>
+              <a:t>확인</a:t>
+            </a:r>
+            <a:endParaRPr lang="ko-KR" altLang="en-US" sz="800" b="1" dirty="0">
+              <a:solidFill>
+                <a:schemeClr val="bg1"/>
+              </a:solidFill>
+            </a:endParaRPr>
+          </a:p>
+        </p:txBody>
+      </p:sp>
+      <p:sp>
+        <p:nvSpPr>
+          <p:cNvPr id="90" name="직사각형 89"/>
+          <p:cNvSpPr/>
+          <p:nvPr/>
+        </p:nvSpPr>
+        <p:spPr>
+          <a:xfrm>
+            <a:off x="3500254" y="4082068"/>
             <a:ext cx="260777" cy="334555"/>
           </a:xfrm>
           <a:prstGeom prst="rect">
@@ -44610,674 +46141,11 @@
                   <a:schemeClr val="bg1"/>
                 </a:solidFill>
               </a:rPr>
-              <a:t>1</a:t>
-            </a:r>
-            <a:endParaRPr lang="ko-KR" altLang="en-US" sz="1300" b="1" dirty="0">
-              <a:solidFill>
-                <a:schemeClr val="bg1"/>
-              </a:solidFill>
-            </a:endParaRPr>
-          </a:p>
-        </p:txBody>
-      </p:sp>
-      <p:sp>
-        <p:nvSpPr>
-          <p:cNvPr id="22" name="직사각형 21"/>
-          <p:cNvSpPr/>
-          <p:nvPr/>
-        </p:nvSpPr>
-        <p:spPr>
-          <a:xfrm>
-            <a:off x="2027329" y="2653435"/>
-            <a:ext cx="260777" cy="334555"/>
-          </a:xfrm>
-          <a:prstGeom prst="rect">
-            <a:avLst/>
-          </a:prstGeom>
-          <a:solidFill>
-            <a:srgbClr val="FF0000"/>
-          </a:solidFill>
-          <a:ln>
-            <a:noFill/>
-          </a:ln>
-        </p:spPr>
-        <p:style>
-          <a:lnRef idx="2">
-            <a:schemeClr val="accent1">
-              <a:shade val="50000"/>
-            </a:schemeClr>
-          </a:lnRef>
-          <a:fillRef idx="1">
-            <a:schemeClr val="accent1"/>
-          </a:fillRef>
-          <a:effectRef idx="0">
-            <a:schemeClr val="accent1"/>
-          </a:effectRef>
-          <a:fontRef idx="minor">
-            <a:schemeClr val="lt1"/>
-          </a:fontRef>
-        </p:style>
-        <p:txBody>
-          <a:bodyPr rtlCol="0" anchor="ctr"/>
-          <a:lstStyle/>
-          <a:p>
-            <a:pPr algn="ctr"/>
-            <a:r>
-              <a:rPr lang="en-US" altLang="ko-KR" sz="1300" b="1" dirty="0">
-                <a:solidFill>
-                  <a:schemeClr val="bg1"/>
-                </a:solidFill>
-              </a:rPr>
-              <a:t>2</a:t>
-            </a:r>
-            <a:endParaRPr lang="ko-KR" altLang="en-US" sz="1300" b="1" dirty="0">
-              <a:solidFill>
-                <a:schemeClr val="bg1"/>
-              </a:solidFill>
-            </a:endParaRPr>
-          </a:p>
-        </p:txBody>
-      </p:sp>
-      <p:pic>
-        <p:nvPicPr>
-          <p:cNvPr id="3074" name="Picture 2"/>
-          <p:cNvPicPr>
-            <a:picLocks noChangeAspect="1" noChangeArrowheads="1"/>
-          </p:cNvPicPr>
-          <p:nvPr/>
-        </p:nvPicPr>
-        <p:blipFill>
-          <a:blip r:embed="rId2">
-            <a:extLst>
-              <a:ext uri="{28A0092B-C50C-407E-A947-70E740481C1C}">
-                <a14:useLocalDpi xmlns:a14="http://schemas.microsoft.com/office/drawing/2010/main" val="0"/>
-              </a:ext>
-            </a:extLst>
-          </a:blip>
-          <a:srcRect/>
-          <a:stretch>
-            <a:fillRect/>
-          </a:stretch>
-        </p:blipFill>
-        <p:spPr bwMode="auto">
-          <a:xfrm>
-            <a:off x="2676671" y="1368098"/>
-            <a:ext cx="4704147" cy="4825312"/>
-          </a:xfrm>
-          <a:prstGeom prst="rect">
-            <a:avLst/>
-          </a:prstGeom>
-          <a:noFill/>
-          <a:ln>
-            <a:noFill/>
-          </a:ln>
-          <a:effectLst/>
-          <a:extLst>
-            <a:ext uri="{909E8E84-426E-40DD-AFC4-6F175D3DCCD1}">
-              <a14:hiddenFill xmlns:a14="http://schemas.microsoft.com/office/drawing/2010/main">
-                <a:solidFill>
-                  <a:schemeClr val="accent1"/>
-                </a:solidFill>
-              </a14:hiddenFill>
-            </a:ext>
-            <a:ext uri="{91240B29-F687-4F45-9708-019B960494DF}">
-              <a14:hiddenLine xmlns:a14="http://schemas.microsoft.com/office/drawing/2010/main" w="9525">
-                <a:solidFill>
-                  <a:schemeClr val="tx1"/>
-                </a:solidFill>
-                <a:miter lim="800000"/>
-                <a:headEnd/>
-                <a:tailEnd/>
-              </a14:hiddenLine>
-            </a:ext>
-            <a:ext uri="{AF507438-7753-43E0-B8FC-AC1667EBCBE1}">
-              <a14:hiddenEffects xmlns:a14="http://schemas.microsoft.com/office/drawing/2010/main">
-                <a:effectLst>
-                  <a:outerShdw dist="35921" dir="2700000" algn="ctr" rotWithShape="0">
-                    <a:schemeClr val="bg2"/>
-                  </a:outerShdw>
-                </a:effectLst>
-              </a14:hiddenEffects>
-            </a:ext>
-          </a:extLst>
-        </p:spPr>
-      </p:pic>
-      <p:sp>
-        <p:nvSpPr>
-          <p:cNvPr id="25" name="직사각형 24"/>
-          <p:cNvSpPr/>
-          <p:nvPr/>
-        </p:nvSpPr>
-        <p:spPr>
-          <a:xfrm>
-            <a:off x="3644858" y="2086912"/>
-            <a:ext cx="260777" cy="334555"/>
-          </a:xfrm>
-          <a:prstGeom prst="rect">
-            <a:avLst/>
-          </a:prstGeom>
-          <a:solidFill>
-            <a:srgbClr val="FF0000"/>
-          </a:solidFill>
-          <a:ln>
-            <a:noFill/>
-          </a:ln>
-        </p:spPr>
-        <p:style>
-          <a:lnRef idx="2">
-            <a:schemeClr val="accent1">
-              <a:shade val="50000"/>
-            </a:schemeClr>
-          </a:lnRef>
-          <a:fillRef idx="1">
-            <a:schemeClr val="accent1"/>
-          </a:fillRef>
-          <a:effectRef idx="0">
-            <a:schemeClr val="accent1"/>
-          </a:effectRef>
-          <a:fontRef idx="minor">
-            <a:schemeClr val="lt1"/>
-          </a:fontRef>
-        </p:style>
-        <p:txBody>
-          <a:bodyPr rtlCol="0" anchor="ctr"/>
-          <a:lstStyle/>
-          <a:p>
-            <a:pPr algn="ctr"/>
-            <a:r>
-              <a:rPr lang="en-US" altLang="ko-KR" sz="1300" b="1" dirty="0">
-                <a:solidFill>
-                  <a:schemeClr val="bg1"/>
-                </a:solidFill>
-              </a:rPr>
-              <a:t>1</a:t>
-            </a:r>
-            <a:endParaRPr lang="ko-KR" altLang="en-US" sz="1300" b="1" dirty="0">
-              <a:solidFill>
-                <a:schemeClr val="bg1"/>
-              </a:solidFill>
-            </a:endParaRPr>
-          </a:p>
-        </p:txBody>
-      </p:sp>
-      <p:sp>
-        <p:nvSpPr>
-          <p:cNvPr id="26" name="직사각형 25"/>
-          <p:cNvSpPr/>
-          <p:nvPr/>
-        </p:nvSpPr>
-        <p:spPr>
-          <a:xfrm>
-            <a:off x="3648534" y="2903461"/>
-            <a:ext cx="260777" cy="334555"/>
-          </a:xfrm>
-          <a:prstGeom prst="rect">
-            <a:avLst/>
-          </a:prstGeom>
-          <a:solidFill>
-            <a:srgbClr val="FF0000"/>
-          </a:solidFill>
-          <a:ln>
-            <a:noFill/>
-          </a:ln>
-        </p:spPr>
-        <p:style>
-          <a:lnRef idx="2">
-            <a:schemeClr val="accent1">
-              <a:shade val="50000"/>
-            </a:schemeClr>
-          </a:lnRef>
-          <a:fillRef idx="1">
-            <a:schemeClr val="accent1"/>
-          </a:fillRef>
-          <a:effectRef idx="0">
-            <a:schemeClr val="accent1"/>
-          </a:effectRef>
-          <a:fontRef idx="minor">
-            <a:schemeClr val="lt1"/>
-          </a:fontRef>
-        </p:style>
-        <p:txBody>
-          <a:bodyPr rtlCol="0" anchor="ctr"/>
-          <a:lstStyle/>
-          <a:p>
-            <a:pPr algn="ctr"/>
-            <a:r>
-              <a:rPr lang="en-US" altLang="ko-KR" sz="1300" b="1" dirty="0">
-                <a:solidFill>
-                  <a:schemeClr val="bg1"/>
-                </a:solidFill>
-              </a:rPr>
-              <a:t>2</a:t>
-            </a:r>
-            <a:endParaRPr lang="ko-KR" altLang="en-US" sz="1300" b="1" dirty="0">
-              <a:solidFill>
-                <a:schemeClr val="bg1"/>
-              </a:solidFill>
-            </a:endParaRPr>
-          </a:p>
-        </p:txBody>
-      </p:sp>
-      <p:sp>
-        <p:nvSpPr>
-          <p:cNvPr id="27" name="직사각형 26"/>
-          <p:cNvSpPr/>
-          <p:nvPr/>
-        </p:nvSpPr>
-        <p:spPr>
-          <a:xfrm>
-            <a:off x="3644857" y="3446199"/>
-            <a:ext cx="260777" cy="334555"/>
-          </a:xfrm>
-          <a:prstGeom prst="rect">
-            <a:avLst/>
-          </a:prstGeom>
-          <a:solidFill>
-            <a:srgbClr val="FF0000"/>
-          </a:solidFill>
-          <a:ln>
-            <a:noFill/>
-          </a:ln>
-        </p:spPr>
-        <p:style>
-          <a:lnRef idx="2">
-            <a:schemeClr val="accent1">
-              <a:shade val="50000"/>
-            </a:schemeClr>
-          </a:lnRef>
-          <a:fillRef idx="1">
-            <a:schemeClr val="accent1"/>
-          </a:fillRef>
-          <a:effectRef idx="0">
-            <a:schemeClr val="accent1"/>
-          </a:effectRef>
-          <a:fontRef idx="minor">
-            <a:schemeClr val="lt1"/>
-          </a:fontRef>
-        </p:style>
-        <p:txBody>
-          <a:bodyPr rtlCol="0" anchor="ctr"/>
-          <a:lstStyle/>
-          <a:p>
-            <a:pPr algn="ctr"/>
-            <a:r>
-              <a:rPr lang="en-US" altLang="ko-KR" sz="1300" b="1" dirty="0">
-                <a:solidFill>
-                  <a:schemeClr val="bg1"/>
-                </a:solidFill>
-              </a:rPr>
-              <a:t>3</a:t>
-            </a:r>
-            <a:endParaRPr lang="ko-KR" altLang="en-US" sz="1300" b="1" dirty="0">
-              <a:solidFill>
-                <a:schemeClr val="bg1"/>
-              </a:solidFill>
-            </a:endParaRPr>
-          </a:p>
-        </p:txBody>
-      </p:sp>
-      <p:sp>
-        <p:nvSpPr>
-          <p:cNvPr id="28" name="직사각형 27"/>
-          <p:cNvSpPr/>
-          <p:nvPr/>
-        </p:nvSpPr>
-        <p:spPr>
-          <a:xfrm>
-            <a:off x="3644862" y="5272282"/>
-            <a:ext cx="260777" cy="334555"/>
-          </a:xfrm>
-          <a:prstGeom prst="rect">
-            <a:avLst/>
-          </a:prstGeom>
-          <a:solidFill>
-            <a:srgbClr val="FF0000"/>
-          </a:solidFill>
-          <a:ln>
-            <a:noFill/>
-          </a:ln>
-        </p:spPr>
-        <p:style>
-          <a:lnRef idx="2">
-            <a:schemeClr val="accent1">
-              <a:shade val="50000"/>
-            </a:schemeClr>
-          </a:lnRef>
-          <a:fillRef idx="1">
-            <a:schemeClr val="accent1"/>
-          </a:fillRef>
-          <a:effectRef idx="0">
-            <a:schemeClr val="accent1"/>
-          </a:effectRef>
-          <a:fontRef idx="minor">
-            <a:schemeClr val="lt1"/>
-          </a:fontRef>
-        </p:style>
-        <p:txBody>
-          <a:bodyPr rtlCol="0" anchor="ctr"/>
-          <a:lstStyle/>
-          <a:p>
-            <a:pPr algn="ctr"/>
-            <a:r>
-              <a:rPr lang="en-US" altLang="ko-KR" sz="1300" b="1" dirty="0">
-                <a:solidFill>
-                  <a:schemeClr val="bg1"/>
-                </a:solidFill>
-              </a:rPr>
               <a:t>4</a:t>
             </a:r>
             <a:endParaRPr lang="ko-KR" altLang="en-US" sz="1300" b="1" dirty="0">
               <a:solidFill>
                 <a:schemeClr val="bg1"/>
-              </a:solidFill>
-            </a:endParaRPr>
-          </a:p>
-        </p:txBody>
-      </p:sp>
-      <p:pic>
-        <p:nvPicPr>
-          <p:cNvPr id="30" name="Picture 4"/>
-          <p:cNvPicPr>
-            <a:picLocks noChangeAspect="1" noChangeArrowheads="1"/>
-          </p:cNvPicPr>
-          <p:nvPr/>
-        </p:nvPicPr>
-        <p:blipFill>
-          <a:blip r:embed="rId3">
-            <a:extLst>
-              <a:ext uri="{28A0092B-C50C-407E-A947-70E740481C1C}">
-                <a14:useLocalDpi xmlns:a14="http://schemas.microsoft.com/office/drawing/2010/main" val="0"/>
-              </a:ext>
-            </a:extLst>
-          </a:blip>
-          <a:srcRect/>
-          <a:stretch>
-            <a:fillRect/>
-          </a:stretch>
-        </p:blipFill>
-        <p:spPr bwMode="auto">
-          <a:xfrm>
-            <a:off x="3778923" y="5698650"/>
-            <a:ext cx="2655744" cy="456618"/>
-          </a:xfrm>
-          <a:prstGeom prst="rect">
-            <a:avLst/>
-          </a:prstGeom>
-          <a:noFill/>
-          <a:ln>
-            <a:noFill/>
-          </a:ln>
-          <a:effectLst/>
-          <a:extLst>
-            <a:ext uri="{909E8E84-426E-40DD-AFC4-6F175D3DCCD1}">
-              <a14:hiddenFill xmlns:a14="http://schemas.microsoft.com/office/drawing/2010/main">
-                <a:solidFill>
-                  <a:schemeClr val="accent1"/>
-                </a:solidFill>
-              </a14:hiddenFill>
-            </a:ext>
-            <a:ext uri="{91240B29-F687-4F45-9708-019B960494DF}">
-              <a14:hiddenLine xmlns:a14="http://schemas.microsoft.com/office/drawing/2010/main" w="9525">
-                <a:solidFill>
-                  <a:schemeClr val="tx1"/>
-                </a:solidFill>
-                <a:miter lim="800000"/>
-                <a:headEnd/>
-                <a:tailEnd/>
-              </a14:hiddenLine>
-            </a:ext>
-            <a:ext uri="{AF507438-7753-43E0-B8FC-AC1667EBCBE1}">
-              <a14:hiddenEffects xmlns:a14="http://schemas.microsoft.com/office/drawing/2010/main">
-                <a:effectLst>
-                  <a:outerShdw dist="35921" dir="2700000" algn="ctr" rotWithShape="0">
-                    <a:schemeClr val="bg2"/>
-                  </a:outerShdw>
-                </a:effectLst>
-              </a14:hiddenEffects>
-            </a:ext>
-          </a:extLst>
-        </p:spPr>
-      </p:pic>
-      <p:pic>
-        <p:nvPicPr>
-          <p:cNvPr id="3075" name="Picture 3"/>
-          <p:cNvPicPr>
-            <a:picLocks noChangeAspect="1" noChangeArrowheads="1"/>
-          </p:cNvPicPr>
-          <p:nvPr/>
-        </p:nvPicPr>
-        <p:blipFill>
-          <a:blip r:embed="rId4">
-            <a:extLst>
-              <a:ext uri="{28A0092B-C50C-407E-A947-70E740481C1C}">
-                <a14:useLocalDpi xmlns:a14="http://schemas.microsoft.com/office/drawing/2010/main" val="0"/>
-              </a:ext>
-            </a:extLst>
-          </a:blip>
-          <a:srcRect/>
-          <a:stretch>
-            <a:fillRect/>
-          </a:stretch>
-        </p:blipFill>
-        <p:spPr bwMode="auto">
-          <a:xfrm>
-            <a:off x="3996756" y="2653435"/>
-            <a:ext cx="2220078" cy="3240804"/>
-          </a:xfrm>
-          <a:prstGeom prst="rect">
-            <a:avLst/>
-          </a:prstGeom>
-          <a:noFill/>
-          <a:ln>
-            <a:noFill/>
-          </a:ln>
-          <a:effectLst/>
-          <a:extLst>
-            <a:ext uri="{909E8E84-426E-40DD-AFC4-6F175D3DCCD1}">
-              <a14:hiddenFill xmlns:a14="http://schemas.microsoft.com/office/drawing/2010/main">
-                <a:solidFill>
-                  <a:schemeClr val="accent1"/>
-                </a:solidFill>
-              </a14:hiddenFill>
-            </a:ext>
-            <a:ext uri="{91240B29-F687-4F45-9708-019B960494DF}">
-              <a14:hiddenLine xmlns:a14="http://schemas.microsoft.com/office/drawing/2010/main" w="9525">
-                <a:solidFill>
-                  <a:schemeClr val="tx1"/>
-                </a:solidFill>
-                <a:miter lim="800000"/>
-                <a:headEnd/>
-                <a:tailEnd/>
-              </a14:hiddenLine>
-            </a:ext>
-            <a:ext uri="{AF507438-7753-43E0-B8FC-AC1667EBCBE1}">
-              <a14:hiddenEffects xmlns:a14="http://schemas.microsoft.com/office/drawing/2010/main">
-                <a:effectLst>
-                  <a:outerShdw dist="35921" dir="2700000" algn="ctr" rotWithShape="0">
-                    <a:schemeClr val="bg2"/>
-                  </a:outerShdw>
-                </a:effectLst>
-              </a14:hiddenEffects>
-            </a:ext>
-          </a:extLst>
-        </p:spPr>
-      </p:pic>
-      <p:pic>
-        <p:nvPicPr>
-          <p:cNvPr id="7" name="Picture 4"/>
-          <p:cNvPicPr>
-            <a:picLocks noChangeAspect="1" noChangeArrowheads="1"/>
-          </p:cNvPicPr>
-          <p:nvPr/>
-        </p:nvPicPr>
-        <p:blipFill>
-          <a:blip r:embed="rId5">
-            <a:extLst>
-              <a:ext uri="{28A0092B-C50C-407E-A947-70E740481C1C}">
-                <a14:useLocalDpi xmlns:a14="http://schemas.microsoft.com/office/drawing/2010/main" val="0"/>
-              </a:ext>
-            </a:extLst>
-          </a:blip>
-          <a:srcRect/>
-          <a:stretch>
-            <a:fillRect/>
-          </a:stretch>
-        </p:blipFill>
-        <p:spPr bwMode="auto">
-          <a:xfrm>
-            <a:off x="4009039" y="5926959"/>
-            <a:ext cx="2129293" cy="313991"/>
-          </a:xfrm>
-          <a:prstGeom prst="rect">
-            <a:avLst/>
-          </a:prstGeom>
-          <a:noFill/>
-          <a:ln>
-            <a:noFill/>
-          </a:ln>
-          <a:effectLst/>
-          <a:extLst>
-            <a:ext uri="{909E8E84-426E-40DD-AFC4-6F175D3DCCD1}">
-              <a14:hiddenFill xmlns:a14="http://schemas.microsoft.com/office/drawing/2010/main">
-                <a:solidFill>
-                  <a:schemeClr val="accent1"/>
-                </a:solidFill>
-              </a14:hiddenFill>
-            </a:ext>
-            <a:ext uri="{91240B29-F687-4F45-9708-019B960494DF}">
-              <a14:hiddenLine xmlns:a14="http://schemas.microsoft.com/office/drawing/2010/main" w="9525">
-                <a:solidFill>
-                  <a:schemeClr val="tx1"/>
-                </a:solidFill>
-                <a:miter lim="800000"/>
-                <a:headEnd/>
-                <a:tailEnd/>
-              </a14:hiddenLine>
-            </a:ext>
-            <a:ext uri="{AF507438-7753-43E0-B8FC-AC1667EBCBE1}">
-              <a14:hiddenEffects xmlns:a14="http://schemas.microsoft.com/office/drawing/2010/main">
-                <a:effectLst>
-                  <a:outerShdw dist="35921" dir="2700000" algn="ctr" rotWithShape="0">
-                    <a:schemeClr val="bg2"/>
-                  </a:outerShdw>
-                </a:effectLst>
-              </a14:hiddenEffects>
-            </a:ext>
-          </a:extLst>
-        </p:spPr>
-      </p:pic>
-      <p:sp>
-        <p:nvSpPr>
-          <p:cNvPr id="3" name="타원 2"/>
-          <p:cNvSpPr/>
-          <p:nvPr/>
-        </p:nvSpPr>
-        <p:spPr>
-          <a:xfrm>
-            <a:off x="7495445" y="1892581"/>
-            <a:ext cx="481727" cy="481786"/>
-          </a:xfrm>
-          <a:prstGeom prst="ellipse">
-            <a:avLst/>
-          </a:prstGeom>
-          <a:solidFill>
-            <a:schemeClr val="bg1"/>
-          </a:solidFill>
-          <a:ln>
-            <a:solidFill>
-              <a:schemeClr val="tx1"/>
-            </a:solidFill>
-          </a:ln>
-        </p:spPr>
-        <p:style>
-          <a:lnRef idx="2">
-            <a:schemeClr val="accent1">
-              <a:shade val="50000"/>
-            </a:schemeClr>
-          </a:lnRef>
-          <a:fillRef idx="1">
-            <a:schemeClr val="accent1"/>
-          </a:fillRef>
-          <a:effectRef idx="0">
-            <a:schemeClr val="accent1"/>
-          </a:effectRef>
-          <a:fontRef idx="minor">
-            <a:schemeClr val="lt1"/>
-          </a:fontRef>
-        </p:style>
-        <p:txBody>
-          <a:bodyPr rtlCol="0" anchor="ctr"/>
-          <a:lstStyle/>
-          <a:p>
-            <a:pPr algn="ctr"/>
-            <a:endParaRPr lang="ko-KR" altLang="en-US">
-              <a:solidFill>
-                <a:schemeClr val="tx1"/>
-              </a:solidFill>
-            </a:endParaRPr>
-          </a:p>
-        </p:txBody>
-      </p:sp>
-      <p:sp>
-        <p:nvSpPr>
-          <p:cNvPr id="29" name="직사각형 28"/>
-          <p:cNvSpPr/>
-          <p:nvPr/>
-        </p:nvSpPr>
-        <p:spPr>
-          <a:xfrm>
-            <a:off x="6973124" y="1716368"/>
-            <a:ext cx="914402" cy="165101"/>
-          </a:xfrm>
-          <a:prstGeom prst="rect">
-            <a:avLst/>
-          </a:prstGeom>
-          <a:solidFill>
-            <a:schemeClr val="bg1"/>
-          </a:solidFill>
-          <a:ln>
-            <a:solidFill>
-              <a:schemeClr val="bg1"/>
-            </a:solidFill>
-          </a:ln>
-        </p:spPr>
-        <p:style>
-          <a:lnRef idx="2">
-            <a:schemeClr val="accent1">
-              <a:shade val="50000"/>
-            </a:schemeClr>
-          </a:lnRef>
-          <a:fillRef idx="1">
-            <a:schemeClr val="accent1"/>
-          </a:fillRef>
-          <a:effectRef idx="0">
-            <a:schemeClr val="accent1"/>
-          </a:effectRef>
-          <a:fontRef idx="minor">
-            <a:schemeClr val="lt1"/>
-          </a:fontRef>
-        </p:style>
-        <p:txBody>
-          <a:bodyPr rtlCol="0" anchor="ctr"/>
-          <a:lstStyle/>
-          <a:p>
-            <a:r>
-              <a:rPr lang="ko-KR" altLang="en-US" sz="800" dirty="0" smtClean="0">
-                <a:solidFill>
-                  <a:schemeClr val="tx1">
-                    <a:lumMod val="65000"/>
-                    <a:lumOff val="35000"/>
-                  </a:schemeClr>
-                </a:solidFill>
-              </a:rPr>
-              <a:t>서포터회원</a:t>
-            </a:r>
-            <a:endParaRPr lang="ko-KR" altLang="en-US" sz="800" dirty="0">
-              <a:solidFill>
-                <a:schemeClr val="tx1">
-                  <a:lumMod val="65000"/>
-                  <a:lumOff val="35000"/>
-                </a:schemeClr>
               </a:solidFill>
             </a:endParaRPr>
           </a:p>
@@ -46288,7 +47156,7 @@
                 <a:gridCol w="2688299">
                   <a:extLst>
                     <a:ext uri="{9D8B030D-6E8A-4147-A177-3AD203B41FA5}">
-                      <a16:colId xmlns:a16="http://schemas.microsoft.com/office/drawing/2014/main" xmlns="" val="20000"/>
+                      <a16:colId xmlns="" xmlns:a16="http://schemas.microsoft.com/office/drawing/2014/main" val="20000"/>
                     </a:ext>
                   </a:extLst>
                 </a:gridCol>
@@ -46320,7 +47188,7 @@
                 </a:tc>
                 <a:extLst>
                   <a:ext uri="{0D108BD9-81ED-4DB2-BD59-A6C34878D82A}">
-                    <a16:rowId xmlns:a16="http://schemas.microsoft.com/office/drawing/2014/main" xmlns="" val="10000"/>
+                    <a16:rowId xmlns="" xmlns:a16="http://schemas.microsoft.com/office/drawing/2014/main" val="10000"/>
                   </a:ext>
                 </a:extLst>
               </a:tr>
@@ -46356,7 +47224,7 @@
                 </a:tc>
                 <a:extLst>
                   <a:ext uri="{0D108BD9-81ED-4DB2-BD59-A6C34878D82A}">
-                    <a16:rowId xmlns:a16="http://schemas.microsoft.com/office/drawing/2014/main" xmlns="" val="10001"/>
+                    <a16:rowId xmlns="" xmlns:a16="http://schemas.microsoft.com/office/drawing/2014/main" val="10001"/>
                   </a:ext>
                 </a:extLst>
               </a:tr>
@@ -46414,134 +47282,6 @@
           </a:p>
         </p:txBody>
       </p:sp>
-      <p:pic>
-        <p:nvPicPr>
-          <p:cNvPr id="4101" name="Picture 5"/>
-          <p:cNvPicPr>
-            <a:picLocks noChangeAspect="1" noChangeArrowheads="1"/>
-          </p:cNvPicPr>
-          <p:nvPr/>
-        </p:nvPicPr>
-        <p:blipFill>
-          <a:blip r:embed="rId2">
-            <a:extLst>
-              <a:ext uri="{28A0092B-C50C-407E-A947-70E740481C1C}">
-                <a14:useLocalDpi xmlns:a14="http://schemas.microsoft.com/office/drawing/2010/main" val="0"/>
-              </a:ext>
-            </a:extLst>
-          </a:blip>
-          <a:srcRect/>
-          <a:stretch>
-            <a:fillRect/>
-          </a:stretch>
-        </p:blipFill>
-        <p:spPr bwMode="auto">
-          <a:xfrm>
-            <a:off x="3849598" y="1441678"/>
-            <a:ext cx="1560602" cy="215861"/>
-          </a:xfrm>
-          <a:prstGeom prst="rect">
-            <a:avLst/>
-          </a:prstGeom>
-          <a:noFill/>
-          <a:ln>
-            <a:noFill/>
-          </a:ln>
-          <a:effectLst/>
-          <a:extLst>
-            <a:ext uri="{909E8E84-426E-40DD-AFC4-6F175D3DCCD1}">
-              <a14:hiddenFill xmlns:a14="http://schemas.microsoft.com/office/drawing/2010/main">
-                <a:solidFill>
-                  <a:schemeClr val="accent1"/>
-                </a:solidFill>
-              </a14:hiddenFill>
-            </a:ext>
-            <a:ext uri="{91240B29-F687-4F45-9708-019B960494DF}">
-              <a14:hiddenLine xmlns:a14="http://schemas.microsoft.com/office/drawing/2010/main" w="9525">
-                <a:solidFill>
-                  <a:schemeClr val="tx1"/>
-                </a:solidFill>
-                <a:miter lim="800000"/>
-                <a:headEnd/>
-                <a:tailEnd/>
-              </a14:hiddenLine>
-            </a:ext>
-            <a:ext uri="{AF507438-7753-43E0-B8FC-AC1667EBCBE1}">
-              <a14:hiddenEffects xmlns:a14="http://schemas.microsoft.com/office/drawing/2010/main">
-                <a:effectLst>
-                  <a:outerShdw dist="35921" dir="2700000" algn="ctr" rotWithShape="0">
-                    <a:schemeClr val="bg2"/>
-                  </a:outerShdw>
-                </a:effectLst>
-              </a14:hiddenEffects>
-            </a:ext>
-          </a:extLst>
-        </p:spPr>
-      </p:pic>
-      <p:pic>
-        <p:nvPicPr>
-          <p:cNvPr id="5122" name="Picture 2"/>
-          <p:cNvPicPr>
-            <a:picLocks noChangeAspect="1" noChangeArrowheads="1"/>
-          </p:cNvPicPr>
-          <p:nvPr/>
-        </p:nvPicPr>
-        <p:blipFill>
-          <a:blip r:embed="rId3">
-            <a:extLst>
-              <a:ext uri="{28A0092B-C50C-407E-A947-70E740481C1C}">
-                <a14:useLocalDpi xmlns:a14="http://schemas.microsoft.com/office/drawing/2010/main" val="0"/>
-              </a:ext>
-            </a:extLst>
-          </a:blip>
-          <a:srcRect/>
-          <a:stretch>
-            <a:fillRect/>
-          </a:stretch>
-        </p:blipFill>
-        <p:spPr bwMode="auto">
-          <a:xfrm>
-            <a:off x="3575038" y="1442101"/>
-            <a:ext cx="3088230" cy="4859753"/>
-          </a:xfrm>
-          <a:prstGeom prst="rect">
-            <a:avLst/>
-          </a:prstGeom>
-          <a:noFill/>
-          <a:ln>
-            <a:noFill/>
-          </a:ln>
-          <a:effectLst/>
-          <a:extLst>
-            <a:ext uri="{909E8E84-426E-40DD-AFC4-6F175D3DCCD1}">
-              <a14:hiddenFill xmlns:a14="http://schemas.microsoft.com/office/drawing/2010/main">
-                <a:solidFill>
-                  <a:schemeClr val="accent1"/>
-                </a:solidFill>
-              </a14:hiddenFill>
-            </a:ext>
-            <a:ext uri="{91240B29-F687-4F45-9708-019B960494DF}">
-              <a14:hiddenLine xmlns:a14="http://schemas.microsoft.com/office/drawing/2010/main" w="9525">
-                <a:solidFill>
-                  <a:schemeClr val="tx1"/>
-                </a:solidFill>
-                <a:miter lim="800000"/>
-                <a:headEnd/>
-                <a:tailEnd/>
-              </a14:hiddenLine>
-            </a:ext>
-            <a:ext uri="{AF507438-7753-43E0-B8FC-AC1667EBCBE1}">
-              <a14:hiddenEffects xmlns:a14="http://schemas.microsoft.com/office/drawing/2010/main">
-                <a:effectLst>
-                  <a:outerShdw dist="35921" dir="2700000" algn="ctr" rotWithShape="0">
-                    <a:schemeClr val="bg2"/>
-                  </a:outerShdw>
-                </a:effectLst>
-              </a14:hiddenEffects>
-            </a:ext>
-          </a:extLst>
-        </p:spPr>
-      </p:pic>
       <p:sp>
         <p:nvSpPr>
           <p:cNvPr id="21" name="직사각형 20"/>
@@ -46626,14 +47366,14 @@
                 <a:gridCol w="280507">
                   <a:extLst>
                     <a:ext uri="{9D8B030D-6E8A-4147-A177-3AD203B41FA5}">
-                      <a16:colId xmlns:a16="http://schemas.microsoft.com/office/drawing/2014/main" xmlns="" val="20000"/>
+                      <a16:colId xmlns="" xmlns:a16="http://schemas.microsoft.com/office/drawing/2014/main" val="20000"/>
                     </a:ext>
                   </a:extLst>
                 </a:gridCol>
                 <a:gridCol w="2407792">
                   <a:extLst>
                     <a:ext uri="{9D8B030D-6E8A-4147-A177-3AD203B41FA5}">
-                      <a16:colId xmlns:a16="http://schemas.microsoft.com/office/drawing/2014/main" xmlns="" val="20001"/>
+                      <a16:colId xmlns="" xmlns:a16="http://schemas.microsoft.com/office/drawing/2014/main" val="20001"/>
                     </a:ext>
                   </a:extLst>
                 </a:gridCol>
@@ -46695,7 +47435,7 @@
                 </a:tc>
                 <a:extLst>
                   <a:ext uri="{0D108BD9-81ED-4DB2-BD59-A6C34878D82A}">
-                    <a16:rowId xmlns:a16="http://schemas.microsoft.com/office/drawing/2014/main" xmlns="" val="10000"/>
+                    <a16:rowId xmlns="" xmlns:a16="http://schemas.microsoft.com/office/drawing/2014/main" val="10000"/>
                   </a:ext>
                 </a:extLst>
               </a:tr>
@@ -46780,7 +47520,7 @@
                 </a:tc>
                 <a:extLst>
                   <a:ext uri="{0D108BD9-81ED-4DB2-BD59-A6C34878D82A}">
-                    <a16:rowId xmlns:a16="http://schemas.microsoft.com/office/drawing/2014/main" xmlns="" val="10001"/>
+                    <a16:rowId xmlns="" xmlns:a16="http://schemas.microsoft.com/office/drawing/2014/main" val="10001"/>
                   </a:ext>
                 </a:extLst>
               </a:tr>
@@ -46889,7 +47629,7 @@
                 </a:tc>
                 <a:extLst>
                   <a:ext uri="{0D108BD9-81ED-4DB2-BD59-A6C34878D82A}">
-                    <a16:rowId xmlns:a16="http://schemas.microsoft.com/office/drawing/2014/main" xmlns="" val="10002"/>
+                    <a16:rowId xmlns="" xmlns:a16="http://schemas.microsoft.com/office/drawing/2014/main" val="10002"/>
                   </a:ext>
                 </a:extLst>
               </a:tr>
@@ -46950,6 +47690,622 @@
             <a:endParaRPr lang="ko-KR" altLang="en-US" sz="1300" b="1" dirty="0">
               <a:solidFill>
                 <a:schemeClr val="bg1"/>
+              </a:solidFill>
+            </a:endParaRPr>
+          </a:p>
+        </p:txBody>
+      </p:sp>
+      <p:sp>
+        <p:nvSpPr>
+          <p:cNvPr id="17" name="직사각형 16"/>
+          <p:cNvSpPr/>
+          <p:nvPr/>
+        </p:nvSpPr>
+        <p:spPr>
+          <a:xfrm>
+            <a:off x="4131354" y="1589290"/>
+            <a:ext cx="923112" cy="132778"/>
+          </a:xfrm>
+          <a:prstGeom prst="rect">
+            <a:avLst/>
+          </a:prstGeom>
+          <a:solidFill>
+            <a:schemeClr val="bg1"/>
+          </a:solidFill>
+          <a:ln>
+            <a:solidFill>
+              <a:schemeClr val="bg1"/>
+            </a:solidFill>
+          </a:ln>
+        </p:spPr>
+        <p:style>
+          <a:lnRef idx="2">
+            <a:schemeClr val="accent1">
+              <a:shade val="50000"/>
+            </a:schemeClr>
+          </a:lnRef>
+          <a:fillRef idx="1">
+            <a:schemeClr val="accent1"/>
+          </a:fillRef>
+          <a:effectRef idx="0">
+            <a:schemeClr val="accent1"/>
+          </a:effectRef>
+          <a:fontRef idx="minor">
+            <a:schemeClr val="lt1"/>
+          </a:fontRef>
+        </p:style>
+        <p:txBody>
+          <a:bodyPr rtlCol="0" anchor="ctr"/>
+          <a:lstStyle/>
+          <a:p>
+            <a:r>
+              <a:rPr lang="ko-KR" altLang="en-US" sz="1000" b="1" dirty="0" smtClean="0">
+                <a:solidFill>
+                  <a:schemeClr val="tx1">
+                    <a:lumMod val="65000"/>
+                    <a:lumOff val="35000"/>
+                  </a:schemeClr>
+                </a:solidFill>
+              </a:rPr>
+              <a:t>회원 탈퇴</a:t>
+            </a:r>
+            <a:endParaRPr lang="ko-KR" altLang="en-US" sz="1000" b="1" dirty="0">
+              <a:solidFill>
+                <a:schemeClr val="tx1">
+                  <a:lumMod val="65000"/>
+                  <a:lumOff val="35000"/>
+                </a:schemeClr>
+              </a:solidFill>
+            </a:endParaRPr>
+          </a:p>
+        </p:txBody>
+      </p:sp>
+      <p:pic>
+        <p:nvPicPr>
+          <p:cNvPr id="5122" name="Picture 2"/>
+          <p:cNvPicPr>
+            <a:picLocks noChangeAspect="1" noChangeArrowheads="1"/>
+          </p:cNvPicPr>
+          <p:nvPr/>
+        </p:nvPicPr>
+        <p:blipFill>
+          <a:blip r:embed="rId2">
+            <a:extLst>
+              <a:ext uri="{28A0092B-C50C-407E-A947-70E740481C1C}">
+                <a14:useLocalDpi xmlns:a14="http://schemas.microsoft.com/office/drawing/2010/main" val="0"/>
+              </a:ext>
+            </a:extLst>
+          </a:blip>
+          <a:srcRect/>
+          <a:stretch>
+            <a:fillRect/>
+          </a:stretch>
+        </p:blipFill>
+        <p:spPr bwMode="auto">
+          <a:xfrm>
+            <a:off x="8536385" y="522707"/>
+            <a:ext cx="4080710" cy="6421557"/>
+          </a:xfrm>
+          <a:prstGeom prst="rect">
+            <a:avLst/>
+          </a:prstGeom>
+          <a:noFill/>
+          <a:ln>
+            <a:noFill/>
+          </a:ln>
+          <a:effectLst/>
+          <a:extLst>
+            <a:ext uri="{909E8E84-426E-40DD-AFC4-6F175D3DCCD1}">
+              <a14:hiddenFill xmlns:a14="http://schemas.microsoft.com/office/drawing/2010/main">
+                <a:solidFill>
+                  <a:schemeClr val="accent1"/>
+                </a:solidFill>
+              </a14:hiddenFill>
+            </a:ext>
+            <a:ext uri="{91240B29-F687-4F45-9708-019B960494DF}">
+              <a14:hiddenLine xmlns:a14="http://schemas.microsoft.com/office/drawing/2010/main" w="9525">
+                <a:solidFill>
+                  <a:schemeClr val="tx1"/>
+                </a:solidFill>
+                <a:miter lim="800000"/>
+                <a:headEnd/>
+                <a:tailEnd/>
+              </a14:hiddenLine>
+            </a:ext>
+            <a:ext uri="{AF507438-7753-43E0-B8FC-AC1667EBCBE1}">
+              <a14:hiddenEffects xmlns:a14="http://schemas.microsoft.com/office/drawing/2010/main">
+                <a:effectLst>
+                  <a:outerShdw dist="35921" dir="2700000" algn="ctr" rotWithShape="0">
+                    <a:schemeClr val="bg2"/>
+                  </a:outerShdw>
+                </a:effectLst>
+              </a14:hiddenEffects>
+            </a:ext>
+          </a:extLst>
+        </p:spPr>
+      </p:pic>
+      <p:sp>
+        <p:nvSpPr>
+          <p:cNvPr id="20" name="직사각형 19"/>
+          <p:cNvSpPr/>
+          <p:nvPr/>
+        </p:nvSpPr>
+        <p:spPr>
+          <a:xfrm>
+            <a:off x="4131353" y="1994727"/>
+            <a:ext cx="1829500" cy="132778"/>
+          </a:xfrm>
+          <a:prstGeom prst="rect">
+            <a:avLst/>
+          </a:prstGeom>
+          <a:solidFill>
+            <a:schemeClr val="bg1"/>
+          </a:solidFill>
+          <a:ln>
+            <a:solidFill>
+              <a:schemeClr val="bg1"/>
+            </a:solidFill>
+          </a:ln>
+        </p:spPr>
+        <p:style>
+          <a:lnRef idx="2">
+            <a:schemeClr val="accent1">
+              <a:shade val="50000"/>
+            </a:schemeClr>
+          </a:lnRef>
+          <a:fillRef idx="1">
+            <a:schemeClr val="accent1"/>
+          </a:fillRef>
+          <a:effectRef idx="0">
+            <a:schemeClr val="accent1"/>
+          </a:effectRef>
+          <a:fontRef idx="minor">
+            <a:schemeClr val="lt1"/>
+          </a:fontRef>
+        </p:style>
+        <p:txBody>
+          <a:bodyPr rtlCol="0" anchor="ctr"/>
+          <a:lstStyle/>
+          <a:p>
+            <a:r>
+              <a:rPr lang="ko-KR" altLang="en-US" sz="900" b="1" dirty="0" smtClean="0">
+                <a:solidFill>
+                  <a:schemeClr val="tx1">
+                    <a:lumMod val="65000"/>
+                    <a:lumOff val="35000"/>
+                  </a:schemeClr>
+                </a:solidFill>
+              </a:rPr>
+              <a:t>어떤 점이 불편하셨나요</a:t>
+            </a:r>
+            <a:r>
+              <a:rPr lang="en-US" altLang="ko-KR" sz="900" b="1" dirty="0" smtClean="0">
+                <a:solidFill>
+                  <a:schemeClr val="tx1">
+                    <a:lumMod val="65000"/>
+                    <a:lumOff val="35000"/>
+                  </a:schemeClr>
+                </a:solidFill>
+              </a:rPr>
+              <a:t>?</a:t>
+            </a:r>
+            <a:endParaRPr lang="ko-KR" altLang="en-US" sz="900" b="1" dirty="0">
+              <a:solidFill>
+                <a:schemeClr val="tx1">
+                  <a:lumMod val="65000"/>
+                  <a:lumOff val="35000"/>
+                </a:schemeClr>
+              </a:solidFill>
+            </a:endParaRPr>
+          </a:p>
+        </p:txBody>
+      </p:sp>
+      <p:sp>
+        <p:nvSpPr>
+          <p:cNvPr id="22" name="직사각형 21"/>
+          <p:cNvSpPr/>
+          <p:nvPr/>
+        </p:nvSpPr>
+        <p:spPr>
+          <a:xfrm>
+            <a:off x="4131352" y="2128056"/>
+            <a:ext cx="4046490" cy="233666"/>
+          </a:xfrm>
+          <a:prstGeom prst="rect">
+            <a:avLst/>
+          </a:prstGeom>
+          <a:solidFill>
+            <a:schemeClr val="bg1"/>
+          </a:solidFill>
+          <a:ln>
+            <a:solidFill>
+              <a:schemeClr val="bg1"/>
+            </a:solidFill>
+          </a:ln>
+        </p:spPr>
+        <p:style>
+          <a:lnRef idx="2">
+            <a:schemeClr val="accent1">
+              <a:shade val="50000"/>
+            </a:schemeClr>
+          </a:lnRef>
+          <a:fillRef idx="1">
+            <a:schemeClr val="accent1"/>
+          </a:fillRef>
+          <a:effectRef idx="0">
+            <a:schemeClr val="accent1"/>
+          </a:effectRef>
+          <a:fontRef idx="minor">
+            <a:schemeClr val="lt1"/>
+          </a:fontRef>
+        </p:style>
+        <p:txBody>
+          <a:bodyPr rtlCol="0" anchor="ctr"/>
+          <a:lstStyle/>
+          <a:p>
+            <a:r>
+              <a:rPr lang="ko-KR" altLang="en-US" sz="750" b="1" dirty="0" err="1" smtClean="0">
+                <a:solidFill>
+                  <a:schemeClr val="tx1">
+                    <a:lumMod val="65000"/>
+                    <a:lumOff val="35000"/>
+                  </a:schemeClr>
+                </a:solidFill>
+              </a:rPr>
+              <a:t>펀펀을</a:t>
+            </a:r>
+            <a:r>
+              <a:rPr lang="ko-KR" altLang="en-US" sz="750" b="1" dirty="0" smtClean="0">
+                <a:solidFill>
+                  <a:schemeClr val="tx1">
+                    <a:lumMod val="65000"/>
+                    <a:lumOff val="35000"/>
+                  </a:schemeClr>
+                </a:solidFill>
+              </a:rPr>
+              <a:t> 이용하면서 불편했던 점을 말씀해주시면 서비스 개선에 참고 하도록 하겠습니다</a:t>
+            </a:r>
+            <a:endParaRPr lang="ko-KR" altLang="en-US" sz="750" b="1" dirty="0">
+              <a:solidFill>
+                <a:schemeClr val="tx1">
+                  <a:lumMod val="65000"/>
+                  <a:lumOff val="35000"/>
+                </a:schemeClr>
+              </a:solidFill>
+            </a:endParaRPr>
+          </a:p>
+        </p:txBody>
+      </p:sp>
+      <p:sp>
+        <p:nvSpPr>
+          <p:cNvPr id="23" name="직사각형 22"/>
+          <p:cNvSpPr/>
+          <p:nvPr/>
+        </p:nvSpPr>
+        <p:spPr>
+          <a:xfrm>
+            <a:off x="4256852" y="2499332"/>
+            <a:ext cx="1807518" cy="276311"/>
+          </a:xfrm>
+          <a:prstGeom prst="rect">
+            <a:avLst/>
+          </a:prstGeom>
+          <a:solidFill>
+            <a:schemeClr val="bg1"/>
+          </a:solidFill>
+          <a:ln>
+            <a:solidFill>
+              <a:schemeClr val="bg1">
+                <a:lumMod val="50000"/>
+              </a:schemeClr>
+            </a:solidFill>
+          </a:ln>
+        </p:spPr>
+        <p:style>
+          <a:lnRef idx="2">
+            <a:schemeClr val="accent1">
+              <a:shade val="50000"/>
+            </a:schemeClr>
+          </a:lnRef>
+          <a:fillRef idx="1">
+            <a:schemeClr val="accent1"/>
+          </a:fillRef>
+          <a:effectRef idx="0">
+            <a:schemeClr val="accent1"/>
+          </a:effectRef>
+          <a:fontRef idx="minor">
+            <a:schemeClr val="lt1"/>
+          </a:fontRef>
+        </p:style>
+        <p:txBody>
+          <a:bodyPr rtlCol="0" anchor="ctr"/>
+          <a:lstStyle/>
+          <a:p>
+            <a:r>
+              <a:rPr lang="ko-KR" altLang="en-US" sz="800" dirty="0" smtClean="0">
+                <a:solidFill>
+                  <a:schemeClr val="tx1"/>
+                </a:solidFill>
+              </a:rPr>
+              <a:t>탈퇴사유는 무엇인가요</a:t>
+            </a:r>
+            <a:r>
+              <a:rPr lang="en-US" altLang="ko-KR" sz="800" dirty="0" smtClean="0">
+                <a:solidFill>
+                  <a:schemeClr val="tx1"/>
+                </a:solidFill>
+              </a:rPr>
+              <a:t>?</a:t>
+            </a:r>
+            <a:r>
+              <a:rPr lang="ko-KR" altLang="en-US" sz="800" dirty="0" smtClean="0">
+                <a:solidFill>
+                  <a:schemeClr val="tx1"/>
+                </a:solidFill>
+              </a:rPr>
+              <a:t>              </a:t>
+            </a:r>
+            <a:endParaRPr lang="ko-KR" altLang="en-US" sz="800" dirty="0">
+              <a:solidFill>
+                <a:schemeClr val="tx1"/>
+              </a:solidFill>
+            </a:endParaRPr>
+          </a:p>
+        </p:txBody>
+      </p:sp>
+      <p:pic>
+        <p:nvPicPr>
+          <p:cNvPr id="24" name="그림 23"/>
+          <p:cNvPicPr>
+            <a:picLocks noChangeAspect="1"/>
+          </p:cNvPicPr>
+          <p:nvPr/>
+        </p:nvPicPr>
+        <p:blipFill>
+          <a:blip r:embed="rId3" cstate="print">
+            <a:extLst>
+              <a:ext uri="{28A0092B-C50C-407E-A947-70E740481C1C}">
+                <a14:useLocalDpi xmlns:a14="http://schemas.microsoft.com/office/drawing/2010/main" val="0"/>
+              </a:ext>
+            </a:extLst>
+          </a:blip>
+          <a:stretch>
+            <a:fillRect/>
+          </a:stretch>
+        </p:blipFill>
+        <p:spPr>
+          <a:xfrm>
+            <a:off x="5883956" y="2592729"/>
+            <a:ext cx="106768" cy="106768"/>
+          </a:xfrm>
+          <a:prstGeom prst="rect">
+            <a:avLst/>
+          </a:prstGeom>
+        </p:spPr>
+      </p:pic>
+      <p:sp>
+        <p:nvSpPr>
+          <p:cNvPr id="25" name="직사각형 24"/>
+          <p:cNvSpPr/>
+          <p:nvPr/>
+        </p:nvSpPr>
+        <p:spPr>
+          <a:xfrm>
+            <a:off x="4131353" y="3011195"/>
+            <a:ext cx="1829500" cy="132778"/>
+          </a:xfrm>
+          <a:prstGeom prst="rect">
+            <a:avLst/>
+          </a:prstGeom>
+          <a:solidFill>
+            <a:schemeClr val="bg1"/>
+          </a:solidFill>
+          <a:ln>
+            <a:solidFill>
+              <a:schemeClr val="bg1"/>
+            </a:solidFill>
+          </a:ln>
+        </p:spPr>
+        <p:style>
+          <a:lnRef idx="2">
+            <a:schemeClr val="accent1">
+              <a:shade val="50000"/>
+            </a:schemeClr>
+          </a:lnRef>
+          <a:fillRef idx="1">
+            <a:schemeClr val="accent1"/>
+          </a:fillRef>
+          <a:effectRef idx="0">
+            <a:schemeClr val="accent1"/>
+          </a:effectRef>
+          <a:fontRef idx="minor">
+            <a:schemeClr val="lt1"/>
+          </a:fontRef>
+        </p:style>
+        <p:txBody>
+          <a:bodyPr rtlCol="0" anchor="ctr"/>
+          <a:lstStyle/>
+          <a:p>
+            <a:r>
+              <a:rPr lang="ko-KR" altLang="en-US" sz="900" b="1" dirty="0" smtClean="0">
+                <a:solidFill>
+                  <a:schemeClr val="tx1">
+                    <a:lumMod val="65000"/>
+                    <a:lumOff val="35000"/>
+                  </a:schemeClr>
+                </a:solidFill>
+              </a:rPr>
+              <a:t>탈퇴 전</a:t>
+            </a:r>
+            <a:r>
+              <a:rPr lang="en-US" altLang="ko-KR" sz="900" b="1" dirty="0" smtClean="0">
+                <a:solidFill>
+                  <a:schemeClr val="tx1">
+                    <a:lumMod val="65000"/>
+                    <a:lumOff val="35000"/>
+                  </a:schemeClr>
+                </a:solidFill>
+              </a:rPr>
+              <a:t>, </a:t>
+            </a:r>
+            <a:r>
+              <a:rPr lang="ko-KR" altLang="en-US" sz="900" b="1" dirty="0" smtClean="0">
+                <a:solidFill>
+                  <a:schemeClr val="tx1">
+                    <a:lumMod val="65000"/>
+                    <a:lumOff val="35000"/>
+                  </a:schemeClr>
+                </a:solidFill>
+              </a:rPr>
+              <a:t>꼭 확인하세요</a:t>
+            </a:r>
+            <a:r>
+              <a:rPr lang="en-US" altLang="ko-KR" sz="900" b="1" dirty="0" smtClean="0">
+                <a:solidFill>
+                  <a:schemeClr val="tx1">
+                    <a:lumMod val="65000"/>
+                    <a:lumOff val="35000"/>
+                  </a:schemeClr>
+                </a:solidFill>
+              </a:rPr>
+              <a:t>!</a:t>
+            </a:r>
+            <a:endParaRPr lang="ko-KR" altLang="en-US" sz="900" b="1" dirty="0">
+              <a:solidFill>
+                <a:schemeClr val="tx1">
+                  <a:lumMod val="65000"/>
+                  <a:lumOff val="35000"/>
+                </a:schemeClr>
+              </a:solidFill>
+            </a:endParaRPr>
+          </a:p>
+        </p:txBody>
+      </p:sp>
+      <p:sp>
+        <p:nvSpPr>
+          <p:cNvPr id="28" name="직사각형 27"/>
+          <p:cNvSpPr/>
+          <p:nvPr/>
+        </p:nvSpPr>
+        <p:spPr>
+          <a:xfrm>
+            <a:off x="4131352" y="3143973"/>
+            <a:ext cx="4046490" cy="233666"/>
+          </a:xfrm>
+          <a:prstGeom prst="rect">
+            <a:avLst/>
+          </a:prstGeom>
+          <a:solidFill>
+            <a:schemeClr val="bg1"/>
+          </a:solidFill>
+          <a:ln>
+            <a:solidFill>
+              <a:schemeClr val="bg1"/>
+            </a:solidFill>
+          </a:ln>
+        </p:spPr>
+        <p:style>
+          <a:lnRef idx="2">
+            <a:schemeClr val="accent1">
+              <a:shade val="50000"/>
+            </a:schemeClr>
+          </a:lnRef>
+          <a:fillRef idx="1">
+            <a:schemeClr val="accent1"/>
+          </a:fillRef>
+          <a:effectRef idx="0">
+            <a:schemeClr val="accent1"/>
+          </a:effectRef>
+          <a:fontRef idx="minor">
+            <a:schemeClr val="lt1"/>
+          </a:fontRef>
+        </p:style>
+        <p:txBody>
+          <a:bodyPr rtlCol="0" anchor="ctr"/>
+          <a:lstStyle/>
+          <a:p>
+            <a:r>
+              <a:rPr lang="ko-KR" altLang="en-US" sz="750" b="1" smtClean="0">
+                <a:solidFill>
+                  <a:schemeClr val="tx1">
+                    <a:lumMod val="65000"/>
+                    <a:lumOff val="35000"/>
+                  </a:schemeClr>
+                </a:solidFill>
+              </a:rPr>
+              <a:t>탈퇴 전 반드시 아래 유의사항을 확인하시기 바랍니다</a:t>
+            </a:r>
+            <a:endParaRPr lang="ko-KR" altLang="en-US" sz="750" b="1" dirty="0">
+              <a:solidFill>
+                <a:schemeClr val="tx1">
+                  <a:lumMod val="65000"/>
+                  <a:lumOff val="35000"/>
+                </a:schemeClr>
+              </a:solidFill>
+            </a:endParaRPr>
+          </a:p>
+        </p:txBody>
+      </p:sp>
+      <p:sp>
+        <p:nvSpPr>
+          <p:cNvPr id="29" name="직사각형 28"/>
+          <p:cNvSpPr/>
+          <p:nvPr/>
+        </p:nvSpPr>
+        <p:spPr>
+          <a:xfrm>
+            <a:off x="4131352" y="3454851"/>
+            <a:ext cx="4046490" cy="233666"/>
+          </a:xfrm>
+          <a:prstGeom prst="rect">
+            <a:avLst/>
+          </a:prstGeom>
+          <a:solidFill>
+            <a:schemeClr val="bg1"/>
+          </a:solidFill>
+          <a:ln>
+            <a:solidFill>
+              <a:schemeClr val="bg1"/>
+            </a:solidFill>
+          </a:ln>
+        </p:spPr>
+        <p:style>
+          <a:lnRef idx="2">
+            <a:schemeClr val="accent1">
+              <a:shade val="50000"/>
+            </a:schemeClr>
+          </a:lnRef>
+          <a:fillRef idx="1">
+            <a:schemeClr val="accent1"/>
+          </a:fillRef>
+          <a:effectRef idx="0">
+            <a:schemeClr val="accent1"/>
+          </a:effectRef>
+          <a:fontRef idx="minor">
+            <a:schemeClr val="lt1"/>
+          </a:fontRef>
+        </p:style>
+        <p:txBody>
+          <a:bodyPr rtlCol="0" anchor="ctr"/>
+          <a:lstStyle/>
+          <a:p>
+            <a:r>
+              <a:rPr lang="ko-KR" altLang="en-US" sz="750" b="1" smtClean="0">
+                <a:solidFill>
+                  <a:schemeClr val="tx1">
+                    <a:lumMod val="65000"/>
+                    <a:lumOff val="35000"/>
+                  </a:schemeClr>
+                </a:solidFill>
+              </a:rPr>
+              <a:t>탈퇴 후 개인 정보를 일괄 삭제</a:t>
+            </a:r>
+            <a:endParaRPr lang="ko-KR" altLang="en-US" sz="750" b="1" dirty="0">
+              <a:solidFill>
+                <a:schemeClr val="tx1">
+                  <a:lumMod val="65000"/>
+                  <a:lumOff val="35000"/>
+                </a:schemeClr>
               </a:solidFill>
             </a:endParaRPr>
           </a:p>
@@ -47223,7 +48579,7 @@
   <a:extraClrSchemeLst/>
   <a:extLst>
     <a:ext uri="{05A4C25C-085E-4340-85A3-A5531E510DB2}">
-      <thm15:themeFamily xmlns:thm15="http://schemas.microsoft.com/office/thememl/2012/main" xmlns="" name="Office Theme" id="{62F939B6-93AF-4DB8-9C6B-D6C7DFDC589F}" vid="{4A3C46E8-61CC-4603-A589-7422A47A8E4A}"/>
+      <thm15:themeFamily xmlns="" xmlns:thm15="http://schemas.microsoft.com/office/thememl/2012/main" name="Office Theme" id="{62F939B6-93AF-4DB8-9C6B-D6C7DFDC589F}" vid="{4A3C46E8-61CC-4603-A589-7422A47A8E4A}"/>
     </a:ext>
   </a:extLst>
 </a:theme>
@@ -47484,7 +48840,7 @@
   <a:extraClrSchemeLst/>
   <a:extLst>
     <a:ext uri="{05A4C25C-085E-4340-85A3-A5531E510DB2}">
-      <thm15:themeFamily xmlns:thm15="http://schemas.microsoft.com/office/thememl/2012/main" xmlns="" name="Office Theme" id="{62F939B6-93AF-4DB8-9C6B-D6C7DFDC589F}" vid="{4A3C46E8-61CC-4603-A589-7422A47A8E4A}"/>
+      <thm15:themeFamily xmlns="" xmlns:thm15="http://schemas.microsoft.com/office/thememl/2012/main" name="Office Theme" id="{62F939B6-93AF-4DB8-9C6B-D6C7DFDC589F}" vid="{4A3C46E8-61CC-4603-A589-7422A47A8E4A}"/>
     </a:ext>
   </a:extLst>
 </a:theme>
